--- a/presentation.pptx
+++ b/presentation.pptx
@@ -1,49 +1,50 @@
 
 <file path=ppt/presentation.xml><?xml version="1.0" encoding="utf-8"?>
-<p:presentation xmlns:a="http://schemas.openxmlformats.org/drawingml/2006/main" xmlns:r="http://schemas.openxmlformats.org/officeDocument/2006/relationships" xmlns:mc="http://schemas.openxmlformats.org/markup-compatibility/2006" xmlns:mv="urn:schemas-microsoft-com:mac:vml" xmlns:p="http://schemas.openxmlformats.org/presentationml/2006/main" xmlns:c="http://schemas.openxmlformats.org/drawingml/2006/chart" xmlns:dgm="http://schemas.openxmlformats.org/drawingml/2006/diagram" xmlns:o="urn:schemas-microsoft-com:office:office" xmlns:v="urn:schemas-microsoft-com:vml" xmlns:pvml="urn:schemas-microsoft-com:office:powerpoint" xmlns:com="http://schemas.openxmlformats.org/drawingml/2006/compatibility" xmlns:p14="http://schemas.microsoft.com/office/powerpoint/2010/main" xmlns:p15="http://schemas.microsoft.com/office/powerpoint/2012/main" autoCompressPictures="0" embedTrueTypeFonts="1" strictFirstAndLastChars="0" saveSubsetFonts="1">
+<p:presentation xmlns:a="http://schemas.openxmlformats.org/drawingml/2006/main" xmlns:r="http://schemas.openxmlformats.org/officeDocument/2006/relationships" xmlns:p="http://schemas.openxmlformats.org/presentationml/2006/main" strictFirstAndLastChars="0" embedTrueTypeFonts="1" saveSubsetFonts="1" autoCompressPictures="0">
   <p:sldMasterIdLst>
-    <p:sldMasterId id="2147483648" r:id="rId4"/>
+    <p:sldMasterId id="2147483648" r:id="rId1"/>
   </p:sldMasterIdLst>
   <p:notesMasterIdLst>
-    <p:notesMasterId r:id="rId5"/>
+    <p:notesMasterId r:id="rId9"/>
   </p:notesMasterIdLst>
   <p:sldIdLst>
-    <p:sldId id="256" r:id="rId6"/>
-    <p:sldId id="257" r:id="rId7"/>
-    <p:sldId id="258" r:id="rId8"/>
-    <p:sldId id="259" r:id="rId9"/>
-    <p:sldId id="260" r:id="rId10"/>
-    <p:sldId id="261" r:id="rId11"/>
+    <p:sldId id="256" r:id="rId2"/>
+    <p:sldId id="257" r:id="rId3"/>
+    <p:sldId id="258" r:id="rId4"/>
+    <p:sldId id="259" r:id="rId5"/>
+    <p:sldId id="260" r:id="rId6"/>
+    <p:sldId id="261" r:id="rId7"/>
+    <p:sldId id="262" r:id="rId8"/>
   </p:sldIdLst>
-  <p:sldSz cy="5143500" cx="9144000"/>
+  <p:sldSz cx="9144000" cy="5143500" type="screen16x9"/>
   <p:notesSz cx="6858000" cy="9144000"/>
   <p:embeddedFontLst>
     <p:embeddedFont>
-      <p:font typeface="Raleway"/>
-      <p:regular r:id="rId12"/>
-      <p:bold r:id="rId13"/>
-      <p:italic r:id="rId14"/>
-      <p:boldItalic r:id="rId15"/>
+      <p:font typeface="Lato" panose="020F0502020204030203" pitchFamily="34" charset="0"/>
+      <p:regular r:id="rId10"/>
+      <p:bold r:id="rId11"/>
+      <p:italic r:id="rId12"/>
+      <p:boldItalic r:id="rId13"/>
     </p:embeddedFont>
     <p:embeddedFont>
-      <p:font typeface="Encode Sans SemiBold"/>
-      <p:regular r:id="rId16"/>
-      <p:bold r:id="rId17"/>
+      <p:font typeface="Cutive" panose="020B0604020202020204" charset="0"/>
+      <p:regular r:id="rId14"/>
     </p:embeddedFont>
     <p:embeddedFont>
-      <p:font typeface="Lato"/>
-      <p:regular r:id="rId18"/>
-      <p:bold r:id="rId19"/>
-      <p:italic r:id="rId20"/>
-      <p:boldItalic r:id="rId21"/>
+      <p:font typeface="Encode Sans SemiBold" panose="020B0604020202020204" charset="0"/>
+      <p:regular r:id="rId15"/>
+      <p:bold r:id="rId16"/>
     </p:embeddedFont>
     <p:embeddedFont>
-      <p:font typeface="Cutive"/>
-      <p:regular r:id="rId22"/>
+      <p:font typeface="Raleway" panose="020B0503030101060003" pitchFamily="34" charset="0"/>
+      <p:regular r:id="rId17"/>
+      <p:bold r:id="rId18"/>
+      <p:italic r:id="rId19"/>
+      <p:boldItalic r:id="rId20"/>
     </p:embeddedFont>
   </p:embeddedFontLst>
   <p:defaultTextStyle>
-    <a:defPPr lvl="0" marR="0" rtl="0" algn="l">
+    <a:defPPr marR="0" lvl="0" algn="l" rtl="0">
       <a:lnSpc>
         <a:spcPct val="100000"/>
       </a:lnSpc>
@@ -54,7 +55,7 @@
         <a:spcPts val="0"/>
       </a:spcAft>
     </a:defPPr>
-    <a:lvl1pPr lvl="0" marR="0" rtl="0" algn="l">
+    <a:lvl1pPr marR="0" lvl="0" algn="l" rtl="0">
       <a:lnSpc>
         <a:spcPct val="100000"/>
       </a:lnSpc>
@@ -68,7 +69,7 @@
         <a:srgbClr val="000000"/>
       </a:buClr>
       <a:buFont typeface="Arial"/>
-      <a:defRPr b="0" i="0" sz="1400" u="none" cap="none" strike="noStrike">
+      <a:defRPr sz="1400" b="0" i="0" u="none" strike="noStrike" cap="none">
         <a:solidFill>
           <a:srgbClr val="000000"/>
         </a:solidFill>
@@ -78,7 +79,7 @@
         <a:sym typeface="Arial"/>
       </a:defRPr>
     </a:lvl1pPr>
-    <a:lvl2pPr lvl="1" marR="0" rtl="0" algn="l">
+    <a:lvl2pPr marR="0" lvl="1" algn="l" rtl="0">
       <a:lnSpc>
         <a:spcPct val="100000"/>
       </a:lnSpc>
@@ -92,7 +93,7 @@
         <a:srgbClr val="000000"/>
       </a:buClr>
       <a:buFont typeface="Arial"/>
-      <a:defRPr b="0" i="0" sz="1400" u="none" cap="none" strike="noStrike">
+      <a:defRPr sz="1400" b="0" i="0" u="none" strike="noStrike" cap="none">
         <a:solidFill>
           <a:srgbClr val="000000"/>
         </a:solidFill>
@@ -102,7 +103,7 @@
         <a:sym typeface="Arial"/>
       </a:defRPr>
     </a:lvl2pPr>
-    <a:lvl3pPr lvl="2" marR="0" rtl="0" algn="l">
+    <a:lvl3pPr marR="0" lvl="2" algn="l" rtl="0">
       <a:lnSpc>
         <a:spcPct val="100000"/>
       </a:lnSpc>
@@ -116,7 +117,7 @@
         <a:srgbClr val="000000"/>
       </a:buClr>
       <a:buFont typeface="Arial"/>
-      <a:defRPr b="0" i="0" sz="1400" u="none" cap="none" strike="noStrike">
+      <a:defRPr sz="1400" b="0" i="0" u="none" strike="noStrike" cap="none">
         <a:solidFill>
           <a:srgbClr val="000000"/>
         </a:solidFill>
@@ -126,7 +127,7 @@
         <a:sym typeface="Arial"/>
       </a:defRPr>
     </a:lvl3pPr>
-    <a:lvl4pPr lvl="3" marR="0" rtl="0" algn="l">
+    <a:lvl4pPr marR="0" lvl="3" algn="l" rtl="0">
       <a:lnSpc>
         <a:spcPct val="100000"/>
       </a:lnSpc>
@@ -140,7 +141,7 @@
         <a:srgbClr val="000000"/>
       </a:buClr>
       <a:buFont typeface="Arial"/>
-      <a:defRPr b="0" i="0" sz="1400" u="none" cap="none" strike="noStrike">
+      <a:defRPr sz="1400" b="0" i="0" u="none" strike="noStrike" cap="none">
         <a:solidFill>
           <a:srgbClr val="000000"/>
         </a:solidFill>
@@ -150,7 +151,7 @@
         <a:sym typeface="Arial"/>
       </a:defRPr>
     </a:lvl4pPr>
-    <a:lvl5pPr lvl="4" marR="0" rtl="0" algn="l">
+    <a:lvl5pPr marR="0" lvl="4" algn="l" rtl="0">
       <a:lnSpc>
         <a:spcPct val="100000"/>
       </a:lnSpc>
@@ -164,7 +165,7 @@
         <a:srgbClr val="000000"/>
       </a:buClr>
       <a:buFont typeface="Arial"/>
-      <a:defRPr b="0" i="0" sz="1400" u="none" cap="none" strike="noStrike">
+      <a:defRPr sz="1400" b="0" i="0" u="none" strike="noStrike" cap="none">
         <a:solidFill>
           <a:srgbClr val="000000"/>
         </a:solidFill>
@@ -174,7 +175,7 @@
         <a:sym typeface="Arial"/>
       </a:defRPr>
     </a:lvl5pPr>
-    <a:lvl6pPr lvl="5" marR="0" rtl="0" algn="l">
+    <a:lvl6pPr marR="0" lvl="5" algn="l" rtl="0">
       <a:lnSpc>
         <a:spcPct val="100000"/>
       </a:lnSpc>
@@ -188,7 +189,7 @@
         <a:srgbClr val="000000"/>
       </a:buClr>
       <a:buFont typeface="Arial"/>
-      <a:defRPr b="0" i="0" sz="1400" u="none" cap="none" strike="noStrike">
+      <a:defRPr sz="1400" b="0" i="0" u="none" strike="noStrike" cap="none">
         <a:solidFill>
           <a:srgbClr val="000000"/>
         </a:solidFill>
@@ -198,7 +199,7 @@
         <a:sym typeface="Arial"/>
       </a:defRPr>
     </a:lvl6pPr>
-    <a:lvl7pPr lvl="6" marR="0" rtl="0" algn="l">
+    <a:lvl7pPr marR="0" lvl="6" algn="l" rtl="0">
       <a:lnSpc>
         <a:spcPct val="100000"/>
       </a:lnSpc>
@@ -212,7 +213,7 @@
         <a:srgbClr val="000000"/>
       </a:buClr>
       <a:buFont typeface="Arial"/>
-      <a:defRPr b="0" i="0" sz="1400" u="none" cap="none" strike="noStrike">
+      <a:defRPr sz="1400" b="0" i="0" u="none" strike="noStrike" cap="none">
         <a:solidFill>
           <a:srgbClr val="000000"/>
         </a:solidFill>
@@ -222,7 +223,7 @@
         <a:sym typeface="Arial"/>
       </a:defRPr>
     </a:lvl7pPr>
-    <a:lvl8pPr lvl="7" marR="0" rtl="0" algn="l">
+    <a:lvl8pPr marR="0" lvl="7" algn="l" rtl="0">
       <a:lnSpc>
         <a:spcPct val="100000"/>
       </a:lnSpc>
@@ -236,7 +237,7 @@
         <a:srgbClr val="000000"/>
       </a:buClr>
       <a:buFont typeface="Arial"/>
-      <a:defRPr b="0" i="0" sz="1400" u="none" cap="none" strike="noStrike">
+      <a:defRPr sz="1400" b="0" i="0" u="none" strike="noStrike" cap="none">
         <a:solidFill>
           <a:srgbClr val="000000"/>
         </a:solidFill>
@@ -246,7 +247,7 @@
         <a:sym typeface="Arial"/>
       </a:defRPr>
     </a:lvl8pPr>
-    <a:lvl9pPr lvl="8" marR="0" rtl="0" algn="l">
+    <a:lvl9pPr marR="0" lvl="8" algn="l" rtl="0">
       <a:lnSpc>
         <a:spcPct val="100000"/>
       </a:lnSpc>
@@ -260,7 +261,7 @@
         <a:srgbClr val="000000"/>
       </a:buClr>
       <a:buFont typeface="Arial"/>
-      <a:defRPr b="0" i="0" sz="1400" u="none" cap="none" strike="noStrike">
+      <a:defRPr sz="1400" b="0" i="0" u="none" strike="noStrike" cap="none">
         <a:solidFill>
           <a:srgbClr val="000000"/>
         </a:solidFill>
@@ -273,7 +274,7 @@
   </p:defaultTextStyle>
   <p:extLst>
     <p:ext uri="{EFAFB233-063F-42B5-8137-9DF3F51BA10A}">
-      <p15:sldGuideLst>
+      <p15:sldGuideLst xmlns:p15="http://schemas.microsoft.com/office/powerpoint/2012/main">
         <p15:guide id="1" orient="horz" pos="1620">
           <p15:clr>
             <a:srgbClr val="A4A3A4"/>
@@ -287,25 +288,26 @@
       </p15:sldGuideLst>
     </p:ext>
     <p:ext uri="http://customooxmlschemas.google.com/">
-      <go:slidesCustomData xmlns:go="http://customooxmlschemas.google.com/" r:id="rId23" roundtripDataSignature="AMtx7mjNfzoQX/sotB2oM/1LaBnd50mvTw=="/>
+      <go:slidesCustomData xmlns:go="http://customooxmlschemas.google.com/" xmlns:p15="http://schemas.microsoft.com/office/powerpoint/2012/main" xmlns:p14="http://schemas.microsoft.com/office/powerpoint/2010/main" xmlns:com="http://schemas.openxmlformats.org/drawingml/2006/compatibility" xmlns:pvml="urn:schemas-microsoft-com:office:powerpoint" xmlns:v="urn:schemas-microsoft-com:vml" xmlns:o="urn:schemas-microsoft-com:office:office" xmlns:dgm="http://schemas.openxmlformats.org/drawingml/2006/diagram" xmlns:c="http://schemas.openxmlformats.org/drawingml/2006/chart" xmlns:mv="urn:schemas-microsoft-com:mac:vml" xmlns:mc="http://schemas.openxmlformats.org/markup-compatibility/2006" xmlns="" r:id="rId23" roundtripDataSignature="AMtx7mjNfzoQX/sotB2oM/1LaBnd50mvTw=="/>
     </p:ext>
   </p:extLst>
 </p:presentation>
 </file>
 
 <file path=ppt/notesMasters/notesMaster1.xml><?xml version="1.0" encoding="utf-8"?>
-<p:notesMaster xmlns:a="http://schemas.openxmlformats.org/drawingml/2006/main" xmlns:r="http://schemas.openxmlformats.org/officeDocument/2006/relationships" xmlns:mc="http://schemas.openxmlformats.org/markup-compatibility/2006" xmlns:mv="urn:schemas-microsoft-com:mac:vml" xmlns:p="http://schemas.openxmlformats.org/presentationml/2006/main" xmlns:c="http://schemas.openxmlformats.org/drawingml/2006/chart" xmlns:dgm="http://schemas.openxmlformats.org/drawingml/2006/diagram" xmlns:o="urn:schemas-microsoft-com:office:office" xmlns:v="urn:schemas-microsoft-com:vml" xmlns:pvml="urn:schemas-microsoft-com:office:powerpoint" xmlns:com="http://schemas.openxmlformats.org/drawingml/2006/compatibility" xmlns:p14="http://schemas.microsoft.com/office/powerpoint/2010/main" xmlns:p15="http://schemas.microsoft.com/office/powerpoint/2012/main">
+<p:notesMaster xmlns:a="http://schemas.openxmlformats.org/drawingml/2006/main" xmlns:r="http://schemas.openxmlformats.org/officeDocument/2006/relationships" xmlns:p="http://schemas.openxmlformats.org/presentationml/2006/main">
   <p:cSld>
     <p:bg>
       <p:bgPr>
         <a:solidFill>
           <a:schemeClr val="lt1"/>
         </a:solidFill>
+        <a:effectLst/>
       </p:bgPr>
     </p:bg>
     <p:spTree>
       <p:nvGrpSpPr>
-        <p:cNvPr id="2" name="Shape 2"/>
+        <p:cNvPr id="1" name="Shape 2"/>
         <p:cNvGrpSpPr/>
         <p:nvPr/>
       </p:nvGrpSpPr>
@@ -320,9 +322,11 @@
       <p:sp>
         <p:nvSpPr>
           <p:cNvPr id="3" name="Google Shape;3;n"/>
-          <p:cNvSpPr/>
+          <p:cNvSpPr>
+            <a:spLocks noGrp="1" noRot="1" noChangeAspect="1"/>
+          </p:cNvSpPr>
           <p:nvPr>
-            <p:ph idx="2" type="sldImg"/>
+            <p:ph type="sldImg" idx="2"/>
           </p:nvPr>
         </p:nvSpPr>
         <p:spPr>
@@ -331,9 +335,13 @@
             <a:ext cx="6096075" cy="3429000"/>
           </a:xfrm>
           <a:custGeom>
-            <a:rect b="b" l="l" r="r" t="t"/>
+            <a:avLst/>
+            <a:gdLst/>
+            <a:ahLst/>
+            <a:cxnLst/>
+            <a:rect l="l" t="t" r="r" b="b"/>
             <a:pathLst>
-              <a:path extrusionOk="0" h="120000" w="120000">
+              <a:path w="120000" h="120000" extrusionOk="0">
                 <a:moveTo>
                   <a:pt x="0" y="0"/>
                 </a:moveTo>
@@ -351,23 +359,25 @@
             </a:pathLst>
           </a:custGeom>
           <a:noFill/>
-          <a:ln cap="flat" cmpd="sng" w="9525">
+          <a:ln w="9525" cap="flat" cmpd="sng">
             <a:solidFill>
               <a:srgbClr val="000000"/>
             </a:solidFill>
             <a:prstDash val="solid"/>
             <a:round/>
-            <a:headEnd len="sm" w="sm" type="none"/>
-            <a:tailEnd len="sm" w="sm" type="none"/>
+            <a:headEnd type="none" w="sm" len="sm"/>
+            <a:tailEnd type="none" w="sm" len="sm"/>
           </a:ln>
         </p:spPr>
       </p:sp>
       <p:sp>
         <p:nvSpPr>
           <p:cNvPr id="4" name="Google Shape;4;n"/>
-          <p:cNvSpPr txBox="1"/>
+          <p:cNvSpPr txBox="1">
+            <a:spLocks noGrp="1"/>
+          </p:cNvSpPr>
           <p:nvPr>
-            <p:ph idx="1" type="body"/>
+            <p:ph type="body" idx="1"/>
           </p:nvPr>
         </p:nvSpPr>
         <p:spPr>
@@ -384,11 +394,11 @@
           </a:ln>
         </p:spPr>
         <p:txBody>
-          <a:bodyPr anchorCtr="0" anchor="t" bIns="91425" lIns="91425" spcFirstLastPara="1" rIns="91425" wrap="square" tIns="91425">
+          <a:bodyPr spcFirstLastPara="1" wrap="square" lIns="91425" tIns="91425" rIns="91425" bIns="91425" anchor="t" anchorCtr="0">
             <a:noAutofit/>
           </a:bodyPr>
           <a:lstStyle>
-            <a:lvl1pPr indent="-298450" lvl="0" marL="457200" marR="0" rtl="0" algn="l">
+            <a:lvl1pPr marL="457200" marR="0" lvl="0" indent="-298450" algn="l" rtl="0">
               <a:lnSpc>
                 <a:spcPct val="100000"/>
               </a:lnSpc>
@@ -404,7 +414,7 @@
               <a:buSzPts val="1100"/>
               <a:buFont typeface="Arial"/>
               <a:buChar char="●"/>
-              <a:defRPr b="0" i="0" sz="1100" u="none" cap="none" strike="noStrike">
+              <a:defRPr sz="1100" b="0" i="0" u="none" strike="noStrike" cap="none">
                 <a:solidFill>
                   <a:srgbClr val="000000"/>
                 </a:solidFill>
@@ -414,7 +424,7 @@
                 <a:sym typeface="Arial"/>
               </a:defRPr>
             </a:lvl1pPr>
-            <a:lvl2pPr indent="-298450" lvl="1" marL="914400" marR="0" rtl="0" algn="l">
+            <a:lvl2pPr marL="914400" marR="0" lvl="1" indent="-298450" algn="l" rtl="0">
               <a:lnSpc>
                 <a:spcPct val="100000"/>
               </a:lnSpc>
@@ -430,7 +440,7 @@
               <a:buSzPts val="1100"/>
               <a:buFont typeface="Arial"/>
               <a:buChar char="○"/>
-              <a:defRPr b="0" i="0" sz="1100" u="none" cap="none" strike="noStrike">
+              <a:defRPr sz="1100" b="0" i="0" u="none" strike="noStrike" cap="none">
                 <a:solidFill>
                   <a:srgbClr val="000000"/>
                 </a:solidFill>
@@ -440,7 +450,7 @@
                 <a:sym typeface="Arial"/>
               </a:defRPr>
             </a:lvl2pPr>
-            <a:lvl3pPr indent="-298450" lvl="2" marL="1371600" marR="0" rtl="0" algn="l">
+            <a:lvl3pPr marL="1371600" marR="0" lvl="2" indent="-298450" algn="l" rtl="0">
               <a:lnSpc>
                 <a:spcPct val="100000"/>
               </a:lnSpc>
@@ -456,7 +466,7 @@
               <a:buSzPts val="1100"/>
               <a:buFont typeface="Arial"/>
               <a:buChar char="■"/>
-              <a:defRPr b="0" i="0" sz="1100" u="none" cap="none" strike="noStrike">
+              <a:defRPr sz="1100" b="0" i="0" u="none" strike="noStrike" cap="none">
                 <a:solidFill>
                   <a:srgbClr val="000000"/>
                 </a:solidFill>
@@ -466,7 +476,7 @@
                 <a:sym typeface="Arial"/>
               </a:defRPr>
             </a:lvl3pPr>
-            <a:lvl4pPr indent="-298450" lvl="3" marL="1828800" marR="0" rtl="0" algn="l">
+            <a:lvl4pPr marL="1828800" marR="0" lvl="3" indent="-298450" algn="l" rtl="0">
               <a:lnSpc>
                 <a:spcPct val="100000"/>
               </a:lnSpc>
@@ -482,7 +492,7 @@
               <a:buSzPts val="1100"/>
               <a:buFont typeface="Arial"/>
               <a:buChar char="●"/>
-              <a:defRPr b="0" i="0" sz="1100" u="none" cap="none" strike="noStrike">
+              <a:defRPr sz="1100" b="0" i="0" u="none" strike="noStrike" cap="none">
                 <a:solidFill>
                   <a:srgbClr val="000000"/>
                 </a:solidFill>
@@ -492,7 +502,7 @@
                 <a:sym typeface="Arial"/>
               </a:defRPr>
             </a:lvl4pPr>
-            <a:lvl5pPr indent="-298450" lvl="4" marL="2286000" marR="0" rtl="0" algn="l">
+            <a:lvl5pPr marL="2286000" marR="0" lvl="4" indent="-298450" algn="l" rtl="0">
               <a:lnSpc>
                 <a:spcPct val="100000"/>
               </a:lnSpc>
@@ -508,7 +518,7 @@
               <a:buSzPts val="1100"/>
               <a:buFont typeface="Arial"/>
               <a:buChar char="○"/>
-              <a:defRPr b="0" i="0" sz="1100" u="none" cap="none" strike="noStrike">
+              <a:defRPr sz="1100" b="0" i="0" u="none" strike="noStrike" cap="none">
                 <a:solidFill>
                   <a:srgbClr val="000000"/>
                 </a:solidFill>
@@ -518,7 +528,7 @@
                 <a:sym typeface="Arial"/>
               </a:defRPr>
             </a:lvl5pPr>
-            <a:lvl6pPr indent="-298450" lvl="5" marL="2743200" marR="0" rtl="0" algn="l">
+            <a:lvl6pPr marL="2743200" marR="0" lvl="5" indent="-298450" algn="l" rtl="0">
               <a:lnSpc>
                 <a:spcPct val="100000"/>
               </a:lnSpc>
@@ -534,7 +544,7 @@
               <a:buSzPts val="1100"/>
               <a:buFont typeface="Arial"/>
               <a:buChar char="■"/>
-              <a:defRPr b="0" i="0" sz="1100" u="none" cap="none" strike="noStrike">
+              <a:defRPr sz="1100" b="0" i="0" u="none" strike="noStrike" cap="none">
                 <a:solidFill>
                   <a:srgbClr val="000000"/>
                 </a:solidFill>
@@ -544,7 +554,7 @@
                 <a:sym typeface="Arial"/>
               </a:defRPr>
             </a:lvl6pPr>
-            <a:lvl7pPr indent="-298450" lvl="6" marL="3200400" marR="0" rtl="0" algn="l">
+            <a:lvl7pPr marL="3200400" marR="0" lvl="6" indent="-298450" algn="l" rtl="0">
               <a:lnSpc>
                 <a:spcPct val="100000"/>
               </a:lnSpc>
@@ -560,7 +570,7 @@
               <a:buSzPts val="1100"/>
               <a:buFont typeface="Arial"/>
               <a:buChar char="●"/>
-              <a:defRPr b="0" i="0" sz="1100" u="none" cap="none" strike="noStrike">
+              <a:defRPr sz="1100" b="0" i="0" u="none" strike="noStrike" cap="none">
                 <a:solidFill>
                   <a:srgbClr val="000000"/>
                 </a:solidFill>
@@ -570,7 +580,7 @@
                 <a:sym typeface="Arial"/>
               </a:defRPr>
             </a:lvl7pPr>
-            <a:lvl8pPr indent="-298450" lvl="7" marL="3657600" marR="0" rtl="0" algn="l">
+            <a:lvl8pPr marL="3657600" marR="0" lvl="7" indent="-298450" algn="l" rtl="0">
               <a:lnSpc>
                 <a:spcPct val="100000"/>
               </a:lnSpc>
@@ -586,7 +596,7 @@
               <a:buSzPts val="1100"/>
               <a:buFont typeface="Arial"/>
               <a:buChar char="○"/>
-              <a:defRPr b="0" i="0" sz="1100" u="none" cap="none" strike="noStrike">
+              <a:defRPr sz="1100" b="0" i="0" u="none" strike="noStrike" cap="none">
                 <a:solidFill>
                   <a:srgbClr val="000000"/>
                 </a:solidFill>
@@ -596,7 +606,7 @@
                 <a:sym typeface="Arial"/>
               </a:defRPr>
             </a:lvl8pPr>
-            <a:lvl9pPr indent="-298450" lvl="8" marL="4114800" marR="0" rtl="0" algn="l">
+            <a:lvl9pPr marL="4114800" marR="0" lvl="8" indent="-298450" algn="l" rtl="0">
               <a:lnSpc>
                 <a:spcPct val="100000"/>
               </a:lnSpc>
@@ -612,7 +622,7 @@
               <a:buSzPts val="1100"/>
               <a:buFont typeface="Arial"/>
               <a:buChar char="■"/>
-              <a:defRPr b="0" i="0" sz="1100" u="none" cap="none" strike="noStrike">
+              <a:defRPr sz="1100" b="0" i="0" u="none" strike="noStrike" cap="none">
                 <a:solidFill>
                   <a:srgbClr val="000000"/>
                 </a:solidFill>
@@ -623,14 +633,16 @@
               </a:defRPr>
             </a:lvl9pPr>
           </a:lstStyle>
-          <a:p/>
+          <a:p>
+            <a:endParaRPr/>
+          </a:p>
         </p:txBody>
       </p:sp>
     </p:spTree>
   </p:cSld>
-  <p:clrMap accent1="accent1" accent2="accent2" accent3="accent3" accent4="accent4" accent5="accent5" accent6="accent6" bg1="lt1" bg2="dk2" tx1="dk1" tx2="lt2" folHlink="folHlink" hlink="hlink"/>
+  <p:clrMap bg1="lt1" tx1="dk1" bg2="dk2" tx2="lt2" accent1="accent1" accent2="accent2" accent3="accent3" accent4="accent4" accent5="accent5" accent6="accent6" hlink="hlink" folHlink="folHlink"/>
   <p:notesStyle>
-    <a:defPPr lvl="0" marR="0" rtl="0" algn="l">
+    <a:defPPr marR="0" lvl="0" algn="l" rtl="0">
       <a:lnSpc>
         <a:spcPct val="100000"/>
       </a:lnSpc>
@@ -641,7 +653,7 @@
         <a:spcPts val="0"/>
       </a:spcAft>
     </a:defPPr>
-    <a:lvl1pPr lvl="0" marR="0" rtl="0" algn="l">
+    <a:lvl1pPr marR="0" lvl="0" algn="l" rtl="0">
       <a:lnSpc>
         <a:spcPct val="100000"/>
       </a:lnSpc>
@@ -655,7 +667,7 @@
         <a:srgbClr val="000000"/>
       </a:buClr>
       <a:buFont typeface="Arial"/>
-      <a:defRPr b="0" i="0" sz="1400" u="none" cap="none" strike="noStrike">
+      <a:defRPr sz="1400" b="0" i="0" u="none" strike="noStrike" cap="none">
         <a:solidFill>
           <a:srgbClr val="000000"/>
         </a:solidFill>
@@ -665,7 +677,7 @@
         <a:sym typeface="Arial"/>
       </a:defRPr>
     </a:lvl1pPr>
-    <a:lvl2pPr lvl="1" marR="0" rtl="0" algn="l">
+    <a:lvl2pPr marR="0" lvl="1" algn="l" rtl="0">
       <a:lnSpc>
         <a:spcPct val="100000"/>
       </a:lnSpc>
@@ -679,7 +691,7 @@
         <a:srgbClr val="000000"/>
       </a:buClr>
       <a:buFont typeface="Arial"/>
-      <a:defRPr b="0" i="0" sz="1400" u="none" cap="none" strike="noStrike">
+      <a:defRPr sz="1400" b="0" i="0" u="none" strike="noStrike" cap="none">
         <a:solidFill>
           <a:srgbClr val="000000"/>
         </a:solidFill>
@@ -689,7 +701,7 @@
         <a:sym typeface="Arial"/>
       </a:defRPr>
     </a:lvl2pPr>
-    <a:lvl3pPr lvl="2" marR="0" rtl="0" algn="l">
+    <a:lvl3pPr marR="0" lvl="2" algn="l" rtl="0">
       <a:lnSpc>
         <a:spcPct val="100000"/>
       </a:lnSpc>
@@ -703,7 +715,7 @@
         <a:srgbClr val="000000"/>
       </a:buClr>
       <a:buFont typeface="Arial"/>
-      <a:defRPr b="0" i="0" sz="1400" u="none" cap="none" strike="noStrike">
+      <a:defRPr sz="1400" b="0" i="0" u="none" strike="noStrike" cap="none">
         <a:solidFill>
           <a:srgbClr val="000000"/>
         </a:solidFill>
@@ -713,7 +725,7 @@
         <a:sym typeface="Arial"/>
       </a:defRPr>
     </a:lvl3pPr>
-    <a:lvl4pPr lvl="3" marR="0" rtl="0" algn="l">
+    <a:lvl4pPr marR="0" lvl="3" algn="l" rtl="0">
       <a:lnSpc>
         <a:spcPct val="100000"/>
       </a:lnSpc>
@@ -727,7 +739,7 @@
         <a:srgbClr val="000000"/>
       </a:buClr>
       <a:buFont typeface="Arial"/>
-      <a:defRPr b="0" i="0" sz="1400" u="none" cap="none" strike="noStrike">
+      <a:defRPr sz="1400" b="0" i="0" u="none" strike="noStrike" cap="none">
         <a:solidFill>
           <a:srgbClr val="000000"/>
         </a:solidFill>
@@ -737,7 +749,7 @@
         <a:sym typeface="Arial"/>
       </a:defRPr>
     </a:lvl4pPr>
-    <a:lvl5pPr lvl="4" marR="0" rtl="0" algn="l">
+    <a:lvl5pPr marR="0" lvl="4" algn="l" rtl="0">
       <a:lnSpc>
         <a:spcPct val="100000"/>
       </a:lnSpc>
@@ -751,7 +763,7 @@
         <a:srgbClr val="000000"/>
       </a:buClr>
       <a:buFont typeface="Arial"/>
-      <a:defRPr b="0" i="0" sz="1400" u="none" cap="none" strike="noStrike">
+      <a:defRPr sz="1400" b="0" i="0" u="none" strike="noStrike" cap="none">
         <a:solidFill>
           <a:srgbClr val="000000"/>
         </a:solidFill>
@@ -761,7 +773,7 @@
         <a:sym typeface="Arial"/>
       </a:defRPr>
     </a:lvl5pPr>
-    <a:lvl6pPr lvl="5" marR="0" rtl="0" algn="l">
+    <a:lvl6pPr marR="0" lvl="5" algn="l" rtl="0">
       <a:lnSpc>
         <a:spcPct val="100000"/>
       </a:lnSpc>
@@ -775,7 +787,7 @@
         <a:srgbClr val="000000"/>
       </a:buClr>
       <a:buFont typeface="Arial"/>
-      <a:defRPr b="0" i="0" sz="1400" u="none" cap="none" strike="noStrike">
+      <a:defRPr sz="1400" b="0" i="0" u="none" strike="noStrike" cap="none">
         <a:solidFill>
           <a:srgbClr val="000000"/>
         </a:solidFill>
@@ -785,7 +797,7 @@
         <a:sym typeface="Arial"/>
       </a:defRPr>
     </a:lvl6pPr>
-    <a:lvl7pPr lvl="6" marR="0" rtl="0" algn="l">
+    <a:lvl7pPr marR="0" lvl="6" algn="l" rtl="0">
       <a:lnSpc>
         <a:spcPct val="100000"/>
       </a:lnSpc>
@@ -799,7 +811,7 @@
         <a:srgbClr val="000000"/>
       </a:buClr>
       <a:buFont typeface="Arial"/>
-      <a:defRPr b="0" i="0" sz="1400" u="none" cap="none" strike="noStrike">
+      <a:defRPr sz="1400" b="0" i="0" u="none" strike="noStrike" cap="none">
         <a:solidFill>
           <a:srgbClr val="000000"/>
         </a:solidFill>
@@ -809,7 +821,7 @@
         <a:sym typeface="Arial"/>
       </a:defRPr>
     </a:lvl7pPr>
-    <a:lvl8pPr lvl="7" marR="0" rtl="0" algn="l">
+    <a:lvl8pPr marR="0" lvl="7" algn="l" rtl="0">
       <a:lnSpc>
         <a:spcPct val="100000"/>
       </a:lnSpc>
@@ -823,7 +835,7 @@
         <a:srgbClr val="000000"/>
       </a:buClr>
       <a:buFont typeface="Arial"/>
-      <a:defRPr b="0" i="0" sz="1400" u="none" cap="none" strike="noStrike">
+      <a:defRPr sz="1400" b="0" i="0" u="none" strike="noStrike" cap="none">
         <a:solidFill>
           <a:srgbClr val="000000"/>
         </a:solidFill>
@@ -833,7 +845,7 @@
         <a:sym typeface="Arial"/>
       </a:defRPr>
     </a:lvl8pPr>
-    <a:lvl9pPr lvl="8" marR="0" rtl="0" algn="l">
+    <a:lvl9pPr marR="0" lvl="8" algn="l" rtl="0">
       <a:lnSpc>
         <a:spcPct val="100000"/>
       </a:lnSpc>
@@ -847,7 +859,7 @@
         <a:srgbClr val="000000"/>
       </a:buClr>
       <a:buFont typeface="Arial"/>
-      <a:defRPr b="0" i="0" sz="1400" u="none" cap="none" strike="noStrike">
+      <a:defRPr sz="1400" b="0" i="0" u="none" strike="noStrike" cap="none">
         <a:solidFill>
           <a:srgbClr val="000000"/>
         </a:solidFill>
@@ -862,11 +874,11 @@
 </file>
 
 <file path=ppt/notesSlides/notesSlide1.xml><?xml version="1.0" encoding="utf-8"?>
-<p:notes xmlns:a="http://schemas.openxmlformats.org/drawingml/2006/main" xmlns:r="http://schemas.openxmlformats.org/officeDocument/2006/relationships" xmlns:mc="http://schemas.openxmlformats.org/markup-compatibility/2006" xmlns:mv="urn:schemas-microsoft-com:mac:vml" xmlns:p="http://schemas.openxmlformats.org/presentationml/2006/main" xmlns:c="http://schemas.openxmlformats.org/drawingml/2006/chart" xmlns:dgm="http://schemas.openxmlformats.org/drawingml/2006/diagram" xmlns:o="urn:schemas-microsoft-com:office:office" xmlns:v="urn:schemas-microsoft-com:vml" xmlns:pvml="urn:schemas-microsoft-com:office:powerpoint" xmlns:com="http://schemas.openxmlformats.org/drawingml/2006/compatibility" xmlns:p14="http://schemas.microsoft.com/office/powerpoint/2010/main" xmlns:p15="http://schemas.microsoft.com/office/powerpoint/2012/main" showMasterPhAnim="0" showMasterSp="0">
+<p:notes xmlns:a="http://schemas.openxmlformats.org/drawingml/2006/main" xmlns:r="http://schemas.openxmlformats.org/officeDocument/2006/relationships" xmlns:p="http://schemas.openxmlformats.org/presentationml/2006/main" showMasterSp="0" showMasterPhAnim="0">
   <p:cSld>
     <p:spTree>
       <p:nvGrpSpPr>
-        <p:cNvPr id="100" name="Shape 100"/>
+        <p:cNvPr id="1" name="Shape 100"/>
         <p:cNvGrpSpPr/>
         <p:nvPr/>
       </p:nvGrpSpPr>
@@ -881,9 +893,11 @@
       <p:sp>
         <p:nvSpPr>
           <p:cNvPr id="101" name="Google Shape;101;p1:notes"/>
-          <p:cNvSpPr/>
+          <p:cNvSpPr>
+            <a:spLocks noGrp="1" noRot="1" noChangeAspect="1"/>
+          </p:cNvSpPr>
           <p:nvPr>
-            <p:ph idx="2" type="sldImg"/>
+            <p:ph type="sldImg" idx="2"/>
           </p:nvPr>
         </p:nvSpPr>
         <p:spPr>
@@ -892,9 +906,13 @@
             <a:ext cx="6096000" cy="3429000"/>
           </a:xfrm>
           <a:custGeom>
-            <a:rect b="b" l="l" r="r" t="t"/>
+            <a:avLst/>
+            <a:gdLst/>
+            <a:ahLst/>
+            <a:cxnLst/>
+            <a:rect l="l" t="t" r="r" b="b"/>
             <a:pathLst>
-              <a:path extrusionOk="0" h="120000" w="120000">
+              <a:path w="120000" h="120000" extrusionOk="0">
                 <a:moveTo>
                   <a:pt x="0" y="0"/>
                 </a:moveTo>
@@ -912,23 +930,25 @@
             </a:pathLst>
           </a:custGeom>
           <a:noFill/>
-          <a:ln cap="flat" cmpd="sng" w="9525">
+          <a:ln w="9525" cap="flat" cmpd="sng">
             <a:solidFill>
               <a:srgbClr val="000000"/>
             </a:solidFill>
             <a:prstDash val="solid"/>
             <a:round/>
-            <a:headEnd len="sm" w="sm" type="none"/>
-            <a:tailEnd len="sm" w="sm" type="none"/>
+            <a:headEnd type="none" w="sm" len="sm"/>
+            <a:tailEnd type="none" w="sm" len="sm"/>
           </a:ln>
         </p:spPr>
       </p:sp>
       <p:sp>
         <p:nvSpPr>
           <p:cNvPr id="102" name="Google Shape;102;p1:notes"/>
-          <p:cNvSpPr txBox="1"/>
+          <p:cNvSpPr txBox="1">
+            <a:spLocks noGrp="1"/>
+          </p:cNvSpPr>
           <p:nvPr>
-            <p:ph idx="1" type="body"/>
+            <p:ph type="body" idx="1"/>
           </p:nvPr>
         </p:nvSpPr>
         <p:spPr>
@@ -945,12 +965,12 @@
           </a:ln>
         </p:spPr>
         <p:txBody>
-          <a:bodyPr anchorCtr="0" anchor="t" bIns="91425" lIns="91425" spcFirstLastPara="1" rIns="91425" wrap="square" tIns="91425">
+          <a:bodyPr spcFirstLastPara="1" wrap="square" lIns="91425" tIns="91425" rIns="91425" bIns="91425" anchor="t" anchorCtr="0">
             <a:noAutofit/>
           </a:bodyPr>
           <a:lstStyle/>
           <a:p>
-            <a:pPr indent="0" lvl="0" marL="0" rtl="0" algn="l">
+            <a:pPr marL="0" lvl="0" indent="0" algn="l" rtl="0">
               <a:lnSpc>
                 <a:spcPct val="100000"/>
               </a:lnSpc>
@@ -963,9 +983,6 @@
               <a:buSzPts val="1100"/>
               <a:buNone/>
             </a:pPr>
-            <a:r>
-              <a:t/>
-            </a:r>
             <a:endParaRPr/>
           </a:p>
         </p:txBody>
@@ -979,11 +996,11 @@
 </file>
 
 <file path=ppt/notesSlides/notesSlide2.xml><?xml version="1.0" encoding="utf-8"?>
-<p:notes xmlns:a="http://schemas.openxmlformats.org/drawingml/2006/main" xmlns:r="http://schemas.openxmlformats.org/officeDocument/2006/relationships" xmlns:mc="http://schemas.openxmlformats.org/markup-compatibility/2006" xmlns:mv="urn:schemas-microsoft-com:mac:vml" xmlns:p="http://schemas.openxmlformats.org/presentationml/2006/main" xmlns:c="http://schemas.openxmlformats.org/drawingml/2006/chart" xmlns:dgm="http://schemas.openxmlformats.org/drawingml/2006/diagram" xmlns:o="urn:schemas-microsoft-com:office:office" xmlns:v="urn:schemas-microsoft-com:vml" xmlns:pvml="urn:schemas-microsoft-com:office:powerpoint" xmlns:com="http://schemas.openxmlformats.org/drawingml/2006/compatibility" xmlns:p14="http://schemas.microsoft.com/office/powerpoint/2010/main" xmlns:p15="http://schemas.microsoft.com/office/powerpoint/2012/main" showMasterPhAnim="0" showMasterSp="0">
+<p:notes xmlns:a="http://schemas.openxmlformats.org/drawingml/2006/main" xmlns:r="http://schemas.openxmlformats.org/officeDocument/2006/relationships" xmlns:p="http://schemas.openxmlformats.org/presentationml/2006/main" showMasterSp="0" showMasterPhAnim="0">
   <p:cSld>
     <p:spTree>
       <p:nvGrpSpPr>
-        <p:cNvPr id="109" name="Shape 109"/>
+        <p:cNvPr id="1" name="Shape 109"/>
         <p:cNvGrpSpPr/>
         <p:nvPr/>
       </p:nvGrpSpPr>
@@ -998,9 +1015,11 @@
       <p:sp>
         <p:nvSpPr>
           <p:cNvPr id="110" name="Google Shape;110;p2:notes"/>
-          <p:cNvSpPr/>
+          <p:cNvSpPr>
+            <a:spLocks noGrp="1" noRot="1" noChangeAspect="1"/>
+          </p:cNvSpPr>
           <p:nvPr>
-            <p:ph idx="2" type="sldImg"/>
+            <p:ph type="sldImg" idx="2"/>
           </p:nvPr>
         </p:nvSpPr>
         <p:spPr>
@@ -1009,9 +1028,13 @@
             <a:ext cx="6096000" cy="3429000"/>
           </a:xfrm>
           <a:custGeom>
-            <a:rect b="b" l="l" r="r" t="t"/>
+            <a:avLst/>
+            <a:gdLst/>
+            <a:ahLst/>
+            <a:cxnLst/>
+            <a:rect l="l" t="t" r="r" b="b"/>
             <a:pathLst>
-              <a:path extrusionOk="0" h="120000" w="120000">
+              <a:path w="120000" h="120000" extrusionOk="0">
                 <a:moveTo>
                   <a:pt x="0" y="0"/>
                 </a:moveTo>
@@ -1029,23 +1052,25 @@
             </a:pathLst>
           </a:custGeom>
           <a:noFill/>
-          <a:ln cap="flat" cmpd="sng" w="9525">
+          <a:ln w="9525" cap="flat" cmpd="sng">
             <a:solidFill>
               <a:srgbClr val="000000"/>
             </a:solidFill>
             <a:prstDash val="solid"/>
             <a:round/>
-            <a:headEnd len="sm" w="sm" type="none"/>
-            <a:tailEnd len="sm" w="sm" type="none"/>
+            <a:headEnd type="none" w="sm" len="sm"/>
+            <a:tailEnd type="none" w="sm" len="sm"/>
           </a:ln>
         </p:spPr>
       </p:sp>
       <p:sp>
         <p:nvSpPr>
           <p:cNvPr id="111" name="Google Shape;111;p2:notes"/>
-          <p:cNvSpPr txBox="1"/>
+          <p:cNvSpPr txBox="1">
+            <a:spLocks noGrp="1"/>
+          </p:cNvSpPr>
           <p:nvPr>
-            <p:ph idx="1" type="body"/>
+            <p:ph type="body" idx="1"/>
           </p:nvPr>
         </p:nvSpPr>
         <p:spPr>
@@ -1062,12 +1087,12 @@
           </a:ln>
         </p:spPr>
         <p:txBody>
-          <a:bodyPr anchorCtr="0" anchor="t" bIns="91425" lIns="91425" spcFirstLastPara="1" rIns="91425" wrap="square" tIns="91425">
+          <a:bodyPr spcFirstLastPara="1" wrap="square" lIns="91425" tIns="91425" rIns="91425" bIns="91425" anchor="t" anchorCtr="0">
             <a:noAutofit/>
           </a:bodyPr>
           <a:lstStyle/>
           <a:p>
-            <a:pPr indent="0" lvl="0" marL="0" rtl="0" algn="l">
+            <a:pPr marL="0" lvl="0" indent="0" algn="l" rtl="0">
               <a:lnSpc>
                 <a:spcPct val="100000"/>
               </a:lnSpc>
@@ -1080,9 +1105,6 @@
               <a:buSzPts val="1100"/>
               <a:buNone/>
             </a:pPr>
-            <a:r>
-              <a:t/>
-            </a:r>
             <a:endParaRPr/>
           </a:p>
         </p:txBody>
@@ -1096,11 +1118,11 @@
 </file>
 
 <file path=ppt/notesSlides/notesSlide3.xml><?xml version="1.0" encoding="utf-8"?>
-<p:notes xmlns:a="http://schemas.openxmlformats.org/drawingml/2006/main" xmlns:r="http://schemas.openxmlformats.org/officeDocument/2006/relationships" xmlns:mc="http://schemas.openxmlformats.org/markup-compatibility/2006" xmlns:mv="urn:schemas-microsoft-com:mac:vml" xmlns:p="http://schemas.openxmlformats.org/presentationml/2006/main" xmlns:c="http://schemas.openxmlformats.org/drawingml/2006/chart" xmlns:dgm="http://schemas.openxmlformats.org/drawingml/2006/diagram" xmlns:o="urn:schemas-microsoft-com:office:office" xmlns:v="urn:schemas-microsoft-com:vml" xmlns:pvml="urn:schemas-microsoft-com:office:powerpoint" xmlns:com="http://schemas.openxmlformats.org/drawingml/2006/compatibility" xmlns:p14="http://schemas.microsoft.com/office/powerpoint/2010/main" xmlns:p15="http://schemas.microsoft.com/office/powerpoint/2012/main" showMasterPhAnim="0" showMasterSp="0">
+<p:notes xmlns:a="http://schemas.openxmlformats.org/drawingml/2006/main" xmlns:r="http://schemas.openxmlformats.org/officeDocument/2006/relationships" xmlns:p="http://schemas.openxmlformats.org/presentationml/2006/main" showMasterSp="0" showMasterPhAnim="0">
   <p:cSld>
     <p:spTree>
       <p:nvGrpSpPr>
-        <p:cNvPr id="115" name="Shape 115"/>
+        <p:cNvPr id="1" name="Shape 115"/>
         <p:cNvGrpSpPr/>
         <p:nvPr/>
       </p:nvGrpSpPr>
@@ -1115,9 +1137,11 @@
       <p:sp>
         <p:nvSpPr>
           <p:cNvPr id="116" name="Google Shape;116;p3:notes"/>
-          <p:cNvSpPr/>
+          <p:cNvSpPr>
+            <a:spLocks noGrp="1" noRot="1" noChangeAspect="1"/>
+          </p:cNvSpPr>
           <p:nvPr>
-            <p:ph idx="2" type="sldImg"/>
+            <p:ph type="sldImg" idx="2"/>
           </p:nvPr>
         </p:nvSpPr>
         <p:spPr>
@@ -1126,9 +1150,13 @@
             <a:ext cx="6096000" cy="3429000"/>
           </a:xfrm>
           <a:custGeom>
-            <a:rect b="b" l="l" r="r" t="t"/>
+            <a:avLst/>
+            <a:gdLst/>
+            <a:ahLst/>
+            <a:cxnLst/>
+            <a:rect l="l" t="t" r="r" b="b"/>
             <a:pathLst>
-              <a:path extrusionOk="0" h="120000" w="120000">
+              <a:path w="120000" h="120000" extrusionOk="0">
                 <a:moveTo>
                   <a:pt x="0" y="0"/>
                 </a:moveTo>
@@ -1146,23 +1174,25 @@
             </a:pathLst>
           </a:custGeom>
           <a:noFill/>
-          <a:ln cap="flat" cmpd="sng" w="9525">
+          <a:ln w="9525" cap="flat" cmpd="sng">
             <a:solidFill>
               <a:srgbClr val="000000"/>
             </a:solidFill>
             <a:prstDash val="solid"/>
             <a:round/>
-            <a:headEnd len="sm" w="sm" type="none"/>
-            <a:tailEnd len="sm" w="sm" type="none"/>
+            <a:headEnd type="none" w="sm" len="sm"/>
+            <a:tailEnd type="none" w="sm" len="sm"/>
           </a:ln>
         </p:spPr>
       </p:sp>
       <p:sp>
         <p:nvSpPr>
           <p:cNvPr id="117" name="Google Shape;117;p3:notes"/>
-          <p:cNvSpPr txBox="1"/>
+          <p:cNvSpPr txBox="1">
+            <a:spLocks noGrp="1"/>
+          </p:cNvSpPr>
           <p:nvPr>
-            <p:ph idx="1" type="body"/>
+            <p:ph type="body" idx="1"/>
           </p:nvPr>
         </p:nvSpPr>
         <p:spPr>
@@ -1179,12 +1209,12 @@
           </a:ln>
         </p:spPr>
         <p:txBody>
-          <a:bodyPr anchorCtr="0" anchor="t" bIns="91425" lIns="91425" spcFirstLastPara="1" rIns="91425" wrap="square" tIns="91425">
+          <a:bodyPr spcFirstLastPara="1" wrap="square" lIns="91425" tIns="91425" rIns="91425" bIns="91425" anchor="t" anchorCtr="0">
             <a:noAutofit/>
           </a:bodyPr>
           <a:lstStyle/>
           <a:p>
-            <a:pPr indent="0" lvl="0" marL="0" rtl="0" algn="l">
+            <a:pPr marL="0" lvl="0" indent="0" algn="l" rtl="0">
               <a:lnSpc>
                 <a:spcPct val="100000"/>
               </a:lnSpc>
@@ -1197,9 +1227,6 @@
               <a:buSzPts val="1100"/>
               <a:buNone/>
             </a:pPr>
-            <a:r>
-              <a:t/>
-            </a:r>
             <a:endParaRPr/>
           </a:p>
         </p:txBody>
@@ -1213,11 +1240,11 @@
 </file>
 
 <file path=ppt/notesSlides/notesSlide4.xml><?xml version="1.0" encoding="utf-8"?>
-<p:notes xmlns:a="http://schemas.openxmlformats.org/drawingml/2006/main" xmlns:r="http://schemas.openxmlformats.org/officeDocument/2006/relationships" xmlns:mc="http://schemas.openxmlformats.org/markup-compatibility/2006" xmlns:mv="urn:schemas-microsoft-com:mac:vml" xmlns:p="http://schemas.openxmlformats.org/presentationml/2006/main" xmlns:c="http://schemas.openxmlformats.org/drawingml/2006/chart" xmlns:dgm="http://schemas.openxmlformats.org/drawingml/2006/diagram" xmlns:o="urn:schemas-microsoft-com:office:office" xmlns:v="urn:schemas-microsoft-com:vml" xmlns:pvml="urn:schemas-microsoft-com:office:powerpoint" xmlns:com="http://schemas.openxmlformats.org/drawingml/2006/compatibility" xmlns:p14="http://schemas.microsoft.com/office/powerpoint/2010/main" xmlns:p15="http://schemas.microsoft.com/office/powerpoint/2012/main" showMasterPhAnim="0" showMasterSp="0">
+<p:notes xmlns:a="http://schemas.openxmlformats.org/drawingml/2006/main" xmlns:r="http://schemas.openxmlformats.org/officeDocument/2006/relationships" xmlns:p="http://schemas.openxmlformats.org/presentationml/2006/main" showMasterSp="0" showMasterPhAnim="0">
   <p:cSld>
     <p:spTree>
       <p:nvGrpSpPr>
-        <p:cNvPr id="121" name="Shape 121"/>
+        <p:cNvPr id="1" name="Shape 121"/>
         <p:cNvGrpSpPr/>
         <p:nvPr/>
       </p:nvGrpSpPr>
@@ -1232,9 +1259,11 @@
       <p:sp>
         <p:nvSpPr>
           <p:cNvPr id="122" name="Google Shape;122;p5:notes"/>
-          <p:cNvSpPr/>
+          <p:cNvSpPr>
+            <a:spLocks noGrp="1" noRot="1" noChangeAspect="1"/>
+          </p:cNvSpPr>
           <p:nvPr>
-            <p:ph idx="2" type="sldImg"/>
+            <p:ph type="sldImg" idx="2"/>
           </p:nvPr>
         </p:nvSpPr>
         <p:spPr>
@@ -1243,9 +1272,13 @@
             <a:ext cx="6096000" cy="3429000"/>
           </a:xfrm>
           <a:custGeom>
-            <a:rect b="b" l="l" r="r" t="t"/>
+            <a:avLst/>
+            <a:gdLst/>
+            <a:ahLst/>
+            <a:cxnLst/>
+            <a:rect l="l" t="t" r="r" b="b"/>
             <a:pathLst>
-              <a:path extrusionOk="0" h="120000" w="120000">
+              <a:path w="120000" h="120000" extrusionOk="0">
                 <a:moveTo>
                   <a:pt x="0" y="0"/>
                 </a:moveTo>
@@ -1263,23 +1296,25 @@
             </a:pathLst>
           </a:custGeom>
           <a:noFill/>
-          <a:ln cap="flat" cmpd="sng" w="9525">
+          <a:ln w="9525" cap="flat" cmpd="sng">
             <a:solidFill>
               <a:srgbClr val="000000"/>
             </a:solidFill>
             <a:prstDash val="solid"/>
             <a:round/>
-            <a:headEnd len="sm" w="sm" type="none"/>
-            <a:tailEnd len="sm" w="sm" type="none"/>
+            <a:headEnd type="none" w="sm" len="sm"/>
+            <a:tailEnd type="none" w="sm" len="sm"/>
           </a:ln>
         </p:spPr>
       </p:sp>
       <p:sp>
         <p:nvSpPr>
           <p:cNvPr id="123" name="Google Shape;123;p5:notes"/>
-          <p:cNvSpPr txBox="1"/>
+          <p:cNvSpPr txBox="1">
+            <a:spLocks noGrp="1"/>
+          </p:cNvSpPr>
           <p:nvPr>
-            <p:ph idx="1" type="body"/>
+            <p:ph type="body" idx="1"/>
           </p:nvPr>
         </p:nvSpPr>
         <p:spPr>
@@ -1296,12 +1331,12 @@
           </a:ln>
         </p:spPr>
         <p:txBody>
-          <a:bodyPr anchorCtr="0" anchor="t" bIns="91425" lIns="91425" spcFirstLastPara="1" rIns="91425" wrap="square" tIns="91425">
+          <a:bodyPr spcFirstLastPara="1" wrap="square" lIns="91425" tIns="91425" rIns="91425" bIns="91425" anchor="t" anchorCtr="0">
             <a:noAutofit/>
           </a:bodyPr>
           <a:lstStyle/>
           <a:p>
-            <a:pPr indent="0" lvl="0" marL="0" rtl="0" algn="l">
+            <a:pPr marL="0" lvl="0" indent="0" algn="l" rtl="0">
               <a:lnSpc>
                 <a:spcPct val="100000"/>
               </a:lnSpc>
@@ -1314,9 +1349,6 @@
               <a:buSzPts val="1100"/>
               <a:buNone/>
             </a:pPr>
-            <a:r>
-              <a:t/>
-            </a:r>
             <a:endParaRPr/>
           </a:p>
         </p:txBody>
@@ -1330,11 +1362,11 @@
 </file>
 
 <file path=ppt/notesSlides/notesSlide5.xml><?xml version="1.0" encoding="utf-8"?>
-<p:notes xmlns:a="http://schemas.openxmlformats.org/drawingml/2006/main" xmlns:r="http://schemas.openxmlformats.org/officeDocument/2006/relationships" xmlns:mc="http://schemas.openxmlformats.org/markup-compatibility/2006" xmlns:mv="urn:schemas-microsoft-com:mac:vml" xmlns:p="http://schemas.openxmlformats.org/presentationml/2006/main" xmlns:c="http://schemas.openxmlformats.org/drawingml/2006/chart" xmlns:dgm="http://schemas.openxmlformats.org/drawingml/2006/diagram" xmlns:o="urn:schemas-microsoft-com:office:office" xmlns:v="urn:schemas-microsoft-com:vml" xmlns:pvml="urn:schemas-microsoft-com:office:powerpoint" xmlns:com="http://schemas.openxmlformats.org/drawingml/2006/compatibility" xmlns:p14="http://schemas.microsoft.com/office/powerpoint/2010/main" xmlns:p15="http://schemas.microsoft.com/office/powerpoint/2012/main" showMasterPhAnim="0" showMasterSp="0">
+<p:notes xmlns:a="http://schemas.openxmlformats.org/drawingml/2006/main" xmlns:r="http://schemas.openxmlformats.org/officeDocument/2006/relationships" xmlns:p="http://schemas.openxmlformats.org/presentationml/2006/main" showMasterSp="0" showMasterPhAnim="0">
   <p:cSld>
     <p:spTree>
       <p:nvGrpSpPr>
-        <p:cNvPr id="126" name="Shape 126"/>
+        <p:cNvPr id="1" name="Shape 126"/>
         <p:cNvGrpSpPr/>
         <p:nvPr/>
       </p:nvGrpSpPr>
@@ -1349,9 +1381,11 @@
       <p:sp>
         <p:nvSpPr>
           <p:cNvPr id="127" name="Google Shape;127;p6:notes"/>
-          <p:cNvSpPr/>
+          <p:cNvSpPr>
+            <a:spLocks noGrp="1" noRot="1" noChangeAspect="1"/>
+          </p:cNvSpPr>
           <p:nvPr>
-            <p:ph idx="2" type="sldImg"/>
+            <p:ph type="sldImg" idx="2"/>
           </p:nvPr>
         </p:nvSpPr>
         <p:spPr>
@@ -1360,9 +1394,13 @@
             <a:ext cx="6096000" cy="3429000"/>
           </a:xfrm>
           <a:custGeom>
-            <a:rect b="b" l="l" r="r" t="t"/>
+            <a:avLst/>
+            <a:gdLst/>
+            <a:ahLst/>
+            <a:cxnLst/>
+            <a:rect l="l" t="t" r="r" b="b"/>
             <a:pathLst>
-              <a:path extrusionOk="0" h="120000" w="120000">
+              <a:path w="120000" h="120000" extrusionOk="0">
                 <a:moveTo>
                   <a:pt x="0" y="0"/>
                 </a:moveTo>
@@ -1380,23 +1418,25 @@
             </a:pathLst>
           </a:custGeom>
           <a:noFill/>
-          <a:ln cap="flat" cmpd="sng" w="9525">
+          <a:ln w="9525" cap="flat" cmpd="sng">
             <a:solidFill>
               <a:srgbClr val="000000"/>
             </a:solidFill>
             <a:prstDash val="solid"/>
             <a:round/>
-            <a:headEnd len="sm" w="sm" type="none"/>
-            <a:tailEnd len="sm" w="sm" type="none"/>
+            <a:headEnd type="none" w="sm" len="sm"/>
+            <a:tailEnd type="none" w="sm" len="sm"/>
           </a:ln>
         </p:spPr>
       </p:sp>
       <p:sp>
         <p:nvSpPr>
           <p:cNvPr id="128" name="Google Shape;128;p6:notes"/>
-          <p:cNvSpPr txBox="1"/>
+          <p:cNvSpPr txBox="1">
+            <a:spLocks noGrp="1"/>
+          </p:cNvSpPr>
           <p:nvPr>
-            <p:ph idx="1" type="body"/>
+            <p:ph type="body" idx="1"/>
           </p:nvPr>
         </p:nvSpPr>
         <p:spPr>
@@ -1413,12 +1453,12 @@
           </a:ln>
         </p:spPr>
         <p:txBody>
-          <a:bodyPr anchorCtr="0" anchor="t" bIns="91425" lIns="91425" spcFirstLastPara="1" rIns="91425" wrap="square" tIns="91425">
+          <a:bodyPr spcFirstLastPara="1" wrap="square" lIns="91425" tIns="91425" rIns="91425" bIns="91425" anchor="t" anchorCtr="0">
             <a:noAutofit/>
           </a:bodyPr>
           <a:lstStyle/>
           <a:p>
-            <a:pPr indent="0" lvl="0" marL="0" rtl="0" algn="l">
+            <a:pPr marL="0" lvl="0" indent="0" algn="l" rtl="0">
               <a:lnSpc>
                 <a:spcPct val="100000"/>
               </a:lnSpc>
@@ -1431,9 +1471,6 @@
               <a:buSzPts val="1100"/>
               <a:buNone/>
             </a:pPr>
-            <a:r>
-              <a:t/>
-            </a:r>
             <a:endParaRPr/>
           </a:p>
         </p:txBody>
@@ -1447,11 +1484,11 @@
 </file>
 
 <file path=ppt/notesSlides/notesSlide6.xml><?xml version="1.0" encoding="utf-8"?>
-<p:notes xmlns:a="http://schemas.openxmlformats.org/drawingml/2006/main" xmlns:r="http://schemas.openxmlformats.org/officeDocument/2006/relationships" xmlns:mc="http://schemas.openxmlformats.org/markup-compatibility/2006" xmlns:mv="urn:schemas-microsoft-com:mac:vml" xmlns:p="http://schemas.openxmlformats.org/presentationml/2006/main" xmlns:c="http://schemas.openxmlformats.org/drawingml/2006/chart" xmlns:dgm="http://schemas.openxmlformats.org/drawingml/2006/diagram" xmlns:o="urn:schemas-microsoft-com:office:office" xmlns:v="urn:schemas-microsoft-com:vml" xmlns:pvml="urn:schemas-microsoft-com:office:powerpoint" xmlns:com="http://schemas.openxmlformats.org/drawingml/2006/compatibility" xmlns:p14="http://schemas.microsoft.com/office/powerpoint/2010/main" xmlns:p15="http://schemas.microsoft.com/office/powerpoint/2012/main" showMasterPhAnim="0" showMasterSp="0">
+<p:notes xmlns:a="http://schemas.openxmlformats.org/drawingml/2006/main" xmlns:r="http://schemas.openxmlformats.org/officeDocument/2006/relationships" xmlns:p="http://schemas.openxmlformats.org/presentationml/2006/main" showMasterSp="0" showMasterPhAnim="0">
   <p:cSld>
     <p:spTree>
       <p:nvGrpSpPr>
-        <p:cNvPr id="131" name="Shape 131"/>
+        <p:cNvPr id="1" name="Shape 131"/>
         <p:cNvGrpSpPr/>
         <p:nvPr/>
       </p:nvGrpSpPr>
@@ -1466,9 +1503,11 @@
       <p:sp>
         <p:nvSpPr>
           <p:cNvPr id="132" name="Google Shape;132;p7:notes"/>
-          <p:cNvSpPr txBox="1"/>
+          <p:cNvSpPr txBox="1">
+            <a:spLocks noGrp="1"/>
+          </p:cNvSpPr>
           <p:nvPr>
-            <p:ph idx="1" type="body"/>
+            <p:ph type="body" idx="1"/>
           </p:nvPr>
         </p:nvSpPr>
         <p:spPr>
@@ -1485,12 +1524,12 @@
           </a:ln>
         </p:spPr>
         <p:txBody>
-          <a:bodyPr anchorCtr="0" anchor="t" bIns="91425" lIns="91425" spcFirstLastPara="1" rIns="91425" wrap="square" tIns="91425">
+          <a:bodyPr spcFirstLastPara="1" wrap="square" lIns="91425" tIns="91425" rIns="91425" bIns="91425" anchor="t" anchorCtr="0">
             <a:noAutofit/>
           </a:bodyPr>
           <a:lstStyle/>
           <a:p>
-            <a:pPr indent="0" lvl="0" marL="0" rtl="0" algn="l">
+            <a:pPr marL="0" lvl="0" indent="0" algn="l" rtl="0">
               <a:lnSpc>
                 <a:spcPct val="100000"/>
               </a:lnSpc>
@@ -1503,9 +1542,6 @@
               <a:buSzPts val="1100"/>
               <a:buNone/>
             </a:pPr>
-            <a:r>
-              <a:t/>
-            </a:r>
             <a:endParaRPr/>
           </a:p>
         </p:txBody>
@@ -1513,9 +1549,11 @@
       <p:sp>
         <p:nvSpPr>
           <p:cNvPr id="133" name="Google Shape;133;p7:notes"/>
-          <p:cNvSpPr/>
+          <p:cNvSpPr>
+            <a:spLocks noGrp="1" noRot="1" noChangeAspect="1"/>
+          </p:cNvSpPr>
           <p:nvPr>
-            <p:ph idx="2" type="sldImg"/>
+            <p:ph type="sldImg" idx="2"/>
           </p:nvPr>
         </p:nvSpPr>
         <p:spPr>
@@ -1524,9 +1562,13 @@
             <a:ext cx="6096075" cy="3429000"/>
           </a:xfrm>
           <a:custGeom>
-            <a:rect b="b" l="l" r="r" t="t"/>
+            <a:avLst/>
+            <a:gdLst/>
+            <a:ahLst/>
+            <a:cxnLst/>
+            <a:rect l="l" t="t" r="r" b="b"/>
             <a:pathLst>
-              <a:path extrusionOk="0" h="120000" w="120000">
+              <a:path w="120000" h="120000" extrusionOk="0">
                 <a:moveTo>
                   <a:pt x="0" y="0"/>
                 </a:moveTo>
@@ -1544,14 +1586,14 @@
             </a:pathLst>
           </a:custGeom>
           <a:noFill/>
-          <a:ln cap="flat" cmpd="sng" w="9525">
+          <a:ln w="9525" cap="flat" cmpd="sng">
             <a:solidFill>
               <a:srgbClr val="000000"/>
             </a:solidFill>
             <a:prstDash val="solid"/>
             <a:round/>
-            <a:headEnd len="sm" w="sm" type="none"/>
-            <a:tailEnd len="sm" w="sm" type="none"/>
+            <a:headEnd type="none" w="sm" len="sm"/>
+            <a:tailEnd type="none" w="sm" len="sm"/>
           </a:ln>
         </p:spPr>
       </p:sp>
@@ -1564,18 +1606,19 @@
 </file>
 
 <file path=ppt/slideLayouts/slideLayout1.xml><?xml version="1.0" encoding="utf-8"?>
-<p:sldLayout xmlns:a="http://schemas.openxmlformats.org/drawingml/2006/main" xmlns:r="http://schemas.openxmlformats.org/officeDocument/2006/relationships" xmlns:mc="http://schemas.openxmlformats.org/markup-compatibility/2006" xmlns:mv="urn:schemas-microsoft-com:mac:vml" xmlns:p="http://schemas.openxmlformats.org/presentationml/2006/main" xmlns:c="http://schemas.openxmlformats.org/drawingml/2006/chart" xmlns:dgm="http://schemas.openxmlformats.org/drawingml/2006/diagram" xmlns:o="urn:schemas-microsoft-com:office:office" xmlns:v="urn:schemas-microsoft-com:vml" xmlns:pvml="urn:schemas-microsoft-com:office:powerpoint" xmlns:com="http://schemas.openxmlformats.org/drawingml/2006/compatibility" xmlns:p14="http://schemas.microsoft.com/office/powerpoint/2010/main" xmlns:p15="http://schemas.microsoft.com/office/powerpoint/2012/main" matchingName="Title slide" type="title">
+<p:sldLayout xmlns:a="http://schemas.openxmlformats.org/drawingml/2006/main" xmlns:r="http://schemas.openxmlformats.org/officeDocument/2006/relationships" xmlns:p="http://schemas.openxmlformats.org/presentationml/2006/main" matchingName="Title slide" type="title">
   <p:cSld name="TITLE">
     <p:bg>
       <p:bgPr>
         <a:solidFill>
           <a:schemeClr val="lt2"/>
         </a:solidFill>
+        <a:effectLst/>
       </p:bgPr>
     </p:bg>
     <p:spTree>
       <p:nvGrpSpPr>
-        <p:cNvPr id="9" name="Shape 9"/>
+        <p:cNvPr id="1" name="Shape 9"/>
         <p:cNvGrpSpPr/>
         <p:nvPr/>
       </p:nvGrpSpPr>
@@ -1623,12 +1666,12 @@
             </a:ln>
           </p:spPr>
           <p:txBody>
-            <a:bodyPr anchorCtr="0" anchor="ctr" bIns="91425" lIns="91425" spcFirstLastPara="1" rIns="91425" wrap="square" tIns="91425">
+            <a:bodyPr spcFirstLastPara="1" wrap="square" lIns="91425" tIns="91425" rIns="91425" bIns="91425" anchor="ctr" anchorCtr="0">
               <a:noAutofit/>
             </a:bodyPr>
             <a:lstStyle/>
             <a:p>
-              <a:pPr indent="0" lvl="0" marL="0" marR="0" rtl="0" algn="l">
+              <a:pPr marL="0" marR="0" lvl="0" indent="0" algn="l" rtl="0">
                 <a:lnSpc>
                   <a:spcPct val="100000"/>
                 </a:lnSpc>
@@ -1645,10 +1688,7 @@
                 <a:buFont typeface="Arial"/>
                 <a:buNone/>
               </a:pPr>
-              <a:r>
-                <a:t/>
-              </a:r>
-              <a:endParaRPr b="0" i="0" sz="1400" u="none" cap="none" strike="noStrike">
+              <a:endParaRPr sz="1400" b="0" i="0" u="none" strike="noStrike" cap="none">
                 <a:solidFill>
                   <a:srgbClr val="000000"/>
                 </a:solidFill>
@@ -1682,12 +1722,12 @@
             </a:ln>
           </p:spPr>
           <p:txBody>
-            <a:bodyPr anchorCtr="0" anchor="ctr" bIns="91425" lIns="91425" spcFirstLastPara="1" rIns="91425" wrap="square" tIns="91425">
+            <a:bodyPr spcFirstLastPara="1" wrap="square" lIns="91425" tIns="91425" rIns="91425" bIns="91425" anchor="ctr" anchorCtr="0">
               <a:noAutofit/>
             </a:bodyPr>
             <a:lstStyle/>
             <a:p>
-              <a:pPr indent="0" lvl="0" marL="0" marR="0" rtl="0" algn="l">
+              <a:pPr marL="0" marR="0" lvl="0" indent="0" algn="l" rtl="0">
                 <a:lnSpc>
                   <a:spcPct val="100000"/>
                 </a:lnSpc>
@@ -1704,10 +1744,7 @@
                 <a:buFont typeface="Arial"/>
                 <a:buNone/>
               </a:pPr>
-              <a:r>
-                <a:t/>
-              </a:r>
-              <a:endParaRPr b="0" i="0" sz="1400" u="none" cap="none" strike="noStrike">
+              <a:endParaRPr sz="1400" b="0" i="0" u="none" strike="noStrike" cap="none">
                 <a:solidFill>
                   <a:srgbClr val="000000"/>
                 </a:solidFill>
@@ -1723,7 +1760,9 @@
       <p:sp>
         <p:nvSpPr>
           <p:cNvPr id="13" name="Google Shape;13;p34"/>
-          <p:cNvSpPr txBox="1"/>
+          <p:cNvSpPr txBox="1">
+            <a:spLocks noGrp="1"/>
+          </p:cNvSpPr>
           <p:nvPr>
             <p:ph type="ctrTitle"/>
           </p:nvPr>
@@ -1742,7 +1781,7 @@
           </a:ln>
         </p:spPr>
         <p:txBody>
-          <a:bodyPr anchorCtr="0" anchor="t" bIns="91425" lIns="91425" spcFirstLastPara="1" rIns="91425" wrap="square" tIns="91425">
+          <a:bodyPr spcFirstLastPara="1" wrap="square" lIns="91425" tIns="91425" rIns="91425" bIns="91425" anchor="t" anchorCtr="0">
             <a:noAutofit/>
           </a:bodyPr>
           <a:lstStyle>
@@ -1936,15 +1975,19 @@
               </a:defRPr>
             </a:lvl9pPr>
           </a:lstStyle>
-          <a:p/>
+          <a:p>
+            <a:endParaRPr/>
+          </a:p>
         </p:txBody>
       </p:sp>
       <p:sp>
         <p:nvSpPr>
           <p:cNvPr id="14" name="Google Shape;14;p34"/>
-          <p:cNvSpPr txBox="1"/>
+          <p:cNvSpPr txBox="1">
+            <a:spLocks noGrp="1"/>
+          </p:cNvSpPr>
           <p:nvPr>
-            <p:ph idx="1" type="subTitle"/>
+            <p:ph type="subTitle" idx="1"/>
           </p:nvPr>
         </p:nvSpPr>
         <p:spPr>
@@ -1961,7 +2004,7 @@
           </a:ln>
         </p:spPr>
         <p:txBody>
-          <a:bodyPr anchorCtr="0" anchor="t" bIns="91425" lIns="91425" spcFirstLastPara="1" rIns="91425" wrap="square" tIns="91425">
+          <a:bodyPr spcFirstLastPara="1" wrap="square" lIns="91425" tIns="91425" rIns="91425" bIns="91425" anchor="t" anchorCtr="0">
             <a:noAutofit/>
           </a:bodyPr>
           <a:lstStyle>
@@ -2092,15 +2135,19 @@
               <a:defRPr sz="1600"/>
             </a:lvl9pPr>
           </a:lstStyle>
-          <a:p/>
+          <a:p>
+            <a:endParaRPr/>
+          </a:p>
         </p:txBody>
       </p:sp>
       <p:sp>
         <p:nvSpPr>
           <p:cNvPr id="15" name="Google Shape;15;p34"/>
-          <p:cNvSpPr txBox="1"/>
+          <p:cNvSpPr txBox="1">
+            <a:spLocks noGrp="1"/>
+          </p:cNvSpPr>
           <p:nvPr>
-            <p:ph idx="12" type="sldNum"/>
+            <p:ph type="sldNum" idx="12"/>
           </p:nvPr>
         </p:nvSpPr>
         <p:spPr>
@@ -2117,11 +2164,11 @@
           </a:ln>
         </p:spPr>
         <p:txBody>
-          <a:bodyPr anchorCtr="0" anchor="ctr" bIns="91425" lIns="91425" spcFirstLastPara="1" rIns="91425" wrap="square" tIns="91425">
+          <a:bodyPr spcFirstLastPara="1" wrap="square" lIns="91425" tIns="91425" rIns="91425" bIns="91425" anchor="ctr" anchorCtr="0">
             <a:noAutofit/>
           </a:bodyPr>
           <a:lstStyle>
-            <a:lvl1pPr indent="0" lvl="0" marL="0" marR="0" algn="r">
+            <a:lvl1pPr marL="0" marR="0" lvl="0" indent="0" algn="r">
               <a:lnSpc>
                 <a:spcPct val="100000"/>
               </a:lnSpc>
@@ -2137,7 +2184,7 @@
               <a:buSzPts val="1000"/>
               <a:buFont typeface="Arial"/>
               <a:buNone/>
-              <a:defRPr b="0" i="0" sz="1000" u="none" cap="none" strike="noStrike">
+              <a:defRPr sz="1000" b="0" i="0" u="none" strike="noStrike" cap="none">
                 <a:solidFill>
                   <a:schemeClr val="accent1"/>
                 </a:solidFill>
@@ -2147,7 +2194,7 @@
                 <a:sym typeface="Lato"/>
               </a:defRPr>
             </a:lvl1pPr>
-            <a:lvl2pPr indent="0" lvl="1" marL="0" marR="0" algn="r">
+            <a:lvl2pPr marL="0" marR="0" lvl="1" indent="0" algn="r">
               <a:lnSpc>
                 <a:spcPct val="100000"/>
               </a:lnSpc>
@@ -2163,7 +2210,7 @@
               <a:buSzPts val="1000"/>
               <a:buFont typeface="Arial"/>
               <a:buNone/>
-              <a:defRPr b="0" i="0" sz="1000" u="none" cap="none" strike="noStrike">
+              <a:defRPr sz="1000" b="0" i="0" u="none" strike="noStrike" cap="none">
                 <a:solidFill>
                   <a:schemeClr val="accent1"/>
                 </a:solidFill>
@@ -2173,7 +2220,7 @@
                 <a:sym typeface="Lato"/>
               </a:defRPr>
             </a:lvl2pPr>
-            <a:lvl3pPr indent="0" lvl="2" marL="0" marR="0" algn="r">
+            <a:lvl3pPr marL="0" marR="0" lvl="2" indent="0" algn="r">
               <a:lnSpc>
                 <a:spcPct val="100000"/>
               </a:lnSpc>
@@ -2189,7 +2236,7 @@
               <a:buSzPts val="1000"/>
               <a:buFont typeface="Arial"/>
               <a:buNone/>
-              <a:defRPr b="0" i="0" sz="1000" u="none" cap="none" strike="noStrike">
+              <a:defRPr sz="1000" b="0" i="0" u="none" strike="noStrike" cap="none">
                 <a:solidFill>
                   <a:schemeClr val="accent1"/>
                 </a:solidFill>
@@ -2199,7 +2246,7 @@
                 <a:sym typeface="Lato"/>
               </a:defRPr>
             </a:lvl3pPr>
-            <a:lvl4pPr indent="0" lvl="3" marL="0" marR="0" algn="r">
+            <a:lvl4pPr marL="0" marR="0" lvl="3" indent="0" algn="r">
               <a:lnSpc>
                 <a:spcPct val="100000"/>
               </a:lnSpc>
@@ -2215,7 +2262,7 @@
               <a:buSzPts val="1000"/>
               <a:buFont typeface="Arial"/>
               <a:buNone/>
-              <a:defRPr b="0" i="0" sz="1000" u="none" cap="none" strike="noStrike">
+              <a:defRPr sz="1000" b="0" i="0" u="none" strike="noStrike" cap="none">
                 <a:solidFill>
                   <a:schemeClr val="accent1"/>
                 </a:solidFill>
@@ -2225,7 +2272,7 @@
                 <a:sym typeface="Lato"/>
               </a:defRPr>
             </a:lvl4pPr>
-            <a:lvl5pPr indent="0" lvl="4" marL="0" marR="0" algn="r">
+            <a:lvl5pPr marL="0" marR="0" lvl="4" indent="0" algn="r">
               <a:lnSpc>
                 <a:spcPct val="100000"/>
               </a:lnSpc>
@@ -2241,7 +2288,7 @@
               <a:buSzPts val="1000"/>
               <a:buFont typeface="Arial"/>
               <a:buNone/>
-              <a:defRPr b="0" i="0" sz="1000" u="none" cap="none" strike="noStrike">
+              <a:defRPr sz="1000" b="0" i="0" u="none" strike="noStrike" cap="none">
                 <a:solidFill>
                   <a:schemeClr val="accent1"/>
                 </a:solidFill>
@@ -2251,7 +2298,7 @@
                 <a:sym typeface="Lato"/>
               </a:defRPr>
             </a:lvl5pPr>
-            <a:lvl6pPr indent="0" lvl="5" marL="0" marR="0" algn="r">
+            <a:lvl6pPr marL="0" marR="0" lvl="5" indent="0" algn="r">
               <a:lnSpc>
                 <a:spcPct val="100000"/>
               </a:lnSpc>
@@ -2267,7 +2314,7 @@
               <a:buSzPts val="1000"/>
               <a:buFont typeface="Arial"/>
               <a:buNone/>
-              <a:defRPr b="0" i="0" sz="1000" u="none" cap="none" strike="noStrike">
+              <a:defRPr sz="1000" b="0" i="0" u="none" strike="noStrike" cap="none">
                 <a:solidFill>
                   <a:schemeClr val="accent1"/>
                 </a:solidFill>
@@ -2277,7 +2324,7 @@
                 <a:sym typeface="Lato"/>
               </a:defRPr>
             </a:lvl6pPr>
-            <a:lvl7pPr indent="0" lvl="6" marL="0" marR="0" algn="r">
+            <a:lvl7pPr marL="0" marR="0" lvl="6" indent="0" algn="r">
               <a:lnSpc>
                 <a:spcPct val="100000"/>
               </a:lnSpc>
@@ -2293,7 +2340,7 @@
               <a:buSzPts val="1000"/>
               <a:buFont typeface="Arial"/>
               <a:buNone/>
-              <a:defRPr b="0" i="0" sz="1000" u="none" cap="none" strike="noStrike">
+              <a:defRPr sz="1000" b="0" i="0" u="none" strike="noStrike" cap="none">
                 <a:solidFill>
                   <a:schemeClr val="accent1"/>
                 </a:solidFill>
@@ -2303,7 +2350,7 @@
                 <a:sym typeface="Lato"/>
               </a:defRPr>
             </a:lvl7pPr>
-            <a:lvl8pPr indent="0" lvl="7" marL="0" marR="0" algn="r">
+            <a:lvl8pPr marL="0" marR="0" lvl="7" indent="0" algn="r">
               <a:lnSpc>
                 <a:spcPct val="100000"/>
               </a:lnSpc>
@@ -2319,7 +2366,7 @@
               <a:buSzPts val="1000"/>
               <a:buFont typeface="Arial"/>
               <a:buNone/>
-              <a:defRPr b="0" i="0" sz="1000" u="none" cap="none" strike="noStrike">
+              <a:defRPr sz="1000" b="0" i="0" u="none" strike="noStrike" cap="none">
                 <a:solidFill>
                   <a:schemeClr val="accent1"/>
                 </a:solidFill>
@@ -2329,7 +2376,7 @@
                 <a:sym typeface="Lato"/>
               </a:defRPr>
             </a:lvl8pPr>
-            <a:lvl9pPr indent="0" lvl="8" marL="0" marR="0" algn="r">
+            <a:lvl9pPr marL="0" marR="0" lvl="8" indent="0" algn="r">
               <a:lnSpc>
                 <a:spcPct val="100000"/>
               </a:lnSpc>
@@ -2345,7 +2392,7 @@
               <a:buSzPts val="1000"/>
               <a:buFont typeface="Arial"/>
               <a:buNone/>
-              <a:defRPr b="0" i="0" sz="1000" u="none" cap="none" strike="noStrike">
+              <a:defRPr sz="1000" b="0" i="0" u="none" strike="noStrike" cap="none">
                 <a:solidFill>
                   <a:schemeClr val="accent1"/>
                 </a:solidFill>
@@ -2357,7 +2404,7 @@
             </a:lvl9pPr>
           </a:lstStyle>
           <a:p>
-            <a:pPr indent="0" lvl="0" marL="0" rtl="0" algn="r">
+            <a:pPr marL="0" lvl="0" indent="0" algn="r" rtl="0">
               <a:spcBef>
                 <a:spcPts val="0"/>
               </a:spcBef>
@@ -2383,18 +2430,19 @@
 </file>
 
 <file path=ppt/slideLayouts/slideLayout10.xml><?xml version="1.0" encoding="utf-8"?>
-<p:sldLayout xmlns:a="http://schemas.openxmlformats.org/drawingml/2006/main" xmlns:r="http://schemas.openxmlformats.org/officeDocument/2006/relationships" xmlns:mc="http://schemas.openxmlformats.org/markup-compatibility/2006" xmlns:mv="urn:schemas-microsoft-com:mac:vml" xmlns:p="http://schemas.openxmlformats.org/presentationml/2006/main" xmlns:c="http://schemas.openxmlformats.org/drawingml/2006/chart" xmlns:dgm="http://schemas.openxmlformats.org/drawingml/2006/diagram" xmlns:o="urn:schemas-microsoft-com:office:office" xmlns:v="urn:schemas-microsoft-com:vml" xmlns:pvml="urn:schemas-microsoft-com:office:powerpoint" xmlns:com="http://schemas.openxmlformats.org/drawingml/2006/compatibility" xmlns:p14="http://schemas.microsoft.com/office/powerpoint/2010/main" xmlns:p15="http://schemas.microsoft.com/office/powerpoint/2012/main" matchingName="Big number">
+<p:sldLayout xmlns:a="http://schemas.openxmlformats.org/drawingml/2006/main" xmlns:r="http://schemas.openxmlformats.org/officeDocument/2006/relationships" xmlns:p="http://schemas.openxmlformats.org/presentationml/2006/main" matchingName="Big number">
   <p:cSld name="BIG_NUMBER">
     <p:bg>
       <p:bgPr>
         <a:solidFill>
           <a:schemeClr val="dk1"/>
         </a:solidFill>
+        <a:effectLst/>
       </p:bgPr>
     </p:bg>
     <p:spTree>
       <p:nvGrpSpPr>
-        <p:cNvPr id="82" name="Shape 82"/>
+        <p:cNvPr id="1" name="Shape 82"/>
         <p:cNvGrpSpPr/>
         <p:nvPr/>
       </p:nvGrpSpPr>
@@ -2428,12 +2476,12 @@
           </a:ln>
         </p:spPr>
         <p:txBody>
-          <a:bodyPr anchorCtr="0" anchor="ctr" bIns="91425" lIns="91425" spcFirstLastPara="1" rIns="91425" wrap="square" tIns="91425">
+          <a:bodyPr spcFirstLastPara="1" wrap="square" lIns="91425" tIns="91425" rIns="91425" bIns="91425" anchor="ctr" anchorCtr="0">
             <a:noAutofit/>
           </a:bodyPr>
           <a:lstStyle/>
           <a:p>
-            <a:pPr indent="0" lvl="0" marL="0" marR="0" rtl="0" algn="l">
+            <a:pPr marL="0" marR="0" lvl="0" indent="0" algn="l" rtl="0">
               <a:lnSpc>
                 <a:spcPct val="100000"/>
               </a:lnSpc>
@@ -2450,10 +2498,7 @@
               <a:buFont typeface="Arial"/>
               <a:buNone/>
             </a:pPr>
-            <a:r>
-              <a:t/>
-            </a:r>
-            <a:endParaRPr b="0" i="0" sz="1400" u="none" cap="none" strike="noStrike">
+            <a:endParaRPr sz="1400" b="0" i="0" u="none" strike="noStrike" cap="none">
               <a:solidFill>
                 <a:srgbClr val="000000"/>
               </a:solidFill>
@@ -2475,7 +2520,7 @@
           <a:blip r:embed="rId2">
             <a:alphaModFix/>
           </a:blip>
-          <a:srcRect b="31682" l="16874" r="16874" t="31678"/>
+          <a:srcRect l="16874" t="31678" r="16874" b="31682"/>
           <a:stretch/>
         </p:blipFill>
         <p:spPr>
@@ -2528,12 +2573,12 @@
             </a:ln>
           </p:spPr>
           <p:txBody>
-            <a:bodyPr anchorCtr="0" anchor="ctr" bIns="91425" lIns="91425" spcFirstLastPara="1" rIns="91425" wrap="square" tIns="91425">
+            <a:bodyPr spcFirstLastPara="1" wrap="square" lIns="91425" tIns="91425" rIns="91425" bIns="91425" anchor="ctr" anchorCtr="0">
               <a:noAutofit/>
             </a:bodyPr>
             <a:lstStyle/>
             <a:p>
-              <a:pPr indent="0" lvl="0" marL="0" marR="0" rtl="0" algn="l">
+              <a:pPr marL="0" marR="0" lvl="0" indent="0" algn="l" rtl="0">
                 <a:lnSpc>
                   <a:spcPct val="100000"/>
                 </a:lnSpc>
@@ -2550,10 +2595,7 @@
                 <a:buFont typeface="Arial"/>
                 <a:buNone/>
               </a:pPr>
-              <a:r>
-                <a:t/>
-              </a:r>
-              <a:endParaRPr b="0" i="0" sz="1400" u="none" cap="none" strike="noStrike">
+              <a:endParaRPr sz="1400" b="0" i="0" u="none" strike="noStrike" cap="none">
                 <a:solidFill>
                   <a:srgbClr val="000000"/>
                 </a:solidFill>
@@ -2587,12 +2629,12 @@
             </a:ln>
           </p:spPr>
           <p:txBody>
-            <a:bodyPr anchorCtr="0" anchor="ctr" bIns="91425" lIns="91425" spcFirstLastPara="1" rIns="91425" wrap="square" tIns="91425">
+            <a:bodyPr spcFirstLastPara="1" wrap="square" lIns="91425" tIns="91425" rIns="91425" bIns="91425" anchor="ctr" anchorCtr="0">
               <a:noAutofit/>
             </a:bodyPr>
             <a:lstStyle/>
             <a:p>
-              <a:pPr indent="0" lvl="0" marL="0" marR="0" rtl="0" algn="l">
+              <a:pPr marL="0" marR="0" lvl="0" indent="0" algn="l" rtl="0">
                 <a:lnSpc>
                   <a:spcPct val="100000"/>
                 </a:lnSpc>
@@ -2609,10 +2651,7 @@
                 <a:buFont typeface="Arial"/>
                 <a:buNone/>
               </a:pPr>
-              <a:r>
-                <a:t/>
-              </a:r>
-              <a:endParaRPr b="0" i="0" sz="1400" u="none" cap="none" strike="noStrike">
+              <a:endParaRPr sz="1400" b="0" i="0" u="none" strike="noStrike" cap="none">
                 <a:solidFill>
                   <a:srgbClr val="000000"/>
                 </a:solidFill>
@@ -2628,9 +2667,11 @@
       <p:sp>
         <p:nvSpPr>
           <p:cNvPr id="88" name="Google Shape;88;p43"/>
-          <p:cNvSpPr txBox="1"/>
+          <p:cNvSpPr txBox="1">
+            <a:spLocks noGrp="1"/>
+          </p:cNvSpPr>
           <p:nvPr>
-            <p:ph hasCustomPrompt="1" type="title"/>
+            <p:ph type="title" hasCustomPrompt="1"/>
           </p:nvPr>
         </p:nvSpPr>
         <p:spPr>
@@ -2647,7 +2688,7 @@
           </a:ln>
         </p:spPr>
         <p:txBody>
-          <a:bodyPr anchorCtr="0" anchor="t" bIns="91425" lIns="91425" spcFirstLastPara="1" rIns="91425" wrap="square" tIns="91425">
+          <a:bodyPr spcFirstLastPara="1" wrap="square" lIns="91425" tIns="91425" rIns="91425" bIns="91425" anchor="t" anchorCtr="0">
             <a:noAutofit/>
           </a:bodyPr>
           <a:lstStyle>
@@ -2851,9 +2892,11 @@
       <p:sp>
         <p:nvSpPr>
           <p:cNvPr id="89" name="Google Shape;89;p43"/>
-          <p:cNvSpPr txBox="1"/>
+          <p:cNvSpPr txBox="1">
+            <a:spLocks noGrp="1"/>
+          </p:cNvSpPr>
           <p:nvPr>
-            <p:ph idx="1" type="body"/>
+            <p:ph type="body" idx="1"/>
           </p:nvPr>
         </p:nvSpPr>
         <p:spPr>
@@ -2870,11 +2913,11 @@
           </a:ln>
         </p:spPr>
         <p:txBody>
-          <a:bodyPr anchorCtr="0" anchor="t" bIns="91425" lIns="91425" spcFirstLastPara="1" rIns="91425" wrap="square" tIns="91425">
+          <a:bodyPr spcFirstLastPara="1" wrap="square" lIns="91425" tIns="91425" rIns="91425" bIns="91425" anchor="t" anchorCtr="0">
             <a:noAutofit/>
           </a:bodyPr>
           <a:lstStyle>
-            <a:lvl1pPr indent="-311150" lvl="0" marL="457200" algn="l">
+            <a:lvl1pPr marL="457200" lvl="0" indent="-311150" algn="l">
               <a:lnSpc>
                 <a:spcPct val="115000"/>
               </a:lnSpc>
@@ -2895,7 +2938,7 @@
                 </a:solidFill>
               </a:defRPr>
             </a:lvl1pPr>
-            <a:lvl2pPr indent="-298450" lvl="1" marL="914400" algn="l">
+            <a:lvl2pPr marL="914400" lvl="1" indent="-298450" algn="l">
               <a:lnSpc>
                 <a:spcPct val="115000"/>
               </a:lnSpc>
@@ -2916,7 +2959,7 @@
                 </a:solidFill>
               </a:defRPr>
             </a:lvl2pPr>
-            <a:lvl3pPr indent="-298450" lvl="2" marL="1371600" algn="l">
+            <a:lvl3pPr marL="1371600" lvl="2" indent="-298450" algn="l">
               <a:lnSpc>
                 <a:spcPct val="115000"/>
               </a:lnSpc>
@@ -2937,7 +2980,7 @@
                 </a:solidFill>
               </a:defRPr>
             </a:lvl3pPr>
-            <a:lvl4pPr indent="-298450" lvl="3" marL="1828800" algn="l">
+            <a:lvl4pPr marL="1828800" lvl="3" indent="-298450" algn="l">
               <a:lnSpc>
                 <a:spcPct val="115000"/>
               </a:lnSpc>
@@ -2958,7 +3001,7 @@
                 </a:solidFill>
               </a:defRPr>
             </a:lvl4pPr>
-            <a:lvl5pPr indent="-298450" lvl="4" marL="2286000" algn="l">
+            <a:lvl5pPr marL="2286000" lvl="4" indent="-298450" algn="l">
               <a:lnSpc>
                 <a:spcPct val="115000"/>
               </a:lnSpc>
@@ -2979,7 +3022,7 @@
                 </a:solidFill>
               </a:defRPr>
             </a:lvl5pPr>
-            <a:lvl6pPr indent="-298450" lvl="5" marL="2743200" algn="l">
+            <a:lvl6pPr marL="2743200" lvl="5" indent="-298450" algn="l">
               <a:lnSpc>
                 <a:spcPct val="115000"/>
               </a:lnSpc>
@@ -3000,7 +3043,7 @@
                 </a:solidFill>
               </a:defRPr>
             </a:lvl6pPr>
-            <a:lvl7pPr indent="-298450" lvl="6" marL="3200400" algn="l">
+            <a:lvl7pPr marL="3200400" lvl="6" indent="-298450" algn="l">
               <a:lnSpc>
                 <a:spcPct val="115000"/>
               </a:lnSpc>
@@ -3021,7 +3064,7 @@
                 </a:solidFill>
               </a:defRPr>
             </a:lvl7pPr>
-            <a:lvl8pPr indent="-298450" lvl="7" marL="3657600" algn="l">
+            <a:lvl8pPr marL="3657600" lvl="7" indent="-298450" algn="l">
               <a:lnSpc>
                 <a:spcPct val="115000"/>
               </a:lnSpc>
@@ -3042,7 +3085,7 @@
                 </a:solidFill>
               </a:defRPr>
             </a:lvl8pPr>
-            <a:lvl9pPr indent="-298450" lvl="8" marL="4114800" algn="l">
+            <a:lvl9pPr marL="4114800" lvl="8" indent="-298450" algn="l">
               <a:lnSpc>
                 <a:spcPct val="115000"/>
               </a:lnSpc>
@@ -3064,15 +3107,19 @@
               </a:defRPr>
             </a:lvl9pPr>
           </a:lstStyle>
-          <a:p/>
+          <a:p>
+            <a:endParaRPr/>
+          </a:p>
         </p:txBody>
       </p:sp>
       <p:sp>
         <p:nvSpPr>
           <p:cNvPr id="90" name="Google Shape;90;p43"/>
-          <p:cNvSpPr txBox="1"/>
+          <p:cNvSpPr txBox="1">
+            <a:spLocks noGrp="1"/>
+          </p:cNvSpPr>
           <p:nvPr>
-            <p:ph idx="12" type="sldNum"/>
+            <p:ph type="sldNum" idx="12"/>
           </p:nvPr>
         </p:nvSpPr>
         <p:spPr>
@@ -3089,11 +3136,11 @@
           </a:ln>
         </p:spPr>
         <p:txBody>
-          <a:bodyPr anchorCtr="0" anchor="ctr" bIns="91425" lIns="91425" spcFirstLastPara="1" rIns="91425" wrap="square" tIns="91425">
+          <a:bodyPr spcFirstLastPara="1" wrap="square" lIns="91425" tIns="91425" rIns="91425" bIns="91425" anchor="ctr" anchorCtr="0">
             <a:noAutofit/>
           </a:bodyPr>
           <a:lstStyle>
-            <a:lvl1pPr indent="0" lvl="0" marL="0" marR="0" algn="r">
+            <a:lvl1pPr marL="0" marR="0" lvl="0" indent="0" algn="r">
               <a:lnSpc>
                 <a:spcPct val="100000"/>
               </a:lnSpc>
@@ -3109,7 +3156,7 @@
               <a:buSzPts val="1000"/>
               <a:buFont typeface="Arial"/>
               <a:buNone/>
-              <a:defRPr b="0" i="0" sz="1000" u="none" cap="none" strike="noStrike">
+              <a:defRPr sz="1000" b="0" i="0" u="none" strike="noStrike" cap="none">
                 <a:solidFill>
                   <a:srgbClr val="000000"/>
                 </a:solidFill>
@@ -3119,7 +3166,7 @@
                 <a:sym typeface="Lato"/>
               </a:defRPr>
             </a:lvl1pPr>
-            <a:lvl2pPr indent="0" lvl="1" marL="0" marR="0" algn="r">
+            <a:lvl2pPr marL="0" marR="0" lvl="1" indent="0" algn="r">
               <a:lnSpc>
                 <a:spcPct val="100000"/>
               </a:lnSpc>
@@ -3135,7 +3182,7 @@
               <a:buSzPts val="1000"/>
               <a:buFont typeface="Arial"/>
               <a:buNone/>
-              <a:defRPr b="0" i="0" sz="1000" u="none" cap="none" strike="noStrike">
+              <a:defRPr sz="1000" b="0" i="0" u="none" strike="noStrike" cap="none">
                 <a:solidFill>
                   <a:srgbClr val="000000"/>
                 </a:solidFill>
@@ -3145,7 +3192,7 @@
                 <a:sym typeface="Lato"/>
               </a:defRPr>
             </a:lvl2pPr>
-            <a:lvl3pPr indent="0" lvl="2" marL="0" marR="0" algn="r">
+            <a:lvl3pPr marL="0" marR="0" lvl="2" indent="0" algn="r">
               <a:lnSpc>
                 <a:spcPct val="100000"/>
               </a:lnSpc>
@@ -3161,7 +3208,7 @@
               <a:buSzPts val="1000"/>
               <a:buFont typeface="Arial"/>
               <a:buNone/>
-              <a:defRPr b="0" i="0" sz="1000" u="none" cap="none" strike="noStrike">
+              <a:defRPr sz="1000" b="0" i="0" u="none" strike="noStrike" cap="none">
                 <a:solidFill>
                   <a:srgbClr val="000000"/>
                 </a:solidFill>
@@ -3171,7 +3218,7 @@
                 <a:sym typeface="Lato"/>
               </a:defRPr>
             </a:lvl3pPr>
-            <a:lvl4pPr indent="0" lvl="3" marL="0" marR="0" algn="r">
+            <a:lvl4pPr marL="0" marR="0" lvl="3" indent="0" algn="r">
               <a:lnSpc>
                 <a:spcPct val="100000"/>
               </a:lnSpc>
@@ -3187,7 +3234,7 @@
               <a:buSzPts val="1000"/>
               <a:buFont typeface="Arial"/>
               <a:buNone/>
-              <a:defRPr b="0" i="0" sz="1000" u="none" cap="none" strike="noStrike">
+              <a:defRPr sz="1000" b="0" i="0" u="none" strike="noStrike" cap="none">
                 <a:solidFill>
                   <a:srgbClr val="000000"/>
                 </a:solidFill>
@@ -3197,7 +3244,7 @@
                 <a:sym typeface="Lato"/>
               </a:defRPr>
             </a:lvl4pPr>
-            <a:lvl5pPr indent="0" lvl="4" marL="0" marR="0" algn="r">
+            <a:lvl5pPr marL="0" marR="0" lvl="4" indent="0" algn="r">
               <a:lnSpc>
                 <a:spcPct val="100000"/>
               </a:lnSpc>
@@ -3213,7 +3260,7 @@
               <a:buSzPts val="1000"/>
               <a:buFont typeface="Arial"/>
               <a:buNone/>
-              <a:defRPr b="0" i="0" sz="1000" u="none" cap="none" strike="noStrike">
+              <a:defRPr sz="1000" b="0" i="0" u="none" strike="noStrike" cap="none">
                 <a:solidFill>
                   <a:srgbClr val="000000"/>
                 </a:solidFill>
@@ -3223,7 +3270,7 @@
                 <a:sym typeface="Lato"/>
               </a:defRPr>
             </a:lvl5pPr>
-            <a:lvl6pPr indent="0" lvl="5" marL="0" marR="0" algn="r">
+            <a:lvl6pPr marL="0" marR="0" lvl="5" indent="0" algn="r">
               <a:lnSpc>
                 <a:spcPct val="100000"/>
               </a:lnSpc>
@@ -3239,7 +3286,7 @@
               <a:buSzPts val="1000"/>
               <a:buFont typeface="Arial"/>
               <a:buNone/>
-              <a:defRPr b="0" i="0" sz="1000" u="none" cap="none" strike="noStrike">
+              <a:defRPr sz="1000" b="0" i="0" u="none" strike="noStrike" cap="none">
                 <a:solidFill>
                   <a:srgbClr val="000000"/>
                 </a:solidFill>
@@ -3249,7 +3296,7 @@
                 <a:sym typeface="Lato"/>
               </a:defRPr>
             </a:lvl6pPr>
-            <a:lvl7pPr indent="0" lvl="6" marL="0" marR="0" algn="r">
+            <a:lvl7pPr marL="0" marR="0" lvl="6" indent="0" algn="r">
               <a:lnSpc>
                 <a:spcPct val="100000"/>
               </a:lnSpc>
@@ -3265,7 +3312,7 @@
               <a:buSzPts val="1000"/>
               <a:buFont typeface="Arial"/>
               <a:buNone/>
-              <a:defRPr b="0" i="0" sz="1000" u="none" cap="none" strike="noStrike">
+              <a:defRPr sz="1000" b="0" i="0" u="none" strike="noStrike" cap="none">
                 <a:solidFill>
                   <a:srgbClr val="000000"/>
                 </a:solidFill>
@@ -3275,7 +3322,7 @@
                 <a:sym typeface="Lato"/>
               </a:defRPr>
             </a:lvl7pPr>
-            <a:lvl8pPr indent="0" lvl="7" marL="0" marR="0" algn="r">
+            <a:lvl8pPr marL="0" marR="0" lvl="7" indent="0" algn="r">
               <a:lnSpc>
                 <a:spcPct val="100000"/>
               </a:lnSpc>
@@ -3291,7 +3338,7 @@
               <a:buSzPts val="1000"/>
               <a:buFont typeface="Arial"/>
               <a:buNone/>
-              <a:defRPr b="0" i="0" sz="1000" u="none" cap="none" strike="noStrike">
+              <a:defRPr sz="1000" b="0" i="0" u="none" strike="noStrike" cap="none">
                 <a:solidFill>
                   <a:srgbClr val="000000"/>
                 </a:solidFill>
@@ -3301,7 +3348,7 @@
                 <a:sym typeface="Lato"/>
               </a:defRPr>
             </a:lvl8pPr>
-            <a:lvl9pPr indent="0" lvl="8" marL="0" marR="0" algn="r">
+            <a:lvl9pPr marL="0" marR="0" lvl="8" indent="0" algn="r">
               <a:lnSpc>
                 <a:spcPct val="100000"/>
               </a:lnSpc>
@@ -3317,7 +3364,7 @@
               <a:buSzPts val="1000"/>
               <a:buFont typeface="Arial"/>
               <a:buNone/>
-              <a:defRPr b="0" i="0" sz="1000" u="none" cap="none" strike="noStrike">
+              <a:defRPr sz="1000" b="0" i="0" u="none" strike="noStrike" cap="none">
                 <a:solidFill>
                   <a:srgbClr val="000000"/>
                 </a:solidFill>
@@ -3329,7 +3376,7 @@
             </a:lvl9pPr>
           </a:lstStyle>
           <a:p>
-            <a:pPr indent="0" lvl="0" marL="0" rtl="0" algn="r">
+            <a:pPr marL="0" lvl="0" indent="0" algn="r" rtl="0">
               <a:spcBef>
                 <a:spcPts val="0"/>
               </a:spcBef>
@@ -3355,11 +3402,11 @@
 </file>
 
 <file path=ppt/slideLayouts/slideLayout11.xml><?xml version="1.0" encoding="utf-8"?>
-<p:sldLayout xmlns:a="http://schemas.openxmlformats.org/drawingml/2006/main" xmlns:r="http://schemas.openxmlformats.org/officeDocument/2006/relationships" xmlns:mc="http://schemas.openxmlformats.org/markup-compatibility/2006" xmlns:mv="urn:schemas-microsoft-com:mac:vml" xmlns:p="http://schemas.openxmlformats.org/presentationml/2006/main" xmlns:c="http://schemas.openxmlformats.org/drawingml/2006/chart" xmlns:dgm="http://schemas.openxmlformats.org/drawingml/2006/diagram" xmlns:o="urn:schemas-microsoft-com:office:office" xmlns:v="urn:schemas-microsoft-com:vml" xmlns:pvml="urn:schemas-microsoft-com:office:powerpoint" xmlns:com="http://schemas.openxmlformats.org/drawingml/2006/compatibility" xmlns:p14="http://schemas.microsoft.com/office/powerpoint/2010/main" xmlns:p15="http://schemas.microsoft.com/office/powerpoint/2012/main" matchingName="Ayiti Analytics Steamline Theme" type="blank">
+<p:sldLayout xmlns:a="http://schemas.openxmlformats.org/drawingml/2006/main" xmlns:r="http://schemas.openxmlformats.org/officeDocument/2006/relationships" xmlns:p="http://schemas.openxmlformats.org/presentationml/2006/main" matchingName="Ayiti Analytics Steamline Theme" type="blank">
   <p:cSld name="BLANK">
     <p:spTree>
       <p:nvGrpSpPr>
-        <p:cNvPr id="91" name="Shape 91"/>
+        <p:cNvPr id="1" name="Shape 91"/>
         <p:cNvGrpSpPr/>
         <p:nvPr/>
       </p:nvGrpSpPr>
@@ -3374,9 +3421,11 @@
       <p:sp>
         <p:nvSpPr>
           <p:cNvPr id="92" name="Google Shape;92;p44"/>
-          <p:cNvSpPr txBox="1"/>
+          <p:cNvSpPr txBox="1">
+            <a:spLocks noGrp="1"/>
+          </p:cNvSpPr>
           <p:nvPr>
-            <p:ph idx="12" type="sldNum"/>
+            <p:ph type="sldNum" idx="12"/>
           </p:nvPr>
         </p:nvSpPr>
         <p:spPr>
@@ -3393,11 +3442,11 @@
           </a:ln>
         </p:spPr>
         <p:txBody>
-          <a:bodyPr anchorCtr="0" anchor="ctr" bIns="91425" lIns="91425" spcFirstLastPara="1" rIns="91425" wrap="square" tIns="91425">
+          <a:bodyPr spcFirstLastPara="1" wrap="square" lIns="91425" tIns="91425" rIns="91425" bIns="91425" anchor="ctr" anchorCtr="0">
             <a:noAutofit/>
           </a:bodyPr>
           <a:lstStyle>
-            <a:lvl1pPr indent="0" lvl="0" marL="0" marR="0" algn="r">
+            <a:lvl1pPr marL="0" marR="0" lvl="0" indent="0" algn="r">
               <a:lnSpc>
                 <a:spcPct val="100000"/>
               </a:lnSpc>
@@ -3413,7 +3462,7 @@
               <a:buSzPts val="1000"/>
               <a:buFont typeface="Arial"/>
               <a:buNone/>
-              <a:defRPr b="0" i="0" sz="1000" u="none" cap="none" strike="noStrike">
+              <a:defRPr sz="1000" b="0" i="0" u="none" strike="noStrike" cap="none">
                 <a:solidFill>
                   <a:schemeClr val="accent1"/>
                 </a:solidFill>
@@ -3423,7 +3472,7 @@
                 <a:sym typeface="Lato"/>
               </a:defRPr>
             </a:lvl1pPr>
-            <a:lvl2pPr indent="0" lvl="1" marL="0" marR="0" algn="r">
+            <a:lvl2pPr marL="0" marR="0" lvl="1" indent="0" algn="r">
               <a:lnSpc>
                 <a:spcPct val="100000"/>
               </a:lnSpc>
@@ -3439,7 +3488,7 @@
               <a:buSzPts val="1000"/>
               <a:buFont typeface="Arial"/>
               <a:buNone/>
-              <a:defRPr b="0" i="0" sz="1000" u="none" cap="none" strike="noStrike">
+              <a:defRPr sz="1000" b="0" i="0" u="none" strike="noStrike" cap="none">
                 <a:solidFill>
                   <a:schemeClr val="accent1"/>
                 </a:solidFill>
@@ -3449,7 +3498,7 @@
                 <a:sym typeface="Lato"/>
               </a:defRPr>
             </a:lvl2pPr>
-            <a:lvl3pPr indent="0" lvl="2" marL="0" marR="0" algn="r">
+            <a:lvl3pPr marL="0" marR="0" lvl="2" indent="0" algn="r">
               <a:lnSpc>
                 <a:spcPct val="100000"/>
               </a:lnSpc>
@@ -3465,7 +3514,7 @@
               <a:buSzPts val="1000"/>
               <a:buFont typeface="Arial"/>
               <a:buNone/>
-              <a:defRPr b="0" i="0" sz="1000" u="none" cap="none" strike="noStrike">
+              <a:defRPr sz="1000" b="0" i="0" u="none" strike="noStrike" cap="none">
                 <a:solidFill>
                   <a:schemeClr val="accent1"/>
                 </a:solidFill>
@@ -3475,7 +3524,7 @@
                 <a:sym typeface="Lato"/>
               </a:defRPr>
             </a:lvl3pPr>
-            <a:lvl4pPr indent="0" lvl="3" marL="0" marR="0" algn="r">
+            <a:lvl4pPr marL="0" marR="0" lvl="3" indent="0" algn="r">
               <a:lnSpc>
                 <a:spcPct val="100000"/>
               </a:lnSpc>
@@ -3491,7 +3540,7 @@
               <a:buSzPts val="1000"/>
               <a:buFont typeface="Arial"/>
               <a:buNone/>
-              <a:defRPr b="0" i="0" sz="1000" u="none" cap="none" strike="noStrike">
+              <a:defRPr sz="1000" b="0" i="0" u="none" strike="noStrike" cap="none">
                 <a:solidFill>
                   <a:schemeClr val="accent1"/>
                 </a:solidFill>
@@ -3501,7 +3550,7 @@
                 <a:sym typeface="Lato"/>
               </a:defRPr>
             </a:lvl4pPr>
-            <a:lvl5pPr indent="0" lvl="4" marL="0" marR="0" algn="r">
+            <a:lvl5pPr marL="0" marR="0" lvl="4" indent="0" algn="r">
               <a:lnSpc>
                 <a:spcPct val="100000"/>
               </a:lnSpc>
@@ -3517,7 +3566,7 @@
               <a:buSzPts val="1000"/>
               <a:buFont typeface="Arial"/>
               <a:buNone/>
-              <a:defRPr b="0" i="0" sz="1000" u="none" cap="none" strike="noStrike">
+              <a:defRPr sz="1000" b="0" i="0" u="none" strike="noStrike" cap="none">
                 <a:solidFill>
                   <a:schemeClr val="accent1"/>
                 </a:solidFill>
@@ -3527,7 +3576,7 @@
                 <a:sym typeface="Lato"/>
               </a:defRPr>
             </a:lvl5pPr>
-            <a:lvl6pPr indent="0" lvl="5" marL="0" marR="0" algn="r">
+            <a:lvl6pPr marL="0" marR="0" lvl="5" indent="0" algn="r">
               <a:lnSpc>
                 <a:spcPct val="100000"/>
               </a:lnSpc>
@@ -3543,7 +3592,7 @@
               <a:buSzPts val="1000"/>
               <a:buFont typeface="Arial"/>
               <a:buNone/>
-              <a:defRPr b="0" i="0" sz="1000" u="none" cap="none" strike="noStrike">
+              <a:defRPr sz="1000" b="0" i="0" u="none" strike="noStrike" cap="none">
                 <a:solidFill>
                   <a:schemeClr val="accent1"/>
                 </a:solidFill>
@@ -3553,7 +3602,7 @@
                 <a:sym typeface="Lato"/>
               </a:defRPr>
             </a:lvl6pPr>
-            <a:lvl7pPr indent="0" lvl="6" marL="0" marR="0" algn="r">
+            <a:lvl7pPr marL="0" marR="0" lvl="6" indent="0" algn="r">
               <a:lnSpc>
                 <a:spcPct val="100000"/>
               </a:lnSpc>
@@ -3569,7 +3618,7 @@
               <a:buSzPts val="1000"/>
               <a:buFont typeface="Arial"/>
               <a:buNone/>
-              <a:defRPr b="0" i="0" sz="1000" u="none" cap="none" strike="noStrike">
+              <a:defRPr sz="1000" b="0" i="0" u="none" strike="noStrike" cap="none">
                 <a:solidFill>
                   <a:schemeClr val="accent1"/>
                 </a:solidFill>
@@ -3579,7 +3628,7 @@
                 <a:sym typeface="Lato"/>
               </a:defRPr>
             </a:lvl7pPr>
-            <a:lvl8pPr indent="0" lvl="7" marL="0" marR="0" algn="r">
+            <a:lvl8pPr marL="0" marR="0" lvl="7" indent="0" algn="r">
               <a:lnSpc>
                 <a:spcPct val="100000"/>
               </a:lnSpc>
@@ -3595,7 +3644,7 @@
               <a:buSzPts val="1000"/>
               <a:buFont typeface="Arial"/>
               <a:buNone/>
-              <a:defRPr b="0" i="0" sz="1000" u="none" cap="none" strike="noStrike">
+              <a:defRPr sz="1000" b="0" i="0" u="none" strike="noStrike" cap="none">
                 <a:solidFill>
                   <a:schemeClr val="accent1"/>
                 </a:solidFill>
@@ -3605,7 +3654,7 @@
                 <a:sym typeface="Lato"/>
               </a:defRPr>
             </a:lvl8pPr>
-            <a:lvl9pPr indent="0" lvl="8" marL="0" marR="0" algn="r">
+            <a:lvl9pPr marL="0" marR="0" lvl="8" indent="0" algn="r">
               <a:lnSpc>
                 <a:spcPct val="100000"/>
               </a:lnSpc>
@@ -3621,7 +3670,7 @@
               <a:buSzPts val="1000"/>
               <a:buFont typeface="Arial"/>
               <a:buNone/>
-              <a:defRPr b="0" i="0" sz="1000" u="none" cap="none" strike="noStrike">
+              <a:defRPr sz="1000" b="0" i="0" u="none" strike="noStrike" cap="none">
                 <a:solidFill>
                   <a:schemeClr val="accent1"/>
                 </a:solidFill>
@@ -3633,7 +3682,7 @@
             </a:lvl9pPr>
           </a:lstStyle>
           <a:p>
-            <a:pPr indent="0" lvl="0" marL="0" rtl="0" algn="r">
+            <a:pPr marL="0" lvl="0" indent="0" algn="r" rtl="0">
               <a:spcBef>
                 <a:spcPts val="0"/>
               </a:spcBef>
@@ -3660,7 +3709,7 @@
           <a:blip r:embed="rId2">
             <a:alphaModFix/>
           </a:blip>
-          <a:srcRect b="31682" l="16874" r="16874" t="31678"/>
+          <a:srcRect l="16874" t="31678" r="16874" b="31682"/>
           <a:stretch/>
         </p:blipFill>
         <p:spPr>
@@ -3686,11 +3735,11 @@
 </file>
 
 <file path=ppt/slideLayouts/slideLayout12.xml><?xml version="1.0" encoding="utf-8"?>
-<p:sldLayout xmlns:a="http://schemas.openxmlformats.org/drawingml/2006/main" xmlns:r="http://schemas.openxmlformats.org/officeDocument/2006/relationships" xmlns:mc="http://schemas.openxmlformats.org/markup-compatibility/2006" xmlns:mv="urn:schemas-microsoft-com:mac:vml" xmlns:p="http://schemas.openxmlformats.org/presentationml/2006/main" xmlns:c="http://schemas.openxmlformats.org/drawingml/2006/chart" xmlns:dgm="http://schemas.openxmlformats.org/drawingml/2006/diagram" xmlns:o="urn:schemas-microsoft-com:office:office" xmlns:v="urn:schemas-microsoft-com:vml" xmlns:pvml="urn:schemas-microsoft-com:office:powerpoint" xmlns:com="http://schemas.openxmlformats.org/drawingml/2006/compatibility" xmlns:p14="http://schemas.microsoft.com/office/powerpoint/2010/main" xmlns:p15="http://schemas.microsoft.com/office/powerpoint/2012/main" matchingName="Title and Content" type="obj">
+<p:sldLayout xmlns:a="http://schemas.openxmlformats.org/drawingml/2006/main" xmlns:r="http://schemas.openxmlformats.org/officeDocument/2006/relationships" xmlns:p="http://schemas.openxmlformats.org/presentationml/2006/main" matchingName="Title and Content" type="obj">
   <p:cSld name="OBJECT">
     <p:spTree>
       <p:nvGrpSpPr>
-        <p:cNvPr id="94" name="Shape 94"/>
+        <p:cNvPr id="1" name="Shape 94"/>
         <p:cNvGrpSpPr/>
         <p:nvPr/>
       </p:nvGrpSpPr>
@@ -3705,7 +3754,9 @@
       <p:sp>
         <p:nvSpPr>
           <p:cNvPr id="95" name="Google Shape;95;p45"/>
-          <p:cNvSpPr txBox="1"/>
+          <p:cNvSpPr txBox="1">
+            <a:spLocks noGrp="1"/>
+          </p:cNvSpPr>
           <p:nvPr>
             <p:ph type="title"/>
           </p:nvPr>
@@ -3724,7 +3775,7 @@
           </a:ln>
         </p:spPr>
         <p:txBody>
-          <a:bodyPr anchorCtr="0" anchor="ctr" bIns="34275" lIns="68575" spcFirstLastPara="1" rIns="68575" wrap="square" tIns="34275">
+          <a:bodyPr spcFirstLastPara="1" wrap="square" lIns="68575" tIns="34275" rIns="68575" bIns="34275" anchor="ctr" anchorCtr="0">
             <a:noAutofit/>
           </a:bodyPr>
           <a:lstStyle>
@@ -3858,15 +3909,19 @@
               <a:defRPr/>
             </a:lvl9pPr>
           </a:lstStyle>
-          <a:p/>
+          <a:p>
+            <a:endParaRPr/>
+          </a:p>
         </p:txBody>
       </p:sp>
       <p:sp>
         <p:nvSpPr>
           <p:cNvPr id="96" name="Google Shape;96;p45"/>
-          <p:cNvSpPr txBox="1"/>
+          <p:cNvSpPr txBox="1">
+            <a:spLocks noGrp="1"/>
+          </p:cNvSpPr>
           <p:nvPr>
-            <p:ph idx="1" type="body"/>
+            <p:ph type="body" idx="1"/>
           </p:nvPr>
         </p:nvSpPr>
         <p:spPr>
@@ -3883,11 +3938,11 @@
           </a:ln>
         </p:spPr>
         <p:txBody>
-          <a:bodyPr anchorCtr="0" anchor="t" bIns="34275" lIns="68575" spcFirstLastPara="1" rIns="68575" wrap="square" tIns="34275">
+          <a:bodyPr spcFirstLastPara="1" wrap="square" lIns="68575" tIns="34275" rIns="68575" bIns="34275" anchor="t" anchorCtr="0">
             <a:noAutofit/>
           </a:bodyPr>
           <a:lstStyle>
-            <a:lvl1pPr indent="-317500" lvl="0" marL="457200" algn="l">
+            <a:lvl1pPr marL="457200" lvl="0" indent="-317500" algn="l">
               <a:lnSpc>
                 <a:spcPct val="90000"/>
               </a:lnSpc>
@@ -3904,7 +3959,7 @@
               <a:buChar char="●"/>
               <a:defRPr/>
             </a:lvl1pPr>
-            <a:lvl2pPr indent="-317500" lvl="1" marL="914400" algn="l">
+            <a:lvl2pPr marL="914400" lvl="1" indent="-317500" algn="l">
               <a:lnSpc>
                 <a:spcPct val="90000"/>
               </a:lnSpc>
@@ -3921,7 +3976,7 @@
               <a:buChar char="○"/>
               <a:defRPr/>
             </a:lvl2pPr>
-            <a:lvl3pPr indent="-317500" lvl="2" marL="1371600" algn="l">
+            <a:lvl3pPr marL="1371600" lvl="2" indent="-317500" algn="l">
               <a:lnSpc>
                 <a:spcPct val="90000"/>
               </a:lnSpc>
@@ -3938,7 +3993,7 @@
               <a:buChar char="■"/>
               <a:defRPr/>
             </a:lvl3pPr>
-            <a:lvl4pPr indent="-317500" lvl="3" marL="1828800" algn="l">
+            <a:lvl4pPr marL="1828800" lvl="3" indent="-317500" algn="l">
               <a:lnSpc>
                 <a:spcPct val="90000"/>
               </a:lnSpc>
@@ -3955,7 +4010,7 @@
               <a:buChar char="●"/>
               <a:defRPr/>
             </a:lvl4pPr>
-            <a:lvl5pPr indent="-317500" lvl="4" marL="2286000" algn="l">
+            <a:lvl5pPr marL="2286000" lvl="4" indent="-317500" algn="l">
               <a:lnSpc>
                 <a:spcPct val="90000"/>
               </a:lnSpc>
@@ -3972,7 +4027,7 @@
               <a:buChar char="○"/>
               <a:defRPr/>
             </a:lvl5pPr>
-            <a:lvl6pPr indent="-317500" lvl="5" marL="2743200" algn="l">
+            <a:lvl6pPr marL="2743200" lvl="5" indent="-317500" algn="l">
               <a:lnSpc>
                 <a:spcPct val="90000"/>
               </a:lnSpc>
@@ -3989,7 +4044,7 @@
               <a:buChar char="■"/>
               <a:defRPr/>
             </a:lvl6pPr>
-            <a:lvl7pPr indent="-317500" lvl="6" marL="3200400" algn="l">
+            <a:lvl7pPr marL="3200400" lvl="6" indent="-317500" algn="l">
               <a:lnSpc>
                 <a:spcPct val="90000"/>
               </a:lnSpc>
@@ -4006,7 +4061,7 @@
               <a:buChar char="●"/>
               <a:defRPr/>
             </a:lvl7pPr>
-            <a:lvl8pPr indent="-317500" lvl="7" marL="3657600" algn="l">
+            <a:lvl8pPr marL="3657600" lvl="7" indent="-317500" algn="l">
               <a:lnSpc>
                 <a:spcPct val="90000"/>
               </a:lnSpc>
@@ -4023,7 +4078,7 @@
               <a:buChar char="○"/>
               <a:defRPr/>
             </a:lvl8pPr>
-            <a:lvl9pPr indent="-317500" lvl="8" marL="4114800" algn="l">
+            <a:lvl9pPr marL="4114800" lvl="8" indent="-317500" algn="l">
               <a:lnSpc>
                 <a:spcPct val="90000"/>
               </a:lnSpc>
@@ -4041,15 +4096,19 @@
               <a:defRPr/>
             </a:lvl9pPr>
           </a:lstStyle>
-          <a:p/>
+          <a:p>
+            <a:endParaRPr/>
+          </a:p>
         </p:txBody>
       </p:sp>
       <p:sp>
         <p:nvSpPr>
           <p:cNvPr id="97" name="Google Shape;97;p45"/>
-          <p:cNvSpPr txBox="1"/>
+          <p:cNvSpPr txBox="1">
+            <a:spLocks noGrp="1"/>
+          </p:cNvSpPr>
           <p:nvPr>
-            <p:ph idx="10" type="dt"/>
+            <p:ph type="dt" idx="10"/>
           </p:nvPr>
         </p:nvSpPr>
         <p:spPr>
@@ -4066,11 +4125,11 @@
           </a:ln>
         </p:spPr>
         <p:txBody>
-          <a:bodyPr anchorCtr="0" anchor="ctr" bIns="34275" lIns="68575" spcFirstLastPara="1" rIns="68575" wrap="square" tIns="34275">
+          <a:bodyPr spcFirstLastPara="1" wrap="square" lIns="68575" tIns="34275" rIns="68575" bIns="34275" anchor="ctr" anchorCtr="0">
             <a:noAutofit/>
           </a:bodyPr>
           <a:lstStyle>
-            <a:lvl1pPr lvl="0" marR="0" rtl="0" algn="l">
+            <a:lvl1pPr marR="0" lvl="0" algn="l" rtl="0">
               <a:lnSpc>
                 <a:spcPct val="100000"/>
               </a:lnSpc>
@@ -4086,7 +4145,7 @@
               <a:buSzPts val="1100"/>
               <a:buFont typeface="Arial"/>
               <a:buNone/>
-              <a:defRPr b="0" i="0" sz="1100" u="none" cap="none" strike="noStrike">
+              <a:defRPr sz="1100" b="0" i="0" u="none" strike="noStrike" cap="none">
                 <a:solidFill>
                   <a:srgbClr val="000000"/>
                 </a:solidFill>
@@ -4096,7 +4155,7 @@
                 <a:sym typeface="Arial"/>
               </a:defRPr>
             </a:lvl1pPr>
-            <a:lvl2pPr lvl="1" marR="0" rtl="0" algn="l">
+            <a:lvl2pPr marR="0" lvl="1" algn="l" rtl="0">
               <a:lnSpc>
                 <a:spcPct val="100000"/>
               </a:lnSpc>
@@ -4112,7 +4171,7 @@
               <a:buSzPts val="1100"/>
               <a:buFont typeface="Arial"/>
               <a:buNone/>
-              <a:defRPr b="0" i="0" sz="1100" u="none" cap="none" strike="noStrike">
+              <a:defRPr sz="1100" b="0" i="0" u="none" strike="noStrike" cap="none">
                 <a:solidFill>
                   <a:srgbClr val="000000"/>
                 </a:solidFill>
@@ -4122,7 +4181,7 @@
                 <a:sym typeface="Arial"/>
               </a:defRPr>
             </a:lvl2pPr>
-            <a:lvl3pPr lvl="2" marR="0" rtl="0" algn="l">
+            <a:lvl3pPr marR="0" lvl="2" algn="l" rtl="0">
               <a:lnSpc>
                 <a:spcPct val="100000"/>
               </a:lnSpc>
@@ -4138,7 +4197,7 @@
               <a:buSzPts val="1100"/>
               <a:buFont typeface="Arial"/>
               <a:buNone/>
-              <a:defRPr b="0" i="0" sz="1100" u="none" cap="none" strike="noStrike">
+              <a:defRPr sz="1100" b="0" i="0" u="none" strike="noStrike" cap="none">
                 <a:solidFill>
                   <a:srgbClr val="000000"/>
                 </a:solidFill>
@@ -4148,7 +4207,7 @@
                 <a:sym typeface="Arial"/>
               </a:defRPr>
             </a:lvl3pPr>
-            <a:lvl4pPr lvl="3" marR="0" rtl="0" algn="l">
+            <a:lvl4pPr marR="0" lvl="3" algn="l" rtl="0">
               <a:lnSpc>
                 <a:spcPct val="100000"/>
               </a:lnSpc>
@@ -4164,7 +4223,7 @@
               <a:buSzPts val="1100"/>
               <a:buFont typeface="Arial"/>
               <a:buNone/>
-              <a:defRPr b="0" i="0" sz="1100" u="none" cap="none" strike="noStrike">
+              <a:defRPr sz="1100" b="0" i="0" u="none" strike="noStrike" cap="none">
                 <a:solidFill>
                   <a:srgbClr val="000000"/>
                 </a:solidFill>
@@ -4174,7 +4233,7 @@
                 <a:sym typeface="Arial"/>
               </a:defRPr>
             </a:lvl4pPr>
-            <a:lvl5pPr lvl="4" marR="0" rtl="0" algn="l">
+            <a:lvl5pPr marR="0" lvl="4" algn="l" rtl="0">
               <a:lnSpc>
                 <a:spcPct val="100000"/>
               </a:lnSpc>
@@ -4190,7 +4249,7 @@
               <a:buSzPts val="1100"/>
               <a:buFont typeface="Arial"/>
               <a:buNone/>
-              <a:defRPr b="0" i="0" sz="1100" u="none" cap="none" strike="noStrike">
+              <a:defRPr sz="1100" b="0" i="0" u="none" strike="noStrike" cap="none">
                 <a:solidFill>
                   <a:srgbClr val="000000"/>
                 </a:solidFill>
@@ -4200,7 +4259,7 @@
                 <a:sym typeface="Arial"/>
               </a:defRPr>
             </a:lvl5pPr>
-            <a:lvl6pPr lvl="5" marR="0" rtl="0" algn="l">
+            <a:lvl6pPr marR="0" lvl="5" algn="l" rtl="0">
               <a:lnSpc>
                 <a:spcPct val="100000"/>
               </a:lnSpc>
@@ -4216,7 +4275,7 @@
               <a:buSzPts val="1100"/>
               <a:buFont typeface="Arial"/>
               <a:buNone/>
-              <a:defRPr b="0" i="0" sz="1100" u="none" cap="none" strike="noStrike">
+              <a:defRPr sz="1100" b="0" i="0" u="none" strike="noStrike" cap="none">
                 <a:solidFill>
                   <a:srgbClr val="000000"/>
                 </a:solidFill>
@@ -4226,7 +4285,7 @@
                 <a:sym typeface="Arial"/>
               </a:defRPr>
             </a:lvl6pPr>
-            <a:lvl7pPr lvl="6" marR="0" rtl="0" algn="l">
+            <a:lvl7pPr marR="0" lvl="6" algn="l" rtl="0">
               <a:lnSpc>
                 <a:spcPct val="100000"/>
               </a:lnSpc>
@@ -4242,7 +4301,7 @@
               <a:buSzPts val="1100"/>
               <a:buFont typeface="Arial"/>
               <a:buNone/>
-              <a:defRPr b="0" i="0" sz="1100" u="none" cap="none" strike="noStrike">
+              <a:defRPr sz="1100" b="0" i="0" u="none" strike="noStrike" cap="none">
                 <a:solidFill>
                   <a:srgbClr val="000000"/>
                 </a:solidFill>
@@ -4252,7 +4311,7 @@
                 <a:sym typeface="Arial"/>
               </a:defRPr>
             </a:lvl7pPr>
-            <a:lvl8pPr lvl="7" marR="0" rtl="0" algn="l">
+            <a:lvl8pPr marR="0" lvl="7" algn="l" rtl="0">
               <a:lnSpc>
                 <a:spcPct val="100000"/>
               </a:lnSpc>
@@ -4268,7 +4327,7 @@
               <a:buSzPts val="1100"/>
               <a:buFont typeface="Arial"/>
               <a:buNone/>
-              <a:defRPr b="0" i="0" sz="1100" u="none" cap="none" strike="noStrike">
+              <a:defRPr sz="1100" b="0" i="0" u="none" strike="noStrike" cap="none">
                 <a:solidFill>
                   <a:srgbClr val="000000"/>
                 </a:solidFill>
@@ -4278,7 +4337,7 @@
                 <a:sym typeface="Arial"/>
               </a:defRPr>
             </a:lvl8pPr>
-            <a:lvl9pPr lvl="8" marR="0" rtl="0" algn="l">
+            <a:lvl9pPr marR="0" lvl="8" algn="l" rtl="0">
               <a:lnSpc>
                 <a:spcPct val="100000"/>
               </a:lnSpc>
@@ -4294,7 +4353,7 @@
               <a:buSzPts val="1100"/>
               <a:buFont typeface="Arial"/>
               <a:buNone/>
-              <a:defRPr b="0" i="0" sz="1100" u="none" cap="none" strike="noStrike">
+              <a:defRPr sz="1100" b="0" i="0" u="none" strike="noStrike" cap="none">
                 <a:solidFill>
                   <a:srgbClr val="000000"/>
                 </a:solidFill>
@@ -4305,15 +4364,19 @@
               </a:defRPr>
             </a:lvl9pPr>
           </a:lstStyle>
-          <a:p/>
+          <a:p>
+            <a:endParaRPr/>
+          </a:p>
         </p:txBody>
       </p:sp>
       <p:sp>
         <p:nvSpPr>
           <p:cNvPr id="98" name="Google Shape;98;p45"/>
-          <p:cNvSpPr txBox="1"/>
+          <p:cNvSpPr txBox="1">
+            <a:spLocks noGrp="1"/>
+          </p:cNvSpPr>
           <p:nvPr>
-            <p:ph idx="11" type="ftr"/>
+            <p:ph type="ftr" idx="11"/>
           </p:nvPr>
         </p:nvSpPr>
         <p:spPr>
@@ -4330,11 +4393,11 @@
           </a:ln>
         </p:spPr>
         <p:txBody>
-          <a:bodyPr anchorCtr="0" anchor="ctr" bIns="34275" lIns="68575" spcFirstLastPara="1" rIns="68575" wrap="square" tIns="34275">
+          <a:bodyPr spcFirstLastPara="1" wrap="square" lIns="68575" tIns="34275" rIns="68575" bIns="34275" anchor="ctr" anchorCtr="0">
             <a:noAutofit/>
           </a:bodyPr>
           <a:lstStyle>
-            <a:lvl1pPr lvl="0" marR="0" rtl="0" algn="ctr">
+            <a:lvl1pPr marR="0" lvl="0" algn="ctr" rtl="0">
               <a:lnSpc>
                 <a:spcPct val="100000"/>
               </a:lnSpc>
@@ -4350,7 +4413,7 @@
               <a:buSzPts val="1100"/>
               <a:buFont typeface="Arial"/>
               <a:buNone/>
-              <a:defRPr b="0" i="0" sz="1100" u="none" cap="none" strike="noStrike">
+              <a:defRPr sz="1100" b="0" i="0" u="none" strike="noStrike" cap="none">
                 <a:solidFill>
                   <a:srgbClr val="000000"/>
                 </a:solidFill>
@@ -4360,7 +4423,7 @@
                 <a:sym typeface="Arial"/>
               </a:defRPr>
             </a:lvl1pPr>
-            <a:lvl2pPr lvl="1" marR="0" rtl="0" algn="l">
+            <a:lvl2pPr marR="0" lvl="1" algn="l" rtl="0">
               <a:lnSpc>
                 <a:spcPct val="100000"/>
               </a:lnSpc>
@@ -4376,7 +4439,7 @@
               <a:buSzPts val="1100"/>
               <a:buFont typeface="Arial"/>
               <a:buNone/>
-              <a:defRPr b="0" i="0" sz="1100" u="none" cap="none" strike="noStrike">
+              <a:defRPr sz="1100" b="0" i="0" u="none" strike="noStrike" cap="none">
                 <a:solidFill>
                   <a:srgbClr val="000000"/>
                 </a:solidFill>
@@ -4386,7 +4449,7 @@
                 <a:sym typeface="Arial"/>
               </a:defRPr>
             </a:lvl2pPr>
-            <a:lvl3pPr lvl="2" marR="0" rtl="0" algn="l">
+            <a:lvl3pPr marR="0" lvl="2" algn="l" rtl="0">
               <a:lnSpc>
                 <a:spcPct val="100000"/>
               </a:lnSpc>
@@ -4402,7 +4465,7 @@
               <a:buSzPts val="1100"/>
               <a:buFont typeface="Arial"/>
               <a:buNone/>
-              <a:defRPr b="0" i="0" sz="1100" u="none" cap="none" strike="noStrike">
+              <a:defRPr sz="1100" b="0" i="0" u="none" strike="noStrike" cap="none">
                 <a:solidFill>
                   <a:srgbClr val="000000"/>
                 </a:solidFill>
@@ -4412,7 +4475,7 @@
                 <a:sym typeface="Arial"/>
               </a:defRPr>
             </a:lvl3pPr>
-            <a:lvl4pPr lvl="3" marR="0" rtl="0" algn="l">
+            <a:lvl4pPr marR="0" lvl="3" algn="l" rtl="0">
               <a:lnSpc>
                 <a:spcPct val="100000"/>
               </a:lnSpc>
@@ -4428,7 +4491,7 @@
               <a:buSzPts val="1100"/>
               <a:buFont typeface="Arial"/>
               <a:buNone/>
-              <a:defRPr b="0" i="0" sz="1100" u="none" cap="none" strike="noStrike">
+              <a:defRPr sz="1100" b="0" i="0" u="none" strike="noStrike" cap="none">
                 <a:solidFill>
                   <a:srgbClr val="000000"/>
                 </a:solidFill>
@@ -4438,7 +4501,7 @@
                 <a:sym typeface="Arial"/>
               </a:defRPr>
             </a:lvl4pPr>
-            <a:lvl5pPr lvl="4" marR="0" rtl="0" algn="l">
+            <a:lvl5pPr marR="0" lvl="4" algn="l" rtl="0">
               <a:lnSpc>
                 <a:spcPct val="100000"/>
               </a:lnSpc>
@@ -4454,7 +4517,7 @@
               <a:buSzPts val="1100"/>
               <a:buFont typeface="Arial"/>
               <a:buNone/>
-              <a:defRPr b="0" i="0" sz="1100" u="none" cap="none" strike="noStrike">
+              <a:defRPr sz="1100" b="0" i="0" u="none" strike="noStrike" cap="none">
                 <a:solidFill>
                   <a:srgbClr val="000000"/>
                 </a:solidFill>
@@ -4464,7 +4527,7 @@
                 <a:sym typeface="Arial"/>
               </a:defRPr>
             </a:lvl5pPr>
-            <a:lvl6pPr lvl="5" marR="0" rtl="0" algn="l">
+            <a:lvl6pPr marR="0" lvl="5" algn="l" rtl="0">
               <a:lnSpc>
                 <a:spcPct val="100000"/>
               </a:lnSpc>
@@ -4480,7 +4543,7 @@
               <a:buSzPts val="1100"/>
               <a:buFont typeface="Arial"/>
               <a:buNone/>
-              <a:defRPr b="0" i="0" sz="1100" u="none" cap="none" strike="noStrike">
+              <a:defRPr sz="1100" b="0" i="0" u="none" strike="noStrike" cap="none">
                 <a:solidFill>
                   <a:srgbClr val="000000"/>
                 </a:solidFill>
@@ -4490,7 +4553,7 @@
                 <a:sym typeface="Arial"/>
               </a:defRPr>
             </a:lvl6pPr>
-            <a:lvl7pPr lvl="6" marR="0" rtl="0" algn="l">
+            <a:lvl7pPr marR="0" lvl="6" algn="l" rtl="0">
               <a:lnSpc>
                 <a:spcPct val="100000"/>
               </a:lnSpc>
@@ -4506,7 +4569,7 @@
               <a:buSzPts val="1100"/>
               <a:buFont typeface="Arial"/>
               <a:buNone/>
-              <a:defRPr b="0" i="0" sz="1100" u="none" cap="none" strike="noStrike">
+              <a:defRPr sz="1100" b="0" i="0" u="none" strike="noStrike" cap="none">
                 <a:solidFill>
                   <a:srgbClr val="000000"/>
                 </a:solidFill>
@@ -4516,7 +4579,7 @@
                 <a:sym typeface="Arial"/>
               </a:defRPr>
             </a:lvl7pPr>
-            <a:lvl8pPr lvl="7" marR="0" rtl="0" algn="l">
+            <a:lvl8pPr marR="0" lvl="7" algn="l" rtl="0">
               <a:lnSpc>
                 <a:spcPct val="100000"/>
               </a:lnSpc>
@@ -4532,7 +4595,7 @@
               <a:buSzPts val="1100"/>
               <a:buFont typeface="Arial"/>
               <a:buNone/>
-              <a:defRPr b="0" i="0" sz="1100" u="none" cap="none" strike="noStrike">
+              <a:defRPr sz="1100" b="0" i="0" u="none" strike="noStrike" cap="none">
                 <a:solidFill>
                   <a:srgbClr val="000000"/>
                 </a:solidFill>
@@ -4542,7 +4605,7 @@
                 <a:sym typeface="Arial"/>
               </a:defRPr>
             </a:lvl8pPr>
-            <a:lvl9pPr lvl="8" marR="0" rtl="0" algn="l">
+            <a:lvl9pPr marR="0" lvl="8" algn="l" rtl="0">
               <a:lnSpc>
                 <a:spcPct val="100000"/>
               </a:lnSpc>
@@ -4558,7 +4621,7 @@
               <a:buSzPts val="1100"/>
               <a:buFont typeface="Arial"/>
               <a:buNone/>
-              <a:defRPr b="0" i="0" sz="1100" u="none" cap="none" strike="noStrike">
+              <a:defRPr sz="1100" b="0" i="0" u="none" strike="noStrike" cap="none">
                 <a:solidFill>
                   <a:srgbClr val="000000"/>
                 </a:solidFill>
@@ -4569,15 +4632,19 @@
               </a:defRPr>
             </a:lvl9pPr>
           </a:lstStyle>
-          <a:p/>
+          <a:p>
+            <a:endParaRPr/>
+          </a:p>
         </p:txBody>
       </p:sp>
       <p:sp>
         <p:nvSpPr>
           <p:cNvPr id="99" name="Google Shape;99;p45"/>
-          <p:cNvSpPr txBox="1"/>
+          <p:cNvSpPr txBox="1">
+            <a:spLocks noGrp="1"/>
+          </p:cNvSpPr>
           <p:nvPr>
-            <p:ph idx="12" type="sldNum"/>
+            <p:ph type="sldNum" idx="12"/>
           </p:nvPr>
         </p:nvSpPr>
         <p:spPr>
@@ -4594,11 +4661,11 @@
           </a:ln>
         </p:spPr>
         <p:txBody>
-          <a:bodyPr anchorCtr="0" anchor="ctr" bIns="34275" lIns="68575" spcFirstLastPara="1" rIns="68575" wrap="square" tIns="34275">
+          <a:bodyPr spcFirstLastPara="1" wrap="square" lIns="68575" tIns="34275" rIns="68575" bIns="34275" anchor="ctr" anchorCtr="0">
             <a:noAutofit/>
           </a:bodyPr>
           <a:lstStyle>
-            <a:lvl1pPr indent="0" lvl="0" marL="0" marR="0" algn="r">
+            <a:lvl1pPr marL="0" marR="0" lvl="0" indent="0" algn="r">
               <a:lnSpc>
                 <a:spcPct val="100000"/>
               </a:lnSpc>
@@ -4614,7 +4681,7 @@
               <a:buSzPts val="1000"/>
               <a:buFont typeface="Arial"/>
               <a:buNone/>
-              <a:defRPr b="0" i="0" sz="1000" u="none" cap="none" strike="noStrike">
+              <a:defRPr sz="1000" b="0" i="0" u="none" strike="noStrike" cap="none">
                 <a:solidFill>
                   <a:schemeClr val="accent1"/>
                 </a:solidFill>
@@ -4624,7 +4691,7 @@
                 <a:sym typeface="Lato"/>
               </a:defRPr>
             </a:lvl1pPr>
-            <a:lvl2pPr indent="0" lvl="1" marL="0" marR="0" algn="r">
+            <a:lvl2pPr marL="0" marR="0" lvl="1" indent="0" algn="r">
               <a:lnSpc>
                 <a:spcPct val="100000"/>
               </a:lnSpc>
@@ -4640,7 +4707,7 @@
               <a:buSzPts val="1000"/>
               <a:buFont typeface="Arial"/>
               <a:buNone/>
-              <a:defRPr b="0" i="0" sz="1000" u="none" cap="none" strike="noStrike">
+              <a:defRPr sz="1000" b="0" i="0" u="none" strike="noStrike" cap="none">
                 <a:solidFill>
                   <a:schemeClr val="accent1"/>
                 </a:solidFill>
@@ -4650,7 +4717,7 @@
                 <a:sym typeface="Lato"/>
               </a:defRPr>
             </a:lvl2pPr>
-            <a:lvl3pPr indent="0" lvl="2" marL="0" marR="0" algn="r">
+            <a:lvl3pPr marL="0" marR="0" lvl="2" indent="0" algn="r">
               <a:lnSpc>
                 <a:spcPct val="100000"/>
               </a:lnSpc>
@@ -4666,7 +4733,7 @@
               <a:buSzPts val="1000"/>
               <a:buFont typeface="Arial"/>
               <a:buNone/>
-              <a:defRPr b="0" i="0" sz="1000" u="none" cap="none" strike="noStrike">
+              <a:defRPr sz="1000" b="0" i="0" u="none" strike="noStrike" cap="none">
                 <a:solidFill>
                   <a:schemeClr val="accent1"/>
                 </a:solidFill>
@@ -4676,7 +4743,7 @@
                 <a:sym typeface="Lato"/>
               </a:defRPr>
             </a:lvl3pPr>
-            <a:lvl4pPr indent="0" lvl="3" marL="0" marR="0" algn="r">
+            <a:lvl4pPr marL="0" marR="0" lvl="3" indent="0" algn="r">
               <a:lnSpc>
                 <a:spcPct val="100000"/>
               </a:lnSpc>
@@ -4692,7 +4759,7 @@
               <a:buSzPts val="1000"/>
               <a:buFont typeface="Arial"/>
               <a:buNone/>
-              <a:defRPr b="0" i="0" sz="1000" u="none" cap="none" strike="noStrike">
+              <a:defRPr sz="1000" b="0" i="0" u="none" strike="noStrike" cap="none">
                 <a:solidFill>
                   <a:schemeClr val="accent1"/>
                 </a:solidFill>
@@ -4702,7 +4769,7 @@
                 <a:sym typeface="Lato"/>
               </a:defRPr>
             </a:lvl4pPr>
-            <a:lvl5pPr indent="0" lvl="4" marL="0" marR="0" algn="r">
+            <a:lvl5pPr marL="0" marR="0" lvl="4" indent="0" algn="r">
               <a:lnSpc>
                 <a:spcPct val="100000"/>
               </a:lnSpc>
@@ -4718,7 +4785,7 @@
               <a:buSzPts val="1000"/>
               <a:buFont typeface="Arial"/>
               <a:buNone/>
-              <a:defRPr b="0" i="0" sz="1000" u="none" cap="none" strike="noStrike">
+              <a:defRPr sz="1000" b="0" i="0" u="none" strike="noStrike" cap="none">
                 <a:solidFill>
                   <a:schemeClr val="accent1"/>
                 </a:solidFill>
@@ -4728,7 +4795,7 @@
                 <a:sym typeface="Lato"/>
               </a:defRPr>
             </a:lvl5pPr>
-            <a:lvl6pPr indent="0" lvl="5" marL="0" marR="0" algn="r">
+            <a:lvl6pPr marL="0" marR="0" lvl="5" indent="0" algn="r">
               <a:lnSpc>
                 <a:spcPct val="100000"/>
               </a:lnSpc>
@@ -4744,7 +4811,7 @@
               <a:buSzPts val="1000"/>
               <a:buFont typeface="Arial"/>
               <a:buNone/>
-              <a:defRPr b="0" i="0" sz="1000" u="none" cap="none" strike="noStrike">
+              <a:defRPr sz="1000" b="0" i="0" u="none" strike="noStrike" cap="none">
                 <a:solidFill>
                   <a:schemeClr val="accent1"/>
                 </a:solidFill>
@@ -4754,7 +4821,7 @@
                 <a:sym typeface="Lato"/>
               </a:defRPr>
             </a:lvl6pPr>
-            <a:lvl7pPr indent="0" lvl="6" marL="0" marR="0" algn="r">
+            <a:lvl7pPr marL="0" marR="0" lvl="6" indent="0" algn="r">
               <a:lnSpc>
                 <a:spcPct val="100000"/>
               </a:lnSpc>
@@ -4770,7 +4837,7 @@
               <a:buSzPts val="1000"/>
               <a:buFont typeface="Arial"/>
               <a:buNone/>
-              <a:defRPr b="0" i="0" sz="1000" u="none" cap="none" strike="noStrike">
+              <a:defRPr sz="1000" b="0" i="0" u="none" strike="noStrike" cap="none">
                 <a:solidFill>
                   <a:schemeClr val="accent1"/>
                 </a:solidFill>
@@ -4780,7 +4847,7 @@
                 <a:sym typeface="Lato"/>
               </a:defRPr>
             </a:lvl7pPr>
-            <a:lvl8pPr indent="0" lvl="7" marL="0" marR="0" algn="r">
+            <a:lvl8pPr marL="0" marR="0" lvl="7" indent="0" algn="r">
               <a:lnSpc>
                 <a:spcPct val="100000"/>
               </a:lnSpc>
@@ -4796,7 +4863,7 @@
               <a:buSzPts val="1000"/>
               <a:buFont typeface="Arial"/>
               <a:buNone/>
-              <a:defRPr b="0" i="0" sz="1000" u="none" cap="none" strike="noStrike">
+              <a:defRPr sz="1000" b="0" i="0" u="none" strike="noStrike" cap="none">
                 <a:solidFill>
                   <a:schemeClr val="accent1"/>
                 </a:solidFill>
@@ -4806,7 +4873,7 @@
                 <a:sym typeface="Lato"/>
               </a:defRPr>
             </a:lvl8pPr>
-            <a:lvl9pPr indent="0" lvl="8" marL="0" marR="0" algn="r">
+            <a:lvl9pPr marL="0" marR="0" lvl="8" indent="0" algn="r">
               <a:lnSpc>
                 <a:spcPct val="100000"/>
               </a:lnSpc>
@@ -4822,7 +4889,7 @@
               <a:buSzPts val="1000"/>
               <a:buFont typeface="Arial"/>
               <a:buNone/>
-              <a:defRPr b="0" i="0" sz="1000" u="none" cap="none" strike="noStrike">
+              <a:defRPr sz="1000" b="0" i="0" u="none" strike="noStrike" cap="none">
                 <a:solidFill>
                   <a:schemeClr val="accent1"/>
                 </a:solidFill>
@@ -4834,7 +4901,7 @@
             </a:lvl9pPr>
           </a:lstStyle>
           <a:p>
-            <a:pPr indent="0" lvl="0" marL="0" rtl="0" algn="r">
+            <a:pPr marL="0" lvl="0" indent="0" algn="r" rtl="0">
               <a:spcBef>
                 <a:spcPts val="0"/>
               </a:spcBef>
@@ -4860,11 +4927,11 @@
 </file>
 
 <file path=ppt/slideLayouts/slideLayout2.xml><?xml version="1.0" encoding="utf-8"?>
-<p:sldLayout xmlns:a="http://schemas.openxmlformats.org/drawingml/2006/main" xmlns:r="http://schemas.openxmlformats.org/officeDocument/2006/relationships" xmlns:mc="http://schemas.openxmlformats.org/markup-compatibility/2006" xmlns:mv="urn:schemas-microsoft-com:mac:vml" xmlns:p="http://schemas.openxmlformats.org/presentationml/2006/main" xmlns:c="http://schemas.openxmlformats.org/drawingml/2006/chart" xmlns:dgm="http://schemas.openxmlformats.org/drawingml/2006/diagram" xmlns:o="urn:schemas-microsoft-com:office:office" xmlns:v="urn:schemas-microsoft-com:vml" xmlns:pvml="urn:schemas-microsoft-com:office:powerpoint" xmlns:com="http://schemas.openxmlformats.org/drawingml/2006/compatibility" xmlns:p14="http://schemas.microsoft.com/office/powerpoint/2010/main" xmlns:p15="http://schemas.microsoft.com/office/powerpoint/2012/main" matchingName="Title and body" type="tx">
+<p:sldLayout xmlns:a="http://schemas.openxmlformats.org/drawingml/2006/main" xmlns:r="http://schemas.openxmlformats.org/officeDocument/2006/relationships" xmlns:p="http://schemas.openxmlformats.org/presentationml/2006/main" matchingName="Title and body" type="tx">
   <p:cSld name="TITLE_AND_BODY">
     <p:spTree>
       <p:nvGrpSpPr>
-        <p:cNvPr id="16" name="Shape 16"/>
+        <p:cNvPr id="1" name="Shape 16"/>
         <p:cNvGrpSpPr/>
         <p:nvPr/>
       </p:nvGrpSpPr>
@@ -4898,12 +4965,12 @@
           </a:ln>
         </p:spPr>
         <p:txBody>
-          <a:bodyPr anchorCtr="0" anchor="ctr" bIns="91425" lIns="91425" spcFirstLastPara="1" rIns="91425" wrap="square" tIns="91425">
+          <a:bodyPr spcFirstLastPara="1" wrap="square" lIns="91425" tIns="91425" rIns="91425" bIns="91425" anchor="ctr" anchorCtr="0">
             <a:noAutofit/>
           </a:bodyPr>
           <a:lstStyle/>
           <a:p>
-            <a:pPr indent="0" lvl="0" marL="0" marR="0" rtl="0" algn="l">
+            <a:pPr marL="0" marR="0" lvl="0" indent="0" algn="l" rtl="0">
               <a:lnSpc>
                 <a:spcPct val="100000"/>
               </a:lnSpc>
@@ -4920,10 +4987,7 @@
               <a:buFont typeface="Arial"/>
               <a:buNone/>
             </a:pPr>
-            <a:r>
-              <a:t/>
-            </a:r>
-            <a:endParaRPr b="0" i="0" sz="1400" u="none" cap="none" strike="noStrike">
+            <a:endParaRPr sz="1400" b="0" i="0" u="none" strike="noStrike" cap="none">
               <a:solidFill>
                 <a:srgbClr val="000000"/>
               </a:solidFill>
@@ -4971,12 +5035,12 @@
             </a:ln>
           </p:spPr>
           <p:txBody>
-            <a:bodyPr anchorCtr="0" anchor="ctr" bIns="91425" lIns="91425" spcFirstLastPara="1" rIns="91425" wrap="square" tIns="91425">
+            <a:bodyPr spcFirstLastPara="1" wrap="square" lIns="91425" tIns="91425" rIns="91425" bIns="91425" anchor="ctr" anchorCtr="0">
               <a:noAutofit/>
             </a:bodyPr>
             <a:lstStyle/>
             <a:p>
-              <a:pPr indent="0" lvl="0" marL="0" marR="0" rtl="0" algn="l">
+              <a:pPr marL="0" marR="0" lvl="0" indent="0" algn="l" rtl="0">
                 <a:lnSpc>
                   <a:spcPct val="100000"/>
                 </a:lnSpc>
@@ -4993,10 +5057,7 @@
                 <a:buFont typeface="Arial"/>
                 <a:buNone/>
               </a:pPr>
-              <a:r>
-                <a:t/>
-              </a:r>
-              <a:endParaRPr b="0" i="0" sz="1400" u="none" cap="none" strike="noStrike">
+              <a:endParaRPr sz="1400" b="0" i="0" u="none" strike="noStrike" cap="none">
                 <a:solidFill>
                   <a:srgbClr val="000000"/>
                 </a:solidFill>
@@ -5030,12 +5091,12 @@
             </a:ln>
           </p:spPr>
           <p:txBody>
-            <a:bodyPr anchorCtr="0" anchor="ctr" bIns="91425" lIns="91425" spcFirstLastPara="1" rIns="91425" wrap="square" tIns="91425">
+            <a:bodyPr spcFirstLastPara="1" wrap="square" lIns="91425" tIns="91425" rIns="91425" bIns="91425" anchor="ctr" anchorCtr="0">
               <a:noAutofit/>
             </a:bodyPr>
             <a:lstStyle/>
             <a:p>
-              <a:pPr indent="0" lvl="0" marL="0" marR="0" rtl="0" algn="l">
+              <a:pPr marL="0" marR="0" lvl="0" indent="0" algn="l" rtl="0">
                 <a:lnSpc>
                   <a:spcPct val="100000"/>
                 </a:lnSpc>
@@ -5052,10 +5113,7 @@
                 <a:buFont typeface="Arial"/>
                 <a:buNone/>
               </a:pPr>
-              <a:r>
-                <a:t/>
-              </a:r>
-              <a:endParaRPr b="0" i="0" sz="1400" u="none" cap="none" strike="noStrike">
+              <a:endParaRPr sz="1400" b="0" i="0" u="none" strike="noStrike" cap="none">
                 <a:solidFill>
                   <a:srgbClr val="000000"/>
                 </a:solidFill>
@@ -5071,7 +5129,9 @@
       <p:sp>
         <p:nvSpPr>
           <p:cNvPr id="21" name="Google Shape;21;p35"/>
-          <p:cNvSpPr txBox="1"/>
+          <p:cNvSpPr txBox="1">
+            <a:spLocks noGrp="1"/>
+          </p:cNvSpPr>
           <p:nvPr>
             <p:ph type="title"/>
           </p:nvPr>
@@ -5090,7 +5150,7 @@
           </a:ln>
         </p:spPr>
         <p:txBody>
-          <a:bodyPr anchorCtr="0" anchor="t" bIns="91425" lIns="91425" spcFirstLastPara="1" rIns="91425" wrap="square" tIns="91425">
+          <a:bodyPr spcFirstLastPara="1" wrap="square" lIns="91425" tIns="91425" rIns="91425" bIns="91425" anchor="t" anchorCtr="0">
             <a:noAutofit/>
           </a:bodyPr>
           <a:lstStyle>
@@ -5284,15 +5344,19 @@
               </a:defRPr>
             </a:lvl9pPr>
           </a:lstStyle>
-          <a:p/>
+          <a:p>
+            <a:endParaRPr/>
+          </a:p>
         </p:txBody>
       </p:sp>
       <p:sp>
         <p:nvSpPr>
           <p:cNvPr id="22" name="Google Shape;22;p35"/>
-          <p:cNvSpPr txBox="1"/>
+          <p:cNvSpPr txBox="1">
+            <a:spLocks noGrp="1"/>
+          </p:cNvSpPr>
           <p:nvPr>
-            <p:ph idx="1" type="body"/>
+            <p:ph type="body" idx="1"/>
           </p:nvPr>
         </p:nvSpPr>
         <p:spPr>
@@ -5309,11 +5373,11 @@
           </a:ln>
         </p:spPr>
         <p:txBody>
-          <a:bodyPr anchorCtr="0" anchor="t" bIns="91425" lIns="91425" spcFirstLastPara="1" rIns="91425" wrap="square" tIns="91425">
+          <a:bodyPr spcFirstLastPara="1" wrap="square" lIns="91425" tIns="91425" rIns="91425" bIns="91425" anchor="t" anchorCtr="0">
             <a:noAutofit/>
           </a:bodyPr>
           <a:lstStyle>
-            <a:lvl1pPr indent="-311150" lvl="0" marL="457200" algn="l">
+            <a:lvl1pPr marL="457200" lvl="0" indent="-311150" algn="l">
               <a:lnSpc>
                 <a:spcPct val="115000"/>
               </a:lnSpc>
@@ -5327,7 +5391,7 @@
               <a:buChar char="●"/>
               <a:defRPr/>
             </a:lvl1pPr>
-            <a:lvl2pPr indent="-298450" lvl="1" marL="914400" algn="l">
+            <a:lvl2pPr marL="914400" lvl="1" indent="-298450" algn="l">
               <a:lnSpc>
                 <a:spcPct val="115000"/>
               </a:lnSpc>
@@ -5341,7 +5405,7 @@
               <a:buChar char="○"/>
               <a:defRPr/>
             </a:lvl2pPr>
-            <a:lvl3pPr indent="-298450" lvl="2" marL="1371600" algn="l">
+            <a:lvl3pPr marL="1371600" lvl="2" indent="-298450" algn="l">
               <a:lnSpc>
                 <a:spcPct val="115000"/>
               </a:lnSpc>
@@ -5355,7 +5419,7 @@
               <a:buChar char="■"/>
               <a:defRPr/>
             </a:lvl3pPr>
-            <a:lvl4pPr indent="-298450" lvl="3" marL="1828800" algn="l">
+            <a:lvl4pPr marL="1828800" lvl="3" indent="-298450" algn="l">
               <a:lnSpc>
                 <a:spcPct val="115000"/>
               </a:lnSpc>
@@ -5369,7 +5433,7 @@
               <a:buChar char="●"/>
               <a:defRPr/>
             </a:lvl4pPr>
-            <a:lvl5pPr indent="-298450" lvl="4" marL="2286000" algn="l">
+            <a:lvl5pPr marL="2286000" lvl="4" indent="-298450" algn="l">
               <a:lnSpc>
                 <a:spcPct val="115000"/>
               </a:lnSpc>
@@ -5383,7 +5447,7 @@
               <a:buChar char="○"/>
               <a:defRPr/>
             </a:lvl5pPr>
-            <a:lvl6pPr indent="-298450" lvl="5" marL="2743200" algn="l">
+            <a:lvl6pPr marL="2743200" lvl="5" indent="-298450" algn="l">
               <a:lnSpc>
                 <a:spcPct val="115000"/>
               </a:lnSpc>
@@ -5397,7 +5461,7 @@
               <a:buChar char="■"/>
               <a:defRPr/>
             </a:lvl6pPr>
-            <a:lvl7pPr indent="-298450" lvl="6" marL="3200400" algn="l">
+            <a:lvl7pPr marL="3200400" lvl="6" indent="-298450" algn="l">
               <a:lnSpc>
                 <a:spcPct val="115000"/>
               </a:lnSpc>
@@ -5411,7 +5475,7 @@
               <a:buChar char="●"/>
               <a:defRPr/>
             </a:lvl7pPr>
-            <a:lvl8pPr indent="-298450" lvl="7" marL="3657600" algn="l">
+            <a:lvl8pPr marL="3657600" lvl="7" indent="-298450" algn="l">
               <a:lnSpc>
                 <a:spcPct val="115000"/>
               </a:lnSpc>
@@ -5425,7 +5489,7 @@
               <a:buChar char="○"/>
               <a:defRPr/>
             </a:lvl8pPr>
-            <a:lvl9pPr indent="-298450" lvl="8" marL="4114800" algn="l">
+            <a:lvl9pPr marL="4114800" lvl="8" indent="-298450" algn="l">
               <a:lnSpc>
                 <a:spcPct val="115000"/>
               </a:lnSpc>
@@ -5440,15 +5504,19 @@
               <a:defRPr/>
             </a:lvl9pPr>
           </a:lstStyle>
-          <a:p/>
+          <a:p>
+            <a:endParaRPr/>
+          </a:p>
         </p:txBody>
       </p:sp>
       <p:sp>
         <p:nvSpPr>
           <p:cNvPr id="23" name="Google Shape;23;p35"/>
-          <p:cNvSpPr txBox="1"/>
+          <p:cNvSpPr txBox="1">
+            <a:spLocks noGrp="1"/>
+          </p:cNvSpPr>
           <p:nvPr>
-            <p:ph idx="12" type="sldNum"/>
+            <p:ph type="sldNum" idx="12"/>
           </p:nvPr>
         </p:nvSpPr>
         <p:spPr>
@@ -5465,11 +5533,11 @@
           </a:ln>
         </p:spPr>
         <p:txBody>
-          <a:bodyPr anchorCtr="0" anchor="ctr" bIns="91425" lIns="91425" spcFirstLastPara="1" rIns="91425" wrap="square" tIns="91425">
+          <a:bodyPr spcFirstLastPara="1" wrap="square" lIns="91425" tIns="91425" rIns="91425" bIns="91425" anchor="ctr" anchorCtr="0">
             <a:noAutofit/>
           </a:bodyPr>
           <a:lstStyle>
-            <a:lvl1pPr indent="0" lvl="0" marL="0" marR="0" algn="r">
+            <a:lvl1pPr marL="0" marR="0" lvl="0" indent="0" algn="r">
               <a:lnSpc>
                 <a:spcPct val="100000"/>
               </a:lnSpc>
@@ -5485,7 +5553,7 @@
               <a:buSzPts val="1000"/>
               <a:buFont typeface="Arial"/>
               <a:buNone/>
-              <a:defRPr b="0" i="0" sz="1000" u="none" cap="none" strike="noStrike">
+              <a:defRPr sz="1000" b="0" i="0" u="none" strike="noStrike" cap="none">
                 <a:solidFill>
                   <a:schemeClr val="accent1"/>
                 </a:solidFill>
@@ -5495,7 +5563,7 @@
                 <a:sym typeface="Lato"/>
               </a:defRPr>
             </a:lvl1pPr>
-            <a:lvl2pPr indent="0" lvl="1" marL="0" marR="0" algn="r">
+            <a:lvl2pPr marL="0" marR="0" lvl="1" indent="0" algn="r">
               <a:lnSpc>
                 <a:spcPct val="100000"/>
               </a:lnSpc>
@@ -5511,7 +5579,7 @@
               <a:buSzPts val="1000"/>
               <a:buFont typeface="Arial"/>
               <a:buNone/>
-              <a:defRPr b="0" i="0" sz="1000" u="none" cap="none" strike="noStrike">
+              <a:defRPr sz="1000" b="0" i="0" u="none" strike="noStrike" cap="none">
                 <a:solidFill>
                   <a:schemeClr val="accent1"/>
                 </a:solidFill>
@@ -5521,7 +5589,7 @@
                 <a:sym typeface="Lato"/>
               </a:defRPr>
             </a:lvl2pPr>
-            <a:lvl3pPr indent="0" lvl="2" marL="0" marR="0" algn="r">
+            <a:lvl3pPr marL="0" marR="0" lvl="2" indent="0" algn="r">
               <a:lnSpc>
                 <a:spcPct val="100000"/>
               </a:lnSpc>
@@ -5537,7 +5605,7 @@
               <a:buSzPts val="1000"/>
               <a:buFont typeface="Arial"/>
               <a:buNone/>
-              <a:defRPr b="0" i="0" sz="1000" u="none" cap="none" strike="noStrike">
+              <a:defRPr sz="1000" b="0" i="0" u="none" strike="noStrike" cap="none">
                 <a:solidFill>
                   <a:schemeClr val="accent1"/>
                 </a:solidFill>
@@ -5547,7 +5615,7 @@
                 <a:sym typeface="Lato"/>
               </a:defRPr>
             </a:lvl3pPr>
-            <a:lvl4pPr indent="0" lvl="3" marL="0" marR="0" algn="r">
+            <a:lvl4pPr marL="0" marR="0" lvl="3" indent="0" algn="r">
               <a:lnSpc>
                 <a:spcPct val="100000"/>
               </a:lnSpc>
@@ -5563,7 +5631,7 @@
               <a:buSzPts val="1000"/>
               <a:buFont typeface="Arial"/>
               <a:buNone/>
-              <a:defRPr b="0" i="0" sz="1000" u="none" cap="none" strike="noStrike">
+              <a:defRPr sz="1000" b="0" i="0" u="none" strike="noStrike" cap="none">
                 <a:solidFill>
                   <a:schemeClr val="accent1"/>
                 </a:solidFill>
@@ -5573,7 +5641,7 @@
                 <a:sym typeface="Lato"/>
               </a:defRPr>
             </a:lvl4pPr>
-            <a:lvl5pPr indent="0" lvl="4" marL="0" marR="0" algn="r">
+            <a:lvl5pPr marL="0" marR="0" lvl="4" indent="0" algn="r">
               <a:lnSpc>
                 <a:spcPct val="100000"/>
               </a:lnSpc>
@@ -5589,7 +5657,7 @@
               <a:buSzPts val="1000"/>
               <a:buFont typeface="Arial"/>
               <a:buNone/>
-              <a:defRPr b="0" i="0" sz="1000" u="none" cap="none" strike="noStrike">
+              <a:defRPr sz="1000" b="0" i="0" u="none" strike="noStrike" cap="none">
                 <a:solidFill>
                   <a:schemeClr val="accent1"/>
                 </a:solidFill>
@@ -5599,7 +5667,7 @@
                 <a:sym typeface="Lato"/>
               </a:defRPr>
             </a:lvl5pPr>
-            <a:lvl6pPr indent="0" lvl="5" marL="0" marR="0" algn="r">
+            <a:lvl6pPr marL="0" marR="0" lvl="5" indent="0" algn="r">
               <a:lnSpc>
                 <a:spcPct val="100000"/>
               </a:lnSpc>
@@ -5615,7 +5683,7 @@
               <a:buSzPts val="1000"/>
               <a:buFont typeface="Arial"/>
               <a:buNone/>
-              <a:defRPr b="0" i="0" sz="1000" u="none" cap="none" strike="noStrike">
+              <a:defRPr sz="1000" b="0" i="0" u="none" strike="noStrike" cap="none">
                 <a:solidFill>
                   <a:schemeClr val="accent1"/>
                 </a:solidFill>
@@ -5625,7 +5693,7 @@
                 <a:sym typeface="Lato"/>
               </a:defRPr>
             </a:lvl6pPr>
-            <a:lvl7pPr indent="0" lvl="6" marL="0" marR="0" algn="r">
+            <a:lvl7pPr marL="0" marR="0" lvl="6" indent="0" algn="r">
               <a:lnSpc>
                 <a:spcPct val="100000"/>
               </a:lnSpc>
@@ -5641,7 +5709,7 @@
               <a:buSzPts val="1000"/>
               <a:buFont typeface="Arial"/>
               <a:buNone/>
-              <a:defRPr b="0" i="0" sz="1000" u="none" cap="none" strike="noStrike">
+              <a:defRPr sz="1000" b="0" i="0" u="none" strike="noStrike" cap="none">
                 <a:solidFill>
                   <a:schemeClr val="accent1"/>
                 </a:solidFill>
@@ -5651,7 +5719,7 @@
                 <a:sym typeface="Lato"/>
               </a:defRPr>
             </a:lvl7pPr>
-            <a:lvl8pPr indent="0" lvl="7" marL="0" marR="0" algn="r">
+            <a:lvl8pPr marL="0" marR="0" lvl="7" indent="0" algn="r">
               <a:lnSpc>
                 <a:spcPct val="100000"/>
               </a:lnSpc>
@@ -5667,7 +5735,7 @@
               <a:buSzPts val="1000"/>
               <a:buFont typeface="Arial"/>
               <a:buNone/>
-              <a:defRPr b="0" i="0" sz="1000" u="none" cap="none" strike="noStrike">
+              <a:defRPr sz="1000" b="0" i="0" u="none" strike="noStrike" cap="none">
                 <a:solidFill>
                   <a:schemeClr val="accent1"/>
                 </a:solidFill>
@@ -5677,7 +5745,7 @@
                 <a:sym typeface="Lato"/>
               </a:defRPr>
             </a:lvl8pPr>
-            <a:lvl9pPr indent="0" lvl="8" marL="0" marR="0" algn="r">
+            <a:lvl9pPr marL="0" marR="0" lvl="8" indent="0" algn="r">
               <a:lnSpc>
                 <a:spcPct val="100000"/>
               </a:lnSpc>
@@ -5693,7 +5761,7 @@
               <a:buSzPts val="1000"/>
               <a:buFont typeface="Arial"/>
               <a:buNone/>
-              <a:defRPr b="0" i="0" sz="1000" u="none" cap="none" strike="noStrike">
+              <a:defRPr sz="1000" b="0" i="0" u="none" strike="noStrike" cap="none">
                 <a:solidFill>
                   <a:schemeClr val="accent1"/>
                 </a:solidFill>
@@ -5705,7 +5773,7 @@
             </a:lvl9pPr>
           </a:lstStyle>
           <a:p>
-            <a:pPr indent="0" lvl="0" marL="0" rtl="0" algn="r">
+            <a:pPr marL="0" lvl="0" indent="0" algn="r" rtl="0">
               <a:spcBef>
                 <a:spcPts val="0"/>
               </a:spcBef>
@@ -5732,7 +5800,7 @@
           <a:blip r:embed="rId2">
             <a:alphaModFix/>
           </a:blip>
-          <a:srcRect b="31682" l="16874" r="16874" t="31678"/>
+          <a:srcRect l="16874" t="31678" r="16874" b="31682"/>
           <a:stretch/>
         </p:blipFill>
         <p:spPr>
@@ -5758,18 +5826,19 @@
 </file>
 
 <file path=ppt/slideLayouts/slideLayout3.xml><?xml version="1.0" encoding="utf-8"?>
-<p:sldLayout xmlns:a="http://schemas.openxmlformats.org/drawingml/2006/main" xmlns:r="http://schemas.openxmlformats.org/officeDocument/2006/relationships" xmlns:mc="http://schemas.openxmlformats.org/markup-compatibility/2006" xmlns:mv="urn:schemas-microsoft-com:mac:vml" xmlns:p="http://schemas.openxmlformats.org/presentationml/2006/main" xmlns:c="http://schemas.openxmlformats.org/drawingml/2006/chart" xmlns:dgm="http://schemas.openxmlformats.org/drawingml/2006/diagram" xmlns:o="urn:schemas-microsoft-com:office:office" xmlns:v="urn:schemas-microsoft-com:vml" xmlns:pvml="urn:schemas-microsoft-com:office:powerpoint" xmlns:com="http://schemas.openxmlformats.org/drawingml/2006/compatibility" xmlns:p14="http://schemas.microsoft.com/office/powerpoint/2010/main" xmlns:p15="http://schemas.microsoft.com/office/powerpoint/2012/main" matchingName="Section header" type="secHead">
+<p:sldLayout xmlns:a="http://schemas.openxmlformats.org/drawingml/2006/main" xmlns:r="http://schemas.openxmlformats.org/officeDocument/2006/relationships" xmlns:p="http://schemas.openxmlformats.org/presentationml/2006/main" matchingName="Section header" type="secHead">
   <p:cSld name="SECTION_HEADER">
     <p:bg>
       <p:bgPr>
         <a:solidFill>
           <a:schemeClr val="dk1"/>
         </a:solidFill>
+        <a:effectLst/>
       </p:bgPr>
     </p:bg>
     <p:spTree>
       <p:nvGrpSpPr>
-        <p:cNvPr id="25" name="Shape 25"/>
+        <p:cNvPr id="1" name="Shape 25"/>
         <p:cNvGrpSpPr/>
         <p:nvPr/>
       </p:nvGrpSpPr>
@@ -5817,12 +5886,12 @@
             </a:ln>
           </p:spPr>
           <p:txBody>
-            <a:bodyPr anchorCtr="0" anchor="ctr" bIns="91425" lIns="91425" spcFirstLastPara="1" rIns="91425" wrap="square" tIns="91425">
+            <a:bodyPr spcFirstLastPara="1" wrap="square" lIns="91425" tIns="91425" rIns="91425" bIns="91425" anchor="ctr" anchorCtr="0">
               <a:noAutofit/>
             </a:bodyPr>
             <a:lstStyle/>
             <a:p>
-              <a:pPr indent="0" lvl="0" marL="0" marR="0" rtl="0" algn="l">
+              <a:pPr marL="0" marR="0" lvl="0" indent="0" algn="l" rtl="0">
                 <a:lnSpc>
                   <a:spcPct val="100000"/>
                 </a:lnSpc>
@@ -5839,10 +5908,7 @@
                 <a:buFont typeface="Arial"/>
                 <a:buNone/>
               </a:pPr>
-              <a:r>
-                <a:t/>
-              </a:r>
-              <a:endParaRPr b="0" i="0" sz="1400" u="none" cap="none" strike="noStrike">
+              <a:endParaRPr sz="1400" b="0" i="0" u="none" strike="noStrike" cap="none">
                 <a:solidFill>
                   <a:srgbClr val="000000"/>
                 </a:solidFill>
@@ -5876,12 +5942,12 @@
             </a:ln>
           </p:spPr>
           <p:txBody>
-            <a:bodyPr anchorCtr="0" anchor="ctr" bIns="91425" lIns="91425" spcFirstLastPara="1" rIns="91425" wrap="square" tIns="91425">
+            <a:bodyPr spcFirstLastPara="1" wrap="square" lIns="91425" tIns="91425" rIns="91425" bIns="91425" anchor="ctr" anchorCtr="0">
               <a:noAutofit/>
             </a:bodyPr>
             <a:lstStyle/>
             <a:p>
-              <a:pPr indent="0" lvl="0" marL="0" marR="0" rtl="0" algn="l">
+              <a:pPr marL="0" marR="0" lvl="0" indent="0" algn="l" rtl="0">
                 <a:lnSpc>
                   <a:spcPct val="100000"/>
                 </a:lnSpc>
@@ -5898,10 +5964,7 @@
                 <a:buFont typeface="Arial"/>
                 <a:buNone/>
               </a:pPr>
-              <a:r>
-                <a:t/>
-              </a:r>
-              <a:endParaRPr b="0" i="0" sz="1400" u="none" cap="none" strike="noStrike">
+              <a:endParaRPr sz="1400" b="0" i="0" u="none" strike="noStrike" cap="none">
                 <a:solidFill>
                   <a:srgbClr val="000000"/>
                 </a:solidFill>
@@ -5917,7 +5980,9 @@
       <p:sp>
         <p:nvSpPr>
           <p:cNvPr id="29" name="Google Shape;29;p36"/>
-          <p:cNvSpPr txBox="1"/>
+          <p:cNvSpPr txBox="1">
+            <a:spLocks noGrp="1"/>
+          </p:cNvSpPr>
           <p:nvPr>
             <p:ph type="title"/>
           </p:nvPr>
@@ -5936,7 +6001,7 @@
           </a:ln>
         </p:spPr>
         <p:txBody>
-          <a:bodyPr anchorCtr="0" anchor="t" bIns="91425" lIns="91425" spcFirstLastPara="1" rIns="91425" wrap="square" tIns="91425">
+          <a:bodyPr spcFirstLastPara="1" wrap="square" lIns="91425" tIns="91425" rIns="91425" bIns="91425" anchor="t" anchorCtr="0">
             <a:noAutofit/>
           </a:bodyPr>
           <a:lstStyle>
@@ -6130,7 +6195,9 @@
               </a:defRPr>
             </a:lvl9pPr>
           </a:lstStyle>
-          <a:p/>
+          <a:p>
+            <a:endParaRPr/>
+          </a:p>
         </p:txBody>
       </p:sp>
       <p:sp>
@@ -6155,12 +6222,12 @@
           </a:ln>
         </p:spPr>
         <p:txBody>
-          <a:bodyPr anchorCtr="0" anchor="ctr" bIns="91425" lIns="91425" spcFirstLastPara="1" rIns="91425" wrap="square" tIns="91425">
+          <a:bodyPr spcFirstLastPara="1" wrap="square" lIns="91425" tIns="91425" rIns="91425" bIns="91425" anchor="ctr" anchorCtr="0">
             <a:noAutofit/>
           </a:bodyPr>
           <a:lstStyle/>
           <a:p>
-            <a:pPr indent="0" lvl="0" marL="0" marR="0" rtl="0" algn="l">
+            <a:pPr marL="0" marR="0" lvl="0" indent="0" algn="l" rtl="0">
               <a:lnSpc>
                 <a:spcPct val="100000"/>
               </a:lnSpc>
@@ -6177,10 +6244,7 @@
               <a:buFont typeface="Arial"/>
               <a:buNone/>
             </a:pPr>
-            <a:r>
-              <a:t/>
-            </a:r>
-            <a:endParaRPr b="0" i="0" sz="1400" u="none" cap="none" strike="noStrike">
+            <a:endParaRPr sz="1400" b="0" i="0" u="none" strike="noStrike" cap="none">
               <a:solidFill>
                 <a:srgbClr val="000000"/>
               </a:solidFill>
@@ -6202,7 +6266,7 @@
           <a:blip r:embed="rId2">
             <a:alphaModFix/>
           </a:blip>
-          <a:srcRect b="31682" l="16874" r="16874" t="31678"/>
+          <a:srcRect l="16874" t="31678" r="16874" b="31682"/>
           <a:stretch/>
         </p:blipFill>
         <p:spPr>
@@ -6222,9 +6286,11 @@
       <p:sp>
         <p:nvSpPr>
           <p:cNvPr id="32" name="Google Shape;32;p36"/>
-          <p:cNvSpPr txBox="1"/>
+          <p:cNvSpPr txBox="1">
+            <a:spLocks noGrp="1"/>
+          </p:cNvSpPr>
           <p:nvPr>
-            <p:ph idx="12" type="sldNum"/>
+            <p:ph type="sldNum" idx="12"/>
           </p:nvPr>
         </p:nvSpPr>
         <p:spPr>
@@ -6241,11 +6307,11 @@
           </a:ln>
         </p:spPr>
         <p:txBody>
-          <a:bodyPr anchorCtr="0" anchor="ctr" bIns="91425" lIns="91425" spcFirstLastPara="1" rIns="91425" wrap="square" tIns="91425">
+          <a:bodyPr spcFirstLastPara="1" wrap="square" lIns="91425" tIns="91425" rIns="91425" bIns="91425" anchor="ctr" anchorCtr="0">
             <a:noAutofit/>
           </a:bodyPr>
           <a:lstStyle>
-            <a:lvl1pPr indent="0" lvl="0" marL="0" marR="0" algn="r">
+            <a:lvl1pPr marL="0" marR="0" lvl="0" indent="0" algn="r">
               <a:lnSpc>
                 <a:spcPct val="100000"/>
               </a:lnSpc>
@@ -6261,7 +6327,7 @@
               <a:buSzPts val="1000"/>
               <a:buFont typeface="Arial"/>
               <a:buNone/>
-              <a:defRPr b="0" i="0" sz="1000" u="none" cap="none" strike="noStrike">
+              <a:defRPr sz="1000" b="0" i="0" u="none" strike="noStrike" cap="none">
                 <a:solidFill>
                   <a:srgbClr val="000000"/>
                 </a:solidFill>
@@ -6271,7 +6337,7 @@
                 <a:sym typeface="Lato"/>
               </a:defRPr>
             </a:lvl1pPr>
-            <a:lvl2pPr indent="0" lvl="1" marL="0" marR="0" algn="r">
+            <a:lvl2pPr marL="0" marR="0" lvl="1" indent="0" algn="r">
               <a:lnSpc>
                 <a:spcPct val="100000"/>
               </a:lnSpc>
@@ -6287,7 +6353,7 @@
               <a:buSzPts val="1000"/>
               <a:buFont typeface="Arial"/>
               <a:buNone/>
-              <a:defRPr b="0" i="0" sz="1000" u="none" cap="none" strike="noStrike">
+              <a:defRPr sz="1000" b="0" i="0" u="none" strike="noStrike" cap="none">
                 <a:solidFill>
                   <a:srgbClr val="000000"/>
                 </a:solidFill>
@@ -6297,7 +6363,7 @@
                 <a:sym typeface="Lato"/>
               </a:defRPr>
             </a:lvl2pPr>
-            <a:lvl3pPr indent="0" lvl="2" marL="0" marR="0" algn="r">
+            <a:lvl3pPr marL="0" marR="0" lvl="2" indent="0" algn="r">
               <a:lnSpc>
                 <a:spcPct val="100000"/>
               </a:lnSpc>
@@ -6313,7 +6379,7 @@
               <a:buSzPts val="1000"/>
               <a:buFont typeface="Arial"/>
               <a:buNone/>
-              <a:defRPr b="0" i="0" sz="1000" u="none" cap="none" strike="noStrike">
+              <a:defRPr sz="1000" b="0" i="0" u="none" strike="noStrike" cap="none">
                 <a:solidFill>
                   <a:srgbClr val="000000"/>
                 </a:solidFill>
@@ -6323,7 +6389,7 @@
                 <a:sym typeface="Lato"/>
               </a:defRPr>
             </a:lvl3pPr>
-            <a:lvl4pPr indent="0" lvl="3" marL="0" marR="0" algn="r">
+            <a:lvl4pPr marL="0" marR="0" lvl="3" indent="0" algn="r">
               <a:lnSpc>
                 <a:spcPct val="100000"/>
               </a:lnSpc>
@@ -6339,7 +6405,7 @@
               <a:buSzPts val="1000"/>
               <a:buFont typeface="Arial"/>
               <a:buNone/>
-              <a:defRPr b="0" i="0" sz="1000" u="none" cap="none" strike="noStrike">
+              <a:defRPr sz="1000" b="0" i="0" u="none" strike="noStrike" cap="none">
                 <a:solidFill>
                   <a:srgbClr val="000000"/>
                 </a:solidFill>
@@ -6349,7 +6415,7 @@
                 <a:sym typeface="Lato"/>
               </a:defRPr>
             </a:lvl4pPr>
-            <a:lvl5pPr indent="0" lvl="4" marL="0" marR="0" algn="r">
+            <a:lvl5pPr marL="0" marR="0" lvl="4" indent="0" algn="r">
               <a:lnSpc>
                 <a:spcPct val="100000"/>
               </a:lnSpc>
@@ -6365,7 +6431,7 @@
               <a:buSzPts val="1000"/>
               <a:buFont typeface="Arial"/>
               <a:buNone/>
-              <a:defRPr b="0" i="0" sz="1000" u="none" cap="none" strike="noStrike">
+              <a:defRPr sz="1000" b="0" i="0" u="none" strike="noStrike" cap="none">
                 <a:solidFill>
                   <a:srgbClr val="000000"/>
                 </a:solidFill>
@@ -6375,7 +6441,7 @@
                 <a:sym typeface="Lato"/>
               </a:defRPr>
             </a:lvl5pPr>
-            <a:lvl6pPr indent="0" lvl="5" marL="0" marR="0" algn="r">
+            <a:lvl6pPr marL="0" marR="0" lvl="5" indent="0" algn="r">
               <a:lnSpc>
                 <a:spcPct val="100000"/>
               </a:lnSpc>
@@ -6391,7 +6457,7 @@
               <a:buSzPts val="1000"/>
               <a:buFont typeface="Arial"/>
               <a:buNone/>
-              <a:defRPr b="0" i="0" sz="1000" u="none" cap="none" strike="noStrike">
+              <a:defRPr sz="1000" b="0" i="0" u="none" strike="noStrike" cap="none">
                 <a:solidFill>
                   <a:srgbClr val="000000"/>
                 </a:solidFill>
@@ -6401,7 +6467,7 @@
                 <a:sym typeface="Lato"/>
               </a:defRPr>
             </a:lvl6pPr>
-            <a:lvl7pPr indent="0" lvl="6" marL="0" marR="0" algn="r">
+            <a:lvl7pPr marL="0" marR="0" lvl="6" indent="0" algn="r">
               <a:lnSpc>
                 <a:spcPct val="100000"/>
               </a:lnSpc>
@@ -6417,7 +6483,7 @@
               <a:buSzPts val="1000"/>
               <a:buFont typeface="Arial"/>
               <a:buNone/>
-              <a:defRPr b="0" i="0" sz="1000" u="none" cap="none" strike="noStrike">
+              <a:defRPr sz="1000" b="0" i="0" u="none" strike="noStrike" cap="none">
                 <a:solidFill>
                   <a:srgbClr val="000000"/>
                 </a:solidFill>
@@ -6427,7 +6493,7 @@
                 <a:sym typeface="Lato"/>
               </a:defRPr>
             </a:lvl7pPr>
-            <a:lvl8pPr indent="0" lvl="7" marL="0" marR="0" algn="r">
+            <a:lvl8pPr marL="0" marR="0" lvl="7" indent="0" algn="r">
               <a:lnSpc>
                 <a:spcPct val="100000"/>
               </a:lnSpc>
@@ -6443,7 +6509,7 @@
               <a:buSzPts val="1000"/>
               <a:buFont typeface="Arial"/>
               <a:buNone/>
-              <a:defRPr b="0" i="0" sz="1000" u="none" cap="none" strike="noStrike">
+              <a:defRPr sz="1000" b="0" i="0" u="none" strike="noStrike" cap="none">
                 <a:solidFill>
                   <a:srgbClr val="000000"/>
                 </a:solidFill>
@@ -6453,7 +6519,7 @@
                 <a:sym typeface="Lato"/>
               </a:defRPr>
             </a:lvl8pPr>
-            <a:lvl9pPr indent="0" lvl="8" marL="0" marR="0" algn="r">
+            <a:lvl9pPr marL="0" marR="0" lvl="8" indent="0" algn="r">
               <a:lnSpc>
                 <a:spcPct val="100000"/>
               </a:lnSpc>
@@ -6469,7 +6535,7 @@
               <a:buSzPts val="1000"/>
               <a:buFont typeface="Arial"/>
               <a:buNone/>
-              <a:defRPr b="0" i="0" sz="1000" u="none" cap="none" strike="noStrike">
+              <a:defRPr sz="1000" b="0" i="0" u="none" strike="noStrike" cap="none">
                 <a:solidFill>
                   <a:srgbClr val="000000"/>
                 </a:solidFill>
@@ -6481,7 +6547,7 @@
             </a:lvl9pPr>
           </a:lstStyle>
           <a:p>
-            <a:pPr indent="0" lvl="0" marL="0" rtl="0" algn="r">
+            <a:pPr marL="0" lvl="0" indent="0" algn="r" rtl="0">
               <a:spcBef>
                 <a:spcPts val="0"/>
               </a:spcBef>
@@ -6507,11 +6573,11 @@
 </file>
 
 <file path=ppt/slideLayouts/slideLayout4.xml><?xml version="1.0" encoding="utf-8"?>
-<p:sldLayout xmlns:a="http://schemas.openxmlformats.org/drawingml/2006/main" xmlns:r="http://schemas.openxmlformats.org/officeDocument/2006/relationships" xmlns:mc="http://schemas.openxmlformats.org/markup-compatibility/2006" xmlns:mv="urn:schemas-microsoft-com:mac:vml" xmlns:p="http://schemas.openxmlformats.org/presentationml/2006/main" xmlns:c="http://schemas.openxmlformats.org/drawingml/2006/chart" xmlns:dgm="http://schemas.openxmlformats.org/drawingml/2006/diagram" xmlns:o="urn:schemas-microsoft-com:office:office" xmlns:v="urn:schemas-microsoft-com:vml" xmlns:pvml="urn:schemas-microsoft-com:office:powerpoint" xmlns:com="http://schemas.openxmlformats.org/drawingml/2006/compatibility" xmlns:p14="http://schemas.microsoft.com/office/powerpoint/2010/main" xmlns:p15="http://schemas.microsoft.com/office/powerpoint/2012/main" matchingName="Title and two columns" type="twoColTx">
+<p:sldLayout xmlns:a="http://schemas.openxmlformats.org/drawingml/2006/main" xmlns:r="http://schemas.openxmlformats.org/officeDocument/2006/relationships" xmlns:p="http://schemas.openxmlformats.org/presentationml/2006/main" matchingName="Title and two columns" type="twoColTx">
   <p:cSld name="TITLE_AND_TWO_COLUMNS">
     <p:spTree>
       <p:nvGrpSpPr>
-        <p:cNvPr id="33" name="Shape 33"/>
+        <p:cNvPr id="1" name="Shape 33"/>
         <p:cNvGrpSpPr/>
         <p:nvPr/>
       </p:nvGrpSpPr>
@@ -6559,12 +6625,12 @@
             </a:ln>
           </p:spPr>
           <p:txBody>
-            <a:bodyPr anchorCtr="0" anchor="ctr" bIns="91425" lIns="91425" spcFirstLastPara="1" rIns="91425" wrap="square" tIns="91425">
+            <a:bodyPr spcFirstLastPara="1" wrap="square" lIns="91425" tIns="91425" rIns="91425" bIns="91425" anchor="ctr" anchorCtr="0">
               <a:noAutofit/>
             </a:bodyPr>
             <a:lstStyle/>
             <a:p>
-              <a:pPr indent="0" lvl="0" marL="0" marR="0" rtl="0" algn="l">
+              <a:pPr marL="0" marR="0" lvl="0" indent="0" algn="l" rtl="0">
                 <a:lnSpc>
                   <a:spcPct val="100000"/>
                 </a:lnSpc>
@@ -6581,10 +6647,7 @@
                 <a:buFont typeface="Arial"/>
                 <a:buNone/>
               </a:pPr>
-              <a:r>
-                <a:t/>
-              </a:r>
-              <a:endParaRPr b="0" i="0" sz="1400" u="none" cap="none" strike="noStrike">
+              <a:endParaRPr sz="1400" b="0" i="0" u="none" strike="noStrike" cap="none">
                 <a:solidFill>
                   <a:srgbClr val="000000"/>
                 </a:solidFill>
@@ -6618,12 +6681,12 @@
             </a:ln>
           </p:spPr>
           <p:txBody>
-            <a:bodyPr anchorCtr="0" anchor="ctr" bIns="91425" lIns="91425" spcFirstLastPara="1" rIns="91425" wrap="square" tIns="91425">
+            <a:bodyPr spcFirstLastPara="1" wrap="square" lIns="91425" tIns="91425" rIns="91425" bIns="91425" anchor="ctr" anchorCtr="0">
               <a:noAutofit/>
             </a:bodyPr>
             <a:lstStyle/>
             <a:p>
-              <a:pPr indent="0" lvl="0" marL="0" marR="0" rtl="0" algn="l">
+              <a:pPr marL="0" marR="0" lvl="0" indent="0" algn="l" rtl="0">
                 <a:lnSpc>
                   <a:spcPct val="100000"/>
                 </a:lnSpc>
@@ -6640,10 +6703,7 @@
                 <a:buFont typeface="Arial"/>
                 <a:buNone/>
               </a:pPr>
-              <a:r>
-                <a:t/>
-              </a:r>
-              <a:endParaRPr b="0" i="0" sz="1400" u="none" cap="none" strike="noStrike">
+              <a:endParaRPr sz="1400" b="0" i="0" u="none" strike="noStrike" cap="none">
                 <a:solidFill>
                   <a:srgbClr val="000000"/>
                 </a:solidFill>
@@ -6659,7 +6719,9 @@
       <p:sp>
         <p:nvSpPr>
           <p:cNvPr id="37" name="Google Shape;37;p37"/>
-          <p:cNvSpPr txBox="1"/>
+          <p:cNvSpPr txBox="1">
+            <a:spLocks noGrp="1"/>
+          </p:cNvSpPr>
           <p:nvPr>
             <p:ph type="title"/>
           </p:nvPr>
@@ -6678,7 +6740,7 @@
           </a:ln>
         </p:spPr>
         <p:txBody>
-          <a:bodyPr anchorCtr="0" anchor="t" bIns="91425" lIns="91425" spcFirstLastPara="1" rIns="91425" wrap="square" tIns="91425">
+          <a:bodyPr spcFirstLastPara="1" wrap="square" lIns="91425" tIns="91425" rIns="91425" bIns="91425" anchor="t" anchorCtr="0">
             <a:noAutofit/>
           </a:bodyPr>
           <a:lstStyle>
@@ -6872,15 +6934,19 @@
               </a:defRPr>
             </a:lvl9pPr>
           </a:lstStyle>
-          <a:p/>
+          <a:p>
+            <a:endParaRPr/>
+          </a:p>
         </p:txBody>
       </p:sp>
       <p:sp>
         <p:nvSpPr>
           <p:cNvPr id="38" name="Google Shape;38;p37"/>
-          <p:cNvSpPr txBox="1"/>
+          <p:cNvSpPr txBox="1">
+            <a:spLocks noGrp="1"/>
+          </p:cNvSpPr>
           <p:nvPr>
-            <p:ph idx="1" type="body"/>
+            <p:ph type="body" idx="1"/>
           </p:nvPr>
         </p:nvSpPr>
         <p:spPr>
@@ -6897,11 +6963,11 @@
           </a:ln>
         </p:spPr>
         <p:txBody>
-          <a:bodyPr anchorCtr="0" anchor="t" bIns="91425" lIns="91425" spcFirstLastPara="1" rIns="91425" wrap="square" tIns="91425">
+          <a:bodyPr spcFirstLastPara="1" wrap="square" lIns="91425" tIns="91425" rIns="91425" bIns="91425" anchor="t" anchorCtr="0">
             <a:noAutofit/>
           </a:bodyPr>
           <a:lstStyle>
-            <a:lvl1pPr indent="-311150" lvl="0" marL="457200" algn="l">
+            <a:lvl1pPr marL="457200" lvl="0" indent="-311150" algn="l">
               <a:lnSpc>
                 <a:spcPct val="115000"/>
               </a:lnSpc>
@@ -6915,7 +6981,7 @@
               <a:buChar char="●"/>
               <a:defRPr/>
             </a:lvl1pPr>
-            <a:lvl2pPr indent="-298450" lvl="1" marL="914400" algn="l">
+            <a:lvl2pPr marL="914400" lvl="1" indent="-298450" algn="l">
               <a:lnSpc>
                 <a:spcPct val="115000"/>
               </a:lnSpc>
@@ -6929,7 +6995,7 @@
               <a:buChar char="○"/>
               <a:defRPr/>
             </a:lvl2pPr>
-            <a:lvl3pPr indent="-298450" lvl="2" marL="1371600" algn="l">
+            <a:lvl3pPr marL="1371600" lvl="2" indent="-298450" algn="l">
               <a:lnSpc>
                 <a:spcPct val="115000"/>
               </a:lnSpc>
@@ -6943,7 +7009,7 @@
               <a:buChar char="■"/>
               <a:defRPr/>
             </a:lvl3pPr>
-            <a:lvl4pPr indent="-298450" lvl="3" marL="1828800" algn="l">
+            <a:lvl4pPr marL="1828800" lvl="3" indent="-298450" algn="l">
               <a:lnSpc>
                 <a:spcPct val="115000"/>
               </a:lnSpc>
@@ -6957,7 +7023,7 @@
               <a:buChar char="●"/>
               <a:defRPr/>
             </a:lvl4pPr>
-            <a:lvl5pPr indent="-298450" lvl="4" marL="2286000" algn="l">
+            <a:lvl5pPr marL="2286000" lvl="4" indent="-298450" algn="l">
               <a:lnSpc>
                 <a:spcPct val="115000"/>
               </a:lnSpc>
@@ -6971,7 +7037,7 @@
               <a:buChar char="○"/>
               <a:defRPr/>
             </a:lvl5pPr>
-            <a:lvl6pPr indent="-298450" lvl="5" marL="2743200" algn="l">
+            <a:lvl6pPr marL="2743200" lvl="5" indent="-298450" algn="l">
               <a:lnSpc>
                 <a:spcPct val="115000"/>
               </a:lnSpc>
@@ -6985,7 +7051,7 @@
               <a:buChar char="■"/>
               <a:defRPr/>
             </a:lvl6pPr>
-            <a:lvl7pPr indent="-298450" lvl="6" marL="3200400" algn="l">
+            <a:lvl7pPr marL="3200400" lvl="6" indent="-298450" algn="l">
               <a:lnSpc>
                 <a:spcPct val="115000"/>
               </a:lnSpc>
@@ -6999,7 +7065,7 @@
               <a:buChar char="●"/>
               <a:defRPr/>
             </a:lvl7pPr>
-            <a:lvl8pPr indent="-298450" lvl="7" marL="3657600" algn="l">
+            <a:lvl8pPr marL="3657600" lvl="7" indent="-298450" algn="l">
               <a:lnSpc>
                 <a:spcPct val="115000"/>
               </a:lnSpc>
@@ -7013,7 +7079,7 @@
               <a:buChar char="○"/>
               <a:defRPr/>
             </a:lvl8pPr>
-            <a:lvl9pPr indent="-298450" lvl="8" marL="4114800" algn="l">
+            <a:lvl9pPr marL="4114800" lvl="8" indent="-298450" algn="l">
               <a:lnSpc>
                 <a:spcPct val="115000"/>
               </a:lnSpc>
@@ -7028,15 +7094,19 @@
               <a:defRPr/>
             </a:lvl9pPr>
           </a:lstStyle>
-          <a:p/>
+          <a:p>
+            <a:endParaRPr/>
+          </a:p>
         </p:txBody>
       </p:sp>
       <p:sp>
         <p:nvSpPr>
           <p:cNvPr id="39" name="Google Shape;39;p37"/>
-          <p:cNvSpPr txBox="1"/>
+          <p:cNvSpPr txBox="1">
+            <a:spLocks noGrp="1"/>
+          </p:cNvSpPr>
           <p:nvPr>
-            <p:ph idx="2" type="body"/>
+            <p:ph type="body" idx="2"/>
           </p:nvPr>
         </p:nvSpPr>
         <p:spPr>
@@ -7053,11 +7123,11 @@
           </a:ln>
         </p:spPr>
         <p:txBody>
-          <a:bodyPr anchorCtr="0" anchor="t" bIns="91425" lIns="91425" spcFirstLastPara="1" rIns="91425" wrap="square" tIns="91425">
+          <a:bodyPr spcFirstLastPara="1" wrap="square" lIns="91425" tIns="91425" rIns="91425" bIns="91425" anchor="t" anchorCtr="0">
             <a:noAutofit/>
           </a:bodyPr>
           <a:lstStyle>
-            <a:lvl1pPr indent="-311150" lvl="0" marL="457200" algn="l">
+            <a:lvl1pPr marL="457200" lvl="0" indent="-311150" algn="l">
               <a:lnSpc>
                 <a:spcPct val="115000"/>
               </a:lnSpc>
@@ -7071,7 +7141,7 @@
               <a:buChar char="●"/>
               <a:defRPr/>
             </a:lvl1pPr>
-            <a:lvl2pPr indent="-298450" lvl="1" marL="914400" algn="l">
+            <a:lvl2pPr marL="914400" lvl="1" indent="-298450" algn="l">
               <a:lnSpc>
                 <a:spcPct val="115000"/>
               </a:lnSpc>
@@ -7085,7 +7155,7 @@
               <a:buChar char="○"/>
               <a:defRPr/>
             </a:lvl2pPr>
-            <a:lvl3pPr indent="-298450" lvl="2" marL="1371600" algn="l">
+            <a:lvl3pPr marL="1371600" lvl="2" indent="-298450" algn="l">
               <a:lnSpc>
                 <a:spcPct val="115000"/>
               </a:lnSpc>
@@ -7099,7 +7169,7 @@
               <a:buChar char="■"/>
               <a:defRPr/>
             </a:lvl3pPr>
-            <a:lvl4pPr indent="-298450" lvl="3" marL="1828800" algn="l">
+            <a:lvl4pPr marL="1828800" lvl="3" indent="-298450" algn="l">
               <a:lnSpc>
                 <a:spcPct val="115000"/>
               </a:lnSpc>
@@ -7113,7 +7183,7 @@
               <a:buChar char="●"/>
               <a:defRPr/>
             </a:lvl4pPr>
-            <a:lvl5pPr indent="-298450" lvl="4" marL="2286000" algn="l">
+            <a:lvl5pPr marL="2286000" lvl="4" indent="-298450" algn="l">
               <a:lnSpc>
                 <a:spcPct val="115000"/>
               </a:lnSpc>
@@ -7127,7 +7197,7 @@
               <a:buChar char="○"/>
               <a:defRPr/>
             </a:lvl5pPr>
-            <a:lvl6pPr indent="-298450" lvl="5" marL="2743200" algn="l">
+            <a:lvl6pPr marL="2743200" lvl="5" indent="-298450" algn="l">
               <a:lnSpc>
                 <a:spcPct val="115000"/>
               </a:lnSpc>
@@ -7141,7 +7211,7 @@
               <a:buChar char="■"/>
               <a:defRPr/>
             </a:lvl6pPr>
-            <a:lvl7pPr indent="-298450" lvl="6" marL="3200400" algn="l">
+            <a:lvl7pPr marL="3200400" lvl="6" indent="-298450" algn="l">
               <a:lnSpc>
                 <a:spcPct val="115000"/>
               </a:lnSpc>
@@ -7155,7 +7225,7 @@
               <a:buChar char="●"/>
               <a:defRPr/>
             </a:lvl7pPr>
-            <a:lvl8pPr indent="-298450" lvl="7" marL="3657600" algn="l">
+            <a:lvl8pPr marL="3657600" lvl="7" indent="-298450" algn="l">
               <a:lnSpc>
                 <a:spcPct val="115000"/>
               </a:lnSpc>
@@ -7169,7 +7239,7 @@
               <a:buChar char="○"/>
               <a:defRPr/>
             </a:lvl8pPr>
-            <a:lvl9pPr indent="-298450" lvl="8" marL="4114800" algn="l">
+            <a:lvl9pPr marL="4114800" lvl="8" indent="-298450" algn="l">
               <a:lnSpc>
                 <a:spcPct val="115000"/>
               </a:lnSpc>
@@ -7184,15 +7254,19 @@
               <a:defRPr/>
             </a:lvl9pPr>
           </a:lstStyle>
-          <a:p/>
+          <a:p>
+            <a:endParaRPr/>
+          </a:p>
         </p:txBody>
       </p:sp>
       <p:sp>
         <p:nvSpPr>
           <p:cNvPr id="40" name="Google Shape;40;p37"/>
-          <p:cNvSpPr txBox="1"/>
+          <p:cNvSpPr txBox="1">
+            <a:spLocks noGrp="1"/>
+          </p:cNvSpPr>
           <p:nvPr>
-            <p:ph idx="12" type="sldNum"/>
+            <p:ph type="sldNum" idx="12"/>
           </p:nvPr>
         </p:nvSpPr>
         <p:spPr>
@@ -7209,11 +7283,11 @@
           </a:ln>
         </p:spPr>
         <p:txBody>
-          <a:bodyPr anchorCtr="0" anchor="ctr" bIns="91425" lIns="91425" spcFirstLastPara="1" rIns="91425" wrap="square" tIns="91425">
+          <a:bodyPr spcFirstLastPara="1" wrap="square" lIns="91425" tIns="91425" rIns="91425" bIns="91425" anchor="ctr" anchorCtr="0">
             <a:noAutofit/>
           </a:bodyPr>
           <a:lstStyle>
-            <a:lvl1pPr indent="0" lvl="0" marL="0" marR="0" algn="r">
+            <a:lvl1pPr marL="0" marR="0" lvl="0" indent="0" algn="r">
               <a:lnSpc>
                 <a:spcPct val="100000"/>
               </a:lnSpc>
@@ -7229,7 +7303,7 @@
               <a:buSzPts val="1000"/>
               <a:buFont typeface="Arial"/>
               <a:buNone/>
-              <a:defRPr b="0" i="0" sz="1000" u="none" cap="none" strike="noStrike">
+              <a:defRPr sz="1000" b="0" i="0" u="none" strike="noStrike" cap="none">
                 <a:solidFill>
                   <a:schemeClr val="accent1"/>
                 </a:solidFill>
@@ -7239,7 +7313,7 @@
                 <a:sym typeface="Lato"/>
               </a:defRPr>
             </a:lvl1pPr>
-            <a:lvl2pPr indent="0" lvl="1" marL="0" marR="0" algn="r">
+            <a:lvl2pPr marL="0" marR="0" lvl="1" indent="0" algn="r">
               <a:lnSpc>
                 <a:spcPct val="100000"/>
               </a:lnSpc>
@@ -7255,7 +7329,7 @@
               <a:buSzPts val="1000"/>
               <a:buFont typeface="Arial"/>
               <a:buNone/>
-              <a:defRPr b="0" i="0" sz="1000" u="none" cap="none" strike="noStrike">
+              <a:defRPr sz="1000" b="0" i="0" u="none" strike="noStrike" cap="none">
                 <a:solidFill>
                   <a:schemeClr val="accent1"/>
                 </a:solidFill>
@@ -7265,7 +7339,7 @@
                 <a:sym typeface="Lato"/>
               </a:defRPr>
             </a:lvl2pPr>
-            <a:lvl3pPr indent="0" lvl="2" marL="0" marR="0" algn="r">
+            <a:lvl3pPr marL="0" marR="0" lvl="2" indent="0" algn="r">
               <a:lnSpc>
                 <a:spcPct val="100000"/>
               </a:lnSpc>
@@ -7281,7 +7355,7 @@
               <a:buSzPts val="1000"/>
               <a:buFont typeface="Arial"/>
               <a:buNone/>
-              <a:defRPr b="0" i="0" sz="1000" u="none" cap="none" strike="noStrike">
+              <a:defRPr sz="1000" b="0" i="0" u="none" strike="noStrike" cap="none">
                 <a:solidFill>
                   <a:schemeClr val="accent1"/>
                 </a:solidFill>
@@ -7291,7 +7365,7 @@
                 <a:sym typeface="Lato"/>
               </a:defRPr>
             </a:lvl3pPr>
-            <a:lvl4pPr indent="0" lvl="3" marL="0" marR="0" algn="r">
+            <a:lvl4pPr marL="0" marR="0" lvl="3" indent="0" algn="r">
               <a:lnSpc>
                 <a:spcPct val="100000"/>
               </a:lnSpc>
@@ -7307,7 +7381,7 @@
               <a:buSzPts val="1000"/>
               <a:buFont typeface="Arial"/>
               <a:buNone/>
-              <a:defRPr b="0" i="0" sz="1000" u="none" cap="none" strike="noStrike">
+              <a:defRPr sz="1000" b="0" i="0" u="none" strike="noStrike" cap="none">
                 <a:solidFill>
                   <a:schemeClr val="accent1"/>
                 </a:solidFill>
@@ -7317,7 +7391,7 @@
                 <a:sym typeface="Lato"/>
               </a:defRPr>
             </a:lvl4pPr>
-            <a:lvl5pPr indent="0" lvl="4" marL="0" marR="0" algn="r">
+            <a:lvl5pPr marL="0" marR="0" lvl="4" indent="0" algn="r">
               <a:lnSpc>
                 <a:spcPct val="100000"/>
               </a:lnSpc>
@@ -7333,7 +7407,7 @@
               <a:buSzPts val="1000"/>
               <a:buFont typeface="Arial"/>
               <a:buNone/>
-              <a:defRPr b="0" i="0" sz="1000" u="none" cap="none" strike="noStrike">
+              <a:defRPr sz="1000" b="0" i="0" u="none" strike="noStrike" cap="none">
                 <a:solidFill>
                   <a:schemeClr val="accent1"/>
                 </a:solidFill>
@@ -7343,7 +7417,7 @@
                 <a:sym typeface="Lato"/>
               </a:defRPr>
             </a:lvl5pPr>
-            <a:lvl6pPr indent="0" lvl="5" marL="0" marR="0" algn="r">
+            <a:lvl6pPr marL="0" marR="0" lvl="5" indent="0" algn="r">
               <a:lnSpc>
                 <a:spcPct val="100000"/>
               </a:lnSpc>
@@ -7359,7 +7433,7 @@
               <a:buSzPts val="1000"/>
               <a:buFont typeface="Arial"/>
               <a:buNone/>
-              <a:defRPr b="0" i="0" sz="1000" u="none" cap="none" strike="noStrike">
+              <a:defRPr sz="1000" b="0" i="0" u="none" strike="noStrike" cap="none">
                 <a:solidFill>
                   <a:schemeClr val="accent1"/>
                 </a:solidFill>
@@ -7369,7 +7443,7 @@
                 <a:sym typeface="Lato"/>
               </a:defRPr>
             </a:lvl6pPr>
-            <a:lvl7pPr indent="0" lvl="6" marL="0" marR="0" algn="r">
+            <a:lvl7pPr marL="0" marR="0" lvl="6" indent="0" algn="r">
               <a:lnSpc>
                 <a:spcPct val="100000"/>
               </a:lnSpc>
@@ -7385,7 +7459,7 @@
               <a:buSzPts val="1000"/>
               <a:buFont typeface="Arial"/>
               <a:buNone/>
-              <a:defRPr b="0" i="0" sz="1000" u="none" cap="none" strike="noStrike">
+              <a:defRPr sz="1000" b="0" i="0" u="none" strike="noStrike" cap="none">
                 <a:solidFill>
                   <a:schemeClr val="accent1"/>
                 </a:solidFill>
@@ -7395,7 +7469,7 @@
                 <a:sym typeface="Lato"/>
               </a:defRPr>
             </a:lvl7pPr>
-            <a:lvl8pPr indent="0" lvl="7" marL="0" marR="0" algn="r">
+            <a:lvl8pPr marL="0" marR="0" lvl="7" indent="0" algn="r">
               <a:lnSpc>
                 <a:spcPct val="100000"/>
               </a:lnSpc>
@@ -7411,7 +7485,7 @@
               <a:buSzPts val="1000"/>
               <a:buFont typeface="Arial"/>
               <a:buNone/>
-              <a:defRPr b="0" i="0" sz="1000" u="none" cap="none" strike="noStrike">
+              <a:defRPr sz="1000" b="0" i="0" u="none" strike="noStrike" cap="none">
                 <a:solidFill>
                   <a:schemeClr val="accent1"/>
                 </a:solidFill>
@@ -7421,7 +7495,7 @@
                 <a:sym typeface="Lato"/>
               </a:defRPr>
             </a:lvl8pPr>
-            <a:lvl9pPr indent="0" lvl="8" marL="0" marR="0" algn="r">
+            <a:lvl9pPr marL="0" marR="0" lvl="8" indent="0" algn="r">
               <a:lnSpc>
                 <a:spcPct val="100000"/>
               </a:lnSpc>
@@ -7437,7 +7511,7 @@
               <a:buSzPts val="1000"/>
               <a:buFont typeface="Arial"/>
               <a:buNone/>
-              <a:defRPr b="0" i="0" sz="1000" u="none" cap="none" strike="noStrike">
+              <a:defRPr sz="1000" b="0" i="0" u="none" strike="noStrike" cap="none">
                 <a:solidFill>
                   <a:schemeClr val="accent1"/>
                 </a:solidFill>
@@ -7449,7 +7523,7 @@
             </a:lvl9pPr>
           </a:lstStyle>
           <a:p>
-            <a:pPr indent="0" lvl="0" marL="0" rtl="0" algn="r">
+            <a:pPr marL="0" lvl="0" indent="0" algn="r" rtl="0">
               <a:spcBef>
                 <a:spcPts val="0"/>
               </a:spcBef>
@@ -7488,12 +7562,12 @@
           </a:ln>
         </p:spPr>
         <p:txBody>
-          <a:bodyPr anchorCtr="0" anchor="ctr" bIns="91425" lIns="91425" spcFirstLastPara="1" rIns="91425" wrap="square" tIns="91425">
+          <a:bodyPr spcFirstLastPara="1" wrap="square" lIns="91425" tIns="91425" rIns="91425" bIns="91425" anchor="ctr" anchorCtr="0">
             <a:noAutofit/>
           </a:bodyPr>
           <a:lstStyle/>
           <a:p>
-            <a:pPr indent="0" lvl="0" marL="0" marR="0" rtl="0" algn="l">
+            <a:pPr marL="0" marR="0" lvl="0" indent="0" algn="l" rtl="0">
               <a:lnSpc>
                 <a:spcPct val="100000"/>
               </a:lnSpc>
@@ -7510,10 +7584,7 @@
               <a:buFont typeface="Arial"/>
               <a:buNone/>
             </a:pPr>
-            <a:r>
-              <a:t/>
-            </a:r>
-            <a:endParaRPr b="0" i="0" sz="1400" u="none" cap="none" strike="noStrike">
+            <a:endParaRPr sz="1400" b="0" i="0" u="none" strike="noStrike" cap="none">
               <a:solidFill>
                 <a:srgbClr val="000000"/>
               </a:solidFill>
@@ -7535,7 +7606,7 @@
           <a:blip r:embed="rId2">
             <a:alphaModFix/>
           </a:blip>
-          <a:srcRect b="31682" l="16874" r="16874" t="31678"/>
+          <a:srcRect l="16874" t="31678" r="16874" b="31682"/>
           <a:stretch/>
         </p:blipFill>
         <p:spPr>
@@ -7561,11 +7632,11 @@
 </file>
 
 <file path=ppt/slideLayouts/slideLayout5.xml><?xml version="1.0" encoding="utf-8"?>
-<p:sldLayout xmlns:a="http://schemas.openxmlformats.org/drawingml/2006/main" xmlns:r="http://schemas.openxmlformats.org/officeDocument/2006/relationships" xmlns:mc="http://schemas.openxmlformats.org/markup-compatibility/2006" xmlns:mv="urn:schemas-microsoft-com:mac:vml" xmlns:p="http://schemas.openxmlformats.org/presentationml/2006/main" xmlns:c="http://schemas.openxmlformats.org/drawingml/2006/chart" xmlns:dgm="http://schemas.openxmlformats.org/drawingml/2006/diagram" xmlns:o="urn:schemas-microsoft-com:office:office" xmlns:v="urn:schemas-microsoft-com:vml" xmlns:pvml="urn:schemas-microsoft-com:office:powerpoint" xmlns:com="http://schemas.openxmlformats.org/drawingml/2006/compatibility" xmlns:p14="http://schemas.microsoft.com/office/powerpoint/2010/main" xmlns:p15="http://schemas.microsoft.com/office/powerpoint/2012/main" matchingName="Title only" type="titleOnly">
+<p:sldLayout xmlns:a="http://schemas.openxmlformats.org/drawingml/2006/main" xmlns:r="http://schemas.openxmlformats.org/officeDocument/2006/relationships" xmlns:p="http://schemas.openxmlformats.org/presentationml/2006/main" matchingName="Title only" type="titleOnly">
   <p:cSld name="TITLE_ONLY">
     <p:spTree>
       <p:nvGrpSpPr>
-        <p:cNvPr id="43" name="Shape 43"/>
+        <p:cNvPr id="1" name="Shape 43"/>
         <p:cNvGrpSpPr/>
         <p:nvPr/>
       </p:nvGrpSpPr>
@@ -7613,12 +7684,12 @@
             </a:ln>
           </p:spPr>
           <p:txBody>
-            <a:bodyPr anchorCtr="0" anchor="ctr" bIns="91425" lIns="91425" spcFirstLastPara="1" rIns="91425" wrap="square" tIns="91425">
+            <a:bodyPr spcFirstLastPara="1" wrap="square" lIns="91425" tIns="91425" rIns="91425" bIns="91425" anchor="ctr" anchorCtr="0">
               <a:noAutofit/>
             </a:bodyPr>
             <a:lstStyle/>
             <a:p>
-              <a:pPr indent="0" lvl="0" marL="0" marR="0" rtl="0" algn="l">
+              <a:pPr marL="0" marR="0" lvl="0" indent="0" algn="l" rtl="0">
                 <a:lnSpc>
                   <a:spcPct val="100000"/>
                 </a:lnSpc>
@@ -7635,10 +7706,7 @@
                 <a:buFont typeface="Arial"/>
                 <a:buNone/>
               </a:pPr>
-              <a:r>
-                <a:t/>
-              </a:r>
-              <a:endParaRPr b="0" i="0" sz="1400" u="none" cap="none" strike="noStrike">
+              <a:endParaRPr sz="1400" b="0" i="0" u="none" strike="noStrike" cap="none">
                 <a:solidFill>
                   <a:srgbClr val="000000"/>
                 </a:solidFill>
@@ -7672,12 +7740,12 @@
             </a:ln>
           </p:spPr>
           <p:txBody>
-            <a:bodyPr anchorCtr="0" anchor="ctr" bIns="91425" lIns="91425" spcFirstLastPara="1" rIns="91425" wrap="square" tIns="91425">
+            <a:bodyPr spcFirstLastPara="1" wrap="square" lIns="91425" tIns="91425" rIns="91425" bIns="91425" anchor="ctr" anchorCtr="0">
               <a:noAutofit/>
             </a:bodyPr>
             <a:lstStyle/>
             <a:p>
-              <a:pPr indent="0" lvl="0" marL="0" marR="0" rtl="0" algn="l">
+              <a:pPr marL="0" marR="0" lvl="0" indent="0" algn="l" rtl="0">
                 <a:lnSpc>
                   <a:spcPct val="100000"/>
                 </a:lnSpc>
@@ -7694,10 +7762,7 @@
                 <a:buFont typeface="Arial"/>
                 <a:buNone/>
               </a:pPr>
-              <a:r>
-                <a:t/>
-              </a:r>
-              <a:endParaRPr b="0" i="0" sz="1400" u="none" cap="none" strike="noStrike">
+              <a:endParaRPr sz="1400" b="0" i="0" u="none" strike="noStrike" cap="none">
                 <a:solidFill>
                   <a:srgbClr val="000000"/>
                 </a:solidFill>
@@ -7713,7 +7778,9 @@
       <p:sp>
         <p:nvSpPr>
           <p:cNvPr id="47" name="Google Shape;47;p38"/>
-          <p:cNvSpPr txBox="1"/>
+          <p:cNvSpPr txBox="1">
+            <a:spLocks noGrp="1"/>
+          </p:cNvSpPr>
           <p:nvPr>
             <p:ph type="title"/>
           </p:nvPr>
@@ -7732,7 +7799,7 @@
           </a:ln>
         </p:spPr>
         <p:txBody>
-          <a:bodyPr anchorCtr="0" anchor="t" bIns="91425" lIns="91425" spcFirstLastPara="1" rIns="91425" wrap="square" tIns="91425">
+          <a:bodyPr spcFirstLastPara="1" wrap="square" lIns="91425" tIns="91425" rIns="91425" bIns="91425" anchor="t" anchorCtr="0">
             <a:noAutofit/>
           </a:bodyPr>
           <a:lstStyle>
@@ -7926,7 +7993,9 @@
               </a:defRPr>
             </a:lvl9pPr>
           </a:lstStyle>
-          <a:p/>
+          <a:p>
+            <a:endParaRPr/>
+          </a:p>
         </p:txBody>
       </p:sp>
       <p:sp>
@@ -7951,12 +8020,12 @@
           </a:ln>
         </p:spPr>
         <p:txBody>
-          <a:bodyPr anchorCtr="0" anchor="ctr" bIns="91425" lIns="91425" spcFirstLastPara="1" rIns="91425" wrap="square" tIns="91425">
+          <a:bodyPr spcFirstLastPara="1" wrap="square" lIns="91425" tIns="91425" rIns="91425" bIns="91425" anchor="ctr" anchorCtr="0">
             <a:noAutofit/>
           </a:bodyPr>
           <a:lstStyle/>
           <a:p>
-            <a:pPr indent="0" lvl="0" marL="0" marR="0" rtl="0" algn="l">
+            <a:pPr marL="0" marR="0" lvl="0" indent="0" algn="l" rtl="0">
               <a:lnSpc>
                 <a:spcPct val="100000"/>
               </a:lnSpc>
@@ -7973,10 +8042,7 @@
               <a:buFont typeface="Arial"/>
               <a:buNone/>
             </a:pPr>
-            <a:r>
-              <a:t/>
-            </a:r>
-            <a:endParaRPr b="0" i="0" sz="1400" u="none" cap="none" strike="noStrike">
+            <a:endParaRPr sz="1400" b="0" i="0" u="none" strike="noStrike" cap="none">
               <a:solidFill>
                 <a:srgbClr val="000000"/>
               </a:solidFill>
@@ -7991,9 +8057,11 @@
       <p:sp>
         <p:nvSpPr>
           <p:cNvPr id="49" name="Google Shape;49;p38"/>
-          <p:cNvSpPr txBox="1"/>
+          <p:cNvSpPr txBox="1">
+            <a:spLocks noGrp="1"/>
+          </p:cNvSpPr>
           <p:nvPr>
-            <p:ph idx="12" type="sldNum"/>
+            <p:ph type="sldNum" idx="12"/>
           </p:nvPr>
         </p:nvSpPr>
         <p:spPr>
@@ -8010,11 +8078,11 @@
           </a:ln>
         </p:spPr>
         <p:txBody>
-          <a:bodyPr anchorCtr="0" anchor="ctr" bIns="91425" lIns="91425" spcFirstLastPara="1" rIns="91425" wrap="square" tIns="91425">
+          <a:bodyPr spcFirstLastPara="1" wrap="square" lIns="91425" tIns="91425" rIns="91425" bIns="91425" anchor="ctr" anchorCtr="0">
             <a:noAutofit/>
           </a:bodyPr>
           <a:lstStyle>
-            <a:lvl1pPr indent="0" lvl="0" marL="0" marR="0" algn="r">
+            <a:lvl1pPr marL="0" marR="0" lvl="0" indent="0" algn="r">
               <a:lnSpc>
                 <a:spcPct val="100000"/>
               </a:lnSpc>
@@ -8030,7 +8098,7 @@
               <a:buSzPts val="1000"/>
               <a:buFont typeface="Arial"/>
               <a:buNone/>
-              <a:defRPr b="0" i="0" sz="1000" u="none" cap="none" strike="noStrike">
+              <a:defRPr sz="1000" b="0" i="0" u="none" strike="noStrike" cap="none">
                 <a:solidFill>
                   <a:schemeClr val="accent1"/>
                 </a:solidFill>
@@ -8040,7 +8108,7 @@
                 <a:sym typeface="Lato"/>
               </a:defRPr>
             </a:lvl1pPr>
-            <a:lvl2pPr indent="0" lvl="1" marL="0" marR="0" algn="r">
+            <a:lvl2pPr marL="0" marR="0" lvl="1" indent="0" algn="r">
               <a:lnSpc>
                 <a:spcPct val="100000"/>
               </a:lnSpc>
@@ -8056,7 +8124,7 @@
               <a:buSzPts val="1000"/>
               <a:buFont typeface="Arial"/>
               <a:buNone/>
-              <a:defRPr b="0" i="0" sz="1000" u="none" cap="none" strike="noStrike">
+              <a:defRPr sz="1000" b="0" i="0" u="none" strike="noStrike" cap="none">
                 <a:solidFill>
                   <a:schemeClr val="accent1"/>
                 </a:solidFill>
@@ -8066,7 +8134,7 @@
                 <a:sym typeface="Lato"/>
               </a:defRPr>
             </a:lvl2pPr>
-            <a:lvl3pPr indent="0" lvl="2" marL="0" marR="0" algn="r">
+            <a:lvl3pPr marL="0" marR="0" lvl="2" indent="0" algn="r">
               <a:lnSpc>
                 <a:spcPct val="100000"/>
               </a:lnSpc>
@@ -8082,7 +8150,7 @@
               <a:buSzPts val="1000"/>
               <a:buFont typeface="Arial"/>
               <a:buNone/>
-              <a:defRPr b="0" i="0" sz="1000" u="none" cap="none" strike="noStrike">
+              <a:defRPr sz="1000" b="0" i="0" u="none" strike="noStrike" cap="none">
                 <a:solidFill>
                   <a:schemeClr val="accent1"/>
                 </a:solidFill>
@@ -8092,7 +8160,7 @@
                 <a:sym typeface="Lato"/>
               </a:defRPr>
             </a:lvl3pPr>
-            <a:lvl4pPr indent="0" lvl="3" marL="0" marR="0" algn="r">
+            <a:lvl4pPr marL="0" marR="0" lvl="3" indent="0" algn="r">
               <a:lnSpc>
                 <a:spcPct val="100000"/>
               </a:lnSpc>
@@ -8108,7 +8176,7 @@
               <a:buSzPts val="1000"/>
               <a:buFont typeface="Arial"/>
               <a:buNone/>
-              <a:defRPr b="0" i="0" sz="1000" u="none" cap="none" strike="noStrike">
+              <a:defRPr sz="1000" b="0" i="0" u="none" strike="noStrike" cap="none">
                 <a:solidFill>
                   <a:schemeClr val="accent1"/>
                 </a:solidFill>
@@ -8118,7 +8186,7 @@
                 <a:sym typeface="Lato"/>
               </a:defRPr>
             </a:lvl4pPr>
-            <a:lvl5pPr indent="0" lvl="4" marL="0" marR="0" algn="r">
+            <a:lvl5pPr marL="0" marR="0" lvl="4" indent="0" algn="r">
               <a:lnSpc>
                 <a:spcPct val="100000"/>
               </a:lnSpc>
@@ -8134,7 +8202,7 @@
               <a:buSzPts val="1000"/>
               <a:buFont typeface="Arial"/>
               <a:buNone/>
-              <a:defRPr b="0" i="0" sz="1000" u="none" cap="none" strike="noStrike">
+              <a:defRPr sz="1000" b="0" i="0" u="none" strike="noStrike" cap="none">
                 <a:solidFill>
                   <a:schemeClr val="accent1"/>
                 </a:solidFill>
@@ -8144,7 +8212,7 @@
                 <a:sym typeface="Lato"/>
               </a:defRPr>
             </a:lvl5pPr>
-            <a:lvl6pPr indent="0" lvl="5" marL="0" marR="0" algn="r">
+            <a:lvl6pPr marL="0" marR="0" lvl="5" indent="0" algn="r">
               <a:lnSpc>
                 <a:spcPct val="100000"/>
               </a:lnSpc>
@@ -8160,7 +8228,7 @@
               <a:buSzPts val="1000"/>
               <a:buFont typeface="Arial"/>
               <a:buNone/>
-              <a:defRPr b="0" i="0" sz="1000" u="none" cap="none" strike="noStrike">
+              <a:defRPr sz="1000" b="0" i="0" u="none" strike="noStrike" cap="none">
                 <a:solidFill>
                   <a:schemeClr val="accent1"/>
                 </a:solidFill>
@@ -8170,7 +8238,7 @@
                 <a:sym typeface="Lato"/>
               </a:defRPr>
             </a:lvl6pPr>
-            <a:lvl7pPr indent="0" lvl="6" marL="0" marR="0" algn="r">
+            <a:lvl7pPr marL="0" marR="0" lvl="6" indent="0" algn="r">
               <a:lnSpc>
                 <a:spcPct val="100000"/>
               </a:lnSpc>
@@ -8186,7 +8254,7 @@
               <a:buSzPts val="1000"/>
               <a:buFont typeface="Arial"/>
               <a:buNone/>
-              <a:defRPr b="0" i="0" sz="1000" u="none" cap="none" strike="noStrike">
+              <a:defRPr sz="1000" b="0" i="0" u="none" strike="noStrike" cap="none">
                 <a:solidFill>
                   <a:schemeClr val="accent1"/>
                 </a:solidFill>
@@ -8196,7 +8264,7 @@
                 <a:sym typeface="Lato"/>
               </a:defRPr>
             </a:lvl7pPr>
-            <a:lvl8pPr indent="0" lvl="7" marL="0" marR="0" algn="r">
+            <a:lvl8pPr marL="0" marR="0" lvl="7" indent="0" algn="r">
               <a:lnSpc>
                 <a:spcPct val="100000"/>
               </a:lnSpc>
@@ -8212,7 +8280,7 @@
               <a:buSzPts val="1000"/>
               <a:buFont typeface="Arial"/>
               <a:buNone/>
-              <a:defRPr b="0" i="0" sz="1000" u="none" cap="none" strike="noStrike">
+              <a:defRPr sz="1000" b="0" i="0" u="none" strike="noStrike" cap="none">
                 <a:solidFill>
                   <a:schemeClr val="accent1"/>
                 </a:solidFill>
@@ -8222,7 +8290,7 @@
                 <a:sym typeface="Lato"/>
               </a:defRPr>
             </a:lvl8pPr>
-            <a:lvl9pPr indent="0" lvl="8" marL="0" marR="0" algn="r">
+            <a:lvl9pPr marL="0" marR="0" lvl="8" indent="0" algn="r">
               <a:lnSpc>
                 <a:spcPct val="100000"/>
               </a:lnSpc>
@@ -8238,7 +8306,7 @@
               <a:buSzPts val="1000"/>
               <a:buFont typeface="Arial"/>
               <a:buNone/>
-              <a:defRPr b="0" i="0" sz="1000" u="none" cap="none" strike="noStrike">
+              <a:defRPr sz="1000" b="0" i="0" u="none" strike="noStrike" cap="none">
                 <a:solidFill>
                   <a:schemeClr val="accent1"/>
                 </a:solidFill>
@@ -8250,7 +8318,7 @@
             </a:lvl9pPr>
           </a:lstStyle>
           <a:p>
-            <a:pPr indent="0" lvl="0" marL="0" rtl="0" algn="r">
+            <a:pPr marL="0" lvl="0" indent="0" algn="r" rtl="0">
               <a:spcBef>
                 <a:spcPts val="0"/>
               </a:spcBef>
@@ -8277,7 +8345,7 @@
           <a:blip r:embed="rId2">
             <a:alphaModFix/>
           </a:blip>
-          <a:srcRect b="31682" l="16874" r="16874" t="31678"/>
+          <a:srcRect l="16874" t="31678" r="16874" b="31682"/>
           <a:stretch/>
         </p:blipFill>
         <p:spPr>
@@ -8303,11 +8371,11 @@
 </file>
 
 <file path=ppt/slideLayouts/slideLayout6.xml><?xml version="1.0" encoding="utf-8"?>
-<p:sldLayout xmlns:a="http://schemas.openxmlformats.org/drawingml/2006/main" xmlns:r="http://schemas.openxmlformats.org/officeDocument/2006/relationships" xmlns:mc="http://schemas.openxmlformats.org/markup-compatibility/2006" xmlns:mv="urn:schemas-microsoft-com:mac:vml" xmlns:p="http://schemas.openxmlformats.org/presentationml/2006/main" xmlns:c="http://schemas.openxmlformats.org/drawingml/2006/chart" xmlns:dgm="http://schemas.openxmlformats.org/drawingml/2006/diagram" xmlns:o="urn:schemas-microsoft-com:office:office" xmlns:v="urn:schemas-microsoft-com:vml" xmlns:pvml="urn:schemas-microsoft-com:office:powerpoint" xmlns:com="http://schemas.openxmlformats.org/drawingml/2006/compatibility" xmlns:p14="http://schemas.microsoft.com/office/powerpoint/2010/main" xmlns:p15="http://schemas.microsoft.com/office/powerpoint/2012/main" matchingName="One column text">
+<p:sldLayout xmlns:a="http://schemas.openxmlformats.org/drawingml/2006/main" xmlns:r="http://schemas.openxmlformats.org/officeDocument/2006/relationships" xmlns:p="http://schemas.openxmlformats.org/presentationml/2006/main" matchingName="One column text">
   <p:cSld name="ONE_COLUMN_TEXT">
     <p:spTree>
       <p:nvGrpSpPr>
-        <p:cNvPr id="51" name="Shape 51"/>
+        <p:cNvPr id="1" name="Shape 51"/>
         <p:cNvGrpSpPr/>
         <p:nvPr/>
       </p:nvGrpSpPr>
@@ -8341,12 +8409,12 @@
           </a:ln>
         </p:spPr>
         <p:txBody>
-          <a:bodyPr anchorCtr="0" anchor="ctr" bIns="91425" lIns="91425" spcFirstLastPara="1" rIns="91425" wrap="square" tIns="91425">
+          <a:bodyPr spcFirstLastPara="1" wrap="square" lIns="91425" tIns="91425" rIns="91425" bIns="91425" anchor="ctr" anchorCtr="0">
             <a:noAutofit/>
           </a:bodyPr>
           <a:lstStyle/>
           <a:p>
-            <a:pPr indent="0" lvl="0" marL="0" marR="0" rtl="0" algn="l">
+            <a:pPr marL="0" marR="0" lvl="0" indent="0" algn="l" rtl="0">
               <a:lnSpc>
                 <a:spcPct val="100000"/>
               </a:lnSpc>
@@ -8363,10 +8431,7 @@
               <a:buFont typeface="Arial"/>
               <a:buNone/>
             </a:pPr>
-            <a:r>
-              <a:t/>
-            </a:r>
-            <a:endParaRPr b="0" i="0" sz="1400" u="none" cap="none" strike="noStrike">
+            <a:endParaRPr sz="1400" b="0" i="0" u="none" strike="noStrike" cap="none">
               <a:solidFill>
                 <a:srgbClr val="000000"/>
               </a:solidFill>
@@ -8414,12 +8479,12 @@
             </a:ln>
           </p:spPr>
           <p:txBody>
-            <a:bodyPr anchorCtr="0" anchor="ctr" bIns="91425" lIns="91425" spcFirstLastPara="1" rIns="91425" wrap="square" tIns="91425">
+            <a:bodyPr spcFirstLastPara="1" wrap="square" lIns="91425" tIns="91425" rIns="91425" bIns="91425" anchor="ctr" anchorCtr="0">
               <a:noAutofit/>
             </a:bodyPr>
             <a:lstStyle/>
             <a:p>
-              <a:pPr indent="0" lvl="0" marL="0" marR="0" rtl="0" algn="l">
+              <a:pPr marL="0" marR="0" lvl="0" indent="0" algn="l" rtl="0">
                 <a:lnSpc>
                   <a:spcPct val="100000"/>
                 </a:lnSpc>
@@ -8436,10 +8501,7 @@
                 <a:buFont typeface="Arial"/>
                 <a:buNone/>
               </a:pPr>
-              <a:r>
-                <a:t/>
-              </a:r>
-              <a:endParaRPr b="0" i="0" sz="1400" u="none" cap="none" strike="noStrike">
+              <a:endParaRPr sz="1400" b="0" i="0" u="none" strike="noStrike" cap="none">
                 <a:solidFill>
                   <a:srgbClr val="000000"/>
                 </a:solidFill>
@@ -8473,12 +8535,12 @@
             </a:ln>
           </p:spPr>
           <p:txBody>
-            <a:bodyPr anchorCtr="0" anchor="ctr" bIns="91425" lIns="91425" spcFirstLastPara="1" rIns="91425" wrap="square" tIns="91425">
+            <a:bodyPr spcFirstLastPara="1" wrap="square" lIns="91425" tIns="91425" rIns="91425" bIns="91425" anchor="ctr" anchorCtr="0">
               <a:noAutofit/>
             </a:bodyPr>
             <a:lstStyle/>
             <a:p>
-              <a:pPr indent="0" lvl="0" marL="0" marR="0" rtl="0" algn="l">
+              <a:pPr marL="0" marR="0" lvl="0" indent="0" algn="l" rtl="0">
                 <a:lnSpc>
                   <a:spcPct val="100000"/>
                 </a:lnSpc>
@@ -8495,10 +8557,7 @@
                 <a:buFont typeface="Arial"/>
                 <a:buNone/>
               </a:pPr>
-              <a:r>
-                <a:t/>
-              </a:r>
-              <a:endParaRPr b="0" i="0" sz="1400" u="none" cap="none" strike="noStrike">
+              <a:endParaRPr sz="1400" b="0" i="0" u="none" strike="noStrike" cap="none">
                 <a:solidFill>
                   <a:srgbClr val="000000"/>
                 </a:solidFill>
@@ -8514,7 +8573,9 @@
       <p:sp>
         <p:nvSpPr>
           <p:cNvPr id="56" name="Google Shape;56;p39"/>
-          <p:cNvSpPr txBox="1"/>
+          <p:cNvSpPr txBox="1">
+            <a:spLocks noGrp="1"/>
+          </p:cNvSpPr>
           <p:nvPr>
             <p:ph type="title"/>
           </p:nvPr>
@@ -8533,7 +8594,7 @@
           </a:ln>
         </p:spPr>
         <p:txBody>
-          <a:bodyPr anchorCtr="0" anchor="t" bIns="91425" lIns="91425" spcFirstLastPara="1" rIns="91425" wrap="square" tIns="91425">
+          <a:bodyPr spcFirstLastPara="1" wrap="square" lIns="91425" tIns="91425" rIns="91425" bIns="91425" anchor="t" anchorCtr="0">
             <a:noAutofit/>
           </a:bodyPr>
           <a:lstStyle>
@@ -8727,15 +8788,19 @@
               </a:defRPr>
             </a:lvl9pPr>
           </a:lstStyle>
-          <a:p/>
+          <a:p>
+            <a:endParaRPr/>
+          </a:p>
         </p:txBody>
       </p:sp>
       <p:sp>
         <p:nvSpPr>
           <p:cNvPr id="57" name="Google Shape;57;p39"/>
-          <p:cNvSpPr txBox="1"/>
+          <p:cNvSpPr txBox="1">
+            <a:spLocks noGrp="1"/>
+          </p:cNvSpPr>
           <p:nvPr>
-            <p:ph idx="1" type="body"/>
+            <p:ph type="body" idx="1"/>
           </p:nvPr>
         </p:nvSpPr>
         <p:spPr>
@@ -8752,11 +8817,11 @@
           </a:ln>
         </p:spPr>
         <p:txBody>
-          <a:bodyPr anchorCtr="0" anchor="t" bIns="91425" lIns="91425" spcFirstLastPara="1" rIns="91425" wrap="square" tIns="91425">
+          <a:bodyPr spcFirstLastPara="1" wrap="square" lIns="91425" tIns="91425" rIns="91425" bIns="91425" anchor="t" anchorCtr="0">
             <a:noAutofit/>
           </a:bodyPr>
           <a:lstStyle>
-            <a:lvl1pPr indent="-311150" lvl="0" marL="457200" algn="l">
+            <a:lvl1pPr marL="457200" lvl="0" indent="-311150" algn="l">
               <a:lnSpc>
                 <a:spcPct val="115000"/>
               </a:lnSpc>
@@ -8770,7 +8835,7 @@
               <a:buChar char="●"/>
               <a:defRPr/>
             </a:lvl1pPr>
-            <a:lvl2pPr indent="-298450" lvl="1" marL="914400" algn="l">
+            <a:lvl2pPr marL="914400" lvl="1" indent="-298450" algn="l">
               <a:lnSpc>
                 <a:spcPct val="115000"/>
               </a:lnSpc>
@@ -8784,7 +8849,7 @@
               <a:buChar char="○"/>
               <a:defRPr/>
             </a:lvl2pPr>
-            <a:lvl3pPr indent="-298450" lvl="2" marL="1371600" algn="l">
+            <a:lvl3pPr marL="1371600" lvl="2" indent="-298450" algn="l">
               <a:lnSpc>
                 <a:spcPct val="115000"/>
               </a:lnSpc>
@@ -8798,7 +8863,7 @@
               <a:buChar char="■"/>
               <a:defRPr/>
             </a:lvl3pPr>
-            <a:lvl4pPr indent="-298450" lvl="3" marL="1828800" algn="l">
+            <a:lvl4pPr marL="1828800" lvl="3" indent="-298450" algn="l">
               <a:lnSpc>
                 <a:spcPct val="115000"/>
               </a:lnSpc>
@@ -8812,7 +8877,7 @@
               <a:buChar char="●"/>
               <a:defRPr/>
             </a:lvl4pPr>
-            <a:lvl5pPr indent="-298450" lvl="4" marL="2286000" algn="l">
+            <a:lvl5pPr marL="2286000" lvl="4" indent="-298450" algn="l">
               <a:lnSpc>
                 <a:spcPct val="115000"/>
               </a:lnSpc>
@@ -8826,7 +8891,7 @@
               <a:buChar char="○"/>
               <a:defRPr/>
             </a:lvl5pPr>
-            <a:lvl6pPr indent="-298450" lvl="5" marL="2743200" algn="l">
+            <a:lvl6pPr marL="2743200" lvl="5" indent="-298450" algn="l">
               <a:lnSpc>
                 <a:spcPct val="115000"/>
               </a:lnSpc>
@@ -8840,7 +8905,7 @@
               <a:buChar char="■"/>
               <a:defRPr/>
             </a:lvl6pPr>
-            <a:lvl7pPr indent="-298450" lvl="6" marL="3200400" algn="l">
+            <a:lvl7pPr marL="3200400" lvl="6" indent="-298450" algn="l">
               <a:lnSpc>
                 <a:spcPct val="115000"/>
               </a:lnSpc>
@@ -8854,7 +8919,7 @@
               <a:buChar char="●"/>
               <a:defRPr/>
             </a:lvl7pPr>
-            <a:lvl8pPr indent="-298450" lvl="7" marL="3657600" algn="l">
+            <a:lvl8pPr marL="3657600" lvl="7" indent="-298450" algn="l">
               <a:lnSpc>
                 <a:spcPct val="115000"/>
               </a:lnSpc>
@@ -8868,7 +8933,7 @@
               <a:buChar char="○"/>
               <a:defRPr/>
             </a:lvl8pPr>
-            <a:lvl9pPr indent="-298450" lvl="8" marL="4114800" algn="l">
+            <a:lvl9pPr marL="4114800" lvl="8" indent="-298450" algn="l">
               <a:lnSpc>
                 <a:spcPct val="115000"/>
               </a:lnSpc>
@@ -8883,15 +8948,19 @@
               <a:defRPr/>
             </a:lvl9pPr>
           </a:lstStyle>
-          <a:p/>
+          <a:p>
+            <a:endParaRPr/>
+          </a:p>
         </p:txBody>
       </p:sp>
       <p:sp>
         <p:nvSpPr>
           <p:cNvPr id="58" name="Google Shape;58;p39"/>
-          <p:cNvSpPr txBox="1"/>
+          <p:cNvSpPr txBox="1">
+            <a:spLocks noGrp="1"/>
+          </p:cNvSpPr>
           <p:nvPr>
-            <p:ph idx="12" type="sldNum"/>
+            <p:ph type="sldNum" idx="12"/>
           </p:nvPr>
         </p:nvSpPr>
         <p:spPr>
@@ -8908,11 +8977,11 @@
           </a:ln>
         </p:spPr>
         <p:txBody>
-          <a:bodyPr anchorCtr="0" anchor="ctr" bIns="91425" lIns="91425" spcFirstLastPara="1" rIns="91425" wrap="square" tIns="91425">
+          <a:bodyPr spcFirstLastPara="1" wrap="square" lIns="91425" tIns="91425" rIns="91425" bIns="91425" anchor="ctr" anchorCtr="0">
             <a:noAutofit/>
           </a:bodyPr>
           <a:lstStyle>
-            <a:lvl1pPr indent="0" lvl="0" marL="0" marR="0" algn="r">
+            <a:lvl1pPr marL="0" marR="0" lvl="0" indent="0" algn="r">
               <a:lnSpc>
                 <a:spcPct val="100000"/>
               </a:lnSpc>
@@ -8928,7 +8997,7 @@
               <a:buSzPts val="1000"/>
               <a:buFont typeface="Arial"/>
               <a:buNone/>
-              <a:defRPr b="0" i="0" sz="1000" u="none" cap="none" strike="noStrike">
+              <a:defRPr sz="1000" b="0" i="0" u="none" strike="noStrike" cap="none">
                 <a:solidFill>
                   <a:schemeClr val="accent1"/>
                 </a:solidFill>
@@ -8938,7 +9007,7 @@
                 <a:sym typeface="Lato"/>
               </a:defRPr>
             </a:lvl1pPr>
-            <a:lvl2pPr indent="0" lvl="1" marL="0" marR="0" algn="r">
+            <a:lvl2pPr marL="0" marR="0" lvl="1" indent="0" algn="r">
               <a:lnSpc>
                 <a:spcPct val="100000"/>
               </a:lnSpc>
@@ -8954,7 +9023,7 @@
               <a:buSzPts val="1000"/>
               <a:buFont typeface="Arial"/>
               <a:buNone/>
-              <a:defRPr b="0" i="0" sz="1000" u="none" cap="none" strike="noStrike">
+              <a:defRPr sz="1000" b="0" i="0" u="none" strike="noStrike" cap="none">
                 <a:solidFill>
                   <a:schemeClr val="accent1"/>
                 </a:solidFill>
@@ -8964,7 +9033,7 @@
                 <a:sym typeface="Lato"/>
               </a:defRPr>
             </a:lvl2pPr>
-            <a:lvl3pPr indent="0" lvl="2" marL="0" marR="0" algn="r">
+            <a:lvl3pPr marL="0" marR="0" lvl="2" indent="0" algn="r">
               <a:lnSpc>
                 <a:spcPct val="100000"/>
               </a:lnSpc>
@@ -8980,7 +9049,7 @@
               <a:buSzPts val="1000"/>
               <a:buFont typeface="Arial"/>
               <a:buNone/>
-              <a:defRPr b="0" i="0" sz="1000" u="none" cap="none" strike="noStrike">
+              <a:defRPr sz="1000" b="0" i="0" u="none" strike="noStrike" cap="none">
                 <a:solidFill>
                   <a:schemeClr val="accent1"/>
                 </a:solidFill>
@@ -8990,7 +9059,7 @@
                 <a:sym typeface="Lato"/>
               </a:defRPr>
             </a:lvl3pPr>
-            <a:lvl4pPr indent="0" lvl="3" marL="0" marR="0" algn="r">
+            <a:lvl4pPr marL="0" marR="0" lvl="3" indent="0" algn="r">
               <a:lnSpc>
                 <a:spcPct val="100000"/>
               </a:lnSpc>
@@ -9006,7 +9075,7 @@
               <a:buSzPts val="1000"/>
               <a:buFont typeface="Arial"/>
               <a:buNone/>
-              <a:defRPr b="0" i="0" sz="1000" u="none" cap="none" strike="noStrike">
+              <a:defRPr sz="1000" b="0" i="0" u="none" strike="noStrike" cap="none">
                 <a:solidFill>
                   <a:schemeClr val="accent1"/>
                 </a:solidFill>
@@ -9016,7 +9085,7 @@
                 <a:sym typeface="Lato"/>
               </a:defRPr>
             </a:lvl4pPr>
-            <a:lvl5pPr indent="0" lvl="4" marL="0" marR="0" algn="r">
+            <a:lvl5pPr marL="0" marR="0" lvl="4" indent="0" algn="r">
               <a:lnSpc>
                 <a:spcPct val="100000"/>
               </a:lnSpc>
@@ -9032,7 +9101,7 @@
               <a:buSzPts val="1000"/>
               <a:buFont typeface="Arial"/>
               <a:buNone/>
-              <a:defRPr b="0" i="0" sz="1000" u="none" cap="none" strike="noStrike">
+              <a:defRPr sz="1000" b="0" i="0" u="none" strike="noStrike" cap="none">
                 <a:solidFill>
                   <a:schemeClr val="accent1"/>
                 </a:solidFill>
@@ -9042,7 +9111,7 @@
                 <a:sym typeface="Lato"/>
               </a:defRPr>
             </a:lvl5pPr>
-            <a:lvl6pPr indent="0" lvl="5" marL="0" marR="0" algn="r">
+            <a:lvl6pPr marL="0" marR="0" lvl="5" indent="0" algn="r">
               <a:lnSpc>
                 <a:spcPct val="100000"/>
               </a:lnSpc>
@@ -9058,7 +9127,7 @@
               <a:buSzPts val="1000"/>
               <a:buFont typeface="Arial"/>
               <a:buNone/>
-              <a:defRPr b="0" i="0" sz="1000" u="none" cap="none" strike="noStrike">
+              <a:defRPr sz="1000" b="0" i="0" u="none" strike="noStrike" cap="none">
                 <a:solidFill>
                   <a:schemeClr val="accent1"/>
                 </a:solidFill>
@@ -9068,7 +9137,7 @@
                 <a:sym typeface="Lato"/>
               </a:defRPr>
             </a:lvl6pPr>
-            <a:lvl7pPr indent="0" lvl="6" marL="0" marR="0" algn="r">
+            <a:lvl7pPr marL="0" marR="0" lvl="6" indent="0" algn="r">
               <a:lnSpc>
                 <a:spcPct val="100000"/>
               </a:lnSpc>
@@ -9084,7 +9153,7 @@
               <a:buSzPts val="1000"/>
               <a:buFont typeface="Arial"/>
               <a:buNone/>
-              <a:defRPr b="0" i="0" sz="1000" u="none" cap="none" strike="noStrike">
+              <a:defRPr sz="1000" b="0" i="0" u="none" strike="noStrike" cap="none">
                 <a:solidFill>
                   <a:schemeClr val="accent1"/>
                 </a:solidFill>
@@ -9094,7 +9163,7 @@
                 <a:sym typeface="Lato"/>
               </a:defRPr>
             </a:lvl7pPr>
-            <a:lvl8pPr indent="0" lvl="7" marL="0" marR="0" algn="r">
+            <a:lvl8pPr marL="0" marR="0" lvl="7" indent="0" algn="r">
               <a:lnSpc>
                 <a:spcPct val="100000"/>
               </a:lnSpc>
@@ -9110,7 +9179,7 @@
               <a:buSzPts val="1000"/>
               <a:buFont typeface="Arial"/>
               <a:buNone/>
-              <a:defRPr b="0" i="0" sz="1000" u="none" cap="none" strike="noStrike">
+              <a:defRPr sz="1000" b="0" i="0" u="none" strike="noStrike" cap="none">
                 <a:solidFill>
                   <a:schemeClr val="accent1"/>
                 </a:solidFill>
@@ -9120,7 +9189,7 @@
                 <a:sym typeface="Lato"/>
               </a:defRPr>
             </a:lvl8pPr>
-            <a:lvl9pPr indent="0" lvl="8" marL="0" marR="0" algn="r">
+            <a:lvl9pPr marL="0" marR="0" lvl="8" indent="0" algn="r">
               <a:lnSpc>
                 <a:spcPct val="100000"/>
               </a:lnSpc>
@@ -9136,7 +9205,7 @@
               <a:buSzPts val="1000"/>
               <a:buFont typeface="Arial"/>
               <a:buNone/>
-              <a:defRPr b="0" i="0" sz="1000" u="none" cap="none" strike="noStrike">
+              <a:defRPr sz="1000" b="0" i="0" u="none" strike="noStrike" cap="none">
                 <a:solidFill>
                   <a:schemeClr val="accent1"/>
                 </a:solidFill>
@@ -9148,7 +9217,7 @@
             </a:lvl9pPr>
           </a:lstStyle>
           <a:p>
-            <a:pPr indent="0" lvl="0" marL="0" rtl="0" algn="r">
+            <a:pPr marL="0" lvl="0" indent="0" algn="r" rtl="0">
               <a:spcBef>
                 <a:spcPts val="0"/>
               </a:spcBef>
@@ -9175,7 +9244,7 @@
           <a:blip r:embed="rId2">
             <a:alphaModFix/>
           </a:blip>
-          <a:srcRect b="31682" l="16874" r="16874" t="31678"/>
+          <a:srcRect l="16874" t="31678" r="16874" b="31682"/>
           <a:stretch/>
         </p:blipFill>
         <p:spPr>
@@ -9201,18 +9270,19 @@
 </file>
 
 <file path=ppt/slideLayouts/slideLayout7.xml><?xml version="1.0" encoding="utf-8"?>
-<p:sldLayout xmlns:a="http://schemas.openxmlformats.org/drawingml/2006/main" xmlns:r="http://schemas.openxmlformats.org/officeDocument/2006/relationships" xmlns:mc="http://schemas.openxmlformats.org/markup-compatibility/2006" xmlns:mv="urn:schemas-microsoft-com:mac:vml" xmlns:p="http://schemas.openxmlformats.org/presentationml/2006/main" xmlns:c="http://schemas.openxmlformats.org/drawingml/2006/chart" xmlns:dgm="http://schemas.openxmlformats.org/drawingml/2006/diagram" xmlns:o="urn:schemas-microsoft-com:office:office" xmlns:v="urn:schemas-microsoft-com:vml" xmlns:pvml="urn:schemas-microsoft-com:office:powerpoint" xmlns:com="http://schemas.openxmlformats.org/drawingml/2006/compatibility" xmlns:p14="http://schemas.microsoft.com/office/powerpoint/2010/main" xmlns:p15="http://schemas.microsoft.com/office/powerpoint/2012/main" matchingName="Main point">
+<p:sldLayout xmlns:a="http://schemas.openxmlformats.org/drawingml/2006/main" xmlns:r="http://schemas.openxmlformats.org/officeDocument/2006/relationships" xmlns:p="http://schemas.openxmlformats.org/presentationml/2006/main" matchingName="Main point">
   <p:cSld name="MAIN_POINT">
     <p:bg>
       <p:bgPr>
         <a:solidFill>
           <a:schemeClr val="accent3"/>
         </a:solidFill>
+        <a:effectLst/>
       </p:bgPr>
     </p:bg>
     <p:spTree>
       <p:nvGrpSpPr>
-        <p:cNvPr id="60" name="Shape 60"/>
+        <p:cNvPr id="1" name="Shape 60"/>
         <p:cNvGrpSpPr/>
         <p:nvPr/>
       </p:nvGrpSpPr>
@@ -9246,12 +9316,12 @@
           </a:ln>
         </p:spPr>
         <p:txBody>
-          <a:bodyPr anchorCtr="0" anchor="ctr" bIns="91425" lIns="91425" spcFirstLastPara="1" rIns="91425" wrap="square" tIns="91425">
+          <a:bodyPr spcFirstLastPara="1" wrap="square" lIns="91425" tIns="91425" rIns="91425" bIns="91425" anchor="ctr" anchorCtr="0">
             <a:noAutofit/>
           </a:bodyPr>
           <a:lstStyle/>
           <a:p>
-            <a:pPr indent="0" lvl="0" marL="0" marR="0" rtl="0" algn="l">
+            <a:pPr marL="0" marR="0" lvl="0" indent="0" algn="l" rtl="0">
               <a:lnSpc>
                 <a:spcPct val="100000"/>
               </a:lnSpc>
@@ -9268,10 +9338,7 @@
               <a:buFont typeface="Arial"/>
               <a:buNone/>
             </a:pPr>
-            <a:r>
-              <a:t/>
-            </a:r>
-            <a:endParaRPr b="0" i="0" sz="1400" u="none" cap="none" strike="noStrike">
+            <a:endParaRPr sz="1400" b="0" i="0" u="none" strike="noStrike" cap="none">
               <a:solidFill>
                 <a:srgbClr val="000000"/>
               </a:solidFill>
@@ -9319,12 +9386,12 @@
             </a:ln>
           </p:spPr>
           <p:txBody>
-            <a:bodyPr anchorCtr="0" anchor="ctr" bIns="91425" lIns="91425" spcFirstLastPara="1" rIns="91425" wrap="square" tIns="91425">
+            <a:bodyPr spcFirstLastPara="1" wrap="square" lIns="91425" tIns="91425" rIns="91425" bIns="91425" anchor="ctr" anchorCtr="0">
               <a:noAutofit/>
             </a:bodyPr>
             <a:lstStyle/>
             <a:p>
-              <a:pPr indent="0" lvl="0" marL="0" marR="0" rtl="0" algn="l">
+              <a:pPr marL="0" marR="0" lvl="0" indent="0" algn="l" rtl="0">
                 <a:lnSpc>
                   <a:spcPct val="100000"/>
                 </a:lnSpc>
@@ -9341,10 +9408,7 @@
                 <a:buFont typeface="Arial"/>
                 <a:buNone/>
               </a:pPr>
-              <a:r>
-                <a:t/>
-              </a:r>
-              <a:endParaRPr b="0" i="0" sz="1400" u="none" cap="none" strike="noStrike">
+              <a:endParaRPr sz="1400" b="0" i="0" u="none" strike="noStrike" cap="none">
                 <a:solidFill>
                   <a:srgbClr val="000000"/>
                 </a:solidFill>
@@ -9378,12 +9442,12 @@
             </a:ln>
           </p:spPr>
           <p:txBody>
-            <a:bodyPr anchorCtr="0" anchor="ctr" bIns="91425" lIns="91425" spcFirstLastPara="1" rIns="91425" wrap="square" tIns="91425">
+            <a:bodyPr spcFirstLastPara="1" wrap="square" lIns="91425" tIns="91425" rIns="91425" bIns="91425" anchor="ctr" anchorCtr="0">
               <a:noAutofit/>
             </a:bodyPr>
             <a:lstStyle/>
             <a:p>
-              <a:pPr indent="0" lvl="0" marL="0" marR="0" rtl="0" algn="l">
+              <a:pPr marL="0" marR="0" lvl="0" indent="0" algn="l" rtl="0">
                 <a:lnSpc>
                   <a:spcPct val="100000"/>
                 </a:lnSpc>
@@ -9400,10 +9464,7 @@
                 <a:buFont typeface="Arial"/>
                 <a:buNone/>
               </a:pPr>
-              <a:r>
-                <a:t/>
-              </a:r>
-              <a:endParaRPr b="0" i="0" sz="1400" u="none" cap="none" strike="noStrike">
+              <a:endParaRPr sz="1400" b="0" i="0" u="none" strike="noStrike" cap="none">
                 <a:solidFill>
                   <a:srgbClr val="000000"/>
                 </a:solidFill>
@@ -9419,7 +9480,9 @@
       <p:sp>
         <p:nvSpPr>
           <p:cNvPr id="65" name="Google Shape;65;p40"/>
-          <p:cNvSpPr txBox="1"/>
+          <p:cNvSpPr txBox="1">
+            <a:spLocks noGrp="1"/>
+          </p:cNvSpPr>
           <p:nvPr>
             <p:ph type="title"/>
           </p:nvPr>
@@ -9438,7 +9501,7 @@
           </a:ln>
         </p:spPr>
         <p:txBody>
-          <a:bodyPr anchorCtr="0" anchor="ctr" bIns="91425" lIns="91425" spcFirstLastPara="1" rIns="91425" wrap="square" tIns="91425">
+          <a:bodyPr spcFirstLastPara="1" wrap="square" lIns="91425" tIns="91425" rIns="91425" bIns="91425" anchor="ctr" anchorCtr="0">
             <a:noAutofit/>
           </a:bodyPr>
           <a:lstStyle>
@@ -9632,15 +9695,19 @@
               </a:defRPr>
             </a:lvl9pPr>
           </a:lstStyle>
-          <a:p/>
+          <a:p>
+            <a:endParaRPr/>
+          </a:p>
         </p:txBody>
       </p:sp>
       <p:sp>
         <p:nvSpPr>
           <p:cNvPr id="66" name="Google Shape;66;p40"/>
-          <p:cNvSpPr txBox="1"/>
+          <p:cNvSpPr txBox="1">
+            <a:spLocks noGrp="1"/>
+          </p:cNvSpPr>
           <p:nvPr>
-            <p:ph idx="12" type="sldNum"/>
+            <p:ph type="sldNum" idx="12"/>
           </p:nvPr>
         </p:nvSpPr>
         <p:spPr>
@@ -9657,11 +9724,11 @@
           </a:ln>
         </p:spPr>
         <p:txBody>
-          <a:bodyPr anchorCtr="0" anchor="ctr" bIns="91425" lIns="91425" spcFirstLastPara="1" rIns="91425" wrap="square" tIns="91425">
+          <a:bodyPr spcFirstLastPara="1" wrap="square" lIns="91425" tIns="91425" rIns="91425" bIns="91425" anchor="ctr" anchorCtr="0">
             <a:noAutofit/>
           </a:bodyPr>
           <a:lstStyle>
-            <a:lvl1pPr indent="0" lvl="0" marL="0" marR="0" algn="r">
+            <a:lvl1pPr marL="0" marR="0" lvl="0" indent="0" algn="r">
               <a:lnSpc>
                 <a:spcPct val="100000"/>
               </a:lnSpc>
@@ -9677,7 +9744,7 @@
               <a:buSzPts val="1000"/>
               <a:buFont typeface="Arial"/>
               <a:buNone/>
-              <a:defRPr b="0" i="0" sz="1000" u="none" cap="none" strike="noStrike">
+              <a:defRPr sz="1000" b="0" i="0" u="none" strike="noStrike" cap="none">
                 <a:solidFill>
                   <a:schemeClr val="lt1"/>
                 </a:solidFill>
@@ -9687,7 +9754,7 @@
                 <a:sym typeface="Lato"/>
               </a:defRPr>
             </a:lvl1pPr>
-            <a:lvl2pPr indent="0" lvl="1" marL="0" marR="0" algn="r">
+            <a:lvl2pPr marL="0" marR="0" lvl="1" indent="0" algn="r">
               <a:lnSpc>
                 <a:spcPct val="100000"/>
               </a:lnSpc>
@@ -9703,7 +9770,7 @@
               <a:buSzPts val="1000"/>
               <a:buFont typeface="Arial"/>
               <a:buNone/>
-              <a:defRPr b="0" i="0" sz="1000" u="none" cap="none" strike="noStrike">
+              <a:defRPr sz="1000" b="0" i="0" u="none" strike="noStrike" cap="none">
                 <a:solidFill>
                   <a:schemeClr val="lt1"/>
                 </a:solidFill>
@@ -9713,7 +9780,7 @@
                 <a:sym typeface="Lato"/>
               </a:defRPr>
             </a:lvl2pPr>
-            <a:lvl3pPr indent="0" lvl="2" marL="0" marR="0" algn="r">
+            <a:lvl3pPr marL="0" marR="0" lvl="2" indent="0" algn="r">
               <a:lnSpc>
                 <a:spcPct val="100000"/>
               </a:lnSpc>
@@ -9729,7 +9796,7 @@
               <a:buSzPts val="1000"/>
               <a:buFont typeface="Arial"/>
               <a:buNone/>
-              <a:defRPr b="0" i="0" sz="1000" u="none" cap="none" strike="noStrike">
+              <a:defRPr sz="1000" b="0" i="0" u="none" strike="noStrike" cap="none">
                 <a:solidFill>
                   <a:schemeClr val="lt1"/>
                 </a:solidFill>
@@ -9739,7 +9806,7 @@
                 <a:sym typeface="Lato"/>
               </a:defRPr>
             </a:lvl3pPr>
-            <a:lvl4pPr indent="0" lvl="3" marL="0" marR="0" algn="r">
+            <a:lvl4pPr marL="0" marR="0" lvl="3" indent="0" algn="r">
               <a:lnSpc>
                 <a:spcPct val="100000"/>
               </a:lnSpc>
@@ -9755,7 +9822,7 @@
               <a:buSzPts val="1000"/>
               <a:buFont typeface="Arial"/>
               <a:buNone/>
-              <a:defRPr b="0" i="0" sz="1000" u="none" cap="none" strike="noStrike">
+              <a:defRPr sz="1000" b="0" i="0" u="none" strike="noStrike" cap="none">
                 <a:solidFill>
                   <a:schemeClr val="lt1"/>
                 </a:solidFill>
@@ -9765,7 +9832,7 @@
                 <a:sym typeface="Lato"/>
               </a:defRPr>
             </a:lvl4pPr>
-            <a:lvl5pPr indent="0" lvl="4" marL="0" marR="0" algn="r">
+            <a:lvl5pPr marL="0" marR="0" lvl="4" indent="0" algn="r">
               <a:lnSpc>
                 <a:spcPct val="100000"/>
               </a:lnSpc>
@@ -9781,7 +9848,7 @@
               <a:buSzPts val="1000"/>
               <a:buFont typeface="Arial"/>
               <a:buNone/>
-              <a:defRPr b="0" i="0" sz="1000" u="none" cap="none" strike="noStrike">
+              <a:defRPr sz="1000" b="0" i="0" u="none" strike="noStrike" cap="none">
                 <a:solidFill>
                   <a:schemeClr val="lt1"/>
                 </a:solidFill>
@@ -9791,7 +9858,7 @@
                 <a:sym typeface="Lato"/>
               </a:defRPr>
             </a:lvl5pPr>
-            <a:lvl6pPr indent="0" lvl="5" marL="0" marR="0" algn="r">
+            <a:lvl6pPr marL="0" marR="0" lvl="5" indent="0" algn="r">
               <a:lnSpc>
                 <a:spcPct val="100000"/>
               </a:lnSpc>
@@ -9807,7 +9874,7 @@
               <a:buSzPts val="1000"/>
               <a:buFont typeface="Arial"/>
               <a:buNone/>
-              <a:defRPr b="0" i="0" sz="1000" u="none" cap="none" strike="noStrike">
+              <a:defRPr sz="1000" b="0" i="0" u="none" strike="noStrike" cap="none">
                 <a:solidFill>
                   <a:schemeClr val="lt1"/>
                 </a:solidFill>
@@ -9817,7 +9884,7 @@
                 <a:sym typeface="Lato"/>
               </a:defRPr>
             </a:lvl6pPr>
-            <a:lvl7pPr indent="0" lvl="6" marL="0" marR="0" algn="r">
+            <a:lvl7pPr marL="0" marR="0" lvl="6" indent="0" algn="r">
               <a:lnSpc>
                 <a:spcPct val="100000"/>
               </a:lnSpc>
@@ -9833,7 +9900,7 @@
               <a:buSzPts val="1000"/>
               <a:buFont typeface="Arial"/>
               <a:buNone/>
-              <a:defRPr b="0" i="0" sz="1000" u="none" cap="none" strike="noStrike">
+              <a:defRPr sz="1000" b="0" i="0" u="none" strike="noStrike" cap="none">
                 <a:solidFill>
                   <a:schemeClr val="lt1"/>
                 </a:solidFill>
@@ -9843,7 +9910,7 @@
                 <a:sym typeface="Lato"/>
               </a:defRPr>
             </a:lvl7pPr>
-            <a:lvl8pPr indent="0" lvl="7" marL="0" marR="0" algn="r">
+            <a:lvl8pPr marL="0" marR="0" lvl="7" indent="0" algn="r">
               <a:lnSpc>
                 <a:spcPct val="100000"/>
               </a:lnSpc>
@@ -9859,7 +9926,7 @@
               <a:buSzPts val="1000"/>
               <a:buFont typeface="Arial"/>
               <a:buNone/>
-              <a:defRPr b="0" i="0" sz="1000" u="none" cap="none" strike="noStrike">
+              <a:defRPr sz="1000" b="0" i="0" u="none" strike="noStrike" cap="none">
                 <a:solidFill>
                   <a:schemeClr val="lt1"/>
                 </a:solidFill>
@@ -9869,7 +9936,7 @@
                 <a:sym typeface="Lato"/>
               </a:defRPr>
             </a:lvl8pPr>
-            <a:lvl9pPr indent="0" lvl="8" marL="0" marR="0" algn="r">
+            <a:lvl9pPr marL="0" marR="0" lvl="8" indent="0" algn="r">
               <a:lnSpc>
                 <a:spcPct val="100000"/>
               </a:lnSpc>
@@ -9885,7 +9952,7 @@
               <a:buSzPts val="1000"/>
               <a:buFont typeface="Arial"/>
               <a:buNone/>
-              <a:defRPr b="0" i="0" sz="1000" u="none" cap="none" strike="noStrike">
+              <a:defRPr sz="1000" b="0" i="0" u="none" strike="noStrike" cap="none">
                 <a:solidFill>
                   <a:schemeClr val="lt1"/>
                 </a:solidFill>
@@ -9897,7 +9964,7 @@
             </a:lvl9pPr>
           </a:lstStyle>
           <a:p>
-            <a:pPr indent="0" lvl="0" marL="0" rtl="0" algn="r">
+            <a:pPr marL="0" lvl="0" indent="0" algn="r" rtl="0">
               <a:spcBef>
                 <a:spcPts val="0"/>
               </a:spcBef>
@@ -9924,7 +9991,7 @@
           <a:blip r:embed="rId2">
             <a:alphaModFix/>
           </a:blip>
-          <a:srcRect b="31682" l="16874" r="16874" t="31678"/>
+          <a:srcRect l="16874" t="31678" r="16874" b="31682"/>
           <a:stretch/>
         </p:blipFill>
         <p:spPr>
@@ -9950,11 +10017,11 @@
 </file>
 
 <file path=ppt/slideLayouts/slideLayout8.xml><?xml version="1.0" encoding="utf-8"?>
-<p:sldLayout xmlns:a="http://schemas.openxmlformats.org/drawingml/2006/main" xmlns:r="http://schemas.openxmlformats.org/officeDocument/2006/relationships" xmlns:mc="http://schemas.openxmlformats.org/markup-compatibility/2006" xmlns:mv="urn:schemas-microsoft-com:mac:vml" xmlns:p="http://schemas.openxmlformats.org/presentationml/2006/main" xmlns:c="http://schemas.openxmlformats.org/drawingml/2006/chart" xmlns:dgm="http://schemas.openxmlformats.org/drawingml/2006/diagram" xmlns:o="urn:schemas-microsoft-com:office:office" xmlns:v="urn:schemas-microsoft-com:vml" xmlns:pvml="urn:schemas-microsoft-com:office:powerpoint" xmlns:com="http://schemas.openxmlformats.org/drawingml/2006/compatibility" xmlns:p14="http://schemas.microsoft.com/office/powerpoint/2010/main" xmlns:p15="http://schemas.microsoft.com/office/powerpoint/2012/main" matchingName="Section title and description">
+<p:sldLayout xmlns:a="http://schemas.openxmlformats.org/drawingml/2006/main" xmlns:r="http://schemas.openxmlformats.org/officeDocument/2006/relationships" xmlns:p="http://schemas.openxmlformats.org/presentationml/2006/main" matchingName="Section title and description">
   <p:cSld name="SECTION_TITLE_AND_DESCRIPTION">
     <p:spTree>
       <p:nvGrpSpPr>
-        <p:cNvPr id="68" name="Shape 68"/>
+        <p:cNvPr id="1" name="Shape 68"/>
         <p:cNvGrpSpPr/>
         <p:nvPr/>
       </p:nvGrpSpPr>
@@ -9988,12 +10055,12 @@
           </a:ln>
         </p:spPr>
         <p:txBody>
-          <a:bodyPr anchorCtr="0" anchor="ctr" bIns="91425" lIns="91425" spcFirstLastPara="1" rIns="91425" wrap="square" tIns="91425">
+          <a:bodyPr spcFirstLastPara="1" wrap="square" lIns="91425" tIns="91425" rIns="91425" bIns="91425" anchor="ctr" anchorCtr="0">
             <a:noAutofit/>
           </a:bodyPr>
           <a:lstStyle/>
           <a:p>
-            <a:pPr indent="0" lvl="0" marL="0" marR="0" rtl="0" algn="l">
+            <a:pPr marL="0" marR="0" lvl="0" indent="0" algn="l" rtl="0">
               <a:lnSpc>
                 <a:spcPct val="100000"/>
               </a:lnSpc>
@@ -10010,10 +10077,7 @@
               <a:buFont typeface="Arial"/>
               <a:buNone/>
             </a:pPr>
-            <a:r>
-              <a:t/>
-            </a:r>
-            <a:endParaRPr b="0" i="0" sz="1400" u="none" cap="none" strike="noStrike">
+            <a:endParaRPr sz="1400" b="0" i="0" u="none" strike="noStrike" cap="none">
               <a:solidFill>
                 <a:srgbClr val="000000"/>
               </a:solidFill>
@@ -10061,12 +10125,12 @@
             </a:ln>
           </p:spPr>
           <p:txBody>
-            <a:bodyPr anchorCtr="0" anchor="ctr" bIns="91425" lIns="91425" spcFirstLastPara="1" rIns="91425" wrap="square" tIns="91425">
+            <a:bodyPr spcFirstLastPara="1" wrap="square" lIns="91425" tIns="91425" rIns="91425" bIns="91425" anchor="ctr" anchorCtr="0">
               <a:noAutofit/>
             </a:bodyPr>
             <a:lstStyle/>
             <a:p>
-              <a:pPr indent="0" lvl="0" marL="0" marR="0" rtl="0" algn="l">
+              <a:pPr marL="0" marR="0" lvl="0" indent="0" algn="l" rtl="0">
                 <a:lnSpc>
                   <a:spcPct val="100000"/>
                 </a:lnSpc>
@@ -10083,10 +10147,7 @@
                 <a:buFont typeface="Arial"/>
                 <a:buNone/>
               </a:pPr>
-              <a:r>
-                <a:t/>
-              </a:r>
-              <a:endParaRPr b="0" i="0" sz="1400" u="none" cap="none" strike="noStrike">
+              <a:endParaRPr sz="1400" b="0" i="0" u="none" strike="noStrike" cap="none">
                 <a:solidFill>
                   <a:srgbClr val="000000"/>
                 </a:solidFill>
@@ -10120,12 +10181,12 @@
             </a:ln>
           </p:spPr>
           <p:txBody>
-            <a:bodyPr anchorCtr="0" anchor="ctr" bIns="91425" lIns="91425" spcFirstLastPara="1" rIns="91425" wrap="square" tIns="91425">
+            <a:bodyPr spcFirstLastPara="1" wrap="square" lIns="91425" tIns="91425" rIns="91425" bIns="91425" anchor="ctr" anchorCtr="0">
               <a:noAutofit/>
             </a:bodyPr>
             <a:lstStyle/>
             <a:p>
-              <a:pPr indent="0" lvl="0" marL="0" marR="0" rtl="0" algn="l">
+              <a:pPr marL="0" marR="0" lvl="0" indent="0" algn="l" rtl="0">
                 <a:lnSpc>
                   <a:spcPct val="100000"/>
                 </a:lnSpc>
@@ -10142,10 +10203,7 @@
                 <a:buFont typeface="Arial"/>
                 <a:buNone/>
               </a:pPr>
-              <a:r>
-                <a:t/>
-              </a:r>
-              <a:endParaRPr b="0" i="0" sz="1400" u="none" cap="none" strike="noStrike">
+              <a:endParaRPr sz="1400" b="0" i="0" u="none" strike="noStrike" cap="none">
                 <a:solidFill>
                   <a:srgbClr val="000000"/>
                 </a:solidFill>
@@ -10161,7 +10219,9 @@
       <p:sp>
         <p:nvSpPr>
           <p:cNvPr id="73" name="Google Shape;73;p41"/>
-          <p:cNvSpPr txBox="1"/>
+          <p:cNvSpPr txBox="1">
+            <a:spLocks noGrp="1"/>
+          </p:cNvSpPr>
           <p:nvPr>
             <p:ph type="title"/>
           </p:nvPr>
@@ -10180,7 +10240,7 @@
           </a:ln>
         </p:spPr>
         <p:txBody>
-          <a:bodyPr anchorCtr="0" anchor="t" bIns="91425" lIns="91425" spcFirstLastPara="1" rIns="91425" wrap="square" tIns="91425">
+          <a:bodyPr spcFirstLastPara="1" wrap="square" lIns="91425" tIns="91425" rIns="91425" bIns="91425" anchor="t" anchorCtr="0">
             <a:noAutofit/>
           </a:bodyPr>
           <a:lstStyle>
@@ -10374,15 +10434,19 @@
               </a:defRPr>
             </a:lvl9pPr>
           </a:lstStyle>
-          <a:p/>
+          <a:p>
+            <a:endParaRPr/>
+          </a:p>
         </p:txBody>
       </p:sp>
       <p:sp>
         <p:nvSpPr>
           <p:cNvPr id="74" name="Google Shape;74;p41"/>
-          <p:cNvSpPr txBox="1"/>
+          <p:cNvSpPr txBox="1">
+            <a:spLocks noGrp="1"/>
+          </p:cNvSpPr>
           <p:nvPr>
-            <p:ph idx="1" type="subTitle"/>
+            <p:ph type="subTitle" idx="1"/>
           </p:nvPr>
         </p:nvSpPr>
         <p:spPr>
@@ -10399,7 +10463,7 @@
           </a:ln>
         </p:spPr>
         <p:txBody>
-          <a:bodyPr anchorCtr="0" anchor="t" bIns="91425" lIns="91425" spcFirstLastPara="1" rIns="91425" wrap="square" tIns="91425">
+          <a:bodyPr spcFirstLastPara="1" wrap="square" lIns="91425" tIns="91425" rIns="91425" bIns="91425" anchor="t" anchorCtr="0">
             <a:noAutofit/>
           </a:bodyPr>
           <a:lstStyle>
@@ -10530,15 +10594,19 @@
               <a:defRPr sz="1600"/>
             </a:lvl9pPr>
           </a:lstStyle>
-          <a:p/>
+          <a:p>
+            <a:endParaRPr/>
+          </a:p>
         </p:txBody>
       </p:sp>
       <p:sp>
         <p:nvSpPr>
           <p:cNvPr id="75" name="Google Shape;75;p41"/>
-          <p:cNvSpPr txBox="1"/>
+          <p:cNvSpPr txBox="1">
+            <a:spLocks noGrp="1"/>
+          </p:cNvSpPr>
           <p:nvPr>
-            <p:ph idx="2" type="body"/>
+            <p:ph type="body" idx="2"/>
           </p:nvPr>
         </p:nvSpPr>
         <p:spPr>
@@ -10555,11 +10623,11 @@
           </a:ln>
         </p:spPr>
         <p:txBody>
-          <a:bodyPr anchorCtr="0" anchor="t" bIns="91425" lIns="91425" spcFirstLastPara="1" rIns="91425" wrap="square" tIns="91425">
+          <a:bodyPr spcFirstLastPara="1" wrap="square" lIns="91425" tIns="91425" rIns="91425" bIns="91425" anchor="t" anchorCtr="0">
             <a:noAutofit/>
           </a:bodyPr>
           <a:lstStyle>
-            <a:lvl1pPr indent="-311150" lvl="0" marL="457200" algn="l">
+            <a:lvl1pPr marL="457200" lvl="0" indent="-311150" algn="l">
               <a:lnSpc>
                 <a:spcPct val="115000"/>
               </a:lnSpc>
@@ -10573,7 +10641,7 @@
               <a:buChar char="●"/>
               <a:defRPr/>
             </a:lvl1pPr>
-            <a:lvl2pPr indent="-298450" lvl="1" marL="914400" algn="l">
+            <a:lvl2pPr marL="914400" lvl="1" indent="-298450" algn="l">
               <a:lnSpc>
                 <a:spcPct val="115000"/>
               </a:lnSpc>
@@ -10587,7 +10655,7 @@
               <a:buChar char="○"/>
               <a:defRPr/>
             </a:lvl2pPr>
-            <a:lvl3pPr indent="-298450" lvl="2" marL="1371600" algn="l">
+            <a:lvl3pPr marL="1371600" lvl="2" indent="-298450" algn="l">
               <a:lnSpc>
                 <a:spcPct val="115000"/>
               </a:lnSpc>
@@ -10601,7 +10669,7 @@
               <a:buChar char="■"/>
               <a:defRPr/>
             </a:lvl3pPr>
-            <a:lvl4pPr indent="-298450" lvl="3" marL="1828800" algn="l">
+            <a:lvl4pPr marL="1828800" lvl="3" indent="-298450" algn="l">
               <a:lnSpc>
                 <a:spcPct val="115000"/>
               </a:lnSpc>
@@ -10615,7 +10683,7 @@
               <a:buChar char="●"/>
               <a:defRPr/>
             </a:lvl4pPr>
-            <a:lvl5pPr indent="-298450" lvl="4" marL="2286000" algn="l">
+            <a:lvl5pPr marL="2286000" lvl="4" indent="-298450" algn="l">
               <a:lnSpc>
                 <a:spcPct val="115000"/>
               </a:lnSpc>
@@ -10629,7 +10697,7 @@
               <a:buChar char="○"/>
               <a:defRPr/>
             </a:lvl5pPr>
-            <a:lvl6pPr indent="-298450" lvl="5" marL="2743200" algn="l">
+            <a:lvl6pPr marL="2743200" lvl="5" indent="-298450" algn="l">
               <a:lnSpc>
                 <a:spcPct val="115000"/>
               </a:lnSpc>
@@ -10643,7 +10711,7 @@
               <a:buChar char="■"/>
               <a:defRPr/>
             </a:lvl6pPr>
-            <a:lvl7pPr indent="-298450" lvl="6" marL="3200400" algn="l">
+            <a:lvl7pPr marL="3200400" lvl="6" indent="-298450" algn="l">
               <a:lnSpc>
                 <a:spcPct val="115000"/>
               </a:lnSpc>
@@ -10657,7 +10725,7 @@
               <a:buChar char="●"/>
               <a:defRPr/>
             </a:lvl7pPr>
-            <a:lvl8pPr indent="-298450" lvl="7" marL="3657600" algn="l">
+            <a:lvl8pPr marL="3657600" lvl="7" indent="-298450" algn="l">
               <a:lnSpc>
                 <a:spcPct val="115000"/>
               </a:lnSpc>
@@ -10671,7 +10739,7 @@
               <a:buChar char="○"/>
               <a:defRPr/>
             </a:lvl8pPr>
-            <a:lvl9pPr indent="-298450" lvl="8" marL="4114800" algn="l">
+            <a:lvl9pPr marL="4114800" lvl="8" indent="-298450" algn="l">
               <a:lnSpc>
                 <a:spcPct val="115000"/>
               </a:lnSpc>
@@ -10686,15 +10754,19 @@
               <a:defRPr/>
             </a:lvl9pPr>
           </a:lstStyle>
-          <a:p/>
+          <a:p>
+            <a:endParaRPr/>
+          </a:p>
         </p:txBody>
       </p:sp>
       <p:sp>
         <p:nvSpPr>
           <p:cNvPr id="76" name="Google Shape;76;p41"/>
-          <p:cNvSpPr txBox="1"/>
+          <p:cNvSpPr txBox="1">
+            <a:spLocks noGrp="1"/>
+          </p:cNvSpPr>
           <p:nvPr>
-            <p:ph idx="12" type="sldNum"/>
+            <p:ph type="sldNum" idx="12"/>
           </p:nvPr>
         </p:nvSpPr>
         <p:spPr>
@@ -10711,11 +10783,11 @@
           </a:ln>
         </p:spPr>
         <p:txBody>
-          <a:bodyPr anchorCtr="0" anchor="ctr" bIns="91425" lIns="91425" spcFirstLastPara="1" rIns="91425" wrap="square" tIns="91425">
+          <a:bodyPr spcFirstLastPara="1" wrap="square" lIns="91425" tIns="91425" rIns="91425" bIns="91425" anchor="ctr" anchorCtr="0">
             <a:noAutofit/>
           </a:bodyPr>
           <a:lstStyle>
-            <a:lvl1pPr indent="0" lvl="0" marL="0" marR="0" algn="r">
+            <a:lvl1pPr marL="0" marR="0" lvl="0" indent="0" algn="r">
               <a:lnSpc>
                 <a:spcPct val="100000"/>
               </a:lnSpc>
@@ -10731,7 +10803,7 @@
               <a:buSzPts val="1000"/>
               <a:buFont typeface="Arial"/>
               <a:buNone/>
-              <a:defRPr b="0" i="0" sz="1000" u="none" cap="none" strike="noStrike">
+              <a:defRPr sz="1000" b="0" i="0" u="none" strike="noStrike" cap="none">
                 <a:solidFill>
                   <a:schemeClr val="accent1"/>
                 </a:solidFill>
@@ -10741,7 +10813,7 @@
                 <a:sym typeface="Lato"/>
               </a:defRPr>
             </a:lvl1pPr>
-            <a:lvl2pPr indent="0" lvl="1" marL="0" marR="0" algn="r">
+            <a:lvl2pPr marL="0" marR="0" lvl="1" indent="0" algn="r">
               <a:lnSpc>
                 <a:spcPct val="100000"/>
               </a:lnSpc>
@@ -10757,7 +10829,7 @@
               <a:buSzPts val="1000"/>
               <a:buFont typeface="Arial"/>
               <a:buNone/>
-              <a:defRPr b="0" i="0" sz="1000" u="none" cap="none" strike="noStrike">
+              <a:defRPr sz="1000" b="0" i="0" u="none" strike="noStrike" cap="none">
                 <a:solidFill>
                   <a:schemeClr val="accent1"/>
                 </a:solidFill>
@@ -10767,7 +10839,7 @@
                 <a:sym typeface="Lato"/>
               </a:defRPr>
             </a:lvl2pPr>
-            <a:lvl3pPr indent="0" lvl="2" marL="0" marR="0" algn="r">
+            <a:lvl3pPr marL="0" marR="0" lvl="2" indent="0" algn="r">
               <a:lnSpc>
                 <a:spcPct val="100000"/>
               </a:lnSpc>
@@ -10783,7 +10855,7 @@
               <a:buSzPts val="1000"/>
               <a:buFont typeface="Arial"/>
               <a:buNone/>
-              <a:defRPr b="0" i="0" sz="1000" u="none" cap="none" strike="noStrike">
+              <a:defRPr sz="1000" b="0" i="0" u="none" strike="noStrike" cap="none">
                 <a:solidFill>
                   <a:schemeClr val="accent1"/>
                 </a:solidFill>
@@ -10793,7 +10865,7 @@
                 <a:sym typeface="Lato"/>
               </a:defRPr>
             </a:lvl3pPr>
-            <a:lvl4pPr indent="0" lvl="3" marL="0" marR="0" algn="r">
+            <a:lvl4pPr marL="0" marR="0" lvl="3" indent="0" algn="r">
               <a:lnSpc>
                 <a:spcPct val="100000"/>
               </a:lnSpc>
@@ -10809,7 +10881,7 @@
               <a:buSzPts val="1000"/>
               <a:buFont typeface="Arial"/>
               <a:buNone/>
-              <a:defRPr b="0" i="0" sz="1000" u="none" cap="none" strike="noStrike">
+              <a:defRPr sz="1000" b="0" i="0" u="none" strike="noStrike" cap="none">
                 <a:solidFill>
                   <a:schemeClr val="accent1"/>
                 </a:solidFill>
@@ -10819,7 +10891,7 @@
                 <a:sym typeface="Lato"/>
               </a:defRPr>
             </a:lvl4pPr>
-            <a:lvl5pPr indent="0" lvl="4" marL="0" marR="0" algn="r">
+            <a:lvl5pPr marL="0" marR="0" lvl="4" indent="0" algn="r">
               <a:lnSpc>
                 <a:spcPct val="100000"/>
               </a:lnSpc>
@@ -10835,7 +10907,7 @@
               <a:buSzPts val="1000"/>
               <a:buFont typeface="Arial"/>
               <a:buNone/>
-              <a:defRPr b="0" i="0" sz="1000" u="none" cap="none" strike="noStrike">
+              <a:defRPr sz="1000" b="0" i="0" u="none" strike="noStrike" cap="none">
                 <a:solidFill>
                   <a:schemeClr val="accent1"/>
                 </a:solidFill>
@@ -10845,7 +10917,7 @@
                 <a:sym typeface="Lato"/>
               </a:defRPr>
             </a:lvl5pPr>
-            <a:lvl6pPr indent="0" lvl="5" marL="0" marR="0" algn="r">
+            <a:lvl6pPr marL="0" marR="0" lvl="5" indent="0" algn="r">
               <a:lnSpc>
                 <a:spcPct val="100000"/>
               </a:lnSpc>
@@ -10861,7 +10933,7 @@
               <a:buSzPts val="1000"/>
               <a:buFont typeface="Arial"/>
               <a:buNone/>
-              <a:defRPr b="0" i="0" sz="1000" u="none" cap="none" strike="noStrike">
+              <a:defRPr sz="1000" b="0" i="0" u="none" strike="noStrike" cap="none">
                 <a:solidFill>
                   <a:schemeClr val="accent1"/>
                 </a:solidFill>
@@ -10871,7 +10943,7 @@
                 <a:sym typeface="Lato"/>
               </a:defRPr>
             </a:lvl6pPr>
-            <a:lvl7pPr indent="0" lvl="6" marL="0" marR="0" algn="r">
+            <a:lvl7pPr marL="0" marR="0" lvl="6" indent="0" algn="r">
               <a:lnSpc>
                 <a:spcPct val="100000"/>
               </a:lnSpc>
@@ -10887,7 +10959,7 @@
               <a:buSzPts val="1000"/>
               <a:buFont typeface="Arial"/>
               <a:buNone/>
-              <a:defRPr b="0" i="0" sz="1000" u="none" cap="none" strike="noStrike">
+              <a:defRPr sz="1000" b="0" i="0" u="none" strike="noStrike" cap="none">
                 <a:solidFill>
                   <a:schemeClr val="accent1"/>
                 </a:solidFill>
@@ -10897,7 +10969,7 @@
                 <a:sym typeface="Lato"/>
               </a:defRPr>
             </a:lvl7pPr>
-            <a:lvl8pPr indent="0" lvl="7" marL="0" marR="0" algn="r">
+            <a:lvl8pPr marL="0" marR="0" lvl="7" indent="0" algn="r">
               <a:lnSpc>
                 <a:spcPct val="100000"/>
               </a:lnSpc>
@@ -10913,7 +10985,7 @@
               <a:buSzPts val="1000"/>
               <a:buFont typeface="Arial"/>
               <a:buNone/>
-              <a:defRPr b="0" i="0" sz="1000" u="none" cap="none" strike="noStrike">
+              <a:defRPr sz="1000" b="0" i="0" u="none" strike="noStrike" cap="none">
                 <a:solidFill>
                   <a:schemeClr val="accent1"/>
                 </a:solidFill>
@@ -10923,7 +10995,7 @@
                 <a:sym typeface="Lato"/>
               </a:defRPr>
             </a:lvl8pPr>
-            <a:lvl9pPr indent="0" lvl="8" marL="0" marR="0" algn="r">
+            <a:lvl9pPr marL="0" marR="0" lvl="8" indent="0" algn="r">
               <a:lnSpc>
                 <a:spcPct val="100000"/>
               </a:lnSpc>
@@ -10939,7 +11011,7 @@
               <a:buSzPts val="1000"/>
               <a:buFont typeface="Arial"/>
               <a:buNone/>
-              <a:defRPr b="0" i="0" sz="1000" u="none" cap="none" strike="noStrike">
+              <a:defRPr sz="1000" b="0" i="0" u="none" strike="noStrike" cap="none">
                 <a:solidFill>
                   <a:schemeClr val="accent1"/>
                 </a:solidFill>
@@ -10951,7 +11023,7 @@
             </a:lvl9pPr>
           </a:lstStyle>
           <a:p>
-            <a:pPr indent="0" lvl="0" marL="0" rtl="0" algn="r">
+            <a:pPr marL="0" lvl="0" indent="0" algn="r" rtl="0">
               <a:spcBef>
                 <a:spcPts val="0"/>
               </a:spcBef>
@@ -10978,7 +11050,7 @@
           <a:blip r:embed="rId2">
             <a:alphaModFix/>
           </a:blip>
-          <a:srcRect b="31682" l="16874" r="16874" t="31678"/>
+          <a:srcRect l="16874" t="31678" r="16874" b="31682"/>
           <a:stretch/>
         </p:blipFill>
         <p:spPr>
@@ -11004,11 +11076,11 @@
 </file>
 
 <file path=ppt/slideLayouts/slideLayout9.xml><?xml version="1.0" encoding="utf-8"?>
-<p:sldLayout xmlns:a="http://schemas.openxmlformats.org/drawingml/2006/main" xmlns:r="http://schemas.openxmlformats.org/officeDocument/2006/relationships" xmlns:mc="http://schemas.openxmlformats.org/markup-compatibility/2006" xmlns:mv="urn:schemas-microsoft-com:mac:vml" xmlns:p="http://schemas.openxmlformats.org/presentationml/2006/main" xmlns:c="http://schemas.openxmlformats.org/drawingml/2006/chart" xmlns:dgm="http://schemas.openxmlformats.org/drawingml/2006/diagram" xmlns:o="urn:schemas-microsoft-com:office:office" xmlns:v="urn:schemas-microsoft-com:vml" xmlns:pvml="urn:schemas-microsoft-com:office:powerpoint" xmlns:com="http://schemas.openxmlformats.org/drawingml/2006/compatibility" xmlns:p14="http://schemas.microsoft.com/office/powerpoint/2010/main" xmlns:p15="http://schemas.microsoft.com/office/powerpoint/2012/main" matchingName="Caption">
+<p:sldLayout xmlns:a="http://schemas.openxmlformats.org/drawingml/2006/main" xmlns:r="http://schemas.openxmlformats.org/officeDocument/2006/relationships" xmlns:p="http://schemas.openxmlformats.org/presentationml/2006/main" matchingName="Caption">
   <p:cSld name="CAPTION_ONLY">
     <p:spTree>
       <p:nvGrpSpPr>
-        <p:cNvPr id="78" name="Shape 78"/>
+        <p:cNvPr id="1" name="Shape 78"/>
         <p:cNvGrpSpPr/>
         <p:nvPr/>
       </p:nvGrpSpPr>
@@ -11023,9 +11095,11 @@
       <p:sp>
         <p:nvSpPr>
           <p:cNvPr id="79" name="Google Shape;79;p42"/>
-          <p:cNvSpPr txBox="1"/>
+          <p:cNvSpPr txBox="1">
+            <a:spLocks noGrp="1"/>
+          </p:cNvSpPr>
           <p:nvPr>
-            <p:ph idx="1" type="body"/>
+            <p:ph type="body" idx="1"/>
           </p:nvPr>
         </p:nvSpPr>
         <p:spPr>
@@ -11042,11 +11116,11 @@
           </a:ln>
         </p:spPr>
         <p:txBody>
-          <a:bodyPr anchorCtr="0" anchor="ctr" bIns="91425" lIns="91425" spcFirstLastPara="1" rIns="91425" wrap="square" tIns="91425">
+          <a:bodyPr spcFirstLastPara="1" wrap="square" lIns="91425" tIns="91425" rIns="91425" bIns="91425" anchor="ctr" anchorCtr="0">
             <a:noAutofit/>
           </a:bodyPr>
           <a:lstStyle>
-            <a:lvl1pPr indent="-228600" lvl="0" marL="457200" algn="l">
+            <a:lvl1pPr marL="457200" lvl="0" indent="-228600" algn="l">
               <a:lnSpc>
                 <a:spcPct val="100000"/>
               </a:lnSpc>
@@ -11061,15 +11135,19 @@
               <a:defRPr/>
             </a:lvl1pPr>
           </a:lstStyle>
-          <a:p/>
+          <a:p>
+            <a:endParaRPr/>
+          </a:p>
         </p:txBody>
       </p:sp>
       <p:sp>
         <p:nvSpPr>
           <p:cNvPr id="80" name="Google Shape;80;p42"/>
-          <p:cNvSpPr txBox="1"/>
+          <p:cNvSpPr txBox="1">
+            <a:spLocks noGrp="1"/>
+          </p:cNvSpPr>
           <p:nvPr>
-            <p:ph idx="12" type="sldNum"/>
+            <p:ph type="sldNum" idx="12"/>
           </p:nvPr>
         </p:nvSpPr>
         <p:spPr>
@@ -11086,11 +11164,11 @@
           </a:ln>
         </p:spPr>
         <p:txBody>
-          <a:bodyPr anchorCtr="0" anchor="ctr" bIns="91425" lIns="91425" spcFirstLastPara="1" rIns="91425" wrap="square" tIns="91425">
+          <a:bodyPr spcFirstLastPara="1" wrap="square" lIns="91425" tIns="91425" rIns="91425" bIns="91425" anchor="ctr" anchorCtr="0">
             <a:noAutofit/>
           </a:bodyPr>
           <a:lstStyle>
-            <a:lvl1pPr indent="0" lvl="0" marL="0" marR="0" algn="r">
+            <a:lvl1pPr marL="0" marR="0" lvl="0" indent="0" algn="r">
               <a:lnSpc>
                 <a:spcPct val="100000"/>
               </a:lnSpc>
@@ -11106,7 +11184,7 @@
               <a:buSzPts val="1000"/>
               <a:buFont typeface="Arial"/>
               <a:buNone/>
-              <a:defRPr b="0" i="0" sz="1000" u="none" cap="none" strike="noStrike">
+              <a:defRPr sz="1000" b="0" i="0" u="none" strike="noStrike" cap="none">
                 <a:solidFill>
                   <a:schemeClr val="accent1"/>
                 </a:solidFill>
@@ -11116,7 +11194,7 @@
                 <a:sym typeface="Lato"/>
               </a:defRPr>
             </a:lvl1pPr>
-            <a:lvl2pPr indent="0" lvl="1" marL="0" marR="0" algn="r">
+            <a:lvl2pPr marL="0" marR="0" lvl="1" indent="0" algn="r">
               <a:lnSpc>
                 <a:spcPct val="100000"/>
               </a:lnSpc>
@@ -11132,7 +11210,7 @@
               <a:buSzPts val="1000"/>
               <a:buFont typeface="Arial"/>
               <a:buNone/>
-              <a:defRPr b="0" i="0" sz="1000" u="none" cap="none" strike="noStrike">
+              <a:defRPr sz="1000" b="0" i="0" u="none" strike="noStrike" cap="none">
                 <a:solidFill>
                   <a:schemeClr val="accent1"/>
                 </a:solidFill>
@@ -11142,7 +11220,7 @@
                 <a:sym typeface="Lato"/>
               </a:defRPr>
             </a:lvl2pPr>
-            <a:lvl3pPr indent="0" lvl="2" marL="0" marR="0" algn="r">
+            <a:lvl3pPr marL="0" marR="0" lvl="2" indent="0" algn="r">
               <a:lnSpc>
                 <a:spcPct val="100000"/>
               </a:lnSpc>
@@ -11158,7 +11236,7 @@
               <a:buSzPts val="1000"/>
               <a:buFont typeface="Arial"/>
               <a:buNone/>
-              <a:defRPr b="0" i="0" sz="1000" u="none" cap="none" strike="noStrike">
+              <a:defRPr sz="1000" b="0" i="0" u="none" strike="noStrike" cap="none">
                 <a:solidFill>
                   <a:schemeClr val="accent1"/>
                 </a:solidFill>
@@ -11168,7 +11246,7 @@
                 <a:sym typeface="Lato"/>
               </a:defRPr>
             </a:lvl3pPr>
-            <a:lvl4pPr indent="0" lvl="3" marL="0" marR="0" algn="r">
+            <a:lvl4pPr marL="0" marR="0" lvl="3" indent="0" algn="r">
               <a:lnSpc>
                 <a:spcPct val="100000"/>
               </a:lnSpc>
@@ -11184,7 +11262,7 @@
               <a:buSzPts val="1000"/>
               <a:buFont typeface="Arial"/>
               <a:buNone/>
-              <a:defRPr b="0" i="0" sz="1000" u="none" cap="none" strike="noStrike">
+              <a:defRPr sz="1000" b="0" i="0" u="none" strike="noStrike" cap="none">
                 <a:solidFill>
                   <a:schemeClr val="accent1"/>
                 </a:solidFill>
@@ -11194,7 +11272,7 @@
                 <a:sym typeface="Lato"/>
               </a:defRPr>
             </a:lvl4pPr>
-            <a:lvl5pPr indent="0" lvl="4" marL="0" marR="0" algn="r">
+            <a:lvl5pPr marL="0" marR="0" lvl="4" indent="0" algn="r">
               <a:lnSpc>
                 <a:spcPct val="100000"/>
               </a:lnSpc>
@@ -11210,7 +11288,7 @@
               <a:buSzPts val="1000"/>
               <a:buFont typeface="Arial"/>
               <a:buNone/>
-              <a:defRPr b="0" i="0" sz="1000" u="none" cap="none" strike="noStrike">
+              <a:defRPr sz="1000" b="0" i="0" u="none" strike="noStrike" cap="none">
                 <a:solidFill>
                   <a:schemeClr val="accent1"/>
                 </a:solidFill>
@@ -11220,7 +11298,7 @@
                 <a:sym typeface="Lato"/>
               </a:defRPr>
             </a:lvl5pPr>
-            <a:lvl6pPr indent="0" lvl="5" marL="0" marR="0" algn="r">
+            <a:lvl6pPr marL="0" marR="0" lvl="5" indent="0" algn="r">
               <a:lnSpc>
                 <a:spcPct val="100000"/>
               </a:lnSpc>
@@ -11236,7 +11314,7 @@
               <a:buSzPts val="1000"/>
               <a:buFont typeface="Arial"/>
               <a:buNone/>
-              <a:defRPr b="0" i="0" sz="1000" u="none" cap="none" strike="noStrike">
+              <a:defRPr sz="1000" b="0" i="0" u="none" strike="noStrike" cap="none">
                 <a:solidFill>
                   <a:schemeClr val="accent1"/>
                 </a:solidFill>
@@ -11246,7 +11324,7 @@
                 <a:sym typeface="Lato"/>
               </a:defRPr>
             </a:lvl6pPr>
-            <a:lvl7pPr indent="0" lvl="6" marL="0" marR="0" algn="r">
+            <a:lvl7pPr marL="0" marR="0" lvl="6" indent="0" algn="r">
               <a:lnSpc>
                 <a:spcPct val="100000"/>
               </a:lnSpc>
@@ -11262,7 +11340,7 @@
               <a:buSzPts val="1000"/>
               <a:buFont typeface="Arial"/>
               <a:buNone/>
-              <a:defRPr b="0" i="0" sz="1000" u="none" cap="none" strike="noStrike">
+              <a:defRPr sz="1000" b="0" i="0" u="none" strike="noStrike" cap="none">
                 <a:solidFill>
                   <a:schemeClr val="accent1"/>
                 </a:solidFill>
@@ -11272,7 +11350,7 @@
                 <a:sym typeface="Lato"/>
               </a:defRPr>
             </a:lvl7pPr>
-            <a:lvl8pPr indent="0" lvl="7" marL="0" marR="0" algn="r">
+            <a:lvl8pPr marL="0" marR="0" lvl="7" indent="0" algn="r">
               <a:lnSpc>
                 <a:spcPct val="100000"/>
               </a:lnSpc>
@@ -11288,7 +11366,7 @@
               <a:buSzPts val="1000"/>
               <a:buFont typeface="Arial"/>
               <a:buNone/>
-              <a:defRPr b="0" i="0" sz="1000" u="none" cap="none" strike="noStrike">
+              <a:defRPr sz="1000" b="0" i="0" u="none" strike="noStrike" cap="none">
                 <a:solidFill>
                   <a:schemeClr val="accent1"/>
                 </a:solidFill>
@@ -11298,7 +11376,7 @@
                 <a:sym typeface="Lato"/>
               </a:defRPr>
             </a:lvl8pPr>
-            <a:lvl9pPr indent="0" lvl="8" marL="0" marR="0" algn="r">
+            <a:lvl9pPr marL="0" marR="0" lvl="8" indent="0" algn="r">
               <a:lnSpc>
                 <a:spcPct val="100000"/>
               </a:lnSpc>
@@ -11314,7 +11392,7 @@
               <a:buSzPts val="1000"/>
               <a:buFont typeface="Arial"/>
               <a:buNone/>
-              <a:defRPr b="0" i="0" sz="1000" u="none" cap="none" strike="noStrike">
+              <a:defRPr sz="1000" b="0" i="0" u="none" strike="noStrike" cap="none">
                 <a:solidFill>
                   <a:schemeClr val="accent1"/>
                 </a:solidFill>
@@ -11326,7 +11404,7 @@
             </a:lvl9pPr>
           </a:lstStyle>
           <a:p>
-            <a:pPr indent="0" lvl="0" marL="0" rtl="0" algn="r">
+            <a:pPr marL="0" lvl="0" indent="0" algn="r" rtl="0">
               <a:spcBef>
                 <a:spcPts val="0"/>
               </a:spcBef>
@@ -11353,7 +11431,7 @@
           <a:blip r:embed="rId2">
             <a:alphaModFix/>
           </a:blip>
-          <a:srcRect b="31682" l="16874" r="16874" t="31678"/>
+          <a:srcRect l="16874" t="31678" r="16874" b="31682"/>
           <a:stretch/>
         </p:blipFill>
         <p:spPr>
@@ -11379,18 +11457,19 @@
 </file>
 
 <file path=ppt/slideMasters/slideMaster1.xml><?xml version="1.0" encoding="utf-8"?>
-<p:sldMaster xmlns:a="http://schemas.openxmlformats.org/drawingml/2006/main" xmlns:r="http://schemas.openxmlformats.org/officeDocument/2006/relationships" xmlns:mc="http://schemas.openxmlformats.org/markup-compatibility/2006" xmlns:mv="urn:schemas-microsoft-com:mac:vml" xmlns:p="http://schemas.openxmlformats.org/presentationml/2006/main" xmlns:c="http://schemas.openxmlformats.org/drawingml/2006/chart" xmlns:dgm="http://schemas.openxmlformats.org/drawingml/2006/diagram" xmlns:o="urn:schemas-microsoft-com:office:office" xmlns:v="urn:schemas-microsoft-com:vml" xmlns:pvml="urn:schemas-microsoft-com:office:powerpoint" xmlns:com="http://schemas.openxmlformats.org/drawingml/2006/compatibility" xmlns:p14="http://schemas.microsoft.com/office/powerpoint/2010/main" xmlns:p15="http://schemas.microsoft.com/office/powerpoint/2012/main">
+<p:sldMaster xmlns:a="http://schemas.openxmlformats.org/drawingml/2006/main" xmlns:r="http://schemas.openxmlformats.org/officeDocument/2006/relationships" xmlns:p="http://schemas.openxmlformats.org/presentationml/2006/main">
   <p:cSld name="streamline">
     <p:bg>
       <p:bgPr>
         <a:solidFill>
           <a:schemeClr val="lt1"/>
         </a:solidFill>
+        <a:effectLst/>
       </p:bgPr>
     </p:bg>
     <p:spTree>
       <p:nvGrpSpPr>
-        <p:cNvPr id="5" name="Shape 5"/>
+        <p:cNvPr id="1" name="Shape 5"/>
         <p:cNvGrpSpPr/>
         <p:nvPr/>
       </p:nvGrpSpPr>
@@ -11405,7 +11484,9 @@
       <p:sp>
         <p:nvSpPr>
           <p:cNvPr id="6" name="Google Shape;6;p33"/>
-          <p:cNvSpPr txBox="1"/>
+          <p:cNvSpPr txBox="1">
+            <a:spLocks noGrp="1"/>
+          </p:cNvSpPr>
           <p:nvPr>
             <p:ph type="title"/>
           </p:nvPr>
@@ -11424,11 +11505,11 @@
           </a:ln>
         </p:spPr>
         <p:txBody>
-          <a:bodyPr anchorCtr="0" anchor="t" bIns="91425" lIns="91425" spcFirstLastPara="1" rIns="91425" wrap="square" tIns="91425">
+          <a:bodyPr spcFirstLastPara="1" wrap="square" lIns="91425" tIns="91425" rIns="91425" bIns="91425" anchor="t" anchorCtr="0">
             <a:noAutofit/>
           </a:bodyPr>
           <a:lstStyle>
-            <a:lvl1pPr lvl="0" marR="0" rtl="0" algn="l">
+            <a:lvl1pPr marR="0" lvl="0" algn="l" rtl="0">
               <a:lnSpc>
                 <a:spcPct val="100000"/>
               </a:lnSpc>
@@ -11444,7 +11525,7 @@
               <a:buSzPts val="2800"/>
               <a:buFont typeface="Raleway"/>
               <a:buNone/>
-              <a:defRPr b="1" i="0" sz="2800" u="none" cap="none" strike="noStrike">
+              <a:defRPr sz="2800" b="1" i="0" u="none" strike="noStrike" cap="none">
                 <a:solidFill>
                   <a:srgbClr val="000000"/>
                 </a:solidFill>
@@ -11454,7 +11535,7 @@
                 <a:sym typeface="Raleway"/>
               </a:defRPr>
             </a:lvl1pPr>
-            <a:lvl2pPr lvl="1" marR="0" rtl="0" algn="l">
+            <a:lvl2pPr marR="0" lvl="1" algn="l" rtl="0">
               <a:lnSpc>
                 <a:spcPct val="100000"/>
               </a:lnSpc>
@@ -11470,7 +11551,7 @@
               <a:buSzPts val="2800"/>
               <a:buFont typeface="Raleway"/>
               <a:buNone/>
-              <a:defRPr b="1" i="0" sz="2800" u="none" cap="none" strike="noStrike">
+              <a:defRPr sz="2800" b="1" i="0" u="none" strike="noStrike" cap="none">
                 <a:solidFill>
                   <a:srgbClr val="000000"/>
                 </a:solidFill>
@@ -11480,7 +11561,7 @@
                 <a:sym typeface="Raleway"/>
               </a:defRPr>
             </a:lvl2pPr>
-            <a:lvl3pPr lvl="2" marR="0" rtl="0" algn="l">
+            <a:lvl3pPr marR="0" lvl="2" algn="l" rtl="0">
               <a:lnSpc>
                 <a:spcPct val="100000"/>
               </a:lnSpc>
@@ -11496,7 +11577,7 @@
               <a:buSzPts val="2800"/>
               <a:buFont typeface="Raleway"/>
               <a:buNone/>
-              <a:defRPr b="1" i="0" sz="2800" u="none" cap="none" strike="noStrike">
+              <a:defRPr sz="2800" b="1" i="0" u="none" strike="noStrike" cap="none">
                 <a:solidFill>
                   <a:srgbClr val="000000"/>
                 </a:solidFill>
@@ -11506,7 +11587,7 @@
                 <a:sym typeface="Raleway"/>
               </a:defRPr>
             </a:lvl3pPr>
-            <a:lvl4pPr lvl="3" marR="0" rtl="0" algn="l">
+            <a:lvl4pPr marR="0" lvl="3" algn="l" rtl="0">
               <a:lnSpc>
                 <a:spcPct val="100000"/>
               </a:lnSpc>
@@ -11522,7 +11603,7 @@
               <a:buSzPts val="2800"/>
               <a:buFont typeface="Raleway"/>
               <a:buNone/>
-              <a:defRPr b="1" i="0" sz="2800" u="none" cap="none" strike="noStrike">
+              <a:defRPr sz="2800" b="1" i="0" u="none" strike="noStrike" cap="none">
                 <a:solidFill>
                   <a:srgbClr val="000000"/>
                 </a:solidFill>
@@ -11532,7 +11613,7 @@
                 <a:sym typeface="Raleway"/>
               </a:defRPr>
             </a:lvl4pPr>
-            <a:lvl5pPr lvl="4" marR="0" rtl="0" algn="l">
+            <a:lvl5pPr marR="0" lvl="4" algn="l" rtl="0">
               <a:lnSpc>
                 <a:spcPct val="100000"/>
               </a:lnSpc>
@@ -11548,7 +11629,7 @@
               <a:buSzPts val="2800"/>
               <a:buFont typeface="Raleway"/>
               <a:buNone/>
-              <a:defRPr b="1" i="0" sz="2800" u="none" cap="none" strike="noStrike">
+              <a:defRPr sz="2800" b="1" i="0" u="none" strike="noStrike" cap="none">
                 <a:solidFill>
                   <a:srgbClr val="000000"/>
                 </a:solidFill>
@@ -11558,7 +11639,7 @@
                 <a:sym typeface="Raleway"/>
               </a:defRPr>
             </a:lvl5pPr>
-            <a:lvl6pPr lvl="5" marR="0" rtl="0" algn="l">
+            <a:lvl6pPr marR="0" lvl="5" algn="l" rtl="0">
               <a:lnSpc>
                 <a:spcPct val="100000"/>
               </a:lnSpc>
@@ -11574,7 +11655,7 @@
               <a:buSzPts val="2800"/>
               <a:buFont typeface="Raleway"/>
               <a:buNone/>
-              <a:defRPr b="1" i="0" sz="2800" u="none" cap="none" strike="noStrike">
+              <a:defRPr sz="2800" b="1" i="0" u="none" strike="noStrike" cap="none">
                 <a:solidFill>
                   <a:srgbClr val="000000"/>
                 </a:solidFill>
@@ -11584,7 +11665,7 @@
                 <a:sym typeface="Raleway"/>
               </a:defRPr>
             </a:lvl6pPr>
-            <a:lvl7pPr lvl="6" marR="0" rtl="0" algn="l">
+            <a:lvl7pPr marR="0" lvl="6" algn="l" rtl="0">
               <a:lnSpc>
                 <a:spcPct val="100000"/>
               </a:lnSpc>
@@ -11600,7 +11681,7 @@
               <a:buSzPts val="2800"/>
               <a:buFont typeface="Raleway"/>
               <a:buNone/>
-              <a:defRPr b="1" i="0" sz="2800" u="none" cap="none" strike="noStrike">
+              <a:defRPr sz="2800" b="1" i="0" u="none" strike="noStrike" cap="none">
                 <a:solidFill>
                   <a:srgbClr val="000000"/>
                 </a:solidFill>
@@ -11610,7 +11691,7 @@
                 <a:sym typeface="Raleway"/>
               </a:defRPr>
             </a:lvl7pPr>
-            <a:lvl8pPr lvl="7" marR="0" rtl="0" algn="l">
+            <a:lvl8pPr marR="0" lvl="7" algn="l" rtl="0">
               <a:lnSpc>
                 <a:spcPct val="100000"/>
               </a:lnSpc>
@@ -11626,7 +11707,7 @@
               <a:buSzPts val="2800"/>
               <a:buFont typeface="Raleway"/>
               <a:buNone/>
-              <a:defRPr b="1" i="0" sz="2800" u="none" cap="none" strike="noStrike">
+              <a:defRPr sz="2800" b="1" i="0" u="none" strike="noStrike" cap="none">
                 <a:solidFill>
                   <a:srgbClr val="000000"/>
                 </a:solidFill>
@@ -11636,7 +11717,7 @@
                 <a:sym typeface="Raleway"/>
               </a:defRPr>
             </a:lvl8pPr>
-            <a:lvl9pPr lvl="8" marR="0" rtl="0" algn="l">
+            <a:lvl9pPr marR="0" lvl="8" algn="l" rtl="0">
               <a:lnSpc>
                 <a:spcPct val="100000"/>
               </a:lnSpc>
@@ -11652,7 +11733,7 @@
               <a:buSzPts val="2800"/>
               <a:buFont typeface="Raleway"/>
               <a:buNone/>
-              <a:defRPr b="1" i="0" sz="2800" u="none" cap="none" strike="noStrike">
+              <a:defRPr sz="2800" b="1" i="0" u="none" strike="noStrike" cap="none">
                 <a:solidFill>
                   <a:srgbClr val="000000"/>
                 </a:solidFill>
@@ -11663,15 +11744,19 @@
               </a:defRPr>
             </a:lvl9pPr>
           </a:lstStyle>
-          <a:p/>
+          <a:p>
+            <a:endParaRPr/>
+          </a:p>
         </p:txBody>
       </p:sp>
       <p:sp>
         <p:nvSpPr>
           <p:cNvPr id="7" name="Google Shape;7;p33"/>
-          <p:cNvSpPr txBox="1"/>
+          <p:cNvSpPr txBox="1">
+            <a:spLocks noGrp="1"/>
+          </p:cNvSpPr>
           <p:nvPr>
-            <p:ph idx="1" type="body"/>
+            <p:ph type="body" idx="1"/>
           </p:nvPr>
         </p:nvSpPr>
         <p:spPr>
@@ -11688,11 +11773,11 @@
           </a:ln>
         </p:spPr>
         <p:txBody>
-          <a:bodyPr anchorCtr="0" anchor="t" bIns="91425" lIns="91425" spcFirstLastPara="1" rIns="91425" wrap="square" tIns="91425">
+          <a:bodyPr spcFirstLastPara="1" wrap="square" lIns="91425" tIns="91425" rIns="91425" bIns="91425" anchor="t" anchorCtr="0">
             <a:noAutofit/>
           </a:bodyPr>
           <a:lstStyle>
-            <a:lvl1pPr indent="-311150" lvl="0" marL="457200" marR="0" rtl="0" algn="l">
+            <a:lvl1pPr marL="457200" marR="0" lvl="0" indent="-311150" algn="l" rtl="0">
               <a:lnSpc>
                 <a:spcPct val="115000"/>
               </a:lnSpc>
@@ -11708,7 +11793,7 @@
               <a:buSzPts val="1300"/>
               <a:buFont typeface="Lato"/>
               <a:buChar char="●"/>
-              <a:defRPr b="0" i="0" sz="1300" u="none" cap="none" strike="noStrike">
+              <a:defRPr sz="1300" b="0" i="0" u="none" strike="noStrike" cap="none">
                 <a:solidFill>
                   <a:schemeClr val="accent1"/>
                 </a:solidFill>
@@ -11718,7 +11803,7 @@
                 <a:sym typeface="Lato"/>
               </a:defRPr>
             </a:lvl1pPr>
-            <a:lvl2pPr indent="-298450" lvl="1" marL="914400" marR="0" rtl="0" algn="l">
+            <a:lvl2pPr marL="914400" marR="0" lvl="1" indent="-298450" algn="l" rtl="0">
               <a:lnSpc>
                 <a:spcPct val="115000"/>
               </a:lnSpc>
@@ -11734,7 +11819,7 @@
               <a:buSzPts val="1100"/>
               <a:buFont typeface="Lato"/>
               <a:buChar char="○"/>
-              <a:defRPr b="0" i="0" sz="1100" u="none" cap="none" strike="noStrike">
+              <a:defRPr sz="1100" b="0" i="0" u="none" strike="noStrike" cap="none">
                 <a:solidFill>
                   <a:schemeClr val="accent1"/>
                 </a:solidFill>
@@ -11744,7 +11829,7 @@
                 <a:sym typeface="Lato"/>
               </a:defRPr>
             </a:lvl2pPr>
-            <a:lvl3pPr indent="-298450" lvl="2" marL="1371600" marR="0" rtl="0" algn="l">
+            <a:lvl3pPr marL="1371600" marR="0" lvl="2" indent="-298450" algn="l" rtl="0">
               <a:lnSpc>
                 <a:spcPct val="115000"/>
               </a:lnSpc>
@@ -11760,7 +11845,7 @@
               <a:buSzPts val="1100"/>
               <a:buFont typeface="Lato"/>
               <a:buChar char="■"/>
-              <a:defRPr b="0" i="0" sz="1100" u="none" cap="none" strike="noStrike">
+              <a:defRPr sz="1100" b="0" i="0" u="none" strike="noStrike" cap="none">
                 <a:solidFill>
                   <a:schemeClr val="accent1"/>
                 </a:solidFill>
@@ -11770,7 +11855,7 @@
                 <a:sym typeface="Lato"/>
               </a:defRPr>
             </a:lvl3pPr>
-            <a:lvl4pPr indent="-298450" lvl="3" marL="1828800" marR="0" rtl="0" algn="l">
+            <a:lvl4pPr marL="1828800" marR="0" lvl="3" indent="-298450" algn="l" rtl="0">
               <a:lnSpc>
                 <a:spcPct val="115000"/>
               </a:lnSpc>
@@ -11786,7 +11871,7 @@
               <a:buSzPts val="1100"/>
               <a:buFont typeface="Lato"/>
               <a:buChar char="●"/>
-              <a:defRPr b="0" i="0" sz="1100" u="none" cap="none" strike="noStrike">
+              <a:defRPr sz="1100" b="0" i="0" u="none" strike="noStrike" cap="none">
                 <a:solidFill>
                   <a:schemeClr val="accent1"/>
                 </a:solidFill>
@@ -11796,7 +11881,7 @@
                 <a:sym typeface="Lato"/>
               </a:defRPr>
             </a:lvl4pPr>
-            <a:lvl5pPr indent="-298450" lvl="4" marL="2286000" marR="0" rtl="0" algn="l">
+            <a:lvl5pPr marL="2286000" marR="0" lvl="4" indent="-298450" algn="l" rtl="0">
               <a:lnSpc>
                 <a:spcPct val="115000"/>
               </a:lnSpc>
@@ -11812,7 +11897,7 @@
               <a:buSzPts val="1100"/>
               <a:buFont typeface="Lato"/>
               <a:buChar char="○"/>
-              <a:defRPr b="0" i="0" sz="1100" u="none" cap="none" strike="noStrike">
+              <a:defRPr sz="1100" b="0" i="0" u="none" strike="noStrike" cap="none">
                 <a:solidFill>
                   <a:schemeClr val="accent1"/>
                 </a:solidFill>
@@ -11822,7 +11907,7 @@
                 <a:sym typeface="Lato"/>
               </a:defRPr>
             </a:lvl5pPr>
-            <a:lvl6pPr indent="-298450" lvl="5" marL="2743200" marR="0" rtl="0" algn="l">
+            <a:lvl6pPr marL="2743200" marR="0" lvl="5" indent="-298450" algn="l" rtl="0">
               <a:lnSpc>
                 <a:spcPct val="115000"/>
               </a:lnSpc>
@@ -11838,7 +11923,7 @@
               <a:buSzPts val="1100"/>
               <a:buFont typeface="Lato"/>
               <a:buChar char="■"/>
-              <a:defRPr b="0" i="0" sz="1100" u="none" cap="none" strike="noStrike">
+              <a:defRPr sz="1100" b="0" i="0" u="none" strike="noStrike" cap="none">
                 <a:solidFill>
                   <a:schemeClr val="accent1"/>
                 </a:solidFill>
@@ -11848,7 +11933,7 @@
                 <a:sym typeface="Lato"/>
               </a:defRPr>
             </a:lvl6pPr>
-            <a:lvl7pPr indent="-298450" lvl="6" marL="3200400" marR="0" rtl="0" algn="l">
+            <a:lvl7pPr marL="3200400" marR="0" lvl="6" indent="-298450" algn="l" rtl="0">
               <a:lnSpc>
                 <a:spcPct val="115000"/>
               </a:lnSpc>
@@ -11864,7 +11949,7 @@
               <a:buSzPts val="1100"/>
               <a:buFont typeface="Lato"/>
               <a:buChar char="●"/>
-              <a:defRPr b="0" i="0" sz="1100" u="none" cap="none" strike="noStrike">
+              <a:defRPr sz="1100" b="0" i="0" u="none" strike="noStrike" cap="none">
                 <a:solidFill>
                   <a:schemeClr val="accent1"/>
                 </a:solidFill>
@@ -11874,7 +11959,7 @@
                 <a:sym typeface="Lato"/>
               </a:defRPr>
             </a:lvl7pPr>
-            <a:lvl8pPr indent="-298450" lvl="7" marL="3657600" marR="0" rtl="0" algn="l">
+            <a:lvl8pPr marL="3657600" marR="0" lvl="7" indent="-298450" algn="l" rtl="0">
               <a:lnSpc>
                 <a:spcPct val="115000"/>
               </a:lnSpc>
@@ -11890,7 +11975,7 @@
               <a:buSzPts val="1100"/>
               <a:buFont typeface="Lato"/>
               <a:buChar char="○"/>
-              <a:defRPr b="0" i="0" sz="1100" u="none" cap="none" strike="noStrike">
+              <a:defRPr sz="1100" b="0" i="0" u="none" strike="noStrike" cap="none">
                 <a:solidFill>
                   <a:schemeClr val="accent1"/>
                 </a:solidFill>
@@ -11900,7 +11985,7 @@
                 <a:sym typeface="Lato"/>
               </a:defRPr>
             </a:lvl8pPr>
-            <a:lvl9pPr indent="-298450" lvl="8" marL="4114800" marR="0" rtl="0" algn="l">
+            <a:lvl9pPr marL="4114800" marR="0" lvl="8" indent="-298450" algn="l" rtl="0">
               <a:lnSpc>
                 <a:spcPct val="115000"/>
               </a:lnSpc>
@@ -11916,7 +12001,7 @@
               <a:buSzPts val="1100"/>
               <a:buFont typeface="Lato"/>
               <a:buChar char="■"/>
-              <a:defRPr b="0" i="0" sz="1100" u="none" cap="none" strike="noStrike">
+              <a:defRPr sz="1100" b="0" i="0" u="none" strike="noStrike" cap="none">
                 <a:solidFill>
                   <a:schemeClr val="accent1"/>
                 </a:solidFill>
@@ -11927,15 +12012,19 @@
               </a:defRPr>
             </a:lvl9pPr>
           </a:lstStyle>
-          <a:p/>
+          <a:p>
+            <a:endParaRPr/>
+          </a:p>
         </p:txBody>
       </p:sp>
       <p:sp>
         <p:nvSpPr>
           <p:cNvPr id="8" name="Google Shape;8;p33"/>
-          <p:cNvSpPr txBox="1"/>
+          <p:cNvSpPr txBox="1">
+            <a:spLocks noGrp="1"/>
+          </p:cNvSpPr>
           <p:nvPr>
-            <p:ph idx="12" type="sldNum"/>
+            <p:ph type="sldNum" idx="12"/>
           </p:nvPr>
         </p:nvSpPr>
         <p:spPr>
@@ -11952,11 +12041,11 @@
           </a:ln>
         </p:spPr>
         <p:txBody>
-          <a:bodyPr anchorCtr="0" anchor="ctr" bIns="91425" lIns="91425" spcFirstLastPara="1" rIns="91425" wrap="square" tIns="91425">
+          <a:bodyPr spcFirstLastPara="1" wrap="square" lIns="91425" tIns="91425" rIns="91425" bIns="91425" anchor="ctr" anchorCtr="0">
             <a:noAutofit/>
           </a:bodyPr>
           <a:lstStyle>
-            <a:lvl1pPr indent="0" lvl="0" marL="0" marR="0" rtl="0" algn="r">
+            <a:lvl1pPr marL="0" marR="0" lvl="0" indent="0" algn="r" rtl="0">
               <a:lnSpc>
                 <a:spcPct val="100000"/>
               </a:lnSpc>
@@ -11972,7 +12061,7 @@
               <a:buSzPts val="1000"/>
               <a:buFont typeface="Arial"/>
               <a:buNone/>
-              <a:defRPr b="0" i="0" sz="1000" u="none" cap="none" strike="noStrike">
+              <a:defRPr sz="1000" b="0" i="0" u="none" strike="noStrike" cap="none">
                 <a:solidFill>
                   <a:schemeClr val="accent1"/>
                 </a:solidFill>
@@ -11982,7 +12071,7 @@
                 <a:sym typeface="Lato"/>
               </a:defRPr>
             </a:lvl1pPr>
-            <a:lvl2pPr indent="0" lvl="1" marL="0" marR="0" rtl="0" algn="r">
+            <a:lvl2pPr marL="0" marR="0" lvl="1" indent="0" algn="r" rtl="0">
               <a:lnSpc>
                 <a:spcPct val="100000"/>
               </a:lnSpc>
@@ -11998,7 +12087,7 @@
               <a:buSzPts val="1000"/>
               <a:buFont typeface="Arial"/>
               <a:buNone/>
-              <a:defRPr b="0" i="0" sz="1000" u="none" cap="none" strike="noStrike">
+              <a:defRPr sz="1000" b="0" i="0" u="none" strike="noStrike" cap="none">
                 <a:solidFill>
                   <a:schemeClr val="accent1"/>
                 </a:solidFill>
@@ -12008,7 +12097,7 @@
                 <a:sym typeface="Lato"/>
               </a:defRPr>
             </a:lvl2pPr>
-            <a:lvl3pPr indent="0" lvl="2" marL="0" marR="0" rtl="0" algn="r">
+            <a:lvl3pPr marL="0" marR="0" lvl="2" indent="0" algn="r" rtl="0">
               <a:lnSpc>
                 <a:spcPct val="100000"/>
               </a:lnSpc>
@@ -12024,7 +12113,7 @@
               <a:buSzPts val="1000"/>
               <a:buFont typeface="Arial"/>
               <a:buNone/>
-              <a:defRPr b="0" i="0" sz="1000" u="none" cap="none" strike="noStrike">
+              <a:defRPr sz="1000" b="0" i="0" u="none" strike="noStrike" cap="none">
                 <a:solidFill>
                   <a:schemeClr val="accent1"/>
                 </a:solidFill>
@@ -12034,7 +12123,7 @@
                 <a:sym typeface="Lato"/>
               </a:defRPr>
             </a:lvl3pPr>
-            <a:lvl4pPr indent="0" lvl="3" marL="0" marR="0" rtl="0" algn="r">
+            <a:lvl4pPr marL="0" marR="0" lvl="3" indent="0" algn="r" rtl="0">
               <a:lnSpc>
                 <a:spcPct val="100000"/>
               </a:lnSpc>
@@ -12050,7 +12139,7 @@
               <a:buSzPts val="1000"/>
               <a:buFont typeface="Arial"/>
               <a:buNone/>
-              <a:defRPr b="0" i="0" sz="1000" u="none" cap="none" strike="noStrike">
+              <a:defRPr sz="1000" b="0" i="0" u="none" strike="noStrike" cap="none">
                 <a:solidFill>
                   <a:schemeClr val="accent1"/>
                 </a:solidFill>
@@ -12060,7 +12149,7 @@
                 <a:sym typeface="Lato"/>
               </a:defRPr>
             </a:lvl4pPr>
-            <a:lvl5pPr indent="0" lvl="4" marL="0" marR="0" rtl="0" algn="r">
+            <a:lvl5pPr marL="0" marR="0" lvl="4" indent="0" algn="r" rtl="0">
               <a:lnSpc>
                 <a:spcPct val="100000"/>
               </a:lnSpc>
@@ -12076,7 +12165,7 @@
               <a:buSzPts val="1000"/>
               <a:buFont typeface="Arial"/>
               <a:buNone/>
-              <a:defRPr b="0" i="0" sz="1000" u="none" cap="none" strike="noStrike">
+              <a:defRPr sz="1000" b="0" i="0" u="none" strike="noStrike" cap="none">
                 <a:solidFill>
                   <a:schemeClr val="accent1"/>
                 </a:solidFill>
@@ -12086,7 +12175,7 @@
                 <a:sym typeface="Lato"/>
               </a:defRPr>
             </a:lvl5pPr>
-            <a:lvl6pPr indent="0" lvl="5" marL="0" marR="0" rtl="0" algn="r">
+            <a:lvl6pPr marL="0" marR="0" lvl="5" indent="0" algn="r" rtl="0">
               <a:lnSpc>
                 <a:spcPct val="100000"/>
               </a:lnSpc>
@@ -12102,7 +12191,7 @@
               <a:buSzPts val="1000"/>
               <a:buFont typeface="Arial"/>
               <a:buNone/>
-              <a:defRPr b="0" i="0" sz="1000" u="none" cap="none" strike="noStrike">
+              <a:defRPr sz="1000" b="0" i="0" u="none" strike="noStrike" cap="none">
                 <a:solidFill>
                   <a:schemeClr val="accent1"/>
                 </a:solidFill>
@@ -12112,7 +12201,7 @@
                 <a:sym typeface="Lato"/>
               </a:defRPr>
             </a:lvl6pPr>
-            <a:lvl7pPr indent="0" lvl="6" marL="0" marR="0" rtl="0" algn="r">
+            <a:lvl7pPr marL="0" marR="0" lvl="6" indent="0" algn="r" rtl="0">
               <a:lnSpc>
                 <a:spcPct val="100000"/>
               </a:lnSpc>
@@ -12128,7 +12217,7 @@
               <a:buSzPts val="1000"/>
               <a:buFont typeface="Arial"/>
               <a:buNone/>
-              <a:defRPr b="0" i="0" sz="1000" u="none" cap="none" strike="noStrike">
+              <a:defRPr sz="1000" b="0" i="0" u="none" strike="noStrike" cap="none">
                 <a:solidFill>
                   <a:schemeClr val="accent1"/>
                 </a:solidFill>
@@ -12138,7 +12227,7 @@
                 <a:sym typeface="Lato"/>
               </a:defRPr>
             </a:lvl7pPr>
-            <a:lvl8pPr indent="0" lvl="7" marL="0" marR="0" rtl="0" algn="r">
+            <a:lvl8pPr marL="0" marR="0" lvl="7" indent="0" algn="r" rtl="0">
               <a:lnSpc>
                 <a:spcPct val="100000"/>
               </a:lnSpc>
@@ -12154,7 +12243,7 @@
               <a:buSzPts val="1000"/>
               <a:buFont typeface="Arial"/>
               <a:buNone/>
-              <a:defRPr b="0" i="0" sz="1000" u="none" cap="none" strike="noStrike">
+              <a:defRPr sz="1000" b="0" i="0" u="none" strike="noStrike" cap="none">
                 <a:solidFill>
                   <a:schemeClr val="accent1"/>
                 </a:solidFill>
@@ -12164,7 +12253,7 @@
                 <a:sym typeface="Lato"/>
               </a:defRPr>
             </a:lvl8pPr>
-            <a:lvl9pPr indent="0" lvl="8" marL="0" marR="0" rtl="0" algn="r">
+            <a:lvl9pPr marL="0" marR="0" lvl="8" indent="0" algn="r" rtl="0">
               <a:lnSpc>
                 <a:spcPct val="100000"/>
               </a:lnSpc>
@@ -12180,7 +12269,7 @@
               <a:buSzPts val="1000"/>
               <a:buFont typeface="Arial"/>
               <a:buNone/>
-              <a:defRPr b="0" i="0" sz="1000" u="none" cap="none" strike="noStrike">
+              <a:defRPr sz="1000" b="0" i="0" u="none" strike="noStrike" cap="none">
                 <a:solidFill>
                   <a:schemeClr val="accent1"/>
                 </a:solidFill>
@@ -12192,7 +12281,7 @@
             </a:lvl9pPr>
           </a:lstStyle>
           <a:p>
-            <a:pPr indent="0" lvl="0" marL="0" rtl="0" algn="r">
+            <a:pPr marL="0" lvl="0" indent="0" algn="r" rtl="0">
               <a:spcBef>
                 <a:spcPts val="0"/>
               </a:spcBef>
@@ -12211,7 +12300,7 @@
       </p:sp>
     </p:spTree>
   </p:cSld>
-  <p:clrMap accent1="accent1" accent2="accent2" accent3="accent3" accent4="accent4" accent5="accent5" accent6="accent6" bg1="lt1" bg2="dk2" tx1="dk1" tx2="lt2" folHlink="folHlink" hlink="hlink"/>
+  <p:clrMap bg1="lt1" tx1="dk1" bg2="dk2" tx2="lt2" accent1="accent1" accent2="accent2" accent3="accent3" accent4="accent4" accent5="accent5" accent6="accent6" hlink="hlink" folHlink="folHlink"/>
   <p:sldLayoutIdLst>
     <p:sldLayoutId id="2147483649" r:id="rId1"/>
     <p:sldLayoutId id="2147483650" r:id="rId2"/>
@@ -12226,10 +12315,10 @@
     <p:sldLayoutId id="2147483659" r:id="rId11"/>
     <p:sldLayoutId id="2147483660" r:id="rId12"/>
   </p:sldLayoutIdLst>
-  <p:hf dt="0" ftr="0" hdr="0" sldNum="0"/>
+  <p:hf sldNum="0" hdr="0" ftr="0" dt="0"/>
   <p:txStyles>
     <p:titleStyle>
-      <a:defPPr lvl="0" marR="0" rtl="0" algn="l">
+      <a:defPPr marR="0" lvl="0" algn="l" rtl="0">
         <a:lnSpc>
           <a:spcPct val="100000"/>
         </a:lnSpc>
@@ -12240,7 +12329,7 @@
           <a:spcPts val="0"/>
         </a:spcAft>
       </a:defPPr>
-      <a:lvl1pPr lvl="0" marR="0" rtl="0" algn="l">
+      <a:lvl1pPr marR="0" lvl="0" algn="l" rtl="0">
         <a:lnSpc>
           <a:spcPct val="100000"/>
         </a:lnSpc>
@@ -12254,7 +12343,7 @@
           <a:srgbClr val="000000"/>
         </a:buClr>
         <a:buFont typeface="Arial"/>
-        <a:defRPr b="0" i="0" sz="1400" u="none" cap="none" strike="noStrike">
+        <a:defRPr sz="1400" b="0" i="0" u="none" strike="noStrike" cap="none">
           <a:solidFill>
             <a:srgbClr val="000000"/>
           </a:solidFill>
@@ -12264,7 +12353,7 @@
           <a:sym typeface="Arial"/>
         </a:defRPr>
       </a:lvl1pPr>
-      <a:lvl2pPr lvl="1" marR="0" rtl="0" algn="l">
+      <a:lvl2pPr marR="0" lvl="1" algn="l" rtl="0">
         <a:lnSpc>
           <a:spcPct val="100000"/>
         </a:lnSpc>
@@ -12278,7 +12367,7 @@
           <a:srgbClr val="000000"/>
         </a:buClr>
         <a:buFont typeface="Arial"/>
-        <a:defRPr b="0" i="0" sz="1400" u="none" cap="none" strike="noStrike">
+        <a:defRPr sz="1400" b="0" i="0" u="none" strike="noStrike" cap="none">
           <a:solidFill>
             <a:srgbClr val="000000"/>
           </a:solidFill>
@@ -12288,7 +12377,7 @@
           <a:sym typeface="Arial"/>
         </a:defRPr>
       </a:lvl2pPr>
-      <a:lvl3pPr lvl="2" marR="0" rtl="0" algn="l">
+      <a:lvl3pPr marR="0" lvl="2" algn="l" rtl="0">
         <a:lnSpc>
           <a:spcPct val="100000"/>
         </a:lnSpc>
@@ -12302,7 +12391,7 @@
           <a:srgbClr val="000000"/>
         </a:buClr>
         <a:buFont typeface="Arial"/>
-        <a:defRPr b="0" i="0" sz="1400" u="none" cap="none" strike="noStrike">
+        <a:defRPr sz="1400" b="0" i="0" u="none" strike="noStrike" cap="none">
           <a:solidFill>
             <a:srgbClr val="000000"/>
           </a:solidFill>
@@ -12312,7 +12401,7 @@
           <a:sym typeface="Arial"/>
         </a:defRPr>
       </a:lvl3pPr>
-      <a:lvl4pPr lvl="3" marR="0" rtl="0" algn="l">
+      <a:lvl4pPr marR="0" lvl="3" algn="l" rtl="0">
         <a:lnSpc>
           <a:spcPct val="100000"/>
         </a:lnSpc>
@@ -12326,7 +12415,7 @@
           <a:srgbClr val="000000"/>
         </a:buClr>
         <a:buFont typeface="Arial"/>
-        <a:defRPr b="0" i="0" sz="1400" u="none" cap="none" strike="noStrike">
+        <a:defRPr sz="1400" b="0" i="0" u="none" strike="noStrike" cap="none">
           <a:solidFill>
             <a:srgbClr val="000000"/>
           </a:solidFill>
@@ -12336,7 +12425,7 @@
           <a:sym typeface="Arial"/>
         </a:defRPr>
       </a:lvl4pPr>
-      <a:lvl5pPr lvl="4" marR="0" rtl="0" algn="l">
+      <a:lvl5pPr marR="0" lvl="4" algn="l" rtl="0">
         <a:lnSpc>
           <a:spcPct val="100000"/>
         </a:lnSpc>
@@ -12350,7 +12439,7 @@
           <a:srgbClr val="000000"/>
         </a:buClr>
         <a:buFont typeface="Arial"/>
-        <a:defRPr b="0" i="0" sz="1400" u="none" cap="none" strike="noStrike">
+        <a:defRPr sz="1400" b="0" i="0" u="none" strike="noStrike" cap="none">
           <a:solidFill>
             <a:srgbClr val="000000"/>
           </a:solidFill>
@@ -12360,7 +12449,7 @@
           <a:sym typeface="Arial"/>
         </a:defRPr>
       </a:lvl5pPr>
-      <a:lvl6pPr lvl="5" marR="0" rtl="0" algn="l">
+      <a:lvl6pPr marR="0" lvl="5" algn="l" rtl="0">
         <a:lnSpc>
           <a:spcPct val="100000"/>
         </a:lnSpc>
@@ -12374,7 +12463,7 @@
           <a:srgbClr val="000000"/>
         </a:buClr>
         <a:buFont typeface="Arial"/>
-        <a:defRPr b="0" i="0" sz="1400" u="none" cap="none" strike="noStrike">
+        <a:defRPr sz="1400" b="0" i="0" u="none" strike="noStrike" cap="none">
           <a:solidFill>
             <a:srgbClr val="000000"/>
           </a:solidFill>
@@ -12384,7 +12473,7 @@
           <a:sym typeface="Arial"/>
         </a:defRPr>
       </a:lvl6pPr>
-      <a:lvl7pPr lvl="6" marR="0" rtl="0" algn="l">
+      <a:lvl7pPr marR="0" lvl="6" algn="l" rtl="0">
         <a:lnSpc>
           <a:spcPct val="100000"/>
         </a:lnSpc>
@@ -12398,7 +12487,7 @@
           <a:srgbClr val="000000"/>
         </a:buClr>
         <a:buFont typeface="Arial"/>
-        <a:defRPr b="0" i="0" sz="1400" u="none" cap="none" strike="noStrike">
+        <a:defRPr sz="1400" b="0" i="0" u="none" strike="noStrike" cap="none">
           <a:solidFill>
             <a:srgbClr val="000000"/>
           </a:solidFill>
@@ -12408,7 +12497,7 @@
           <a:sym typeface="Arial"/>
         </a:defRPr>
       </a:lvl7pPr>
-      <a:lvl8pPr lvl="7" marR="0" rtl="0" algn="l">
+      <a:lvl8pPr marR="0" lvl="7" algn="l" rtl="0">
         <a:lnSpc>
           <a:spcPct val="100000"/>
         </a:lnSpc>
@@ -12422,7 +12511,7 @@
           <a:srgbClr val="000000"/>
         </a:buClr>
         <a:buFont typeface="Arial"/>
-        <a:defRPr b="0" i="0" sz="1400" u="none" cap="none" strike="noStrike">
+        <a:defRPr sz="1400" b="0" i="0" u="none" strike="noStrike" cap="none">
           <a:solidFill>
             <a:srgbClr val="000000"/>
           </a:solidFill>
@@ -12432,7 +12521,7 @@
           <a:sym typeface="Arial"/>
         </a:defRPr>
       </a:lvl8pPr>
-      <a:lvl9pPr lvl="8" marR="0" rtl="0" algn="l">
+      <a:lvl9pPr marR="0" lvl="8" algn="l" rtl="0">
         <a:lnSpc>
           <a:spcPct val="100000"/>
         </a:lnSpc>
@@ -12446,7 +12535,7 @@
           <a:srgbClr val="000000"/>
         </a:buClr>
         <a:buFont typeface="Arial"/>
-        <a:defRPr b="0" i="0" sz="1400" u="none" cap="none" strike="noStrike">
+        <a:defRPr sz="1400" b="0" i="0" u="none" strike="noStrike" cap="none">
           <a:solidFill>
             <a:srgbClr val="000000"/>
           </a:solidFill>
@@ -12458,7 +12547,7 @@
       </a:lvl9pPr>
     </p:titleStyle>
     <p:bodyStyle>
-      <a:defPPr lvl="0" marR="0" rtl="0" algn="l">
+      <a:defPPr marR="0" lvl="0" algn="l" rtl="0">
         <a:lnSpc>
           <a:spcPct val="100000"/>
         </a:lnSpc>
@@ -12469,7 +12558,7 @@
           <a:spcPts val="0"/>
         </a:spcAft>
       </a:defPPr>
-      <a:lvl1pPr lvl="0" marR="0" rtl="0" algn="l">
+      <a:lvl1pPr marR="0" lvl="0" algn="l" rtl="0">
         <a:lnSpc>
           <a:spcPct val="100000"/>
         </a:lnSpc>
@@ -12483,7 +12572,7 @@
           <a:srgbClr val="000000"/>
         </a:buClr>
         <a:buFont typeface="Arial"/>
-        <a:defRPr b="0" i="0" sz="1400" u="none" cap="none" strike="noStrike">
+        <a:defRPr sz="1400" b="0" i="0" u="none" strike="noStrike" cap="none">
           <a:solidFill>
             <a:srgbClr val="000000"/>
           </a:solidFill>
@@ -12493,7 +12582,7 @@
           <a:sym typeface="Arial"/>
         </a:defRPr>
       </a:lvl1pPr>
-      <a:lvl2pPr lvl="1" marR="0" rtl="0" algn="l">
+      <a:lvl2pPr marR="0" lvl="1" algn="l" rtl="0">
         <a:lnSpc>
           <a:spcPct val="100000"/>
         </a:lnSpc>
@@ -12507,7 +12596,7 @@
           <a:srgbClr val="000000"/>
         </a:buClr>
         <a:buFont typeface="Arial"/>
-        <a:defRPr b="0" i="0" sz="1400" u="none" cap="none" strike="noStrike">
+        <a:defRPr sz="1400" b="0" i="0" u="none" strike="noStrike" cap="none">
           <a:solidFill>
             <a:srgbClr val="000000"/>
           </a:solidFill>
@@ -12517,7 +12606,7 @@
           <a:sym typeface="Arial"/>
         </a:defRPr>
       </a:lvl2pPr>
-      <a:lvl3pPr lvl="2" marR="0" rtl="0" algn="l">
+      <a:lvl3pPr marR="0" lvl="2" algn="l" rtl="0">
         <a:lnSpc>
           <a:spcPct val="100000"/>
         </a:lnSpc>
@@ -12531,7 +12620,7 @@
           <a:srgbClr val="000000"/>
         </a:buClr>
         <a:buFont typeface="Arial"/>
-        <a:defRPr b="0" i="0" sz="1400" u="none" cap="none" strike="noStrike">
+        <a:defRPr sz="1400" b="0" i="0" u="none" strike="noStrike" cap="none">
           <a:solidFill>
             <a:srgbClr val="000000"/>
           </a:solidFill>
@@ -12541,7 +12630,7 @@
           <a:sym typeface="Arial"/>
         </a:defRPr>
       </a:lvl3pPr>
-      <a:lvl4pPr lvl="3" marR="0" rtl="0" algn="l">
+      <a:lvl4pPr marR="0" lvl="3" algn="l" rtl="0">
         <a:lnSpc>
           <a:spcPct val="100000"/>
         </a:lnSpc>
@@ -12555,7 +12644,7 @@
           <a:srgbClr val="000000"/>
         </a:buClr>
         <a:buFont typeface="Arial"/>
-        <a:defRPr b="0" i="0" sz="1400" u="none" cap="none" strike="noStrike">
+        <a:defRPr sz="1400" b="0" i="0" u="none" strike="noStrike" cap="none">
           <a:solidFill>
             <a:srgbClr val="000000"/>
           </a:solidFill>
@@ -12565,7 +12654,7 @@
           <a:sym typeface="Arial"/>
         </a:defRPr>
       </a:lvl4pPr>
-      <a:lvl5pPr lvl="4" marR="0" rtl="0" algn="l">
+      <a:lvl5pPr marR="0" lvl="4" algn="l" rtl="0">
         <a:lnSpc>
           <a:spcPct val="100000"/>
         </a:lnSpc>
@@ -12579,7 +12668,7 @@
           <a:srgbClr val="000000"/>
         </a:buClr>
         <a:buFont typeface="Arial"/>
-        <a:defRPr b="0" i="0" sz="1400" u="none" cap="none" strike="noStrike">
+        <a:defRPr sz="1400" b="0" i="0" u="none" strike="noStrike" cap="none">
           <a:solidFill>
             <a:srgbClr val="000000"/>
           </a:solidFill>
@@ -12589,7 +12678,7 @@
           <a:sym typeface="Arial"/>
         </a:defRPr>
       </a:lvl5pPr>
-      <a:lvl6pPr lvl="5" marR="0" rtl="0" algn="l">
+      <a:lvl6pPr marR="0" lvl="5" algn="l" rtl="0">
         <a:lnSpc>
           <a:spcPct val="100000"/>
         </a:lnSpc>
@@ -12603,7 +12692,7 @@
           <a:srgbClr val="000000"/>
         </a:buClr>
         <a:buFont typeface="Arial"/>
-        <a:defRPr b="0" i="0" sz="1400" u="none" cap="none" strike="noStrike">
+        <a:defRPr sz="1400" b="0" i="0" u="none" strike="noStrike" cap="none">
           <a:solidFill>
             <a:srgbClr val="000000"/>
           </a:solidFill>
@@ -12613,7 +12702,7 @@
           <a:sym typeface="Arial"/>
         </a:defRPr>
       </a:lvl6pPr>
-      <a:lvl7pPr lvl="6" marR="0" rtl="0" algn="l">
+      <a:lvl7pPr marR="0" lvl="6" algn="l" rtl="0">
         <a:lnSpc>
           <a:spcPct val="100000"/>
         </a:lnSpc>
@@ -12627,7 +12716,7 @@
           <a:srgbClr val="000000"/>
         </a:buClr>
         <a:buFont typeface="Arial"/>
-        <a:defRPr b="0" i="0" sz="1400" u="none" cap="none" strike="noStrike">
+        <a:defRPr sz="1400" b="0" i="0" u="none" strike="noStrike" cap="none">
           <a:solidFill>
             <a:srgbClr val="000000"/>
           </a:solidFill>
@@ -12637,7 +12726,7 @@
           <a:sym typeface="Arial"/>
         </a:defRPr>
       </a:lvl7pPr>
-      <a:lvl8pPr lvl="7" marR="0" rtl="0" algn="l">
+      <a:lvl8pPr marR="0" lvl="7" algn="l" rtl="0">
         <a:lnSpc>
           <a:spcPct val="100000"/>
         </a:lnSpc>
@@ -12651,7 +12740,7 @@
           <a:srgbClr val="000000"/>
         </a:buClr>
         <a:buFont typeface="Arial"/>
-        <a:defRPr b="0" i="0" sz="1400" u="none" cap="none" strike="noStrike">
+        <a:defRPr sz="1400" b="0" i="0" u="none" strike="noStrike" cap="none">
           <a:solidFill>
             <a:srgbClr val="000000"/>
           </a:solidFill>
@@ -12661,7 +12750,7 @@
           <a:sym typeface="Arial"/>
         </a:defRPr>
       </a:lvl8pPr>
-      <a:lvl9pPr lvl="8" marR="0" rtl="0" algn="l">
+      <a:lvl9pPr marR="0" lvl="8" algn="l" rtl="0">
         <a:lnSpc>
           <a:spcPct val="100000"/>
         </a:lnSpc>
@@ -12675,7 +12764,7 @@
           <a:srgbClr val="000000"/>
         </a:buClr>
         <a:buFont typeface="Arial"/>
-        <a:defRPr b="0" i="0" sz="1400" u="none" cap="none" strike="noStrike">
+        <a:defRPr sz="1400" b="0" i="0" u="none" strike="noStrike" cap="none">
           <a:solidFill>
             <a:srgbClr val="000000"/>
           </a:solidFill>
@@ -12687,7 +12776,7 @@
       </a:lvl9pPr>
     </p:bodyStyle>
     <p:otherStyle>
-      <a:defPPr lvl="0" marR="0" rtl="0" algn="l">
+      <a:defPPr marR="0" lvl="0" algn="l" rtl="0">
         <a:lnSpc>
           <a:spcPct val="100000"/>
         </a:lnSpc>
@@ -12698,7 +12787,7 @@
           <a:spcPts val="0"/>
         </a:spcAft>
       </a:defPPr>
-      <a:lvl1pPr lvl="0" marR="0" rtl="0" algn="l">
+      <a:lvl1pPr marR="0" lvl="0" algn="l" rtl="0">
         <a:lnSpc>
           <a:spcPct val="100000"/>
         </a:lnSpc>
@@ -12712,7 +12801,7 @@
           <a:srgbClr val="000000"/>
         </a:buClr>
         <a:buFont typeface="Arial"/>
-        <a:defRPr b="0" i="0" sz="1400" u="none" cap="none" strike="noStrike">
+        <a:defRPr sz="1400" b="0" i="0" u="none" strike="noStrike" cap="none">
           <a:solidFill>
             <a:srgbClr val="000000"/>
           </a:solidFill>
@@ -12722,7 +12811,7 @@
           <a:sym typeface="Arial"/>
         </a:defRPr>
       </a:lvl1pPr>
-      <a:lvl2pPr lvl="1" marR="0" rtl="0" algn="l">
+      <a:lvl2pPr marR="0" lvl="1" algn="l" rtl="0">
         <a:lnSpc>
           <a:spcPct val="100000"/>
         </a:lnSpc>
@@ -12736,7 +12825,7 @@
           <a:srgbClr val="000000"/>
         </a:buClr>
         <a:buFont typeface="Arial"/>
-        <a:defRPr b="0" i="0" sz="1400" u="none" cap="none" strike="noStrike">
+        <a:defRPr sz="1400" b="0" i="0" u="none" strike="noStrike" cap="none">
           <a:solidFill>
             <a:srgbClr val="000000"/>
           </a:solidFill>
@@ -12746,7 +12835,7 @@
           <a:sym typeface="Arial"/>
         </a:defRPr>
       </a:lvl2pPr>
-      <a:lvl3pPr lvl="2" marR="0" rtl="0" algn="l">
+      <a:lvl3pPr marR="0" lvl="2" algn="l" rtl="0">
         <a:lnSpc>
           <a:spcPct val="100000"/>
         </a:lnSpc>
@@ -12760,7 +12849,7 @@
           <a:srgbClr val="000000"/>
         </a:buClr>
         <a:buFont typeface="Arial"/>
-        <a:defRPr b="0" i="0" sz="1400" u="none" cap="none" strike="noStrike">
+        <a:defRPr sz="1400" b="0" i="0" u="none" strike="noStrike" cap="none">
           <a:solidFill>
             <a:srgbClr val="000000"/>
           </a:solidFill>
@@ -12770,7 +12859,7 @@
           <a:sym typeface="Arial"/>
         </a:defRPr>
       </a:lvl3pPr>
-      <a:lvl4pPr lvl="3" marR="0" rtl="0" algn="l">
+      <a:lvl4pPr marR="0" lvl="3" algn="l" rtl="0">
         <a:lnSpc>
           <a:spcPct val="100000"/>
         </a:lnSpc>
@@ -12784,7 +12873,7 @@
           <a:srgbClr val="000000"/>
         </a:buClr>
         <a:buFont typeface="Arial"/>
-        <a:defRPr b="0" i="0" sz="1400" u="none" cap="none" strike="noStrike">
+        <a:defRPr sz="1400" b="0" i="0" u="none" strike="noStrike" cap="none">
           <a:solidFill>
             <a:srgbClr val="000000"/>
           </a:solidFill>
@@ -12794,7 +12883,7 @@
           <a:sym typeface="Arial"/>
         </a:defRPr>
       </a:lvl4pPr>
-      <a:lvl5pPr lvl="4" marR="0" rtl="0" algn="l">
+      <a:lvl5pPr marR="0" lvl="4" algn="l" rtl="0">
         <a:lnSpc>
           <a:spcPct val="100000"/>
         </a:lnSpc>
@@ -12808,7 +12897,7 @@
           <a:srgbClr val="000000"/>
         </a:buClr>
         <a:buFont typeface="Arial"/>
-        <a:defRPr b="0" i="0" sz="1400" u="none" cap="none" strike="noStrike">
+        <a:defRPr sz="1400" b="0" i="0" u="none" strike="noStrike" cap="none">
           <a:solidFill>
             <a:srgbClr val="000000"/>
           </a:solidFill>
@@ -12818,7 +12907,7 @@
           <a:sym typeface="Arial"/>
         </a:defRPr>
       </a:lvl5pPr>
-      <a:lvl6pPr lvl="5" marR="0" rtl="0" algn="l">
+      <a:lvl6pPr marR="0" lvl="5" algn="l" rtl="0">
         <a:lnSpc>
           <a:spcPct val="100000"/>
         </a:lnSpc>
@@ -12832,7 +12921,7 @@
           <a:srgbClr val="000000"/>
         </a:buClr>
         <a:buFont typeface="Arial"/>
-        <a:defRPr b="0" i="0" sz="1400" u="none" cap="none" strike="noStrike">
+        <a:defRPr sz="1400" b="0" i="0" u="none" strike="noStrike" cap="none">
           <a:solidFill>
             <a:srgbClr val="000000"/>
           </a:solidFill>
@@ -12842,7 +12931,7 @@
           <a:sym typeface="Arial"/>
         </a:defRPr>
       </a:lvl6pPr>
-      <a:lvl7pPr lvl="6" marR="0" rtl="0" algn="l">
+      <a:lvl7pPr marR="0" lvl="6" algn="l" rtl="0">
         <a:lnSpc>
           <a:spcPct val="100000"/>
         </a:lnSpc>
@@ -12856,7 +12945,7 @@
           <a:srgbClr val="000000"/>
         </a:buClr>
         <a:buFont typeface="Arial"/>
-        <a:defRPr b="0" i="0" sz="1400" u="none" cap="none" strike="noStrike">
+        <a:defRPr sz="1400" b="0" i="0" u="none" strike="noStrike" cap="none">
           <a:solidFill>
             <a:srgbClr val="000000"/>
           </a:solidFill>
@@ -12866,7 +12955,7 @@
           <a:sym typeface="Arial"/>
         </a:defRPr>
       </a:lvl7pPr>
-      <a:lvl8pPr lvl="7" marR="0" rtl="0" algn="l">
+      <a:lvl8pPr marR="0" lvl="7" algn="l" rtl="0">
         <a:lnSpc>
           <a:spcPct val="100000"/>
         </a:lnSpc>
@@ -12880,7 +12969,7 @@
           <a:srgbClr val="000000"/>
         </a:buClr>
         <a:buFont typeface="Arial"/>
-        <a:defRPr b="0" i="0" sz="1400" u="none" cap="none" strike="noStrike">
+        <a:defRPr sz="1400" b="0" i="0" u="none" strike="noStrike" cap="none">
           <a:solidFill>
             <a:srgbClr val="000000"/>
           </a:solidFill>
@@ -12890,7 +12979,7 @@
           <a:sym typeface="Arial"/>
         </a:defRPr>
       </a:lvl8pPr>
-      <a:lvl9pPr lvl="8" marR="0" rtl="0" algn="l">
+      <a:lvl9pPr marR="0" lvl="8" algn="l" rtl="0">
         <a:lnSpc>
           <a:spcPct val="100000"/>
         </a:lnSpc>
@@ -12904,7 +12993,7 @@
           <a:srgbClr val="000000"/>
         </a:buClr>
         <a:buFont typeface="Arial"/>
-        <a:defRPr b="0" i="0" sz="1400" u="none" cap="none" strike="noStrike">
+        <a:defRPr sz="1400" b="0" i="0" u="none" strike="noStrike" cap="none">
           <a:solidFill>
             <a:srgbClr val="000000"/>
           </a:solidFill>
@@ -12920,11 +13009,11 @@
 </file>
 
 <file path=ppt/slides/slide1.xml><?xml version="1.0" encoding="utf-8"?>
-<p:sld xmlns:a="http://schemas.openxmlformats.org/drawingml/2006/main" xmlns:r="http://schemas.openxmlformats.org/officeDocument/2006/relationships" xmlns:mc="http://schemas.openxmlformats.org/markup-compatibility/2006" xmlns:mv="urn:schemas-microsoft-com:mac:vml" xmlns:p="http://schemas.openxmlformats.org/presentationml/2006/main" xmlns:c="http://schemas.openxmlformats.org/drawingml/2006/chart" xmlns:dgm="http://schemas.openxmlformats.org/drawingml/2006/diagram" xmlns:o="urn:schemas-microsoft-com:office:office" xmlns:v="urn:schemas-microsoft-com:vml" xmlns:pvml="urn:schemas-microsoft-com:office:powerpoint" xmlns:com="http://schemas.openxmlformats.org/drawingml/2006/compatibility" xmlns:p14="http://schemas.microsoft.com/office/powerpoint/2010/main" xmlns:p15="http://schemas.microsoft.com/office/powerpoint/2012/main">
+<p:sld xmlns:a="http://schemas.openxmlformats.org/drawingml/2006/main" xmlns:r="http://schemas.openxmlformats.org/officeDocument/2006/relationships" xmlns:p="http://schemas.openxmlformats.org/presentationml/2006/main">
   <p:cSld>
     <p:spTree>
       <p:nvGrpSpPr>
-        <p:cNvPr id="103" name="Shape 103"/>
+        <p:cNvPr id="1" name="Shape 103"/>
         <p:cNvGrpSpPr/>
         <p:nvPr/>
       </p:nvGrpSpPr>
@@ -12939,7 +13028,9 @@
       <p:sp>
         <p:nvSpPr>
           <p:cNvPr id="104" name="Google Shape;104;p1"/>
-          <p:cNvSpPr txBox="1"/>
+          <p:cNvSpPr txBox="1">
+            <a:spLocks noGrp="1"/>
+          </p:cNvSpPr>
           <p:nvPr>
             <p:ph type="ctrTitle"/>
           </p:nvPr>
@@ -12958,12 +13049,12 @@
           </a:ln>
         </p:spPr>
         <p:txBody>
-          <a:bodyPr anchorCtr="0" anchor="t" bIns="91425" lIns="91425" spcFirstLastPara="1" rIns="91425" wrap="square" tIns="91425">
+          <a:bodyPr spcFirstLastPara="1" wrap="square" lIns="91425" tIns="91425" rIns="91425" bIns="91425" anchor="t" anchorCtr="0">
             <a:noAutofit/>
           </a:bodyPr>
           <a:lstStyle/>
           <a:p>
-            <a:pPr indent="0" lvl="0" marL="0" rtl="0" algn="l">
+            <a:pPr marL="0" lvl="0" indent="0" algn="l" rtl="0">
               <a:lnSpc>
                 <a:spcPct val="100000"/>
               </a:lnSpc>
@@ -12997,7 +13088,7 @@
             <a:endParaRPr/>
           </a:p>
           <a:p>
-            <a:pPr indent="0" lvl="0" marL="0" rtl="0" algn="l">
+            <a:pPr marL="0" lvl="0" indent="0" algn="l" rtl="0">
               <a:lnSpc>
                 <a:spcPct val="100000"/>
               </a:lnSpc>
@@ -13010,13 +13101,10 @@
               <a:buSzPts val="4200"/>
               <a:buNone/>
             </a:pPr>
-            <a:r>
-              <a:t/>
-            </a:r>
             <a:endParaRPr/>
           </a:p>
           <a:p>
-            <a:pPr indent="0" lvl="0" marL="0" rtl="0" algn="l">
+            <a:pPr marL="0" lvl="0" indent="0" algn="l" rtl="0">
               <a:lnSpc>
                 <a:spcPct val="100000"/>
               </a:lnSpc>
@@ -13029,9 +13117,6 @@
               <a:buSzPts val="4200"/>
               <a:buNone/>
             </a:pPr>
-            <a:r>
-              <a:t/>
-            </a:r>
             <a:endParaRPr>
               <a:latin typeface="Cutive"/>
               <a:ea typeface="Cutive"/>
@@ -13044,9 +13129,11 @@
       <p:sp>
         <p:nvSpPr>
           <p:cNvPr id="105" name="Google Shape;105;p1"/>
-          <p:cNvSpPr txBox="1"/>
+          <p:cNvSpPr txBox="1">
+            <a:spLocks noGrp="1"/>
+          </p:cNvSpPr>
           <p:nvPr>
-            <p:ph idx="1" type="subTitle"/>
+            <p:ph type="subTitle" idx="1"/>
           </p:nvPr>
         </p:nvSpPr>
         <p:spPr>
@@ -13063,12 +13150,12 @@
           </a:ln>
         </p:spPr>
         <p:txBody>
-          <a:bodyPr anchorCtr="0" anchor="t" bIns="91425" lIns="91425" spcFirstLastPara="1" rIns="91425" wrap="square" tIns="91425">
+          <a:bodyPr spcFirstLastPara="1" wrap="square" lIns="91425" tIns="91425" rIns="91425" bIns="91425" anchor="t" anchorCtr="0">
             <a:noAutofit/>
           </a:bodyPr>
           <a:lstStyle/>
           <a:p>
-            <a:pPr indent="0" lvl="0" marL="0" rtl="0" algn="l">
+            <a:pPr marL="0" lvl="0" indent="0" algn="l" rtl="0">
               <a:lnSpc>
                 <a:spcPct val="150000"/>
               </a:lnSpc>
@@ -13093,7 +13180,7 @@
             <a:endParaRPr/>
           </a:p>
           <a:p>
-            <a:pPr indent="0" lvl="0" marL="0" rtl="0" algn="l">
+            <a:pPr marL="0" lvl="0" indent="0" algn="l" rtl="0">
               <a:lnSpc>
                 <a:spcPct val="100000"/>
               </a:lnSpc>
@@ -13123,7 +13210,7 @@
             </a:endParaRPr>
           </a:p>
           <a:p>
-            <a:pPr indent="0" lvl="0" marL="0" rtl="0" algn="l">
+            <a:pPr marL="0" lvl="0" indent="0" algn="l" rtl="0">
               <a:lnSpc>
                 <a:spcPct val="100000"/>
               </a:lnSpc>
@@ -13156,7 +13243,7 @@
       </p:sp>
       <p:pic>
         <p:nvPicPr>
-          <p:cNvPr descr="A screenshot of a cell phone&#10;&#10;Description automatically generated" id="106" name="Google Shape;106;p1"/>
+          <p:cNvPr id="106" name="Google Shape;106;p1" descr="A screenshot of a cell phone&#10;&#10;Description automatically generated"/>
           <p:cNvPicPr preferRelativeResize="0"/>
           <p:nvPr/>
         </p:nvPicPr>
@@ -13164,7 +13251,7 @@
           <a:blip r:embed="rId3">
             <a:alphaModFix/>
           </a:blip>
-          <a:srcRect b="24481" l="4072" r="9629" t="25632"/>
+          <a:srcRect l="4072" t="25632" r="9629" b="24481"/>
           <a:stretch/>
         </p:blipFill>
         <p:spPr>
@@ -13198,23 +13285,23 @@
           <a:solidFill>
             <a:srgbClr val="FFFFFF"/>
           </a:solidFill>
-          <a:ln cap="flat" cmpd="sng" w="9525">
+          <a:ln w="9525" cap="flat" cmpd="sng">
             <a:solidFill>
               <a:schemeClr val="dk2"/>
             </a:solidFill>
             <a:prstDash val="solid"/>
             <a:round/>
-            <a:headEnd len="sm" w="sm" type="none"/>
-            <a:tailEnd len="sm" w="sm" type="none"/>
+            <a:headEnd type="none" w="sm" len="sm"/>
+            <a:tailEnd type="none" w="sm" len="sm"/>
           </a:ln>
         </p:spPr>
         <p:txBody>
-          <a:bodyPr anchorCtr="0" anchor="ctr" bIns="91425" lIns="91425" spcFirstLastPara="1" rIns="91425" wrap="square" tIns="91425">
+          <a:bodyPr spcFirstLastPara="1" wrap="square" lIns="91425" tIns="91425" rIns="91425" bIns="91425" anchor="ctr" anchorCtr="0">
             <a:noAutofit/>
           </a:bodyPr>
           <a:lstStyle/>
           <a:p>
-            <a:pPr indent="0" lvl="0" marL="0" marR="0" rtl="0" algn="l">
+            <a:pPr marL="0" marR="0" lvl="0" indent="0" algn="l" rtl="0">
               <a:lnSpc>
                 <a:spcPct val="100000"/>
               </a:lnSpc>
@@ -13231,10 +13318,7 @@
               <a:buFont typeface="Arial"/>
               <a:buNone/>
             </a:pPr>
-            <a:r>
-              <a:t/>
-            </a:r>
-            <a:endParaRPr b="0" i="0" sz="1400" u="none" cap="none" strike="noStrike">
+            <a:endParaRPr sz="1400" b="0" i="0" u="none" strike="noStrike" cap="none">
               <a:solidFill>
                 <a:srgbClr val="000000"/>
               </a:solidFill>
@@ -13248,7 +13332,7 @@
       </p:sp>
       <p:pic>
         <p:nvPicPr>
-          <p:cNvPr descr="A screenshot of a cell phone&#10;&#10;Description automatically generated" id="108" name="Google Shape;108;p1"/>
+          <p:cNvPr id="108" name="Google Shape;108;p1" descr="A screenshot of a cell phone&#10;&#10;Description automatically generated"/>
           <p:cNvPicPr preferRelativeResize="0"/>
           <p:nvPr/>
         </p:nvPicPr>
@@ -13256,7 +13340,7 @@
           <a:blip r:embed="rId3">
             <a:alphaModFix/>
           </a:blip>
-          <a:srcRect b="24481" l="4072" r="9629" t="25632"/>
+          <a:srcRect l="4072" t="25632" r="9629" b="24481"/>
           <a:stretch/>
         </p:blipFill>
         <p:spPr>
@@ -13282,11 +13366,11 @@
 </file>
 
 <file path=ppt/slides/slide2.xml><?xml version="1.0" encoding="utf-8"?>
-<p:sld xmlns:a="http://schemas.openxmlformats.org/drawingml/2006/main" xmlns:r="http://schemas.openxmlformats.org/officeDocument/2006/relationships" xmlns:mc="http://schemas.openxmlformats.org/markup-compatibility/2006" xmlns:mv="urn:schemas-microsoft-com:mac:vml" xmlns:p="http://schemas.openxmlformats.org/presentationml/2006/main" xmlns:c="http://schemas.openxmlformats.org/drawingml/2006/chart" xmlns:dgm="http://schemas.openxmlformats.org/drawingml/2006/diagram" xmlns:o="urn:schemas-microsoft-com:office:office" xmlns:v="urn:schemas-microsoft-com:vml" xmlns:pvml="urn:schemas-microsoft-com:office:powerpoint" xmlns:com="http://schemas.openxmlformats.org/drawingml/2006/compatibility" xmlns:p14="http://schemas.microsoft.com/office/powerpoint/2010/main" xmlns:p15="http://schemas.microsoft.com/office/powerpoint/2012/main">
+<p:sld xmlns:a="http://schemas.openxmlformats.org/drawingml/2006/main" xmlns:r="http://schemas.openxmlformats.org/officeDocument/2006/relationships" xmlns:p="http://schemas.openxmlformats.org/presentationml/2006/main">
   <p:cSld>
     <p:spTree>
       <p:nvGrpSpPr>
-        <p:cNvPr id="112" name="Shape 112"/>
+        <p:cNvPr id="1" name="Shape 112"/>
         <p:cNvGrpSpPr/>
         <p:nvPr/>
       </p:nvGrpSpPr>
@@ -13301,7 +13385,9 @@
       <p:sp>
         <p:nvSpPr>
           <p:cNvPr id="113" name="Google Shape;113;p2"/>
-          <p:cNvSpPr txBox="1"/>
+          <p:cNvSpPr txBox="1">
+            <a:spLocks noGrp="1"/>
+          </p:cNvSpPr>
           <p:nvPr>
             <p:ph type="title"/>
           </p:nvPr>
@@ -13320,12 +13406,12 @@
           </a:ln>
         </p:spPr>
         <p:txBody>
-          <a:bodyPr anchorCtr="0" anchor="t" bIns="91425" lIns="91425" spcFirstLastPara="1" rIns="91425" wrap="square" tIns="91425">
+          <a:bodyPr spcFirstLastPara="1" wrap="square" lIns="91425" tIns="91425" rIns="91425" bIns="91425" anchor="t" anchorCtr="0">
             <a:noAutofit/>
           </a:bodyPr>
           <a:lstStyle/>
           <a:p>
-            <a:pPr indent="0" lvl="0" marL="0" rtl="0" algn="l">
+            <a:pPr marL="0" lvl="0" indent="0" algn="l" rtl="0">
               <a:lnSpc>
                 <a:spcPct val="100000"/>
               </a:lnSpc>
@@ -13366,12 +13452,12 @@
           </a:ln>
         </p:spPr>
         <p:txBody>
-          <a:bodyPr anchorCtr="0" anchor="t" bIns="91425" lIns="91425" spcFirstLastPara="1" rIns="91425" wrap="square" tIns="91425">
+          <a:bodyPr spcFirstLastPara="1" wrap="square" lIns="91425" tIns="91425" rIns="91425" bIns="91425" anchor="t" anchorCtr="0">
             <a:noAutofit/>
           </a:bodyPr>
           <a:lstStyle/>
           <a:p>
-            <a:pPr indent="0" lvl="0" marL="0" marR="0" rtl="0" algn="l">
+            <a:pPr marL="0" marR="0" lvl="0" indent="0" algn="l" rtl="0">
               <a:lnSpc>
                 <a:spcPct val="100000"/>
               </a:lnSpc>
@@ -13389,7 +13475,7 @@
               <a:buNone/>
             </a:pPr>
             <a:r>
-              <a:rPr b="0" i="0" lang="fr-CA" sz="1600" u="none" cap="none" strike="noStrike">
+              <a:rPr lang="fr-CA" sz="1600" b="0" i="0" u="none" strike="noStrike" cap="none">
                 <a:solidFill>
                   <a:schemeClr val="accent1"/>
                 </a:solidFill>
@@ -13400,7 +13486,7 @@
               </a:rPr>
               <a:t>Our client is a Telecommunications company which has a massive market share, but also competitors trying to attract the customers.</a:t>
             </a:r>
-            <a:endParaRPr b="0" i="0" sz="1600" u="none" cap="none" strike="noStrike">
+            <a:endParaRPr sz="1600" b="0" i="0" u="none" strike="noStrike" cap="none">
               <a:solidFill>
                 <a:schemeClr val="accent1"/>
               </a:solidFill>
@@ -13411,7 +13497,7 @@
             </a:endParaRPr>
           </a:p>
           <a:p>
-            <a:pPr indent="0" lvl="0" marL="0" marR="0" rtl="0" algn="l">
+            <a:pPr marL="0" marR="0" lvl="0" indent="0" algn="l" rtl="0">
               <a:lnSpc>
                 <a:spcPct val="100000"/>
               </a:lnSpc>
@@ -13428,10 +13514,7 @@
               <a:buFont typeface="Arial"/>
               <a:buNone/>
             </a:pPr>
-            <a:r>
-              <a:t/>
-            </a:r>
-            <a:endParaRPr b="0" i="0" sz="1600" u="none" cap="none" strike="noStrike">
+            <a:endParaRPr sz="1600" b="0" i="0" u="none" strike="noStrike" cap="none">
               <a:solidFill>
                 <a:schemeClr val="accent1"/>
               </a:solidFill>
@@ -13442,7 +13525,7 @@
             </a:endParaRPr>
           </a:p>
           <a:p>
-            <a:pPr indent="-330200" lvl="0" marL="457200" marR="0" rtl="0" algn="l">
+            <a:pPr marL="457200" marR="0" lvl="0" indent="-330200" algn="l" rtl="0">
               <a:lnSpc>
                 <a:spcPct val="100000"/>
               </a:lnSpc>
@@ -13460,7 +13543,7 @@
               <a:buChar char="❏"/>
             </a:pPr>
             <a:r>
-              <a:rPr b="0" i="0" lang="fr-CA" sz="1600" u="none" cap="none" strike="noStrike">
+              <a:rPr lang="fr-CA" sz="1600" b="0" i="0" u="none" strike="noStrike" cap="none">
                 <a:solidFill>
                   <a:schemeClr val="accent1"/>
                 </a:solidFill>
@@ -13471,7 +13554,7 @@
               </a:rPr>
               <a:t>The problem they’re facing is : Customers churning</a:t>
             </a:r>
-            <a:endParaRPr b="0" i="0" sz="1600" u="none" cap="none" strike="noStrike">
+            <a:endParaRPr sz="1600" b="0" i="0" u="none" strike="noStrike" cap="none">
               <a:solidFill>
                 <a:schemeClr val="accent1"/>
               </a:solidFill>
@@ -13482,7 +13565,7 @@
             </a:endParaRPr>
           </a:p>
           <a:p>
-            <a:pPr indent="-330200" lvl="0" marL="457200" marR="0" rtl="0" algn="l">
+            <a:pPr marL="457200" marR="0" lvl="0" indent="-330200" algn="l" rtl="0">
               <a:lnSpc>
                 <a:spcPct val="100000"/>
               </a:lnSpc>
@@ -13500,7 +13583,7 @@
               <a:buChar char="❏"/>
             </a:pPr>
             <a:r>
-              <a:rPr b="0" i="0" lang="fr-CA" sz="1600" u="none" cap="none" strike="noStrike">
+              <a:rPr lang="fr-CA" sz="1600" b="0" i="0" u="none" strike="noStrike" cap="none">
                 <a:solidFill>
                   <a:schemeClr val="accent1"/>
                 </a:solidFill>
@@ -13511,7 +13594,7 @@
               </a:rPr>
               <a:t>The stakeholders impacted are:</a:t>
             </a:r>
-            <a:endParaRPr b="0" i="0" sz="1400" u="none" cap="none" strike="noStrike">
+            <a:endParaRPr sz="1400" b="0" i="0" u="none" strike="noStrike" cap="none">
               <a:solidFill>
                 <a:srgbClr val="000000"/>
               </a:solidFill>
@@ -13522,7 +13605,7 @@
             </a:endParaRPr>
           </a:p>
           <a:p>
-            <a:pPr indent="-285750" lvl="8" marL="412750" marR="0" rtl="0" algn="l">
+            <a:pPr marL="412750" marR="0" lvl="8" indent="-285750" algn="l" rtl="0">
               <a:lnSpc>
                 <a:spcPct val="100000"/>
               </a:lnSpc>
@@ -13540,7 +13623,7 @@
               <a:buChar char="•"/>
             </a:pPr>
             <a:r>
-              <a:rPr b="0" i="0" lang="fr-CA" sz="1600" u="none" cap="none" strike="noStrike">
+              <a:rPr lang="fr-CA" sz="1600" b="0" i="0" u="none" strike="noStrike" cap="none">
                 <a:solidFill>
                   <a:schemeClr val="accent1"/>
                 </a:solidFill>
@@ -13551,7 +13634,7 @@
               </a:rPr>
               <a:t> The investors;</a:t>
             </a:r>
-            <a:endParaRPr b="0" i="0" sz="1400" u="none" cap="none" strike="noStrike">
+            <a:endParaRPr sz="1400" b="0" i="0" u="none" strike="noStrike" cap="none">
               <a:solidFill>
                 <a:srgbClr val="000000"/>
               </a:solidFill>
@@ -13562,7 +13645,7 @@
             </a:endParaRPr>
           </a:p>
           <a:p>
-            <a:pPr indent="-285750" lvl="8" marL="412750" marR="0" rtl="0" algn="l">
+            <a:pPr marL="412750" marR="0" lvl="8" indent="-285750" algn="l" rtl="0">
               <a:lnSpc>
                 <a:spcPct val="100000"/>
               </a:lnSpc>
@@ -13580,7 +13663,7 @@
               <a:buChar char="•"/>
             </a:pPr>
             <a:r>
-              <a:rPr b="0" i="0" lang="fr-CA" sz="1600" u="none" cap="none" strike="noStrike">
+              <a:rPr lang="fr-CA" sz="1600" b="0" i="0" u="none" strike="noStrike" cap="none">
                 <a:solidFill>
                   <a:schemeClr val="accent1"/>
                 </a:solidFill>
@@ -13591,7 +13674,7 @@
               </a:rPr>
               <a:t>The board.</a:t>
             </a:r>
-            <a:endParaRPr b="0" i="0" sz="1600" u="none" cap="none" strike="noStrike">
+            <a:endParaRPr sz="1600" b="0" i="0" u="none" strike="noStrike" cap="none">
               <a:solidFill>
                 <a:schemeClr val="accent1"/>
               </a:solidFill>
@@ -13602,7 +13685,7 @@
             </a:endParaRPr>
           </a:p>
           <a:p>
-            <a:pPr indent="-330200" lvl="0" marL="457200" marR="0" rtl="0" algn="l">
+            <a:pPr marL="457200" marR="0" lvl="0" indent="-330200" algn="l" rtl="0">
               <a:lnSpc>
                 <a:spcPct val="100000"/>
               </a:lnSpc>
@@ -13620,7 +13703,7 @@
               <a:buChar char="❏"/>
             </a:pPr>
             <a:r>
-              <a:rPr b="0" i="0" lang="fr-CA" sz="1600" u="none" cap="none" strike="noStrike">
+              <a:rPr lang="fr-CA" sz="1600" b="0" i="0" u="none" strike="noStrike" cap="none">
                 <a:solidFill>
                   <a:schemeClr val="accent1"/>
                 </a:solidFill>
@@ -13631,7 +13714,7 @@
               </a:rPr>
               <a:t>This problem is important to the organization, because customers that are churning are a potential source of decrease on the company’s revenues.</a:t>
             </a:r>
-            <a:endParaRPr b="1" i="0" sz="1600" u="none" cap="none" strike="noStrike">
+            <a:endParaRPr sz="1600" b="1" i="0" u="none" strike="noStrike" cap="none">
               <a:solidFill>
                 <a:schemeClr val="accent1"/>
               </a:solidFill>
@@ -13642,7 +13725,7 @@
             </a:endParaRPr>
           </a:p>
           <a:p>
-            <a:pPr indent="0" lvl="0" marL="0" marR="0" rtl="0" algn="l">
+            <a:pPr marL="0" marR="0" lvl="0" indent="0" algn="l" rtl="0">
               <a:lnSpc>
                 <a:spcPct val="100000"/>
               </a:lnSpc>
@@ -13659,10 +13742,7 @@
               <a:buFont typeface="Arial"/>
               <a:buNone/>
             </a:pPr>
-            <a:r>
-              <a:t/>
-            </a:r>
-            <a:endParaRPr b="0" i="0" sz="1400" u="none" cap="none" strike="noStrike">
+            <a:endParaRPr sz="1400" b="0" i="0" u="none" strike="noStrike" cap="none">
               <a:solidFill>
                 <a:srgbClr val="000000"/>
               </a:solidFill>
@@ -13683,11 +13763,11 @@
 </file>
 
 <file path=ppt/slides/slide3.xml><?xml version="1.0" encoding="utf-8"?>
-<p:sld xmlns:a="http://schemas.openxmlformats.org/drawingml/2006/main" xmlns:r="http://schemas.openxmlformats.org/officeDocument/2006/relationships" xmlns:mc="http://schemas.openxmlformats.org/markup-compatibility/2006" xmlns:mv="urn:schemas-microsoft-com:mac:vml" xmlns:p="http://schemas.openxmlformats.org/presentationml/2006/main" xmlns:c="http://schemas.openxmlformats.org/drawingml/2006/chart" xmlns:dgm="http://schemas.openxmlformats.org/drawingml/2006/diagram" xmlns:o="urn:schemas-microsoft-com:office:office" xmlns:v="urn:schemas-microsoft-com:vml" xmlns:pvml="urn:schemas-microsoft-com:office:powerpoint" xmlns:com="http://schemas.openxmlformats.org/drawingml/2006/compatibility" xmlns:p14="http://schemas.microsoft.com/office/powerpoint/2010/main" xmlns:p15="http://schemas.microsoft.com/office/powerpoint/2012/main">
+<p:sld xmlns:a="http://schemas.openxmlformats.org/drawingml/2006/main" xmlns:r="http://schemas.openxmlformats.org/officeDocument/2006/relationships" xmlns:p="http://schemas.openxmlformats.org/presentationml/2006/main">
   <p:cSld>
     <p:spTree>
       <p:nvGrpSpPr>
-        <p:cNvPr id="118" name="Shape 118"/>
+        <p:cNvPr id="1" name="Shape 118"/>
         <p:cNvGrpSpPr/>
         <p:nvPr/>
       </p:nvGrpSpPr>
@@ -13702,7 +13782,9 @@
       <p:sp>
         <p:nvSpPr>
           <p:cNvPr id="119" name="Google Shape;119;p3"/>
-          <p:cNvSpPr txBox="1"/>
+          <p:cNvSpPr txBox="1">
+            <a:spLocks noGrp="1"/>
+          </p:cNvSpPr>
           <p:nvPr>
             <p:ph type="title"/>
           </p:nvPr>
@@ -13721,12 +13803,12 @@
           </a:ln>
         </p:spPr>
         <p:txBody>
-          <a:bodyPr anchorCtr="0" anchor="t" bIns="91425" lIns="91425" spcFirstLastPara="1" rIns="91425" wrap="square" tIns="91425">
+          <a:bodyPr spcFirstLastPara="1" wrap="square" lIns="91425" tIns="91425" rIns="91425" bIns="91425" anchor="t" anchorCtr="0">
             <a:noAutofit/>
           </a:bodyPr>
           <a:lstStyle/>
           <a:p>
-            <a:pPr indent="0" lvl="0" marL="0" rtl="0" algn="l">
+            <a:pPr marL="0" lvl="0" indent="0" algn="l" rtl="0">
               <a:lnSpc>
                 <a:spcPct val="100000"/>
               </a:lnSpc>
@@ -13750,9 +13832,11 @@
       <p:sp>
         <p:nvSpPr>
           <p:cNvPr id="120" name="Google Shape;120;p3"/>
-          <p:cNvSpPr txBox="1"/>
+          <p:cNvSpPr txBox="1">
+            <a:spLocks noGrp="1"/>
+          </p:cNvSpPr>
           <p:nvPr>
-            <p:ph idx="1" type="body"/>
+            <p:ph type="body" idx="1"/>
           </p:nvPr>
         </p:nvSpPr>
         <p:spPr>
@@ -13769,12 +13853,12 @@
           </a:ln>
         </p:spPr>
         <p:txBody>
-          <a:bodyPr anchorCtr="0" anchor="t" bIns="91425" lIns="91425" spcFirstLastPara="1" rIns="91425" wrap="square" tIns="91425">
+          <a:bodyPr spcFirstLastPara="1" wrap="square" lIns="91425" tIns="91425" rIns="91425" bIns="91425" anchor="t" anchorCtr="0">
             <a:noAutofit/>
           </a:bodyPr>
           <a:lstStyle/>
           <a:p>
-            <a:pPr indent="-285750" lvl="0" marL="285750" rtl="0" algn="l">
+            <a:pPr marL="285750" lvl="0" indent="-285750" algn="l" rtl="0">
               <a:lnSpc>
                 <a:spcPct val="115000"/>
               </a:lnSpc>
@@ -13804,11 +13888,11 @@
 </file>
 
 <file path=ppt/slides/slide4.xml><?xml version="1.0" encoding="utf-8"?>
-<p:sld xmlns:a="http://schemas.openxmlformats.org/drawingml/2006/main" xmlns:r="http://schemas.openxmlformats.org/officeDocument/2006/relationships" xmlns:mc="http://schemas.openxmlformats.org/markup-compatibility/2006" xmlns:mv="urn:schemas-microsoft-com:mac:vml" xmlns:p="http://schemas.openxmlformats.org/presentationml/2006/main" xmlns:c="http://schemas.openxmlformats.org/drawingml/2006/chart" xmlns:dgm="http://schemas.openxmlformats.org/drawingml/2006/diagram" xmlns:o="urn:schemas-microsoft-com:office:office" xmlns:v="urn:schemas-microsoft-com:vml" xmlns:pvml="urn:schemas-microsoft-com:office:powerpoint" xmlns:com="http://schemas.openxmlformats.org/drawingml/2006/compatibility" xmlns:p14="http://schemas.microsoft.com/office/powerpoint/2010/main" xmlns:p15="http://schemas.microsoft.com/office/powerpoint/2012/main">
+<p:sld xmlns:a="http://schemas.openxmlformats.org/drawingml/2006/main" xmlns:r="http://schemas.openxmlformats.org/officeDocument/2006/relationships" xmlns:p="http://schemas.openxmlformats.org/presentationml/2006/main">
   <p:cSld>
     <p:spTree>
       <p:nvGrpSpPr>
-        <p:cNvPr id="124" name="Shape 124"/>
+        <p:cNvPr id="1" name="Shape 124"/>
         <p:cNvGrpSpPr/>
         <p:nvPr/>
       </p:nvGrpSpPr>
@@ -13823,7 +13907,9 @@
       <p:sp>
         <p:nvSpPr>
           <p:cNvPr id="125" name="Google Shape;125;p5"/>
-          <p:cNvSpPr txBox="1"/>
+          <p:cNvSpPr txBox="1">
+            <a:spLocks noGrp="1"/>
+          </p:cNvSpPr>
           <p:nvPr>
             <p:ph type="title"/>
           </p:nvPr>
@@ -13842,12 +13928,12 @@
           </a:ln>
         </p:spPr>
         <p:txBody>
-          <a:bodyPr anchorCtr="0" anchor="t" bIns="91425" lIns="91425" spcFirstLastPara="1" rIns="91425" wrap="square" tIns="91425">
+          <a:bodyPr spcFirstLastPara="1" wrap="square" lIns="91425" tIns="91425" rIns="91425" bIns="91425" anchor="t" anchorCtr="0">
             <a:noAutofit/>
           </a:bodyPr>
           <a:lstStyle/>
           <a:p>
-            <a:pPr indent="0" lvl="0" marL="0" rtl="0" algn="ctr">
+            <a:pPr marL="0" lvl="0" indent="0" algn="ctr" rtl="0">
               <a:lnSpc>
                 <a:spcPct val="100000"/>
               </a:lnSpc>
@@ -13877,11 +13963,11 @@
 </file>
 
 <file path=ppt/slides/slide5.xml><?xml version="1.0" encoding="utf-8"?>
-<p:sld xmlns:a="http://schemas.openxmlformats.org/drawingml/2006/main" xmlns:r="http://schemas.openxmlformats.org/officeDocument/2006/relationships" xmlns:mc="http://schemas.openxmlformats.org/markup-compatibility/2006" xmlns:mv="urn:schemas-microsoft-com:mac:vml" xmlns:p="http://schemas.openxmlformats.org/presentationml/2006/main" xmlns:c="http://schemas.openxmlformats.org/drawingml/2006/chart" xmlns:dgm="http://schemas.openxmlformats.org/drawingml/2006/diagram" xmlns:o="urn:schemas-microsoft-com:office:office" xmlns:v="urn:schemas-microsoft-com:vml" xmlns:pvml="urn:schemas-microsoft-com:office:powerpoint" xmlns:com="http://schemas.openxmlformats.org/drawingml/2006/compatibility" xmlns:p14="http://schemas.microsoft.com/office/powerpoint/2010/main" xmlns:p15="http://schemas.microsoft.com/office/powerpoint/2012/main">
+<p:sld xmlns:a="http://schemas.openxmlformats.org/drawingml/2006/main" xmlns:r="http://schemas.openxmlformats.org/officeDocument/2006/relationships" xmlns:p="http://schemas.openxmlformats.org/presentationml/2006/main">
   <p:cSld>
     <p:spTree>
       <p:nvGrpSpPr>
-        <p:cNvPr id="129" name="Shape 129"/>
+        <p:cNvPr id="1" name="Shape 129"/>
         <p:cNvGrpSpPr/>
         <p:nvPr/>
       </p:nvGrpSpPr>
@@ -13896,7 +13982,9 @@
       <p:sp>
         <p:nvSpPr>
           <p:cNvPr id="130" name="Google Shape;130;p6"/>
-          <p:cNvSpPr txBox="1"/>
+          <p:cNvSpPr txBox="1">
+            <a:spLocks noGrp="1"/>
+          </p:cNvSpPr>
           <p:nvPr>
             <p:ph type="title"/>
           </p:nvPr>
@@ -13915,12 +14003,12 @@
           </a:ln>
         </p:spPr>
         <p:txBody>
-          <a:bodyPr anchorCtr="0" anchor="t" bIns="91425" lIns="91425" spcFirstLastPara="1" rIns="91425" wrap="square" tIns="91425">
+          <a:bodyPr spcFirstLastPara="1" wrap="square" lIns="91425" tIns="91425" rIns="91425" bIns="91425" anchor="t" anchorCtr="0">
             <a:noAutofit/>
           </a:bodyPr>
           <a:lstStyle/>
           <a:p>
-            <a:pPr indent="0" lvl="0" marL="0" rtl="0" algn="ctr">
+            <a:pPr marL="0" lvl="0" indent="0" algn="ctr" rtl="0">
               <a:lnSpc>
                 <a:spcPct val="100000"/>
               </a:lnSpc>
@@ -13950,11 +14038,11 @@
 </file>
 
 <file path=ppt/slides/slide6.xml><?xml version="1.0" encoding="utf-8"?>
-<p:sld xmlns:a="http://schemas.openxmlformats.org/drawingml/2006/main" xmlns:r="http://schemas.openxmlformats.org/officeDocument/2006/relationships" xmlns:mc="http://schemas.openxmlformats.org/markup-compatibility/2006" xmlns:mv="urn:schemas-microsoft-com:mac:vml" xmlns:p="http://schemas.openxmlformats.org/presentationml/2006/main" xmlns:c="http://schemas.openxmlformats.org/drawingml/2006/chart" xmlns:dgm="http://schemas.openxmlformats.org/drawingml/2006/diagram" xmlns:o="urn:schemas-microsoft-com:office:office" xmlns:v="urn:schemas-microsoft-com:vml" xmlns:pvml="urn:schemas-microsoft-com:office:powerpoint" xmlns:com="http://schemas.openxmlformats.org/drawingml/2006/compatibility" xmlns:p14="http://schemas.microsoft.com/office/powerpoint/2010/main" xmlns:p15="http://schemas.microsoft.com/office/powerpoint/2012/main">
+<p:sld xmlns:a="http://schemas.openxmlformats.org/drawingml/2006/main" xmlns:r="http://schemas.openxmlformats.org/officeDocument/2006/relationships" xmlns:p="http://schemas.openxmlformats.org/presentationml/2006/main">
   <p:cSld>
     <p:spTree>
       <p:nvGrpSpPr>
-        <p:cNvPr id="134" name="Shape 134"/>
+        <p:cNvPr id="1" name="Shape 134"/>
         <p:cNvGrpSpPr/>
         <p:nvPr/>
       </p:nvGrpSpPr>
@@ -13969,7 +14057,9 @@
       <p:sp>
         <p:nvSpPr>
           <p:cNvPr id="135" name="Google Shape;135;p7"/>
-          <p:cNvSpPr txBox="1"/>
+          <p:cNvSpPr txBox="1">
+            <a:spLocks noGrp="1"/>
+          </p:cNvSpPr>
           <p:nvPr>
             <p:ph type="title"/>
           </p:nvPr>
@@ -13988,12 +14078,12 @@
           </a:ln>
         </p:spPr>
         <p:txBody>
-          <a:bodyPr anchorCtr="0" anchor="t" bIns="91425" lIns="91425" spcFirstLastPara="1" rIns="91425" wrap="square" tIns="91425">
+          <a:bodyPr spcFirstLastPara="1" wrap="square" lIns="91425" tIns="91425" rIns="91425" bIns="91425" anchor="t" anchorCtr="0">
             <a:noAutofit/>
           </a:bodyPr>
           <a:lstStyle/>
           <a:p>
-            <a:pPr indent="0" lvl="0" marL="0" rtl="0" algn="l">
+            <a:pPr marL="0" lvl="0" indent="0" algn="l" rtl="0">
               <a:lnSpc>
                 <a:spcPct val="100000"/>
               </a:lnSpc>
@@ -14053,8 +14143,80 @@
 </p:sld>
 </file>
 
+<file path=ppt/slides/slide7.xml><?xml version="1.0" encoding="utf-8"?>
+<p:sld xmlns:a="http://schemas.openxmlformats.org/drawingml/2006/main" xmlns:r="http://schemas.openxmlformats.org/officeDocument/2006/relationships" xmlns:p="http://schemas.openxmlformats.org/presentationml/2006/main">
+  <p:cSld>
+    <p:spTree>
+      <p:nvGrpSpPr>
+        <p:cNvPr id="1" name=""/>
+        <p:cNvGrpSpPr/>
+        <p:nvPr/>
+      </p:nvGrpSpPr>
+      <p:grpSpPr>
+        <a:xfrm>
+          <a:off x="0" y="0"/>
+          <a:ext cx="0" cy="0"/>
+          <a:chOff x="0" y="0"/>
+          <a:chExt cx="0" cy="0"/>
+        </a:xfrm>
+      </p:grpSpPr>
+      <p:sp>
+        <p:nvSpPr>
+          <p:cNvPr id="2" name="Title 1"/>
+          <p:cNvSpPr>
+            <a:spLocks noGrp="1"/>
+          </p:cNvSpPr>
+          <p:nvPr>
+            <p:ph type="title"/>
+          </p:nvPr>
+        </p:nvSpPr>
+        <p:spPr/>
+        <p:txBody>
+          <a:bodyPr/>
+          <a:lstStyle/>
+          <a:p>
+            <a:r>
+              <a:rPr lang="en-US" dirty="0" smtClean="0"/>
+              <a:t>How much is churn affecting the business?</a:t>
+            </a:r>
+            <a:endParaRPr lang="en-US" dirty="0"/>
+          </a:p>
+        </p:txBody>
+      </p:sp>
+      <p:sp>
+        <p:nvSpPr>
+          <p:cNvPr id="3" name="Text Placeholder 2"/>
+          <p:cNvSpPr>
+            <a:spLocks noGrp="1"/>
+          </p:cNvSpPr>
+          <p:nvPr>
+            <p:ph type="body" idx="1"/>
+          </p:nvPr>
+        </p:nvSpPr>
+        <p:spPr/>
+        <p:txBody>
+          <a:bodyPr/>
+          <a:lstStyle/>
+          <a:p>
+            <a:endParaRPr lang="en-US"/>
+          </a:p>
+        </p:txBody>
+      </p:sp>
+    </p:spTree>
+    <p:extLst>
+      <p:ext uri="{BB962C8B-B14F-4D97-AF65-F5344CB8AC3E}">
+        <p14:creationId xmlns:p14="http://schemas.microsoft.com/office/powerpoint/2010/main" val="1329447222"/>
+      </p:ext>
+    </p:extLst>
+  </p:cSld>
+  <p:clrMapOvr>
+    <a:masterClrMapping/>
+  </p:clrMapOvr>
+</p:sld>
+</file>
+
 <file path=ppt/theme/theme1.xml><?xml version="1.0" encoding="utf-8"?>
-<a:theme xmlns:a="http://schemas.openxmlformats.org/drawingml/2006/main" xmlns:r="http://schemas.openxmlformats.org/officeDocument/2006/relationships" name="Streamline">
+<a:theme xmlns:a="http://schemas.openxmlformats.org/drawingml/2006/main" name="Streamline">
   <a:themeElements>
     <a:clrScheme name="Streamline">
       <a:dk1>
@@ -14329,11 +14491,13 @@
       </a:bgFillStyleLst>
     </a:fmtScheme>
   </a:themeElements>
+  <a:objectDefaults/>
+  <a:extraClrSchemeLst/>
 </a:theme>
 </file>
 
 <file path=ppt/theme/theme2.xml><?xml version="1.0" encoding="utf-8"?>
-<a:theme xmlns:a="http://schemas.openxmlformats.org/drawingml/2006/main" xmlns:r="http://schemas.openxmlformats.org/officeDocument/2006/relationships">
+<a:theme xmlns:a="http://schemas.openxmlformats.org/drawingml/2006/main">
   <a:themeElements>
     <a:clrScheme name="Default">
       <a:dk1>
@@ -14608,5 +14772,7 @@
       </a:bgFillStyleLst>
     </a:fmtScheme>
   </a:themeElements>
+  <a:objectDefaults/>
+  <a:extraClrSchemeLst/>
 </a:theme>
 </file>
--- a/presentation.pptx
+++ b/presentation.pptx
@@ -1,50 +1,59 @@
 
 <file path=ppt/presentation.xml><?xml version="1.0" encoding="utf-8"?>
-<p:presentation xmlns:a="http://schemas.openxmlformats.org/drawingml/2006/main" xmlns:r="http://schemas.openxmlformats.org/officeDocument/2006/relationships" xmlns:p="http://schemas.openxmlformats.org/presentationml/2006/main" strictFirstAndLastChars="0" embedTrueTypeFonts="1" saveSubsetFonts="1" autoCompressPictures="0">
+<p:presentation xmlns:a="http://schemas.openxmlformats.org/drawingml/2006/main" xmlns:r="http://schemas.openxmlformats.org/officeDocument/2006/relationships" xmlns:mc="http://schemas.openxmlformats.org/markup-compatibility/2006" xmlns:mv="urn:schemas-microsoft-com:mac:vml" xmlns:p="http://schemas.openxmlformats.org/presentationml/2006/main" xmlns:c="http://schemas.openxmlformats.org/drawingml/2006/chart" xmlns:dgm="http://schemas.openxmlformats.org/drawingml/2006/diagram" xmlns:o="urn:schemas-microsoft-com:office:office" xmlns:v="urn:schemas-microsoft-com:vml" xmlns:pvml="urn:schemas-microsoft-com:office:powerpoint" xmlns:com="http://schemas.openxmlformats.org/drawingml/2006/compatibility" xmlns:p14="http://schemas.microsoft.com/office/powerpoint/2010/main" xmlns:p15="http://schemas.microsoft.com/office/powerpoint/2012/main" autoCompressPictures="0" embedTrueTypeFonts="1" strictFirstAndLastChars="0" saveSubsetFonts="1">
   <p:sldMasterIdLst>
-    <p:sldMasterId id="2147483648" r:id="rId1"/>
+    <p:sldMasterId id="2147483648" r:id="rId4"/>
   </p:sldMasterIdLst>
   <p:notesMasterIdLst>
-    <p:notesMasterId r:id="rId9"/>
+    <p:notesMasterId r:id="rId5"/>
   </p:notesMasterIdLst>
   <p:sldIdLst>
-    <p:sldId id="256" r:id="rId2"/>
-    <p:sldId id="257" r:id="rId3"/>
-    <p:sldId id="258" r:id="rId4"/>
-    <p:sldId id="259" r:id="rId5"/>
-    <p:sldId id="260" r:id="rId6"/>
-    <p:sldId id="261" r:id="rId7"/>
-    <p:sldId id="262" r:id="rId8"/>
+    <p:sldId id="256" r:id="rId6"/>
+    <p:sldId id="257" r:id="rId7"/>
+    <p:sldId id="258" r:id="rId8"/>
+    <p:sldId id="259" r:id="rId9"/>
+    <p:sldId id="260" r:id="rId10"/>
+    <p:sldId id="261" r:id="rId11"/>
+    <p:sldId id="262" r:id="rId12"/>
+    <p:sldId id="263" r:id="rId13"/>
+    <p:sldId id="264" r:id="rId14"/>
+    <p:sldId id="265" r:id="rId15"/>
+    <p:sldId id="266" r:id="rId16"/>
+    <p:sldId id="267" r:id="rId17"/>
+    <p:sldId id="268" r:id="rId18"/>
+    <p:sldId id="269" r:id="rId19"/>
+    <p:sldId id="270" r:id="rId20"/>
+    <p:sldId id="271" r:id="rId21"/>
   </p:sldIdLst>
-  <p:sldSz cx="9144000" cy="5143500" type="screen16x9"/>
+  <p:sldSz cy="5143500" cx="9144000"/>
   <p:notesSz cx="6858000" cy="9144000"/>
   <p:embeddedFontLst>
     <p:embeddedFont>
-      <p:font typeface="Lato" panose="020F0502020204030203" pitchFamily="34" charset="0"/>
-      <p:regular r:id="rId10"/>
-      <p:bold r:id="rId11"/>
-      <p:italic r:id="rId12"/>
-      <p:boldItalic r:id="rId13"/>
+      <p:font typeface="Raleway"/>
+      <p:regular r:id="rId22"/>
+      <p:bold r:id="rId23"/>
+      <p:italic r:id="rId24"/>
+      <p:boldItalic r:id="rId25"/>
     </p:embeddedFont>
     <p:embeddedFont>
-      <p:font typeface="Cutive" panose="020B0604020202020204" charset="0"/>
-      <p:regular r:id="rId14"/>
+      <p:font typeface="Encode Sans SemiBold"/>
+      <p:regular r:id="rId26"/>
+      <p:bold r:id="rId27"/>
     </p:embeddedFont>
     <p:embeddedFont>
-      <p:font typeface="Encode Sans SemiBold" panose="020B0604020202020204" charset="0"/>
-      <p:regular r:id="rId15"/>
-      <p:bold r:id="rId16"/>
+      <p:font typeface="Lato"/>
+      <p:regular r:id="rId28"/>
+      <p:bold r:id="rId29"/>
+      <p:italic r:id="rId30"/>
+      <p:boldItalic r:id="rId31"/>
     </p:embeddedFont>
     <p:embeddedFont>
-      <p:font typeface="Raleway" panose="020B0503030101060003" pitchFamily="34" charset="0"/>
-      <p:regular r:id="rId17"/>
-      <p:bold r:id="rId18"/>
-      <p:italic r:id="rId19"/>
-      <p:boldItalic r:id="rId20"/>
+      <p:font typeface="Cutive"/>
+      <p:regular r:id="rId32"/>
     </p:embeddedFont>
   </p:embeddedFontLst>
   <p:defaultTextStyle>
-    <a:defPPr marR="0" lvl="0" algn="l" rtl="0">
+    <a:defPPr lvl="0" marR="0" rtl="0" algn="l">
       <a:lnSpc>
         <a:spcPct val="100000"/>
       </a:lnSpc>
@@ -55,7 +64,7 @@
         <a:spcPts val="0"/>
       </a:spcAft>
     </a:defPPr>
-    <a:lvl1pPr marR="0" lvl="0" algn="l" rtl="0">
+    <a:lvl1pPr lvl="0" marR="0" rtl="0" algn="l">
       <a:lnSpc>
         <a:spcPct val="100000"/>
       </a:lnSpc>
@@ -69,7 +78,7 @@
         <a:srgbClr val="000000"/>
       </a:buClr>
       <a:buFont typeface="Arial"/>
-      <a:defRPr sz="1400" b="0" i="0" u="none" strike="noStrike" cap="none">
+      <a:defRPr b="0" i="0" sz="1400" u="none" cap="none" strike="noStrike">
         <a:solidFill>
           <a:srgbClr val="000000"/>
         </a:solidFill>
@@ -79,7 +88,7 @@
         <a:sym typeface="Arial"/>
       </a:defRPr>
     </a:lvl1pPr>
-    <a:lvl2pPr marR="0" lvl="1" algn="l" rtl="0">
+    <a:lvl2pPr lvl="1" marR="0" rtl="0" algn="l">
       <a:lnSpc>
         <a:spcPct val="100000"/>
       </a:lnSpc>
@@ -93,7 +102,7 @@
         <a:srgbClr val="000000"/>
       </a:buClr>
       <a:buFont typeface="Arial"/>
-      <a:defRPr sz="1400" b="0" i="0" u="none" strike="noStrike" cap="none">
+      <a:defRPr b="0" i="0" sz="1400" u="none" cap="none" strike="noStrike">
         <a:solidFill>
           <a:srgbClr val="000000"/>
         </a:solidFill>
@@ -103,7 +112,7 @@
         <a:sym typeface="Arial"/>
       </a:defRPr>
     </a:lvl2pPr>
-    <a:lvl3pPr marR="0" lvl="2" algn="l" rtl="0">
+    <a:lvl3pPr lvl="2" marR="0" rtl="0" algn="l">
       <a:lnSpc>
         <a:spcPct val="100000"/>
       </a:lnSpc>
@@ -117,7 +126,7 @@
         <a:srgbClr val="000000"/>
       </a:buClr>
       <a:buFont typeface="Arial"/>
-      <a:defRPr sz="1400" b="0" i="0" u="none" strike="noStrike" cap="none">
+      <a:defRPr b="0" i="0" sz="1400" u="none" cap="none" strike="noStrike">
         <a:solidFill>
           <a:srgbClr val="000000"/>
         </a:solidFill>
@@ -127,7 +136,7 @@
         <a:sym typeface="Arial"/>
       </a:defRPr>
     </a:lvl3pPr>
-    <a:lvl4pPr marR="0" lvl="3" algn="l" rtl="0">
+    <a:lvl4pPr lvl="3" marR="0" rtl="0" algn="l">
       <a:lnSpc>
         <a:spcPct val="100000"/>
       </a:lnSpc>
@@ -141,7 +150,7 @@
         <a:srgbClr val="000000"/>
       </a:buClr>
       <a:buFont typeface="Arial"/>
-      <a:defRPr sz="1400" b="0" i="0" u="none" strike="noStrike" cap="none">
+      <a:defRPr b="0" i="0" sz="1400" u="none" cap="none" strike="noStrike">
         <a:solidFill>
           <a:srgbClr val="000000"/>
         </a:solidFill>
@@ -151,7 +160,7 @@
         <a:sym typeface="Arial"/>
       </a:defRPr>
     </a:lvl4pPr>
-    <a:lvl5pPr marR="0" lvl="4" algn="l" rtl="0">
+    <a:lvl5pPr lvl="4" marR="0" rtl="0" algn="l">
       <a:lnSpc>
         <a:spcPct val="100000"/>
       </a:lnSpc>
@@ -165,7 +174,7 @@
         <a:srgbClr val="000000"/>
       </a:buClr>
       <a:buFont typeface="Arial"/>
-      <a:defRPr sz="1400" b="0" i="0" u="none" strike="noStrike" cap="none">
+      <a:defRPr b="0" i="0" sz="1400" u="none" cap="none" strike="noStrike">
         <a:solidFill>
           <a:srgbClr val="000000"/>
         </a:solidFill>
@@ -175,7 +184,7 @@
         <a:sym typeface="Arial"/>
       </a:defRPr>
     </a:lvl5pPr>
-    <a:lvl6pPr marR="0" lvl="5" algn="l" rtl="0">
+    <a:lvl6pPr lvl="5" marR="0" rtl="0" algn="l">
       <a:lnSpc>
         <a:spcPct val="100000"/>
       </a:lnSpc>
@@ -189,7 +198,7 @@
         <a:srgbClr val="000000"/>
       </a:buClr>
       <a:buFont typeface="Arial"/>
-      <a:defRPr sz="1400" b="0" i="0" u="none" strike="noStrike" cap="none">
+      <a:defRPr b="0" i="0" sz="1400" u="none" cap="none" strike="noStrike">
         <a:solidFill>
           <a:srgbClr val="000000"/>
         </a:solidFill>
@@ -199,7 +208,7 @@
         <a:sym typeface="Arial"/>
       </a:defRPr>
     </a:lvl6pPr>
-    <a:lvl7pPr marR="0" lvl="6" algn="l" rtl="0">
+    <a:lvl7pPr lvl="6" marR="0" rtl="0" algn="l">
       <a:lnSpc>
         <a:spcPct val="100000"/>
       </a:lnSpc>
@@ -213,7 +222,7 @@
         <a:srgbClr val="000000"/>
       </a:buClr>
       <a:buFont typeface="Arial"/>
-      <a:defRPr sz="1400" b="0" i="0" u="none" strike="noStrike" cap="none">
+      <a:defRPr b="0" i="0" sz="1400" u="none" cap="none" strike="noStrike">
         <a:solidFill>
           <a:srgbClr val="000000"/>
         </a:solidFill>
@@ -223,7 +232,7 @@
         <a:sym typeface="Arial"/>
       </a:defRPr>
     </a:lvl7pPr>
-    <a:lvl8pPr marR="0" lvl="7" algn="l" rtl="0">
+    <a:lvl8pPr lvl="7" marR="0" rtl="0" algn="l">
       <a:lnSpc>
         <a:spcPct val="100000"/>
       </a:lnSpc>
@@ -237,7 +246,7 @@
         <a:srgbClr val="000000"/>
       </a:buClr>
       <a:buFont typeface="Arial"/>
-      <a:defRPr sz="1400" b="0" i="0" u="none" strike="noStrike" cap="none">
+      <a:defRPr b="0" i="0" sz="1400" u="none" cap="none" strike="noStrike">
         <a:solidFill>
           <a:srgbClr val="000000"/>
         </a:solidFill>
@@ -247,7 +256,7 @@
         <a:sym typeface="Arial"/>
       </a:defRPr>
     </a:lvl8pPr>
-    <a:lvl9pPr marR="0" lvl="8" algn="l" rtl="0">
+    <a:lvl9pPr lvl="8" marR="0" rtl="0" algn="l">
       <a:lnSpc>
         <a:spcPct val="100000"/>
       </a:lnSpc>
@@ -261,7 +270,7 @@
         <a:srgbClr val="000000"/>
       </a:buClr>
       <a:buFont typeface="Arial"/>
-      <a:defRPr sz="1400" b="0" i="0" u="none" strike="noStrike" cap="none">
+      <a:defRPr b="0" i="0" sz="1400" u="none" cap="none" strike="noStrike">
         <a:solidFill>
           <a:srgbClr val="000000"/>
         </a:solidFill>
@@ -274,7 +283,7 @@
   </p:defaultTextStyle>
   <p:extLst>
     <p:ext uri="{EFAFB233-063F-42B5-8137-9DF3F51BA10A}">
-      <p15:sldGuideLst xmlns:p15="http://schemas.microsoft.com/office/powerpoint/2012/main">
+      <p15:sldGuideLst>
         <p15:guide id="1" orient="horz" pos="1620">
           <p15:clr>
             <a:srgbClr val="A4A3A4"/>
@@ -288,26 +297,25 @@
       </p15:sldGuideLst>
     </p:ext>
     <p:ext uri="http://customooxmlschemas.google.com/">
-      <go:slidesCustomData xmlns:go="http://customooxmlschemas.google.com/" xmlns:p15="http://schemas.microsoft.com/office/powerpoint/2012/main" xmlns:p14="http://schemas.microsoft.com/office/powerpoint/2010/main" xmlns:com="http://schemas.openxmlformats.org/drawingml/2006/compatibility" xmlns:pvml="urn:schemas-microsoft-com:office:powerpoint" xmlns:v="urn:schemas-microsoft-com:vml" xmlns:o="urn:schemas-microsoft-com:office:office" xmlns:dgm="http://schemas.openxmlformats.org/drawingml/2006/diagram" xmlns:c="http://schemas.openxmlformats.org/drawingml/2006/chart" xmlns:mv="urn:schemas-microsoft-com:mac:vml" xmlns:mc="http://schemas.openxmlformats.org/markup-compatibility/2006" xmlns="" r:id="rId23" roundtripDataSignature="AMtx7mjNfzoQX/sotB2oM/1LaBnd50mvTw=="/>
+      <go:slidesCustomData xmlns:go="http://customooxmlschemas.google.com/" r:id="rId33" roundtripDataSignature="AMtx7mjF+u/Ta0AJvjErrNGW7jgamixkEw=="/>
     </p:ext>
   </p:extLst>
 </p:presentation>
 </file>
 
 <file path=ppt/notesMasters/notesMaster1.xml><?xml version="1.0" encoding="utf-8"?>
-<p:notesMaster xmlns:a="http://schemas.openxmlformats.org/drawingml/2006/main" xmlns:r="http://schemas.openxmlformats.org/officeDocument/2006/relationships" xmlns:p="http://schemas.openxmlformats.org/presentationml/2006/main">
+<p:notesMaster xmlns:a="http://schemas.openxmlformats.org/drawingml/2006/main" xmlns:r="http://schemas.openxmlformats.org/officeDocument/2006/relationships" xmlns:mc="http://schemas.openxmlformats.org/markup-compatibility/2006" xmlns:mv="urn:schemas-microsoft-com:mac:vml" xmlns:p="http://schemas.openxmlformats.org/presentationml/2006/main" xmlns:c="http://schemas.openxmlformats.org/drawingml/2006/chart" xmlns:dgm="http://schemas.openxmlformats.org/drawingml/2006/diagram" xmlns:o="urn:schemas-microsoft-com:office:office" xmlns:v="urn:schemas-microsoft-com:vml" xmlns:pvml="urn:schemas-microsoft-com:office:powerpoint" xmlns:com="http://schemas.openxmlformats.org/drawingml/2006/compatibility" xmlns:p14="http://schemas.microsoft.com/office/powerpoint/2010/main" xmlns:p15="http://schemas.microsoft.com/office/powerpoint/2012/main">
   <p:cSld>
     <p:bg>
       <p:bgPr>
         <a:solidFill>
           <a:schemeClr val="lt1"/>
         </a:solidFill>
-        <a:effectLst/>
       </p:bgPr>
     </p:bg>
     <p:spTree>
       <p:nvGrpSpPr>
-        <p:cNvPr id="1" name="Shape 2"/>
+        <p:cNvPr id="2" name="Shape 2"/>
         <p:cNvGrpSpPr/>
         <p:nvPr/>
       </p:nvGrpSpPr>
@@ -322,11 +330,9 @@
       <p:sp>
         <p:nvSpPr>
           <p:cNvPr id="3" name="Google Shape;3;n"/>
-          <p:cNvSpPr>
-            <a:spLocks noGrp="1" noRot="1" noChangeAspect="1"/>
-          </p:cNvSpPr>
+          <p:cNvSpPr/>
           <p:nvPr>
-            <p:ph type="sldImg" idx="2"/>
+            <p:ph idx="2" type="sldImg"/>
           </p:nvPr>
         </p:nvSpPr>
         <p:spPr>
@@ -335,13 +341,9 @@
             <a:ext cx="6096075" cy="3429000"/>
           </a:xfrm>
           <a:custGeom>
-            <a:avLst/>
-            <a:gdLst/>
-            <a:ahLst/>
-            <a:cxnLst/>
-            <a:rect l="l" t="t" r="r" b="b"/>
+            <a:rect b="b" l="l" r="r" t="t"/>
             <a:pathLst>
-              <a:path w="120000" h="120000" extrusionOk="0">
+              <a:path extrusionOk="0" h="120000" w="120000">
                 <a:moveTo>
                   <a:pt x="0" y="0"/>
                 </a:moveTo>
@@ -359,25 +361,23 @@
             </a:pathLst>
           </a:custGeom>
           <a:noFill/>
-          <a:ln w="9525" cap="flat" cmpd="sng">
+          <a:ln cap="flat" cmpd="sng" w="9525">
             <a:solidFill>
               <a:srgbClr val="000000"/>
             </a:solidFill>
             <a:prstDash val="solid"/>
             <a:round/>
-            <a:headEnd type="none" w="sm" len="sm"/>
-            <a:tailEnd type="none" w="sm" len="sm"/>
+            <a:headEnd len="sm" w="sm" type="none"/>
+            <a:tailEnd len="sm" w="sm" type="none"/>
           </a:ln>
         </p:spPr>
       </p:sp>
       <p:sp>
         <p:nvSpPr>
           <p:cNvPr id="4" name="Google Shape;4;n"/>
-          <p:cNvSpPr txBox="1">
-            <a:spLocks noGrp="1"/>
-          </p:cNvSpPr>
+          <p:cNvSpPr txBox="1"/>
           <p:nvPr>
-            <p:ph type="body" idx="1"/>
+            <p:ph idx="1" type="body"/>
           </p:nvPr>
         </p:nvSpPr>
         <p:spPr>
@@ -394,11 +394,11 @@
           </a:ln>
         </p:spPr>
         <p:txBody>
-          <a:bodyPr spcFirstLastPara="1" wrap="square" lIns="91425" tIns="91425" rIns="91425" bIns="91425" anchor="t" anchorCtr="0">
+          <a:bodyPr anchorCtr="0" anchor="t" bIns="91425" lIns="91425" spcFirstLastPara="1" rIns="91425" wrap="square" tIns="91425">
             <a:noAutofit/>
           </a:bodyPr>
           <a:lstStyle>
-            <a:lvl1pPr marL="457200" marR="0" lvl="0" indent="-298450" algn="l" rtl="0">
+            <a:lvl1pPr indent="-298450" lvl="0" marL="457200" marR="0" rtl="0" algn="l">
               <a:lnSpc>
                 <a:spcPct val="100000"/>
               </a:lnSpc>
@@ -414,7 +414,7 @@
               <a:buSzPts val="1100"/>
               <a:buFont typeface="Arial"/>
               <a:buChar char="●"/>
-              <a:defRPr sz="1100" b="0" i="0" u="none" strike="noStrike" cap="none">
+              <a:defRPr b="0" i="0" sz="1100" u="none" cap="none" strike="noStrike">
                 <a:solidFill>
                   <a:srgbClr val="000000"/>
                 </a:solidFill>
@@ -424,7 +424,7 @@
                 <a:sym typeface="Arial"/>
               </a:defRPr>
             </a:lvl1pPr>
-            <a:lvl2pPr marL="914400" marR="0" lvl="1" indent="-298450" algn="l" rtl="0">
+            <a:lvl2pPr indent="-298450" lvl="1" marL="914400" marR="0" rtl="0" algn="l">
               <a:lnSpc>
                 <a:spcPct val="100000"/>
               </a:lnSpc>
@@ -440,7 +440,7 @@
               <a:buSzPts val="1100"/>
               <a:buFont typeface="Arial"/>
               <a:buChar char="○"/>
-              <a:defRPr sz="1100" b="0" i="0" u="none" strike="noStrike" cap="none">
+              <a:defRPr b="0" i="0" sz="1100" u="none" cap="none" strike="noStrike">
                 <a:solidFill>
                   <a:srgbClr val="000000"/>
                 </a:solidFill>
@@ -450,7 +450,7 @@
                 <a:sym typeface="Arial"/>
               </a:defRPr>
             </a:lvl2pPr>
-            <a:lvl3pPr marL="1371600" marR="0" lvl="2" indent="-298450" algn="l" rtl="0">
+            <a:lvl3pPr indent="-298450" lvl="2" marL="1371600" marR="0" rtl="0" algn="l">
               <a:lnSpc>
                 <a:spcPct val="100000"/>
               </a:lnSpc>
@@ -466,7 +466,7 @@
               <a:buSzPts val="1100"/>
               <a:buFont typeface="Arial"/>
               <a:buChar char="■"/>
-              <a:defRPr sz="1100" b="0" i="0" u="none" strike="noStrike" cap="none">
+              <a:defRPr b="0" i="0" sz="1100" u="none" cap="none" strike="noStrike">
                 <a:solidFill>
                   <a:srgbClr val="000000"/>
                 </a:solidFill>
@@ -476,7 +476,7 @@
                 <a:sym typeface="Arial"/>
               </a:defRPr>
             </a:lvl3pPr>
-            <a:lvl4pPr marL="1828800" marR="0" lvl="3" indent="-298450" algn="l" rtl="0">
+            <a:lvl4pPr indent="-298450" lvl="3" marL="1828800" marR="0" rtl="0" algn="l">
               <a:lnSpc>
                 <a:spcPct val="100000"/>
               </a:lnSpc>
@@ -492,7 +492,7 @@
               <a:buSzPts val="1100"/>
               <a:buFont typeface="Arial"/>
               <a:buChar char="●"/>
-              <a:defRPr sz="1100" b="0" i="0" u="none" strike="noStrike" cap="none">
+              <a:defRPr b="0" i="0" sz="1100" u="none" cap="none" strike="noStrike">
                 <a:solidFill>
                   <a:srgbClr val="000000"/>
                 </a:solidFill>
@@ -502,7 +502,7 @@
                 <a:sym typeface="Arial"/>
               </a:defRPr>
             </a:lvl4pPr>
-            <a:lvl5pPr marL="2286000" marR="0" lvl="4" indent="-298450" algn="l" rtl="0">
+            <a:lvl5pPr indent="-298450" lvl="4" marL="2286000" marR="0" rtl="0" algn="l">
               <a:lnSpc>
                 <a:spcPct val="100000"/>
               </a:lnSpc>
@@ -518,7 +518,7 @@
               <a:buSzPts val="1100"/>
               <a:buFont typeface="Arial"/>
               <a:buChar char="○"/>
-              <a:defRPr sz="1100" b="0" i="0" u="none" strike="noStrike" cap="none">
+              <a:defRPr b="0" i="0" sz="1100" u="none" cap="none" strike="noStrike">
                 <a:solidFill>
                   <a:srgbClr val="000000"/>
                 </a:solidFill>
@@ -528,7 +528,7 @@
                 <a:sym typeface="Arial"/>
               </a:defRPr>
             </a:lvl5pPr>
-            <a:lvl6pPr marL="2743200" marR="0" lvl="5" indent="-298450" algn="l" rtl="0">
+            <a:lvl6pPr indent="-298450" lvl="5" marL="2743200" marR="0" rtl="0" algn="l">
               <a:lnSpc>
                 <a:spcPct val="100000"/>
               </a:lnSpc>
@@ -544,7 +544,7 @@
               <a:buSzPts val="1100"/>
               <a:buFont typeface="Arial"/>
               <a:buChar char="■"/>
-              <a:defRPr sz="1100" b="0" i="0" u="none" strike="noStrike" cap="none">
+              <a:defRPr b="0" i="0" sz="1100" u="none" cap="none" strike="noStrike">
                 <a:solidFill>
                   <a:srgbClr val="000000"/>
                 </a:solidFill>
@@ -554,7 +554,7 @@
                 <a:sym typeface="Arial"/>
               </a:defRPr>
             </a:lvl6pPr>
-            <a:lvl7pPr marL="3200400" marR="0" lvl="6" indent="-298450" algn="l" rtl="0">
+            <a:lvl7pPr indent="-298450" lvl="6" marL="3200400" marR="0" rtl="0" algn="l">
               <a:lnSpc>
                 <a:spcPct val="100000"/>
               </a:lnSpc>
@@ -570,7 +570,7 @@
               <a:buSzPts val="1100"/>
               <a:buFont typeface="Arial"/>
               <a:buChar char="●"/>
-              <a:defRPr sz="1100" b="0" i="0" u="none" strike="noStrike" cap="none">
+              <a:defRPr b="0" i="0" sz="1100" u="none" cap="none" strike="noStrike">
                 <a:solidFill>
                   <a:srgbClr val="000000"/>
                 </a:solidFill>
@@ -580,7 +580,7 @@
                 <a:sym typeface="Arial"/>
               </a:defRPr>
             </a:lvl7pPr>
-            <a:lvl8pPr marL="3657600" marR="0" lvl="7" indent="-298450" algn="l" rtl="0">
+            <a:lvl8pPr indent="-298450" lvl="7" marL="3657600" marR="0" rtl="0" algn="l">
               <a:lnSpc>
                 <a:spcPct val="100000"/>
               </a:lnSpc>
@@ -596,7 +596,7 @@
               <a:buSzPts val="1100"/>
               <a:buFont typeface="Arial"/>
               <a:buChar char="○"/>
-              <a:defRPr sz="1100" b="0" i="0" u="none" strike="noStrike" cap="none">
+              <a:defRPr b="0" i="0" sz="1100" u="none" cap="none" strike="noStrike">
                 <a:solidFill>
                   <a:srgbClr val="000000"/>
                 </a:solidFill>
@@ -606,7 +606,7 @@
                 <a:sym typeface="Arial"/>
               </a:defRPr>
             </a:lvl8pPr>
-            <a:lvl9pPr marL="4114800" marR="0" lvl="8" indent="-298450" algn="l" rtl="0">
+            <a:lvl9pPr indent="-298450" lvl="8" marL="4114800" marR="0" rtl="0" algn="l">
               <a:lnSpc>
                 <a:spcPct val="100000"/>
               </a:lnSpc>
@@ -622,7 +622,7 @@
               <a:buSzPts val="1100"/>
               <a:buFont typeface="Arial"/>
               <a:buChar char="■"/>
-              <a:defRPr sz="1100" b="0" i="0" u="none" strike="noStrike" cap="none">
+              <a:defRPr b="0" i="0" sz="1100" u="none" cap="none" strike="noStrike">
                 <a:solidFill>
                   <a:srgbClr val="000000"/>
                 </a:solidFill>
@@ -633,16 +633,14 @@
               </a:defRPr>
             </a:lvl9pPr>
           </a:lstStyle>
-          <a:p>
-            <a:endParaRPr/>
-          </a:p>
+          <a:p/>
         </p:txBody>
       </p:sp>
     </p:spTree>
   </p:cSld>
-  <p:clrMap bg1="lt1" tx1="dk1" bg2="dk2" tx2="lt2" accent1="accent1" accent2="accent2" accent3="accent3" accent4="accent4" accent5="accent5" accent6="accent6" hlink="hlink" folHlink="folHlink"/>
+  <p:clrMap accent1="accent1" accent2="accent2" accent3="accent3" accent4="accent4" accent5="accent5" accent6="accent6" bg1="lt1" bg2="dk2" tx1="dk1" tx2="lt2" folHlink="folHlink" hlink="hlink"/>
   <p:notesStyle>
-    <a:defPPr marR="0" lvl="0" algn="l" rtl="0">
+    <a:defPPr lvl="0" marR="0" rtl="0" algn="l">
       <a:lnSpc>
         <a:spcPct val="100000"/>
       </a:lnSpc>
@@ -653,7 +651,7 @@
         <a:spcPts val="0"/>
       </a:spcAft>
     </a:defPPr>
-    <a:lvl1pPr marR="0" lvl="0" algn="l" rtl="0">
+    <a:lvl1pPr lvl="0" marR="0" rtl="0" algn="l">
       <a:lnSpc>
         <a:spcPct val="100000"/>
       </a:lnSpc>
@@ -667,7 +665,7 @@
         <a:srgbClr val="000000"/>
       </a:buClr>
       <a:buFont typeface="Arial"/>
-      <a:defRPr sz="1400" b="0" i="0" u="none" strike="noStrike" cap="none">
+      <a:defRPr b="0" i="0" sz="1400" u="none" cap="none" strike="noStrike">
         <a:solidFill>
           <a:srgbClr val="000000"/>
         </a:solidFill>
@@ -677,7 +675,7 @@
         <a:sym typeface="Arial"/>
       </a:defRPr>
     </a:lvl1pPr>
-    <a:lvl2pPr marR="0" lvl="1" algn="l" rtl="0">
+    <a:lvl2pPr lvl="1" marR="0" rtl="0" algn="l">
       <a:lnSpc>
         <a:spcPct val="100000"/>
       </a:lnSpc>
@@ -691,7 +689,7 @@
         <a:srgbClr val="000000"/>
       </a:buClr>
       <a:buFont typeface="Arial"/>
-      <a:defRPr sz="1400" b="0" i="0" u="none" strike="noStrike" cap="none">
+      <a:defRPr b="0" i="0" sz="1400" u="none" cap="none" strike="noStrike">
         <a:solidFill>
           <a:srgbClr val="000000"/>
         </a:solidFill>
@@ -701,7 +699,7 @@
         <a:sym typeface="Arial"/>
       </a:defRPr>
     </a:lvl2pPr>
-    <a:lvl3pPr marR="0" lvl="2" algn="l" rtl="0">
+    <a:lvl3pPr lvl="2" marR="0" rtl="0" algn="l">
       <a:lnSpc>
         <a:spcPct val="100000"/>
       </a:lnSpc>
@@ -715,7 +713,7 @@
         <a:srgbClr val="000000"/>
       </a:buClr>
       <a:buFont typeface="Arial"/>
-      <a:defRPr sz="1400" b="0" i="0" u="none" strike="noStrike" cap="none">
+      <a:defRPr b="0" i="0" sz="1400" u="none" cap="none" strike="noStrike">
         <a:solidFill>
           <a:srgbClr val="000000"/>
         </a:solidFill>
@@ -725,7 +723,7 @@
         <a:sym typeface="Arial"/>
       </a:defRPr>
     </a:lvl3pPr>
-    <a:lvl4pPr marR="0" lvl="3" algn="l" rtl="0">
+    <a:lvl4pPr lvl="3" marR="0" rtl="0" algn="l">
       <a:lnSpc>
         <a:spcPct val="100000"/>
       </a:lnSpc>
@@ -739,7 +737,7 @@
         <a:srgbClr val="000000"/>
       </a:buClr>
       <a:buFont typeface="Arial"/>
-      <a:defRPr sz="1400" b="0" i="0" u="none" strike="noStrike" cap="none">
+      <a:defRPr b="0" i="0" sz="1400" u="none" cap="none" strike="noStrike">
         <a:solidFill>
           <a:srgbClr val="000000"/>
         </a:solidFill>
@@ -749,7 +747,7 @@
         <a:sym typeface="Arial"/>
       </a:defRPr>
     </a:lvl4pPr>
-    <a:lvl5pPr marR="0" lvl="4" algn="l" rtl="0">
+    <a:lvl5pPr lvl="4" marR="0" rtl="0" algn="l">
       <a:lnSpc>
         <a:spcPct val="100000"/>
       </a:lnSpc>
@@ -763,7 +761,7 @@
         <a:srgbClr val="000000"/>
       </a:buClr>
       <a:buFont typeface="Arial"/>
-      <a:defRPr sz="1400" b="0" i="0" u="none" strike="noStrike" cap="none">
+      <a:defRPr b="0" i="0" sz="1400" u="none" cap="none" strike="noStrike">
         <a:solidFill>
           <a:srgbClr val="000000"/>
         </a:solidFill>
@@ -773,7 +771,7 @@
         <a:sym typeface="Arial"/>
       </a:defRPr>
     </a:lvl5pPr>
-    <a:lvl6pPr marR="0" lvl="5" algn="l" rtl="0">
+    <a:lvl6pPr lvl="5" marR="0" rtl="0" algn="l">
       <a:lnSpc>
         <a:spcPct val="100000"/>
       </a:lnSpc>
@@ -787,7 +785,7 @@
         <a:srgbClr val="000000"/>
       </a:buClr>
       <a:buFont typeface="Arial"/>
-      <a:defRPr sz="1400" b="0" i="0" u="none" strike="noStrike" cap="none">
+      <a:defRPr b="0" i="0" sz="1400" u="none" cap="none" strike="noStrike">
         <a:solidFill>
           <a:srgbClr val="000000"/>
         </a:solidFill>
@@ -797,7 +795,7 @@
         <a:sym typeface="Arial"/>
       </a:defRPr>
     </a:lvl6pPr>
-    <a:lvl7pPr marR="0" lvl="6" algn="l" rtl="0">
+    <a:lvl7pPr lvl="6" marR="0" rtl="0" algn="l">
       <a:lnSpc>
         <a:spcPct val="100000"/>
       </a:lnSpc>
@@ -811,7 +809,7 @@
         <a:srgbClr val="000000"/>
       </a:buClr>
       <a:buFont typeface="Arial"/>
-      <a:defRPr sz="1400" b="0" i="0" u="none" strike="noStrike" cap="none">
+      <a:defRPr b="0" i="0" sz="1400" u="none" cap="none" strike="noStrike">
         <a:solidFill>
           <a:srgbClr val="000000"/>
         </a:solidFill>
@@ -821,7 +819,7 @@
         <a:sym typeface="Arial"/>
       </a:defRPr>
     </a:lvl7pPr>
-    <a:lvl8pPr marR="0" lvl="7" algn="l" rtl="0">
+    <a:lvl8pPr lvl="7" marR="0" rtl="0" algn="l">
       <a:lnSpc>
         <a:spcPct val="100000"/>
       </a:lnSpc>
@@ -835,7 +833,7 @@
         <a:srgbClr val="000000"/>
       </a:buClr>
       <a:buFont typeface="Arial"/>
-      <a:defRPr sz="1400" b="0" i="0" u="none" strike="noStrike" cap="none">
+      <a:defRPr b="0" i="0" sz="1400" u="none" cap="none" strike="noStrike">
         <a:solidFill>
           <a:srgbClr val="000000"/>
         </a:solidFill>
@@ -845,7 +843,7 @@
         <a:sym typeface="Arial"/>
       </a:defRPr>
     </a:lvl8pPr>
-    <a:lvl9pPr marR="0" lvl="8" algn="l" rtl="0">
+    <a:lvl9pPr lvl="8" marR="0" rtl="0" algn="l">
       <a:lnSpc>
         <a:spcPct val="100000"/>
       </a:lnSpc>
@@ -859,7 +857,7 @@
         <a:srgbClr val="000000"/>
       </a:buClr>
       <a:buFont typeface="Arial"/>
-      <a:defRPr sz="1400" b="0" i="0" u="none" strike="noStrike" cap="none">
+      <a:defRPr b="0" i="0" sz="1400" u="none" cap="none" strike="noStrike">
         <a:solidFill>
           <a:srgbClr val="000000"/>
         </a:solidFill>
@@ -874,11 +872,11 @@
 </file>
 
 <file path=ppt/notesSlides/notesSlide1.xml><?xml version="1.0" encoding="utf-8"?>
-<p:notes xmlns:a="http://schemas.openxmlformats.org/drawingml/2006/main" xmlns:r="http://schemas.openxmlformats.org/officeDocument/2006/relationships" xmlns:p="http://schemas.openxmlformats.org/presentationml/2006/main" showMasterSp="0" showMasterPhAnim="0">
+<p:notes xmlns:a="http://schemas.openxmlformats.org/drawingml/2006/main" xmlns:r="http://schemas.openxmlformats.org/officeDocument/2006/relationships" xmlns:mc="http://schemas.openxmlformats.org/markup-compatibility/2006" xmlns:mv="urn:schemas-microsoft-com:mac:vml" xmlns:p="http://schemas.openxmlformats.org/presentationml/2006/main" xmlns:c="http://schemas.openxmlformats.org/drawingml/2006/chart" xmlns:dgm="http://schemas.openxmlformats.org/drawingml/2006/diagram" xmlns:o="urn:schemas-microsoft-com:office:office" xmlns:v="urn:schemas-microsoft-com:vml" xmlns:pvml="urn:schemas-microsoft-com:office:powerpoint" xmlns:com="http://schemas.openxmlformats.org/drawingml/2006/compatibility" xmlns:p14="http://schemas.microsoft.com/office/powerpoint/2010/main" xmlns:p15="http://schemas.microsoft.com/office/powerpoint/2012/main" showMasterPhAnim="0" showMasterSp="0">
   <p:cSld>
     <p:spTree>
       <p:nvGrpSpPr>
-        <p:cNvPr id="1" name="Shape 100"/>
+        <p:cNvPr id="100" name="Shape 100"/>
         <p:cNvGrpSpPr/>
         <p:nvPr/>
       </p:nvGrpSpPr>
@@ -893,11 +891,9 @@
       <p:sp>
         <p:nvSpPr>
           <p:cNvPr id="101" name="Google Shape;101;p1:notes"/>
-          <p:cNvSpPr>
-            <a:spLocks noGrp="1" noRot="1" noChangeAspect="1"/>
-          </p:cNvSpPr>
+          <p:cNvSpPr/>
           <p:nvPr>
-            <p:ph type="sldImg" idx="2"/>
+            <p:ph idx="2" type="sldImg"/>
           </p:nvPr>
         </p:nvSpPr>
         <p:spPr>
@@ -906,13 +902,9 @@
             <a:ext cx="6096000" cy="3429000"/>
           </a:xfrm>
           <a:custGeom>
-            <a:avLst/>
-            <a:gdLst/>
-            <a:ahLst/>
-            <a:cxnLst/>
-            <a:rect l="l" t="t" r="r" b="b"/>
+            <a:rect b="b" l="l" r="r" t="t"/>
             <a:pathLst>
-              <a:path w="120000" h="120000" extrusionOk="0">
+              <a:path extrusionOk="0" h="120000" w="120000">
                 <a:moveTo>
                   <a:pt x="0" y="0"/>
                 </a:moveTo>
@@ -930,25 +922,23 @@
             </a:pathLst>
           </a:custGeom>
           <a:noFill/>
-          <a:ln w="9525" cap="flat" cmpd="sng">
+          <a:ln cap="flat" cmpd="sng" w="9525">
             <a:solidFill>
               <a:srgbClr val="000000"/>
             </a:solidFill>
             <a:prstDash val="solid"/>
             <a:round/>
-            <a:headEnd type="none" w="sm" len="sm"/>
-            <a:tailEnd type="none" w="sm" len="sm"/>
+            <a:headEnd len="sm" w="sm" type="none"/>
+            <a:tailEnd len="sm" w="sm" type="none"/>
           </a:ln>
         </p:spPr>
       </p:sp>
       <p:sp>
         <p:nvSpPr>
           <p:cNvPr id="102" name="Google Shape;102;p1:notes"/>
-          <p:cNvSpPr txBox="1">
-            <a:spLocks noGrp="1"/>
-          </p:cNvSpPr>
+          <p:cNvSpPr txBox="1"/>
           <p:nvPr>
-            <p:ph type="body" idx="1"/>
+            <p:ph idx="1" type="body"/>
           </p:nvPr>
         </p:nvSpPr>
         <p:spPr>
@@ -965,12 +955,12 @@
           </a:ln>
         </p:spPr>
         <p:txBody>
-          <a:bodyPr spcFirstLastPara="1" wrap="square" lIns="91425" tIns="91425" rIns="91425" bIns="91425" anchor="t" anchorCtr="0">
+          <a:bodyPr anchorCtr="0" anchor="t" bIns="91425" lIns="91425" spcFirstLastPara="1" rIns="91425" wrap="square" tIns="91425">
             <a:noAutofit/>
           </a:bodyPr>
           <a:lstStyle/>
           <a:p>
-            <a:pPr marL="0" lvl="0" indent="0" algn="l" rtl="0">
+            <a:pPr indent="0" lvl="0" marL="0" rtl="0" algn="l">
               <a:lnSpc>
                 <a:spcPct val="100000"/>
               </a:lnSpc>
@@ -983,6 +973,9 @@
               <a:buSzPts val="1100"/>
               <a:buNone/>
             </a:pPr>
+            <a:r>
+              <a:t/>
+            </a:r>
             <a:endParaRPr/>
           </a:p>
         </p:txBody>
@@ -995,12 +988,705 @@
 </p:notes>
 </file>
 
-<file path=ppt/notesSlides/notesSlide2.xml><?xml version="1.0" encoding="utf-8"?>
-<p:notes xmlns:a="http://schemas.openxmlformats.org/drawingml/2006/main" xmlns:r="http://schemas.openxmlformats.org/officeDocument/2006/relationships" xmlns:p="http://schemas.openxmlformats.org/presentationml/2006/main" showMasterSp="0" showMasterPhAnim="0">
+<file path=ppt/notesSlides/notesSlide10.xml><?xml version="1.0" encoding="utf-8"?>
+<p:notes xmlns:a="http://schemas.openxmlformats.org/drawingml/2006/main" xmlns:r="http://schemas.openxmlformats.org/officeDocument/2006/relationships" xmlns:mc="http://schemas.openxmlformats.org/markup-compatibility/2006" xmlns:mv="urn:schemas-microsoft-com:mac:vml" xmlns:p="http://schemas.openxmlformats.org/presentationml/2006/main" xmlns:c="http://schemas.openxmlformats.org/drawingml/2006/chart" xmlns:dgm="http://schemas.openxmlformats.org/drawingml/2006/diagram" xmlns:o="urn:schemas-microsoft-com:office:office" xmlns:v="urn:schemas-microsoft-com:vml" xmlns:pvml="urn:schemas-microsoft-com:office:powerpoint" xmlns:com="http://schemas.openxmlformats.org/drawingml/2006/compatibility" xmlns:p14="http://schemas.microsoft.com/office/powerpoint/2010/main" xmlns:p15="http://schemas.microsoft.com/office/powerpoint/2012/main" showMasterPhAnim="0" showMasterSp="0">
   <p:cSld>
     <p:spTree>
       <p:nvGrpSpPr>
-        <p:cNvPr id="1" name="Shape 109"/>
+        <p:cNvPr id="155" name="Shape 155"/>
+        <p:cNvGrpSpPr/>
+        <p:nvPr/>
+      </p:nvGrpSpPr>
+      <p:grpSpPr>
+        <a:xfrm>
+          <a:off x="0" y="0"/>
+          <a:ext cx="0" cy="0"/>
+          <a:chOff x="0" y="0"/>
+          <a:chExt cx="0" cy="0"/>
+        </a:xfrm>
+      </p:grpSpPr>
+      <p:sp>
+        <p:nvSpPr>
+          <p:cNvPr id="156" name="Google Shape;156;g8a312b9e02_0_14:notes"/>
+          <p:cNvSpPr txBox="1"/>
+          <p:nvPr>
+            <p:ph idx="1" type="body"/>
+          </p:nvPr>
+        </p:nvSpPr>
+        <p:spPr>
+          <a:xfrm>
+            <a:off x="685800" y="4343400"/>
+            <a:ext cx="5486400" cy="4114800"/>
+          </a:xfrm>
+          <a:prstGeom prst="rect">
+            <a:avLst/>
+          </a:prstGeom>
+        </p:spPr>
+        <p:txBody>
+          <a:bodyPr anchorCtr="0" anchor="t" bIns="91425" lIns="91425" spcFirstLastPara="1" rIns="91425" wrap="square" tIns="91425">
+            <a:noAutofit/>
+          </a:bodyPr>
+          <a:lstStyle/>
+          <a:p>
+            <a:pPr indent="0" lvl="0" marL="0" rtl="0" algn="l">
+              <a:spcBef>
+                <a:spcPts val="0"/>
+              </a:spcBef>
+              <a:spcAft>
+                <a:spcPts val="0"/>
+              </a:spcAft>
+              <a:buNone/>
+            </a:pPr>
+            <a:r>
+              <a:t/>
+            </a:r>
+            <a:endParaRPr/>
+          </a:p>
+        </p:txBody>
+      </p:sp>
+      <p:sp>
+        <p:nvSpPr>
+          <p:cNvPr id="157" name="Google Shape;157;g8a312b9e02_0_14:notes"/>
+          <p:cNvSpPr/>
+          <p:nvPr>
+            <p:ph idx="2" type="sldImg"/>
+          </p:nvPr>
+        </p:nvSpPr>
+        <p:spPr>
+          <a:xfrm>
+            <a:off x="381300" y="685800"/>
+            <a:ext cx="6096000" cy="3429000"/>
+          </a:xfrm>
+          <a:custGeom>
+            <a:rect b="b" l="l" r="r" t="t"/>
+            <a:pathLst>
+              <a:path extrusionOk="0" h="120000" w="120000">
+                <a:moveTo>
+                  <a:pt x="0" y="0"/>
+                </a:moveTo>
+                <a:lnTo>
+                  <a:pt x="120000" y="0"/>
+                </a:lnTo>
+                <a:lnTo>
+                  <a:pt x="120000" y="120000"/>
+                </a:lnTo>
+                <a:lnTo>
+                  <a:pt x="0" y="120000"/>
+                </a:lnTo>
+                <a:close/>
+              </a:path>
+            </a:pathLst>
+          </a:custGeom>
+        </p:spPr>
+      </p:sp>
+    </p:spTree>
+  </p:cSld>
+  <p:clrMapOvr>
+    <a:masterClrMapping/>
+  </p:clrMapOvr>
+</p:notes>
+</file>
+
+<file path=ppt/notesSlides/notesSlide11.xml><?xml version="1.0" encoding="utf-8"?>
+<p:notes xmlns:a="http://schemas.openxmlformats.org/drawingml/2006/main" xmlns:r="http://schemas.openxmlformats.org/officeDocument/2006/relationships" xmlns:mc="http://schemas.openxmlformats.org/markup-compatibility/2006" xmlns:mv="urn:schemas-microsoft-com:mac:vml" xmlns:p="http://schemas.openxmlformats.org/presentationml/2006/main" xmlns:c="http://schemas.openxmlformats.org/drawingml/2006/chart" xmlns:dgm="http://schemas.openxmlformats.org/drawingml/2006/diagram" xmlns:o="urn:schemas-microsoft-com:office:office" xmlns:v="urn:schemas-microsoft-com:vml" xmlns:pvml="urn:schemas-microsoft-com:office:powerpoint" xmlns:com="http://schemas.openxmlformats.org/drawingml/2006/compatibility" xmlns:p14="http://schemas.microsoft.com/office/powerpoint/2010/main" xmlns:p15="http://schemas.microsoft.com/office/powerpoint/2012/main" showMasterPhAnim="0" showMasterSp="0">
+  <p:cSld>
+    <p:spTree>
+      <p:nvGrpSpPr>
+        <p:cNvPr id="161" name="Shape 161"/>
+        <p:cNvGrpSpPr/>
+        <p:nvPr/>
+      </p:nvGrpSpPr>
+      <p:grpSpPr>
+        <a:xfrm>
+          <a:off x="0" y="0"/>
+          <a:ext cx="0" cy="0"/>
+          <a:chOff x="0" y="0"/>
+          <a:chExt cx="0" cy="0"/>
+        </a:xfrm>
+      </p:grpSpPr>
+      <p:sp>
+        <p:nvSpPr>
+          <p:cNvPr id="162" name="Google Shape;162;g8a312b9e02_0_21:notes"/>
+          <p:cNvSpPr txBox="1"/>
+          <p:nvPr>
+            <p:ph idx="1" type="body"/>
+          </p:nvPr>
+        </p:nvSpPr>
+        <p:spPr>
+          <a:xfrm>
+            <a:off x="685800" y="4343400"/>
+            <a:ext cx="5486400" cy="4114800"/>
+          </a:xfrm>
+          <a:prstGeom prst="rect">
+            <a:avLst/>
+          </a:prstGeom>
+        </p:spPr>
+        <p:txBody>
+          <a:bodyPr anchorCtr="0" anchor="t" bIns="91425" lIns="91425" spcFirstLastPara="1" rIns="91425" wrap="square" tIns="91425">
+            <a:noAutofit/>
+          </a:bodyPr>
+          <a:lstStyle/>
+          <a:p>
+            <a:pPr indent="0" lvl="0" marL="0" rtl="0" algn="l">
+              <a:spcBef>
+                <a:spcPts val="0"/>
+              </a:spcBef>
+              <a:spcAft>
+                <a:spcPts val="0"/>
+              </a:spcAft>
+              <a:buNone/>
+            </a:pPr>
+            <a:r>
+              <a:t/>
+            </a:r>
+            <a:endParaRPr/>
+          </a:p>
+        </p:txBody>
+      </p:sp>
+      <p:sp>
+        <p:nvSpPr>
+          <p:cNvPr id="163" name="Google Shape;163;g8a312b9e02_0_21:notes"/>
+          <p:cNvSpPr/>
+          <p:nvPr>
+            <p:ph idx="2" type="sldImg"/>
+          </p:nvPr>
+        </p:nvSpPr>
+        <p:spPr>
+          <a:xfrm>
+            <a:off x="381300" y="685800"/>
+            <a:ext cx="6096000" cy="3429000"/>
+          </a:xfrm>
+          <a:custGeom>
+            <a:rect b="b" l="l" r="r" t="t"/>
+            <a:pathLst>
+              <a:path extrusionOk="0" h="120000" w="120000">
+                <a:moveTo>
+                  <a:pt x="0" y="0"/>
+                </a:moveTo>
+                <a:lnTo>
+                  <a:pt x="120000" y="0"/>
+                </a:lnTo>
+                <a:lnTo>
+                  <a:pt x="120000" y="120000"/>
+                </a:lnTo>
+                <a:lnTo>
+                  <a:pt x="0" y="120000"/>
+                </a:lnTo>
+                <a:close/>
+              </a:path>
+            </a:pathLst>
+          </a:custGeom>
+        </p:spPr>
+      </p:sp>
+    </p:spTree>
+  </p:cSld>
+  <p:clrMapOvr>
+    <a:masterClrMapping/>
+  </p:clrMapOvr>
+</p:notes>
+</file>
+
+<file path=ppt/notesSlides/notesSlide12.xml><?xml version="1.0" encoding="utf-8"?>
+<p:notes xmlns:a="http://schemas.openxmlformats.org/drawingml/2006/main" xmlns:r="http://schemas.openxmlformats.org/officeDocument/2006/relationships" xmlns:mc="http://schemas.openxmlformats.org/markup-compatibility/2006" xmlns:mv="urn:schemas-microsoft-com:mac:vml" xmlns:p="http://schemas.openxmlformats.org/presentationml/2006/main" xmlns:c="http://schemas.openxmlformats.org/drawingml/2006/chart" xmlns:dgm="http://schemas.openxmlformats.org/drawingml/2006/diagram" xmlns:o="urn:schemas-microsoft-com:office:office" xmlns:v="urn:schemas-microsoft-com:vml" xmlns:pvml="urn:schemas-microsoft-com:office:powerpoint" xmlns:com="http://schemas.openxmlformats.org/drawingml/2006/compatibility" xmlns:p14="http://schemas.microsoft.com/office/powerpoint/2010/main" xmlns:p15="http://schemas.microsoft.com/office/powerpoint/2012/main" showMasterPhAnim="0" showMasterSp="0">
+  <p:cSld>
+    <p:spTree>
+      <p:nvGrpSpPr>
+        <p:cNvPr id="167" name="Shape 167"/>
+        <p:cNvGrpSpPr/>
+        <p:nvPr/>
+      </p:nvGrpSpPr>
+      <p:grpSpPr>
+        <a:xfrm>
+          <a:off x="0" y="0"/>
+          <a:ext cx="0" cy="0"/>
+          <a:chOff x="0" y="0"/>
+          <a:chExt cx="0" cy="0"/>
+        </a:xfrm>
+      </p:grpSpPr>
+      <p:sp>
+        <p:nvSpPr>
+          <p:cNvPr id="168" name="Google Shape;168;g8a312b9e02_0_26:notes"/>
+          <p:cNvSpPr txBox="1"/>
+          <p:nvPr>
+            <p:ph idx="1" type="body"/>
+          </p:nvPr>
+        </p:nvSpPr>
+        <p:spPr>
+          <a:xfrm>
+            <a:off x="685800" y="4343400"/>
+            <a:ext cx="5486400" cy="4114800"/>
+          </a:xfrm>
+          <a:prstGeom prst="rect">
+            <a:avLst/>
+          </a:prstGeom>
+        </p:spPr>
+        <p:txBody>
+          <a:bodyPr anchorCtr="0" anchor="t" bIns="91425" lIns="91425" spcFirstLastPara="1" rIns="91425" wrap="square" tIns="91425">
+            <a:noAutofit/>
+          </a:bodyPr>
+          <a:lstStyle/>
+          <a:p>
+            <a:pPr indent="0" lvl="0" marL="0" rtl="0" algn="l">
+              <a:spcBef>
+                <a:spcPts val="0"/>
+              </a:spcBef>
+              <a:spcAft>
+                <a:spcPts val="0"/>
+              </a:spcAft>
+              <a:buNone/>
+            </a:pPr>
+            <a:r>
+              <a:t/>
+            </a:r>
+            <a:endParaRPr/>
+          </a:p>
+        </p:txBody>
+      </p:sp>
+      <p:sp>
+        <p:nvSpPr>
+          <p:cNvPr id="169" name="Google Shape;169;g8a312b9e02_0_26:notes"/>
+          <p:cNvSpPr/>
+          <p:nvPr>
+            <p:ph idx="2" type="sldImg"/>
+          </p:nvPr>
+        </p:nvSpPr>
+        <p:spPr>
+          <a:xfrm>
+            <a:off x="381300" y="685800"/>
+            <a:ext cx="6096000" cy="3429000"/>
+          </a:xfrm>
+          <a:custGeom>
+            <a:rect b="b" l="l" r="r" t="t"/>
+            <a:pathLst>
+              <a:path extrusionOk="0" h="120000" w="120000">
+                <a:moveTo>
+                  <a:pt x="0" y="0"/>
+                </a:moveTo>
+                <a:lnTo>
+                  <a:pt x="120000" y="0"/>
+                </a:lnTo>
+                <a:lnTo>
+                  <a:pt x="120000" y="120000"/>
+                </a:lnTo>
+                <a:lnTo>
+                  <a:pt x="0" y="120000"/>
+                </a:lnTo>
+                <a:close/>
+              </a:path>
+            </a:pathLst>
+          </a:custGeom>
+        </p:spPr>
+      </p:sp>
+    </p:spTree>
+  </p:cSld>
+  <p:clrMapOvr>
+    <a:masterClrMapping/>
+  </p:clrMapOvr>
+</p:notes>
+</file>
+
+<file path=ppt/notesSlides/notesSlide13.xml><?xml version="1.0" encoding="utf-8"?>
+<p:notes xmlns:a="http://schemas.openxmlformats.org/drawingml/2006/main" xmlns:r="http://schemas.openxmlformats.org/officeDocument/2006/relationships" xmlns:mc="http://schemas.openxmlformats.org/markup-compatibility/2006" xmlns:mv="urn:schemas-microsoft-com:mac:vml" xmlns:p="http://schemas.openxmlformats.org/presentationml/2006/main" xmlns:c="http://schemas.openxmlformats.org/drawingml/2006/chart" xmlns:dgm="http://schemas.openxmlformats.org/drawingml/2006/diagram" xmlns:o="urn:schemas-microsoft-com:office:office" xmlns:v="urn:schemas-microsoft-com:vml" xmlns:pvml="urn:schemas-microsoft-com:office:powerpoint" xmlns:com="http://schemas.openxmlformats.org/drawingml/2006/compatibility" xmlns:p14="http://schemas.microsoft.com/office/powerpoint/2010/main" xmlns:p15="http://schemas.microsoft.com/office/powerpoint/2012/main" showMasterPhAnim="0" showMasterSp="0">
+  <p:cSld>
+    <p:spTree>
+      <p:nvGrpSpPr>
+        <p:cNvPr id="173" name="Shape 173"/>
+        <p:cNvGrpSpPr/>
+        <p:nvPr/>
+      </p:nvGrpSpPr>
+      <p:grpSpPr>
+        <a:xfrm>
+          <a:off x="0" y="0"/>
+          <a:ext cx="0" cy="0"/>
+          <a:chOff x="0" y="0"/>
+          <a:chExt cx="0" cy="0"/>
+        </a:xfrm>
+      </p:grpSpPr>
+      <p:sp>
+        <p:nvSpPr>
+          <p:cNvPr id="174" name="Google Shape;174;g8a312b9e02_0_31:notes"/>
+          <p:cNvSpPr txBox="1"/>
+          <p:nvPr>
+            <p:ph idx="1" type="body"/>
+          </p:nvPr>
+        </p:nvSpPr>
+        <p:spPr>
+          <a:xfrm>
+            <a:off x="685800" y="4343400"/>
+            <a:ext cx="5486400" cy="4114800"/>
+          </a:xfrm>
+          <a:prstGeom prst="rect">
+            <a:avLst/>
+          </a:prstGeom>
+        </p:spPr>
+        <p:txBody>
+          <a:bodyPr anchorCtr="0" anchor="t" bIns="91425" lIns="91425" spcFirstLastPara="1" rIns="91425" wrap="square" tIns="91425">
+            <a:noAutofit/>
+          </a:bodyPr>
+          <a:lstStyle/>
+          <a:p>
+            <a:pPr indent="0" lvl="0" marL="0" rtl="0" algn="l">
+              <a:spcBef>
+                <a:spcPts val="0"/>
+              </a:spcBef>
+              <a:spcAft>
+                <a:spcPts val="0"/>
+              </a:spcAft>
+              <a:buNone/>
+            </a:pPr>
+            <a:r>
+              <a:t/>
+            </a:r>
+            <a:endParaRPr/>
+          </a:p>
+        </p:txBody>
+      </p:sp>
+      <p:sp>
+        <p:nvSpPr>
+          <p:cNvPr id="175" name="Google Shape;175;g8a312b9e02_0_31:notes"/>
+          <p:cNvSpPr/>
+          <p:nvPr>
+            <p:ph idx="2" type="sldImg"/>
+          </p:nvPr>
+        </p:nvSpPr>
+        <p:spPr>
+          <a:xfrm>
+            <a:off x="381300" y="685800"/>
+            <a:ext cx="6096000" cy="3429000"/>
+          </a:xfrm>
+          <a:custGeom>
+            <a:rect b="b" l="l" r="r" t="t"/>
+            <a:pathLst>
+              <a:path extrusionOk="0" h="120000" w="120000">
+                <a:moveTo>
+                  <a:pt x="0" y="0"/>
+                </a:moveTo>
+                <a:lnTo>
+                  <a:pt x="120000" y="0"/>
+                </a:lnTo>
+                <a:lnTo>
+                  <a:pt x="120000" y="120000"/>
+                </a:lnTo>
+                <a:lnTo>
+                  <a:pt x="0" y="120000"/>
+                </a:lnTo>
+                <a:close/>
+              </a:path>
+            </a:pathLst>
+          </a:custGeom>
+        </p:spPr>
+      </p:sp>
+    </p:spTree>
+  </p:cSld>
+  <p:clrMapOvr>
+    <a:masterClrMapping/>
+  </p:clrMapOvr>
+</p:notes>
+</file>
+
+<file path=ppt/notesSlides/notesSlide14.xml><?xml version="1.0" encoding="utf-8"?>
+<p:notes xmlns:a="http://schemas.openxmlformats.org/drawingml/2006/main" xmlns:r="http://schemas.openxmlformats.org/officeDocument/2006/relationships" xmlns:mc="http://schemas.openxmlformats.org/markup-compatibility/2006" xmlns:mv="urn:schemas-microsoft-com:mac:vml" xmlns:p="http://schemas.openxmlformats.org/presentationml/2006/main" xmlns:c="http://schemas.openxmlformats.org/drawingml/2006/chart" xmlns:dgm="http://schemas.openxmlformats.org/drawingml/2006/diagram" xmlns:o="urn:schemas-microsoft-com:office:office" xmlns:v="urn:schemas-microsoft-com:vml" xmlns:pvml="urn:schemas-microsoft-com:office:powerpoint" xmlns:com="http://schemas.openxmlformats.org/drawingml/2006/compatibility" xmlns:p14="http://schemas.microsoft.com/office/powerpoint/2010/main" xmlns:p15="http://schemas.microsoft.com/office/powerpoint/2012/main" showMasterPhAnim="0" showMasterSp="0">
+  <p:cSld>
+    <p:spTree>
+      <p:nvGrpSpPr>
+        <p:cNvPr id="179" name="Shape 179"/>
+        <p:cNvGrpSpPr/>
+        <p:nvPr/>
+      </p:nvGrpSpPr>
+      <p:grpSpPr>
+        <a:xfrm>
+          <a:off x="0" y="0"/>
+          <a:ext cx="0" cy="0"/>
+          <a:chOff x="0" y="0"/>
+          <a:chExt cx="0" cy="0"/>
+        </a:xfrm>
+      </p:grpSpPr>
+      <p:sp>
+        <p:nvSpPr>
+          <p:cNvPr id="180" name="Google Shape;180;g8a312b9e02_0_38:notes"/>
+          <p:cNvSpPr txBox="1"/>
+          <p:nvPr>
+            <p:ph idx="1" type="body"/>
+          </p:nvPr>
+        </p:nvSpPr>
+        <p:spPr>
+          <a:xfrm>
+            <a:off x="685800" y="4343400"/>
+            <a:ext cx="5486400" cy="4114800"/>
+          </a:xfrm>
+          <a:prstGeom prst="rect">
+            <a:avLst/>
+          </a:prstGeom>
+        </p:spPr>
+        <p:txBody>
+          <a:bodyPr anchorCtr="0" anchor="t" bIns="91425" lIns="91425" spcFirstLastPara="1" rIns="91425" wrap="square" tIns="91425">
+            <a:noAutofit/>
+          </a:bodyPr>
+          <a:lstStyle/>
+          <a:p>
+            <a:pPr indent="0" lvl="0" marL="0" rtl="0" algn="l">
+              <a:spcBef>
+                <a:spcPts val="0"/>
+              </a:spcBef>
+              <a:spcAft>
+                <a:spcPts val="0"/>
+              </a:spcAft>
+              <a:buNone/>
+            </a:pPr>
+            <a:r>
+              <a:t/>
+            </a:r>
+            <a:endParaRPr/>
+          </a:p>
+        </p:txBody>
+      </p:sp>
+      <p:sp>
+        <p:nvSpPr>
+          <p:cNvPr id="181" name="Google Shape;181;g8a312b9e02_0_38:notes"/>
+          <p:cNvSpPr/>
+          <p:nvPr>
+            <p:ph idx="2" type="sldImg"/>
+          </p:nvPr>
+        </p:nvSpPr>
+        <p:spPr>
+          <a:xfrm>
+            <a:off x="381300" y="685800"/>
+            <a:ext cx="6096000" cy="3429000"/>
+          </a:xfrm>
+          <a:custGeom>
+            <a:rect b="b" l="l" r="r" t="t"/>
+            <a:pathLst>
+              <a:path extrusionOk="0" h="120000" w="120000">
+                <a:moveTo>
+                  <a:pt x="0" y="0"/>
+                </a:moveTo>
+                <a:lnTo>
+                  <a:pt x="120000" y="0"/>
+                </a:lnTo>
+                <a:lnTo>
+                  <a:pt x="120000" y="120000"/>
+                </a:lnTo>
+                <a:lnTo>
+                  <a:pt x="0" y="120000"/>
+                </a:lnTo>
+                <a:close/>
+              </a:path>
+            </a:pathLst>
+          </a:custGeom>
+        </p:spPr>
+      </p:sp>
+    </p:spTree>
+  </p:cSld>
+  <p:clrMapOvr>
+    <a:masterClrMapping/>
+  </p:clrMapOvr>
+</p:notes>
+</file>
+
+<file path=ppt/notesSlides/notesSlide15.xml><?xml version="1.0" encoding="utf-8"?>
+<p:notes xmlns:a="http://schemas.openxmlformats.org/drawingml/2006/main" xmlns:r="http://schemas.openxmlformats.org/officeDocument/2006/relationships" xmlns:mc="http://schemas.openxmlformats.org/markup-compatibility/2006" xmlns:mv="urn:schemas-microsoft-com:mac:vml" xmlns:p="http://schemas.openxmlformats.org/presentationml/2006/main" xmlns:c="http://schemas.openxmlformats.org/drawingml/2006/chart" xmlns:dgm="http://schemas.openxmlformats.org/drawingml/2006/diagram" xmlns:o="urn:schemas-microsoft-com:office:office" xmlns:v="urn:schemas-microsoft-com:vml" xmlns:pvml="urn:schemas-microsoft-com:office:powerpoint" xmlns:com="http://schemas.openxmlformats.org/drawingml/2006/compatibility" xmlns:p14="http://schemas.microsoft.com/office/powerpoint/2010/main" xmlns:p15="http://schemas.microsoft.com/office/powerpoint/2012/main" showMasterPhAnim="0" showMasterSp="0">
+  <p:cSld>
+    <p:spTree>
+      <p:nvGrpSpPr>
+        <p:cNvPr id="185" name="Shape 185"/>
+        <p:cNvGrpSpPr/>
+        <p:nvPr/>
+      </p:nvGrpSpPr>
+      <p:grpSpPr>
+        <a:xfrm>
+          <a:off x="0" y="0"/>
+          <a:ext cx="0" cy="0"/>
+          <a:chOff x="0" y="0"/>
+          <a:chExt cx="0" cy="0"/>
+        </a:xfrm>
+      </p:grpSpPr>
+      <p:sp>
+        <p:nvSpPr>
+          <p:cNvPr id="186" name="Google Shape;186;g8a312b9e02_0_43:notes"/>
+          <p:cNvSpPr txBox="1"/>
+          <p:nvPr>
+            <p:ph idx="1" type="body"/>
+          </p:nvPr>
+        </p:nvSpPr>
+        <p:spPr>
+          <a:xfrm>
+            <a:off x="685800" y="4343400"/>
+            <a:ext cx="5486400" cy="4114800"/>
+          </a:xfrm>
+          <a:prstGeom prst="rect">
+            <a:avLst/>
+          </a:prstGeom>
+        </p:spPr>
+        <p:txBody>
+          <a:bodyPr anchorCtr="0" anchor="t" bIns="91425" lIns="91425" spcFirstLastPara="1" rIns="91425" wrap="square" tIns="91425">
+            <a:noAutofit/>
+          </a:bodyPr>
+          <a:lstStyle/>
+          <a:p>
+            <a:pPr indent="0" lvl="0" marL="0" rtl="0" algn="l">
+              <a:spcBef>
+                <a:spcPts val="0"/>
+              </a:spcBef>
+              <a:spcAft>
+                <a:spcPts val="0"/>
+              </a:spcAft>
+              <a:buNone/>
+            </a:pPr>
+            <a:r>
+              <a:t/>
+            </a:r>
+            <a:endParaRPr/>
+          </a:p>
+        </p:txBody>
+      </p:sp>
+      <p:sp>
+        <p:nvSpPr>
+          <p:cNvPr id="187" name="Google Shape;187;g8a312b9e02_0_43:notes"/>
+          <p:cNvSpPr/>
+          <p:nvPr>
+            <p:ph idx="2" type="sldImg"/>
+          </p:nvPr>
+        </p:nvSpPr>
+        <p:spPr>
+          <a:xfrm>
+            <a:off x="381300" y="685800"/>
+            <a:ext cx="6096000" cy="3429000"/>
+          </a:xfrm>
+          <a:custGeom>
+            <a:rect b="b" l="l" r="r" t="t"/>
+            <a:pathLst>
+              <a:path extrusionOk="0" h="120000" w="120000">
+                <a:moveTo>
+                  <a:pt x="0" y="0"/>
+                </a:moveTo>
+                <a:lnTo>
+                  <a:pt x="120000" y="0"/>
+                </a:lnTo>
+                <a:lnTo>
+                  <a:pt x="120000" y="120000"/>
+                </a:lnTo>
+                <a:lnTo>
+                  <a:pt x="0" y="120000"/>
+                </a:lnTo>
+                <a:close/>
+              </a:path>
+            </a:pathLst>
+          </a:custGeom>
+        </p:spPr>
+      </p:sp>
+    </p:spTree>
+  </p:cSld>
+  <p:clrMapOvr>
+    <a:masterClrMapping/>
+  </p:clrMapOvr>
+</p:notes>
+</file>
+
+<file path=ppt/notesSlides/notesSlide16.xml><?xml version="1.0" encoding="utf-8"?>
+<p:notes xmlns:a="http://schemas.openxmlformats.org/drawingml/2006/main" xmlns:r="http://schemas.openxmlformats.org/officeDocument/2006/relationships" xmlns:mc="http://schemas.openxmlformats.org/markup-compatibility/2006" xmlns:mv="urn:schemas-microsoft-com:mac:vml" xmlns:p="http://schemas.openxmlformats.org/presentationml/2006/main" xmlns:c="http://schemas.openxmlformats.org/drawingml/2006/chart" xmlns:dgm="http://schemas.openxmlformats.org/drawingml/2006/diagram" xmlns:o="urn:schemas-microsoft-com:office:office" xmlns:v="urn:schemas-microsoft-com:vml" xmlns:pvml="urn:schemas-microsoft-com:office:powerpoint" xmlns:com="http://schemas.openxmlformats.org/drawingml/2006/compatibility" xmlns:p14="http://schemas.microsoft.com/office/powerpoint/2010/main" xmlns:p15="http://schemas.microsoft.com/office/powerpoint/2012/main" showMasterPhAnim="0" showMasterSp="0">
+  <p:cSld>
+    <p:spTree>
+      <p:nvGrpSpPr>
+        <p:cNvPr id="191" name="Shape 191"/>
+        <p:cNvGrpSpPr/>
+        <p:nvPr/>
+      </p:nvGrpSpPr>
+      <p:grpSpPr>
+        <a:xfrm>
+          <a:off x="0" y="0"/>
+          <a:ext cx="0" cy="0"/>
+          <a:chOff x="0" y="0"/>
+          <a:chExt cx="0" cy="0"/>
+        </a:xfrm>
+      </p:grpSpPr>
+      <p:sp>
+        <p:nvSpPr>
+          <p:cNvPr id="192" name="Google Shape;192;g8a312b9e02_0_48:notes"/>
+          <p:cNvSpPr txBox="1"/>
+          <p:nvPr>
+            <p:ph idx="1" type="body"/>
+          </p:nvPr>
+        </p:nvSpPr>
+        <p:spPr>
+          <a:xfrm>
+            <a:off x="685800" y="4343400"/>
+            <a:ext cx="5486400" cy="4114800"/>
+          </a:xfrm>
+          <a:prstGeom prst="rect">
+            <a:avLst/>
+          </a:prstGeom>
+        </p:spPr>
+        <p:txBody>
+          <a:bodyPr anchorCtr="0" anchor="t" bIns="91425" lIns="91425" spcFirstLastPara="1" rIns="91425" wrap="square" tIns="91425">
+            <a:noAutofit/>
+          </a:bodyPr>
+          <a:lstStyle/>
+          <a:p>
+            <a:pPr indent="0" lvl="0" marL="0" rtl="0" algn="l">
+              <a:spcBef>
+                <a:spcPts val="0"/>
+              </a:spcBef>
+              <a:spcAft>
+                <a:spcPts val="0"/>
+              </a:spcAft>
+              <a:buNone/>
+            </a:pPr>
+            <a:r>
+              <a:t/>
+            </a:r>
+            <a:endParaRPr/>
+          </a:p>
+        </p:txBody>
+      </p:sp>
+      <p:sp>
+        <p:nvSpPr>
+          <p:cNvPr id="193" name="Google Shape;193;g8a312b9e02_0_48:notes"/>
+          <p:cNvSpPr/>
+          <p:nvPr>
+            <p:ph idx="2" type="sldImg"/>
+          </p:nvPr>
+        </p:nvSpPr>
+        <p:spPr>
+          <a:xfrm>
+            <a:off x="381300" y="685800"/>
+            <a:ext cx="6096000" cy="3429000"/>
+          </a:xfrm>
+          <a:custGeom>
+            <a:rect b="b" l="l" r="r" t="t"/>
+            <a:pathLst>
+              <a:path extrusionOk="0" h="120000" w="120000">
+                <a:moveTo>
+                  <a:pt x="0" y="0"/>
+                </a:moveTo>
+                <a:lnTo>
+                  <a:pt x="120000" y="0"/>
+                </a:lnTo>
+                <a:lnTo>
+                  <a:pt x="120000" y="120000"/>
+                </a:lnTo>
+                <a:lnTo>
+                  <a:pt x="0" y="120000"/>
+                </a:lnTo>
+                <a:close/>
+              </a:path>
+            </a:pathLst>
+          </a:custGeom>
+        </p:spPr>
+      </p:sp>
+    </p:spTree>
+  </p:cSld>
+  <p:clrMapOvr>
+    <a:masterClrMapping/>
+  </p:clrMapOvr>
+</p:notes>
+</file>
+
+<file path=ppt/notesSlides/notesSlide2.xml><?xml version="1.0" encoding="utf-8"?>
+<p:notes xmlns:a="http://schemas.openxmlformats.org/drawingml/2006/main" xmlns:r="http://schemas.openxmlformats.org/officeDocument/2006/relationships" xmlns:mc="http://schemas.openxmlformats.org/markup-compatibility/2006" xmlns:mv="urn:schemas-microsoft-com:mac:vml" xmlns:p="http://schemas.openxmlformats.org/presentationml/2006/main" xmlns:c="http://schemas.openxmlformats.org/drawingml/2006/chart" xmlns:dgm="http://schemas.openxmlformats.org/drawingml/2006/diagram" xmlns:o="urn:schemas-microsoft-com:office:office" xmlns:v="urn:schemas-microsoft-com:vml" xmlns:pvml="urn:schemas-microsoft-com:office:powerpoint" xmlns:com="http://schemas.openxmlformats.org/drawingml/2006/compatibility" xmlns:p14="http://schemas.microsoft.com/office/powerpoint/2010/main" xmlns:p15="http://schemas.microsoft.com/office/powerpoint/2012/main" showMasterPhAnim="0" showMasterSp="0">
+  <p:cSld>
+    <p:spTree>
+      <p:nvGrpSpPr>
+        <p:cNvPr id="109" name="Shape 109"/>
         <p:cNvGrpSpPr/>
         <p:nvPr/>
       </p:nvGrpSpPr>
@@ -1015,11 +1701,9 @@
       <p:sp>
         <p:nvSpPr>
           <p:cNvPr id="110" name="Google Shape;110;p2:notes"/>
-          <p:cNvSpPr>
-            <a:spLocks noGrp="1" noRot="1" noChangeAspect="1"/>
-          </p:cNvSpPr>
+          <p:cNvSpPr/>
           <p:nvPr>
-            <p:ph type="sldImg" idx="2"/>
+            <p:ph idx="2" type="sldImg"/>
           </p:nvPr>
         </p:nvSpPr>
         <p:spPr>
@@ -1028,13 +1712,9 @@
             <a:ext cx="6096000" cy="3429000"/>
           </a:xfrm>
           <a:custGeom>
-            <a:avLst/>
-            <a:gdLst/>
-            <a:ahLst/>
-            <a:cxnLst/>
-            <a:rect l="l" t="t" r="r" b="b"/>
+            <a:rect b="b" l="l" r="r" t="t"/>
             <a:pathLst>
-              <a:path w="120000" h="120000" extrusionOk="0">
+              <a:path extrusionOk="0" h="120000" w="120000">
                 <a:moveTo>
                   <a:pt x="0" y="0"/>
                 </a:moveTo>
@@ -1052,25 +1732,23 @@
             </a:pathLst>
           </a:custGeom>
           <a:noFill/>
-          <a:ln w="9525" cap="flat" cmpd="sng">
+          <a:ln cap="flat" cmpd="sng" w="9525">
             <a:solidFill>
               <a:srgbClr val="000000"/>
             </a:solidFill>
             <a:prstDash val="solid"/>
             <a:round/>
-            <a:headEnd type="none" w="sm" len="sm"/>
-            <a:tailEnd type="none" w="sm" len="sm"/>
+            <a:headEnd len="sm" w="sm" type="none"/>
+            <a:tailEnd len="sm" w="sm" type="none"/>
           </a:ln>
         </p:spPr>
       </p:sp>
       <p:sp>
         <p:nvSpPr>
           <p:cNvPr id="111" name="Google Shape;111;p2:notes"/>
-          <p:cNvSpPr txBox="1">
-            <a:spLocks noGrp="1"/>
-          </p:cNvSpPr>
+          <p:cNvSpPr txBox="1"/>
           <p:nvPr>
-            <p:ph type="body" idx="1"/>
+            <p:ph idx="1" type="body"/>
           </p:nvPr>
         </p:nvSpPr>
         <p:spPr>
@@ -1087,12 +1765,12 @@
           </a:ln>
         </p:spPr>
         <p:txBody>
-          <a:bodyPr spcFirstLastPara="1" wrap="square" lIns="91425" tIns="91425" rIns="91425" bIns="91425" anchor="t" anchorCtr="0">
+          <a:bodyPr anchorCtr="0" anchor="t" bIns="91425" lIns="91425" spcFirstLastPara="1" rIns="91425" wrap="square" tIns="91425">
             <a:noAutofit/>
           </a:bodyPr>
           <a:lstStyle/>
           <a:p>
-            <a:pPr marL="0" lvl="0" indent="0" algn="l" rtl="0">
+            <a:pPr indent="0" lvl="0" marL="0" rtl="0" algn="l">
               <a:lnSpc>
                 <a:spcPct val="100000"/>
               </a:lnSpc>
@@ -1105,6 +1783,9 @@
               <a:buSzPts val="1100"/>
               <a:buNone/>
             </a:pPr>
+            <a:r>
+              <a:t/>
+            </a:r>
             <a:endParaRPr/>
           </a:p>
         </p:txBody>
@@ -1118,11 +1799,11 @@
 </file>
 
 <file path=ppt/notesSlides/notesSlide3.xml><?xml version="1.0" encoding="utf-8"?>
-<p:notes xmlns:a="http://schemas.openxmlformats.org/drawingml/2006/main" xmlns:r="http://schemas.openxmlformats.org/officeDocument/2006/relationships" xmlns:p="http://schemas.openxmlformats.org/presentationml/2006/main" showMasterSp="0" showMasterPhAnim="0">
+<p:notes xmlns:a="http://schemas.openxmlformats.org/drawingml/2006/main" xmlns:r="http://schemas.openxmlformats.org/officeDocument/2006/relationships" xmlns:mc="http://schemas.openxmlformats.org/markup-compatibility/2006" xmlns:mv="urn:schemas-microsoft-com:mac:vml" xmlns:p="http://schemas.openxmlformats.org/presentationml/2006/main" xmlns:c="http://schemas.openxmlformats.org/drawingml/2006/chart" xmlns:dgm="http://schemas.openxmlformats.org/drawingml/2006/diagram" xmlns:o="urn:schemas-microsoft-com:office:office" xmlns:v="urn:schemas-microsoft-com:vml" xmlns:pvml="urn:schemas-microsoft-com:office:powerpoint" xmlns:com="http://schemas.openxmlformats.org/drawingml/2006/compatibility" xmlns:p14="http://schemas.microsoft.com/office/powerpoint/2010/main" xmlns:p15="http://schemas.microsoft.com/office/powerpoint/2012/main" showMasterPhAnim="0" showMasterSp="0">
   <p:cSld>
     <p:spTree>
       <p:nvGrpSpPr>
-        <p:cNvPr id="1" name="Shape 115"/>
+        <p:cNvPr id="115" name="Shape 115"/>
         <p:cNvGrpSpPr/>
         <p:nvPr/>
       </p:nvGrpSpPr>
@@ -1137,11 +1818,9 @@
       <p:sp>
         <p:nvSpPr>
           <p:cNvPr id="116" name="Google Shape;116;p3:notes"/>
-          <p:cNvSpPr>
-            <a:spLocks noGrp="1" noRot="1" noChangeAspect="1"/>
-          </p:cNvSpPr>
+          <p:cNvSpPr/>
           <p:nvPr>
-            <p:ph type="sldImg" idx="2"/>
+            <p:ph idx="2" type="sldImg"/>
           </p:nvPr>
         </p:nvSpPr>
         <p:spPr>
@@ -1150,13 +1829,9 @@
             <a:ext cx="6096000" cy="3429000"/>
           </a:xfrm>
           <a:custGeom>
-            <a:avLst/>
-            <a:gdLst/>
-            <a:ahLst/>
-            <a:cxnLst/>
-            <a:rect l="l" t="t" r="r" b="b"/>
+            <a:rect b="b" l="l" r="r" t="t"/>
             <a:pathLst>
-              <a:path w="120000" h="120000" extrusionOk="0">
+              <a:path extrusionOk="0" h="120000" w="120000">
                 <a:moveTo>
                   <a:pt x="0" y="0"/>
                 </a:moveTo>
@@ -1174,25 +1849,23 @@
             </a:pathLst>
           </a:custGeom>
           <a:noFill/>
-          <a:ln w="9525" cap="flat" cmpd="sng">
+          <a:ln cap="flat" cmpd="sng" w="9525">
             <a:solidFill>
               <a:srgbClr val="000000"/>
             </a:solidFill>
             <a:prstDash val="solid"/>
             <a:round/>
-            <a:headEnd type="none" w="sm" len="sm"/>
-            <a:tailEnd type="none" w="sm" len="sm"/>
+            <a:headEnd len="sm" w="sm" type="none"/>
+            <a:tailEnd len="sm" w="sm" type="none"/>
           </a:ln>
         </p:spPr>
       </p:sp>
       <p:sp>
         <p:nvSpPr>
           <p:cNvPr id="117" name="Google Shape;117;p3:notes"/>
-          <p:cNvSpPr txBox="1">
-            <a:spLocks noGrp="1"/>
-          </p:cNvSpPr>
+          <p:cNvSpPr txBox="1"/>
           <p:nvPr>
-            <p:ph type="body" idx="1"/>
+            <p:ph idx="1" type="body"/>
           </p:nvPr>
         </p:nvSpPr>
         <p:spPr>
@@ -1209,12 +1882,12 @@
           </a:ln>
         </p:spPr>
         <p:txBody>
-          <a:bodyPr spcFirstLastPara="1" wrap="square" lIns="91425" tIns="91425" rIns="91425" bIns="91425" anchor="t" anchorCtr="0">
+          <a:bodyPr anchorCtr="0" anchor="t" bIns="91425" lIns="91425" spcFirstLastPara="1" rIns="91425" wrap="square" tIns="91425">
             <a:noAutofit/>
           </a:bodyPr>
           <a:lstStyle/>
           <a:p>
-            <a:pPr marL="0" lvl="0" indent="0" algn="l" rtl="0">
+            <a:pPr indent="0" lvl="0" marL="0" rtl="0" algn="l">
               <a:lnSpc>
                 <a:spcPct val="100000"/>
               </a:lnSpc>
@@ -1227,6 +1900,9 @@
               <a:buSzPts val="1100"/>
               <a:buNone/>
             </a:pPr>
+            <a:r>
+              <a:t/>
+            </a:r>
             <a:endParaRPr/>
           </a:p>
         </p:txBody>
@@ -1240,11 +1916,11 @@
 </file>
 
 <file path=ppt/notesSlides/notesSlide4.xml><?xml version="1.0" encoding="utf-8"?>
-<p:notes xmlns:a="http://schemas.openxmlformats.org/drawingml/2006/main" xmlns:r="http://schemas.openxmlformats.org/officeDocument/2006/relationships" xmlns:p="http://schemas.openxmlformats.org/presentationml/2006/main" showMasterSp="0" showMasterPhAnim="0">
+<p:notes xmlns:a="http://schemas.openxmlformats.org/drawingml/2006/main" xmlns:r="http://schemas.openxmlformats.org/officeDocument/2006/relationships" xmlns:mc="http://schemas.openxmlformats.org/markup-compatibility/2006" xmlns:mv="urn:schemas-microsoft-com:mac:vml" xmlns:p="http://schemas.openxmlformats.org/presentationml/2006/main" xmlns:c="http://schemas.openxmlformats.org/drawingml/2006/chart" xmlns:dgm="http://schemas.openxmlformats.org/drawingml/2006/diagram" xmlns:o="urn:schemas-microsoft-com:office:office" xmlns:v="urn:schemas-microsoft-com:vml" xmlns:pvml="urn:schemas-microsoft-com:office:powerpoint" xmlns:com="http://schemas.openxmlformats.org/drawingml/2006/compatibility" xmlns:p14="http://schemas.microsoft.com/office/powerpoint/2010/main" xmlns:p15="http://schemas.microsoft.com/office/powerpoint/2012/main" showMasterPhAnim="0" showMasterSp="0">
   <p:cSld>
     <p:spTree>
       <p:nvGrpSpPr>
-        <p:cNvPr id="1" name="Shape 121"/>
+        <p:cNvPr id="121" name="Shape 121"/>
         <p:cNvGrpSpPr/>
         <p:nvPr/>
       </p:nvGrpSpPr>
@@ -1259,11 +1935,9 @@
       <p:sp>
         <p:nvSpPr>
           <p:cNvPr id="122" name="Google Shape;122;p5:notes"/>
-          <p:cNvSpPr>
-            <a:spLocks noGrp="1" noRot="1" noChangeAspect="1"/>
-          </p:cNvSpPr>
+          <p:cNvSpPr/>
           <p:nvPr>
-            <p:ph type="sldImg" idx="2"/>
+            <p:ph idx="2" type="sldImg"/>
           </p:nvPr>
         </p:nvSpPr>
         <p:spPr>
@@ -1272,13 +1946,9 @@
             <a:ext cx="6096000" cy="3429000"/>
           </a:xfrm>
           <a:custGeom>
-            <a:avLst/>
-            <a:gdLst/>
-            <a:ahLst/>
-            <a:cxnLst/>
-            <a:rect l="l" t="t" r="r" b="b"/>
+            <a:rect b="b" l="l" r="r" t="t"/>
             <a:pathLst>
-              <a:path w="120000" h="120000" extrusionOk="0">
+              <a:path extrusionOk="0" h="120000" w="120000">
                 <a:moveTo>
                   <a:pt x="0" y="0"/>
                 </a:moveTo>
@@ -1296,25 +1966,23 @@
             </a:pathLst>
           </a:custGeom>
           <a:noFill/>
-          <a:ln w="9525" cap="flat" cmpd="sng">
+          <a:ln cap="flat" cmpd="sng" w="9525">
             <a:solidFill>
               <a:srgbClr val="000000"/>
             </a:solidFill>
             <a:prstDash val="solid"/>
             <a:round/>
-            <a:headEnd type="none" w="sm" len="sm"/>
-            <a:tailEnd type="none" w="sm" len="sm"/>
+            <a:headEnd len="sm" w="sm" type="none"/>
+            <a:tailEnd len="sm" w="sm" type="none"/>
           </a:ln>
         </p:spPr>
       </p:sp>
       <p:sp>
         <p:nvSpPr>
           <p:cNvPr id="123" name="Google Shape;123;p5:notes"/>
-          <p:cNvSpPr txBox="1">
-            <a:spLocks noGrp="1"/>
-          </p:cNvSpPr>
+          <p:cNvSpPr txBox="1"/>
           <p:nvPr>
-            <p:ph type="body" idx="1"/>
+            <p:ph idx="1" type="body"/>
           </p:nvPr>
         </p:nvSpPr>
         <p:spPr>
@@ -1331,12 +1999,12 @@
           </a:ln>
         </p:spPr>
         <p:txBody>
-          <a:bodyPr spcFirstLastPara="1" wrap="square" lIns="91425" tIns="91425" rIns="91425" bIns="91425" anchor="t" anchorCtr="0">
+          <a:bodyPr anchorCtr="0" anchor="t" bIns="91425" lIns="91425" spcFirstLastPara="1" rIns="91425" wrap="square" tIns="91425">
             <a:noAutofit/>
           </a:bodyPr>
           <a:lstStyle/>
           <a:p>
-            <a:pPr marL="0" lvl="0" indent="0" algn="l" rtl="0">
+            <a:pPr indent="0" lvl="0" marL="0" rtl="0" algn="l">
               <a:lnSpc>
                 <a:spcPct val="100000"/>
               </a:lnSpc>
@@ -1349,6 +2017,9 @@
               <a:buSzPts val="1100"/>
               <a:buNone/>
             </a:pPr>
+            <a:r>
+              <a:t/>
+            </a:r>
             <a:endParaRPr/>
           </a:p>
         </p:txBody>
@@ -1362,11 +2033,11 @@
 </file>
 
 <file path=ppt/notesSlides/notesSlide5.xml><?xml version="1.0" encoding="utf-8"?>
-<p:notes xmlns:a="http://schemas.openxmlformats.org/drawingml/2006/main" xmlns:r="http://schemas.openxmlformats.org/officeDocument/2006/relationships" xmlns:p="http://schemas.openxmlformats.org/presentationml/2006/main" showMasterSp="0" showMasterPhAnim="0">
+<p:notes xmlns:a="http://schemas.openxmlformats.org/drawingml/2006/main" xmlns:r="http://schemas.openxmlformats.org/officeDocument/2006/relationships" xmlns:mc="http://schemas.openxmlformats.org/markup-compatibility/2006" xmlns:mv="urn:schemas-microsoft-com:mac:vml" xmlns:p="http://schemas.openxmlformats.org/presentationml/2006/main" xmlns:c="http://schemas.openxmlformats.org/drawingml/2006/chart" xmlns:dgm="http://schemas.openxmlformats.org/drawingml/2006/diagram" xmlns:o="urn:schemas-microsoft-com:office:office" xmlns:v="urn:schemas-microsoft-com:vml" xmlns:pvml="urn:schemas-microsoft-com:office:powerpoint" xmlns:com="http://schemas.openxmlformats.org/drawingml/2006/compatibility" xmlns:p14="http://schemas.microsoft.com/office/powerpoint/2010/main" xmlns:p15="http://schemas.microsoft.com/office/powerpoint/2012/main" showMasterPhAnim="0" showMasterSp="0">
   <p:cSld>
     <p:spTree>
       <p:nvGrpSpPr>
-        <p:cNvPr id="1" name="Shape 126"/>
+        <p:cNvPr id="126" name="Shape 126"/>
         <p:cNvGrpSpPr/>
         <p:nvPr/>
       </p:nvGrpSpPr>
@@ -1381,11 +2052,9 @@
       <p:sp>
         <p:nvSpPr>
           <p:cNvPr id="127" name="Google Shape;127;p6:notes"/>
-          <p:cNvSpPr>
-            <a:spLocks noGrp="1" noRot="1" noChangeAspect="1"/>
-          </p:cNvSpPr>
+          <p:cNvSpPr/>
           <p:nvPr>
-            <p:ph type="sldImg" idx="2"/>
+            <p:ph idx="2" type="sldImg"/>
           </p:nvPr>
         </p:nvSpPr>
         <p:spPr>
@@ -1394,13 +2063,9 @@
             <a:ext cx="6096000" cy="3429000"/>
           </a:xfrm>
           <a:custGeom>
-            <a:avLst/>
-            <a:gdLst/>
-            <a:ahLst/>
-            <a:cxnLst/>
-            <a:rect l="l" t="t" r="r" b="b"/>
+            <a:rect b="b" l="l" r="r" t="t"/>
             <a:pathLst>
-              <a:path w="120000" h="120000" extrusionOk="0">
+              <a:path extrusionOk="0" h="120000" w="120000">
                 <a:moveTo>
                   <a:pt x="0" y="0"/>
                 </a:moveTo>
@@ -1418,25 +2083,23 @@
             </a:pathLst>
           </a:custGeom>
           <a:noFill/>
-          <a:ln w="9525" cap="flat" cmpd="sng">
+          <a:ln cap="flat" cmpd="sng" w="9525">
             <a:solidFill>
               <a:srgbClr val="000000"/>
             </a:solidFill>
             <a:prstDash val="solid"/>
             <a:round/>
-            <a:headEnd type="none" w="sm" len="sm"/>
-            <a:tailEnd type="none" w="sm" len="sm"/>
+            <a:headEnd len="sm" w="sm" type="none"/>
+            <a:tailEnd len="sm" w="sm" type="none"/>
           </a:ln>
         </p:spPr>
       </p:sp>
       <p:sp>
         <p:nvSpPr>
           <p:cNvPr id="128" name="Google Shape;128;p6:notes"/>
-          <p:cNvSpPr txBox="1">
-            <a:spLocks noGrp="1"/>
-          </p:cNvSpPr>
+          <p:cNvSpPr txBox="1"/>
           <p:nvPr>
-            <p:ph type="body" idx="1"/>
+            <p:ph idx="1" type="body"/>
           </p:nvPr>
         </p:nvSpPr>
         <p:spPr>
@@ -1453,12 +2116,12 @@
           </a:ln>
         </p:spPr>
         <p:txBody>
-          <a:bodyPr spcFirstLastPara="1" wrap="square" lIns="91425" tIns="91425" rIns="91425" bIns="91425" anchor="t" anchorCtr="0">
+          <a:bodyPr anchorCtr="0" anchor="t" bIns="91425" lIns="91425" spcFirstLastPara="1" rIns="91425" wrap="square" tIns="91425">
             <a:noAutofit/>
           </a:bodyPr>
           <a:lstStyle/>
           <a:p>
-            <a:pPr marL="0" lvl="0" indent="0" algn="l" rtl="0">
+            <a:pPr indent="0" lvl="0" marL="0" rtl="0" algn="l">
               <a:lnSpc>
                 <a:spcPct val="100000"/>
               </a:lnSpc>
@@ -1471,6 +2134,9 @@
               <a:buSzPts val="1100"/>
               <a:buNone/>
             </a:pPr>
+            <a:r>
+              <a:t/>
+            </a:r>
             <a:endParaRPr/>
           </a:p>
         </p:txBody>
@@ -1484,11 +2150,11 @@
 </file>
 
 <file path=ppt/notesSlides/notesSlide6.xml><?xml version="1.0" encoding="utf-8"?>
-<p:notes xmlns:a="http://schemas.openxmlformats.org/drawingml/2006/main" xmlns:r="http://schemas.openxmlformats.org/officeDocument/2006/relationships" xmlns:p="http://schemas.openxmlformats.org/presentationml/2006/main" showMasterSp="0" showMasterPhAnim="0">
+<p:notes xmlns:a="http://schemas.openxmlformats.org/drawingml/2006/main" xmlns:r="http://schemas.openxmlformats.org/officeDocument/2006/relationships" xmlns:mc="http://schemas.openxmlformats.org/markup-compatibility/2006" xmlns:mv="urn:schemas-microsoft-com:mac:vml" xmlns:p="http://schemas.openxmlformats.org/presentationml/2006/main" xmlns:c="http://schemas.openxmlformats.org/drawingml/2006/chart" xmlns:dgm="http://schemas.openxmlformats.org/drawingml/2006/diagram" xmlns:o="urn:schemas-microsoft-com:office:office" xmlns:v="urn:schemas-microsoft-com:vml" xmlns:pvml="urn:schemas-microsoft-com:office:powerpoint" xmlns:com="http://schemas.openxmlformats.org/drawingml/2006/compatibility" xmlns:p14="http://schemas.microsoft.com/office/powerpoint/2010/main" xmlns:p15="http://schemas.microsoft.com/office/powerpoint/2012/main" showMasterPhAnim="0" showMasterSp="0">
   <p:cSld>
     <p:spTree>
       <p:nvGrpSpPr>
-        <p:cNvPr id="1" name="Shape 131"/>
+        <p:cNvPr id="131" name="Shape 131"/>
         <p:cNvGrpSpPr/>
         <p:nvPr/>
       </p:nvGrpSpPr>
@@ -1503,11 +2169,9 @@
       <p:sp>
         <p:nvSpPr>
           <p:cNvPr id="132" name="Google Shape;132;p7:notes"/>
-          <p:cNvSpPr txBox="1">
-            <a:spLocks noGrp="1"/>
-          </p:cNvSpPr>
+          <p:cNvSpPr txBox="1"/>
           <p:nvPr>
-            <p:ph type="body" idx="1"/>
+            <p:ph idx="1" type="body"/>
           </p:nvPr>
         </p:nvSpPr>
         <p:spPr>
@@ -1524,12 +2188,12 @@
           </a:ln>
         </p:spPr>
         <p:txBody>
-          <a:bodyPr spcFirstLastPara="1" wrap="square" lIns="91425" tIns="91425" rIns="91425" bIns="91425" anchor="t" anchorCtr="0">
+          <a:bodyPr anchorCtr="0" anchor="t" bIns="91425" lIns="91425" spcFirstLastPara="1" rIns="91425" wrap="square" tIns="91425">
             <a:noAutofit/>
           </a:bodyPr>
           <a:lstStyle/>
           <a:p>
-            <a:pPr marL="0" lvl="0" indent="0" algn="l" rtl="0">
+            <a:pPr indent="0" lvl="0" marL="0" rtl="0" algn="l">
               <a:lnSpc>
                 <a:spcPct val="100000"/>
               </a:lnSpc>
@@ -1542,6 +2206,9 @@
               <a:buSzPts val="1100"/>
               <a:buNone/>
             </a:pPr>
+            <a:r>
+              <a:t/>
+            </a:r>
             <a:endParaRPr/>
           </a:p>
         </p:txBody>
@@ -1549,11 +2216,9 @@
       <p:sp>
         <p:nvSpPr>
           <p:cNvPr id="133" name="Google Shape;133;p7:notes"/>
-          <p:cNvSpPr>
-            <a:spLocks noGrp="1" noRot="1" noChangeAspect="1"/>
-          </p:cNvSpPr>
+          <p:cNvSpPr/>
           <p:nvPr>
-            <p:ph type="sldImg" idx="2"/>
+            <p:ph idx="2" type="sldImg"/>
           </p:nvPr>
         </p:nvSpPr>
         <p:spPr>
@@ -1562,13 +2227,9 @@
             <a:ext cx="6096075" cy="3429000"/>
           </a:xfrm>
           <a:custGeom>
-            <a:avLst/>
-            <a:gdLst/>
-            <a:ahLst/>
-            <a:cxnLst/>
-            <a:rect l="l" t="t" r="r" b="b"/>
+            <a:rect b="b" l="l" r="r" t="t"/>
             <a:pathLst>
-              <a:path w="120000" h="120000" extrusionOk="0">
+              <a:path extrusionOk="0" h="120000" w="120000">
                 <a:moveTo>
                   <a:pt x="0" y="0"/>
                 </a:moveTo>
@@ -1586,14 +2247,14 @@
             </a:pathLst>
           </a:custGeom>
           <a:noFill/>
-          <a:ln w="9525" cap="flat" cmpd="sng">
+          <a:ln cap="flat" cmpd="sng" w="9525">
             <a:solidFill>
               <a:srgbClr val="000000"/>
             </a:solidFill>
             <a:prstDash val="solid"/>
             <a:round/>
-            <a:headEnd type="none" w="sm" len="sm"/>
-            <a:tailEnd type="none" w="sm" len="sm"/>
+            <a:headEnd len="sm" w="sm" type="none"/>
+            <a:tailEnd len="sm" w="sm" type="none"/>
           </a:ln>
         </p:spPr>
       </p:sp>
@@ -1605,20 +2266,316 @@
 </p:notes>
 </file>
 
+<file path=ppt/notesSlides/notesSlide7.xml><?xml version="1.0" encoding="utf-8"?>
+<p:notes xmlns:a="http://schemas.openxmlformats.org/drawingml/2006/main" xmlns:r="http://schemas.openxmlformats.org/officeDocument/2006/relationships" xmlns:mc="http://schemas.openxmlformats.org/markup-compatibility/2006" xmlns:mv="urn:schemas-microsoft-com:mac:vml" xmlns:p="http://schemas.openxmlformats.org/presentationml/2006/main" xmlns:c="http://schemas.openxmlformats.org/drawingml/2006/chart" xmlns:dgm="http://schemas.openxmlformats.org/drawingml/2006/diagram" xmlns:o="urn:schemas-microsoft-com:office:office" xmlns:v="urn:schemas-microsoft-com:vml" xmlns:pvml="urn:schemas-microsoft-com:office:powerpoint" xmlns:com="http://schemas.openxmlformats.org/drawingml/2006/compatibility" xmlns:p14="http://schemas.microsoft.com/office/powerpoint/2010/main" xmlns:p15="http://schemas.microsoft.com/office/powerpoint/2012/main" showMasterPhAnim="0" showMasterSp="0">
+  <p:cSld>
+    <p:spTree>
+      <p:nvGrpSpPr>
+        <p:cNvPr id="137" name="Shape 137"/>
+        <p:cNvGrpSpPr/>
+        <p:nvPr/>
+      </p:nvGrpSpPr>
+      <p:grpSpPr>
+        <a:xfrm>
+          <a:off x="0" y="0"/>
+          <a:ext cx="0" cy="0"/>
+          <a:chOff x="0" y="0"/>
+          <a:chExt cx="0" cy="0"/>
+        </a:xfrm>
+      </p:grpSpPr>
+      <p:sp>
+        <p:nvSpPr>
+          <p:cNvPr id="138" name="Google Shape;138;p4:notes"/>
+          <p:cNvSpPr txBox="1"/>
+          <p:nvPr>
+            <p:ph idx="1" type="body"/>
+          </p:nvPr>
+        </p:nvSpPr>
+        <p:spPr>
+          <a:xfrm>
+            <a:off x="685800" y="4343400"/>
+            <a:ext cx="5486400" cy="4114800"/>
+          </a:xfrm>
+          <a:prstGeom prst="rect">
+            <a:avLst/>
+          </a:prstGeom>
+        </p:spPr>
+        <p:txBody>
+          <a:bodyPr anchorCtr="0" anchor="t" bIns="91425" lIns="91425" spcFirstLastPara="1" rIns="91425" wrap="square" tIns="91425">
+            <a:noAutofit/>
+          </a:bodyPr>
+          <a:lstStyle/>
+          <a:p>
+            <a:pPr indent="0" lvl="0" marL="0" rtl="0" algn="l">
+              <a:spcBef>
+                <a:spcPts val="0"/>
+              </a:spcBef>
+              <a:spcAft>
+                <a:spcPts val="0"/>
+              </a:spcAft>
+              <a:buNone/>
+            </a:pPr>
+            <a:r>
+              <a:t/>
+            </a:r>
+            <a:endParaRPr/>
+          </a:p>
+        </p:txBody>
+      </p:sp>
+      <p:sp>
+        <p:nvSpPr>
+          <p:cNvPr id="139" name="Google Shape;139;p4:notes"/>
+          <p:cNvSpPr/>
+          <p:nvPr>
+            <p:ph idx="2" type="sldImg"/>
+          </p:nvPr>
+        </p:nvSpPr>
+        <p:spPr>
+          <a:xfrm>
+            <a:off x="381300" y="685800"/>
+            <a:ext cx="6096075" cy="3429000"/>
+          </a:xfrm>
+          <a:custGeom>
+            <a:rect b="b" l="l" r="r" t="t"/>
+            <a:pathLst>
+              <a:path extrusionOk="0" h="120000" w="120000">
+                <a:moveTo>
+                  <a:pt x="0" y="0"/>
+                </a:moveTo>
+                <a:lnTo>
+                  <a:pt x="120000" y="0"/>
+                </a:lnTo>
+                <a:lnTo>
+                  <a:pt x="120000" y="120000"/>
+                </a:lnTo>
+                <a:lnTo>
+                  <a:pt x="0" y="120000"/>
+                </a:lnTo>
+                <a:close/>
+              </a:path>
+            </a:pathLst>
+          </a:custGeom>
+        </p:spPr>
+      </p:sp>
+    </p:spTree>
+  </p:cSld>
+  <p:clrMapOvr>
+    <a:masterClrMapping/>
+  </p:clrMapOvr>
+</p:notes>
+</file>
+
+<file path=ppt/notesSlides/notesSlide8.xml><?xml version="1.0" encoding="utf-8"?>
+<p:notes xmlns:a="http://schemas.openxmlformats.org/drawingml/2006/main" xmlns:r="http://schemas.openxmlformats.org/officeDocument/2006/relationships" xmlns:mc="http://schemas.openxmlformats.org/markup-compatibility/2006" xmlns:mv="urn:schemas-microsoft-com:mac:vml" xmlns:p="http://schemas.openxmlformats.org/presentationml/2006/main" xmlns:c="http://schemas.openxmlformats.org/drawingml/2006/chart" xmlns:dgm="http://schemas.openxmlformats.org/drawingml/2006/diagram" xmlns:o="urn:schemas-microsoft-com:office:office" xmlns:v="urn:schemas-microsoft-com:vml" xmlns:pvml="urn:schemas-microsoft-com:office:powerpoint" xmlns:com="http://schemas.openxmlformats.org/drawingml/2006/compatibility" xmlns:p14="http://schemas.microsoft.com/office/powerpoint/2010/main" xmlns:p15="http://schemas.microsoft.com/office/powerpoint/2012/main" showMasterPhAnim="0" showMasterSp="0">
+  <p:cSld>
+    <p:spTree>
+      <p:nvGrpSpPr>
+        <p:cNvPr id="143" name="Shape 143"/>
+        <p:cNvGrpSpPr/>
+        <p:nvPr/>
+      </p:nvGrpSpPr>
+      <p:grpSpPr>
+        <a:xfrm>
+          <a:off x="0" y="0"/>
+          <a:ext cx="0" cy="0"/>
+          <a:chOff x="0" y="0"/>
+          <a:chExt cx="0" cy="0"/>
+        </a:xfrm>
+      </p:grpSpPr>
+      <p:sp>
+        <p:nvSpPr>
+          <p:cNvPr id="144" name="Google Shape;144;g8a312b9e02_0_0:notes"/>
+          <p:cNvSpPr txBox="1"/>
+          <p:nvPr>
+            <p:ph idx="1" type="body"/>
+          </p:nvPr>
+        </p:nvSpPr>
+        <p:spPr>
+          <a:xfrm>
+            <a:off x="685800" y="4343400"/>
+            <a:ext cx="5486400" cy="4114800"/>
+          </a:xfrm>
+          <a:prstGeom prst="rect">
+            <a:avLst/>
+          </a:prstGeom>
+        </p:spPr>
+        <p:txBody>
+          <a:bodyPr anchorCtr="0" anchor="t" bIns="91425" lIns="91425" spcFirstLastPara="1" rIns="91425" wrap="square" tIns="91425">
+            <a:noAutofit/>
+          </a:bodyPr>
+          <a:lstStyle/>
+          <a:p>
+            <a:pPr indent="0" lvl="0" marL="0" rtl="0" algn="l">
+              <a:spcBef>
+                <a:spcPts val="0"/>
+              </a:spcBef>
+              <a:spcAft>
+                <a:spcPts val="0"/>
+              </a:spcAft>
+              <a:buNone/>
+            </a:pPr>
+            <a:r>
+              <a:t/>
+            </a:r>
+            <a:endParaRPr/>
+          </a:p>
+        </p:txBody>
+      </p:sp>
+      <p:sp>
+        <p:nvSpPr>
+          <p:cNvPr id="145" name="Google Shape;145;g8a312b9e02_0_0:notes"/>
+          <p:cNvSpPr/>
+          <p:nvPr>
+            <p:ph idx="2" type="sldImg"/>
+          </p:nvPr>
+        </p:nvSpPr>
+        <p:spPr>
+          <a:xfrm>
+            <a:off x="381300" y="685800"/>
+            <a:ext cx="6096000" cy="3429000"/>
+          </a:xfrm>
+          <a:custGeom>
+            <a:rect b="b" l="l" r="r" t="t"/>
+            <a:pathLst>
+              <a:path extrusionOk="0" h="120000" w="120000">
+                <a:moveTo>
+                  <a:pt x="0" y="0"/>
+                </a:moveTo>
+                <a:lnTo>
+                  <a:pt x="120000" y="0"/>
+                </a:lnTo>
+                <a:lnTo>
+                  <a:pt x="120000" y="120000"/>
+                </a:lnTo>
+                <a:lnTo>
+                  <a:pt x="0" y="120000"/>
+                </a:lnTo>
+                <a:close/>
+              </a:path>
+            </a:pathLst>
+          </a:custGeom>
+        </p:spPr>
+      </p:sp>
+    </p:spTree>
+  </p:cSld>
+  <p:clrMapOvr>
+    <a:masterClrMapping/>
+  </p:clrMapOvr>
+</p:notes>
+</file>
+
+<file path=ppt/notesSlides/notesSlide9.xml><?xml version="1.0" encoding="utf-8"?>
+<p:notes xmlns:a="http://schemas.openxmlformats.org/drawingml/2006/main" xmlns:r="http://schemas.openxmlformats.org/officeDocument/2006/relationships" xmlns:mc="http://schemas.openxmlformats.org/markup-compatibility/2006" xmlns:mv="urn:schemas-microsoft-com:mac:vml" xmlns:p="http://schemas.openxmlformats.org/presentationml/2006/main" xmlns:c="http://schemas.openxmlformats.org/drawingml/2006/chart" xmlns:dgm="http://schemas.openxmlformats.org/drawingml/2006/diagram" xmlns:o="urn:schemas-microsoft-com:office:office" xmlns:v="urn:schemas-microsoft-com:vml" xmlns:pvml="urn:schemas-microsoft-com:office:powerpoint" xmlns:com="http://schemas.openxmlformats.org/drawingml/2006/compatibility" xmlns:p14="http://schemas.microsoft.com/office/powerpoint/2010/main" xmlns:p15="http://schemas.microsoft.com/office/powerpoint/2012/main" showMasterPhAnim="0" showMasterSp="0">
+  <p:cSld>
+    <p:spTree>
+      <p:nvGrpSpPr>
+        <p:cNvPr id="149" name="Shape 149"/>
+        <p:cNvGrpSpPr/>
+        <p:nvPr/>
+      </p:nvGrpSpPr>
+      <p:grpSpPr>
+        <a:xfrm>
+          <a:off x="0" y="0"/>
+          <a:ext cx="0" cy="0"/>
+          <a:chOff x="0" y="0"/>
+          <a:chExt cx="0" cy="0"/>
+        </a:xfrm>
+      </p:grpSpPr>
+      <p:sp>
+        <p:nvSpPr>
+          <p:cNvPr id="150" name="Google Shape;150;g8a312b9e02_0_7:notes"/>
+          <p:cNvSpPr txBox="1"/>
+          <p:nvPr>
+            <p:ph idx="1" type="body"/>
+          </p:nvPr>
+        </p:nvSpPr>
+        <p:spPr>
+          <a:xfrm>
+            <a:off x="685800" y="4343400"/>
+            <a:ext cx="5486400" cy="4114800"/>
+          </a:xfrm>
+          <a:prstGeom prst="rect">
+            <a:avLst/>
+          </a:prstGeom>
+        </p:spPr>
+        <p:txBody>
+          <a:bodyPr anchorCtr="0" anchor="t" bIns="91425" lIns="91425" spcFirstLastPara="1" rIns="91425" wrap="square" tIns="91425">
+            <a:noAutofit/>
+          </a:bodyPr>
+          <a:lstStyle/>
+          <a:p>
+            <a:pPr indent="0" lvl="0" marL="0" rtl="0" algn="l">
+              <a:spcBef>
+                <a:spcPts val="0"/>
+              </a:spcBef>
+              <a:spcAft>
+                <a:spcPts val="0"/>
+              </a:spcAft>
+              <a:buNone/>
+            </a:pPr>
+            <a:r>
+              <a:t/>
+            </a:r>
+            <a:endParaRPr/>
+          </a:p>
+        </p:txBody>
+      </p:sp>
+      <p:sp>
+        <p:nvSpPr>
+          <p:cNvPr id="151" name="Google Shape;151;g8a312b9e02_0_7:notes"/>
+          <p:cNvSpPr/>
+          <p:nvPr>
+            <p:ph idx="2" type="sldImg"/>
+          </p:nvPr>
+        </p:nvSpPr>
+        <p:spPr>
+          <a:xfrm>
+            <a:off x="381300" y="685800"/>
+            <a:ext cx="6096000" cy="3429000"/>
+          </a:xfrm>
+          <a:custGeom>
+            <a:rect b="b" l="l" r="r" t="t"/>
+            <a:pathLst>
+              <a:path extrusionOk="0" h="120000" w="120000">
+                <a:moveTo>
+                  <a:pt x="0" y="0"/>
+                </a:moveTo>
+                <a:lnTo>
+                  <a:pt x="120000" y="0"/>
+                </a:lnTo>
+                <a:lnTo>
+                  <a:pt x="120000" y="120000"/>
+                </a:lnTo>
+                <a:lnTo>
+                  <a:pt x="0" y="120000"/>
+                </a:lnTo>
+                <a:close/>
+              </a:path>
+            </a:pathLst>
+          </a:custGeom>
+        </p:spPr>
+      </p:sp>
+    </p:spTree>
+  </p:cSld>
+  <p:clrMapOvr>
+    <a:masterClrMapping/>
+  </p:clrMapOvr>
+</p:notes>
+</file>
+
 <file path=ppt/slideLayouts/slideLayout1.xml><?xml version="1.0" encoding="utf-8"?>
-<p:sldLayout xmlns:a="http://schemas.openxmlformats.org/drawingml/2006/main" xmlns:r="http://schemas.openxmlformats.org/officeDocument/2006/relationships" xmlns:p="http://schemas.openxmlformats.org/presentationml/2006/main" matchingName="Title slide" type="title">
+<p:sldLayout xmlns:a="http://schemas.openxmlformats.org/drawingml/2006/main" xmlns:r="http://schemas.openxmlformats.org/officeDocument/2006/relationships" xmlns:mc="http://schemas.openxmlformats.org/markup-compatibility/2006" xmlns:mv="urn:schemas-microsoft-com:mac:vml" xmlns:p="http://schemas.openxmlformats.org/presentationml/2006/main" xmlns:c="http://schemas.openxmlformats.org/drawingml/2006/chart" xmlns:dgm="http://schemas.openxmlformats.org/drawingml/2006/diagram" xmlns:o="urn:schemas-microsoft-com:office:office" xmlns:v="urn:schemas-microsoft-com:vml" xmlns:pvml="urn:schemas-microsoft-com:office:powerpoint" xmlns:com="http://schemas.openxmlformats.org/drawingml/2006/compatibility" xmlns:p14="http://schemas.microsoft.com/office/powerpoint/2010/main" xmlns:p15="http://schemas.microsoft.com/office/powerpoint/2012/main" matchingName="Title slide" type="title">
   <p:cSld name="TITLE">
     <p:bg>
       <p:bgPr>
         <a:solidFill>
           <a:schemeClr val="lt2"/>
         </a:solidFill>
-        <a:effectLst/>
       </p:bgPr>
     </p:bg>
     <p:spTree>
       <p:nvGrpSpPr>
-        <p:cNvPr id="1" name="Shape 9"/>
+        <p:cNvPr id="9" name="Shape 9"/>
         <p:cNvGrpSpPr/>
         <p:nvPr/>
       </p:nvGrpSpPr>
@@ -1666,12 +2623,12 @@
             </a:ln>
           </p:spPr>
           <p:txBody>
-            <a:bodyPr spcFirstLastPara="1" wrap="square" lIns="91425" tIns="91425" rIns="91425" bIns="91425" anchor="ctr" anchorCtr="0">
+            <a:bodyPr anchorCtr="0" anchor="ctr" bIns="91425" lIns="91425" spcFirstLastPara="1" rIns="91425" wrap="square" tIns="91425">
               <a:noAutofit/>
             </a:bodyPr>
             <a:lstStyle/>
             <a:p>
-              <a:pPr marL="0" marR="0" lvl="0" indent="0" algn="l" rtl="0">
+              <a:pPr indent="0" lvl="0" marL="0" marR="0" rtl="0" algn="l">
                 <a:lnSpc>
                   <a:spcPct val="100000"/>
                 </a:lnSpc>
@@ -1688,7 +2645,10 @@
                 <a:buFont typeface="Arial"/>
                 <a:buNone/>
               </a:pPr>
-              <a:endParaRPr sz="1400" b="0" i="0" u="none" strike="noStrike" cap="none">
+              <a:r>
+                <a:t/>
+              </a:r>
+              <a:endParaRPr b="0" i="0" sz="1400" u="none" cap="none" strike="noStrike">
                 <a:solidFill>
                   <a:srgbClr val="000000"/>
                 </a:solidFill>
@@ -1722,12 +2682,12 @@
             </a:ln>
           </p:spPr>
           <p:txBody>
-            <a:bodyPr spcFirstLastPara="1" wrap="square" lIns="91425" tIns="91425" rIns="91425" bIns="91425" anchor="ctr" anchorCtr="0">
+            <a:bodyPr anchorCtr="0" anchor="ctr" bIns="91425" lIns="91425" spcFirstLastPara="1" rIns="91425" wrap="square" tIns="91425">
               <a:noAutofit/>
             </a:bodyPr>
             <a:lstStyle/>
             <a:p>
-              <a:pPr marL="0" marR="0" lvl="0" indent="0" algn="l" rtl="0">
+              <a:pPr indent="0" lvl="0" marL="0" marR="0" rtl="0" algn="l">
                 <a:lnSpc>
                   <a:spcPct val="100000"/>
                 </a:lnSpc>
@@ -1744,7 +2704,10 @@
                 <a:buFont typeface="Arial"/>
                 <a:buNone/>
               </a:pPr>
-              <a:endParaRPr sz="1400" b="0" i="0" u="none" strike="noStrike" cap="none">
+              <a:r>
+                <a:t/>
+              </a:r>
+              <a:endParaRPr b="0" i="0" sz="1400" u="none" cap="none" strike="noStrike">
                 <a:solidFill>
                   <a:srgbClr val="000000"/>
                 </a:solidFill>
@@ -1760,9 +2723,7 @@
       <p:sp>
         <p:nvSpPr>
           <p:cNvPr id="13" name="Google Shape;13;p34"/>
-          <p:cNvSpPr txBox="1">
-            <a:spLocks noGrp="1"/>
-          </p:cNvSpPr>
+          <p:cNvSpPr txBox="1"/>
           <p:nvPr>
             <p:ph type="ctrTitle"/>
           </p:nvPr>
@@ -1781,7 +2742,7 @@
           </a:ln>
         </p:spPr>
         <p:txBody>
-          <a:bodyPr spcFirstLastPara="1" wrap="square" lIns="91425" tIns="91425" rIns="91425" bIns="91425" anchor="t" anchorCtr="0">
+          <a:bodyPr anchorCtr="0" anchor="t" bIns="91425" lIns="91425" spcFirstLastPara="1" rIns="91425" wrap="square" tIns="91425">
             <a:noAutofit/>
           </a:bodyPr>
           <a:lstStyle>
@@ -1975,19 +2936,15 @@
               </a:defRPr>
             </a:lvl9pPr>
           </a:lstStyle>
-          <a:p>
-            <a:endParaRPr/>
-          </a:p>
+          <a:p/>
         </p:txBody>
       </p:sp>
       <p:sp>
         <p:nvSpPr>
           <p:cNvPr id="14" name="Google Shape;14;p34"/>
-          <p:cNvSpPr txBox="1">
-            <a:spLocks noGrp="1"/>
-          </p:cNvSpPr>
+          <p:cNvSpPr txBox="1"/>
           <p:nvPr>
-            <p:ph type="subTitle" idx="1"/>
+            <p:ph idx="1" type="subTitle"/>
           </p:nvPr>
         </p:nvSpPr>
         <p:spPr>
@@ -2004,7 +2961,7 @@
           </a:ln>
         </p:spPr>
         <p:txBody>
-          <a:bodyPr spcFirstLastPara="1" wrap="square" lIns="91425" tIns="91425" rIns="91425" bIns="91425" anchor="t" anchorCtr="0">
+          <a:bodyPr anchorCtr="0" anchor="t" bIns="91425" lIns="91425" spcFirstLastPara="1" rIns="91425" wrap="square" tIns="91425">
             <a:noAutofit/>
           </a:bodyPr>
           <a:lstStyle>
@@ -2135,19 +3092,15 @@
               <a:defRPr sz="1600"/>
             </a:lvl9pPr>
           </a:lstStyle>
-          <a:p>
-            <a:endParaRPr/>
-          </a:p>
+          <a:p/>
         </p:txBody>
       </p:sp>
       <p:sp>
         <p:nvSpPr>
           <p:cNvPr id="15" name="Google Shape;15;p34"/>
-          <p:cNvSpPr txBox="1">
-            <a:spLocks noGrp="1"/>
-          </p:cNvSpPr>
+          <p:cNvSpPr txBox="1"/>
           <p:nvPr>
-            <p:ph type="sldNum" idx="12"/>
+            <p:ph idx="12" type="sldNum"/>
           </p:nvPr>
         </p:nvSpPr>
         <p:spPr>
@@ -2164,11 +3117,11 @@
           </a:ln>
         </p:spPr>
         <p:txBody>
-          <a:bodyPr spcFirstLastPara="1" wrap="square" lIns="91425" tIns="91425" rIns="91425" bIns="91425" anchor="ctr" anchorCtr="0">
+          <a:bodyPr anchorCtr="0" anchor="ctr" bIns="91425" lIns="91425" spcFirstLastPara="1" rIns="91425" wrap="square" tIns="91425">
             <a:noAutofit/>
           </a:bodyPr>
           <a:lstStyle>
-            <a:lvl1pPr marL="0" marR="0" lvl="0" indent="0" algn="r">
+            <a:lvl1pPr indent="0" lvl="0" marL="0" marR="0" algn="r">
               <a:lnSpc>
                 <a:spcPct val="100000"/>
               </a:lnSpc>
@@ -2184,7 +3137,7 @@
               <a:buSzPts val="1000"/>
               <a:buFont typeface="Arial"/>
               <a:buNone/>
-              <a:defRPr sz="1000" b="0" i="0" u="none" strike="noStrike" cap="none">
+              <a:defRPr b="0" i="0" sz="1000" u="none" cap="none" strike="noStrike">
                 <a:solidFill>
                   <a:schemeClr val="accent1"/>
                 </a:solidFill>
@@ -2194,7 +3147,7 @@
                 <a:sym typeface="Lato"/>
               </a:defRPr>
             </a:lvl1pPr>
-            <a:lvl2pPr marL="0" marR="0" lvl="1" indent="0" algn="r">
+            <a:lvl2pPr indent="0" lvl="1" marL="0" marR="0" algn="r">
               <a:lnSpc>
                 <a:spcPct val="100000"/>
               </a:lnSpc>
@@ -2210,7 +3163,7 @@
               <a:buSzPts val="1000"/>
               <a:buFont typeface="Arial"/>
               <a:buNone/>
-              <a:defRPr sz="1000" b="0" i="0" u="none" strike="noStrike" cap="none">
+              <a:defRPr b="0" i="0" sz="1000" u="none" cap="none" strike="noStrike">
                 <a:solidFill>
                   <a:schemeClr val="accent1"/>
                 </a:solidFill>
@@ -2220,7 +3173,7 @@
                 <a:sym typeface="Lato"/>
               </a:defRPr>
             </a:lvl2pPr>
-            <a:lvl3pPr marL="0" marR="0" lvl="2" indent="0" algn="r">
+            <a:lvl3pPr indent="0" lvl="2" marL="0" marR="0" algn="r">
               <a:lnSpc>
                 <a:spcPct val="100000"/>
               </a:lnSpc>
@@ -2236,7 +3189,7 @@
               <a:buSzPts val="1000"/>
               <a:buFont typeface="Arial"/>
               <a:buNone/>
-              <a:defRPr sz="1000" b="0" i="0" u="none" strike="noStrike" cap="none">
+              <a:defRPr b="0" i="0" sz="1000" u="none" cap="none" strike="noStrike">
                 <a:solidFill>
                   <a:schemeClr val="accent1"/>
                 </a:solidFill>
@@ -2246,7 +3199,7 @@
                 <a:sym typeface="Lato"/>
               </a:defRPr>
             </a:lvl3pPr>
-            <a:lvl4pPr marL="0" marR="0" lvl="3" indent="0" algn="r">
+            <a:lvl4pPr indent="0" lvl="3" marL="0" marR="0" algn="r">
               <a:lnSpc>
                 <a:spcPct val="100000"/>
               </a:lnSpc>
@@ -2262,7 +3215,7 @@
               <a:buSzPts val="1000"/>
               <a:buFont typeface="Arial"/>
               <a:buNone/>
-              <a:defRPr sz="1000" b="0" i="0" u="none" strike="noStrike" cap="none">
+              <a:defRPr b="0" i="0" sz="1000" u="none" cap="none" strike="noStrike">
                 <a:solidFill>
                   <a:schemeClr val="accent1"/>
                 </a:solidFill>
@@ -2272,7 +3225,7 @@
                 <a:sym typeface="Lato"/>
               </a:defRPr>
             </a:lvl4pPr>
-            <a:lvl5pPr marL="0" marR="0" lvl="4" indent="0" algn="r">
+            <a:lvl5pPr indent="0" lvl="4" marL="0" marR="0" algn="r">
               <a:lnSpc>
                 <a:spcPct val="100000"/>
               </a:lnSpc>
@@ -2288,7 +3241,7 @@
               <a:buSzPts val="1000"/>
               <a:buFont typeface="Arial"/>
               <a:buNone/>
-              <a:defRPr sz="1000" b="0" i="0" u="none" strike="noStrike" cap="none">
+              <a:defRPr b="0" i="0" sz="1000" u="none" cap="none" strike="noStrike">
                 <a:solidFill>
                   <a:schemeClr val="accent1"/>
                 </a:solidFill>
@@ -2298,7 +3251,7 @@
                 <a:sym typeface="Lato"/>
               </a:defRPr>
             </a:lvl5pPr>
-            <a:lvl6pPr marL="0" marR="0" lvl="5" indent="0" algn="r">
+            <a:lvl6pPr indent="0" lvl="5" marL="0" marR="0" algn="r">
               <a:lnSpc>
                 <a:spcPct val="100000"/>
               </a:lnSpc>
@@ -2314,7 +3267,7 @@
               <a:buSzPts val="1000"/>
               <a:buFont typeface="Arial"/>
               <a:buNone/>
-              <a:defRPr sz="1000" b="0" i="0" u="none" strike="noStrike" cap="none">
+              <a:defRPr b="0" i="0" sz="1000" u="none" cap="none" strike="noStrike">
                 <a:solidFill>
                   <a:schemeClr val="accent1"/>
                 </a:solidFill>
@@ -2324,7 +3277,7 @@
                 <a:sym typeface="Lato"/>
               </a:defRPr>
             </a:lvl6pPr>
-            <a:lvl7pPr marL="0" marR="0" lvl="6" indent="0" algn="r">
+            <a:lvl7pPr indent="0" lvl="6" marL="0" marR="0" algn="r">
               <a:lnSpc>
                 <a:spcPct val="100000"/>
               </a:lnSpc>
@@ -2340,7 +3293,7 @@
               <a:buSzPts val="1000"/>
               <a:buFont typeface="Arial"/>
               <a:buNone/>
-              <a:defRPr sz="1000" b="0" i="0" u="none" strike="noStrike" cap="none">
+              <a:defRPr b="0" i="0" sz="1000" u="none" cap="none" strike="noStrike">
                 <a:solidFill>
                   <a:schemeClr val="accent1"/>
                 </a:solidFill>
@@ -2350,7 +3303,7 @@
                 <a:sym typeface="Lato"/>
               </a:defRPr>
             </a:lvl7pPr>
-            <a:lvl8pPr marL="0" marR="0" lvl="7" indent="0" algn="r">
+            <a:lvl8pPr indent="0" lvl="7" marL="0" marR="0" algn="r">
               <a:lnSpc>
                 <a:spcPct val="100000"/>
               </a:lnSpc>
@@ -2366,7 +3319,7 @@
               <a:buSzPts val="1000"/>
               <a:buFont typeface="Arial"/>
               <a:buNone/>
-              <a:defRPr sz="1000" b="0" i="0" u="none" strike="noStrike" cap="none">
+              <a:defRPr b="0" i="0" sz="1000" u="none" cap="none" strike="noStrike">
                 <a:solidFill>
                   <a:schemeClr val="accent1"/>
                 </a:solidFill>
@@ -2376,7 +3329,7 @@
                 <a:sym typeface="Lato"/>
               </a:defRPr>
             </a:lvl8pPr>
-            <a:lvl9pPr marL="0" marR="0" lvl="8" indent="0" algn="r">
+            <a:lvl9pPr indent="0" lvl="8" marL="0" marR="0" algn="r">
               <a:lnSpc>
                 <a:spcPct val="100000"/>
               </a:lnSpc>
@@ -2392,7 +3345,7 @@
               <a:buSzPts val="1000"/>
               <a:buFont typeface="Arial"/>
               <a:buNone/>
-              <a:defRPr sz="1000" b="0" i="0" u="none" strike="noStrike" cap="none">
+              <a:defRPr b="0" i="0" sz="1000" u="none" cap="none" strike="noStrike">
                 <a:solidFill>
                   <a:schemeClr val="accent1"/>
                 </a:solidFill>
@@ -2404,7 +3357,7 @@
             </a:lvl9pPr>
           </a:lstStyle>
           <a:p>
-            <a:pPr marL="0" lvl="0" indent="0" algn="r" rtl="0">
+            <a:pPr indent="0" lvl="0" marL="0" rtl="0" algn="r">
               <a:spcBef>
                 <a:spcPts val="0"/>
               </a:spcBef>
@@ -2430,19 +3383,18 @@
 </file>
 
 <file path=ppt/slideLayouts/slideLayout10.xml><?xml version="1.0" encoding="utf-8"?>
-<p:sldLayout xmlns:a="http://schemas.openxmlformats.org/drawingml/2006/main" xmlns:r="http://schemas.openxmlformats.org/officeDocument/2006/relationships" xmlns:p="http://schemas.openxmlformats.org/presentationml/2006/main" matchingName="Big number">
+<p:sldLayout xmlns:a="http://schemas.openxmlformats.org/drawingml/2006/main" xmlns:r="http://schemas.openxmlformats.org/officeDocument/2006/relationships" xmlns:mc="http://schemas.openxmlformats.org/markup-compatibility/2006" xmlns:mv="urn:schemas-microsoft-com:mac:vml" xmlns:p="http://schemas.openxmlformats.org/presentationml/2006/main" xmlns:c="http://schemas.openxmlformats.org/drawingml/2006/chart" xmlns:dgm="http://schemas.openxmlformats.org/drawingml/2006/diagram" xmlns:o="urn:schemas-microsoft-com:office:office" xmlns:v="urn:schemas-microsoft-com:vml" xmlns:pvml="urn:schemas-microsoft-com:office:powerpoint" xmlns:com="http://schemas.openxmlformats.org/drawingml/2006/compatibility" xmlns:p14="http://schemas.microsoft.com/office/powerpoint/2010/main" xmlns:p15="http://schemas.microsoft.com/office/powerpoint/2012/main" matchingName="Big number">
   <p:cSld name="BIG_NUMBER">
     <p:bg>
       <p:bgPr>
         <a:solidFill>
           <a:schemeClr val="dk1"/>
         </a:solidFill>
-        <a:effectLst/>
       </p:bgPr>
     </p:bg>
     <p:spTree>
       <p:nvGrpSpPr>
-        <p:cNvPr id="1" name="Shape 82"/>
+        <p:cNvPr id="82" name="Shape 82"/>
         <p:cNvGrpSpPr/>
         <p:nvPr/>
       </p:nvGrpSpPr>
@@ -2476,12 +3428,12 @@
           </a:ln>
         </p:spPr>
         <p:txBody>
-          <a:bodyPr spcFirstLastPara="1" wrap="square" lIns="91425" tIns="91425" rIns="91425" bIns="91425" anchor="ctr" anchorCtr="0">
+          <a:bodyPr anchorCtr="0" anchor="ctr" bIns="91425" lIns="91425" spcFirstLastPara="1" rIns="91425" wrap="square" tIns="91425">
             <a:noAutofit/>
           </a:bodyPr>
           <a:lstStyle/>
           <a:p>
-            <a:pPr marL="0" marR="0" lvl="0" indent="0" algn="l" rtl="0">
+            <a:pPr indent="0" lvl="0" marL="0" marR="0" rtl="0" algn="l">
               <a:lnSpc>
                 <a:spcPct val="100000"/>
               </a:lnSpc>
@@ -2498,7 +3450,10 @@
               <a:buFont typeface="Arial"/>
               <a:buNone/>
             </a:pPr>
-            <a:endParaRPr sz="1400" b="0" i="0" u="none" strike="noStrike" cap="none">
+            <a:r>
+              <a:t/>
+            </a:r>
+            <a:endParaRPr b="0" i="0" sz="1400" u="none" cap="none" strike="noStrike">
               <a:solidFill>
                 <a:srgbClr val="000000"/>
               </a:solidFill>
@@ -2520,7 +3475,7 @@
           <a:blip r:embed="rId2">
             <a:alphaModFix/>
           </a:blip>
-          <a:srcRect l="16874" t="31678" r="16874" b="31682"/>
+          <a:srcRect b="31682" l="16874" r="16874" t="31678"/>
           <a:stretch/>
         </p:blipFill>
         <p:spPr>
@@ -2573,12 +3528,12 @@
             </a:ln>
           </p:spPr>
           <p:txBody>
-            <a:bodyPr spcFirstLastPara="1" wrap="square" lIns="91425" tIns="91425" rIns="91425" bIns="91425" anchor="ctr" anchorCtr="0">
+            <a:bodyPr anchorCtr="0" anchor="ctr" bIns="91425" lIns="91425" spcFirstLastPara="1" rIns="91425" wrap="square" tIns="91425">
               <a:noAutofit/>
             </a:bodyPr>
             <a:lstStyle/>
             <a:p>
-              <a:pPr marL="0" marR="0" lvl="0" indent="0" algn="l" rtl="0">
+              <a:pPr indent="0" lvl="0" marL="0" marR="0" rtl="0" algn="l">
                 <a:lnSpc>
                   <a:spcPct val="100000"/>
                 </a:lnSpc>
@@ -2595,7 +3550,10 @@
                 <a:buFont typeface="Arial"/>
                 <a:buNone/>
               </a:pPr>
-              <a:endParaRPr sz="1400" b="0" i="0" u="none" strike="noStrike" cap="none">
+              <a:r>
+                <a:t/>
+              </a:r>
+              <a:endParaRPr b="0" i="0" sz="1400" u="none" cap="none" strike="noStrike">
                 <a:solidFill>
                   <a:srgbClr val="000000"/>
                 </a:solidFill>
@@ -2629,12 +3587,12 @@
             </a:ln>
           </p:spPr>
           <p:txBody>
-            <a:bodyPr spcFirstLastPara="1" wrap="square" lIns="91425" tIns="91425" rIns="91425" bIns="91425" anchor="ctr" anchorCtr="0">
+            <a:bodyPr anchorCtr="0" anchor="ctr" bIns="91425" lIns="91425" spcFirstLastPara="1" rIns="91425" wrap="square" tIns="91425">
               <a:noAutofit/>
             </a:bodyPr>
             <a:lstStyle/>
             <a:p>
-              <a:pPr marL="0" marR="0" lvl="0" indent="0" algn="l" rtl="0">
+              <a:pPr indent="0" lvl="0" marL="0" marR="0" rtl="0" algn="l">
                 <a:lnSpc>
                   <a:spcPct val="100000"/>
                 </a:lnSpc>
@@ -2651,7 +3609,10 @@
                 <a:buFont typeface="Arial"/>
                 <a:buNone/>
               </a:pPr>
-              <a:endParaRPr sz="1400" b="0" i="0" u="none" strike="noStrike" cap="none">
+              <a:r>
+                <a:t/>
+              </a:r>
+              <a:endParaRPr b="0" i="0" sz="1400" u="none" cap="none" strike="noStrike">
                 <a:solidFill>
                   <a:srgbClr val="000000"/>
                 </a:solidFill>
@@ -2667,11 +3628,9 @@
       <p:sp>
         <p:nvSpPr>
           <p:cNvPr id="88" name="Google Shape;88;p43"/>
-          <p:cNvSpPr txBox="1">
-            <a:spLocks noGrp="1"/>
-          </p:cNvSpPr>
+          <p:cNvSpPr txBox="1"/>
           <p:nvPr>
-            <p:ph type="title" hasCustomPrompt="1"/>
+            <p:ph hasCustomPrompt="1" type="title"/>
           </p:nvPr>
         </p:nvSpPr>
         <p:spPr>
@@ -2688,7 +3647,7 @@
           </a:ln>
         </p:spPr>
         <p:txBody>
-          <a:bodyPr spcFirstLastPara="1" wrap="square" lIns="91425" tIns="91425" rIns="91425" bIns="91425" anchor="t" anchorCtr="0">
+          <a:bodyPr anchorCtr="0" anchor="t" bIns="91425" lIns="91425" spcFirstLastPara="1" rIns="91425" wrap="square" tIns="91425">
             <a:noAutofit/>
           </a:bodyPr>
           <a:lstStyle>
@@ -2892,11 +3851,9 @@
       <p:sp>
         <p:nvSpPr>
           <p:cNvPr id="89" name="Google Shape;89;p43"/>
-          <p:cNvSpPr txBox="1">
-            <a:spLocks noGrp="1"/>
-          </p:cNvSpPr>
+          <p:cNvSpPr txBox="1"/>
           <p:nvPr>
-            <p:ph type="body" idx="1"/>
+            <p:ph idx="1" type="body"/>
           </p:nvPr>
         </p:nvSpPr>
         <p:spPr>
@@ -2913,11 +3870,11 @@
           </a:ln>
         </p:spPr>
         <p:txBody>
-          <a:bodyPr spcFirstLastPara="1" wrap="square" lIns="91425" tIns="91425" rIns="91425" bIns="91425" anchor="t" anchorCtr="0">
+          <a:bodyPr anchorCtr="0" anchor="t" bIns="91425" lIns="91425" spcFirstLastPara="1" rIns="91425" wrap="square" tIns="91425">
             <a:noAutofit/>
           </a:bodyPr>
           <a:lstStyle>
-            <a:lvl1pPr marL="457200" lvl="0" indent="-311150" algn="l">
+            <a:lvl1pPr indent="-311150" lvl="0" marL="457200" algn="l">
               <a:lnSpc>
                 <a:spcPct val="115000"/>
               </a:lnSpc>
@@ -2938,7 +3895,7 @@
                 </a:solidFill>
               </a:defRPr>
             </a:lvl1pPr>
-            <a:lvl2pPr marL="914400" lvl="1" indent="-298450" algn="l">
+            <a:lvl2pPr indent="-298450" lvl="1" marL="914400" algn="l">
               <a:lnSpc>
                 <a:spcPct val="115000"/>
               </a:lnSpc>
@@ -2959,7 +3916,7 @@
                 </a:solidFill>
               </a:defRPr>
             </a:lvl2pPr>
-            <a:lvl3pPr marL="1371600" lvl="2" indent="-298450" algn="l">
+            <a:lvl3pPr indent="-298450" lvl="2" marL="1371600" algn="l">
               <a:lnSpc>
                 <a:spcPct val="115000"/>
               </a:lnSpc>
@@ -2980,7 +3937,7 @@
                 </a:solidFill>
               </a:defRPr>
             </a:lvl3pPr>
-            <a:lvl4pPr marL="1828800" lvl="3" indent="-298450" algn="l">
+            <a:lvl4pPr indent="-298450" lvl="3" marL="1828800" algn="l">
               <a:lnSpc>
                 <a:spcPct val="115000"/>
               </a:lnSpc>
@@ -3001,7 +3958,7 @@
                 </a:solidFill>
               </a:defRPr>
             </a:lvl4pPr>
-            <a:lvl5pPr marL="2286000" lvl="4" indent="-298450" algn="l">
+            <a:lvl5pPr indent="-298450" lvl="4" marL="2286000" algn="l">
               <a:lnSpc>
                 <a:spcPct val="115000"/>
               </a:lnSpc>
@@ -3022,7 +3979,7 @@
                 </a:solidFill>
               </a:defRPr>
             </a:lvl5pPr>
-            <a:lvl6pPr marL="2743200" lvl="5" indent="-298450" algn="l">
+            <a:lvl6pPr indent="-298450" lvl="5" marL="2743200" algn="l">
               <a:lnSpc>
                 <a:spcPct val="115000"/>
               </a:lnSpc>
@@ -3043,7 +4000,7 @@
                 </a:solidFill>
               </a:defRPr>
             </a:lvl6pPr>
-            <a:lvl7pPr marL="3200400" lvl="6" indent="-298450" algn="l">
+            <a:lvl7pPr indent="-298450" lvl="6" marL="3200400" algn="l">
               <a:lnSpc>
                 <a:spcPct val="115000"/>
               </a:lnSpc>
@@ -3064,7 +4021,7 @@
                 </a:solidFill>
               </a:defRPr>
             </a:lvl7pPr>
-            <a:lvl8pPr marL="3657600" lvl="7" indent="-298450" algn="l">
+            <a:lvl8pPr indent="-298450" lvl="7" marL="3657600" algn="l">
               <a:lnSpc>
                 <a:spcPct val="115000"/>
               </a:lnSpc>
@@ -3085,7 +4042,7 @@
                 </a:solidFill>
               </a:defRPr>
             </a:lvl8pPr>
-            <a:lvl9pPr marL="4114800" lvl="8" indent="-298450" algn="l">
+            <a:lvl9pPr indent="-298450" lvl="8" marL="4114800" algn="l">
               <a:lnSpc>
                 <a:spcPct val="115000"/>
               </a:lnSpc>
@@ -3107,19 +4064,15 @@
               </a:defRPr>
             </a:lvl9pPr>
           </a:lstStyle>
-          <a:p>
-            <a:endParaRPr/>
-          </a:p>
+          <a:p/>
         </p:txBody>
       </p:sp>
       <p:sp>
         <p:nvSpPr>
           <p:cNvPr id="90" name="Google Shape;90;p43"/>
-          <p:cNvSpPr txBox="1">
-            <a:spLocks noGrp="1"/>
-          </p:cNvSpPr>
+          <p:cNvSpPr txBox="1"/>
           <p:nvPr>
-            <p:ph type="sldNum" idx="12"/>
+            <p:ph idx="12" type="sldNum"/>
           </p:nvPr>
         </p:nvSpPr>
         <p:spPr>
@@ -3136,11 +4089,11 @@
           </a:ln>
         </p:spPr>
         <p:txBody>
-          <a:bodyPr spcFirstLastPara="1" wrap="square" lIns="91425" tIns="91425" rIns="91425" bIns="91425" anchor="ctr" anchorCtr="0">
+          <a:bodyPr anchorCtr="0" anchor="ctr" bIns="91425" lIns="91425" spcFirstLastPara="1" rIns="91425" wrap="square" tIns="91425">
             <a:noAutofit/>
           </a:bodyPr>
           <a:lstStyle>
-            <a:lvl1pPr marL="0" marR="0" lvl="0" indent="0" algn="r">
+            <a:lvl1pPr indent="0" lvl="0" marL="0" marR="0" algn="r">
               <a:lnSpc>
                 <a:spcPct val="100000"/>
               </a:lnSpc>
@@ -3156,7 +4109,7 @@
               <a:buSzPts val="1000"/>
               <a:buFont typeface="Arial"/>
               <a:buNone/>
-              <a:defRPr sz="1000" b="0" i="0" u="none" strike="noStrike" cap="none">
+              <a:defRPr b="0" i="0" sz="1000" u="none" cap="none" strike="noStrike">
                 <a:solidFill>
                   <a:srgbClr val="000000"/>
                 </a:solidFill>
@@ -3166,7 +4119,7 @@
                 <a:sym typeface="Lato"/>
               </a:defRPr>
             </a:lvl1pPr>
-            <a:lvl2pPr marL="0" marR="0" lvl="1" indent="0" algn="r">
+            <a:lvl2pPr indent="0" lvl="1" marL="0" marR="0" algn="r">
               <a:lnSpc>
                 <a:spcPct val="100000"/>
               </a:lnSpc>
@@ -3182,7 +4135,7 @@
               <a:buSzPts val="1000"/>
               <a:buFont typeface="Arial"/>
               <a:buNone/>
-              <a:defRPr sz="1000" b="0" i="0" u="none" strike="noStrike" cap="none">
+              <a:defRPr b="0" i="0" sz="1000" u="none" cap="none" strike="noStrike">
                 <a:solidFill>
                   <a:srgbClr val="000000"/>
                 </a:solidFill>
@@ -3192,7 +4145,7 @@
                 <a:sym typeface="Lato"/>
               </a:defRPr>
             </a:lvl2pPr>
-            <a:lvl3pPr marL="0" marR="0" lvl="2" indent="0" algn="r">
+            <a:lvl3pPr indent="0" lvl="2" marL="0" marR="0" algn="r">
               <a:lnSpc>
                 <a:spcPct val="100000"/>
               </a:lnSpc>
@@ -3208,7 +4161,7 @@
               <a:buSzPts val="1000"/>
               <a:buFont typeface="Arial"/>
               <a:buNone/>
-              <a:defRPr sz="1000" b="0" i="0" u="none" strike="noStrike" cap="none">
+              <a:defRPr b="0" i="0" sz="1000" u="none" cap="none" strike="noStrike">
                 <a:solidFill>
                   <a:srgbClr val="000000"/>
                 </a:solidFill>
@@ -3218,7 +4171,7 @@
                 <a:sym typeface="Lato"/>
               </a:defRPr>
             </a:lvl3pPr>
-            <a:lvl4pPr marL="0" marR="0" lvl="3" indent="0" algn="r">
+            <a:lvl4pPr indent="0" lvl="3" marL="0" marR="0" algn="r">
               <a:lnSpc>
                 <a:spcPct val="100000"/>
               </a:lnSpc>
@@ -3234,7 +4187,7 @@
               <a:buSzPts val="1000"/>
               <a:buFont typeface="Arial"/>
               <a:buNone/>
-              <a:defRPr sz="1000" b="0" i="0" u="none" strike="noStrike" cap="none">
+              <a:defRPr b="0" i="0" sz="1000" u="none" cap="none" strike="noStrike">
                 <a:solidFill>
                   <a:srgbClr val="000000"/>
                 </a:solidFill>
@@ -3244,7 +4197,7 @@
                 <a:sym typeface="Lato"/>
               </a:defRPr>
             </a:lvl4pPr>
-            <a:lvl5pPr marL="0" marR="0" lvl="4" indent="0" algn="r">
+            <a:lvl5pPr indent="0" lvl="4" marL="0" marR="0" algn="r">
               <a:lnSpc>
                 <a:spcPct val="100000"/>
               </a:lnSpc>
@@ -3260,7 +4213,7 @@
               <a:buSzPts val="1000"/>
               <a:buFont typeface="Arial"/>
               <a:buNone/>
-              <a:defRPr sz="1000" b="0" i="0" u="none" strike="noStrike" cap="none">
+              <a:defRPr b="0" i="0" sz="1000" u="none" cap="none" strike="noStrike">
                 <a:solidFill>
                   <a:srgbClr val="000000"/>
                 </a:solidFill>
@@ -3270,7 +4223,7 @@
                 <a:sym typeface="Lato"/>
               </a:defRPr>
             </a:lvl5pPr>
-            <a:lvl6pPr marL="0" marR="0" lvl="5" indent="0" algn="r">
+            <a:lvl6pPr indent="0" lvl="5" marL="0" marR="0" algn="r">
               <a:lnSpc>
                 <a:spcPct val="100000"/>
               </a:lnSpc>
@@ -3286,7 +4239,7 @@
               <a:buSzPts val="1000"/>
               <a:buFont typeface="Arial"/>
               <a:buNone/>
-              <a:defRPr sz="1000" b="0" i="0" u="none" strike="noStrike" cap="none">
+              <a:defRPr b="0" i="0" sz="1000" u="none" cap="none" strike="noStrike">
                 <a:solidFill>
                   <a:srgbClr val="000000"/>
                 </a:solidFill>
@@ -3296,7 +4249,7 @@
                 <a:sym typeface="Lato"/>
               </a:defRPr>
             </a:lvl6pPr>
-            <a:lvl7pPr marL="0" marR="0" lvl="6" indent="0" algn="r">
+            <a:lvl7pPr indent="0" lvl="6" marL="0" marR="0" algn="r">
               <a:lnSpc>
                 <a:spcPct val="100000"/>
               </a:lnSpc>
@@ -3312,7 +4265,7 @@
               <a:buSzPts val="1000"/>
               <a:buFont typeface="Arial"/>
               <a:buNone/>
-              <a:defRPr sz="1000" b="0" i="0" u="none" strike="noStrike" cap="none">
+              <a:defRPr b="0" i="0" sz="1000" u="none" cap="none" strike="noStrike">
                 <a:solidFill>
                   <a:srgbClr val="000000"/>
                 </a:solidFill>
@@ -3322,7 +4275,7 @@
                 <a:sym typeface="Lato"/>
               </a:defRPr>
             </a:lvl7pPr>
-            <a:lvl8pPr marL="0" marR="0" lvl="7" indent="0" algn="r">
+            <a:lvl8pPr indent="0" lvl="7" marL="0" marR="0" algn="r">
               <a:lnSpc>
                 <a:spcPct val="100000"/>
               </a:lnSpc>
@@ -3338,7 +4291,7 @@
               <a:buSzPts val="1000"/>
               <a:buFont typeface="Arial"/>
               <a:buNone/>
-              <a:defRPr sz="1000" b="0" i="0" u="none" strike="noStrike" cap="none">
+              <a:defRPr b="0" i="0" sz="1000" u="none" cap="none" strike="noStrike">
                 <a:solidFill>
                   <a:srgbClr val="000000"/>
                 </a:solidFill>
@@ -3348,7 +4301,7 @@
                 <a:sym typeface="Lato"/>
               </a:defRPr>
             </a:lvl8pPr>
-            <a:lvl9pPr marL="0" marR="0" lvl="8" indent="0" algn="r">
+            <a:lvl9pPr indent="0" lvl="8" marL="0" marR="0" algn="r">
               <a:lnSpc>
                 <a:spcPct val="100000"/>
               </a:lnSpc>
@@ -3364,7 +4317,7 @@
               <a:buSzPts val="1000"/>
               <a:buFont typeface="Arial"/>
               <a:buNone/>
-              <a:defRPr sz="1000" b="0" i="0" u="none" strike="noStrike" cap="none">
+              <a:defRPr b="0" i="0" sz="1000" u="none" cap="none" strike="noStrike">
                 <a:solidFill>
                   <a:srgbClr val="000000"/>
                 </a:solidFill>
@@ -3376,7 +4329,7 @@
             </a:lvl9pPr>
           </a:lstStyle>
           <a:p>
-            <a:pPr marL="0" lvl="0" indent="0" algn="r" rtl="0">
+            <a:pPr indent="0" lvl="0" marL="0" rtl="0" algn="r">
               <a:spcBef>
                 <a:spcPts val="0"/>
               </a:spcBef>
@@ -3402,11 +4355,11 @@
 </file>
 
 <file path=ppt/slideLayouts/slideLayout11.xml><?xml version="1.0" encoding="utf-8"?>
-<p:sldLayout xmlns:a="http://schemas.openxmlformats.org/drawingml/2006/main" xmlns:r="http://schemas.openxmlformats.org/officeDocument/2006/relationships" xmlns:p="http://schemas.openxmlformats.org/presentationml/2006/main" matchingName="Ayiti Analytics Steamline Theme" type="blank">
+<p:sldLayout xmlns:a="http://schemas.openxmlformats.org/drawingml/2006/main" xmlns:r="http://schemas.openxmlformats.org/officeDocument/2006/relationships" xmlns:mc="http://schemas.openxmlformats.org/markup-compatibility/2006" xmlns:mv="urn:schemas-microsoft-com:mac:vml" xmlns:p="http://schemas.openxmlformats.org/presentationml/2006/main" xmlns:c="http://schemas.openxmlformats.org/drawingml/2006/chart" xmlns:dgm="http://schemas.openxmlformats.org/drawingml/2006/diagram" xmlns:o="urn:schemas-microsoft-com:office:office" xmlns:v="urn:schemas-microsoft-com:vml" xmlns:pvml="urn:schemas-microsoft-com:office:powerpoint" xmlns:com="http://schemas.openxmlformats.org/drawingml/2006/compatibility" xmlns:p14="http://schemas.microsoft.com/office/powerpoint/2010/main" xmlns:p15="http://schemas.microsoft.com/office/powerpoint/2012/main" matchingName="Ayiti Analytics Steamline Theme" type="blank">
   <p:cSld name="BLANK">
     <p:spTree>
       <p:nvGrpSpPr>
-        <p:cNvPr id="1" name="Shape 91"/>
+        <p:cNvPr id="91" name="Shape 91"/>
         <p:cNvGrpSpPr/>
         <p:nvPr/>
       </p:nvGrpSpPr>
@@ -3421,11 +4374,9 @@
       <p:sp>
         <p:nvSpPr>
           <p:cNvPr id="92" name="Google Shape;92;p44"/>
-          <p:cNvSpPr txBox="1">
-            <a:spLocks noGrp="1"/>
-          </p:cNvSpPr>
+          <p:cNvSpPr txBox="1"/>
           <p:nvPr>
-            <p:ph type="sldNum" idx="12"/>
+            <p:ph idx="12" type="sldNum"/>
           </p:nvPr>
         </p:nvSpPr>
         <p:spPr>
@@ -3442,11 +4393,11 @@
           </a:ln>
         </p:spPr>
         <p:txBody>
-          <a:bodyPr spcFirstLastPara="1" wrap="square" lIns="91425" tIns="91425" rIns="91425" bIns="91425" anchor="ctr" anchorCtr="0">
+          <a:bodyPr anchorCtr="0" anchor="ctr" bIns="91425" lIns="91425" spcFirstLastPara="1" rIns="91425" wrap="square" tIns="91425">
             <a:noAutofit/>
           </a:bodyPr>
           <a:lstStyle>
-            <a:lvl1pPr marL="0" marR="0" lvl="0" indent="0" algn="r">
+            <a:lvl1pPr indent="0" lvl="0" marL="0" marR="0" algn="r">
               <a:lnSpc>
                 <a:spcPct val="100000"/>
               </a:lnSpc>
@@ -3462,7 +4413,7 @@
               <a:buSzPts val="1000"/>
               <a:buFont typeface="Arial"/>
               <a:buNone/>
-              <a:defRPr sz="1000" b="0" i="0" u="none" strike="noStrike" cap="none">
+              <a:defRPr b="0" i="0" sz="1000" u="none" cap="none" strike="noStrike">
                 <a:solidFill>
                   <a:schemeClr val="accent1"/>
                 </a:solidFill>
@@ -3472,7 +4423,7 @@
                 <a:sym typeface="Lato"/>
               </a:defRPr>
             </a:lvl1pPr>
-            <a:lvl2pPr marL="0" marR="0" lvl="1" indent="0" algn="r">
+            <a:lvl2pPr indent="0" lvl="1" marL="0" marR="0" algn="r">
               <a:lnSpc>
                 <a:spcPct val="100000"/>
               </a:lnSpc>
@@ -3488,7 +4439,7 @@
               <a:buSzPts val="1000"/>
               <a:buFont typeface="Arial"/>
               <a:buNone/>
-              <a:defRPr sz="1000" b="0" i="0" u="none" strike="noStrike" cap="none">
+              <a:defRPr b="0" i="0" sz="1000" u="none" cap="none" strike="noStrike">
                 <a:solidFill>
                   <a:schemeClr val="accent1"/>
                 </a:solidFill>
@@ -3498,7 +4449,7 @@
                 <a:sym typeface="Lato"/>
               </a:defRPr>
             </a:lvl2pPr>
-            <a:lvl3pPr marL="0" marR="0" lvl="2" indent="0" algn="r">
+            <a:lvl3pPr indent="0" lvl="2" marL="0" marR="0" algn="r">
               <a:lnSpc>
                 <a:spcPct val="100000"/>
               </a:lnSpc>
@@ -3514,7 +4465,7 @@
               <a:buSzPts val="1000"/>
               <a:buFont typeface="Arial"/>
               <a:buNone/>
-              <a:defRPr sz="1000" b="0" i="0" u="none" strike="noStrike" cap="none">
+              <a:defRPr b="0" i="0" sz="1000" u="none" cap="none" strike="noStrike">
                 <a:solidFill>
                   <a:schemeClr val="accent1"/>
                 </a:solidFill>
@@ -3524,7 +4475,7 @@
                 <a:sym typeface="Lato"/>
               </a:defRPr>
             </a:lvl3pPr>
-            <a:lvl4pPr marL="0" marR="0" lvl="3" indent="0" algn="r">
+            <a:lvl4pPr indent="0" lvl="3" marL="0" marR="0" algn="r">
               <a:lnSpc>
                 <a:spcPct val="100000"/>
               </a:lnSpc>
@@ -3540,7 +4491,7 @@
               <a:buSzPts val="1000"/>
               <a:buFont typeface="Arial"/>
               <a:buNone/>
-              <a:defRPr sz="1000" b="0" i="0" u="none" strike="noStrike" cap="none">
+              <a:defRPr b="0" i="0" sz="1000" u="none" cap="none" strike="noStrike">
                 <a:solidFill>
                   <a:schemeClr val="accent1"/>
                 </a:solidFill>
@@ -3550,7 +4501,7 @@
                 <a:sym typeface="Lato"/>
               </a:defRPr>
             </a:lvl4pPr>
-            <a:lvl5pPr marL="0" marR="0" lvl="4" indent="0" algn="r">
+            <a:lvl5pPr indent="0" lvl="4" marL="0" marR="0" algn="r">
               <a:lnSpc>
                 <a:spcPct val="100000"/>
               </a:lnSpc>
@@ -3566,7 +4517,7 @@
               <a:buSzPts val="1000"/>
               <a:buFont typeface="Arial"/>
               <a:buNone/>
-              <a:defRPr sz="1000" b="0" i="0" u="none" strike="noStrike" cap="none">
+              <a:defRPr b="0" i="0" sz="1000" u="none" cap="none" strike="noStrike">
                 <a:solidFill>
                   <a:schemeClr val="accent1"/>
                 </a:solidFill>
@@ -3576,7 +4527,7 @@
                 <a:sym typeface="Lato"/>
               </a:defRPr>
             </a:lvl5pPr>
-            <a:lvl6pPr marL="0" marR="0" lvl="5" indent="0" algn="r">
+            <a:lvl6pPr indent="0" lvl="5" marL="0" marR="0" algn="r">
               <a:lnSpc>
                 <a:spcPct val="100000"/>
               </a:lnSpc>
@@ -3592,7 +4543,7 @@
               <a:buSzPts val="1000"/>
               <a:buFont typeface="Arial"/>
               <a:buNone/>
-              <a:defRPr sz="1000" b="0" i="0" u="none" strike="noStrike" cap="none">
+              <a:defRPr b="0" i="0" sz="1000" u="none" cap="none" strike="noStrike">
                 <a:solidFill>
                   <a:schemeClr val="accent1"/>
                 </a:solidFill>
@@ -3602,7 +4553,7 @@
                 <a:sym typeface="Lato"/>
               </a:defRPr>
             </a:lvl6pPr>
-            <a:lvl7pPr marL="0" marR="0" lvl="6" indent="0" algn="r">
+            <a:lvl7pPr indent="0" lvl="6" marL="0" marR="0" algn="r">
               <a:lnSpc>
                 <a:spcPct val="100000"/>
               </a:lnSpc>
@@ -3618,7 +4569,7 @@
               <a:buSzPts val="1000"/>
               <a:buFont typeface="Arial"/>
               <a:buNone/>
-              <a:defRPr sz="1000" b="0" i="0" u="none" strike="noStrike" cap="none">
+              <a:defRPr b="0" i="0" sz="1000" u="none" cap="none" strike="noStrike">
                 <a:solidFill>
                   <a:schemeClr val="accent1"/>
                 </a:solidFill>
@@ -3628,7 +4579,7 @@
                 <a:sym typeface="Lato"/>
               </a:defRPr>
             </a:lvl7pPr>
-            <a:lvl8pPr marL="0" marR="0" lvl="7" indent="0" algn="r">
+            <a:lvl8pPr indent="0" lvl="7" marL="0" marR="0" algn="r">
               <a:lnSpc>
                 <a:spcPct val="100000"/>
               </a:lnSpc>
@@ -3644,7 +4595,7 @@
               <a:buSzPts val="1000"/>
               <a:buFont typeface="Arial"/>
               <a:buNone/>
-              <a:defRPr sz="1000" b="0" i="0" u="none" strike="noStrike" cap="none">
+              <a:defRPr b="0" i="0" sz="1000" u="none" cap="none" strike="noStrike">
                 <a:solidFill>
                   <a:schemeClr val="accent1"/>
                 </a:solidFill>
@@ -3654,7 +4605,7 @@
                 <a:sym typeface="Lato"/>
               </a:defRPr>
             </a:lvl8pPr>
-            <a:lvl9pPr marL="0" marR="0" lvl="8" indent="0" algn="r">
+            <a:lvl9pPr indent="0" lvl="8" marL="0" marR="0" algn="r">
               <a:lnSpc>
                 <a:spcPct val="100000"/>
               </a:lnSpc>
@@ -3670,7 +4621,7 @@
               <a:buSzPts val="1000"/>
               <a:buFont typeface="Arial"/>
               <a:buNone/>
-              <a:defRPr sz="1000" b="0" i="0" u="none" strike="noStrike" cap="none">
+              <a:defRPr b="0" i="0" sz="1000" u="none" cap="none" strike="noStrike">
                 <a:solidFill>
                   <a:schemeClr val="accent1"/>
                 </a:solidFill>
@@ -3682,7 +4633,7 @@
             </a:lvl9pPr>
           </a:lstStyle>
           <a:p>
-            <a:pPr marL="0" lvl="0" indent="0" algn="r" rtl="0">
+            <a:pPr indent="0" lvl="0" marL="0" rtl="0" algn="r">
               <a:spcBef>
                 <a:spcPts val="0"/>
               </a:spcBef>
@@ -3709,7 +4660,7 @@
           <a:blip r:embed="rId2">
             <a:alphaModFix/>
           </a:blip>
-          <a:srcRect l="16874" t="31678" r="16874" b="31682"/>
+          <a:srcRect b="31682" l="16874" r="16874" t="31678"/>
           <a:stretch/>
         </p:blipFill>
         <p:spPr>
@@ -3735,11 +4686,11 @@
 </file>
 
 <file path=ppt/slideLayouts/slideLayout12.xml><?xml version="1.0" encoding="utf-8"?>
-<p:sldLayout xmlns:a="http://schemas.openxmlformats.org/drawingml/2006/main" xmlns:r="http://schemas.openxmlformats.org/officeDocument/2006/relationships" xmlns:p="http://schemas.openxmlformats.org/presentationml/2006/main" matchingName="Title and Content" type="obj">
+<p:sldLayout xmlns:a="http://schemas.openxmlformats.org/drawingml/2006/main" xmlns:r="http://schemas.openxmlformats.org/officeDocument/2006/relationships" xmlns:mc="http://schemas.openxmlformats.org/markup-compatibility/2006" xmlns:mv="urn:schemas-microsoft-com:mac:vml" xmlns:p="http://schemas.openxmlformats.org/presentationml/2006/main" xmlns:c="http://schemas.openxmlformats.org/drawingml/2006/chart" xmlns:dgm="http://schemas.openxmlformats.org/drawingml/2006/diagram" xmlns:o="urn:schemas-microsoft-com:office:office" xmlns:v="urn:schemas-microsoft-com:vml" xmlns:pvml="urn:schemas-microsoft-com:office:powerpoint" xmlns:com="http://schemas.openxmlformats.org/drawingml/2006/compatibility" xmlns:p14="http://schemas.microsoft.com/office/powerpoint/2010/main" xmlns:p15="http://schemas.microsoft.com/office/powerpoint/2012/main" matchingName="Title and Content" type="obj">
   <p:cSld name="OBJECT">
     <p:spTree>
       <p:nvGrpSpPr>
-        <p:cNvPr id="1" name="Shape 94"/>
+        <p:cNvPr id="94" name="Shape 94"/>
         <p:cNvGrpSpPr/>
         <p:nvPr/>
       </p:nvGrpSpPr>
@@ -3754,9 +4705,7 @@
       <p:sp>
         <p:nvSpPr>
           <p:cNvPr id="95" name="Google Shape;95;p45"/>
-          <p:cNvSpPr txBox="1">
-            <a:spLocks noGrp="1"/>
-          </p:cNvSpPr>
+          <p:cNvSpPr txBox="1"/>
           <p:nvPr>
             <p:ph type="title"/>
           </p:nvPr>
@@ -3775,7 +4724,7 @@
           </a:ln>
         </p:spPr>
         <p:txBody>
-          <a:bodyPr spcFirstLastPara="1" wrap="square" lIns="68575" tIns="34275" rIns="68575" bIns="34275" anchor="ctr" anchorCtr="0">
+          <a:bodyPr anchorCtr="0" anchor="ctr" bIns="34275" lIns="68575" spcFirstLastPara="1" rIns="68575" wrap="square" tIns="34275">
             <a:noAutofit/>
           </a:bodyPr>
           <a:lstStyle>
@@ -3909,19 +4858,15 @@
               <a:defRPr/>
             </a:lvl9pPr>
           </a:lstStyle>
-          <a:p>
-            <a:endParaRPr/>
-          </a:p>
+          <a:p/>
         </p:txBody>
       </p:sp>
       <p:sp>
         <p:nvSpPr>
           <p:cNvPr id="96" name="Google Shape;96;p45"/>
-          <p:cNvSpPr txBox="1">
-            <a:spLocks noGrp="1"/>
-          </p:cNvSpPr>
+          <p:cNvSpPr txBox="1"/>
           <p:nvPr>
-            <p:ph type="body" idx="1"/>
+            <p:ph idx="1" type="body"/>
           </p:nvPr>
         </p:nvSpPr>
         <p:spPr>
@@ -3938,11 +4883,11 @@
           </a:ln>
         </p:spPr>
         <p:txBody>
-          <a:bodyPr spcFirstLastPara="1" wrap="square" lIns="68575" tIns="34275" rIns="68575" bIns="34275" anchor="t" anchorCtr="0">
+          <a:bodyPr anchorCtr="0" anchor="t" bIns="34275" lIns="68575" spcFirstLastPara="1" rIns="68575" wrap="square" tIns="34275">
             <a:noAutofit/>
           </a:bodyPr>
           <a:lstStyle>
-            <a:lvl1pPr marL="457200" lvl="0" indent="-317500" algn="l">
+            <a:lvl1pPr indent="-317500" lvl="0" marL="457200" algn="l">
               <a:lnSpc>
                 <a:spcPct val="90000"/>
               </a:lnSpc>
@@ -3959,7 +4904,7 @@
               <a:buChar char="●"/>
               <a:defRPr/>
             </a:lvl1pPr>
-            <a:lvl2pPr marL="914400" lvl="1" indent="-317500" algn="l">
+            <a:lvl2pPr indent="-317500" lvl="1" marL="914400" algn="l">
               <a:lnSpc>
                 <a:spcPct val="90000"/>
               </a:lnSpc>
@@ -3976,7 +4921,7 @@
               <a:buChar char="○"/>
               <a:defRPr/>
             </a:lvl2pPr>
-            <a:lvl3pPr marL="1371600" lvl="2" indent="-317500" algn="l">
+            <a:lvl3pPr indent="-317500" lvl="2" marL="1371600" algn="l">
               <a:lnSpc>
                 <a:spcPct val="90000"/>
               </a:lnSpc>
@@ -3993,7 +4938,7 @@
               <a:buChar char="■"/>
               <a:defRPr/>
             </a:lvl3pPr>
-            <a:lvl4pPr marL="1828800" lvl="3" indent="-317500" algn="l">
+            <a:lvl4pPr indent="-317500" lvl="3" marL="1828800" algn="l">
               <a:lnSpc>
                 <a:spcPct val="90000"/>
               </a:lnSpc>
@@ -4010,7 +4955,7 @@
               <a:buChar char="●"/>
               <a:defRPr/>
             </a:lvl4pPr>
-            <a:lvl5pPr marL="2286000" lvl="4" indent="-317500" algn="l">
+            <a:lvl5pPr indent="-317500" lvl="4" marL="2286000" algn="l">
               <a:lnSpc>
                 <a:spcPct val="90000"/>
               </a:lnSpc>
@@ -4027,7 +4972,7 @@
               <a:buChar char="○"/>
               <a:defRPr/>
             </a:lvl5pPr>
-            <a:lvl6pPr marL="2743200" lvl="5" indent="-317500" algn="l">
+            <a:lvl6pPr indent="-317500" lvl="5" marL="2743200" algn="l">
               <a:lnSpc>
                 <a:spcPct val="90000"/>
               </a:lnSpc>
@@ -4044,7 +4989,7 @@
               <a:buChar char="■"/>
               <a:defRPr/>
             </a:lvl6pPr>
-            <a:lvl7pPr marL="3200400" lvl="6" indent="-317500" algn="l">
+            <a:lvl7pPr indent="-317500" lvl="6" marL="3200400" algn="l">
               <a:lnSpc>
                 <a:spcPct val="90000"/>
               </a:lnSpc>
@@ -4061,7 +5006,7 @@
               <a:buChar char="●"/>
               <a:defRPr/>
             </a:lvl7pPr>
-            <a:lvl8pPr marL="3657600" lvl="7" indent="-317500" algn="l">
+            <a:lvl8pPr indent="-317500" lvl="7" marL="3657600" algn="l">
               <a:lnSpc>
                 <a:spcPct val="90000"/>
               </a:lnSpc>
@@ -4078,7 +5023,7 @@
               <a:buChar char="○"/>
               <a:defRPr/>
             </a:lvl8pPr>
-            <a:lvl9pPr marL="4114800" lvl="8" indent="-317500" algn="l">
+            <a:lvl9pPr indent="-317500" lvl="8" marL="4114800" algn="l">
               <a:lnSpc>
                 <a:spcPct val="90000"/>
               </a:lnSpc>
@@ -4096,19 +5041,15 @@
               <a:defRPr/>
             </a:lvl9pPr>
           </a:lstStyle>
-          <a:p>
-            <a:endParaRPr/>
-          </a:p>
+          <a:p/>
         </p:txBody>
       </p:sp>
       <p:sp>
         <p:nvSpPr>
           <p:cNvPr id="97" name="Google Shape;97;p45"/>
-          <p:cNvSpPr txBox="1">
-            <a:spLocks noGrp="1"/>
-          </p:cNvSpPr>
+          <p:cNvSpPr txBox="1"/>
           <p:nvPr>
-            <p:ph type="dt" idx="10"/>
+            <p:ph idx="10" type="dt"/>
           </p:nvPr>
         </p:nvSpPr>
         <p:spPr>
@@ -4125,11 +5066,11 @@
           </a:ln>
         </p:spPr>
         <p:txBody>
-          <a:bodyPr spcFirstLastPara="1" wrap="square" lIns="68575" tIns="34275" rIns="68575" bIns="34275" anchor="ctr" anchorCtr="0">
+          <a:bodyPr anchorCtr="0" anchor="ctr" bIns="34275" lIns="68575" spcFirstLastPara="1" rIns="68575" wrap="square" tIns="34275">
             <a:noAutofit/>
           </a:bodyPr>
           <a:lstStyle>
-            <a:lvl1pPr marR="0" lvl="0" algn="l" rtl="0">
+            <a:lvl1pPr lvl="0" marR="0" rtl="0" algn="l">
               <a:lnSpc>
                 <a:spcPct val="100000"/>
               </a:lnSpc>
@@ -4145,7 +5086,7 @@
               <a:buSzPts val="1100"/>
               <a:buFont typeface="Arial"/>
               <a:buNone/>
-              <a:defRPr sz="1100" b="0" i="0" u="none" strike="noStrike" cap="none">
+              <a:defRPr b="0" i="0" sz="1100" u="none" cap="none" strike="noStrike">
                 <a:solidFill>
                   <a:srgbClr val="000000"/>
                 </a:solidFill>
@@ -4155,7 +5096,7 @@
                 <a:sym typeface="Arial"/>
               </a:defRPr>
             </a:lvl1pPr>
-            <a:lvl2pPr marR="0" lvl="1" algn="l" rtl="0">
+            <a:lvl2pPr lvl="1" marR="0" rtl="0" algn="l">
               <a:lnSpc>
                 <a:spcPct val="100000"/>
               </a:lnSpc>
@@ -4171,7 +5112,7 @@
               <a:buSzPts val="1100"/>
               <a:buFont typeface="Arial"/>
               <a:buNone/>
-              <a:defRPr sz="1100" b="0" i="0" u="none" strike="noStrike" cap="none">
+              <a:defRPr b="0" i="0" sz="1100" u="none" cap="none" strike="noStrike">
                 <a:solidFill>
                   <a:srgbClr val="000000"/>
                 </a:solidFill>
@@ -4181,7 +5122,7 @@
                 <a:sym typeface="Arial"/>
               </a:defRPr>
             </a:lvl2pPr>
-            <a:lvl3pPr marR="0" lvl="2" algn="l" rtl="0">
+            <a:lvl3pPr lvl="2" marR="0" rtl="0" algn="l">
               <a:lnSpc>
                 <a:spcPct val="100000"/>
               </a:lnSpc>
@@ -4197,7 +5138,7 @@
               <a:buSzPts val="1100"/>
               <a:buFont typeface="Arial"/>
               <a:buNone/>
-              <a:defRPr sz="1100" b="0" i="0" u="none" strike="noStrike" cap="none">
+              <a:defRPr b="0" i="0" sz="1100" u="none" cap="none" strike="noStrike">
                 <a:solidFill>
                   <a:srgbClr val="000000"/>
                 </a:solidFill>
@@ -4207,7 +5148,7 @@
                 <a:sym typeface="Arial"/>
               </a:defRPr>
             </a:lvl3pPr>
-            <a:lvl4pPr marR="0" lvl="3" algn="l" rtl="0">
+            <a:lvl4pPr lvl="3" marR="0" rtl="0" algn="l">
               <a:lnSpc>
                 <a:spcPct val="100000"/>
               </a:lnSpc>
@@ -4223,7 +5164,7 @@
               <a:buSzPts val="1100"/>
               <a:buFont typeface="Arial"/>
               <a:buNone/>
-              <a:defRPr sz="1100" b="0" i="0" u="none" strike="noStrike" cap="none">
+              <a:defRPr b="0" i="0" sz="1100" u="none" cap="none" strike="noStrike">
                 <a:solidFill>
                   <a:srgbClr val="000000"/>
                 </a:solidFill>
@@ -4233,7 +5174,7 @@
                 <a:sym typeface="Arial"/>
               </a:defRPr>
             </a:lvl4pPr>
-            <a:lvl5pPr marR="0" lvl="4" algn="l" rtl="0">
+            <a:lvl5pPr lvl="4" marR="0" rtl="0" algn="l">
               <a:lnSpc>
                 <a:spcPct val="100000"/>
               </a:lnSpc>
@@ -4249,7 +5190,7 @@
               <a:buSzPts val="1100"/>
               <a:buFont typeface="Arial"/>
               <a:buNone/>
-              <a:defRPr sz="1100" b="0" i="0" u="none" strike="noStrike" cap="none">
+              <a:defRPr b="0" i="0" sz="1100" u="none" cap="none" strike="noStrike">
                 <a:solidFill>
                   <a:srgbClr val="000000"/>
                 </a:solidFill>
@@ -4259,7 +5200,7 @@
                 <a:sym typeface="Arial"/>
               </a:defRPr>
             </a:lvl5pPr>
-            <a:lvl6pPr marR="0" lvl="5" algn="l" rtl="0">
+            <a:lvl6pPr lvl="5" marR="0" rtl="0" algn="l">
               <a:lnSpc>
                 <a:spcPct val="100000"/>
               </a:lnSpc>
@@ -4275,7 +5216,7 @@
               <a:buSzPts val="1100"/>
               <a:buFont typeface="Arial"/>
               <a:buNone/>
-              <a:defRPr sz="1100" b="0" i="0" u="none" strike="noStrike" cap="none">
+              <a:defRPr b="0" i="0" sz="1100" u="none" cap="none" strike="noStrike">
                 <a:solidFill>
                   <a:srgbClr val="000000"/>
                 </a:solidFill>
@@ -4285,7 +5226,7 @@
                 <a:sym typeface="Arial"/>
               </a:defRPr>
             </a:lvl6pPr>
-            <a:lvl7pPr marR="0" lvl="6" algn="l" rtl="0">
+            <a:lvl7pPr lvl="6" marR="0" rtl="0" algn="l">
               <a:lnSpc>
                 <a:spcPct val="100000"/>
               </a:lnSpc>
@@ -4301,7 +5242,7 @@
               <a:buSzPts val="1100"/>
               <a:buFont typeface="Arial"/>
               <a:buNone/>
-              <a:defRPr sz="1100" b="0" i="0" u="none" strike="noStrike" cap="none">
+              <a:defRPr b="0" i="0" sz="1100" u="none" cap="none" strike="noStrike">
                 <a:solidFill>
                   <a:srgbClr val="000000"/>
                 </a:solidFill>
@@ -4311,7 +5252,7 @@
                 <a:sym typeface="Arial"/>
               </a:defRPr>
             </a:lvl7pPr>
-            <a:lvl8pPr marR="0" lvl="7" algn="l" rtl="0">
+            <a:lvl8pPr lvl="7" marR="0" rtl="0" algn="l">
               <a:lnSpc>
                 <a:spcPct val="100000"/>
               </a:lnSpc>
@@ -4327,7 +5268,7 @@
               <a:buSzPts val="1100"/>
               <a:buFont typeface="Arial"/>
               <a:buNone/>
-              <a:defRPr sz="1100" b="0" i="0" u="none" strike="noStrike" cap="none">
+              <a:defRPr b="0" i="0" sz="1100" u="none" cap="none" strike="noStrike">
                 <a:solidFill>
                   <a:srgbClr val="000000"/>
                 </a:solidFill>
@@ -4337,7 +5278,7 @@
                 <a:sym typeface="Arial"/>
               </a:defRPr>
             </a:lvl8pPr>
-            <a:lvl9pPr marR="0" lvl="8" algn="l" rtl="0">
+            <a:lvl9pPr lvl="8" marR="0" rtl="0" algn="l">
               <a:lnSpc>
                 <a:spcPct val="100000"/>
               </a:lnSpc>
@@ -4353,7 +5294,7 @@
               <a:buSzPts val="1100"/>
               <a:buFont typeface="Arial"/>
               <a:buNone/>
-              <a:defRPr sz="1100" b="0" i="0" u="none" strike="noStrike" cap="none">
+              <a:defRPr b="0" i="0" sz="1100" u="none" cap="none" strike="noStrike">
                 <a:solidFill>
                   <a:srgbClr val="000000"/>
                 </a:solidFill>
@@ -4364,19 +5305,15 @@
               </a:defRPr>
             </a:lvl9pPr>
           </a:lstStyle>
-          <a:p>
-            <a:endParaRPr/>
-          </a:p>
+          <a:p/>
         </p:txBody>
       </p:sp>
       <p:sp>
         <p:nvSpPr>
           <p:cNvPr id="98" name="Google Shape;98;p45"/>
-          <p:cNvSpPr txBox="1">
-            <a:spLocks noGrp="1"/>
-          </p:cNvSpPr>
+          <p:cNvSpPr txBox="1"/>
           <p:nvPr>
-            <p:ph type="ftr" idx="11"/>
+            <p:ph idx="11" type="ftr"/>
           </p:nvPr>
         </p:nvSpPr>
         <p:spPr>
@@ -4393,11 +5330,11 @@
           </a:ln>
         </p:spPr>
         <p:txBody>
-          <a:bodyPr spcFirstLastPara="1" wrap="square" lIns="68575" tIns="34275" rIns="68575" bIns="34275" anchor="ctr" anchorCtr="0">
+          <a:bodyPr anchorCtr="0" anchor="ctr" bIns="34275" lIns="68575" spcFirstLastPara="1" rIns="68575" wrap="square" tIns="34275">
             <a:noAutofit/>
           </a:bodyPr>
           <a:lstStyle>
-            <a:lvl1pPr marR="0" lvl="0" algn="ctr" rtl="0">
+            <a:lvl1pPr lvl="0" marR="0" rtl="0" algn="ctr">
               <a:lnSpc>
                 <a:spcPct val="100000"/>
               </a:lnSpc>
@@ -4413,7 +5350,7 @@
               <a:buSzPts val="1100"/>
               <a:buFont typeface="Arial"/>
               <a:buNone/>
-              <a:defRPr sz="1100" b="0" i="0" u="none" strike="noStrike" cap="none">
+              <a:defRPr b="0" i="0" sz="1100" u="none" cap="none" strike="noStrike">
                 <a:solidFill>
                   <a:srgbClr val="000000"/>
                 </a:solidFill>
@@ -4423,7 +5360,7 @@
                 <a:sym typeface="Arial"/>
               </a:defRPr>
             </a:lvl1pPr>
-            <a:lvl2pPr marR="0" lvl="1" algn="l" rtl="0">
+            <a:lvl2pPr lvl="1" marR="0" rtl="0" algn="l">
               <a:lnSpc>
                 <a:spcPct val="100000"/>
               </a:lnSpc>
@@ -4439,7 +5376,7 @@
               <a:buSzPts val="1100"/>
               <a:buFont typeface="Arial"/>
               <a:buNone/>
-              <a:defRPr sz="1100" b="0" i="0" u="none" strike="noStrike" cap="none">
+              <a:defRPr b="0" i="0" sz="1100" u="none" cap="none" strike="noStrike">
                 <a:solidFill>
                   <a:srgbClr val="000000"/>
                 </a:solidFill>
@@ -4449,7 +5386,7 @@
                 <a:sym typeface="Arial"/>
               </a:defRPr>
             </a:lvl2pPr>
-            <a:lvl3pPr marR="0" lvl="2" algn="l" rtl="0">
+            <a:lvl3pPr lvl="2" marR="0" rtl="0" algn="l">
               <a:lnSpc>
                 <a:spcPct val="100000"/>
               </a:lnSpc>
@@ -4465,7 +5402,7 @@
               <a:buSzPts val="1100"/>
               <a:buFont typeface="Arial"/>
               <a:buNone/>
-              <a:defRPr sz="1100" b="0" i="0" u="none" strike="noStrike" cap="none">
+              <a:defRPr b="0" i="0" sz="1100" u="none" cap="none" strike="noStrike">
                 <a:solidFill>
                   <a:srgbClr val="000000"/>
                 </a:solidFill>
@@ -4475,7 +5412,7 @@
                 <a:sym typeface="Arial"/>
               </a:defRPr>
             </a:lvl3pPr>
-            <a:lvl4pPr marR="0" lvl="3" algn="l" rtl="0">
+            <a:lvl4pPr lvl="3" marR="0" rtl="0" algn="l">
               <a:lnSpc>
                 <a:spcPct val="100000"/>
               </a:lnSpc>
@@ -4491,7 +5428,7 @@
               <a:buSzPts val="1100"/>
               <a:buFont typeface="Arial"/>
               <a:buNone/>
-              <a:defRPr sz="1100" b="0" i="0" u="none" strike="noStrike" cap="none">
+              <a:defRPr b="0" i="0" sz="1100" u="none" cap="none" strike="noStrike">
                 <a:solidFill>
                   <a:srgbClr val="000000"/>
                 </a:solidFill>
@@ -4501,7 +5438,7 @@
                 <a:sym typeface="Arial"/>
               </a:defRPr>
             </a:lvl4pPr>
-            <a:lvl5pPr marR="0" lvl="4" algn="l" rtl="0">
+            <a:lvl5pPr lvl="4" marR="0" rtl="0" algn="l">
               <a:lnSpc>
                 <a:spcPct val="100000"/>
               </a:lnSpc>
@@ -4517,7 +5454,7 @@
               <a:buSzPts val="1100"/>
               <a:buFont typeface="Arial"/>
               <a:buNone/>
-              <a:defRPr sz="1100" b="0" i="0" u="none" strike="noStrike" cap="none">
+              <a:defRPr b="0" i="0" sz="1100" u="none" cap="none" strike="noStrike">
                 <a:solidFill>
                   <a:srgbClr val="000000"/>
                 </a:solidFill>
@@ -4527,7 +5464,7 @@
                 <a:sym typeface="Arial"/>
               </a:defRPr>
             </a:lvl5pPr>
-            <a:lvl6pPr marR="0" lvl="5" algn="l" rtl="0">
+            <a:lvl6pPr lvl="5" marR="0" rtl="0" algn="l">
               <a:lnSpc>
                 <a:spcPct val="100000"/>
               </a:lnSpc>
@@ -4543,7 +5480,7 @@
               <a:buSzPts val="1100"/>
               <a:buFont typeface="Arial"/>
               <a:buNone/>
-              <a:defRPr sz="1100" b="0" i="0" u="none" strike="noStrike" cap="none">
+              <a:defRPr b="0" i="0" sz="1100" u="none" cap="none" strike="noStrike">
                 <a:solidFill>
                   <a:srgbClr val="000000"/>
                 </a:solidFill>
@@ -4553,7 +5490,7 @@
                 <a:sym typeface="Arial"/>
               </a:defRPr>
             </a:lvl6pPr>
-            <a:lvl7pPr marR="0" lvl="6" algn="l" rtl="0">
+            <a:lvl7pPr lvl="6" marR="0" rtl="0" algn="l">
               <a:lnSpc>
                 <a:spcPct val="100000"/>
               </a:lnSpc>
@@ -4569,7 +5506,7 @@
               <a:buSzPts val="1100"/>
               <a:buFont typeface="Arial"/>
               <a:buNone/>
-              <a:defRPr sz="1100" b="0" i="0" u="none" strike="noStrike" cap="none">
+              <a:defRPr b="0" i="0" sz="1100" u="none" cap="none" strike="noStrike">
                 <a:solidFill>
                   <a:srgbClr val="000000"/>
                 </a:solidFill>
@@ -4579,7 +5516,7 @@
                 <a:sym typeface="Arial"/>
               </a:defRPr>
             </a:lvl7pPr>
-            <a:lvl8pPr marR="0" lvl="7" algn="l" rtl="0">
+            <a:lvl8pPr lvl="7" marR="0" rtl="0" algn="l">
               <a:lnSpc>
                 <a:spcPct val="100000"/>
               </a:lnSpc>
@@ -4595,7 +5532,7 @@
               <a:buSzPts val="1100"/>
               <a:buFont typeface="Arial"/>
               <a:buNone/>
-              <a:defRPr sz="1100" b="0" i="0" u="none" strike="noStrike" cap="none">
+              <a:defRPr b="0" i="0" sz="1100" u="none" cap="none" strike="noStrike">
                 <a:solidFill>
                   <a:srgbClr val="000000"/>
                 </a:solidFill>
@@ -4605,7 +5542,7 @@
                 <a:sym typeface="Arial"/>
               </a:defRPr>
             </a:lvl8pPr>
-            <a:lvl9pPr marR="0" lvl="8" algn="l" rtl="0">
+            <a:lvl9pPr lvl="8" marR="0" rtl="0" algn="l">
               <a:lnSpc>
                 <a:spcPct val="100000"/>
               </a:lnSpc>
@@ -4621,7 +5558,7 @@
               <a:buSzPts val="1100"/>
               <a:buFont typeface="Arial"/>
               <a:buNone/>
-              <a:defRPr sz="1100" b="0" i="0" u="none" strike="noStrike" cap="none">
+              <a:defRPr b="0" i="0" sz="1100" u="none" cap="none" strike="noStrike">
                 <a:solidFill>
                   <a:srgbClr val="000000"/>
                 </a:solidFill>
@@ -4632,19 +5569,15 @@
               </a:defRPr>
             </a:lvl9pPr>
           </a:lstStyle>
-          <a:p>
-            <a:endParaRPr/>
-          </a:p>
+          <a:p/>
         </p:txBody>
       </p:sp>
       <p:sp>
         <p:nvSpPr>
           <p:cNvPr id="99" name="Google Shape;99;p45"/>
-          <p:cNvSpPr txBox="1">
-            <a:spLocks noGrp="1"/>
-          </p:cNvSpPr>
+          <p:cNvSpPr txBox="1"/>
           <p:nvPr>
-            <p:ph type="sldNum" idx="12"/>
+            <p:ph idx="12" type="sldNum"/>
           </p:nvPr>
         </p:nvSpPr>
         <p:spPr>
@@ -4661,11 +5594,11 @@
           </a:ln>
         </p:spPr>
         <p:txBody>
-          <a:bodyPr spcFirstLastPara="1" wrap="square" lIns="68575" tIns="34275" rIns="68575" bIns="34275" anchor="ctr" anchorCtr="0">
+          <a:bodyPr anchorCtr="0" anchor="ctr" bIns="34275" lIns="68575" spcFirstLastPara="1" rIns="68575" wrap="square" tIns="34275">
             <a:noAutofit/>
           </a:bodyPr>
           <a:lstStyle>
-            <a:lvl1pPr marL="0" marR="0" lvl="0" indent="0" algn="r">
+            <a:lvl1pPr indent="0" lvl="0" marL="0" marR="0" algn="r">
               <a:lnSpc>
                 <a:spcPct val="100000"/>
               </a:lnSpc>
@@ -4681,7 +5614,7 @@
               <a:buSzPts val="1000"/>
               <a:buFont typeface="Arial"/>
               <a:buNone/>
-              <a:defRPr sz="1000" b="0" i="0" u="none" strike="noStrike" cap="none">
+              <a:defRPr b="0" i="0" sz="1000" u="none" cap="none" strike="noStrike">
                 <a:solidFill>
                   <a:schemeClr val="accent1"/>
                 </a:solidFill>
@@ -4691,7 +5624,7 @@
                 <a:sym typeface="Lato"/>
               </a:defRPr>
             </a:lvl1pPr>
-            <a:lvl2pPr marL="0" marR="0" lvl="1" indent="0" algn="r">
+            <a:lvl2pPr indent="0" lvl="1" marL="0" marR="0" algn="r">
               <a:lnSpc>
                 <a:spcPct val="100000"/>
               </a:lnSpc>
@@ -4707,7 +5640,7 @@
               <a:buSzPts val="1000"/>
               <a:buFont typeface="Arial"/>
               <a:buNone/>
-              <a:defRPr sz="1000" b="0" i="0" u="none" strike="noStrike" cap="none">
+              <a:defRPr b="0" i="0" sz="1000" u="none" cap="none" strike="noStrike">
                 <a:solidFill>
                   <a:schemeClr val="accent1"/>
                 </a:solidFill>
@@ -4717,7 +5650,7 @@
                 <a:sym typeface="Lato"/>
               </a:defRPr>
             </a:lvl2pPr>
-            <a:lvl3pPr marL="0" marR="0" lvl="2" indent="0" algn="r">
+            <a:lvl3pPr indent="0" lvl="2" marL="0" marR="0" algn="r">
               <a:lnSpc>
                 <a:spcPct val="100000"/>
               </a:lnSpc>
@@ -4733,7 +5666,7 @@
               <a:buSzPts val="1000"/>
               <a:buFont typeface="Arial"/>
               <a:buNone/>
-              <a:defRPr sz="1000" b="0" i="0" u="none" strike="noStrike" cap="none">
+              <a:defRPr b="0" i="0" sz="1000" u="none" cap="none" strike="noStrike">
                 <a:solidFill>
                   <a:schemeClr val="accent1"/>
                 </a:solidFill>
@@ -4743,7 +5676,7 @@
                 <a:sym typeface="Lato"/>
               </a:defRPr>
             </a:lvl3pPr>
-            <a:lvl4pPr marL="0" marR="0" lvl="3" indent="0" algn="r">
+            <a:lvl4pPr indent="0" lvl="3" marL="0" marR="0" algn="r">
               <a:lnSpc>
                 <a:spcPct val="100000"/>
               </a:lnSpc>
@@ -4759,7 +5692,7 @@
               <a:buSzPts val="1000"/>
               <a:buFont typeface="Arial"/>
               <a:buNone/>
-              <a:defRPr sz="1000" b="0" i="0" u="none" strike="noStrike" cap="none">
+              <a:defRPr b="0" i="0" sz="1000" u="none" cap="none" strike="noStrike">
                 <a:solidFill>
                   <a:schemeClr val="accent1"/>
                 </a:solidFill>
@@ -4769,7 +5702,7 @@
                 <a:sym typeface="Lato"/>
               </a:defRPr>
             </a:lvl4pPr>
-            <a:lvl5pPr marL="0" marR="0" lvl="4" indent="0" algn="r">
+            <a:lvl5pPr indent="0" lvl="4" marL="0" marR="0" algn="r">
               <a:lnSpc>
                 <a:spcPct val="100000"/>
               </a:lnSpc>
@@ -4785,7 +5718,7 @@
               <a:buSzPts val="1000"/>
               <a:buFont typeface="Arial"/>
               <a:buNone/>
-              <a:defRPr sz="1000" b="0" i="0" u="none" strike="noStrike" cap="none">
+              <a:defRPr b="0" i="0" sz="1000" u="none" cap="none" strike="noStrike">
                 <a:solidFill>
                   <a:schemeClr val="accent1"/>
                 </a:solidFill>
@@ -4795,7 +5728,7 @@
                 <a:sym typeface="Lato"/>
               </a:defRPr>
             </a:lvl5pPr>
-            <a:lvl6pPr marL="0" marR="0" lvl="5" indent="0" algn="r">
+            <a:lvl6pPr indent="0" lvl="5" marL="0" marR="0" algn="r">
               <a:lnSpc>
                 <a:spcPct val="100000"/>
               </a:lnSpc>
@@ -4811,7 +5744,7 @@
               <a:buSzPts val="1000"/>
               <a:buFont typeface="Arial"/>
               <a:buNone/>
-              <a:defRPr sz="1000" b="0" i="0" u="none" strike="noStrike" cap="none">
+              <a:defRPr b="0" i="0" sz="1000" u="none" cap="none" strike="noStrike">
                 <a:solidFill>
                   <a:schemeClr val="accent1"/>
                 </a:solidFill>
@@ -4821,7 +5754,7 @@
                 <a:sym typeface="Lato"/>
               </a:defRPr>
             </a:lvl6pPr>
-            <a:lvl7pPr marL="0" marR="0" lvl="6" indent="0" algn="r">
+            <a:lvl7pPr indent="0" lvl="6" marL="0" marR="0" algn="r">
               <a:lnSpc>
                 <a:spcPct val="100000"/>
               </a:lnSpc>
@@ -4837,7 +5770,7 @@
               <a:buSzPts val="1000"/>
               <a:buFont typeface="Arial"/>
               <a:buNone/>
-              <a:defRPr sz="1000" b="0" i="0" u="none" strike="noStrike" cap="none">
+              <a:defRPr b="0" i="0" sz="1000" u="none" cap="none" strike="noStrike">
                 <a:solidFill>
                   <a:schemeClr val="accent1"/>
                 </a:solidFill>
@@ -4847,7 +5780,7 @@
                 <a:sym typeface="Lato"/>
               </a:defRPr>
             </a:lvl7pPr>
-            <a:lvl8pPr marL="0" marR="0" lvl="7" indent="0" algn="r">
+            <a:lvl8pPr indent="0" lvl="7" marL="0" marR="0" algn="r">
               <a:lnSpc>
                 <a:spcPct val="100000"/>
               </a:lnSpc>
@@ -4863,7 +5796,7 @@
               <a:buSzPts val="1000"/>
               <a:buFont typeface="Arial"/>
               <a:buNone/>
-              <a:defRPr sz="1000" b="0" i="0" u="none" strike="noStrike" cap="none">
+              <a:defRPr b="0" i="0" sz="1000" u="none" cap="none" strike="noStrike">
                 <a:solidFill>
                   <a:schemeClr val="accent1"/>
                 </a:solidFill>
@@ -4873,7 +5806,7 @@
                 <a:sym typeface="Lato"/>
               </a:defRPr>
             </a:lvl8pPr>
-            <a:lvl9pPr marL="0" marR="0" lvl="8" indent="0" algn="r">
+            <a:lvl9pPr indent="0" lvl="8" marL="0" marR="0" algn="r">
               <a:lnSpc>
                 <a:spcPct val="100000"/>
               </a:lnSpc>
@@ -4889,7 +5822,7 @@
               <a:buSzPts val="1000"/>
               <a:buFont typeface="Arial"/>
               <a:buNone/>
-              <a:defRPr sz="1000" b="0" i="0" u="none" strike="noStrike" cap="none">
+              <a:defRPr b="0" i="0" sz="1000" u="none" cap="none" strike="noStrike">
                 <a:solidFill>
                   <a:schemeClr val="accent1"/>
                 </a:solidFill>
@@ -4901,7 +5834,7 @@
             </a:lvl9pPr>
           </a:lstStyle>
           <a:p>
-            <a:pPr marL="0" lvl="0" indent="0" algn="r" rtl="0">
+            <a:pPr indent="0" lvl="0" marL="0" rtl="0" algn="r">
               <a:spcBef>
                 <a:spcPts val="0"/>
               </a:spcBef>
@@ -4927,11 +5860,11 @@
 </file>
 
 <file path=ppt/slideLayouts/slideLayout2.xml><?xml version="1.0" encoding="utf-8"?>
-<p:sldLayout xmlns:a="http://schemas.openxmlformats.org/drawingml/2006/main" xmlns:r="http://schemas.openxmlformats.org/officeDocument/2006/relationships" xmlns:p="http://schemas.openxmlformats.org/presentationml/2006/main" matchingName="Title and body" type="tx">
+<p:sldLayout xmlns:a="http://schemas.openxmlformats.org/drawingml/2006/main" xmlns:r="http://schemas.openxmlformats.org/officeDocument/2006/relationships" xmlns:mc="http://schemas.openxmlformats.org/markup-compatibility/2006" xmlns:mv="urn:schemas-microsoft-com:mac:vml" xmlns:p="http://schemas.openxmlformats.org/presentationml/2006/main" xmlns:c="http://schemas.openxmlformats.org/drawingml/2006/chart" xmlns:dgm="http://schemas.openxmlformats.org/drawingml/2006/diagram" xmlns:o="urn:schemas-microsoft-com:office:office" xmlns:v="urn:schemas-microsoft-com:vml" xmlns:pvml="urn:schemas-microsoft-com:office:powerpoint" xmlns:com="http://schemas.openxmlformats.org/drawingml/2006/compatibility" xmlns:p14="http://schemas.microsoft.com/office/powerpoint/2010/main" xmlns:p15="http://schemas.microsoft.com/office/powerpoint/2012/main" matchingName="Title and body" type="tx">
   <p:cSld name="TITLE_AND_BODY">
     <p:spTree>
       <p:nvGrpSpPr>
-        <p:cNvPr id="1" name="Shape 16"/>
+        <p:cNvPr id="16" name="Shape 16"/>
         <p:cNvGrpSpPr/>
         <p:nvPr/>
       </p:nvGrpSpPr>
@@ -4965,12 +5898,12 @@
           </a:ln>
         </p:spPr>
         <p:txBody>
-          <a:bodyPr spcFirstLastPara="1" wrap="square" lIns="91425" tIns="91425" rIns="91425" bIns="91425" anchor="ctr" anchorCtr="0">
+          <a:bodyPr anchorCtr="0" anchor="ctr" bIns="91425" lIns="91425" spcFirstLastPara="1" rIns="91425" wrap="square" tIns="91425">
             <a:noAutofit/>
           </a:bodyPr>
           <a:lstStyle/>
           <a:p>
-            <a:pPr marL="0" marR="0" lvl="0" indent="0" algn="l" rtl="0">
+            <a:pPr indent="0" lvl="0" marL="0" marR="0" rtl="0" algn="l">
               <a:lnSpc>
                 <a:spcPct val="100000"/>
               </a:lnSpc>
@@ -4987,7 +5920,10 @@
               <a:buFont typeface="Arial"/>
               <a:buNone/>
             </a:pPr>
-            <a:endParaRPr sz="1400" b="0" i="0" u="none" strike="noStrike" cap="none">
+            <a:r>
+              <a:t/>
+            </a:r>
+            <a:endParaRPr b="0" i="0" sz="1400" u="none" cap="none" strike="noStrike">
               <a:solidFill>
                 <a:srgbClr val="000000"/>
               </a:solidFill>
@@ -5035,12 +5971,12 @@
             </a:ln>
           </p:spPr>
           <p:txBody>
-            <a:bodyPr spcFirstLastPara="1" wrap="square" lIns="91425" tIns="91425" rIns="91425" bIns="91425" anchor="ctr" anchorCtr="0">
+            <a:bodyPr anchorCtr="0" anchor="ctr" bIns="91425" lIns="91425" spcFirstLastPara="1" rIns="91425" wrap="square" tIns="91425">
               <a:noAutofit/>
             </a:bodyPr>
             <a:lstStyle/>
             <a:p>
-              <a:pPr marL="0" marR="0" lvl="0" indent="0" algn="l" rtl="0">
+              <a:pPr indent="0" lvl="0" marL="0" marR="0" rtl="0" algn="l">
                 <a:lnSpc>
                   <a:spcPct val="100000"/>
                 </a:lnSpc>
@@ -5057,7 +5993,10 @@
                 <a:buFont typeface="Arial"/>
                 <a:buNone/>
               </a:pPr>
-              <a:endParaRPr sz="1400" b="0" i="0" u="none" strike="noStrike" cap="none">
+              <a:r>
+                <a:t/>
+              </a:r>
+              <a:endParaRPr b="0" i="0" sz="1400" u="none" cap="none" strike="noStrike">
                 <a:solidFill>
                   <a:srgbClr val="000000"/>
                 </a:solidFill>
@@ -5091,12 +6030,12 @@
             </a:ln>
           </p:spPr>
           <p:txBody>
-            <a:bodyPr spcFirstLastPara="1" wrap="square" lIns="91425" tIns="91425" rIns="91425" bIns="91425" anchor="ctr" anchorCtr="0">
+            <a:bodyPr anchorCtr="0" anchor="ctr" bIns="91425" lIns="91425" spcFirstLastPara="1" rIns="91425" wrap="square" tIns="91425">
               <a:noAutofit/>
             </a:bodyPr>
             <a:lstStyle/>
             <a:p>
-              <a:pPr marL="0" marR="0" lvl="0" indent="0" algn="l" rtl="0">
+              <a:pPr indent="0" lvl="0" marL="0" marR="0" rtl="0" algn="l">
                 <a:lnSpc>
                   <a:spcPct val="100000"/>
                 </a:lnSpc>
@@ -5113,7 +6052,10 @@
                 <a:buFont typeface="Arial"/>
                 <a:buNone/>
               </a:pPr>
-              <a:endParaRPr sz="1400" b="0" i="0" u="none" strike="noStrike" cap="none">
+              <a:r>
+                <a:t/>
+              </a:r>
+              <a:endParaRPr b="0" i="0" sz="1400" u="none" cap="none" strike="noStrike">
                 <a:solidFill>
                   <a:srgbClr val="000000"/>
                 </a:solidFill>
@@ -5129,9 +6071,7 @@
       <p:sp>
         <p:nvSpPr>
           <p:cNvPr id="21" name="Google Shape;21;p35"/>
-          <p:cNvSpPr txBox="1">
-            <a:spLocks noGrp="1"/>
-          </p:cNvSpPr>
+          <p:cNvSpPr txBox="1"/>
           <p:nvPr>
             <p:ph type="title"/>
           </p:nvPr>
@@ -5150,7 +6090,7 @@
           </a:ln>
         </p:spPr>
         <p:txBody>
-          <a:bodyPr spcFirstLastPara="1" wrap="square" lIns="91425" tIns="91425" rIns="91425" bIns="91425" anchor="t" anchorCtr="0">
+          <a:bodyPr anchorCtr="0" anchor="t" bIns="91425" lIns="91425" spcFirstLastPara="1" rIns="91425" wrap="square" tIns="91425">
             <a:noAutofit/>
           </a:bodyPr>
           <a:lstStyle>
@@ -5344,19 +6284,15 @@
               </a:defRPr>
             </a:lvl9pPr>
           </a:lstStyle>
-          <a:p>
-            <a:endParaRPr/>
-          </a:p>
+          <a:p/>
         </p:txBody>
       </p:sp>
       <p:sp>
         <p:nvSpPr>
           <p:cNvPr id="22" name="Google Shape;22;p35"/>
-          <p:cNvSpPr txBox="1">
-            <a:spLocks noGrp="1"/>
-          </p:cNvSpPr>
+          <p:cNvSpPr txBox="1"/>
           <p:nvPr>
-            <p:ph type="body" idx="1"/>
+            <p:ph idx="1" type="body"/>
           </p:nvPr>
         </p:nvSpPr>
         <p:spPr>
@@ -5373,11 +6309,11 @@
           </a:ln>
         </p:spPr>
         <p:txBody>
-          <a:bodyPr spcFirstLastPara="1" wrap="square" lIns="91425" tIns="91425" rIns="91425" bIns="91425" anchor="t" anchorCtr="0">
+          <a:bodyPr anchorCtr="0" anchor="t" bIns="91425" lIns="91425" spcFirstLastPara="1" rIns="91425" wrap="square" tIns="91425">
             <a:noAutofit/>
           </a:bodyPr>
           <a:lstStyle>
-            <a:lvl1pPr marL="457200" lvl="0" indent="-311150" algn="l">
+            <a:lvl1pPr indent="-311150" lvl="0" marL="457200" algn="l">
               <a:lnSpc>
                 <a:spcPct val="115000"/>
               </a:lnSpc>
@@ -5391,7 +6327,7 @@
               <a:buChar char="●"/>
               <a:defRPr/>
             </a:lvl1pPr>
-            <a:lvl2pPr marL="914400" lvl="1" indent="-298450" algn="l">
+            <a:lvl2pPr indent="-298450" lvl="1" marL="914400" algn="l">
               <a:lnSpc>
                 <a:spcPct val="115000"/>
               </a:lnSpc>
@@ -5405,7 +6341,7 @@
               <a:buChar char="○"/>
               <a:defRPr/>
             </a:lvl2pPr>
-            <a:lvl3pPr marL="1371600" lvl="2" indent="-298450" algn="l">
+            <a:lvl3pPr indent="-298450" lvl="2" marL="1371600" algn="l">
               <a:lnSpc>
                 <a:spcPct val="115000"/>
               </a:lnSpc>
@@ -5419,7 +6355,7 @@
               <a:buChar char="■"/>
               <a:defRPr/>
             </a:lvl3pPr>
-            <a:lvl4pPr marL="1828800" lvl="3" indent="-298450" algn="l">
+            <a:lvl4pPr indent="-298450" lvl="3" marL="1828800" algn="l">
               <a:lnSpc>
                 <a:spcPct val="115000"/>
               </a:lnSpc>
@@ -5433,7 +6369,7 @@
               <a:buChar char="●"/>
               <a:defRPr/>
             </a:lvl4pPr>
-            <a:lvl5pPr marL="2286000" lvl="4" indent="-298450" algn="l">
+            <a:lvl5pPr indent="-298450" lvl="4" marL="2286000" algn="l">
               <a:lnSpc>
                 <a:spcPct val="115000"/>
               </a:lnSpc>
@@ -5447,7 +6383,7 @@
               <a:buChar char="○"/>
               <a:defRPr/>
             </a:lvl5pPr>
-            <a:lvl6pPr marL="2743200" lvl="5" indent="-298450" algn="l">
+            <a:lvl6pPr indent="-298450" lvl="5" marL="2743200" algn="l">
               <a:lnSpc>
                 <a:spcPct val="115000"/>
               </a:lnSpc>
@@ -5461,7 +6397,7 @@
               <a:buChar char="■"/>
               <a:defRPr/>
             </a:lvl6pPr>
-            <a:lvl7pPr marL="3200400" lvl="6" indent="-298450" algn="l">
+            <a:lvl7pPr indent="-298450" lvl="6" marL="3200400" algn="l">
               <a:lnSpc>
                 <a:spcPct val="115000"/>
               </a:lnSpc>
@@ -5475,7 +6411,7 @@
               <a:buChar char="●"/>
               <a:defRPr/>
             </a:lvl7pPr>
-            <a:lvl8pPr marL="3657600" lvl="7" indent="-298450" algn="l">
+            <a:lvl8pPr indent="-298450" lvl="7" marL="3657600" algn="l">
               <a:lnSpc>
                 <a:spcPct val="115000"/>
               </a:lnSpc>
@@ -5489,7 +6425,7 @@
               <a:buChar char="○"/>
               <a:defRPr/>
             </a:lvl8pPr>
-            <a:lvl9pPr marL="4114800" lvl="8" indent="-298450" algn="l">
+            <a:lvl9pPr indent="-298450" lvl="8" marL="4114800" algn="l">
               <a:lnSpc>
                 <a:spcPct val="115000"/>
               </a:lnSpc>
@@ -5504,19 +6440,15 @@
               <a:defRPr/>
             </a:lvl9pPr>
           </a:lstStyle>
-          <a:p>
-            <a:endParaRPr/>
-          </a:p>
+          <a:p/>
         </p:txBody>
       </p:sp>
       <p:sp>
         <p:nvSpPr>
           <p:cNvPr id="23" name="Google Shape;23;p35"/>
-          <p:cNvSpPr txBox="1">
-            <a:spLocks noGrp="1"/>
-          </p:cNvSpPr>
+          <p:cNvSpPr txBox="1"/>
           <p:nvPr>
-            <p:ph type="sldNum" idx="12"/>
+            <p:ph idx="12" type="sldNum"/>
           </p:nvPr>
         </p:nvSpPr>
         <p:spPr>
@@ -5533,11 +6465,11 @@
           </a:ln>
         </p:spPr>
         <p:txBody>
-          <a:bodyPr spcFirstLastPara="1" wrap="square" lIns="91425" tIns="91425" rIns="91425" bIns="91425" anchor="ctr" anchorCtr="0">
+          <a:bodyPr anchorCtr="0" anchor="ctr" bIns="91425" lIns="91425" spcFirstLastPara="1" rIns="91425" wrap="square" tIns="91425">
             <a:noAutofit/>
           </a:bodyPr>
           <a:lstStyle>
-            <a:lvl1pPr marL="0" marR="0" lvl="0" indent="0" algn="r">
+            <a:lvl1pPr indent="0" lvl="0" marL="0" marR="0" algn="r">
               <a:lnSpc>
                 <a:spcPct val="100000"/>
               </a:lnSpc>
@@ -5553,7 +6485,7 @@
               <a:buSzPts val="1000"/>
               <a:buFont typeface="Arial"/>
               <a:buNone/>
-              <a:defRPr sz="1000" b="0" i="0" u="none" strike="noStrike" cap="none">
+              <a:defRPr b="0" i="0" sz="1000" u="none" cap="none" strike="noStrike">
                 <a:solidFill>
                   <a:schemeClr val="accent1"/>
                 </a:solidFill>
@@ -5563,7 +6495,7 @@
                 <a:sym typeface="Lato"/>
               </a:defRPr>
             </a:lvl1pPr>
-            <a:lvl2pPr marL="0" marR="0" lvl="1" indent="0" algn="r">
+            <a:lvl2pPr indent="0" lvl="1" marL="0" marR="0" algn="r">
               <a:lnSpc>
                 <a:spcPct val="100000"/>
               </a:lnSpc>
@@ -5579,7 +6511,7 @@
               <a:buSzPts val="1000"/>
               <a:buFont typeface="Arial"/>
               <a:buNone/>
-              <a:defRPr sz="1000" b="0" i="0" u="none" strike="noStrike" cap="none">
+              <a:defRPr b="0" i="0" sz="1000" u="none" cap="none" strike="noStrike">
                 <a:solidFill>
                   <a:schemeClr val="accent1"/>
                 </a:solidFill>
@@ -5589,7 +6521,7 @@
                 <a:sym typeface="Lato"/>
               </a:defRPr>
             </a:lvl2pPr>
-            <a:lvl3pPr marL="0" marR="0" lvl="2" indent="0" algn="r">
+            <a:lvl3pPr indent="0" lvl="2" marL="0" marR="0" algn="r">
               <a:lnSpc>
                 <a:spcPct val="100000"/>
               </a:lnSpc>
@@ -5605,7 +6537,7 @@
               <a:buSzPts val="1000"/>
               <a:buFont typeface="Arial"/>
               <a:buNone/>
-              <a:defRPr sz="1000" b="0" i="0" u="none" strike="noStrike" cap="none">
+              <a:defRPr b="0" i="0" sz="1000" u="none" cap="none" strike="noStrike">
                 <a:solidFill>
                   <a:schemeClr val="accent1"/>
                 </a:solidFill>
@@ -5615,7 +6547,7 @@
                 <a:sym typeface="Lato"/>
               </a:defRPr>
             </a:lvl3pPr>
-            <a:lvl4pPr marL="0" marR="0" lvl="3" indent="0" algn="r">
+            <a:lvl4pPr indent="0" lvl="3" marL="0" marR="0" algn="r">
               <a:lnSpc>
                 <a:spcPct val="100000"/>
               </a:lnSpc>
@@ -5631,7 +6563,7 @@
               <a:buSzPts val="1000"/>
               <a:buFont typeface="Arial"/>
               <a:buNone/>
-              <a:defRPr sz="1000" b="0" i="0" u="none" strike="noStrike" cap="none">
+              <a:defRPr b="0" i="0" sz="1000" u="none" cap="none" strike="noStrike">
                 <a:solidFill>
                   <a:schemeClr val="accent1"/>
                 </a:solidFill>
@@ -5641,7 +6573,7 @@
                 <a:sym typeface="Lato"/>
               </a:defRPr>
             </a:lvl4pPr>
-            <a:lvl5pPr marL="0" marR="0" lvl="4" indent="0" algn="r">
+            <a:lvl5pPr indent="0" lvl="4" marL="0" marR="0" algn="r">
               <a:lnSpc>
                 <a:spcPct val="100000"/>
               </a:lnSpc>
@@ -5657,7 +6589,7 @@
               <a:buSzPts val="1000"/>
               <a:buFont typeface="Arial"/>
               <a:buNone/>
-              <a:defRPr sz="1000" b="0" i="0" u="none" strike="noStrike" cap="none">
+              <a:defRPr b="0" i="0" sz="1000" u="none" cap="none" strike="noStrike">
                 <a:solidFill>
                   <a:schemeClr val="accent1"/>
                 </a:solidFill>
@@ -5667,7 +6599,7 @@
                 <a:sym typeface="Lato"/>
               </a:defRPr>
             </a:lvl5pPr>
-            <a:lvl6pPr marL="0" marR="0" lvl="5" indent="0" algn="r">
+            <a:lvl6pPr indent="0" lvl="5" marL="0" marR="0" algn="r">
               <a:lnSpc>
                 <a:spcPct val="100000"/>
               </a:lnSpc>
@@ -5683,7 +6615,7 @@
               <a:buSzPts val="1000"/>
               <a:buFont typeface="Arial"/>
               <a:buNone/>
-              <a:defRPr sz="1000" b="0" i="0" u="none" strike="noStrike" cap="none">
+              <a:defRPr b="0" i="0" sz="1000" u="none" cap="none" strike="noStrike">
                 <a:solidFill>
                   <a:schemeClr val="accent1"/>
                 </a:solidFill>
@@ -5693,7 +6625,7 @@
                 <a:sym typeface="Lato"/>
               </a:defRPr>
             </a:lvl6pPr>
-            <a:lvl7pPr marL="0" marR="0" lvl="6" indent="0" algn="r">
+            <a:lvl7pPr indent="0" lvl="6" marL="0" marR="0" algn="r">
               <a:lnSpc>
                 <a:spcPct val="100000"/>
               </a:lnSpc>
@@ -5709,7 +6641,7 @@
               <a:buSzPts val="1000"/>
               <a:buFont typeface="Arial"/>
               <a:buNone/>
-              <a:defRPr sz="1000" b="0" i="0" u="none" strike="noStrike" cap="none">
+              <a:defRPr b="0" i="0" sz="1000" u="none" cap="none" strike="noStrike">
                 <a:solidFill>
                   <a:schemeClr val="accent1"/>
                 </a:solidFill>
@@ -5719,7 +6651,7 @@
                 <a:sym typeface="Lato"/>
               </a:defRPr>
             </a:lvl7pPr>
-            <a:lvl8pPr marL="0" marR="0" lvl="7" indent="0" algn="r">
+            <a:lvl8pPr indent="0" lvl="7" marL="0" marR="0" algn="r">
               <a:lnSpc>
                 <a:spcPct val="100000"/>
               </a:lnSpc>
@@ -5735,7 +6667,7 @@
               <a:buSzPts val="1000"/>
               <a:buFont typeface="Arial"/>
               <a:buNone/>
-              <a:defRPr sz="1000" b="0" i="0" u="none" strike="noStrike" cap="none">
+              <a:defRPr b="0" i="0" sz="1000" u="none" cap="none" strike="noStrike">
                 <a:solidFill>
                   <a:schemeClr val="accent1"/>
                 </a:solidFill>
@@ -5745,7 +6677,7 @@
                 <a:sym typeface="Lato"/>
               </a:defRPr>
             </a:lvl8pPr>
-            <a:lvl9pPr marL="0" marR="0" lvl="8" indent="0" algn="r">
+            <a:lvl9pPr indent="0" lvl="8" marL="0" marR="0" algn="r">
               <a:lnSpc>
                 <a:spcPct val="100000"/>
               </a:lnSpc>
@@ -5761,7 +6693,7 @@
               <a:buSzPts val="1000"/>
               <a:buFont typeface="Arial"/>
               <a:buNone/>
-              <a:defRPr sz="1000" b="0" i="0" u="none" strike="noStrike" cap="none">
+              <a:defRPr b="0" i="0" sz="1000" u="none" cap="none" strike="noStrike">
                 <a:solidFill>
                   <a:schemeClr val="accent1"/>
                 </a:solidFill>
@@ -5773,7 +6705,7 @@
             </a:lvl9pPr>
           </a:lstStyle>
           <a:p>
-            <a:pPr marL="0" lvl="0" indent="0" algn="r" rtl="0">
+            <a:pPr indent="0" lvl="0" marL="0" rtl="0" algn="r">
               <a:spcBef>
                 <a:spcPts val="0"/>
               </a:spcBef>
@@ -5800,7 +6732,7 @@
           <a:blip r:embed="rId2">
             <a:alphaModFix/>
           </a:blip>
-          <a:srcRect l="16874" t="31678" r="16874" b="31682"/>
+          <a:srcRect b="31682" l="16874" r="16874" t="31678"/>
           <a:stretch/>
         </p:blipFill>
         <p:spPr>
@@ -5826,19 +6758,18 @@
 </file>
 
 <file path=ppt/slideLayouts/slideLayout3.xml><?xml version="1.0" encoding="utf-8"?>
-<p:sldLayout xmlns:a="http://schemas.openxmlformats.org/drawingml/2006/main" xmlns:r="http://schemas.openxmlformats.org/officeDocument/2006/relationships" xmlns:p="http://schemas.openxmlformats.org/presentationml/2006/main" matchingName="Section header" type="secHead">
+<p:sldLayout xmlns:a="http://schemas.openxmlformats.org/drawingml/2006/main" xmlns:r="http://schemas.openxmlformats.org/officeDocument/2006/relationships" xmlns:mc="http://schemas.openxmlformats.org/markup-compatibility/2006" xmlns:mv="urn:schemas-microsoft-com:mac:vml" xmlns:p="http://schemas.openxmlformats.org/presentationml/2006/main" xmlns:c="http://schemas.openxmlformats.org/drawingml/2006/chart" xmlns:dgm="http://schemas.openxmlformats.org/drawingml/2006/diagram" xmlns:o="urn:schemas-microsoft-com:office:office" xmlns:v="urn:schemas-microsoft-com:vml" xmlns:pvml="urn:schemas-microsoft-com:office:powerpoint" xmlns:com="http://schemas.openxmlformats.org/drawingml/2006/compatibility" xmlns:p14="http://schemas.microsoft.com/office/powerpoint/2010/main" xmlns:p15="http://schemas.microsoft.com/office/powerpoint/2012/main" matchingName="Section header" type="secHead">
   <p:cSld name="SECTION_HEADER">
     <p:bg>
       <p:bgPr>
         <a:solidFill>
           <a:schemeClr val="dk1"/>
         </a:solidFill>
-        <a:effectLst/>
       </p:bgPr>
     </p:bg>
     <p:spTree>
       <p:nvGrpSpPr>
-        <p:cNvPr id="1" name="Shape 25"/>
+        <p:cNvPr id="25" name="Shape 25"/>
         <p:cNvGrpSpPr/>
         <p:nvPr/>
       </p:nvGrpSpPr>
@@ -5886,12 +6817,12 @@
             </a:ln>
           </p:spPr>
           <p:txBody>
-            <a:bodyPr spcFirstLastPara="1" wrap="square" lIns="91425" tIns="91425" rIns="91425" bIns="91425" anchor="ctr" anchorCtr="0">
+            <a:bodyPr anchorCtr="0" anchor="ctr" bIns="91425" lIns="91425" spcFirstLastPara="1" rIns="91425" wrap="square" tIns="91425">
               <a:noAutofit/>
             </a:bodyPr>
             <a:lstStyle/>
             <a:p>
-              <a:pPr marL="0" marR="0" lvl="0" indent="0" algn="l" rtl="0">
+              <a:pPr indent="0" lvl="0" marL="0" marR="0" rtl="0" algn="l">
                 <a:lnSpc>
                   <a:spcPct val="100000"/>
                 </a:lnSpc>
@@ -5908,7 +6839,10 @@
                 <a:buFont typeface="Arial"/>
                 <a:buNone/>
               </a:pPr>
-              <a:endParaRPr sz="1400" b="0" i="0" u="none" strike="noStrike" cap="none">
+              <a:r>
+                <a:t/>
+              </a:r>
+              <a:endParaRPr b="0" i="0" sz="1400" u="none" cap="none" strike="noStrike">
                 <a:solidFill>
                   <a:srgbClr val="000000"/>
                 </a:solidFill>
@@ -5942,12 +6876,12 @@
             </a:ln>
           </p:spPr>
           <p:txBody>
-            <a:bodyPr spcFirstLastPara="1" wrap="square" lIns="91425" tIns="91425" rIns="91425" bIns="91425" anchor="ctr" anchorCtr="0">
+            <a:bodyPr anchorCtr="0" anchor="ctr" bIns="91425" lIns="91425" spcFirstLastPara="1" rIns="91425" wrap="square" tIns="91425">
               <a:noAutofit/>
             </a:bodyPr>
             <a:lstStyle/>
             <a:p>
-              <a:pPr marL="0" marR="0" lvl="0" indent="0" algn="l" rtl="0">
+              <a:pPr indent="0" lvl="0" marL="0" marR="0" rtl="0" algn="l">
                 <a:lnSpc>
                   <a:spcPct val="100000"/>
                 </a:lnSpc>
@@ -5964,7 +6898,10 @@
                 <a:buFont typeface="Arial"/>
                 <a:buNone/>
               </a:pPr>
-              <a:endParaRPr sz="1400" b="0" i="0" u="none" strike="noStrike" cap="none">
+              <a:r>
+                <a:t/>
+              </a:r>
+              <a:endParaRPr b="0" i="0" sz="1400" u="none" cap="none" strike="noStrike">
                 <a:solidFill>
                   <a:srgbClr val="000000"/>
                 </a:solidFill>
@@ -5980,9 +6917,7 @@
       <p:sp>
         <p:nvSpPr>
           <p:cNvPr id="29" name="Google Shape;29;p36"/>
-          <p:cNvSpPr txBox="1">
-            <a:spLocks noGrp="1"/>
-          </p:cNvSpPr>
+          <p:cNvSpPr txBox="1"/>
           <p:nvPr>
             <p:ph type="title"/>
           </p:nvPr>
@@ -6001,7 +6936,7 @@
           </a:ln>
         </p:spPr>
         <p:txBody>
-          <a:bodyPr spcFirstLastPara="1" wrap="square" lIns="91425" tIns="91425" rIns="91425" bIns="91425" anchor="t" anchorCtr="0">
+          <a:bodyPr anchorCtr="0" anchor="t" bIns="91425" lIns="91425" spcFirstLastPara="1" rIns="91425" wrap="square" tIns="91425">
             <a:noAutofit/>
           </a:bodyPr>
           <a:lstStyle>
@@ -6195,9 +7130,7 @@
               </a:defRPr>
             </a:lvl9pPr>
           </a:lstStyle>
-          <a:p>
-            <a:endParaRPr/>
-          </a:p>
+          <a:p/>
         </p:txBody>
       </p:sp>
       <p:sp>
@@ -6222,12 +7155,12 @@
           </a:ln>
         </p:spPr>
         <p:txBody>
-          <a:bodyPr spcFirstLastPara="1" wrap="square" lIns="91425" tIns="91425" rIns="91425" bIns="91425" anchor="ctr" anchorCtr="0">
+          <a:bodyPr anchorCtr="0" anchor="ctr" bIns="91425" lIns="91425" spcFirstLastPara="1" rIns="91425" wrap="square" tIns="91425">
             <a:noAutofit/>
           </a:bodyPr>
           <a:lstStyle/>
           <a:p>
-            <a:pPr marL="0" marR="0" lvl="0" indent="0" algn="l" rtl="0">
+            <a:pPr indent="0" lvl="0" marL="0" marR="0" rtl="0" algn="l">
               <a:lnSpc>
                 <a:spcPct val="100000"/>
               </a:lnSpc>
@@ -6244,7 +7177,10 @@
               <a:buFont typeface="Arial"/>
               <a:buNone/>
             </a:pPr>
-            <a:endParaRPr sz="1400" b="0" i="0" u="none" strike="noStrike" cap="none">
+            <a:r>
+              <a:t/>
+            </a:r>
+            <a:endParaRPr b="0" i="0" sz="1400" u="none" cap="none" strike="noStrike">
               <a:solidFill>
                 <a:srgbClr val="000000"/>
               </a:solidFill>
@@ -6266,7 +7202,7 @@
           <a:blip r:embed="rId2">
             <a:alphaModFix/>
           </a:blip>
-          <a:srcRect l="16874" t="31678" r="16874" b="31682"/>
+          <a:srcRect b="31682" l="16874" r="16874" t="31678"/>
           <a:stretch/>
         </p:blipFill>
         <p:spPr>
@@ -6286,11 +7222,9 @@
       <p:sp>
         <p:nvSpPr>
           <p:cNvPr id="32" name="Google Shape;32;p36"/>
-          <p:cNvSpPr txBox="1">
-            <a:spLocks noGrp="1"/>
-          </p:cNvSpPr>
+          <p:cNvSpPr txBox="1"/>
           <p:nvPr>
-            <p:ph type="sldNum" idx="12"/>
+            <p:ph idx="12" type="sldNum"/>
           </p:nvPr>
         </p:nvSpPr>
         <p:spPr>
@@ -6307,11 +7241,11 @@
           </a:ln>
         </p:spPr>
         <p:txBody>
-          <a:bodyPr spcFirstLastPara="1" wrap="square" lIns="91425" tIns="91425" rIns="91425" bIns="91425" anchor="ctr" anchorCtr="0">
+          <a:bodyPr anchorCtr="0" anchor="ctr" bIns="91425" lIns="91425" spcFirstLastPara="1" rIns="91425" wrap="square" tIns="91425">
             <a:noAutofit/>
           </a:bodyPr>
           <a:lstStyle>
-            <a:lvl1pPr marL="0" marR="0" lvl="0" indent="0" algn="r">
+            <a:lvl1pPr indent="0" lvl="0" marL="0" marR="0" algn="r">
               <a:lnSpc>
                 <a:spcPct val="100000"/>
               </a:lnSpc>
@@ -6327,7 +7261,7 @@
               <a:buSzPts val="1000"/>
               <a:buFont typeface="Arial"/>
               <a:buNone/>
-              <a:defRPr sz="1000" b="0" i="0" u="none" strike="noStrike" cap="none">
+              <a:defRPr b="0" i="0" sz="1000" u="none" cap="none" strike="noStrike">
                 <a:solidFill>
                   <a:srgbClr val="000000"/>
                 </a:solidFill>
@@ -6337,7 +7271,7 @@
                 <a:sym typeface="Lato"/>
               </a:defRPr>
             </a:lvl1pPr>
-            <a:lvl2pPr marL="0" marR="0" lvl="1" indent="0" algn="r">
+            <a:lvl2pPr indent="0" lvl="1" marL="0" marR="0" algn="r">
               <a:lnSpc>
                 <a:spcPct val="100000"/>
               </a:lnSpc>
@@ -6353,7 +7287,7 @@
               <a:buSzPts val="1000"/>
               <a:buFont typeface="Arial"/>
               <a:buNone/>
-              <a:defRPr sz="1000" b="0" i="0" u="none" strike="noStrike" cap="none">
+              <a:defRPr b="0" i="0" sz="1000" u="none" cap="none" strike="noStrike">
                 <a:solidFill>
                   <a:srgbClr val="000000"/>
                 </a:solidFill>
@@ -6363,7 +7297,7 @@
                 <a:sym typeface="Lato"/>
               </a:defRPr>
             </a:lvl2pPr>
-            <a:lvl3pPr marL="0" marR="0" lvl="2" indent="0" algn="r">
+            <a:lvl3pPr indent="0" lvl="2" marL="0" marR="0" algn="r">
               <a:lnSpc>
                 <a:spcPct val="100000"/>
               </a:lnSpc>
@@ -6379,7 +7313,7 @@
               <a:buSzPts val="1000"/>
               <a:buFont typeface="Arial"/>
               <a:buNone/>
-              <a:defRPr sz="1000" b="0" i="0" u="none" strike="noStrike" cap="none">
+              <a:defRPr b="0" i="0" sz="1000" u="none" cap="none" strike="noStrike">
                 <a:solidFill>
                   <a:srgbClr val="000000"/>
                 </a:solidFill>
@@ -6389,7 +7323,7 @@
                 <a:sym typeface="Lato"/>
               </a:defRPr>
             </a:lvl3pPr>
-            <a:lvl4pPr marL="0" marR="0" lvl="3" indent="0" algn="r">
+            <a:lvl4pPr indent="0" lvl="3" marL="0" marR="0" algn="r">
               <a:lnSpc>
                 <a:spcPct val="100000"/>
               </a:lnSpc>
@@ -6405,7 +7339,7 @@
               <a:buSzPts val="1000"/>
               <a:buFont typeface="Arial"/>
               <a:buNone/>
-              <a:defRPr sz="1000" b="0" i="0" u="none" strike="noStrike" cap="none">
+              <a:defRPr b="0" i="0" sz="1000" u="none" cap="none" strike="noStrike">
                 <a:solidFill>
                   <a:srgbClr val="000000"/>
                 </a:solidFill>
@@ -6415,7 +7349,7 @@
                 <a:sym typeface="Lato"/>
               </a:defRPr>
             </a:lvl4pPr>
-            <a:lvl5pPr marL="0" marR="0" lvl="4" indent="0" algn="r">
+            <a:lvl5pPr indent="0" lvl="4" marL="0" marR="0" algn="r">
               <a:lnSpc>
                 <a:spcPct val="100000"/>
               </a:lnSpc>
@@ -6431,7 +7365,7 @@
               <a:buSzPts val="1000"/>
               <a:buFont typeface="Arial"/>
               <a:buNone/>
-              <a:defRPr sz="1000" b="0" i="0" u="none" strike="noStrike" cap="none">
+              <a:defRPr b="0" i="0" sz="1000" u="none" cap="none" strike="noStrike">
                 <a:solidFill>
                   <a:srgbClr val="000000"/>
                 </a:solidFill>
@@ -6441,7 +7375,7 @@
                 <a:sym typeface="Lato"/>
               </a:defRPr>
             </a:lvl5pPr>
-            <a:lvl6pPr marL="0" marR="0" lvl="5" indent="0" algn="r">
+            <a:lvl6pPr indent="0" lvl="5" marL="0" marR="0" algn="r">
               <a:lnSpc>
                 <a:spcPct val="100000"/>
               </a:lnSpc>
@@ -6457,7 +7391,7 @@
               <a:buSzPts val="1000"/>
               <a:buFont typeface="Arial"/>
               <a:buNone/>
-              <a:defRPr sz="1000" b="0" i="0" u="none" strike="noStrike" cap="none">
+              <a:defRPr b="0" i="0" sz="1000" u="none" cap="none" strike="noStrike">
                 <a:solidFill>
                   <a:srgbClr val="000000"/>
                 </a:solidFill>
@@ -6467,7 +7401,7 @@
                 <a:sym typeface="Lato"/>
               </a:defRPr>
             </a:lvl6pPr>
-            <a:lvl7pPr marL="0" marR="0" lvl="6" indent="0" algn="r">
+            <a:lvl7pPr indent="0" lvl="6" marL="0" marR="0" algn="r">
               <a:lnSpc>
                 <a:spcPct val="100000"/>
               </a:lnSpc>
@@ -6483,7 +7417,7 @@
               <a:buSzPts val="1000"/>
               <a:buFont typeface="Arial"/>
               <a:buNone/>
-              <a:defRPr sz="1000" b="0" i="0" u="none" strike="noStrike" cap="none">
+              <a:defRPr b="0" i="0" sz="1000" u="none" cap="none" strike="noStrike">
                 <a:solidFill>
                   <a:srgbClr val="000000"/>
                 </a:solidFill>
@@ -6493,7 +7427,7 @@
                 <a:sym typeface="Lato"/>
               </a:defRPr>
             </a:lvl7pPr>
-            <a:lvl8pPr marL="0" marR="0" lvl="7" indent="0" algn="r">
+            <a:lvl8pPr indent="0" lvl="7" marL="0" marR="0" algn="r">
               <a:lnSpc>
                 <a:spcPct val="100000"/>
               </a:lnSpc>
@@ -6509,7 +7443,7 @@
               <a:buSzPts val="1000"/>
               <a:buFont typeface="Arial"/>
               <a:buNone/>
-              <a:defRPr sz="1000" b="0" i="0" u="none" strike="noStrike" cap="none">
+              <a:defRPr b="0" i="0" sz="1000" u="none" cap="none" strike="noStrike">
                 <a:solidFill>
                   <a:srgbClr val="000000"/>
                 </a:solidFill>
@@ -6519,7 +7453,7 @@
                 <a:sym typeface="Lato"/>
               </a:defRPr>
             </a:lvl8pPr>
-            <a:lvl9pPr marL="0" marR="0" lvl="8" indent="0" algn="r">
+            <a:lvl9pPr indent="0" lvl="8" marL="0" marR="0" algn="r">
               <a:lnSpc>
                 <a:spcPct val="100000"/>
               </a:lnSpc>
@@ -6535,7 +7469,7 @@
               <a:buSzPts val="1000"/>
               <a:buFont typeface="Arial"/>
               <a:buNone/>
-              <a:defRPr sz="1000" b="0" i="0" u="none" strike="noStrike" cap="none">
+              <a:defRPr b="0" i="0" sz="1000" u="none" cap="none" strike="noStrike">
                 <a:solidFill>
                   <a:srgbClr val="000000"/>
                 </a:solidFill>
@@ -6547,7 +7481,7 @@
             </a:lvl9pPr>
           </a:lstStyle>
           <a:p>
-            <a:pPr marL="0" lvl="0" indent="0" algn="r" rtl="0">
+            <a:pPr indent="0" lvl="0" marL="0" rtl="0" algn="r">
               <a:spcBef>
                 <a:spcPts val="0"/>
               </a:spcBef>
@@ -6573,11 +7507,11 @@
 </file>
 
 <file path=ppt/slideLayouts/slideLayout4.xml><?xml version="1.0" encoding="utf-8"?>
-<p:sldLayout xmlns:a="http://schemas.openxmlformats.org/drawingml/2006/main" xmlns:r="http://schemas.openxmlformats.org/officeDocument/2006/relationships" xmlns:p="http://schemas.openxmlformats.org/presentationml/2006/main" matchingName="Title and two columns" type="twoColTx">
+<p:sldLayout xmlns:a="http://schemas.openxmlformats.org/drawingml/2006/main" xmlns:r="http://schemas.openxmlformats.org/officeDocument/2006/relationships" xmlns:mc="http://schemas.openxmlformats.org/markup-compatibility/2006" xmlns:mv="urn:schemas-microsoft-com:mac:vml" xmlns:p="http://schemas.openxmlformats.org/presentationml/2006/main" xmlns:c="http://schemas.openxmlformats.org/drawingml/2006/chart" xmlns:dgm="http://schemas.openxmlformats.org/drawingml/2006/diagram" xmlns:o="urn:schemas-microsoft-com:office:office" xmlns:v="urn:schemas-microsoft-com:vml" xmlns:pvml="urn:schemas-microsoft-com:office:powerpoint" xmlns:com="http://schemas.openxmlformats.org/drawingml/2006/compatibility" xmlns:p14="http://schemas.microsoft.com/office/powerpoint/2010/main" xmlns:p15="http://schemas.microsoft.com/office/powerpoint/2012/main" matchingName="Title and two columns" type="twoColTx">
   <p:cSld name="TITLE_AND_TWO_COLUMNS">
     <p:spTree>
       <p:nvGrpSpPr>
-        <p:cNvPr id="1" name="Shape 33"/>
+        <p:cNvPr id="33" name="Shape 33"/>
         <p:cNvGrpSpPr/>
         <p:nvPr/>
       </p:nvGrpSpPr>
@@ -6625,12 +7559,12 @@
             </a:ln>
           </p:spPr>
           <p:txBody>
-            <a:bodyPr spcFirstLastPara="1" wrap="square" lIns="91425" tIns="91425" rIns="91425" bIns="91425" anchor="ctr" anchorCtr="0">
+            <a:bodyPr anchorCtr="0" anchor="ctr" bIns="91425" lIns="91425" spcFirstLastPara="1" rIns="91425" wrap="square" tIns="91425">
               <a:noAutofit/>
             </a:bodyPr>
             <a:lstStyle/>
             <a:p>
-              <a:pPr marL="0" marR="0" lvl="0" indent="0" algn="l" rtl="0">
+              <a:pPr indent="0" lvl="0" marL="0" marR="0" rtl="0" algn="l">
                 <a:lnSpc>
                   <a:spcPct val="100000"/>
                 </a:lnSpc>
@@ -6647,7 +7581,10 @@
                 <a:buFont typeface="Arial"/>
                 <a:buNone/>
               </a:pPr>
-              <a:endParaRPr sz="1400" b="0" i="0" u="none" strike="noStrike" cap="none">
+              <a:r>
+                <a:t/>
+              </a:r>
+              <a:endParaRPr b="0" i="0" sz="1400" u="none" cap="none" strike="noStrike">
                 <a:solidFill>
                   <a:srgbClr val="000000"/>
                 </a:solidFill>
@@ -6681,12 +7618,12 @@
             </a:ln>
           </p:spPr>
           <p:txBody>
-            <a:bodyPr spcFirstLastPara="1" wrap="square" lIns="91425" tIns="91425" rIns="91425" bIns="91425" anchor="ctr" anchorCtr="0">
+            <a:bodyPr anchorCtr="0" anchor="ctr" bIns="91425" lIns="91425" spcFirstLastPara="1" rIns="91425" wrap="square" tIns="91425">
               <a:noAutofit/>
             </a:bodyPr>
             <a:lstStyle/>
             <a:p>
-              <a:pPr marL="0" marR="0" lvl="0" indent="0" algn="l" rtl="0">
+              <a:pPr indent="0" lvl="0" marL="0" marR="0" rtl="0" algn="l">
                 <a:lnSpc>
                   <a:spcPct val="100000"/>
                 </a:lnSpc>
@@ -6703,7 +7640,10 @@
                 <a:buFont typeface="Arial"/>
                 <a:buNone/>
               </a:pPr>
-              <a:endParaRPr sz="1400" b="0" i="0" u="none" strike="noStrike" cap="none">
+              <a:r>
+                <a:t/>
+              </a:r>
+              <a:endParaRPr b="0" i="0" sz="1400" u="none" cap="none" strike="noStrike">
                 <a:solidFill>
                   <a:srgbClr val="000000"/>
                 </a:solidFill>
@@ -6719,9 +7659,7 @@
       <p:sp>
         <p:nvSpPr>
           <p:cNvPr id="37" name="Google Shape;37;p37"/>
-          <p:cNvSpPr txBox="1">
-            <a:spLocks noGrp="1"/>
-          </p:cNvSpPr>
+          <p:cNvSpPr txBox="1"/>
           <p:nvPr>
             <p:ph type="title"/>
           </p:nvPr>
@@ -6740,7 +7678,7 @@
           </a:ln>
         </p:spPr>
         <p:txBody>
-          <a:bodyPr spcFirstLastPara="1" wrap="square" lIns="91425" tIns="91425" rIns="91425" bIns="91425" anchor="t" anchorCtr="0">
+          <a:bodyPr anchorCtr="0" anchor="t" bIns="91425" lIns="91425" spcFirstLastPara="1" rIns="91425" wrap="square" tIns="91425">
             <a:noAutofit/>
           </a:bodyPr>
           <a:lstStyle>
@@ -6934,19 +7872,15 @@
               </a:defRPr>
             </a:lvl9pPr>
           </a:lstStyle>
-          <a:p>
-            <a:endParaRPr/>
-          </a:p>
+          <a:p/>
         </p:txBody>
       </p:sp>
       <p:sp>
         <p:nvSpPr>
           <p:cNvPr id="38" name="Google Shape;38;p37"/>
-          <p:cNvSpPr txBox="1">
-            <a:spLocks noGrp="1"/>
-          </p:cNvSpPr>
+          <p:cNvSpPr txBox="1"/>
           <p:nvPr>
-            <p:ph type="body" idx="1"/>
+            <p:ph idx="1" type="body"/>
           </p:nvPr>
         </p:nvSpPr>
         <p:spPr>
@@ -6963,11 +7897,11 @@
           </a:ln>
         </p:spPr>
         <p:txBody>
-          <a:bodyPr spcFirstLastPara="1" wrap="square" lIns="91425" tIns="91425" rIns="91425" bIns="91425" anchor="t" anchorCtr="0">
+          <a:bodyPr anchorCtr="0" anchor="t" bIns="91425" lIns="91425" spcFirstLastPara="1" rIns="91425" wrap="square" tIns="91425">
             <a:noAutofit/>
           </a:bodyPr>
           <a:lstStyle>
-            <a:lvl1pPr marL="457200" lvl="0" indent="-311150" algn="l">
+            <a:lvl1pPr indent="-311150" lvl="0" marL="457200" algn="l">
               <a:lnSpc>
                 <a:spcPct val="115000"/>
               </a:lnSpc>
@@ -6981,7 +7915,7 @@
               <a:buChar char="●"/>
               <a:defRPr/>
             </a:lvl1pPr>
-            <a:lvl2pPr marL="914400" lvl="1" indent="-298450" algn="l">
+            <a:lvl2pPr indent="-298450" lvl="1" marL="914400" algn="l">
               <a:lnSpc>
                 <a:spcPct val="115000"/>
               </a:lnSpc>
@@ -6995,7 +7929,7 @@
               <a:buChar char="○"/>
               <a:defRPr/>
             </a:lvl2pPr>
-            <a:lvl3pPr marL="1371600" lvl="2" indent="-298450" algn="l">
+            <a:lvl3pPr indent="-298450" lvl="2" marL="1371600" algn="l">
               <a:lnSpc>
                 <a:spcPct val="115000"/>
               </a:lnSpc>
@@ -7009,7 +7943,7 @@
               <a:buChar char="■"/>
               <a:defRPr/>
             </a:lvl3pPr>
-            <a:lvl4pPr marL="1828800" lvl="3" indent="-298450" algn="l">
+            <a:lvl4pPr indent="-298450" lvl="3" marL="1828800" algn="l">
               <a:lnSpc>
                 <a:spcPct val="115000"/>
               </a:lnSpc>
@@ -7023,7 +7957,7 @@
               <a:buChar char="●"/>
               <a:defRPr/>
             </a:lvl4pPr>
-            <a:lvl5pPr marL="2286000" lvl="4" indent="-298450" algn="l">
+            <a:lvl5pPr indent="-298450" lvl="4" marL="2286000" algn="l">
               <a:lnSpc>
                 <a:spcPct val="115000"/>
               </a:lnSpc>
@@ -7037,7 +7971,7 @@
               <a:buChar char="○"/>
               <a:defRPr/>
             </a:lvl5pPr>
-            <a:lvl6pPr marL="2743200" lvl="5" indent="-298450" algn="l">
+            <a:lvl6pPr indent="-298450" lvl="5" marL="2743200" algn="l">
               <a:lnSpc>
                 <a:spcPct val="115000"/>
               </a:lnSpc>
@@ -7051,7 +7985,7 @@
               <a:buChar char="■"/>
               <a:defRPr/>
             </a:lvl6pPr>
-            <a:lvl7pPr marL="3200400" lvl="6" indent="-298450" algn="l">
+            <a:lvl7pPr indent="-298450" lvl="6" marL="3200400" algn="l">
               <a:lnSpc>
                 <a:spcPct val="115000"/>
               </a:lnSpc>
@@ -7065,7 +7999,7 @@
               <a:buChar char="●"/>
               <a:defRPr/>
             </a:lvl7pPr>
-            <a:lvl8pPr marL="3657600" lvl="7" indent="-298450" algn="l">
+            <a:lvl8pPr indent="-298450" lvl="7" marL="3657600" algn="l">
               <a:lnSpc>
                 <a:spcPct val="115000"/>
               </a:lnSpc>
@@ -7079,7 +8013,7 @@
               <a:buChar char="○"/>
               <a:defRPr/>
             </a:lvl8pPr>
-            <a:lvl9pPr marL="4114800" lvl="8" indent="-298450" algn="l">
+            <a:lvl9pPr indent="-298450" lvl="8" marL="4114800" algn="l">
               <a:lnSpc>
                 <a:spcPct val="115000"/>
               </a:lnSpc>
@@ -7094,19 +8028,15 @@
               <a:defRPr/>
             </a:lvl9pPr>
           </a:lstStyle>
-          <a:p>
-            <a:endParaRPr/>
-          </a:p>
+          <a:p/>
         </p:txBody>
       </p:sp>
       <p:sp>
         <p:nvSpPr>
           <p:cNvPr id="39" name="Google Shape;39;p37"/>
-          <p:cNvSpPr txBox="1">
-            <a:spLocks noGrp="1"/>
-          </p:cNvSpPr>
+          <p:cNvSpPr txBox="1"/>
           <p:nvPr>
-            <p:ph type="body" idx="2"/>
+            <p:ph idx="2" type="body"/>
           </p:nvPr>
         </p:nvSpPr>
         <p:spPr>
@@ -7123,11 +8053,11 @@
           </a:ln>
         </p:spPr>
         <p:txBody>
-          <a:bodyPr spcFirstLastPara="1" wrap="square" lIns="91425" tIns="91425" rIns="91425" bIns="91425" anchor="t" anchorCtr="0">
+          <a:bodyPr anchorCtr="0" anchor="t" bIns="91425" lIns="91425" spcFirstLastPara="1" rIns="91425" wrap="square" tIns="91425">
             <a:noAutofit/>
           </a:bodyPr>
           <a:lstStyle>
-            <a:lvl1pPr marL="457200" lvl="0" indent="-311150" algn="l">
+            <a:lvl1pPr indent="-311150" lvl="0" marL="457200" algn="l">
               <a:lnSpc>
                 <a:spcPct val="115000"/>
               </a:lnSpc>
@@ -7141,7 +8071,7 @@
               <a:buChar char="●"/>
               <a:defRPr/>
             </a:lvl1pPr>
-            <a:lvl2pPr marL="914400" lvl="1" indent="-298450" algn="l">
+            <a:lvl2pPr indent="-298450" lvl="1" marL="914400" algn="l">
               <a:lnSpc>
                 <a:spcPct val="115000"/>
               </a:lnSpc>
@@ -7155,7 +8085,7 @@
               <a:buChar char="○"/>
               <a:defRPr/>
             </a:lvl2pPr>
-            <a:lvl3pPr marL="1371600" lvl="2" indent="-298450" algn="l">
+            <a:lvl3pPr indent="-298450" lvl="2" marL="1371600" algn="l">
               <a:lnSpc>
                 <a:spcPct val="115000"/>
               </a:lnSpc>
@@ -7169,7 +8099,7 @@
               <a:buChar char="■"/>
               <a:defRPr/>
             </a:lvl3pPr>
-            <a:lvl4pPr marL="1828800" lvl="3" indent="-298450" algn="l">
+            <a:lvl4pPr indent="-298450" lvl="3" marL="1828800" algn="l">
               <a:lnSpc>
                 <a:spcPct val="115000"/>
               </a:lnSpc>
@@ -7183,7 +8113,7 @@
               <a:buChar char="●"/>
               <a:defRPr/>
             </a:lvl4pPr>
-            <a:lvl5pPr marL="2286000" lvl="4" indent="-298450" algn="l">
+            <a:lvl5pPr indent="-298450" lvl="4" marL="2286000" algn="l">
               <a:lnSpc>
                 <a:spcPct val="115000"/>
               </a:lnSpc>
@@ -7197,7 +8127,7 @@
               <a:buChar char="○"/>
               <a:defRPr/>
             </a:lvl5pPr>
-            <a:lvl6pPr marL="2743200" lvl="5" indent="-298450" algn="l">
+            <a:lvl6pPr indent="-298450" lvl="5" marL="2743200" algn="l">
               <a:lnSpc>
                 <a:spcPct val="115000"/>
               </a:lnSpc>
@@ -7211,7 +8141,7 @@
               <a:buChar char="■"/>
               <a:defRPr/>
             </a:lvl6pPr>
-            <a:lvl7pPr marL="3200400" lvl="6" indent="-298450" algn="l">
+            <a:lvl7pPr indent="-298450" lvl="6" marL="3200400" algn="l">
               <a:lnSpc>
                 <a:spcPct val="115000"/>
               </a:lnSpc>
@@ -7225,7 +8155,7 @@
               <a:buChar char="●"/>
               <a:defRPr/>
             </a:lvl7pPr>
-            <a:lvl8pPr marL="3657600" lvl="7" indent="-298450" algn="l">
+            <a:lvl8pPr indent="-298450" lvl="7" marL="3657600" algn="l">
               <a:lnSpc>
                 <a:spcPct val="115000"/>
               </a:lnSpc>
@@ -7239,7 +8169,7 @@
               <a:buChar char="○"/>
               <a:defRPr/>
             </a:lvl8pPr>
-            <a:lvl9pPr marL="4114800" lvl="8" indent="-298450" algn="l">
+            <a:lvl9pPr indent="-298450" lvl="8" marL="4114800" algn="l">
               <a:lnSpc>
                 <a:spcPct val="115000"/>
               </a:lnSpc>
@@ -7254,19 +8184,15 @@
               <a:defRPr/>
             </a:lvl9pPr>
           </a:lstStyle>
-          <a:p>
-            <a:endParaRPr/>
-          </a:p>
+          <a:p/>
         </p:txBody>
       </p:sp>
       <p:sp>
         <p:nvSpPr>
           <p:cNvPr id="40" name="Google Shape;40;p37"/>
-          <p:cNvSpPr txBox="1">
-            <a:spLocks noGrp="1"/>
-          </p:cNvSpPr>
+          <p:cNvSpPr txBox="1"/>
           <p:nvPr>
-            <p:ph type="sldNum" idx="12"/>
+            <p:ph idx="12" type="sldNum"/>
           </p:nvPr>
         </p:nvSpPr>
         <p:spPr>
@@ -7283,11 +8209,11 @@
           </a:ln>
         </p:spPr>
         <p:txBody>
-          <a:bodyPr spcFirstLastPara="1" wrap="square" lIns="91425" tIns="91425" rIns="91425" bIns="91425" anchor="ctr" anchorCtr="0">
+          <a:bodyPr anchorCtr="0" anchor="ctr" bIns="91425" lIns="91425" spcFirstLastPara="1" rIns="91425" wrap="square" tIns="91425">
             <a:noAutofit/>
           </a:bodyPr>
           <a:lstStyle>
-            <a:lvl1pPr marL="0" marR="0" lvl="0" indent="0" algn="r">
+            <a:lvl1pPr indent="0" lvl="0" marL="0" marR="0" algn="r">
               <a:lnSpc>
                 <a:spcPct val="100000"/>
               </a:lnSpc>
@@ -7303,7 +8229,7 @@
               <a:buSzPts val="1000"/>
               <a:buFont typeface="Arial"/>
               <a:buNone/>
-              <a:defRPr sz="1000" b="0" i="0" u="none" strike="noStrike" cap="none">
+              <a:defRPr b="0" i="0" sz="1000" u="none" cap="none" strike="noStrike">
                 <a:solidFill>
                   <a:schemeClr val="accent1"/>
                 </a:solidFill>
@@ -7313,7 +8239,7 @@
                 <a:sym typeface="Lato"/>
               </a:defRPr>
             </a:lvl1pPr>
-            <a:lvl2pPr marL="0" marR="0" lvl="1" indent="0" algn="r">
+            <a:lvl2pPr indent="0" lvl="1" marL="0" marR="0" algn="r">
               <a:lnSpc>
                 <a:spcPct val="100000"/>
               </a:lnSpc>
@@ -7329,7 +8255,7 @@
               <a:buSzPts val="1000"/>
               <a:buFont typeface="Arial"/>
               <a:buNone/>
-              <a:defRPr sz="1000" b="0" i="0" u="none" strike="noStrike" cap="none">
+              <a:defRPr b="0" i="0" sz="1000" u="none" cap="none" strike="noStrike">
                 <a:solidFill>
                   <a:schemeClr val="accent1"/>
                 </a:solidFill>
@@ -7339,7 +8265,7 @@
                 <a:sym typeface="Lato"/>
               </a:defRPr>
             </a:lvl2pPr>
-            <a:lvl3pPr marL="0" marR="0" lvl="2" indent="0" algn="r">
+            <a:lvl3pPr indent="0" lvl="2" marL="0" marR="0" algn="r">
               <a:lnSpc>
                 <a:spcPct val="100000"/>
               </a:lnSpc>
@@ -7355,7 +8281,7 @@
               <a:buSzPts val="1000"/>
               <a:buFont typeface="Arial"/>
               <a:buNone/>
-              <a:defRPr sz="1000" b="0" i="0" u="none" strike="noStrike" cap="none">
+              <a:defRPr b="0" i="0" sz="1000" u="none" cap="none" strike="noStrike">
                 <a:solidFill>
                   <a:schemeClr val="accent1"/>
                 </a:solidFill>
@@ -7365,7 +8291,7 @@
                 <a:sym typeface="Lato"/>
               </a:defRPr>
             </a:lvl3pPr>
-            <a:lvl4pPr marL="0" marR="0" lvl="3" indent="0" algn="r">
+            <a:lvl4pPr indent="0" lvl="3" marL="0" marR="0" algn="r">
               <a:lnSpc>
                 <a:spcPct val="100000"/>
               </a:lnSpc>
@@ -7381,7 +8307,7 @@
               <a:buSzPts val="1000"/>
               <a:buFont typeface="Arial"/>
               <a:buNone/>
-              <a:defRPr sz="1000" b="0" i="0" u="none" strike="noStrike" cap="none">
+              <a:defRPr b="0" i="0" sz="1000" u="none" cap="none" strike="noStrike">
                 <a:solidFill>
                   <a:schemeClr val="accent1"/>
                 </a:solidFill>
@@ -7391,7 +8317,7 @@
                 <a:sym typeface="Lato"/>
               </a:defRPr>
             </a:lvl4pPr>
-            <a:lvl5pPr marL="0" marR="0" lvl="4" indent="0" algn="r">
+            <a:lvl5pPr indent="0" lvl="4" marL="0" marR="0" algn="r">
               <a:lnSpc>
                 <a:spcPct val="100000"/>
               </a:lnSpc>
@@ -7407,7 +8333,7 @@
               <a:buSzPts val="1000"/>
               <a:buFont typeface="Arial"/>
               <a:buNone/>
-              <a:defRPr sz="1000" b="0" i="0" u="none" strike="noStrike" cap="none">
+              <a:defRPr b="0" i="0" sz="1000" u="none" cap="none" strike="noStrike">
                 <a:solidFill>
                   <a:schemeClr val="accent1"/>
                 </a:solidFill>
@@ -7417,7 +8343,7 @@
                 <a:sym typeface="Lato"/>
               </a:defRPr>
             </a:lvl5pPr>
-            <a:lvl6pPr marL="0" marR="0" lvl="5" indent="0" algn="r">
+            <a:lvl6pPr indent="0" lvl="5" marL="0" marR="0" algn="r">
               <a:lnSpc>
                 <a:spcPct val="100000"/>
               </a:lnSpc>
@@ -7433,7 +8359,7 @@
               <a:buSzPts val="1000"/>
               <a:buFont typeface="Arial"/>
               <a:buNone/>
-              <a:defRPr sz="1000" b="0" i="0" u="none" strike="noStrike" cap="none">
+              <a:defRPr b="0" i="0" sz="1000" u="none" cap="none" strike="noStrike">
                 <a:solidFill>
                   <a:schemeClr val="accent1"/>
                 </a:solidFill>
@@ -7443,7 +8369,7 @@
                 <a:sym typeface="Lato"/>
               </a:defRPr>
             </a:lvl6pPr>
-            <a:lvl7pPr marL="0" marR="0" lvl="6" indent="0" algn="r">
+            <a:lvl7pPr indent="0" lvl="6" marL="0" marR="0" algn="r">
               <a:lnSpc>
                 <a:spcPct val="100000"/>
               </a:lnSpc>
@@ -7459,7 +8385,7 @@
               <a:buSzPts val="1000"/>
               <a:buFont typeface="Arial"/>
               <a:buNone/>
-              <a:defRPr sz="1000" b="0" i="0" u="none" strike="noStrike" cap="none">
+              <a:defRPr b="0" i="0" sz="1000" u="none" cap="none" strike="noStrike">
                 <a:solidFill>
                   <a:schemeClr val="accent1"/>
                 </a:solidFill>
@@ -7469,7 +8395,7 @@
                 <a:sym typeface="Lato"/>
               </a:defRPr>
             </a:lvl7pPr>
-            <a:lvl8pPr marL="0" marR="0" lvl="7" indent="0" algn="r">
+            <a:lvl8pPr indent="0" lvl="7" marL="0" marR="0" algn="r">
               <a:lnSpc>
                 <a:spcPct val="100000"/>
               </a:lnSpc>
@@ -7485,7 +8411,7 @@
               <a:buSzPts val="1000"/>
               <a:buFont typeface="Arial"/>
               <a:buNone/>
-              <a:defRPr sz="1000" b="0" i="0" u="none" strike="noStrike" cap="none">
+              <a:defRPr b="0" i="0" sz="1000" u="none" cap="none" strike="noStrike">
                 <a:solidFill>
                   <a:schemeClr val="accent1"/>
                 </a:solidFill>
@@ -7495,7 +8421,7 @@
                 <a:sym typeface="Lato"/>
               </a:defRPr>
             </a:lvl8pPr>
-            <a:lvl9pPr marL="0" marR="0" lvl="8" indent="0" algn="r">
+            <a:lvl9pPr indent="0" lvl="8" marL="0" marR="0" algn="r">
               <a:lnSpc>
                 <a:spcPct val="100000"/>
               </a:lnSpc>
@@ -7511,7 +8437,7 @@
               <a:buSzPts val="1000"/>
               <a:buFont typeface="Arial"/>
               <a:buNone/>
-              <a:defRPr sz="1000" b="0" i="0" u="none" strike="noStrike" cap="none">
+              <a:defRPr b="0" i="0" sz="1000" u="none" cap="none" strike="noStrike">
                 <a:solidFill>
                   <a:schemeClr val="accent1"/>
                 </a:solidFill>
@@ -7523,7 +8449,7 @@
             </a:lvl9pPr>
           </a:lstStyle>
           <a:p>
-            <a:pPr marL="0" lvl="0" indent="0" algn="r" rtl="0">
+            <a:pPr indent="0" lvl="0" marL="0" rtl="0" algn="r">
               <a:spcBef>
                 <a:spcPts val="0"/>
               </a:spcBef>
@@ -7562,12 +8488,12 @@
           </a:ln>
         </p:spPr>
         <p:txBody>
-          <a:bodyPr spcFirstLastPara="1" wrap="square" lIns="91425" tIns="91425" rIns="91425" bIns="91425" anchor="ctr" anchorCtr="0">
+          <a:bodyPr anchorCtr="0" anchor="ctr" bIns="91425" lIns="91425" spcFirstLastPara="1" rIns="91425" wrap="square" tIns="91425">
             <a:noAutofit/>
           </a:bodyPr>
           <a:lstStyle/>
           <a:p>
-            <a:pPr marL="0" marR="0" lvl="0" indent="0" algn="l" rtl="0">
+            <a:pPr indent="0" lvl="0" marL="0" marR="0" rtl="0" algn="l">
               <a:lnSpc>
                 <a:spcPct val="100000"/>
               </a:lnSpc>
@@ -7584,7 +8510,10 @@
               <a:buFont typeface="Arial"/>
               <a:buNone/>
             </a:pPr>
-            <a:endParaRPr sz="1400" b="0" i="0" u="none" strike="noStrike" cap="none">
+            <a:r>
+              <a:t/>
+            </a:r>
+            <a:endParaRPr b="0" i="0" sz="1400" u="none" cap="none" strike="noStrike">
               <a:solidFill>
                 <a:srgbClr val="000000"/>
               </a:solidFill>
@@ -7606,7 +8535,7 @@
           <a:blip r:embed="rId2">
             <a:alphaModFix/>
           </a:blip>
-          <a:srcRect l="16874" t="31678" r="16874" b="31682"/>
+          <a:srcRect b="31682" l="16874" r="16874" t="31678"/>
           <a:stretch/>
         </p:blipFill>
         <p:spPr>
@@ -7632,11 +8561,11 @@
 </file>
 
 <file path=ppt/slideLayouts/slideLayout5.xml><?xml version="1.0" encoding="utf-8"?>
-<p:sldLayout xmlns:a="http://schemas.openxmlformats.org/drawingml/2006/main" xmlns:r="http://schemas.openxmlformats.org/officeDocument/2006/relationships" xmlns:p="http://schemas.openxmlformats.org/presentationml/2006/main" matchingName="Title only" type="titleOnly">
+<p:sldLayout xmlns:a="http://schemas.openxmlformats.org/drawingml/2006/main" xmlns:r="http://schemas.openxmlformats.org/officeDocument/2006/relationships" xmlns:mc="http://schemas.openxmlformats.org/markup-compatibility/2006" xmlns:mv="urn:schemas-microsoft-com:mac:vml" xmlns:p="http://schemas.openxmlformats.org/presentationml/2006/main" xmlns:c="http://schemas.openxmlformats.org/drawingml/2006/chart" xmlns:dgm="http://schemas.openxmlformats.org/drawingml/2006/diagram" xmlns:o="urn:schemas-microsoft-com:office:office" xmlns:v="urn:schemas-microsoft-com:vml" xmlns:pvml="urn:schemas-microsoft-com:office:powerpoint" xmlns:com="http://schemas.openxmlformats.org/drawingml/2006/compatibility" xmlns:p14="http://schemas.microsoft.com/office/powerpoint/2010/main" xmlns:p15="http://schemas.microsoft.com/office/powerpoint/2012/main" matchingName="Title only" type="titleOnly">
   <p:cSld name="TITLE_ONLY">
     <p:spTree>
       <p:nvGrpSpPr>
-        <p:cNvPr id="1" name="Shape 43"/>
+        <p:cNvPr id="43" name="Shape 43"/>
         <p:cNvGrpSpPr/>
         <p:nvPr/>
       </p:nvGrpSpPr>
@@ -7684,12 +8613,12 @@
             </a:ln>
           </p:spPr>
           <p:txBody>
-            <a:bodyPr spcFirstLastPara="1" wrap="square" lIns="91425" tIns="91425" rIns="91425" bIns="91425" anchor="ctr" anchorCtr="0">
+            <a:bodyPr anchorCtr="0" anchor="ctr" bIns="91425" lIns="91425" spcFirstLastPara="1" rIns="91425" wrap="square" tIns="91425">
               <a:noAutofit/>
             </a:bodyPr>
             <a:lstStyle/>
             <a:p>
-              <a:pPr marL="0" marR="0" lvl="0" indent="0" algn="l" rtl="0">
+              <a:pPr indent="0" lvl="0" marL="0" marR="0" rtl="0" algn="l">
                 <a:lnSpc>
                   <a:spcPct val="100000"/>
                 </a:lnSpc>
@@ -7706,7 +8635,10 @@
                 <a:buFont typeface="Arial"/>
                 <a:buNone/>
               </a:pPr>
-              <a:endParaRPr sz="1400" b="0" i="0" u="none" strike="noStrike" cap="none">
+              <a:r>
+                <a:t/>
+              </a:r>
+              <a:endParaRPr b="0" i="0" sz="1400" u="none" cap="none" strike="noStrike">
                 <a:solidFill>
                   <a:srgbClr val="000000"/>
                 </a:solidFill>
@@ -7740,12 +8672,12 @@
             </a:ln>
           </p:spPr>
           <p:txBody>
-            <a:bodyPr spcFirstLastPara="1" wrap="square" lIns="91425" tIns="91425" rIns="91425" bIns="91425" anchor="ctr" anchorCtr="0">
+            <a:bodyPr anchorCtr="0" anchor="ctr" bIns="91425" lIns="91425" spcFirstLastPara="1" rIns="91425" wrap="square" tIns="91425">
               <a:noAutofit/>
             </a:bodyPr>
             <a:lstStyle/>
             <a:p>
-              <a:pPr marL="0" marR="0" lvl="0" indent="0" algn="l" rtl="0">
+              <a:pPr indent="0" lvl="0" marL="0" marR="0" rtl="0" algn="l">
                 <a:lnSpc>
                   <a:spcPct val="100000"/>
                 </a:lnSpc>
@@ -7762,7 +8694,10 @@
                 <a:buFont typeface="Arial"/>
                 <a:buNone/>
               </a:pPr>
-              <a:endParaRPr sz="1400" b="0" i="0" u="none" strike="noStrike" cap="none">
+              <a:r>
+                <a:t/>
+              </a:r>
+              <a:endParaRPr b="0" i="0" sz="1400" u="none" cap="none" strike="noStrike">
                 <a:solidFill>
                   <a:srgbClr val="000000"/>
                 </a:solidFill>
@@ -7778,9 +8713,7 @@
       <p:sp>
         <p:nvSpPr>
           <p:cNvPr id="47" name="Google Shape;47;p38"/>
-          <p:cNvSpPr txBox="1">
-            <a:spLocks noGrp="1"/>
-          </p:cNvSpPr>
+          <p:cNvSpPr txBox="1"/>
           <p:nvPr>
             <p:ph type="title"/>
           </p:nvPr>
@@ -7799,7 +8732,7 @@
           </a:ln>
         </p:spPr>
         <p:txBody>
-          <a:bodyPr spcFirstLastPara="1" wrap="square" lIns="91425" tIns="91425" rIns="91425" bIns="91425" anchor="t" anchorCtr="0">
+          <a:bodyPr anchorCtr="0" anchor="t" bIns="91425" lIns="91425" spcFirstLastPara="1" rIns="91425" wrap="square" tIns="91425">
             <a:noAutofit/>
           </a:bodyPr>
           <a:lstStyle>
@@ -7993,9 +8926,7 @@
               </a:defRPr>
             </a:lvl9pPr>
           </a:lstStyle>
-          <a:p>
-            <a:endParaRPr/>
-          </a:p>
+          <a:p/>
         </p:txBody>
       </p:sp>
       <p:sp>
@@ -8020,12 +8951,12 @@
           </a:ln>
         </p:spPr>
         <p:txBody>
-          <a:bodyPr spcFirstLastPara="1" wrap="square" lIns="91425" tIns="91425" rIns="91425" bIns="91425" anchor="ctr" anchorCtr="0">
+          <a:bodyPr anchorCtr="0" anchor="ctr" bIns="91425" lIns="91425" spcFirstLastPara="1" rIns="91425" wrap="square" tIns="91425">
             <a:noAutofit/>
           </a:bodyPr>
           <a:lstStyle/>
           <a:p>
-            <a:pPr marL="0" marR="0" lvl="0" indent="0" algn="l" rtl="0">
+            <a:pPr indent="0" lvl="0" marL="0" marR="0" rtl="0" algn="l">
               <a:lnSpc>
                 <a:spcPct val="100000"/>
               </a:lnSpc>
@@ -8042,7 +8973,10 @@
               <a:buFont typeface="Arial"/>
               <a:buNone/>
             </a:pPr>
-            <a:endParaRPr sz="1400" b="0" i="0" u="none" strike="noStrike" cap="none">
+            <a:r>
+              <a:t/>
+            </a:r>
+            <a:endParaRPr b="0" i="0" sz="1400" u="none" cap="none" strike="noStrike">
               <a:solidFill>
                 <a:srgbClr val="000000"/>
               </a:solidFill>
@@ -8057,11 +8991,9 @@
       <p:sp>
         <p:nvSpPr>
           <p:cNvPr id="49" name="Google Shape;49;p38"/>
-          <p:cNvSpPr txBox="1">
-            <a:spLocks noGrp="1"/>
-          </p:cNvSpPr>
+          <p:cNvSpPr txBox="1"/>
           <p:nvPr>
-            <p:ph type="sldNum" idx="12"/>
+            <p:ph idx="12" type="sldNum"/>
           </p:nvPr>
         </p:nvSpPr>
         <p:spPr>
@@ -8078,11 +9010,11 @@
           </a:ln>
         </p:spPr>
         <p:txBody>
-          <a:bodyPr spcFirstLastPara="1" wrap="square" lIns="91425" tIns="91425" rIns="91425" bIns="91425" anchor="ctr" anchorCtr="0">
+          <a:bodyPr anchorCtr="0" anchor="ctr" bIns="91425" lIns="91425" spcFirstLastPara="1" rIns="91425" wrap="square" tIns="91425">
             <a:noAutofit/>
           </a:bodyPr>
           <a:lstStyle>
-            <a:lvl1pPr marL="0" marR="0" lvl="0" indent="0" algn="r">
+            <a:lvl1pPr indent="0" lvl="0" marL="0" marR="0" algn="r">
               <a:lnSpc>
                 <a:spcPct val="100000"/>
               </a:lnSpc>
@@ -8098,7 +9030,7 @@
               <a:buSzPts val="1000"/>
               <a:buFont typeface="Arial"/>
               <a:buNone/>
-              <a:defRPr sz="1000" b="0" i="0" u="none" strike="noStrike" cap="none">
+              <a:defRPr b="0" i="0" sz="1000" u="none" cap="none" strike="noStrike">
                 <a:solidFill>
                   <a:schemeClr val="accent1"/>
                 </a:solidFill>
@@ -8108,7 +9040,7 @@
                 <a:sym typeface="Lato"/>
               </a:defRPr>
             </a:lvl1pPr>
-            <a:lvl2pPr marL="0" marR="0" lvl="1" indent="0" algn="r">
+            <a:lvl2pPr indent="0" lvl="1" marL="0" marR="0" algn="r">
               <a:lnSpc>
                 <a:spcPct val="100000"/>
               </a:lnSpc>
@@ -8124,7 +9056,7 @@
               <a:buSzPts val="1000"/>
               <a:buFont typeface="Arial"/>
               <a:buNone/>
-              <a:defRPr sz="1000" b="0" i="0" u="none" strike="noStrike" cap="none">
+              <a:defRPr b="0" i="0" sz="1000" u="none" cap="none" strike="noStrike">
                 <a:solidFill>
                   <a:schemeClr val="accent1"/>
                 </a:solidFill>
@@ -8134,7 +9066,7 @@
                 <a:sym typeface="Lato"/>
               </a:defRPr>
             </a:lvl2pPr>
-            <a:lvl3pPr marL="0" marR="0" lvl="2" indent="0" algn="r">
+            <a:lvl3pPr indent="0" lvl="2" marL="0" marR="0" algn="r">
               <a:lnSpc>
                 <a:spcPct val="100000"/>
               </a:lnSpc>
@@ -8150,7 +9082,7 @@
               <a:buSzPts val="1000"/>
               <a:buFont typeface="Arial"/>
               <a:buNone/>
-              <a:defRPr sz="1000" b="0" i="0" u="none" strike="noStrike" cap="none">
+              <a:defRPr b="0" i="0" sz="1000" u="none" cap="none" strike="noStrike">
                 <a:solidFill>
                   <a:schemeClr val="accent1"/>
                 </a:solidFill>
@@ -8160,7 +9092,7 @@
                 <a:sym typeface="Lato"/>
               </a:defRPr>
             </a:lvl3pPr>
-            <a:lvl4pPr marL="0" marR="0" lvl="3" indent="0" algn="r">
+            <a:lvl4pPr indent="0" lvl="3" marL="0" marR="0" algn="r">
               <a:lnSpc>
                 <a:spcPct val="100000"/>
               </a:lnSpc>
@@ -8176,7 +9108,7 @@
               <a:buSzPts val="1000"/>
               <a:buFont typeface="Arial"/>
               <a:buNone/>
-              <a:defRPr sz="1000" b="0" i="0" u="none" strike="noStrike" cap="none">
+              <a:defRPr b="0" i="0" sz="1000" u="none" cap="none" strike="noStrike">
                 <a:solidFill>
                   <a:schemeClr val="accent1"/>
                 </a:solidFill>
@@ -8186,7 +9118,7 @@
                 <a:sym typeface="Lato"/>
               </a:defRPr>
             </a:lvl4pPr>
-            <a:lvl5pPr marL="0" marR="0" lvl="4" indent="0" algn="r">
+            <a:lvl5pPr indent="0" lvl="4" marL="0" marR="0" algn="r">
               <a:lnSpc>
                 <a:spcPct val="100000"/>
               </a:lnSpc>
@@ -8202,7 +9134,7 @@
               <a:buSzPts val="1000"/>
               <a:buFont typeface="Arial"/>
               <a:buNone/>
-              <a:defRPr sz="1000" b="0" i="0" u="none" strike="noStrike" cap="none">
+              <a:defRPr b="0" i="0" sz="1000" u="none" cap="none" strike="noStrike">
                 <a:solidFill>
                   <a:schemeClr val="accent1"/>
                 </a:solidFill>
@@ -8212,7 +9144,7 @@
                 <a:sym typeface="Lato"/>
               </a:defRPr>
             </a:lvl5pPr>
-            <a:lvl6pPr marL="0" marR="0" lvl="5" indent="0" algn="r">
+            <a:lvl6pPr indent="0" lvl="5" marL="0" marR="0" algn="r">
               <a:lnSpc>
                 <a:spcPct val="100000"/>
               </a:lnSpc>
@@ -8228,7 +9160,7 @@
               <a:buSzPts val="1000"/>
               <a:buFont typeface="Arial"/>
               <a:buNone/>
-              <a:defRPr sz="1000" b="0" i="0" u="none" strike="noStrike" cap="none">
+              <a:defRPr b="0" i="0" sz="1000" u="none" cap="none" strike="noStrike">
                 <a:solidFill>
                   <a:schemeClr val="accent1"/>
                 </a:solidFill>
@@ -8238,7 +9170,7 @@
                 <a:sym typeface="Lato"/>
               </a:defRPr>
             </a:lvl6pPr>
-            <a:lvl7pPr marL="0" marR="0" lvl="6" indent="0" algn="r">
+            <a:lvl7pPr indent="0" lvl="6" marL="0" marR="0" algn="r">
               <a:lnSpc>
                 <a:spcPct val="100000"/>
               </a:lnSpc>
@@ -8254,7 +9186,7 @@
               <a:buSzPts val="1000"/>
               <a:buFont typeface="Arial"/>
               <a:buNone/>
-              <a:defRPr sz="1000" b="0" i="0" u="none" strike="noStrike" cap="none">
+              <a:defRPr b="0" i="0" sz="1000" u="none" cap="none" strike="noStrike">
                 <a:solidFill>
                   <a:schemeClr val="accent1"/>
                 </a:solidFill>
@@ -8264,7 +9196,7 @@
                 <a:sym typeface="Lato"/>
               </a:defRPr>
             </a:lvl7pPr>
-            <a:lvl8pPr marL="0" marR="0" lvl="7" indent="0" algn="r">
+            <a:lvl8pPr indent="0" lvl="7" marL="0" marR="0" algn="r">
               <a:lnSpc>
                 <a:spcPct val="100000"/>
               </a:lnSpc>
@@ -8280,7 +9212,7 @@
               <a:buSzPts val="1000"/>
               <a:buFont typeface="Arial"/>
               <a:buNone/>
-              <a:defRPr sz="1000" b="0" i="0" u="none" strike="noStrike" cap="none">
+              <a:defRPr b="0" i="0" sz="1000" u="none" cap="none" strike="noStrike">
                 <a:solidFill>
                   <a:schemeClr val="accent1"/>
                 </a:solidFill>
@@ -8290,7 +9222,7 @@
                 <a:sym typeface="Lato"/>
               </a:defRPr>
             </a:lvl8pPr>
-            <a:lvl9pPr marL="0" marR="0" lvl="8" indent="0" algn="r">
+            <a:lvl9pPr indent="0" lvl="8" marL="0" marR="0" algn="r">
               <a:lnSpc>
                 <a:spcPct val="100000"/>
               </a:lnSpc>
@@ -8306,7 +9238,7 @@
               <a:buSzPts val="1000"/>
               <a:buFont typeface="Arial"/>
               <a:buNone/>
-              <a:defRPr sz="1000" b="0" i="0" u="none" strike="noStrike" cap="none">
+              <a:defRPr b="0" i="0" sz="1000" u="none" cap="none" strike="noStrike">
                 <a:solidFill>
                   <a:schemeClr val="accent1"/>
                 </a:solidFill>
@@ -8318,7 +9250,7 @@
             </a:lvl9pPr>
           </a:lstStyle>
           <a:p>
-            <a:pPr marL="0" lvl="0" indent="0" algn="r" rtl="0">
+            <a:pPr indent="0" lvl="0" marL="0" rtl="0" algn="r">
               <a:spcBef>
                 <a:spcPts val="0"/>
               </a:spcBef>
@@ -8345,7 +9277,7 @@
           <a:blip r:embed="rId2">
             <a:alphaModFix/>
           </a:blip>
-          <a:srcRect l="16874" t="31678" r="16874" b="31682"/>
+          <a:srcRect b="31682" l="16874" r="16874" t="31678"/>
           <a:stretch/>
         </p:blipFill>
         <p:spPr>
@@ -8371,11 +9303,11 @@
 </file>
 
 <file path=ppt/slideLayouts/slideLayout6.xml><?xml version="1.0" encoding="utf-8"?>
-<p:sldLayout xmlns:a="http://schemas.openxmlformats.org/drawingml/2006/main" xmlns:r="http://schemas.openxmlformats.org/officeDocument/2006/relationships" xmlns:p="http://schemas.openxmlformats.org/presentationml/2006/main" matchingName="One column text">
+<p:sldLayout xmlns:a="http://schemas.openxmlformats.org/drawingml/2006/main" xmlns:r="http://schemas.openxmlformats.org/officeDocument/2006/relationships" xmlns:mc="http://schemas.openxmlformats.org/markup-compatibility/2006" xmlns:mv="urn:schemas-microsoft-com:mac:vml" xmlns:p="http://schemas.openxmlformats.org/presentationml/2006/main" xmlns:c="http://schemas.openxmlformats.org/drawingml/2006/chart" xmlns:dgm="http://schemas.openxmlformats.org/drawingml/2006/diagram" xmlns:o="urn:schemas-microsoft-com:office:office" xmlns:v="urn:schemas-microsoft-com:vml" xmlns:pvml="urn:schemas-microsoft-com:office:powerpoint" xmlns:com="http://schemas.openxmlformats.org/drawingml/2006/compatibility" xmlns:p14="http://schemas.microsoft.com/office/powerpoint/2010/main" xmlns:p15="http://schemas.microsoft.com/office/powerpoint/2012/main" matchingName="One column text">
   <p:cSld name="ONE_COLUMN_TEXT">
     <p:spTree>
       <p:nvGrpSpPr>
-        <p:cNvPr id="1" name="Shape 51"/>
+        <p:cNvPr id="51" name="Shape 51"/>
         <p:cNvGrpSpPr/>
         <p:nvPr/>
       </p:nvGrpSpPr>
@@ -8409,12 +9341,12 @@
           </a:ln>
         </p:spPr>
         <p:txBody>
-          <a:bodyPr spcFirstLastPara="1" wrap="square" lIns="91425" tIns="91425" rIns="91425" bIns="91425" anchor="ctr" anchorCtr="0">
+          <a:bodyPr anchorCtr="0" anchor="ctr" bIns="91425" lIns="91425" spcFirstLastPara="1" rIns="91425" wrap="square" tIns="91425">
             <a:noAutofit/>
           </a:bodyPr>
           <a:lstStyle/>
           <a:p>
-            <a:pPr marL="0" marR="0" lvl="0" indent="0" algn="l" rtl="0">
+            <a:pPr indent="0" lvl="0" marL="0" marR="0" rtl="0" algn="l">
               <a:lnSpc>
                 <a:spcPct val="100000"/>
               </a:lnSpc>
@@ -8431,7 +9363,10 @@
               <a:buFont typeface="Arial"/>
               <a:buNone/>
             </a:pPr>
-            <a:endParaRPr sz="1400" b="0" i="0" u="none" strike="noStrike" cap="none">
+            <a:r>
+              <a:t/>
+            </a:r>
+            <a:endParaRPr b="0" i="0" sz="1400" u="none" cap="none" strike="noStrike">
               <a:solidFill>
                 <a:srgbClr val="000000"/>
               </a:solidFill>
@@ -8479,12 +9414,12 @@
             </a:ln>
           </p:spPr>
           <p:txBody>
-            <a:bodyPr spcFirstLastPara="1" wrap="square" lIns="91425" tIns="91425" rIns="91425" bIns="91425" anchor="ctr" anchorCtr="0">
+            <a:bodyPr anchorCtr="0" anchor="ctr" bIns="91425" lIns="91425" spcFirstLastPara="1" rIns="91425" wrap="square" tIns="91425">
               <a:noAutofit/>
             </a:bodyPr>
             <a:lstStyle/>
             <a:p>
-              <a:pPr marL="0" marR="0" lvl="0" indent="0" algn="l" rtl="0">
+              <a:pPr indent="0" lvl="0" marL="0" marR="0" rtl="0" algn="l">
                 <a:lnSpc>
                   <a:spcPct val="100000"/>
                 </a:lnSpc>
@@ -8501,7 +9436,10 @@
                 <a:buFont typeface="Arial"/>
                 <a:buNone/>
               </a:pPr>
-              <a:endParaRPr sz="1400" b="0" i="0" u="none" strike="noStrike" cap="none">
+              <a:r>
+                <a:t/>
+              </a:r>
+              <a:endParaRPr b="0" i="0" sz="1400" u="none" cap="none" strike="noStrike">
                 <a:solidFill>
                   <a:srgbClr val="000000"/>
                 </a:solidFill>
@@ -8535,12 +9473,12 @@
             </a:ln>
           </p:spPr>
           <p:txBody>
-            <a:bodyPr spcFirstLastPara="1" wrap="square" lIns="91425" tIns="91425" rIns="91425" bIns="91425" anchor="ctr" anchorCtr="0">
+            <a:bodyPr anchorCtr="0" anchor="ctr" bIns="91425" lIns="91425" spcFirstLastPara="1" rIns="91425" wrap="square" tIns="91425">
               <a:noAutofit/>
             </a:bodyPr>
             <a:lstStyle/>
             <a:p>
-              <a:pPr marL="0" marR="0" lvl="0" indent="0" algn="l" rtl="0">
+              <a:pPr indent="0" lvl="0" marL="0" marR="0" rtl="0" algn="l">
                 <a:lnSpc>
                   <a:spcPct val="100000"/>
                 </a:lnSpc>
@@ -8557,7 +9495,10 @@
                 <a:buFont typeface="Arial"/>
                 <a:buNone/>
               </a:pPr>
-              <a:endParaRPr sz="1400" b="0" i="0" u="none" strike="noStrike" cap="none">
+              <a:r>
+                <a:t/>
+              </a:r>
+              <a:endParaRPr b="0" i="0" sz="1400" u="none" cap="none" strike="noStrike">
                 <a:solidFill>
                   <a:srgbClr val="000000"/>
                 </a:solidFill>
@@ -8573,9 +9514,7 @@
       <p:sp>
         <p:nvSpPr>
           <p:cNvPr id="56" name="Google Shape;56;p39"/>
-          <p:cNvSpPr txBox="1">
-            <a:spLocks noGrp="1"/>
-          </p:cNvSpPr>
+          <p:cNvSpPr txBox="1"/>
           <p:nvPr>
             <p:ph type="title"/>
           </p:nvPr>
@@ -8594,7 +9533,7 @@
           </a:ln>
         </p:spPr>
         <p:txBody>
-          <a:bodyPr spcFirstLastPara="1" wrap="square" lIns="91425" tIns="91425" rIns="91425" bIns="91425" anchor="t" anchorCtr="0">
+          <a:bodyPr anchorCtr="0" anchor="t" bIns="91425" lIns="91425" spcFirstLastPara="1" rIns="91425" wrap="square" tIns="91425">
             <a:noAutofit/>
           </a:bodyPr>
           <a:lstStyle>
@@ -8788,19 +9727,15 @@
               </a:defRPr>
             </a:lvl9pPr>
           </a:lstStyle>
-          <a:p>
-            <a:endParaRPr/>
-          </a:p>
+          <a:p/>
         </p:txBody>
       </p:sp>
       <p:sp>
         <p:nvSpPr>
           <p:cNvPr id="57" name="Google Shape;57;p39"/>
-          <p:cNvSpPr txBox="1">
-            <a:spLocks noGrp="1"/>
-          </p:cNvSpPr>
+          <p:cNvSpPr txBox="1"/>
           <p:nvPr>
-            <p:ph type="body" idx="1"/>
+            <p:ph idx="1" type="body"/>
           </p:nvPr>
         </p:nvSpPr>
         <p:spPr>
@@ -8817,11 +9752,11 @@
           </a:ln>
         </p:spPr>
         <p:txBody>
-          <a:bodyPr spcFirstLastPara="1" wrap="square" lIns="91425" tIns="91425" rIns="91425" bIns="91425" anchor="t" anchorCtr="0">
+          <a:bodyPr anchorCtr="0" anchor="t" bIns="91425" lIns="91425" spcFirstLastPara="1" rIns="91425" wrap="square" tIns="91425">
             <a:noAutofit/>
           </a:bodyPr>
           <a:lstStyle>
-            <a:lvl1pPr marL="457200" lvl="0" indent="-311150" algn="l">
+            <a:lvl1pPr indent="-311150" lvl="0" marL="457200" algn="l">
               <a:lnSpc>
                 <a:spcPct val="115000"/>
               </a:lnSpc>
@@ -8835,7 +9770,7 @@
               <a:buChar char="●"/>
               <a:defRPr/>
             </a:lvl1pPr>
-            <a:lvl2pPr marL="914400" lvl="1" indent="-298450" algn="l">
+            <a:lvl2pPr indent="-298450" lvl="1" marL="914400" algn="l">
               <a:lnSpc>
                 <a:spcPct val="115000"/>
               </a:lnSpc>
@@ -8849,7 +9784,7 @@
               <a:buChar char="○"/>
               <a:defRPr/>
             </a:lvl2pPr>
-            <a:lvl3pPr marL="1371600" lvl="2" indent="-298450" algn="l">
+            <a:lvl3pPr indent="-298450" lvl="2" marL="1371600" algn="l">
               <a:lnSpc>
                 <a:spcPct val="115000"/>
               </a:lnSpc>
@@ -8863,7 +9798,7 @@
               <a:buChar char="■"/>
               <a:defRPr/>
             </a:lvl3pPr>
-            <a:lvl4pPr marL="1828800" lvl="3" indent="-298450" algn="l">
+            <a:lvl4pPr indent="-298450" lvl="3" marL="1828800" algn="l">
               <a:lnSpc>
                 <a:spcPct val="115000"/>
               </a:lnSpc>
@@ -8877,7 +9812,7 @@
               <a:buChar char="●"/>
               <a:defRPr/>
             </a:lvl4pPr>
-            <a:lvl5pPr marL="2286000" lvl="4" indent="-298450" algn="l">
+            <a:lvl5pPr indent="-298450" lvl="4" marL="2286000" algn="l">
               <a:lnSpc>
                 <a:spcPct val="115000"/>
               </a:lnSpc>
@@ -8891,7 +9826,7 @@
               <a:buChar char="○"/>
               <a:defRPr/>
             </a:lvl5pPr>
-            <a:lvl6pPr marL="2743200" lvl="5" indent="-298450" algn="l">
+            <a:lvl6pPr indent="-298450" lvl="5" marL="2743200" algn="l">
               <a:lnSpc>
                 <a:spcPct val="115000"/>
               </a:lnSpc>
@@ -8905,7 +9840,7 @@
               <a:buChar char="■"/>
               <a:defRPr/>
             </a:lvl6pPr>
-            <a:lvl7pPr marL="3200400" lvl="6" indent="-298450" algn="l">
+            <a:lvl7pPr indent="-298450" lvl="6" marL="3200400" algn="l">
               <a:lnSpc>
                 <a:spcPct val="115000"/>
               </a:lnSpc>
@@ -8919,7 +9854,7 @@
               <a:buChar char="●"/>
               <a:defRPr/>
             </a:lvl7pPr>
-            <a:lvl8pPr marL="3657600" lvl="7" indent="-298450" algn="l">
+            <a:lvl8pPr indent="-298450" lvl="7" marL="3657600" algn="l">
               <a:lnSpc>
                 <a:spcPct val="115000"/>
               </a:lnSpc>
@@ -8933,7 +9868,7 @@
               <a:buChar char="○"/>
               <a:defRPr/>
             </a:lvl8pPr>
-            <a:lvl9pPr marL="4114800" lvl="8" indent="-298450" algn="l">
+            <a:lvl9pPr indent="-298450" lvl="8" marL="4114800" algn="l">
               <a:lnSpc>
                 <a:spcPct val="115000"/>
               </a:lnSpc>
@@ -8948,19 +9883,15 @@
               <a:defRPr/>
             </a:lvl9pPr>
           </a:lstStyle>
-          <a:p>
-            <a:endParaRPr/>
-          </a:p>
+          <a:p/>
         </p:txBody>
       </p:sp>
       <p:sp>
         <p:nvSpPr>
           <p:cNvPr id="58" name="Google Shape;58;p39"/>
-          <p:cNvSpPr txBox="1">
-            <a:spLocks noGrp="1"/>
-          </p:cNvSpPr>
+          <p:cNvSpPr txBox="1"/>
           <p:nvPr>
-            <p:ph type="sldNum" idx="12"/>
+            <p:ph idx="12" type="sldNum"/>
           </p:nvPr>
         </p:nvSpPr>
         <p:spPr>
@@ -8977,11 +9908,11 @@
           </a:ln>
         </p:spPr>
         <p:txBody>
-          <a:bodyPr spcFirstLastPara="1" wrap="square" lIns="91425" tIns="91425" rIns="91425" bIns="91425" anchor="ctr" anchorCtr="0">
+          <a:bodyPr anchorCtr="0" anchor="ctr" bIns="91425" lIns="91425" spcFirstLastPara="1" rIns="91425" wrap="square" tIns="91425">
             <a:noAutofit/>
           </a:bodyPr>
           <a:lstStyle>
-            <a:lvl1pPr marL="0" marR="0" lvl="0" indent="0" algn="r">
+            <a:lvl1pPr indent="0" lvl="0" marL="0" marR="0" algn="r">
               <a:lnSpc>
                 <a:spcPct val="100000"/>
               </a:lnSpc>
@@ -8997,7 +9928,7 @@
               <a:buSzPts val="1000"/>
               <a:buFont typeface="Arial"/>
               <a:buNone/>
-              <a:defRPr sz="1000" b="0" i="0" u="none" strike="noStrike" cap="none">
+              <a:defRPr b="0" i="0" sz="1000" u="none" cap="none" strike="noStrike">
                 <a:solidFill>
                   <a:schemeClr val="accent1"/>
                 </a:solidFill>
@@ -9007,7 +9938,7 @@
                 <a:sym typeface="Lato"/>
               </a:defRPr>
             </a:lvl1pPr>
-            <a:lvl2pPr marL="0" marR="0" lvl="1" indent="0" algn="r">
+            <a:lvl2pPr indent="0" lvl="1" marL="0" marR="0" algn="r">
               <a:lnSpc>
                 <a:spcPct val="100000"/>
               </a:lnSpc>
@@ -9023,7 +9954,7 @@
               <a:buSzPts val="1000"/>
               <a:buFont typeface="Arial"/>
               <a:buNone/>
-              <a:defRPr sz="1000" b="0" i="0" u="none" strike="noStrike" cap="none">
+              <a:defRPr b="0" i="0" sz="1000" u="none" cap="none" strike="noStrike">
                 <a:solidFill>
                   <a:schemeClr val="accent1"/>
                 </a:solidFill>
@@ -9033,7 +9964,7 @@
                 <a:sym typeface="Lato"/>
               </a:defRPr>
             </a:lvl2pPr>
-            <a:lvl3pPr marL="0" marR="0" lvl="2" indent="0" algn="r">
+            <a:lvl3pPr indent="0" lvl="2" marL="0" marR="0" algn="r">
               <a:lnSpc>
                 <a:spcPct val="100000"/>
               </a:lnSpc>
@@ -9049,7 +9980,7 @@
               <a:buSzPts val="1000"/>
               <a:buFont typeface="Arial"/>
               <a:buNone/>
-              <a:defRPr sz="1000" b="0" i="0" u="none" strike="noStrike" cap="none">
+              <a:defRPr b="0" i="0" sz="1000" u="none" cap="none" strike="noStrike">
                 <a:solidFill>
                   <a:schemeClr val="accent1"/>
                 </a:solidFill>
@@ -9059,7 +9990,7 @@
                 <a:sym typeface="Lato"/>
               </a:defRPr>
             </a:lvl3pPr>
-            <a:lvl4pPr marL="0" marR="0" lvl="3" indent="0" algn="r">
+            <a:lvl4pPr indent="0" lvl="3" marL="0" marR="0" algn="r">
               <a:lnSpc>
                 <a:spcPct val="100000"/>
               </a:lnSpc>
@@ -9075,7 +10006,7 @@
               <a:buSzPts val="1000"/>
               <a:buFont typeface="Arial"/>
               <a:buNone/>
-              <a:defRPr sz="1000" b="0" i="0" u="none" strike="noStrike" cap="none">
+              <a:defRPr b="0" i="0" sz="1000" u="none" cap="none" strike="noStrike">
                 <a:solidFill>
                   <a:schemeClr val="accent1"/>
                 </a:solidFill>
@@ -9085,7 +10016,7 @@
                 <a:sym typeface="Lato"/>
               </a:defRPr>
             </a:lvl4pPr>
-            <a:lvl5pPr marL="0" marR="0" lvl="4" indent="0" algn="r">
+            <a:lvl5pPr indent="0" lvl="4" marL="0" marR="0" algn="r">
               <a:lnSpc>
                 <a:spcPct val="100000"/>
               </a:lnSpc>
@@ -9101,7 +10032,7 @@
               <a:buSzPts val="1000"/>
               <a:buFont typeface="Arial"/>
               <a:buNone/>
-              <a:defRPr sz="1000" b="0" i="0" u="none" strike="noStrike" cap="none">
+              <a:defRPr b="0" i="0" sz="1000" u="none" cap="none" strike="noStrike">
                 <a:solidFill>
                   <a:schemeClr val="accent1"/>
                 </a:solidFill>
@@ -9111,7 +10042,7 @@
                 <a:sym typeface="Lato"/>
               </a:defRPr>
             </a:lvl5pPr>
-            <a:lvl6pPr marL="0" marR="0" lvl="5" indent="0" algn="r">
+            <a:lvl6pPr indent="0" lvl="5" marL="0" marR="0" algn="r">
               <a:lnSpc>
                 <a:spcPct val="100000"/>
               </a:lnSpc>
@@ -9127,7 +10058,7 @@
               <a:buSzPts val="1000"/>
               <a:buFont typeface="Arial"/>
               <a:buNone/>
-              <a:defRPr sz="1000" b="0" i="0" u="none" strike="noStrike" cap="none">
+              <a:defRPr b="0" i="0" sz="1000" u="none" cap="none" strike="noStrike">
                 <a:solidFill>
                   <a:schemeClr val="accent1"/>
                 </a:solidFill>
@@ -9137,7 +10068,7 @@
                 <a:sym typeface="Lato"/>
               </a:defRPr>
             </a:lvl6pPr>
-            <a:lvl7pPr marL="0" marR="0" lvl="6" indent="0" algn="r">
+            <a:lvl7pPr indent="0" lvl="6" marL="0" marR="0" algn="r">
               <a:lnSpc>
                 <a:spcPct val="100000"/>
               </a:lnSpc>
@@ -9153,7 +10084,7 @@
               <a:buSzPts val="1000"/>
               <a:buFont typeface="Arial"/>
               <a:buNone/>
-              <a:defRPr sz="1000" b="0" i="0" u="none" strike="noStrike" cap="none">
+              <a:defRPr b="0" i="0" sz="1000" u="none" cap="none" strike="noStrike">
                 <a:solidFill>
                   <a:schemeClr val="accent1"/>
                 </a:solidFill>
@@ -9163,7 +10094,7 @@
                 <a:sym typeface="Lato"/>
               </a:defRPr>
             </a:lvl7pPr>
-            <a:lvl8pPr marL="0" marR="0" lvl="7" indent="0" algn="r">
+            <a:lvl8pPr indent="0" lvl="7" marL="0" marR="0" algn="r">
               <a:lnSpc>
                 <a:spcPct val="100000"/>
               </a:lnSpc>
@@ -9179,7 +10110,7 @@
               <a:buSzPts val="1000"/>
               <a:buFont typeface="Arial"/>
               <a:buNone/>
-              <a:defRPr sz="1000" b="0" i="0" u="none" strike="noStrike" cap="none">
+              <a:defRPr b="0" i="0" sz="1000" u="none" cap="none" strike="noStrike">
                 <a:solidFill>
                   <a:schemeClr val="accent1"/>
                 </a:solidFill>
@@ -9189,7 +10120,7 @@
                 <a:sym typeface="Lato"/>
               </a:defRPr>
             </a:lvl8pPr>
-            <a:lvl9pPr marL="0" marR="0" lvl="8" indent="0" algn="r">
+            <a:lvl9pPr indent="0" lvl="8" marL="0" marR="0" algn="r">
               <a:lnSpc>
                 <a:spcPct val="100000"/>
               </a:lnSpc>
@@ -9205,7 +10136,7 @@
               <a:buSzPts val="1000"/>
               <a:buFont typeface="Arial"/>
               <a:buNone/>
-              <a:defRPr sz="1000" b="0" i="0" u="none" strike="noStrike" cap="none">
+              <a:defRPr b="0" i="0" sz="1000" u="none" cap="none" strike="noStrike">
                 <a:solidFill>
                   <a:schemeClr val="accent1"/>
                 </a:solidFill>
@@ -9217,7 +10148,7 @@
             </a:lvl9pPr>
           </a:lstStyle>
           <a:p>
-            <a:pPr marL="0" lvl="0" indent="0" algn="r" rtl="0">
+            <a:pPr indent="0" lvl="0" marL="0" rtl="0" algn="r">
               <a:spcBef>
                 <a:spcPts val="0"/>
               </a:spcBef>
@@ -9244,7 +10175,7 @@
           <a:blip r:embed="rId2">
             <a:alphaModFix/>
           </a:blip>
-          <a:srcRect l="16874" t="31678" r="16874" b="31682"/>
+          <a:srcRect b="31682" l="16874" r="16874" t="31678"/>
           <a:stretch/>
         </p:blipFill>
         <p:spPr>
@@ -9270,19 +10201,18 @@
 </file>
 
 <file path=ppt/slideLayouts/slideLayout7.xml><?xml version="1.0" encoding="utf-8"?>
-<p:sldLayout xmlns:a="http://schemas.openxmlformats.org/drawingml/2006/main" xmlns:r="http://schemas.openxmlformats.org/officeDocument/2006/relationships" xmlns:p="http://schemas.openxmlformats.org/presentationml/2006/main" matchingName="Main point">
+<p:sldLayout xmlns:a="http://schemas.openxmlformats.org/drawingml/2006/main" xmlns:r="http://schemas.openxmlformats.org/officeDocument/2006/relationships" xmlns:mc="http://schemas.openxmlformats.org/markup-compatibility/2006" xmlns:mv="urn:schemas-microsoft-com:mac:vml" xmlns:p="http://schemas.openxmlformats.org/presentationml/2006/main" xmlns:c="http://schemas.openxmlformats.org/drawingml/2006/chart" xmlns:dgm="http://schemas.openxmlformats.org/drawingml/2006/diagram" xmlns:o="urn:schemas-microsoft-com:office:office" xmlns:v="urn:schemas-microsoft-com:vml" xmlns:pvml="urn:schemas-microsoft-com:office:powerpoint" xmlns:com="http://schemas.openxmlformats.org/drawingml/2006/compatibility" xmlns:p14="http://schemas.microsoft.com/office/powerpoint/2010/main" xmlns:p15="http://schemas.microsoft.com/office/powerpoint/2012/main" matchingName="Main point">
   <p:cSld name="MAIN_POINT">
     <p:bg>
       <p:bgPr>
         <a:solidFill>
           <a:schemeClr val="accent3"/>
         </a:solidFill>
-        <a:effectLst/>
       </p:bgPr>
     </p:bg>
     <p:spTree>
       <p:nvGrpSpPr>
-        <p:cNvPr id="1" name="Shape 60"/>
+        <p:cNvPr id="60" name="Shape 60"/>
         <p:cNvGrpSpPr/>
         <p:nvPr/>
       </p:nvGrpSpPr>
@@ -9316,12 +10246,12 @@
           </a:ln>
         </p:spPr>
         <p:txBody>
-          <a:bodyPr spcFirstLastPara="1" wrap="square" lIns="91425" tIns="91425" rIns="91425" bIns="91425" anchor="ctr" anchorCtr="0">
+          <a:bodyPr anchorCtr="0" anchor="ctr" bIns="91425" lIns="91425" spcFirstLastPara="1" rIns="91425" wrap="square" tIns="91425">
             <a:noAutofit/>
           </a:bodyPr>
           <a:lstStyle/>
           <a:p>
-            <a:pPr marL="0" marR="0" lvl="0" indent="0" algn="l" rtl="0">
+            <a:pPr indent="0" lvl="0" marL="0" marR="0" rtl="0" algn="l">
               <a:lnSpc>
                 <a:spcPct val="100000"/>
               </a:lnSpc>
@@ -9338,7 +10268,10 @@
               <a:buFont typeface="Arial"/>
               <a:buNone/>
             </a:pPr>
-            <a:endParaRPr sz="1400" b="0" i="0" u="none" strike="noStrike" cap="none">
+            <a:r>
+              <a:t/>
+            </a:r>
+            <a:endParaRPr b="0" i="0" sz="1400" u="none" cap="none" strike="noStrike">
               <a:solidFill>
                 <a:srgbClr val="000000"/>
               </a:solidFill>
@@ -9386,12 +10319,12 @@
             </a:ln>
           </p:spPr>
           <p:txBody>
-            <a:bodyPr spcFirstLastPara="1" wrap="square" lIns="91425" tIns="91425" rIns="91425" bIns="91425" anchor="ctr" anchorCtr="0">
+            <a:bodyPr anchorCtr="0" anchor="ctr" bIns="91425" lIns="91425" spcFirstLastPara="1" rIns="91425" wrap="square" tIns="91425">
               <a:noAutofit/>
             </a:bodyPr>
             <a:lstStyle/>
             <a:p>
-              <a:pPr marL="0" marR="0" lvl="0" indent="0" algn="l" rtl="0">
+              <a:pPr indent="0" lvl="0" marL="0" marR="0" rtl="0" algn="l">
                 <a:lnSpc>
                   <a:spcPct val="100000"/>
                 </a:lnSpc>
@@ -9408,7 +10341,10 @@
                 <a:buFont typeface="Arial"/>
                 <a:buNone/>
               </a:pPr>
-              <a:endParaRPr sz="1400" b="0" i="0" u="none" strike="noStrike" cap="none">
+              <a:r>
+                <a:t/>
+              </a:r>
+              <a:endParaRPr b="0" i="0" sz="1400" u="none" cap="none" strike="noStrike">
                 <a:solidFill>
                   <a:srgbClr val="000000"/>
                 </a:solidFill>
@@ -9442,12 +10378,12 @@
             </a:ln>
           </p:spPr>
           <p:txBody>
-            <a:bodyPr spcFirstLastPara="1" wrap="square" lIns="91425" tIns="91425" rIns="91425" bIns="91425" anchor="ctr" anchorCtr="0">
+            <a:bodyPr anchorCtr="0" anchor="ctr" bIns="91425" lIns="91425" spcFirstLastPara="1" rIns="91425" wrap="square" tIns="91425">
               <a:noAutofit/>
             </a:bodyPr>
             <a:lstStyle/>
             <a:p>
-              <a:pPr marL="0" marR="0" lvl="0" indent="0" algn="l" rtl="0">
+              <a:pPr indent="0" lvl="0" marL="0" marR="0" rtl="0" algn="l">
                 <a:lnSpc>
                   <a:spcPct val="100000"/>
                 </a:lnSpc>
@@ -9464,7 +10400,10 @@
                 <a:buFont typeface="Arial"/>
                 <a:buNone/>
               </a:pPr>
-              <a:endParaRPr sz="1400" b="0" i="0" u="none" strike="noStrike" cap="none">
+              <a:r>
+                <a:t/>
+              </a:r>
+              <a:endParaRPr b="0" i="0" sz="1400" u="none" cap="none" strike="noStrike">
                 <a:solidFill>
                   <a:srgbClr val="000000"/>
                 </a:solidFill>
@@ -9480,9 +10419,7 @@
       <p:sp>
         <p:nvSpPr>
           <p:cNvPr id="65" name="Google Shape;65;p40"/>
-          <p:cNvSpPr txBox="1">
-            <a:spLocks noGrp="1"/>
-          </p:cNvSpPr>
+          <p:cNvSpPr txBox="1"/>
           <p:nvPr>
             <p:ph type="title"/>
           </p:nvPr>
@@ -9501,7 +10438,7 @@
           </a:ln>
         </p:spPr>
         <p:txBody>
-          <a:bodyPr spcFirstLastPara="1" wrap="square" lIns="91425" tIns="91425" rIns="91425" bIns="91425" anchor="ctr" anchorCtr="0">
+          <a:bodyPr anchorCtr="0" anchor="ctr" bIns="91425" lIns="91425" spcFirstLastPara="1" rIns="91425" wrap="square" tIns="91425">
             <a:noAutofit/>
           </a:bodyPr>
           <a:lstStyle>
@@ -9695,19 +10632,15 @@
               </a:defRPr>
             </a:lvl9pPr>
           </a:lstStyle>
-          <a:p>
-            <a:endParaRPr/>
-          </a:p>
+          <a:p/>
         </p:txBody>
       </p:sp>
       <p:sp>
         <p:nvSpPr>
           <p:cNvPr id="66" name="Google Shape;66;p40"/>
-          <p:cNvSpPr txBox="1">
-            <a:spLocks noGrp="1"/>
-          </p:cNvSpPr>
+          <p:cNvSpPr txBox="1"/>
           <p:nvPr>
-            <p:ph type="sldNum" idx="12"/>
+            <p:ph idx="12" type="sldNum"/>
           </p:nvPr>
         </p:nvSpPr>
         <p:spPr>
@@ -9724,11 +10657,11 @@
           </a:ln>
         </p:spPr>
         <p:txBody>
-          <a:bodyPr spcFirstLastPara="1" wrap="square" lIns="91425" tIns="91425" rIns="91425" bIns="91425" anchor="ctr" anchorCtr="0">
+          <a:bodyPr anchorCtr="0" anchor="ctr" bIns="91425" lIns="91425" spcFirstLastPara="1" rIns="91425" wrap="square" tIns="91425">
             <a:noAutofit/>
           </a:bodyPr>
           <a:lstStyle>
-            <a:lvl1pPr marL="0" marR="0" lvl="0" indent="0" algn="r">
+            <a:lvl1pPr indent="0" lvl="0" marL="0" marR="0" algn="r">
               <a:lnSpc>
                 <a:spcPct val="100000"/>
               </a:lnSpc>
@@ -9744,7 +10677,7 @@
               <a:buSzPts val="1000"/>
               <a:buFont typeface="Arial"/>
               <a:buNone/>
-              <a:defRPr sz="1000" b="0" i="0" u="none" strike="noStrike" cap="none">
+              <a:defRPr b="0" i="0" sz="1000" u="none" cap="none" strike="noStrike">
                 <a:solidFill>
                   <a:schemeClr val="lt1"/>
                 </a:solidFill>
@@ -9754,7 +10687,7 @@
                 <a:sym typeface="Lato"/>
               </a:defRPr>
             </a:lvl1pPr>
-            <a:lvl2pPr marL="0" marR="0" lvl="1" indent="0" algn="r">
+            <a:lvl2pPr indent="0" lvl="1" marL="0" marR="0" algn="r">
               <a:lnSpc>
                 <a:spcPct val="100000"/>
               </a:lnSpc>
@@ -9770,7 +10703,7 @@
               <a:buSzPts val="1000"/>
               <a:buFont typeface="Arial"/>
               <a:buNone/>
-              <a:defRPr sz="1000" b="0" i="0" u="none" strike="noStrike" cap="none">
+              <a:defRPr b="0" i="0" sz="1000" u="none" cap="none" strike="noStrike">
                 <a:solidFill>
                   <a:schemeClr val="lt1"/>
                 </a:solidFill>
@@ -9780,7 +10713,7 @@
                 <a:sym typeface="Lato"/>
               </a:defRPr>
             </a:lvl2pPr>
-            <a:lvl3pPr marL="0" marR="0" lvl="2" indent="0" algn="r">
+            <a:lvl3pPr indent="0" lvl="2" marL="0" marR="0" algn="r">
               <a:lnSpc>
                 <a:spcPct val="100000"/>
               </a:lnSpc>
@@ -9796,7 +10729,7 @@
               <a:buSzPts val="1000"/>
               <a:buFont typeface="Arial"/>
               <a:buNone/>
-              <a:defRPr sz="1000" b="0" i="0" u="none" strike="noStrike" cap="none">
+              <a:defRPr b="0" i="0" sz="1000" u="none" cap="none" strike="noStrike">
                 <a:solidFill>
                   <a:schemeClr val="lt1"/>
                 </a:solidFill>
@@ -9806,7 +10739,7 @@
                 <a:sym typeface="Lato"/>
               </a:defRPr>
             </a:lvl3pPr>
-            <a:lvl4pPr marL="0" marR="0" lvl="3" indent="0" algn="r">
+            <a:lvl4pPr indent="0" lvl="3" marL="0" marR="0" algn="r">
               <a:lnSpc>
                 <a:spcPct val="100000"/>
               </a:lnSpc>
@@ -9822,7 +10755,7 @@
               <a:buSzPts val="1000"/>
               <a:buFont typeface="Arial"/>
               <a:buNone/>
-              <a:defRPr sz="1000" b="0" i="0" u="none" strike="noStrike" cap="none">
+              <a:defRPr b="0" i="0" sz="1000" u="none" cap="none" strike="noStrike">
                 <a:solidFill>
                   <a:schemeClr val="lt1"/>
                 </a:solidFill>
@@ -9832,7 +10765,7 @@
                 <a:sym typeface="Lato"/>
               </a:defRPr>
             </a:lvl4pPr>
-            <a:lvl5pPr marL="0" marR="0" lvl="4" indent="0" algn="r">
+            <a:lvl5pPr indent="0" lvl="4" marL="0" marR="0" algn="r">
               <a:lnSpc>
                 <a:spcPct val="100000"/>
               </a:lnSpc>
@@ -9848,7 +10781,7 @@
               <a:buSzPts val="1000"/>
               <a:buFont typeface="Arial"/>
               <a:buNone/>
-              <a:defRPr sz="1000" b="0" i="0" u="none" strike="noStrike" cap="none">
+              <a:defRPr b="0" i="0" sz="1000" u="none" cap="none" strike="noStrike">
                 <a:solidFill>
                   <a:schemeClr val="lt1"/>
                 </a:solidFill>
@@ -9858,7 +10791,7 @@
                 <a:sym typeface="Lato"/>
               </a:defRPr>
             </a:lvl5pPr>
-            <a:lvl6pPr marL="0" marR="0" lvl="5" indent="0" algn="r">
+            <a:lvl6pPr indent="0" lvl="5" marL="0" marR="0" algn="r">
               <a:lnSpc>
                 <a:spcPct val="100000"/>
               </a:lnSpc>
@@ -9874,7 +10807,7 @@
               <a:buSzPts val="1000"/>
               <a:buFont typeface="Arial"/>
               <a:buNone/>
-              <a:defRPr sz="1000" b="0" i="0" u="none" strike="noStrike" cap="none">
+              <a:defRPr b="0" i="0" sz="1000" u="none" cap="none" strike="noStrike">
                 <a:solidFill>
                   <a:schemeClr val="lt1"/>
                 </a:solidFill>
@@ -9884,7 +10817,7 @@
                 <a:sym typeface="Lato"/>
               </a:defRPr>
             </a:lvl6pPr>
-            <a:lvl7pPr marL="0" marR="0" lvl="6" indent="0" algn="r">
+            <a:lvl7pPr indent="0" lvl="6" marL="0" marR="0" algn="r">
               <a:lnSpc>
                 <a:spcPct val="100000"/>
               </a:lnSpc>
@@ -9900,7 +10833,7 @@
               <a:buSzPts val="1000"/>
               <a:buFont typeface="Arial"/>
               <a:buNone/>
-              <a:defRPr sz="1000" b="0" i="0" u="none" strike="noStrike" cap="none">
+              <a:defRPr b="0" i="0" sz="1000" u="none" cap="none" strike="noStrike">
                 <a:solidFill>
                   <a:schemeClr val="lt1"/>
                 </a:solidFill>
@@ -9910,7 +10843,7 @@
                 <a:sym typeface="Lato"/>
               </a:defRPr>
             </a:lvl7pPr>
-            <a:lvl8pPr marL="0" marR="0" lvl="7" indent="0" algn="r">
+            <a:lvl8pPr indent="0" lvl="7" marL="0" marR="0" algn="r">
               <a:lnSpc>
                 <a:spcPct val="100000"/>
               </a:lnSpc>
@@ -9926,7 +10859,7 @@
               <a:buSzPts val="1000"/>
               <a:buFont typeface="Arial"/>
               <a:buNone/>
-              <a:defRPr sz="1000" b="0" i="0" u="none" strike="noStrike" cap="none">
+              <a:defRPr b="0" i="0" sz="1000" u="none" cap="none" strike="noStrike">
                 <a:solidFill>
                   <a:schemeClr val="lt1"/>
                 </a:solidFill>
@@ -9936,7 +10869,7 @@
                 <a:sym typeface="Lato"/>
               </a:defRPr>
             </a:lvl8pPr>
-            <a:lvl9pPr marL="0" marR="0" lvl="8" indent="0" algn="r">
+            <a:lvl9pPr indent="0" lvl="8" marL="0" marR="0" algn="r">
               <a:lnSpc>
                 <a:spcPct val="100000"/>
               </a:lnSpc>
@@ -9952,7 +10885,7 @@
               <a:buSzPts val="1000"/>
               <a:buFont typeface="Arial"/>
               <a:buNone/>
-              <a:defRPr sz="1000" b="0" i="0" u="none" strike="noStrike" cap="none">
+              <a:defRPr b="0" i="0" sz="1000" u="none" cap="none" strike="noStrike">
                 <a:solidFill>
                   <a:schemeClr val="lt1"/>
                 </a:solidFill>
@@ -9964,7 +10897,7 @@
             </a:lvl9pPr>
           </a:lstStyle>
           <a:p>
-            <a:pPr marL="0" lvl="0" indent="0" algn="r" rtl="0">
+            <a:pPr indent="0" lvl="0" marL="0" rtl="0" algn="r">
               <a:spcBef>
                 <a:spcPts val="0"/>
               </a:spcBef>
@@ -9991,7 +10924,7 @@
           <a:blip r:embed="rId2">
             <a:alphaModFix/>
           </a:blip>
-          <a:srcRect l="16874" t="31678" r="16874" b="31682"/>
+          <a:srcRect b="31682" l="16874" r="16874" t="31678"/>
           <a:stretch/>
         </p:blipFill>
         <p:spPr>
@@ -10017,11 +10950,11 @@
 </file>
 
 <file path=ppt/slideLayouts/slideLayout8.xml><?xml version="1.0" encoding="utf-8"?>
-<p:sldLayout xmlns:a="http://schemas.openxmlformats.org/drawingml/2006/main" xmlns:r="http://schemas.openxmlformats.org/officeDocument/2006/relationships" xmlns:p="http://schemas.openxmlformats.org/presentationml/2006/main" matchingName="Section title and description">
+<p:sldLayout xmlns:a="http://schemas.openxmlformats.org/drawingml/2006/main" xmlns:r="http://schemas.openxmlformats.org/officeDocument/2006/relationships" xmlns:mc="http://schemas.openxmlformats.org/markup-compatibility/2006" xmlns:mv="urn:schemas-microsoft-com:mac:vml" xmlns:p="http://schemas.openxmlformats.org/presentationml/2006/main" xmlns:c="http://schemas.openxmlformats.org/drawingml/2006/chart" xmlns:dgm="http://schemas.openxmlformats.org/drawingml/2006/diagram" xmlns:o="urn:schemas-microsoft-com:office:office" xmlns:v="urn:schemas-microsoft-com:vml" xmlns:pvml="urn:schemas-microsoft-com:office:powerpoint" xmlns:com="http://schemas.openxmlformats.org/drawingml/2006/compatibility" xmlns:p14="http://schemas.microsoft.com/office/powerpoint/2010/main" xmlns:p15="http://schemas.microsoft.com/office/powerpoint/2012/main" matchingName="Section title and description">
   <p:cSld name="SECTION_TITLE_AND_DESCRIPTION">
     <p:spTree>
       <p:nvGrpSpPr>
-        <p:cNvPr id="1" name="Shape 68"/>
+        <p:cNvPr id="68" name="Shape 68"/>
         <p:cNvGrpSpPr/>
         <p:nvPr/>
       </p:nvGrpSpPr>
@@ -10055,12 +10988,12 @@
           </a:ln>
         </p:spPr>
         <p:txBody>
-          <a:bodyPr spcFirstLastPara="1" wrap="square" lIns="91425" tIns="91425" rIns="91425" bIns="91425" anchor="ctr" anchorCtr="0">
+          <a:bodyPr anchorCtr="0" anchor="ctr" bIns="91425" lIns="91425" spcFirstLastPara="1" rIns="91425" wrap="square" tIns="91425">
             <a:noAutofit/>
           </a:bodyPr>
           <a:lstStyle/>
           <a:p>
-            <a:pPr marL="0" marR="0" lvl="0" indent="0" algn="l" rtl="0">
+            <a:pPr indent="0" lvl="0" marL="0" marR="0" rtl="0" algn="l">
               <a:lnSpc>
                 <a:spcPct val="100000"/>
               </a:lnSpc>
@@ -10077,7 +11010,10 @@
               <a:buFont typeface="Arial"/>
               <a:buNone/>
             </a:pPr>
-            <a:endParaRPr sz="1400" b="0" i="0" u="none" strike="noStrike" cap="none">
+            <a:r>
+              <a:t/>
+            </a:r>
+            <a:endParaRPr b="0" i="0" sz="1400" u="none" cap="none" strike="noStrike">
               <a:solidFill>
                 <a:srgbClr val="000000"/>
               </a:solidFill>
@@ -10125,12 +11061,12 @@
             </a:ln>
           </p:spPr>
           <p:txBody>
-            <a:bodyPr spcFirstLastPara="1" wrap="square" lIns="91425" tIns="91425" rIns="91425" bIns="91425" anchor="ctr" anchorCtr="0">
+            <a:bodyPr anchorCtr="0" anchor="ctr" bIns="91425" lIns="91425" spcFirstLastPara="1" rIns="91425" wrap="square" tIns="91425">
               <a:noAutofit/>
             </a:bodyPr>
             <a:lstStyle/>
             <a:p>
-              <a:pPr marL="0" marR="0" lvl="0" indent="0" algn="l" rtl="0">
+              <a:pPr indent="0" lvl="0" marL="0" marR="0" rtl="0" algn="l">
                 <a:lnSpc>
                   <a:spcPct val="100000"/>
                 </a:lnSpc>
@@ -10147,7 +11083,10 @@
                 <a:buFont typeface="Arial"/>
                 <a:buNone/>
               </a:pPr>
-              <a:endParaRPr sz="1400" b="0" i="0" u="none" strike="noStrike" cap="none">
+              <a:r>
+                <a:t/>
+              </a:r>
+              <a:endParaRPr b="0" i="0" sz="1400" u="none" cap="none" strike="noStrike">
                 <a:solidFill>
                   <a:srgbClr val="000000"/>
                 </a:solidFill>
@@ -10181,12 +11120,12 @@
             </a:ln>
           </p:spPr>
           <p:txBody>
-            <a:bodyPr spcFirstLastPara="1" wrap="square" lIns="91425" tIns="91425" rIns="91425" bIns="91425" anchor="ctr" anchorCtr="0">
+            <a:bodyPr anchorCtr="0" anchor="ctr" bIns="91425" lIns="91425" spcFirstLastPara="1" rIns="91425" wrap="square" tIns="91425">
               <a:noAutofit/>
             </a:bodyPr>
             <a:lstStyle/>
             <a:p>
-              <a:pPr marL="0" marR="0" lvl="0" indent="0" algn="l" rtl="0">
+              <a:pPr indent="0" lvl="0" marL="0" marR="0" rtl="0" algn="l">
                 <a:lnSpc>
                   <a:spcPct val="100000"/>
                 </a:lnSpc>
@@ -10203,7 +11142,10 @@
                 <a:buFont typeface="Arial"/>
                 <a:buNone/>
               </a:pPr>
-              <a:endParaRPr sz="1400" b="0" i="0" u="none" strike="noStrike" cap="none">
+              <a:r>
+                <a:t/>
+              </a:r>
+              <a:endParaRPr b="0" i="0" sz="1400" u="none" cap="none" strike="noStrike">
                 <a:solidFill>
                   <a:srgbClr val="000000"/>
                 </a:solidFill>
@@ -10219,9 +11161,7 @@
       <p:sp>
         <p:nvSpPr>
           <p:cNvPr id="73" name="Google Shape;73;p41"/>
-          <p:cNvSpPr txBox="1">
-            <a:spLocks noGrp="1"/>
-          </p:cNvSpPr>
+          <p:cNvSpPr txBox="1"/>
           <p:nvPr>
             <p:ph type="title"/>
           </p:nvPr>
@@ -10240,7 +11180,7 @@
           </a:ln>
         </p:spPr>
         <p:txBody>
-          <a:bodyPr spcFirstLastPara="1" wrap="square" lIns="91425" tIns="91425" rIns="91425" bIns="91425" anchor="t" anchorCtr="0">
+          <a:bodyPr anchorCtr="0" anchor="t" bIns="91425" lIns="91425" spcFirstLastPara="1" rIns="91425" wrap="square" tIns="91425">
             <a:noAutofit/>
           </a:bodyPr>
           <a:lstStyle>
@@ -10434,19 +11374,15 @@
               </a:defRPr>
             </a:lvl9pPr>
           </a:lstStyle>
-          <a:p>
-            <a:endParaRPr/>
-          </a:p>
+          <a:p/>
         </p:txBody>
       </p:sp>
       <p:sp>
         <p:nvSpPr>
           <p:cNvPr id="74" name="Google Shape;74;p41"/>
-          <p:cNvSpPr txBox="1">
-            <a:spLocks noGrp="1"/>
-          </p:cNvSpPr>
+          <p:cNvSpPr txBox="1"/>
           <p:nvPr>
-            <p:ph type="subTitle" idx="1"/>
+            <p:ph idx="1" type="subTitle"/>
           </p:nvPr>
         </p:nvSpPr>
         <p:spPr>
@@ -10463,7 +11399,7 @@
           </a:ln>
         </p:spPr>
         <p:txBody>
-          <a:bodyPr spcFirstLastPara="1" wrap="square" lIns="91425" tIns="91425" rIns="91425" bIns="91425" anchor="t" anchorCtr="0">
+          <a:bodyPr anchorCtr="0" anchor="t" bIns="91425" lIns="91425" spcFirstLastPara="1" rIns="91425" wrap="square" tIns="91425">
             <a:noAutofit/>
           </a:bodyPr>
           <a:lstStyle>
@@ -10594,19 +11530,15 @@
               <a:defRPr sz="1600"/>
             </a:lvl9pPr>
           </a:lstStyle>
-          <a:p>
-            <a:endParaRPr/>
-          </a:p>
+          <a:p/>
         </p:txBody>
       </p:sp>
       <p:sp>
         <p:nvSpPr>
           <p:cNvPr id="75" name="Google Shape;75;p41"/>
-          <p:cNvSpPr txBox="1">
-            <a:spLocks noGrp="1"/>
-          </p:cNvSpPr>
+          <p:cNvSpPr txBox="1"/>
           <p:nvPr>
-            <p:ph type="body" idx="2"/>
+            <p:ph idx="2" type="body"/>
           </p:nvPr>
         </p:nvSpPr>
         <p:spPr>
@@ -10623,11 +11555,11 @@
           </a:ln>
         </p:spPr>
         <p:txBody>
-          <a:bodyPr spcFirstLastPara="1" wrap="square" lIns="91425" tIns="91425" rIns="91425" bIns="91425" anchor="t" anchorCtr="0">
+          <a:bodyPr anchorCtr="0" anchor="t" bIns="91425" lIns="91425" spcFirstLastPara="1" rIns="91425" wrap="square" tIns="91425">
             <a:noAutofit/>
           </a:bodyPr>
           <a:lstStyle>
-            <a:lvl1pPr marL="457200" lvl="0" indent="-311150" algn="l">
+            <a:lvl1pPr indent="-311150" lvl="0" marL="457200" algn="l">
               <a:lnSpc>
                 <a:spcPct val="115000"/>
               </a:lnSpc>
@@ -10641,7 +11573,7 @@
               <a:buChar char="●"/>
               <a:defRPr/>
             </a:lvl1pPr>
-            <a:lvl2pPr marL="914400" lvl="1" indent="-298450" algn="l">
+            <a:lvl2pPr indent="-298450" lvl="1" marL="914400" algn="l">
               <a:lnSpc>
                 <a:spcPct val="115000"/>
               </a:lnSpc>
@@ -10655,7 +11587,7 @@
               <a:buChar char="○"/>
               <a:defRPr/>
             </a:lvl2pPr>
-            <a:lvl3pPr marL="1371600" lvl="2" indent="-298450" algn="l">
+            <a:lvl3pPr indent="-298450" lvl="2" marL="1371600" algn="l">
               <a:lnSpc>
                 <a:spcPct val="115000"/>
               </a:lnSpc>
@@ -10669,7 +11601,7 @@
               <a:buChar char="■"/>
               <a:defRPr/>
             </a:lvl3pPr>
-            <a:lvl4pPr marL="1828800" lvl="3" indent="-298450" algn="l">
+            <a:lvl4pPr indent="-298450" lvl="3" marL="1828800" algn="l">
               <a:lnSpc>
                 <a:spcPct val="115000"/>
               </a:lnSpc>
@@ -10683,7 +11615,7 @@
               <a:buChar char="●"/>
               <a:defRPr/>
             </a:lvl4pPr>
-            <a:lvl5pPr marL="2286000" lvl="4" indent="-298450" algn="l">
+            <a:lvl5pPr indent="-298450" lvl="4" marL="2286000" algn="l">
               <a:lnSpc>
                 <a:spcPct val="115000"/>
               </a:lnSpc>
@@ -10697,7 +11629,7 @@
               <a:buChar char="○"/>
               <a:defRPr/>
             </a:lvl5pPr>
-            <a:lvl6pPr marL="2743200" lvl="5" indent="-298450" algn="l">
+            <a:lvl6pPr indent="-298450" lvl="5" marL="2743200" algn="l">
               <a:lnSpc>
                 <a:spcPct val="115000"/>
               </a:lnSpc>
@@ -10711,7 +11643,7 @@
               <a:buChar char="■"/>
               <a:defRPr/>
             </a:lvl6pPr>
-            <a:lvl7pPr marL="3200400" lvl="6" indent="-298450" algn="l">
+            <a:lvl7pPr indent="-298450" lvl="6" marL="3200400" algn="l">
               <a:lnSpc>
                 <a:spcPct val="115000"/>
               </a:lnSpc>
@@ -10725,7 +11657,7 @@
               <a:buChar char="●"/>
               <a:defRPr/>
             </a:lvl7pPr>
-            <a:lvl8pPr marL="3657600" lvl="7" indent="-298450" algn="l">
+            <a:lvl8pPr indent="-298450" lvl="7" marL="3657600" algn="l">
               <a:lnSpc>
                 <a:spcPct val="115000"/>
               </a:lnSpc>
@@ -10739,7 +11671,7 @@
               <a:buChar char="○"/>
               <a:defRPr/>
             </a:lvl8pPr>
-            <a:lvl9pPr marL="4114800" lvl="8" indent="-298450" algn="l">
+            <a:lvl9pPr indent="-298450" lvl="8" marL="4114800" algn="l">
               <a:lnSpc>
                 <a:spcPct val="115000"/>
               </a:lnSpc>
@@ -10754,19 +11686,15 @@
               <a:defRPr/>
             </a:lvl9pPr>
           </a:lstStyle>
-          <a:p>
-            <a:endParaRPr/>
-          </a:p>
+          <a:p/>
         </p:txBody>
       </p:sp>
       <p:sp>
         <p:nvSpPr>
           <p:cNvPr id="76" name="Google Shape;76;p41"/>
-          <p:cNvSpPr txBox="1">
-            <a:spLocks noGrp="1"/>
-          </p:cNvSpPr>
+          <p:cNvSpPr txBox="1"/>
           <p:nvPr>
-            <p:ph type="sldNum" idx="12"/>
+            <p:ph idx="12" type="sldNum"/>
           </p:nvPr>
         </p:nvSpPr>
         <p:spPr>
@@ -10783,11 +11711,11 @@
           </a:ln>
         </p:spPr>
         <p:txBody>
-          <a:bodyPr spcFirstLastPara="1" wrap="square" lIns="91425" tIns="91425" rIns="91425" bIns="91425" anchor="ctr" anchorCtr="0">
+          <a:bodyPr anchorCtr="0" anchor="ctr" bIns="91425" lIns="91425" spcFirstLastPara="1" rIns="91425" wrap="square" tIns="91425">
             <a:noAutofit/>
           </a:bodyPr>
           <a:lstStyle>
-            <a:lvl1pPr marL="0" marR="0" lvl="0" indent="0" algn="r">
+            <a:lvl1pPr indent="0" lvl="0" marL="0" marR="0" algn="r">
               <a:lnSpc>
                 <a:spcPct val="100000"/>
               </a:lnSpc>
@@ -10803,7 +11731,7 @@
               <a:buSzPts val="1000"/>
               <a:buFont typeface="Arial"/>
               <a:buNone/>
-              <a:defRPr sz="1000" b="0" i="0" u="none" strike="noStrike" cap="none">
+              <a:defRPr b="0" i="0" sz="1000" u="none" cap="none" strike="noStrike">
                 <a:solidFill>
                   <a:schemeClr val="accent1"/>
                 </a:solidFill>
@@ -10813,7 +11741,7 @@
                 <a:sym typeface="Lato"/>
               </a:defRPr>
             </a:lvl1pPr>
-            <a:lvl2pPr marL="0" marR="0" lvl="1" indent="0" algn="r">
+            <a:lvl2pPr indent="0" lvl="1" marL="0" marR="0" algn="r">
               <a:lnSpc>
                 <a:spcPct val="100000"/>
               </a:lnSpc>
@@ -10829,7 +11757,7 @@
               <a:buSzPts val="1000"/>
               <a:buFont typeface="Arial"/>
               <a:buNone/>
-              <a:defRPr sz="1000" b="0" i="0" u="none" strike="noStrike" cap="none">
+              <a:defRPr b="0" i="0" sz="1000" u="none" cap="none" strike="noStrike">
                 <a:solidFill>
                   <a:schemeClr val="accent1"/>
                 </a:solidFill>
@@ -10839,7 +11767,7 @@
                 <a:sym typeface="Lato"/>
               </a:defRPr>
             </a:lvl2pPr>
-            <a:lvl3pPr marL="0" marR="0" lvl="2" indent="0" algn="r">
+            <a:lvl3pPr indent="0" lvl="2" marL="0" marR="0" algn="r">
               <a:lnSpc>
                 <a:spcPct val="100000"/>
               </a:lnSpc>
@@ -10855,7 +11783,7 @@
               <a:buSzPts val="1000"/>
               <a:buFont typeface="Arial"/>
               <a:buNone/>
-              <a:defRPr sz="1000" b="0" i="0" u="none" strike="noStrike" cap="none">
+              <a:defRPr b="0" i="0" sz="1000" u="none" cap="none" strike="noStrike">
                 <a:solidFill>
                   <a:schemeClr val="accent1"/>
                 </a:solidFill>
@@ -10865,7 +11793,7 @@
                 <a:sym typeface="Lato"/>
               </a:defRPr>
             </a:lvl3pPr>
-            <a:lvl4pPr marL="0" marR="0" lvl="3" indent="0" algn="r">
+            <a:lvl4pPr indent="0" lvl="3" marL="0" marR="0" algn="r">
               <a:lnSpc>
                 <a:spcPct val="100000"/>
               </a:lnSpc>
@@ -10881,7 +11809,7 @@
               <a:buSzPts val="1000"/>
               <a:buFont typeface="Arial"/>
               <a:buNone/>
-              <a:defRPr sz="1000" b="0" i="0" u="none" strike="noStrike" cap="none">
+              <a:defRPr b="0" i="0" sz="1000" u="none" cap="none" strike="noStrike">
                 <a:solidFill>
                   <a:schemeClr val="accent1"/>
                 </a:solidFill>
@@ -10891,7 +11819,7 @@
                 <a:sym typeface="Lato"/>
               </a:defRPr>
             </a:lvl4pPr>
-            <a:lvl5pPr marL="0" marR="0" lvl="4" indent="0" algn="r">
+            <a:lvl5pPr indent="0" lvl="4" marL="0" marR="0" algn="r">
               <a:lnSpc>
                 <a:spcPct val="100000"/>
               </a:lnSpc>
@@ -10907,7 +11835,7 @@
               <a:buSzPts val="1000"/>
               <a:buFont typeface="Arial"/>
               <a:buNone/>
-              <a:defRPr sz="1000" b="0" i="0" u="none" strike="noStrike" cap="none">
+              <a:defRPr b="0" i="0" sz="1000" u="none" cap="none" strike="noStrike">
                 <a:solidFill>
                   <a:schemeClr val="accent1"/>
                 </a:solidFill>
@@ -10917,7 +11845,7 @@
                 <a:sym typeface="Lato"/>
               </a:defRPr>
             </a:lvl5pPr>
-            <a:lvl6pPr marL="0" marR="0" lvl="5" indent="0" algn="r">
+            <a:lvl6pPr indent="0" lvl="5" marL="0" marR="0" algn="r">
               <a:lnSpc>
                 <a:spcPct val="100000"/>
               </a:lnSpc>
@@ -10933,7 +11861,7 @@
               <a:buSzPts val="1000"/>
               <a:buFont typeface="Arial"/>
               <a:buNone/>
-              <a:defRPr sz="1000" b="0" i="0" u="none" strike="noStrike" cap="none">
+              <a:defRPr b="0" i="0" sz="1000" u="none" cap="none" strike="noStrike">
                 <a:solidFill>
                   <a:schemeClr val="accent1"/>
                 </a:solidFill>
@@ -10943,7 +11871,7 @@
                 <a:sym typeface="Lato"/>
               </a:defRPr>
             </a:lvl6pPr>
-            <a:lvl7pPr marL="0" marR="0" lvl="6" indent="0" algn="r">
+            <a:lvl7pPr indent="0" lvl="6" marL="0" marR="0" algn="r">
               <a:lnSpc>
                 <a:spcPct val="100000"/>
               </a:lnSpc>
@@ -10959,7 +11887,7 @@
               <a:buSzPts val="1000"/>
               <a:buFont typeface="Arial"/>
               <a:buNone/>
-              <a:defRPr sz="1000" b="0" i="0" u="none" strike="noStrike" cap="none">
+              <a:defRPr b="0" i="0" sz="1000" u="none" cap="none" strike="noStrike">
                 <a:solidFill>
                   <a:schemeClr val="accent1"/>
                 </a:solidFill>
@@ -10969,7 +11897,7 @@
                 <a:sym typeface="Lato"/>
               </a:defRPr>
             </a:lvl7pPr>
-            <a:lvl8pPr marL="0" marR="0" lvl="7" indent="0" algn="r">
+            <a:lvl8pPr indent="0" lvl="7" marL="0" marR="0" algn="r">
               <a:lnSpc>
                 <a:spcPct val="100000"/>
               </a:lnSpc>
@@ -10985,7 +11913,7 @@
               <a:buSzPts val="1000"/>
               <a:buFont typeface="Arial"/>
               <a:buNone/>
-              <a:defRPr sz="1000" b="0" i="0" u="none" strike="noStrike" cap="none">
+              <a:defRPr b="0" i="0" sz="1000" u="none" cap="none" strike="noStrike">
                 <a:solidFill>
                   <a:schemeClr val="accent1"/>
                 </a:solidFill>
@@ -10995,7 +11923,7 @@
                 <a:sym typeface="Lato"/>
               </a:defRPr>
             </a:lvl8pPr>
-            <a:lvl9pPr marL="0" marR="0" lvl="8" indent="0" algn="r">
+            <a:lvl9pPr indent="0" lvl="8" marL="0" marR="0" algn="r">
               <a:lnSpc>
                 <a:spcPct val="100000"/>
               </a:lnSpc>
@@ -11011,7 +11939,7 @@
               <a:buSzPts val="1000"/>
               <a:buFont typeface="Arial"/>
               <a:buNone/>
-              <a:defRPr sz="1000" b="0" i="0" u="none" strike="noStrike" cap="none">
+              <a:defRPr b="0" i="0" sz="1000" u="none" cap="none" strike="noStrike">
                 <a:solidFill>
                   <a:schemeClr val="accent1"/>
                 </a:solidFill>
@@ -11023,7 +11951,7 @@
             </a:lvl9pPr>
           </a:lstStyle>
           <a:p>
-            <a:pPr marL="0" lvl="0" indent="0" algn="r" rtl="0">
+            <a:pPr indent="0" lvl="0" marL="0" rtl="0" algn="r">
               <a:spcBef>
                 <a:spcPts val="0"/>
               </a:spcBef>
@@ -11050,7 +11978,7 @@
           <a:blip r:embed="rId2">
             <a:alphaModFix/>
           </a:blip>
-          <a:srcRect l="16874" t="31678" r="16874" b="31682"/>
+          <a:srcRect b="31682" l="16874" r="16874" t="31678"/>
           <a:stretch/>
         </p:blipFill>
         <p:spPr>
@@ -11076,11 +12004,11 @@
 </file>
 
 <file path=ppt/slideLayouts/slideLayout9.xml><?xml version="1.0" encoding="utf-8"?>
-<p:sldLayout xmlns:a="http://schemas.openxmlformats.org/drawingml/2006/main" xmlns:r="http://schemas.openxmlformats.org/officeDocument/2006/relationships" xmlns:p="http://schemas.openxmlformats.org/presentationml/2006/main" matchingName="Caption">
+<p:sldLayout xmlns:a="http://schemas.openxmlformats.org/drawingml/2006/main" xmlns:r="http://schemas.openxmlformats.org/officeDocument/2006/relationships" xmlns:mc="http://schemas.openxmlformats.org/markup-compatibility/2006" xmlns:mv="urn:schemas-microsoft-com:mac:vml" xmlns:p="http://schemas.openxmlformats.org/presentationml/2006/main" xmlns:c="http://schemas.openxmlformats.org/drawingml/2006/chart" xmlns:dgm="http://schemas.openxmlformats.org/drawingml/2006/diagram" xmlns:o="urn:schemas-microsoft-com:office:office" xmlns:v="urn:schemas-microsoft-com:vml" xmlns:pvml="urn:schemas-microsoft-com:office:powerpoint" xmlns:com="http://schemas.openxmlformats.org/drawingml/2006/compatibility" xmlns:p14="http://schemas.microsoft.com/office/powerpoint/2010/main" xmlns:p15="http://schemas.microsoft.com/office/powerpoint/2012/main" matchingName="Caption">
   <p:cSld name="CAPTION_ONLY">
     <p:spTree>
       <p:nvGrpSpPr>
-        <p:cNvPr id="1" name="Shape 78"/>
+        <p:cNvPr id="78" name="Shape 78"/>
         <p:cNvGrpSpPr/>
         <p:nvPr/>
       </p:nvGrpSpPr>
@@ -11095,11 +12023,9 @@
       <p:sp>
         <p:nvSpPr>
           <p:cNvPr id="79" name="Google Shape;79;p42"/>
-          <p:cNvSpPr txBox="1">
-            <a:spLocks noGrp="1"/>
-          </p:cNvSpPr>
+          <p:cNvSpPr txBox="1"/>
           <p:nvPr>
-            <p:ph type="body" idx="1"/>
+            <p:ph idx="1" type="body"/>
           </p:nvPr>
         </p:nvSpPr>
         <p:spPr>
@@ -11116,11 +12042,11 @@
           </a:ln>
         </p:spPr>
         <p:txBody>
-          <a:bodyPr spcFirstLastPara="1" wrap="square" lIns="91425" tIns="91425" rIns="91425" bIns="91425" anchor="ctr" anchorCtr="0">
+          <a:bodyPr anchorCtr="0" anchor="ctr" bIns="91425" lIns="91425" spcFirstLastPara="1" rIns="91425" wrap="square" tIns="91425">
             <a:noAutofit/>
           </a:bodyPr>
           <a:lstStyle>
-            <a:lvl1pPr marL="457200" lvl="0" indent="-228600" algn="l">
+            <a:lvl1pPr indent="-228600" lvl="0" marL="457200" algn="l">
               <a:lnSpc>
                 <a:spcPct val="100000"/>
               </a:lnSpc>
@@ -11135,19 +12061,15 @@
               <a:defRPr/>
             </a:lvl1pPr>
           </a:lstStyle>
-          <a:p>
-            <a:endParaRPr/>
-          </a:p>
+          <a:p/>
         </p:txBody>
       </p:sp>
       <p:sp>
         <p:nvSpPr>
           <p:cNvPr id="80" name="Google Shape;80;p42"/>
-          <p:cNvSpPr txBox="1">
-            <a:spLocks noGrp="1"/>
-          </p:cNvSpPr>
+          <p:cNvSpPr txBox="1"/>
           <p:nvPr>
-            <p:ph type="sldNum" idx="12"/>
+            <p:ph idx="12" type="sldNum"/>
           </p:nvPr>
         </p:nvSpPr>
         <p:spPr>
@@ -11164,11 +12086,11 @@
           </a:ln>
         </p:spPr>
         <p:txBody>
-          <a:bodyPr spcFirstLastPara="1" wrap="square" lIns="91425" tIns="91425" rIns="91425" bIns="91425" anchor="ctr" anchorCtr="0">
+          <a:bodyPr anchorCtr="0" anchor="ctr" bIns="91425" lIns="91425" spcFirstLastPara="1" rIns="91425" wrap="square" tIns="91425">
             <a:noAutofit/>
           </a:bodyPr>
           <a:lstStyle>
-            <a:lvl1pPr marL="0" marR="0" lvl="0" indent="0" algn="r">
+            <a:lvl1pPr indent="0" lvl="0" marL="0" marR="0" algn="r">
               <a:lnSpc>
                 <a:spcPct val="100000"/>
               </a:lnSpc>
@@ -11184,7 +12106,7 @@
               <a:buSzPts val="1000"/>
               <a:buFont typeface="Arial"/>
               <a:buNone/>
-              <a:defRPr sz="1000" b="0" i="0" u="none" strike="noStrike" cap="none">
+              <a:defRPr b="0" i="0" sz="1000" u="none" cap="none" strike="noStrike">
                 <a:solidFill>
                   <a:schemeClr val="accent1"/>
                 </a:solidFill>
@@ -11194,7 +12116,7 @@
                 <a:sym typeface="Lato"/>
               </a:defRPr>
             </a:lvl1pPr>
-            <a:lvl2pPr marL="0" marR="0" lvl="1" indent="0" algn="r">
+            <a:lvl2pPr indent="0" lvl="1" marL="0" marR="0" algn="r">
               <a:lnSpc>
                 <a:spcPct val="100000"/>
               </a:lnSpc>
@@ -11210,7 +12132,7 @@
               <a:buSzPts val="1000"/>
               <a:buFont typeface="Arial"/>
               <a:buNone/>
-              <a:defRPr sz="1000" b="0" i="0" u="none" strike="noStrike" cap="none">
+              <a:defRPr b="0" i="0" sz="1000" u="none" cap="none" strike="noStrike">
                 <a:solidFill>
                   <a:schemeClr val="accent1"/>
                 </a:solidFill>
@@ -11220,7 +12142,7 @@
                 <a:sym typeface="Lato"/>
               </a:defRPr>
             </a:lvl2pPr>
-            <a:lvl3pPr marL="0" marR="0" lvl="2" indent="0" algn="r">
+            <a:lvl3pPr indent="0" lvl="2" marL="0" marR="0" algn="r">
               <a:lnSpc>
                 <a:spcPct val="100000"/>
               </a:lnSpc>
@@ -11236,7 +12158,7 @@
               <a:buSzPts val="1000"/>
               <a:buFont typeface="Arial"/>
               <a:buNone/>
-              <a:defRPr sz="1000" b="0" i="0" u="none" strike="noStrike" cap="none">
+              <a:defRPr b="0" i="0" sz="1000" u="none" cap="none" strike="noStrike">
                 <a:solidFill>
                   <a:schemeClr val="accent1"/>
                 </a:solidFill>
@@ -11246,7 +12168,7 @@
                 <a:sym typeface="Lato"/>
               </a:defRPr>
             </a:lvl3pPr>
-            <a:lvl4pPr marL="0" marR="0" lvl="3" indent="0" algn="r">
+            <a:lvl4pPr indent="0" lvl="3" marL="0" marR="0" algn="r">
               <a:lnSpc>
                 <a:spcPct val="100000"/>
               </a:lnSpc>
@@ -11262,7 +12184,7 @@
               <a:buSzPts val="1000"/>
               <a:buFont typeface="Arial"/>
               <a:buNone/>
-              <a:defRPr sz="1000" b="0" i="0" u="none" strike="noStrike" cap="none">
+              <a:defRPr b="0" i="0" sz="1000" u="none" cap="none" strike="noStrike">
                 <a:solidFill>
                   <a:schemeClr val="accent1"/>
                 </a:solidFill>
@@ -11272,7 +12194,7 @@
                 <a:sym typeface="Lato"/>
               </a:defRPr>
             </a:lvl4pPr>
-            <a:lvl5pPr marL="0" marR="0" lvl="4" indent="0" algn="r">
+            <a:lvl5pPr indent="0" lvl="4" marL="0" marR="0" algn="r">
               <a:lnSpc>
                 <a:spcPct val="100000"/>
               </a:lnSpc>
@@ -11288,7 +12210,7 @@
               <a:buSzPts val="1000"/>
               <a:buFont typeface="Arial"/>
               <a:buNone/>
-              <a:defRPr sz="1000" b="0" i="0" u="none" strike="noStrike" cap="none">
+              <a:defRPr b="0" i="0" sz="1000" u="none" cap="none" strike="noStrike">
                 <a:solidFill>
                   <a:schemeClr val="accent1"/>
                 </a:solidFill>
@@ -11298,7 +12220,7 @@
                 <a:sym typeface="Lato"/>
               </a:defRPr>
             </a:lvl5pPr>
-            <a:lvl6pPr marL="0" marR="0" lvl="5" indent="0" algn="r">
+            <a:lvl6pPr indent="0" lvl="5" marL="0" marR="0" algn="r">
               <a:lnSpc>
                 <a:spcPct val="100000"/>
               </a:lnSpc>
@@ -11314,7 +12236,7 @@
               <a:buSzPts val="1000"/>
               <a:buFont typeface="Arial"/>
               <a:buNone/>
-              <a:defRPr sz="1000" b="0" i="0" u="none" strike="noStrike" cap="none">
+              <a:defRPr b="0" i="0" sz="1000" u="none" cap="none" strike="noStrike">
                 <a:solidFill>
                   <a:schemeClr val="accent1"/>
                 </a:solidFill>
@@ -11324,7 +12246,7 @@
                 <a:sym typeface="Lato"/>
               </a:defRPr>
             </a:lvl6pPr>
-            <a:lvl7pPr marL="0" marR="0" lvl="6" indent="0" algn="r">
+            <a:lvl7pPr indent="0" lvl="6" marL="0" marR="0" algn="r">
               <a:lnSpc>
                 <a:spcPct val="100000"/>
               </a:lnSpc>
@@ -11340,7 +12262,7 @@
               <a:buSzPts val="1000"/>
               <a:buFont typeface="Arial"/>
               <a:buNone/>
-              <a:defRPr sz="1000" b="0" i="0" u="none" strike="noStrike" cap="none">
+              <a:defRPr b="0" i="0" sz="1000" u="none" cap="none" strike="noStrike">
                 <a:solidFill>
                   <a:schemeClr val="accent1"/>
                 </a:solidFill>
@@ -11350,7 +12272,7 @@
                 <a:sym typeface="Lato"/>
               </a:defRPr>
             </a:lvl7pPr>
-            <a:lvl8pPr marL="0" marR="0" lvl="7" indent="0" algn="r">
+            <a:lvl8pPr indent="0" lvl="7" marL="0" marR="0" algn="r">
               <a:lnSpc>
                 <a:spcPct val="100000"/>
               </a:lnSpc>
@@ -11366,7 +12288,7 @@
               <a:buSzPts val="1000"/>
               <a:buFont typeface="Arial"/>
               <a:buNone/>
-              <a:defRPr sz="1000" b="0" i="0" u="none" strike="noStrike" cap="none">
+              <a:defRPr b="0" i="0" sz="1000" u="none" cap="none" strike="noStrike">
                 <a:solidFill>
                   <a:schemeClr val="accent1"/>
                 </a:solidFill>
@@ -11376,7 +12298,7 @@
                 <a:sym typeface="Lato"/>
               </a:defRPr>
             </a:lvl8pPr>
-            <a:lvl9pPr marL="0" marR="0" lvl="8" indent="0" algn="r">
+            <a:lvl9pPr indent="0" lvl="8" marL="0" marR="0" algn="r">
               <a:lnSpc>
                 <a:spcPct val="100000"/>
               </a:lnSpc>
@@ -11392,7 +12314,7 @@
               <a:buSzPts val="1000"/>
               <a:buFont typeface="Arial"/>
               <a:buNone/>
-              <a:defRPr sz="1000" b="0" i="0" u="none" strike="noStrike" cap="none">
+              <a:defRPr b="0" i="0" sz="1000" u="none" cap="none" strike="noStrike">
                 <a:solidFill>
                   <a:schemeClr val="accent1"/>
                 </a:solidFill>
@@ -11404,7 +12326,7 @@
             </a:lvl9pPr>
           </a:lstStyle>
           <a:p>
-            <a:pPr marL="0" lvl="0" indent="0" algn="r" rtl="0">
+            <a:pPr indent="0" lvl="0" marL="0" rtl="0" algn="r">
               <a:spcBef>
                 <a:spcPts val="0"/>
               </a:spcBef>
@@ -11431,7 +12353,7 @@
           <a:blip r:embed="rId2">
             <a:alphaModFix/>
           </a:blip>
-          <a:srcRect l="16874" t="31678" r="16874" b="31682"/>
+          <a:srcRect b="31682" l="16874" r="16874" t="31678"/>
           <a:stretch/>
         </p:blipFill>
         <p:spPr>
@@ -11457,19 +12379,18 @@
 </file>
 
 <file path=ppt/slideMasters/slideMaster1.xml><?xml version="1.0" encoding="utf-8"?>
-<p:sldMaster xmlns:a="http://schemas.openxmlformats.org/drawingml/2006/main" xmlns:r="http://schemas.openxmlformats.org/officeDocument/2006/relationships" xmlns:p="http://schemas.openxmlformats.org/presentationml/2006/main">
+<p:sldMaster xmlns:a="http://schemas.openxmlformats.org/drawingml/2006/main" xmlns:r="http://schemas.openxmlformats.org/officeDocument/2006/relationships" xmlns:mc="http://schemas.openxmlformats.org/markup-compatibility/2006" xmlns:mv="urn:schemas-microsoft-com:mac:vml" xmlns:p="http://schemas.openxmlformats.org/presentationml/2006/main" xmlns:c="http://schemas.openxmlformats.org/drawingml/2006/chart" xmlns:dgm="http://schemas.openxmlformats.org/drawingml/2006/diagram" xmlns:o="urn:schemas-microsoft-com:office:office" xmlns:v="urn:schemas-microsoft-com:vml" xmlns:pvml="urn:schemas-microsoft-com:office:powerpoint" xmlns:com="http://schemas.openxmlformats.org/drawingml/2006/compatibility" xmlns:p14="http://schemas.microsoft.com/office/powerpoint/2010/main" xmlns:p15="http://schemas.microsoft.com/office/powerpoint/2012/main">
   <p:cSld name="streamline">
     <p:bg>
       <p:bgPr>
         <a:solidFill>
           <a:schemeClr val="lt1"/>
         </a:solidFill>
-        <a:effectLst/>
       </p:bgPr>
     </p:bg>
     <p:spTree>
       <p:nvGrpSpPr>
-        <p:cNvPr id="1" name="Shape 5"/>
+        <p:cNvPr id="5" name="Shape 5"/>
         <p:cNvGrpSpPr/>
         <p:nvPr/>
       </p:nvGrpSpPr>
@@ -11484,9 +12405,7 @@
       <p:sp>
         <p:nvSpPr>
           <p:cNvPr id="6" name="Google Shape;6;p33"/>
-          <p:cNvSpPr txBox="1">
-            <a:spLocks noGrp="1"/>
-          </p:cNvSpPr>
+          <p:cNvSpPr txBox="1"/>
           <p:nvPr>
             <p:ph type="title"/>
           </p:nvPr>
@@ -11505,11 +12424,11 @@
           </a:ln>
         </p:spPr>
         <p:txBody>
-          <a:bodyPr spcFirstLastPara="1" wrap="square" lIns="91425" tIns="91425" rIns="91425" bIns="91425" anchor="t" anchorCtr="0">
+          <a:bodyPr anchorCtr="0" anchor="t" bIns="91425" lIns="91425" spcFirstLastPara="1" rIns="91425" wrap="square" tIns="91425">
             <a:noAutofit/>
           </a:bodyPr>
           <a:lstStyle>
-            <a:lvl1pPr marR="0" lvl="0" algn="l" rtl="0">
+            <a:lvl1pPr lvl="0" marR="0" rtl="0" algn="l">
               <a:lnSpc>
                 <a:spcPct val="100000"/>
               </a:lnSpc>
@@ -11525,7 +12444,7 @@
               <a:buSzPts val="2800"/>
               <a:buFont typeface="Raleway"/>
               <a:buNone/>
-              <a:defRPr sz="2800" b="1" i="0" u="none" strike="noStrike" cap="none">
+              <a:defRPr b="1" i="0" sz="2800" u="none" cap="none" strike="noStrike">
                 <a:solidFill>
                   <a:srgbClr val="000000"/>
                 </a:solidFill>
@@ -11535,7 +12454,7 @@
                 <a:sym typeface="Raleway"/>
               </a:defRPr>
             </a:lvl1pPr>
-            <a:lvl2pPr marR="0" lvl="1" algn="l" rtl="0">
+            <a:lvl2pPr lvl="1" marR="0" rtl="0" algn="l">
               <a:lnSpc>
                 <a:spcPct val="100000"/>
               </a:lnSpc>
@@ -11551,7 +12470,7 @@
               <a:buSzPts val="2800"/>
               <a:buFont typeface="Raleway"/>
               <a:buNone/>
-              <a:defRPr sz="2800" b="1" i="0" u="none" strike="noStrike" cap="none">
+              <a:defRPr b="1" i="0" sz="2800" u="none" cap="none" strike="noStrike">
                 <a:solidFill>
                   <a:srgbClr val="000000"/>
                 </a:solidFill>
@@ -11561,7 +12480,7 @@
                 <a:sym typeface="Raleway"/>
               </a:defRPr>
             </a:lvl2pPr>
-            <a:lvl3pPr marR="0" lvl="2" algn="l" rtl="0">
+            <a:lvl3pPr lvl="2" marR="0" rtl="0" algn="l">
               <a:lnSpc>
                 <a:spcPct val="100000"/>
               </a:lnSpc>
@@ -11577,7 +12496,7 @@
               <a:buSzPts val="2800"/>
               <a:buFont typeface="Raleway"/>
               <a:buNone/>
-              <a:defRPr sz="2800" b="1" i="0" u="none" strike="noStrike" cap="none">
+              <a:defRPr b="1" i="0" sz="2800" u="none" cap="none" strike="noStrike">
                 <a:solidFill>
                   <a:srgbClr val="000000"/>
                 </a:solidFill>
@@ -11587,7 +12506,7 @@
                 <a:sym typeface="Raleway"/>
               </a:defRPr>
             </a:lvl3pPr>
-            <a:lvl4pPr marR="0" lvl="3" algn="l" rtl="0">
+            <a:lvl4pPr lvl="3" marR="0" rtl="0" algn="l">
               <a:lnSpc>
                 <a:spcPct val="100000"/>
               </a:lnSpc>
@@ -11603,7 +12522,7 @@
               <a:buSzPts val="2800"/>
               <a:buFont typeface="Raleway"/>
               <a:buNone/>
-              <a:defRPr sz="2800" b="1" i="0" u="none" strike="noStrike" cap="none">
+              <a:defRPr b="1" i="0" sz="2800" u="none" cap="none" strike="noStrike">
                 <a:solidFill>
                   <a:srgbClr val="000000"/>
                 </a:solidFill>
@@ -11613,7 +12532,7 @@
                 <a:sym typeface="Raleway"/>
               </a:defRPr>
             </a:lvl4pPr>
-            <a:lvl5pPr marR="0" lvl="4" algn="l" rtl="0">
+            <a:lvl5pPr lvl="4" marR="0" rtl="0" algn="l">
               <a:lnSpc>
                 <a:spcPct val="100000"/>
               </a:lnSpc>
@@ -11629,7 +12548,7 @@
               <a:buSzPts val="2800"/>
               <a:buFont typeface="Raleway"/>
               <a:buNone/>
-              <a:defRPr sz="2800" b="1" i="0" u="none" strike="noStrike" cap="none">
+              <a:defRPr b="1" i="0" sz="2800" u="none" cap="none" strike="noStrike">
                 <a:solidFill>
                   <a:srgbClr val="000000"/>
                 </a:solidFill>
@@ -11639,7 +12558,7 @@
                 <a:sym typeface="Raleway"/>
               </a:defRPr>
             </a:lvl5pPr>
-            <a:lvl6pPr marR="0" lvl="5" algn="l" rtl="0">
+            <a:lvl6pPr lvl="5" marR="0" rtl="0" algn="l">
               <a:lnSpc>
                 <a:spcPct val="100000"/>
               </a:lnSpc>
@@ -11655,7 +12574,7 @@
               <a:buSzPts val="2800"/>
               <a:buFont typeface="Raleway"/>
               <a:buNone/>
-              <a:defRPr sz="2800" b="1" i="0" u="none" strike="noStrike" cap="none">
+              <a:defRPr b="1" i="0" sz="2800" u="none" cap="none" strike="noStrike">
                 <a:solidFill>
                   <a:srgbClr val="000000"/>
                 </a:solidFill>
@@ -11665,7 +12584,7 @@
                 <a:sym typeface="Raleway"/>
               </a:defRPr>
             </a:lvl6pPr>
-            <a:lvl7pPr marR="0" lvl="6" algn="l" rtl="0">
+            <a:lvl7pPr lvl="6" marR="0" rtl="0" algn="l">
               <a:lnSpc>
                 <a:spcPct val="100000"/>
               </a:lnSpc>
@@ -11681,7 +12600,7 @@
               <a:buSzPts val="2800"/>
               <a:buFont typeface="Raleway"/>
               <a:buNone/>
-              <a:defRPr sz="2800" b="1" i="0" u="none" strike="noStrike" cap="none">
+              <a:defRPr b="1" i="0" sz="2800" u="none" cap="none" strike="noStrike">
                 <a:solidFill>
                   <a:srgbClr val="000000"/>
                 </a:solidFill>
@@ -11691,7 +12610,7 @@
                 <a:sym typeface="Raleway"/>
               </a:defRPr>
             </a:lvl7pPr>
-            <a:lvl8pPr marR="0" lvl="7" algn="l" rtl="0">
+            <a:lvl8pPr lvl="7" marR="0" rtl="0" algn="l">
               <a:lnSpc>
                 <a:spcPct val="100000"/>
               </a:lnSpc>
@@ -11707,7 +12626,7 @@
               <a:buSzPts val="2800"/>
               <a:buFont typeface="Raleway"/>
               <a:buNone/>
-              <a:defRPr sz="2800" b="1" i="0" u="none" strike="noStrike" cap="none">
+              <a:defRPr b="1" i="0" sz="2800" u="none" cap="none" strike="noStrike">
                 <a:solidFill>
                   <a:srgbClr val="000000"/>
                 </a:solidFill>
@@ -11717,7 +12636,7 @@
                 <a:sym typeface="Raleway"/>
               </a:defRPr>
             </a:lvl8pPr>
-            <a:lvl9pPr marR="0" lvl="8" algn="l" rtl="0">
+            <a:lvl9pPr lvl="8" marR="0" rtl="0" algn="l">
               <a:lnSpc>
                 <a:spcPct val="100000"/>
               </a:lnSpc>
@@ -11733,7 +12652,7 @@
               <a:buSzPts val="2800"/>
               <a:buFont typeface="Raleway"/>
               <a:buNone/>
-              <a:defRPr sz="2800" b="1" i="0" u="none" strike="noStrike" cap="none">
+              <a:defRPr b="1" i="0" sz="2800" u="none" cap="none" strike="noStrike">
                 <a:solidFill>
                   <a:srgbClr val="000000"/>
                 </a:solidFill>
@@ -11744,19 +12663,15 @@
               </a:defRPr>
             </a:lvl9pPr>
           </a:lstStyle>
-          <a:p>
-            <a:endParaRPr/>
-          </a:p>
+          <a:p/>
         </p:txBody>
       </p:sp>
       <p:sp>
         <p:nvSpPr>
           <p:cNvPr id="7" name="Google Shape;7;p33"/>
-          <p:cNvSpPr txBox="1">
-            <a:spLocks noGrp="1"/>
-          </p:cNvSpPr>
+          <p:cNvSpPr txBox="1"/>
           <p:nvPr>
-            <p:ph type="body" idx="1"/>
+            <p:ph idx="1" type="body"/>
           </p:nvPr>
         </p:nvSpPr>
         <p:spPr>
@@ -11773,11 +12688,11 @@
           </a:ln>
         </p:spPr>
         <p:txBody>
-          <a:bodyPr spcFirstLastPara="1" wrap="square" lIns="91425" tIns="91425" rIns="91425" bIns="91425" anchor="t" anchorCtr="0">
+          <a:bodyPr anchorCtr="0" anchor="t" bIns="91425" lIns="91425" spcFirstLastPara="1" rIns="91425" wrap="square" tIns="91425">
             <a:noAutofit/>
           </a:bodyPr>
           <a:lstStyle>
-            <a:lvl1pPr marL="457200" marR="0" lvl="0" indent="-311150" algn="l" rtl="0">
+            <a:lvl1pPr indent="-311150" lvl="0" marL="457200" marR="0" rtl="0" algn="l">
               <a:lnSpc>
                 <a:spcPct val="115000"/>
               </a:lnSpc>
@@ -11793,7 +12708,7 @@
               <a:buSzPts val="1300"/>
               <a:buFont typeface="Lato"/>
               <a:buChar char="●"/>
-              <a:defRPr sz="1300" b="0" i="0" u="none" strike="noStrike" cap="none">
+              <a:defRPr b="0" i="0" sz="1300" u="none" cap="none" strike="noStrike">
                 <a:solidFill>
                   <a:schemeClr val="accent1"/>
                 </a:solidFill>
@@ -11803,7 +12718,7 @@
                 <a:sym typeface="Lato"/>
               </a:defRPr>
             </a:lvl1pPr>
-            <a:lvl2pPr marL="914400" marR="0" lvl="1" indent="-298450" algn="l" rtl="0">
+            <a:lvl2pPr indent="-298450" lvl="1" marL="914400" marR="0" rtl="0" algn="l">
               <a:lnSpc>
                 <a:spcPct val="115000"/>
               </a:lnSpc>
@@ -11819,7 +12734,7 @@
               <a:buSzPts val="1100"/>
               <a:buFont typeface="Lato"/>
               <a:buChar char="○"/>
-              <a:defRPr sz="1100" b="0" i="0" u="none" strike="noStrike" cap="none">
+              <a:defRPr b="0" i="0" sz="1100" u="none" cap="none" strike="noStrike">
                 <a:solidFill>
                   <a:schemeClr val="accent1"/>
                 </a:solidFill>
@@ -11829,7 +12744,7 @@
                 <a:sym typeface="Lato"/>
               </a:defRPr>
             </a:lvl2pPr>
-            <a:lvl3pPr marL="1371600" marR="0" lvl="2" indent="-298450" algn="l" rtl="0">
+            <a:lvl3pPr indent="-298450" lvl="2" marL="1371600" marR="0" rtl="0" algn="l">
               <a:lnSpc>
                 <a:spcPct val="115000"/>
               </a:lnSpc>
@@ -11845,7 +12760,7 @@
               <a:buSzPts val="1100"/>
               <a:buFont typeface="Lato"/>
               <a:buChar char="■"/>
-              <a:defRPr sz="1100" b="0" i="0" u="none" strike="noStrike" cap="none">
+              <a:defRPr b="0" i="0" sz="1100" u="none" cap="none" strike="noStrike">
                 <a:solidFill>
                   <a:schemeClr val="accent1"/>
                 </a:solidFill>
@@ -11855,7 +12770,7 @@
                 <a:sym typeface="Lato"/>
               </a:defRPr>
             </a:lvl3pPr>
-            <a:lvl4pPr marL="1828800" marR="0" lvl="3" indent="-298450" algn="l" rtl="0">
+            <a:lvl4pPr indent="-298450" lvl="3" marL="1828800" marR="0" rtl="0" algn="l">
               <a:lnSpc>
                 <a:spcPct val="115000"/>
               </a:lnSpc>
@@ -11871,7 +12786,7 @@
               <a:buSzPts val="1100"/>
               <a:buFont typeface="Lato"/>
               <a:buChar char="●"/>
-              <a:defRPr sz="1100" b="0" i="0" u="none" strike="noStrike" cap="none">
+              <a:defRPr b="0" i="0" sz="1100" u="none" cap="none" strike="noStrike">
                 <a:solidFill>
                   <a:schemeClr val="accent1"/>
                 </a:solidFill>
@@ -11881,7 +12796,7 @@
                 <a:sym typeface="Lato"/>
               </a:defRPr>
             </a:lvl4pPr>
-            <a:lvl5pPr marL="2286000" marR="0" lvl="4" indent="-298450" algn="l" rtl="0">
+            <a:lvl5pPr indent="-298450" lvl="4" marL="2286000" marR="0" rtl="0" algn="l">
               <a:lnSpc>
                 <a:spcPct val="115000"/>
               </a:lnSpc>
@@ -11897,7 +12812,7 @@
               <a:buSzPts val="1100"/>
               <a:buFont typeface="Lato"/>
               <a:buChar char="○"/>
-              <a:defRPr sz="1100" b="0" i="0" u="none" strike="noStrike" cap="none">
+              <a:defRPr b="0" i="0" sz="1100" u="none" cap="none" strike="noStrike">
                 <a:solidFill>
                   <a:schemeClr val="accent1"/>
                 </a:solidFill>
@@ -11907,7 +12822,7 @@
                 <a:sym typeface="Lato"/>
               </a:defRPr>
             </a:lvl5pPr>
-            <a:lvl6pPr marL="2743200" marR="0" lvl="5" indent="-298450" algn="l" rtl="0">
+            <a:lvl6pPr indent="-298450" lvl="5" marL="2743200" marR="0" rtl="0" algn="l">
               <a:lnSpc>
                 <a:spcPct val="115000"/>
               </a:lnSpc>
@@ -11923,7 +12838,7 @@
               <a:buSzPts val="1100"/>
               <a:buFont typeface="Lato"/>
               <a:buChar char="■"/>
-              <a:defRPr sz="1100" b="0" i="0" u="none" strike="noStrike" cap="none">
+              <a:defRPr b="0" i="0" sz="1100" u="none" cap="none" strike="noStrike">
                 <a:solidFill>
                   <a:schemeClr val="accent1"/>
                 </a:solidFill>
@@ -11933,7 +12848,7 @@
                 <a:sym typeface="Lato"/>
               </a:defRPr>
             </a:lvl6pPr>
-            <a:lvl7pPr marL="3200400" marR="0" lvl="6" indent="-298450" algn="l" rtl="0">
+            <a:lvl7pPr indent="-298450" lvl="6" marL="3200400" marR="0" rtl="0" algn="l">
               <a:lnSpc>
                 <a:spcPct val="115000"/>
               </a:lnSpc>
@@ -11949,7 +12864,7 @@
               <a:buSzPts val="1100"/>
               <a:buFont typeface="Lato"/>
               <a:buChar char="●"/>
-              <a:defRPr sz="1100" b="0" i="0" u="none" strike="noStrike" cap="none">
+              <a:defRPr b="0" i="0" sz="1100" u="none" cap="none" strike="noStrike">
                 <a:solidFill>
                   <a:schemeClr val="accent1"/>
                 </a:solidFill>
@@ -11959,7 +12874,7 @@
                 <a:sym typeface="Lato"/>
               </a:defRPr>
             </a:lvl7pPr>
-            <a:lvl8pPr marL="3657600" marR="0" lvl="7" indent="-298450" algn="l" rtl="0">
+            <a:lvl8pPr indent="-298450" lvl="7" marL="3657600" marR="0" rtl="0" algn="l">
               <a:lnSpc>
                 <a:spcPct val="115000"/>
               </a:lnSpc>
@@ -11975,7 +12890,7 @@
               <a:buSzPts val="1100"/>
               <a:buFont typeface="Lato"/>
               <a:buChar char="○"/>
-              <a:defRPr sz="1100" b="0" i="0" u="none" strike="noStrike" cap="none">
+              <a:defRPr b="0" i="0" sz="1100" u="none" cap="none" strike="noStrike">
                 <a:solidFill>
                   <a:schemeClr val="accent1"/>
                 </a:solidFill>
@@ -11985,7 +12900,7 @@
                 <a:sym typeface="Lato"/>
               </a:defRPr>
             </a:lvl8pPr>
-            <a:lvl9pPr marL="4114800" marR="0" lvl="8" indent="-298450" algn="l" rtl="0">
+            <a:lvl9pPr indent="-298450" lvl="8" marL="4114800" marR="0" rtl="0" algn="l">
               <a:lnSpc>
                 <a:spcPct val="115000"/>
               </a:lnSpc>
@@ -12001,7 +12916,7 @@
               <a:buSzPts val="1100"/>
               <a:buFont typeface="Lato"/>
               <a:buChar char="■"/>
-              <a:defRPr sz="1100" b="0" i="0" u="none" strike="noStrike" cap="none">
+              <a:defRPr b="0" i="0" sz="1100" u="none" cap="none" strike="noStrike">
                 <a:solidFill>
                   <a:schemeClr val="accent1"/>
                 </a:solidFill>
@@ -12012,19 +12927,15 @@
               </a:defRPr>
             </a:lvl9pPr>
           </a:lstStyle>
-          <a:p>
-            <a:endParaRPr/>
-          </a:p>
+          <a:p/>
         </p:txBody>
       </p:sp>
       <p:sp>
         <p:nvSpPr>
           <p:cNvPr id="8" name="Google Shape;8;p33"/>
-          <p:cNvSpPr txBox="1">
-            <a:spLocks noGrp="1"/>
-          </p:cNvSpPr>
+          <p:cNvSpPr txBox="1"/>
           <p:nvPr>
-            <p:ph type="sldNum" idx="12"/>
+            <p:ph idx="12" type="sldNum"/>
           </p:nvPr>
         </p:nvSpPr>
         <p:spPr>
@@ -12041,11 +12952,11 @@
           </a:ln>
         </p:spPr>
         <p:txBody>
-          <a:bodyPr spcFirstLastPara="1" wrap="square" lIns="91425" tIns="91425" rIns="91425" bIns="91425" anchor="ctr" anchorCtr="0">
+          <a:bodyPr anchorCtr="0" anchor="ctr" bIns="91425" lIns="91425" spcFirstLastPara="1" rIns="91425" wrap="square" tIns="91425">
             <a:noAutofit/>
           </a:bodyPr>
           <a:lstStyle>
-            <a:lvl1pPr marL="0" marR="0" lvl="0" indent="0" algn="r" rtl="0">
+            <a:lvl1pPr indent="0" lvl="0" marL="0" marR="0" rtl="0" algn="r">
               <a:lnSpc>
                 <a:spcPct val="100000"/>
               </a:lnSpc>
@@ -12061,7 +12972,7 @@
               <a:buSzPts val="1000"/>
               <a:buFont typeface="Arial"/>
               <a:buNone/>
-              <a:defRPr sz="1000" b="0" i="0" u="none" strike="noStrike" cap="none">
+              <a:defRPr b="0" i="0" sz="1000" u="none" cap="none" strike="noStrike">
                 <a:solidFill>
                   <a:schemeClr val="accent1"/>
                 </a:solidFill>
@@ -12071,7 +12982,7 @@
                 <a:sym typeface="Lato"/>
               </a:defRPr>
             </a:lvl1pPr>
-            <a:lvl2pPr marL="0" marR="0" lvl="1" indent="0" algn="r" rtl="0">
+            <a:lvl2pPr indent="0" lvl="1" marL="0" marR="0" rtl="0" algn="r">
               <a:lnSpc>
                 <a:spcPct val="100000"/>
               </a:lnSpc>
@@ -12087,7 +12998,7 @@
               <a:buSzPts val="1000"/>
               <a:buFont typeface="Arial"/>
               <a:buNone/>
-              <a:defRPr sz="1000" b="0" i="0" u="none" strike="noStrike" cap="none">
+              <a:defRPr b="0" i="0" sz="1000" u="none" cap="none" strike="noStrike">
                 <a:solidFill>
                   <a:schemeClr val="accent1"/>
                 </a:solidFill>
@@ -12097,7 +13008,7 @@
                 <a:sym typeface="Lato"/>
               </a:defRPr>
             </a:lvl2pPr>
-            <a:lvl3pPr marL="0" marR="0" lvl="2" indent="0" algn="r" rtl="0">
+            <a:lvl3pPr indent="0" lvl="2" marL="0" marR="0" rtl="0" algn="r">
               <a:lnSpc>
                 <a:spcPct val="100000"/>
               </a:lnSpc>
@@ -12113,7 +13024,7 @@
               <a:buSzPts val="1000"/>
               <a:buFont typeface="Arial"/>
               <a:buNone/>
-              <a:defRPr sz="1000" b="0" i="0" u="none" strike="noStrike" cap="none">
+              <a:defRPr b="0" i="0" sz="1000" u="none" cap="none" strike="noStrike">
                 <a:solidFill>
                   <a:schemeClr val="accent1"/>
                 </a:solidFill>
@@ -12123,7 +13034,7 @@
                 <a:sym typeface="Lato"/>
               </a:defRPr>
             </a:lvl3pPr>
-            <a:lvl4pPr marL="0" marR="0" lvl="3" indent="0" algn="r" rtl="0">
+            <a:lvl4pPr indent="0" lvl="3" marL="0" marR="0" rtl="0" algn="r">
               <a:lnSpc>
                 <a:spcPct val="100000"/>
               </a:lnSpc>
@@ -12139,7 +13050,7 @@
               <a:buSzPts val="1000"/>
               <a:buFont typeface="Arial"/>
               <a:buNone/>
-              <a:defRPr sz="1000" b="0" i="0" u="none" strike="noStrike" cap="none">
+              <a:defRPr b="0" i="0" sz="1000" u="none" cap="none" strike="noStrike">
                 <a:solidFill>
                   <a:schemeClr val="accent1"/>
                 </a:solidFill>
@@ -12149,7 +13060,7 @@
                 <a:sym typeface="Lato"/>
               </a:defRPr>
             </a:lvl4pPr>
-            <a:lvl5pPr marL="0" marR="0" lvl="4" indent="0" algn="r" rtl="0">
+            <a:lvl5pPr indent="0" lvl="4" marL="0" marR="0" rtl="0" algn="r">
               <a:lnSpc>
                 <a:spcPct val="100000"/>
               </a:lnSpc>
@@ -12165,7 +13076,7 @@
               <a:buSzPts val="1000"/>
               <a:buFont typeface="Arial"/>
               <a:buNone/>
-              <a:defRPr sz="1000" b="0" i="0" u="none" strike="noStrike" cap="none">
+              <a:defRPr b="0" i="0" sz="1000" u="none" cap="none" strike="noStrike">
                 <a:solidFill>
                   <a:schemeClr val="accent1"/>
                 </a:solidFill>
@@ -12175,7 +13086,7 @@
                 <a:sym typeface="Lato"/>
               </a:defRPr>
             </a:lvl5pPr>
-            <a:lvl6pPr marL="0" marR="0" lvl="5" indent="0" algn="r" rtl="0">
+            <a:lvl6pPr indent="0" lvl="5" marL="0" marR="0" rtl="0" algn="r">
               <a:lnSpc>
                 <a:spcPct val="100000"/>
               </a:lnSpc>
@@ -12191,7 +13102,7 @@
               <a:buSzPts val="1000"/>
               <a:buFont typeface="Arial"/>
               <a:buNone/>
-              <a:defRPr sz="1000" b="0" i="0" u="none" strike="noStrike" cap="none">
+              <a:defRPr b="0" i="0" sz="1000" u="none" cap="none" strike="noStrike">
                 <a:solidFill>
                   <a:schemeClr val="accent1"/>
                 </a:solidFill>
@@ -12201,7 +13112,7 @@
                 <a:sym typeface="Lato"/>
               </a:defRPr>
             </a:lvl6pPr>
-            <a:lvl7pPr marL="0" marR="0" lvl="6" indent="0" algn="r" rtl="0">
+            <a:lvl7pPr indent="0" lvl="6" marL="0" marR="0" rtl="0" algn="r">
               <a:lnSpc>
                 <a:spcPct val="100000"/>
               </a:lnSpc>
@@ -12217,7 +13128,7 @@
               <a:buSzPts val="1000"/>
               <a:buFont typeface="Arial"/>
               <a:buNone/>
-              <a:defRPr sz="1000" b="0" i="0" u="none" strike="noStrike" cap="none">
+              <a:defRPr b="0" i="0" sz="1000" u="none" cap="none" strike="noStrike">
                 <a:solidFill>
                   <a:schemeClr val="accent1"/>
                 </a:solidFill>
@@ -12227,7 +13138,7 @@
                 <a:sym typeface="Lato"/>
               </a:defRPr>
             </a:lvl7pPr>
-            <a:lvl8pPr marL="0" marR="0" lvl="7" indent="0" algn="r" rtl="0">
+            <a:lvl8pPr indent="0" lvl="7" marL="0" marR="0" rtl="0" algn="r">
               <a:lnSpc>
                 <a:spcPct val="100000"/>
               </a:lnSpc>
@@ -12243,7 +13154,7 @@
               <a:buSzPts val="1000"/>
               <a:buFont typeface="Arial"/>
               <a:buNone/>
-              <a:defRPr sz="1000" b="0" i="0" u="none" strike="noStrike" cap="none">
+              <a:defRPr b="0" i="0" sz="1000" u="none" cap="none" strike="noStrike">
                 <a:solidFill>
                   <a:schemeClr val="accent1"/>
                 </a:solidFill>
@@ -12253,7 +13164,7 @@
                 <a:sym typeface="Lato"/>
               </a:defRPr>
             </a:lvl8pPr>
-            <a:lvl9pPr marL="0" marR="0" lvl="8" indent="0" algn="r" rtl="0">
+            <a:lvl9pPr indent="0" lvl="8" marL="0" marR="0" rtl="0" algn="r">
               <a:lnSpc>
                 <a:spcPct val="100000"/>
               </a:lnSpc>
@@ -12269,7 +13180,7 @@
               <a:buSzPts val="1000"/>
               <a:buFont typeface="Arial"/>
               <a:buNone/>
-              <a:defRPr sz="1000" b="0" i="0" u="none" strike="noStrike" cap="none">
+              <a:defRPr b="0" i="0" sz="1000" u="none" cap="none" strike="noStrike">
                 <a:solidFill>
                   <a:schemeClr val="accent1"/>
                 </a:solidFill>
@@ -12281,7 +13192,7 @@
             </a:lvl9pPr>
           </a:lstStyle>
           <a:p>
-            <a:pPr marL="0" lvl="0" indent="0" algn="r" rtl="0">
+            <a:pPr indent="0" lvl="0" marL="0" rtl="0" algn="r">
               <a:spcBef>
                 <a:spcPts val="0"/>
               </a:spcBef>
@@ -12300,7 +13211,7 @@
       </p:sp>
     </p:spTree>
   </p:cSld>
-  <p:clrMap bg1="lt1" tx1="dk1" bg2="dk2" tx2="lt2" accent1="accent1" accent2="accent2" accent3="accent3" accent4="accent4" accent5="accent5" accent6="accent6" hlink="hlink" folHlink="folHlink"/>
+  <p:clrMap accent1="accent1" accent2="accent2" accent3="accent3" accent4="accent4" accent5="accent5" accent6="accent6" bg1="lt1" bg2="dk2" tx1="dk1" tx2="lt2" folHlink="folHlink" hlink="hlink"/>
   <p:sldLayoutIdLst>
     <p:sldLayoutId id="2147483649" r:id="rId1"/>
     <p:sldLayoutId id="2147483650" r:id="rId2"/>
@@ -12315,10 +13226,10 @@
     <p:sldLayoutId id="2147483659" r:id="rId11"/>
     <p:sldLayoutId id="2147483660" r:id="rId12"/>
   </p:sldLayoutIdLst>
-  <p:hf sldNum="0" hdr="0" ftr="0" dt="0"/>
+  <p:hf dt="0" ftr="0" hdr="0" sldNum="0"/>
   <p:txStyles>
     <p:titleStyle>
-      <a:defPPr marR="0" lvl="0" algn="l" rtl="0">
+      <a:defPPr lvl="0" marR="0" rtl="0" algn="l">
         <a:lnSpc>
           <a:spcPct val="100000"/>
         </a:lnSpc>
@@ -12329,7 +13240,7 @@
           <a:spcPts val="0"/>
         </a:spcAft>
       </a:defPPr>
-      <a:lvl1pPr marR="0" lvl="0" algn="l" rtl="0">
+      <a:lvl1pPr lvl="0" marR="0" rtl="0" algn="l">
         <a:lnSpc>
           <a:spcPct val="100000"/>
         </a:lnSpc>
@@ -12343,7 +13254,7 @@
           <a:srgbClr val="000000"/>
         </a:buClr>
         <a:buFont typeface="Arial"/>
-        <a:defRPr sz="1400" b="0" i="0" u="none" strike="noStrike" cap="none">
+        <a:defRPr b="0" i="0" sz="1400" u="none" cap="none" strike="noStrike">
           <a:solidFill>
             <a:srgbClr val="000000"/>
           </a:solidFill>
@@ -12353,7 +13264,7 @@
           <a:sym typeface="Arial"/>
         </a:defRPr>
       </a:lvl1pPr>
-      <a:lvl2pPr marR="0" lvl="1" algn="l" rtl="0">
+      <a:lvl2pPr lvl="1" marR="0" rtl="0" algn="l">
         <a:lnSpc>
           <a:spcPct val="100000"/>
         </a:lnSpc>
@@ -12367,7 +13278,7 @@
           <a:srgbClr val="000000"/>
         </a:buClr>
         <a:buFont typeface="Arial"/>
-        <a:defRPr sz="1400" b="0" i="0" u="none" strike="noStrike" cap="none">
+        <a:defRPr b="0" i="0" sz="1400" u="none" cap="none" strike="noStrike">
           <a:solidFill>
             <a:srgbClr val="000000"/>
           </a:solidFill>
@@ -12377,7 +13288,7 @@
           <a:sym typeface="Arial"/>
         </a:defRPr>
       </a:lvl2pPr>
-      <a:lvl3pPr marR="0" lvl="2" algn="l" rtl="0">
+      <a:lvl3pPr lvl="2" marR="0" rtl="0" algn="l">
         <a:lnSpc>
           <a:spcPct val="100000"/>
         </a:lnSpc>
@@ -12391,7 +13302,7 @@
           <a:srgbClr val="000000"/>
         </a:buClr>
         <a:buFont typeface="Arial"/>
-        <a:defRPr sz="1400" b="0" i="0" u="none" strike="noStrike" cap="none">
+        <a:defRPr b="0" i="0" sz="1400" u="none" cap="none" strike="noStrike">
           <a:solidFill>
             <a:srgbClr val="000000"/>
           </a:solidFill>
@@ -12401,7 +13312,7 @@
           <a:sym typeface="Arial"/>
         </a:defRPr>
       </a:lvl3pPr>
-      <a:lvl4pPr marR="0" lvl="3" algn="l" rtl="0">
+      <a:lvl4pPr lvl="3" marR="0" rtl="0" algn="l">
         <a:lnSpc>
           <a:spcPct val="100000"/>
         </a:lnSpc>
@@ -12415,7 +13326,7 @@
           <a:srgbClr val="000000"/>
         </a:buClr>
         <a:buFont typeface="Arial"/>
-        <a:defRPr sz="1400" b="0" i="0" u="none" strike="noStrike" cap="none">
+        <a:defRPr b="0" i="0" sz="1400" u="none" cap="none" strike="noStrike">
           <a:solidFill>
             <a:srgbClr val="000000"/>
           </a:solidFill>
@@ -12425,7 +13336,7 @@
           <a:sym typeface="Arial"/>
         </a:defRPr>
       </a:lvl4pPr>
-      <a:lvl5pPr marR="0" lvl="4" algn="l" rtl="0">
+      <a:lvl5pPr lvl="4" marR="0" rtl="0" algn="l">
         <a:lnSpc>
           <a:spcPct val="100000"/>
         </a:lnSpc>
@@ -12439,7 +13350,7 @@
           <a:srgbClr val="000000"/>
         </a:buClr>
         <a:buFont typeface="Arial"/>
-        <a:defRPr sz="1400" b="0" i="0" u="none" strike="noStrike" cap="none">
+        <a:defRPr b="0" i="0" sz="1400" u="none" cap="none" strike="noStrike">
           <a:solidFill>
             <a:srgbClr val="000000"/>
           </a:solidFill>
@@ -12449,7 +13360,7 @@
           <a:sym typeface="Arial"/>
         </a:defRPr>
       </a:lvl5pPr>
-      <a:lvl6pPr marR="0" lvl="5" algn="l" rtl="0">
+      <a:lvl6pPr lvl="5" marR="0" rtl="0" algn="l">
         <a:lnSpc>
           <a:spcPct val="100000"/>
         </a:lnSpc>
@@ -12463,7 +13374,7 @@
           <a:srgbClr val="000000"/>
         </a:buClr>
         <a:buFont typeface="Arial"/>
-        <a:defRPr sz="1400" b="0" i="0" u="none" strike="noStrike" cap="none">
+        <a:defRPr b="0" i="0" sz="1400" u="none" cap="none" strike="noStrike">
           <a:solidFill>
             <a:srgbClr val="000000"/>
           </a:solidFill>
@@ -12473,7 +13384,7 @@
           <a:sym typeface="Arial"/>
         </a:defRPr>
       </a:lvl6pPr>
-      <a:lvl7pPr marR="0" lvl="6" algn="l" rtl="0">
+      <a:lvl7pPr lvl="6" marR="0" rtl="0" algn="l">
         <a:lnSpc>
           <a:spcPct val="100000"/>
         </a:lnSpc>
@@ -12487,7 +13398,7 @@
           <a:srgbClr val="000000"/>
         </a:buClr>
         <a:buFont typeface="Arial"/>
-        <a:defRPr sz="1400" b="0" i="0" u="none" strike="noStrike" cap="none">
+        <a:defRPr b="0" i="0" sz="1400" u="none" cap="none" strike="noStrike">
           <a:solidFill>
             <a:srgbClr val="000000"/>
           </a:solidFill>
@@ -12497,7 +13408,7 @@
           <a:sym typeface="Arial"/>
         </a:defRPr>
       </a:lvl7pPr>
-      <a:lvl8pPr marR="0" lvl="7" algn="l" rtl="0">
+      <a:lvl8pPr lvl="7" marR="0" rtl="0" algn="l">
         <a:lnSpc>
           <a:spcPct val="100000"/>
         </a:lnSpc>
@@ -12511,7 +13422,7 @@
           <a:srgbClr val="000000"/>
         </a:buClr>
         <a:buFont typeface="Arial"/>
-        <a:defRPr sz="1400" b="0" i="0" u="none" strike="noStrike" cap="none">
+        <a:defRPr b="0" i="0" sz="1400" u="none" cap="none" strike="noStrike">
           <a:solidFill>
             <a:srgbClr val="000000"/>
           </a:solidFill>
@@ -12521,7 +13432,7 @@
           <a:sym typeface="Arial"/>
         </a:defRPr>
       </a:lvl8pPr>
-      <a:lvl9pPr marR="0" lvl="8" algn="l" rtl="0">
+      <a:lvl9pPr lvl="8" marR="0" rtl="0" algn="l">
         <a:lnSpc>
           <a:spcPct val="100000"/>
         </a:lnSpc>
@@ -12535,7 +13446,7 @@
           <a:srgbClr val="000000"/>
         </a:buClr>
         <a:buFont typeface="Arial"/>
-        <a:defRPr sz="1400" b="0" i="0" u="none" strike="noStrike" cap="none">
+        <a:defRPr b="0" i="0" sz="1400" u="none" cap="none" strike="noStrike">
           <a:solidFill>
             <a:srgbClr val="000000"/>
           </a:solidFill>
@@ -12547,7 +13458,7 @@
       </a:lvl9pPr>
     </p:titleStyle>
     <p:bodyStyle>
-      <a:defPPr marR="0" lvl="0" algn="l" rtl="0">
+      <a:defPPr lvl="0" marR="0" rtl="0" algn="l">
         <a:lnSpc>
           <a:spcPct val="100000"/>
         </a:lnSpc>
@@ -12558,7 +13469,7 @@
           <a:spcPts val="0"/>
         </a:spcAft>
       </a:defPPr>
-      <a:lvl1pPr marR="0" lvl="0" algn="l" rtl="0">
+      <a:lvl1pPr lvl="0" marR="0" rtl="0" algn="l">
         <a:lnSpc>
           <a:spcPct val="100000"/>
         </a:lnSpc>
@@ -12572,7 +13483,7 @@
           <a:srgbClr val="000000"/>
         </a:buClr>
         <a:buFont typeface="Arial"/>
-        <a:defRPr sz="1400" b="0" i="0" u="none" strike="noStrike" cap="none">
+        <a:defRPr b="0" i="0" sz="1400" u="none" cap="none" strike="noStrike">
           <a:solidFill>
             <a:srgbClr val="000000"/>
           </a:solidFill>
@@ -12582,7 +13493,7 @@
           <a:sym typeface="Arial"/>
         </a:defRPr>
       </a:lvl1pPr>
-      <a:lvl2pPr marR="0" lvl="1" algn="l" rtl="0">
+      <a:lvl2pPr lvl="1" marR="0" rtl="0" algn="l">
         <a:lnSpc>
           <a:spcPct val="100000"/>
         </a:lnSpc>
@@ -12596,7 +13507,7 @@
           <a:srgbClr val="000000"/>
         </a:buClr>
         <a:buFont typeface="Arial"/>
-        <a:defRPr sz="1400" b="0" i="0" u="none" strike="noStrike" cap="none">
+        <a:defRPr b="0" i="0" sz="1400" u="none" cap="none" strike="noStrike">
           <a:solidFill>
             <a:srgbClr val="000000"/>
           </a:solidFill>
@@ -12606,7 +13517,7 @@
           <a:sym typeface="Arial"/>
         </a:defRPr>
       </a:lvl2pPr>
-      <a:lvl3pPr marR="0" lvl="2" algn="l" rtl="0">
+      <a:lvl3pPr lvl="2" marR="0" rtl="0" algn="l">
         <a:lnSpc>
           <a:spcPct val="100000"/>
         </a:lnSpc>
@@ -12620,7 +13531,7 @@
           <a:srgbClr val="000000"/>
         </a:buClr>
         <a:buFont typeface="Arial"/>
-        <a:defRPr sz="1400" b="0" i="0" u="none" strike="noStrike" cap="none">
+        <a:defRPr b="0" i="0" sz="1400" u="none" cap="none" strike="noStrike">
           <a:solidFill>
             <a:srgbClr val="000000"/>
           </a:solidFill>
@@ -12630,7 +13541,7 @@
           <a:sym typeface="Arial"/>
         </a:defRPr>
       </a:lvl3pPr>
-      <a:lvl4pPr marR="0" lvl="3" algn="l" rtl="0">
+      <a:lvl4pPr lvl="3" marR="0" rtl="0" algn="l">
         <a:lnSpc>
           <a:spcPct val="100000"/>
         </a:lnSpc>
@@ -12644,7 +13555,7 @@
           <a:srgbClr val="000000"/>
         </a:buClr>
         <a:buFont typeface="Arial"/>
-        <a:defRPr sz="1400" b="0" i="0" u="none" strike="noStrike" cap="none">
+        <a:defRPr b="0" i="0" sz="1400" u="none" cap="none" strike="noStrike">
           <a:solidFill>
             <a:srgbClr val="000000"/>
           </a:solidFill>
@@ -12654,7 +13565,7 @@
           <a:sym typeface="Arial"/>
         </a:defRPr>
       </a:lvl4pPr>
-      <a:lvl5pPr marR="0" lvl="4" algn="l" rtl="0">
+      <a:lvl5pPr lvl="4" marR="0" rtl="0" algn="l">
         <a:lnSpc>
           <a:spcPct val="100000"/>
         </a:lnSpc>
@@ -12668,7 +13579,7 @@
           <a:srgbClr val="000000"/>
         </a:buClr>
         <a:buFont typeface="Arial"/>
-        <a:defRPr sz="1400" b="0" i="0" u="none" strike="noStrike" cap="none">
+        <a:defRPr b="0" i="0" sz="1400" u="none" cap="none" strike="noStrike">
           <a:solidFill>
             <a:srgbClr val="000000"/>
           </a:solidFill>
@@ -12678,7 +13589,7 @@
           <a:sym typeface="Arial"/>
         </a:defRPr>
       </a:lvl5pPr>
-      <a:lvl6pPr marR="0" lvl="5" algn="l" rtl="0">
+      <a:lvl6pPr lvl="5" marR="0" rtl="0" algn="l">
         <a:lnSpc>
           <a:spcPct val="100000"/>
         </a:lnSpc>
@@ -12692,7 +13603,7 @@
           <a:srgbClr val="000000"/>
         </a:buClr>
         <a:buFont typeface="Arial"/>
-        <a:defRPr sz="1400" b="0" i="0" u="none" strike="noStrike" cap="none">
+        <a:defRPr b="0" i="0" sz="1400" u="none" cap="none" strike="noStrike">
           <a:solidFill>
             <a:srgbClr val="000000"/>
           </a:solidFill>
@@ -12702,7 +13613,7 @@
           <a:sym typeface="Arial"/>
         </a:defRPr>
       </a:lvl6pPr>
-      <a:lvl7pPr marR="0" lvl="6" algn="l" rtl="0">
+      <a:lvl7pPr lvl="6" marR="0" rtl="0" algn="l">
         <a:lnSpc>
           <a:spcPct val="100000"/>
         </a:lnSpc>
@@ -12716,7 +13627,7 @@
           <a:srgbClr val="000000"/>
         </a:buClr>
         <a:buFont typeface="Arial"/>
-        <a:defRPr sz="1400" b="0" i="0" u="none" strike="noStrike" cap="none">
+        <a:defRPr b="0" i="0" sz="1400" u="none" cap="none" strike="noStrike">
           <a:solidFill>
             <a:srgbClr val="000000"/>
           </a:solidFill>
@@ -12726,7 +13637,7 @@
           <a:sym typeface="Arial"/>
         </a:defRPr>
       </a:lvl7pPr>
-      <a:lvl8pPr marR="0" lvl="7" algn="l" rtl="0">
+      <a:lvl8pPr lvl="7" marR="0" rtl="0" algn="l">
         <a:lnSpc>
           <a:spcPct val="100000"/>
         </a:lnSpc>
@@ -12740,7 +13651,7 @@
           <a:srgbClr val="000000"/>
         </a:buClr>
         <a:buFont typeface="Arial"/>
-        <a:defRPr sz="1400" b="0" i="0" u="none" strike="noStrike" cap="none">
+        <a:defRPr b="0" i="0" sz="1400" u="none" cap="none" strike="noStrike">
           <a:solidFill>
             <a:srgbClr val="000000"/>
           </a:solidFill>
@@ -12750,7 +13661,7 @@
           <a:sym typeface="Arial"/>
         </a:defRPr>
       </a:lvl8pPr>
-      <a:lvl9pPr marR="0" lvl="8" algn="l" rtl="0">
+      <a:lvl9pPr lvl="8" marR="0" rtl="0" algn="l">
         <a:lnSpc>
           <a:spcPct val="100000"/>
         </a:lnSpc>
@@ -12764,7 +13675,7 @@
           <a:srgbClr val="000000"/>
         </a:buClr>
         <a:buFont typeface="Arial"/>
-        <a:defRPr sz="1400" b="0" i="0" u="none" strike="noStrike" cap="none">
+        <a:defRPr b="0" i="0" sz="1400" u="none" cap="none" strike="noStrike">
           <a:solidFill>
             <a:srgbClr val="000000"/>
           </a:solidFill>
@@ -12776,7 +13687,7 @@
       </a:lvl9pPr>
     </p:bodyStyle>
     <p:otherStyle>
-      <a:defPPr marR="0" lvl="0" algn="l" rtl="0">
+      <a:defPPr lvl="0" marR="0" rtl="0" algn="l">
         <a:lnSpc>
           <a:spcPct val="100000"/>
         </a:lnSpc>
@@ -12787,7 +13698,7 @@
           <a:spcPts val="0"/>
         </a:spcAft>
       </a:defPPr>
-      <a:lvl1pPr marR="0" lvl="0" algn="l" rtl="0">
+      <a:lvl1pPr lvl="0" marR="0" rtl="0" algn="l">
         <a:lnSpc>
           <a:spcPct val="100000"/>
         </a:lnSpc>
@@ -12801,7 +13712,7 @@
           <a:srgbClr val="000000"/>
         </a:buClr>
         <a:buFont typeface="Arial"/>
-        <a:defRPr sz="1400" b="0" i="0" u="none" strike="noStrike" cap="none">
+        <a:defRPr b="0" i="0" sz="1400" u="none" cap="none" strike="noStrike">
           <a:solidFill>
             <a:srgbClr val="000000"/>
           </a:solidFill>
@@ -12811,7 +13722,7 @@
           <a:sym typeface="Arial"/>
         </a:defRPr>
       </a:lvl1pPr>
-      <a:lvl2pPr marR="0" lvl="1" algn="l" rtl="0">
+      <a:lvl2pPr lvl="1" marR="0" rtl="0" algn="l">
         <a:lnSpc>
           <a:spcPct val="100000"/>
         </a:lnSpc>
@@ -12825,7 +13736,7 @@
           <a:srgbClr val="000000"/>
         </a:buClr>
         <a:buFont typeface="Arial"/>
-        <a:defRPr sz="1400" b="0" i="0" u="none" strike="noStrike" cap="none">
+        <a:defRPr b="0" i="0" sz="1400" u="none" cap="none" strike="noStrike">
           <a:solidFill>
             <a:srgbClr val="000000"/>
           </a:solidFill>
@@ -12835,7 +13746,7 @@
           <a:sym typeface="Arial"/>
         </a:defRPr>
       </a:lvl2pPr>
-      <a:lvl3pPr marR="0" lvl="2" algn="l" rtl="0">
+      <a:lvl3pPr lvl="2" marR="0" rtl="0" algn="l">
         <a:lnSpc>
           <a:spcPct val="100000"/>
         </a:lnSpc>
@@ -12849,7 +13760,7 @@
           <a:srgbClr val="000000"/>
         </a:buClr>
         <a:buFont typeface="Arial"/>
-        <a:defRPr sz="1400" b="0" i="0" u="none" strike="noStrike" cap="none">
+        <a:defRPr b="0" i="0" sz="1400" u="none" cap="none" strike="noStrike">
           <a:solidFill>
             <a:srgbClr val="000000"/>
           </a:solidFill>
@@ -12859,7 +13770,7 @@
           <a:sym typeface="Arial"/>
         </a:defRPr>
       </a:lvl3pPr>
-      <a:lvl4pPr marR="0" lvl="3" algn="l" rtl="0">
+      <a:lvl4pPr lvl="3" marR="0" rtl="0" algn="l">
         <a:lnSpc>
           <a:spcPct val="100000"/>
         </a:lnSpc>
@@ -12873,7 +13784,7 @@
           <a:srgbClr val="000000"/>
         </a:buClr>
         <a:buFont typeface="Arial"/>
-        <a:defRPr sz="1400" b="0" i="0" u="none" strike="noStrike" cap="none">
+        <a:defRPr b="0" i="0" sz="1400" u="none" cap="none" strike="noStrike">
           <a:solidFill>
             <a:srgbClr val="000000"/>
           </a:solidFill>
@@ -12883,7 +13794,7 @@
           <a:sym typeface="Arial"/>
         </a:defRPr>
       </a:lvl4pPr>
-      <a:lvl5pPr marR="0" lvl="4" algn="l" rtl="0">
+      <a:lvl5pPr lvl="4" marR="0" rtl="0" algn="l">
         <a:lnSpc>
           <a:spcPct val="100000"/>
         </a:lnSpc>
@@ -12897,7 +13808,7 @@
           <a:srgbClr val="000000"/>
         </a:buClr>
         <a:buFont typeface="Arial"/>
-        <a:defRPr sz="1400" b="0" i="0" u="none" strike="noStrike" cap="none">
+        <a:defRPr b="0" i="0" sz="1400" u="none" cap="none" strike="noStrike">
           <a:solidFill>
             <a:srgbClr val="000000"/>
           </a:solidFill>
@@ -12907,7 +13818,7 @@
           <a:sym typeface="Arial"/>
         </a:defRPr>
       </a:lvl5pPr>
-      <a:lvl6pPr marR="0" lvl="5" algn="l" rtl="0">
+      <a:lvl6pPr lvl="5" marR="0" rtl="0" algn="l">
         <a:lnSpc>
           <a:spcPct val="100000"/>
         </a:lnSpc>
@@ -12921,7 +13832,7 @@
           <a:srgbClr val="000000"/>
         </a:buClr>
         <a:buFont typeface="Arial"/>
-        <a:defRPr sz="1400" b="0" i="0" u="none" strike="noStrike" cap="none">
+        <a:defRPr b="0" i="0" sz="1400" u="none" cap="none" strike="noStrike">
           <a:solidFill>
             <a:srgbClr val="000000"/>
           </a:solidFill>
@@ -12931,7 +13842,7 @@
           <a:sym typeface="Arial"/>
         </a:defRPr>
       </a:lvl6pPr>
-      <a:lvl7pPr marR="0" lvl="6" algn="l" rtl="0">
+      <a:lvl7pPr lvl="6" marR="0" rtl="0" algn="l">
         <a:lnSpc>
           <a:spcPct val="100000"/>
         </a:lnSpc>
@@ -12945,7 +13856,7 @@
           <a:srgbClr val="000000"/>
         </a:buClr>
         <a:buFont typeface="Arial"/>
-        <a:defRPr sz="1400" b="0" i="0" u="none" strike="noStrike" cap="none">
+        <a:defRPr b="0" i="0" sz="1400" u="none" cap="none" strike="noStrike">
           <a:solidFill>
             <a:srgbClr val="000000"/>
           </a:solidFill>
@@ -12955,7 +13866,7 @@
           <a:sym typeface="Arial"/>
         </a:defRPr>
       </a:lvl7pPr>
-      <a:lvl8pPr marR="0" lvl="7" algn="l" rtl="0">
+      <a:lvl8pPr lvl="7" marR="0" rtl="0" algn="l">
         <a:lnSpc>
           <a:spcPct val="100000"/>
         </a:lnSpc>
@@ -12969,7 +13880,7 @@
           <a:srgbClr val="000000"/>
         </a:buClr>
         <a:buFont typeface="Arial"/>
-        <a:defRPr sz="1400" b="0" i="0" u="none" strike="noStrike" cap="none">
+        <a:defRPr b="0" i="0" sz="1400" u="none" cap="none" strike="noStrike">
           <a:solidFill>
             <a:srgbClr val="000000"/>
           </a:solidFill>
@@ -12979,7 +13890,7 @@
           <a:sym typeface="Arial"/>
         </a:defRPr>
       </a:lvl8pPr>
-      <a:lvl9pPr marR="0" lvl="8" algn="l" rtl="0">
+      <a:lvl9pPr lvl="8" marR="0" rtl="0" algn="l">
         <a:lnSpc>
           <a:spcPct val="100000"/>
         </a:lnSpc>
@@ -12993,7 +13904,7 @@
           <a:srgbClr val="000000"/>
         </a:buClr>
         <a:buFont typeface="Arial"/>
-        <a:defRPr sz="1400" b="0" i="0" u="none" strike="noStrike" cap="none">
+        <a:defRPr b="0" i="0" sz="1400" u="none" cap="none" strike="noStrike">
           <a:solidFill>
             <a:srgbClr val="000000"/>
           </a:solidFill>
@@ -13009,11 +13920,11 @@
 </file>
 
 <file path=ppt/slides/slide1.xml><?xml version="1.0" encoding="utf-8"?>
-<p:sld xmlns:a="http://schemas.openxmlformats.org/drawingml/2006/main" xmlns:r="http://schemas.openxmlformats.org/officeDocument/2006/relationships" xmlns:p="http://schemas.openxmlformats.org/presentationml/2006/main">
+<p:sld xmlns:a="http://schemas.openxmlformats.org/drawingml/2006/main" xmlns:r="http://schemas.openxmlformats.org/officeDocument/2006/relationships" xmlns:mc="http://schemas.openxmlformats.org/markup-compatibility/2006" xmlns:mv="urn:schemas-microsoft-com:mac:vml" xmlns:p="http://schemas.openxmlformats.org/presentationml/2006/main" xmlns:c="http://schemas.openxmlformats.org/drawingml/2006/chart" xmlns:dgm="http://schemas.openxmlformats.org/drawingml/2006/diagram" xmlns:o="urn:schemas-microsoft-com:office:office" xmlns:v="urn:schemas-microsoft-com:vml" xmlns:pvml="urn:schemas-microsoft-com:office:powerpoint" xmlns:com="http://schemas.openxmlformats.org/drawingml/2006/compatibility" xmlns:p14="http://schemas.microsoft.com/office/powerpoint/2010/main" xmlns:p15="http://schemas.microsoft.com/office/powerpoint/2012/main">
   <p:cSld>
     <p:spTree>
       <p:nvGrpSpPr>
-        <p:cNvPr id="1" name="Shape 103"/>
+        <p:cNvPr id="103" name="Shape 103"/>
         <p:cNvGrpSpPr/>
         <p:nvPr/>
       </p:nvGrpSpPr>
@@ -13028,9 +13939,7 @@
       <p:sp>
         <p:nvSpPr>
           <p:cNvPr id="104" name="Google Shape;104;p1"/>
-          <p:cNvSpPr txBox="1">
-            <a:spLocks noGrp="1"/>
-          </p:cNvSpPr>
+          <p:cNvSpPr txBox="1"/>
           <p:nvPr>
             <p:ph type="ctrTitle"/>
           </p:nvPr>
@@ -13049,12 +13958,12 @@
           </a:ln>
         </p:spPr>
         <p:txBody>
-          <a:bodyPr spcFirstLastPara="1" wrap="square" lIns="91425" tIns="91425" rIns="91425" bIns="91425" anchor="t" anchorCtr="0">
+          <a:bodyPr anchorCtr="0" anchor="t" bIns="91425" lIns="91425" spcFirstLastPara="1" rIns="91425" wrap="square" tIns="91425">
             <a:noAutofit/>
           </a:bodyPr>
           <a:lstStyle/>
           <a:p>
-            <a:pPr marL="0" lvl="0" indent="0" algn="l" rtl="0">
+            <a:pPr indent="0" lvl="0" marL="0" rtl="0" algn="l">
               <a:lnSpc>
                 <a:spcPct val="100000"/>
               </a:lnSpc>
@@ -13088,7 +13997,7 @@
             <a:endParaRPr/>
           </a:p>
           <a:p>
-            <a:pPr marL="0" lvl="0" indent="0" algn="l" rtl="0">
+            <a:pPr indent="0" lvl="0" marL="0" rtl="0" algn="l">
               <a:lnSpc>
                 <a:spcPct val="100000"/>
               </a:lnSpc>
@@ -13101,10 +14010,13 @@
               <a:buSzPts val="4200"/>
               <a:buNone/>
             </a:pPr>
+            <a:r>
+              <a:t/>
+            </a:r>
             <a:endParaRPr/>
           </a:p>
           <a:p>
-            <a:pPr marL="0" lvl="0" indent="0" algn="l" rtl="0">
+            <a:pPr indent="0" lvl="0" marL="0" rtl="0" algn="l">
               <a:lnSpc>
                 <a:spcPct val="100000"/>
               </a:lnSpc>
@@ -13117,6 +14029,9 @@
               <a:buSzPts val="4200"/>
               <a:buNone/>
             </a:pPr>
+            <a:r>
+              <a:t/>
+            </a:r>
             <a:endParaRPr>
               <a:latin typeface="Cutive"/>
               <a:ea typeface="Cutive"/>
@@ -13129,11 +14044,9 @@
       <p:sp>
         <p:nvSpPr>
           <p:cNvPr id="105" name="Google Shape;105;p1"/>
-          <p:cNvSpPr txBox="1">
-            <a:spLocks noGrp="1"/>
-          </p:cNvSpPr>
+          <p:cNvSpPr txBox="1"/>
           <p:nvPr>
-            <p:ph type="subTitle" idx="1"/>
+            <p:ph idx="1" type="subTitle"/>
           </p:nvPr>
         </p:nvSpPr>
         <p:spPr>
@@ -13150,12 +14063,12 @@
           </a:ln>
         </p:spPr>
         <p:txBody>
-          <a:bodyPr spcFirstLastPara="1" wrap="square" lIns="91425" tIns="91425" rIns="91425" bIns="91425" anchor="t" anchorCtr="0">
+          <a:bodyPr anchorCtr="0" anchor="t" bIns="91425" lIns="91425" spcFirstLastPara="1" rIns="91425" wrap="square" tIns="91425">
             <a:noAutofit/>
           </a:bodyPr>
           <a:lstStyle/>
           <a:p>
-            <a:pPr marL="0" lvl="0" indent="0" algn="l" rtl="0">
+            <a:pPr indent="0" lvl="0" marL="0" rtl="0" algn="l">
               <a:lnSpc>
                 <a:spcPct val="150000"/>
               </a:lnSpc>
@@ -13180,7 +14093,7 @@
             <a:endParaRPr/>
           </a:p>
           <a:p>
-            <a:pPr marL="0" lvl="0" indent="0" algn="l" rtl="0">
+            <a:pPr indent="0" lvl="0" marL="0" rtl="0" algn="l">
               <a:lnSpc>
                 <a:spcPct val="100000"/>
               </a:lnSpc>
@@ -13210,7 +14123,7 @@
             </a:endParaRPr>
           </a:p>
           <a:p>
-            <a:pPr marL="0" lvl="0" indent="0" algn="l" rtl="0">
+            <a:pPr indent="0" lvl="0" marL="0" rtl="0" algn="l">
               <a:lnSpc>
                 <a:spcPct val="100000"/>
               </a:lnSpc>
@@ -13243,7 +14156,7 @@
       </p:sp>
       <p:pic>
         <p:nvPicPr>
-          <p:cNvPr id="106" name="Google Shape;106;p1" descr="A screenshot of a cell phone&#10;&#10;Description automatically generated"/>
+          <p:cNvPr descr="A screenshot of a cell phone&#10;&#10;Description automatically generated" id="106" name="Google Shape;106;p1"/>
           <p:cNvPicPr preferRelativeResize="0"/>
           <p:nvPr/>
         </p:nvPicPr>
@@ -13251,7 +14164,7 @@
           <a:blip r:embed="rId3">
             <a:alphaModFix/>
           </a:blip>
-          <a:srcRect l="4072" t="25632" r="9629" b="24481"/>
+          <a:srcRect b="24481" l="4072" r="9628" t="25632"/>
           <a:stretch/>
         </p:blipFill>
         <p:spPr>
@@ -13285,23 +14198,23 @@
           <a:solidFill>
             <a:srgbClr val="FFFFFF"/>
           </a:solidFill>
-          <a:ln w="9525" cap="flat" cmpd="sng">
+          <a:ln cap="flat" cmpd="sng" w="9525">
             <a:solidFill>
               <a:schemeClr val="dk2"/>
             </a:solidFill>
             <a:prstDash val="solid"/>
             <a:round/>
-            <a:headEnd type="none" w="sm" len="sm"/>
-            <a:tailEnd type="none" w="sm" len="sm"/>
+            <a:headEnd len="sm" w="sm" type="none"/>
+            <a:tailEnd len="sm" w="sm" type="none"/>
           </a:ln>
         </p:spPr>
         <p:txBody>
-          <a:bodyPr spcFirstLastPara="1" wrap="square" lIns="91425" tIns="91425" rIns="91425" bIns="91425" anchor="ctr" anchorCtr="0">
+          <a:bodyPr anchorCtr="0" anchor="ctr" bIns="91425" lIns="91425" spcFirstLastPara="1" rIns="91425" wrap="square" tIns="91425">
             <a:noAutofit/>
           </a:bodyPr>
           <a:lstStyle/>
           <a:p>
-            <a:pPr marL="0" marR="0" lvl="0" indent="0" algn="l" rtl="0">
+            <a:pPr indent="0" lvl="0" marL="0" marR="0" rtl="0" algn="l">
               <a:lnSpc>
                 <a:spcPct val="100000"/>
               </a:lnSpc>
@@ -13318,7 +14231,10 @@
               <a:buFont typeface="Arial"/>
               <a:buNone/>
             </a:pPr>
-            <a:endParaRPr sz="1400" b="0" i="0" u="none" strike="noStrike" cap="none">
+            <a:r>
+              <a:t/>
+            </a:r>
+            <a:endParaRPr b="0" i="0" sz="1400" u="none" cap="none" strike="noStrike">
               <a:solidFill>
                 <a:srgbClr val="000000"/>
               </a:solidFill>
@@ -13332,7 +14248,7 @@
       </p:sp>
       <p:pic>
         <p:nvPicPr>
-          <p:cNvPr id="108" name="Google Shape;108;p1" descr="A screenshot of a cell phone&#10;&#10;Description automatically generated"/>
+          <p:cNvPr descr="A screenshot of a cell phone&#10;&#10;Description automatically generated" id="108" name="Google Shape;108;p1"/>
           <p:cNvPicPr preferRelativeResize="0"/>
           <p:nvPr/>
         </p:nvPicPr>
@@ -13340,7 +14256,7 @@
           <a:blip r:embed="rId3">
             <a:alphaModFix/>
           </a:blip>
-          <a:srcRect l="4072" t="25632" r="9629" b="24481"/>
+          <a:srcRect b="24481" l="4072" r="9628" t="25632"/>
           <a:stretch/>
         </p:blipFill>
         <p:spPr>
@@ -13365,12 +14281,12 @@
 </p:sld>
 </file>
 
-<file path=ppt/slides/slide2.xml><?xml version="1.0" encoding="utf-8"?>
-<p:sld xmlns:a="http://schemas.openxmlformats.org/drawingml/2006/main" xmlns:r="http://schemas.openxmlformats.org/officeDocument/2006/relationships" xmlns:p="http://schemas.openxmlformats.org/presentationml/2006/main">
+<file path=ppt/slides/slide10.xml><?xml version="1.0" encoding="utf-8"?>
+<p:sld xmlns:a="http://schemas.openxmlformats.org/drawingml/2006/main" xmlns:r="http://schemas.openxmlformats.org/officeDocument/2006/relationships" xmlns:mc="http://schemas.openxmlformats.org/markup-compatibility/2006" xmlns:mv="urn:schemas-microsoft-com:mac:vml" xmlns:p="http://schemas.openxmlformats.org/presentationml/2006/main" xmlns:c="http://schemas.openxmlformats.org/drawingml/2006/chart" xmlns:dgm="http://schemas.openxmlformats.org/drawingml/2006/diagram" xmlns:o="urn:schemas-microsoft-com:office:office" xmlns:v="urn:schemas-microsoft-com:vml" xmlns:pvml="urn:schemas-microsoft-com:office:powerpoint" xmlns:com="http://schemas.openxmlformats.org/drawingml/2006/compatibility" xmlns:p14="http://schemas.microsoft.com/office/powerpoint/2010/main" xmlns:p15="http://schemas.microsoft.com/office/powerpoint/2012/main">
   <p:cSld>
     <p:spTree>
       <p:nvGrpSpPr>
-        <p:cNvPr id="1" name="Shape 112"/>
+        <p:cNvPr id="158" name="Shape 158"/>
         <p:cNvGrpSpPr/>
         <p:nvPr/>
       </p:nvGrpSpPr>
@@ -13384,10 +14300,8 @@
       </p:grpSpPr>
       <p:sp>
         <p:nvSpPr>
-          <p:cNvPr id="113" name="Google Shape;113;p2"/>
-          <p:cNvSpPr txBox="1">
-            <a:spLocks noGrp="1"/>
-          </p:cNvSpPr>
+          <p:cNvPr id="159" name="Google Shape;159;g8a312b9e02_0_14"/>
+          <p:cNvSpPr txBox="1"/>
           <p:nvPr>
             <p:ph type="title"/>
           </p:nvPr>
@@ -13406,12 +14320,734 @@
           </a:ln>
         </p:spPr>
         <p:txBody>
-          <a:bodyPr spcFirstLastPara="1" wrap="square" lIns="91425" tIns="91425" rIns="91425" bIns="91425" anchor="t" anchorCtr="0">
+          <a:bodyPr anchorCtr="0" anchor="t" bIns="91425" lIns="91425" spcFirstLastPara="1" rIns="91425" wrap="square" tIns="91425">
             <a:noAutofit/>
           </a:bodyPr>
           <a:lstStyle/>
           <a:p>
-            <a:pPr marL="0" lvl="0" indent="0" algn="l" rtl="0">
+            <a:pPr indent="0" lvl="0" marL="0" rtl="0" algn="l">
+              <a:lnSpc>
+                <a:spcPct val="100000"/>
+              </a:lnSpc>
+              <a:spcBef>
+                <a:spcPts val="0"/>
+              </a:spcBef>
+              <a:spcAft>
+                <a:spcPts val="0"/>
+              </a:spcAft>
+              <a:buClr>
+                <a:schemeClr val="dk2"/>
+              </a:buClr>
+              <a:buSzPts val="2600"/>
+              <a:buNone/>
+            </a:pPr>
+            <a:r>
+              <a:rPr lang="fr-CA"/>
+              <a:t>Distribution of CHURN by SERVICES USED</a:t>
+            </a:r>
+            <a:endParaRPr/>
+          </a:p>
+        </p:txBody>
+      </p:sp>
+      <p:pic>
+        <p:nvPicPr>
+          <p:cNvPr id="160" name="Google Shape;160;g8a312b9e02_0_14"/>
+          <p:cNvPicPr preferRelativeResize="0"/>
+          <p:nvPr/>
+        </p:nvPicPr>
+        <p:blipFill rotWithShape="1">
+          <a:blip r:embed="rId3">
+            <a:alphaModFix/>
+          </a:blip>
+          <a:srcRect b="32899" l="0" r="32984" t="0"/>
+          <a:stretch/>
+        </p:blipFill>
+        <p:spPr>
+          <a:xfrm>
+            <a:off x="1064075" y="1456800"/>
+            <a:ext cx="4265325" cy="2732374"/>
+          </a:xfrm>
+          <a:prstGeom prst="rect">
+            <a:avLst/>
+          </a:prstGeom>
+          <a:noFill/>
+          <a:ln>
+            <a:noFill/>
+          </a:ln>
+        </p:spPr>
+      </p:pic>
+    </p:spTree>
+  </p:cSld>
+  <p:clrMapOvr>
+    <a:masterClrMapping/>
+  </p:clrMapOvr>
+</p:sld>
+</file>
+
+<file path=ppt/slides/slide11.xml><?xml version="1.0" encoding="utf-8"?>
+<p:sld xmlns:a="http://schemas.openxmlformats.org/drawingml/2006/main" xmlns:r="http://schemas.openxmlformats.org/officeDocument/2006/relationships" xmlns:mc="http://schemas.openxmlformats.org/markup-compatibility/2006" xmlns:mv="urn:schemas-microsoft-com:mac:vml" xmlns:p="http://schemas.openxmlformats.org/presentationml/2006/main" xmlns:c="http://schemas.openxmlformats.org/drawingml/2006/chart" xmlns:dgm="http://schemas.openxmlformats.org/drawingml/2006/diagram" xmlns:o="urn:schemas-microsoft-com:office:office" xmlns:v="urn:schemas-microsoft-com:vml" xmlns:pvml="urn:schemas-microsoft-com:office:powerpoint" xmlns:com="http://schemas.openxmlformats.org/drawingml/2006/compatibility" xmlns:p14="http://schemas.microsoft.com/office/powerpoint/2010/main" xmlns:p15="http://schemas.microsoft.com/office/powerpoint/2012/main">
+  <p:cSld>
+    <p:spTree>
+      <p:nvGrpSpPr>
+        <p:cNvPr id="164" name="Shape 164"/>
+        <p:cNvGrpSpPr/>
+        <p:nvPr/>
+      </p:nvGrpSpPr>
+      <p:grpSpPr>
+        <a:xfrm>
+          <a:off x="0" y="0"/>
+          <a:ext cx="0" cy="0"/>
+          <a:chOff x="0" y="0"/>
+          <a:chExt cx="0" cy="0"/>
+        </a:xfrm>
+      </p:grpSpPr>
+      <p:sp>
+        <p:nvSpPr>
+          <p:cNvPr id="165" name="Google Shape;165;g8a312b9e02_0_21"/>
+          <p:cNvSpPr txBox="1"/>
+          <p:nvPr>
+            <p:ph type="title"/>
+          </p:nvPr>
+        </p:nvSpPr>
+        <p:spPr>
+          <a:xfrm>
+            <a:off x="729450" y="785250"/>
+            <a:ext cx="7688700" cy="535200"/>
+          </a:xfrm>
+          <a:prstGeom prst="rect">
+            <a:avLst/>
+          </a:prstGeom>
+          <a:noFill/>
+          <a:ln>
+            <a:noFill/>
+          </a:ln>
+        </p:spPr>
+        <p:txBody>
+          <a:bodyPr anchorCtr="0" anchor="t" bIns="91425" lIns="91425" spcFirstLastPara="1" rIns="91425" wrap="square" tIns="91425">
+            <a:noAutofit/>
+          </a:bodyPr>
+          <a:lstStyle/>
+          <a:p>
+            <a:pPr indent="0" lvl="0" marL="0" rtl="0" algn="l">
+              <a:lnSpc>
+                <a:spcPct val="100000"/>
+              </a:lnSpc>
+              <a:spcBef>
+                <a:spcPts val="0"/>
+              </a:spcBef>
+              <a:spcAft>
+                <a:spcPts val="0"/>
+              </a:spcAft>
+              <a:buClr>
+                <a:schemeClr val="dk2"/>
+              </a:buClr>
+              <a:buSzPts val="2600"/>
+              <a:buNone/>
+            </a:pPr>
+            <a:r>
+              <a:rPr lang="fr-CA"/>
+              <a:t>Distribution of CHURN by SERVICES USED</a:t>
+            </a:r>
+            <a:endParaRPr/>
+          </a:p>
+        </p:txBody>
+      </p:sp>
+      <p:pic>
+        <p:nvPicPr>
+          <p:cNvPr id="166" name="Google Shape;166;g8a312b9e02_0_21"/>
+          <p:cNvPicPr preferRelativeResize="0"/>
+          <p:nvPr/>
+        </p:nvPicPr>
+        <p:blipFill rotWithShape="1">
+          <a:blip r:embed="rId3">
+            <a:alphaModFix/>
+          </a:blip>
+          <a:srcRect b="33328" l="66625" r="0" t="0"/>
+          <a:stretch/>
+        </p:blipFill>
+        <p:spPr>
+          <a:xfrm>
+            <a:off x="1140250" y="1461850"/>
+            <a:ext cx="2124175" cy="2714926"/>
+          </a:xfrm>
+          <a:prstGeom prst="rect">
+            <a:avLst/>
+          </a:prstGeom>
+          <a:noFill/>
+          <a:ln>
+            <a:noFill/>
+          </a:ln>
+        </p:spPr>
+      </p:pic>
+    </p:spTree>
+  </p:cSld>
+  <p:clrMapOvr>
+    <a:masterClrMapping/>
+  </p:clrMapOvr>
+</p:sld>
+</file>
+
+<file path=ppt/slides/slide12.xml><?xml version="1.0" encoding="utf-8"?>
+<p:sld xmlns:a="http://schemas.openxmlformats.org/drawingml/2006/main" xmlns:r="http://schemas.openxmlformats.org/officeDocument/2006/relationships" xmlns:mc="http://schemas.openxmlformats.org/markup-compatibility/2006" xmlns:mv="urn:schemas-microsoft-com:mac:vml" xmlns:p="http://schemas.openxmlformats.org/presentationml/2006/main" xmlns:c="http://schemas.openxmlformats.org/drawingml/2006/chart" xmlns:dgm="http://schemas.openxmlformats.org/drawingml/2006/diagram" xmlns:o="urn:schemas-microsoft-com:office:office" xmlns:v="urn:schemas-microsoft-com:vml" xmlns:pvml="urn:schemas-microsoft-com:office:powerpoint" xmlns:com="http://schemas.openxmlformats.org/drawingml/2006/compatibility" xmlns:p14="http://schemas.microsoft.com/office/powerpoint/2010/main" xmlns:p15="http://schemas.microsoft.com/office/powerpoint/2012/main">
+  <p:cSld>
+    <p:spTree>
+      <p:nvGrpSpPr>
+        <p:cNvPr id="170" name="Shape 170"/>
+        <p:cNvGrpSpPr/>
+        <p:nvPr/>
+      </p:nvGrpSpPr>
+      <p:grpSpPr>
+        <a:xfrm>
+          <a:off x="0" y="0"/>
+          <a:ext cx="0" cy="0"/>
+          <a:chOff x="0" y="0"/>
+          <a:chExt cx="0" cy="0"/>
+        </a:xfrm>
+      </p:grpSpPr>
+      <p:sp>
+        <p:nvSpPr>
+          <p:cNvPr id="171" name="Google Shape;171;g8a312b9e02_0_26"/>
+          <p:cNvSpPr txBox="1"/>
+          <p:nvPr>
+            <p:ph type="title"/>
+          </p:nvPr>
+        </p:nvSpPr>
+        <p:spPr>
+          <a:xfrm>
+            <a:off x="729450" y="785250"/>
+            <a:ext cx="7688700" cy="535200"/>
+          </a:xfrm>
+          <a:prstGeom prst="rect">
+            <a:avLst/>
+          </a:prstGeom>
+          <a:noFill/>
+          <a:ln>
+            <a:noFill/>
+          </a:ln>
+        </p:spPr>
+        <p:txBody>
+          <a:bodyPr anchorCtr="0" anchor="t" bIns="91425" lIns="91425" spcFirstLastPara="1" rIns="91425" wrap="square" tIns="91425">
+            <a:noAutofit/>
+          </a:bodyPr>
+          <a:lstStyle/>
+          <a:p>
+            <a:pPr indent="0" lvl="0" marL="0" rtl="0" algn="l">
+              <a:lnSpc>
+                <a:spcPct val="100000"/>
+              </a:lnSpc>
+              <a:spcBef>
+                <a:spcPts val="0"/>
+              </a:spcBef>
+              <a:spcAft>
+                <a:spcPts val="0"/>
+              </a:spcAft>
+              <a:buClr>
+                <a:schemeClr val="dk2"/>
+              </a:buClr>
+              <a:buSzPts val="2600"/>
+              <a:buNone/>
+            </a:pPr>
+            <a:r>
+              <a:rPr lang="fr-CA"/>
+              <a:t>Distribution of CHURN by SERVICES USED</a:t>
+            </a:r>
+            <a:endParaRPr/>
+          </a:p>
+        </p:txBody>
+      </p:sp>
+      <p:pic>
+        <p:nvPicPr>
+          <p:cNvPr id="172" name="Google Shape;172;g8a312b9e02_0_26"/>
+          <p:cNvPicPr preferRelativeResize="0"/>
+          <p:nvPr/>
+        </p:nvPicPr>
+        <p:blipFill rotWithShape="1">
+          <a:blip r:embed="rId3">
+            <a:alphaModFix/>
+          </a:blip>
+          <a:srcRect b="0" l="0" r="0" t="66520"/>
+          <a:stretch/>
+        </p:blipFill>
+        <p:spPr>
+          <a:xfrm>
+            <a:off x="1064075" y="1890100"/>
+            <a:ext cx="6364724" cy="1363300"/>
+          </a:xfrm>
+          <a:prstGeom prst="rect">
+            <a:avLst/>
+          </a:prstGeom>
+          <a:noFill/>
+          <a:ln>
+            <a:noFill/>
+          </a:ln>
+        </p:spPr>
+      </p:pic>
+    </p:spTree>
+  </p:cSld>
+  <p:clrMapOvr>
+    <a:masterClrMapping/>
+  </p:clrMapOvr>
+</p:sld>
+</file>
+
+<file path=ppt/slides/slide13.xml><?xml version="1.0" encoding="utf-8"?>
+<p:sld xmlns:a="http://schemas.openxmlformats.org/drawingml/2006/main" xmlns:r="http://schemas.openxmlformats.org/officeDocument/2006/relationships" xmlns:mc="http://schemas.openxmlformats.org/markup-compatibility/2006" xmlns:mv="urn:schemas-microsoft-com:mac:vml" xmlns:p="http://schemas.openxmlformats.org/presentationml/2006/main" xmlns:c="http://schemas.openxmlformats.org/drawingml/2006/chart" xmlns:dgm="http://schemas.openxmlformats.org/drawingml/2006/diagram" xmlns:o="urn:schemas-microsoft-com:office:office" xmlns:v="urn:schemas-microsoft-com:vml" xmlns:pvml="urn:schemas-microsoft-com:office:powerpoint" xmlns:com="http://schemas.openxmlformats.org/drawingml/2006/compatibility" xmlns:p14="http://schemas.microsoft.com/office/powerpoint/2010/main" xmlns:p15="http://schemas.microsoft.com/office/powerpoint/2012/main">
+  <p:cSld>
+    <p:spTree>
+      <p:nvGrpSpPr>
+        <p:cNvPr id="176" name="Shape 176"/>
+        <p:cNvGrpSpPr/>
+        <p:nvPr/>
+      </p:nvGrpSpPr>
+      <p:grpSpPr>
+        <a:xfrm>
+          <a:off x="0" y="0"/>
+          <a:ext cx="0" cy="0"/>
+          <a:chOff x="0" y="0"/>
+          <a:chExt cx="0" cy="0"/>
+        </a:xfrm>
+      </p:grpSpPr>
+      <p:sp>
+        <p:nvSpPr>
+          <p:cNvPr id="177" name="Google Shape;177;g8a312b9e02_0_31"/>
+          <p:cNvSpPr txBox="1"/>
+          <p:nvPr>
+            <p:ph type="title"/>
+          </p:nvPr>
+        </p:nvSpPr>
+        <p:spPr>
+          <a:xfrm>
+            <a:off x="729450" y="785250"/>
+            <a:ext cx="7688700" cy="535200"/>
+          </a:xfrm>
+          <a:prstGeom prst="rect">
+            <a:avLst/>
+          </a:prstGeom>
+          <a:noFill/>
+          <a:ln>
+            <a:noFill/>
+          </a:ln>
+        </p:spPr>
+        <p:txBody>
+          <a:bodyPr anchorCtr="0" anchor="t" bIns="91425" lIns="91425" spcFirstLastPara="1" rIns="91425" wrap="square" tIns="91425">
+            <a:noAutofit/>
+          </a:bodyPr>
+          <a:lstStyle/>
+          <a:p>
+            <a:pPr indent="0" lvl="0" marL="0" rtl="0" algn="l">
+              <a:lnSpc>
+                <a:spcPct val="100000"/>
+              </a:lnSpc>
+              <a:spcBef>
+                <a:spcPts val="0"/>
+              </a:spcBef>
+              <a:spcAft>
+                <a:spcPts val="0"/>
+              </a:spcAft>
+              <a:buClr>
+                <a:schemeClr val="dk2"/>
+              </a:buClr>
+              <a:buSzPts val="2600"/>
+              <a:buNone/>
+            </a:pPr>
+            <a:r>
+              <a:rPr lang="fr-CA"/>
+              <a:t>Distribution of CHURN by BILLING INFORMATION</a:t>
+            </a:r>
+            <a:endParaRPr/>
+          </a:p>
+        </p:txBody>
+      </p:sp>
+      <p:pic>
+        <p:nvPicPr>
+          <p:cNvPr id="178" name="Google Shape;178;g8a312b9e02_0_31"/>
+          <p:cNvPicPr preferRelativeResize="0"/>
+          <p:nvPr/>
+        </p:nvPicPr>
+        <p:blipFill rotWithShape="1">
+          <a:blip r:embed="rId3">
+            <a:alphaModFix/>
+          </a:blip>
+          <a:srcRect b="24213" l="0" r="66422" t="0"/>
+          <a:stretch/>
+        </p:blipFill>
+        <p:spPr>
+          <a:xfrm>
+            <a:off x="1214600" y="1958275"/>
+            <a:ext cx="2639926" cy="2191025"/>
+          </a:xfrm>
+          <a:prstGeom prst="rect">
+            <a:avLst/>
+          </a:prstGeom>
+          <a:noFill/>
+          <a:ln>
+            <a:noFill/>
+          </a:ln>
+        </p:spPr>
+      </p:pic>
+    </p:spTree>
+  </p:cSld>
+  <p:clrMapOvr>
+    <a:masterClrMapping/>
+  </p:clrMapOvr>
+</p:sld>
+</file>
+
+<file path=ppt/slides/slide14.xml><?xml version="1.0" encoding="utf-8"?>
+<p:sld xmlns:a="http://schemas.openxmlformats.org/drawingml/2006/main" xmlns:r="http://schemas.openxmlformats.org/officeDocument/2006/relationships" xmlns:mc="http://schemas.openxmlformats.org/markup-compatibility/2006" xmlns:mv="urn:schemas-microsoft-com:mac:vml" xmlns:p="http://schemas.openxmlformats.org/presentationml/2006/main" xmlns:c="http://schemas.openxmlformats.org/drawingml/2006/chart" xmlns:dgm="http://schemas.openxmlformats.org/drawingml/2006/diagram" xmlns:o="urn:schemas-microsoft-com:office:office" xmlns:v="urn:schemas-microsoft-com:vml" xmlns:pvml="urn:schemas-microsoft-com:office:powerpoint" xmlns:com="http://schemas.openxmlformats.org/drawingml/2006/compatibility" xmlns:p14="http://schemas.microsoft.com/office/powerpoint/2010/main" xmlns:p15="http://schemas.microsoft.com/office/powerpoint/2012/main">
+  <p:cSld>
+    <p:spTree>
+      <p:nvGrpSpPr>
+        <p:cNvPr id="182" name="Shape 182"/>
+        <p:cNvGrpSpPr/>
+        <p:nvPr/>
+      </p:nvGrpSpPr>
+      <p:grpSpPr>
+        <a:xfrm>
+          <a:off x="0" y="0"/>
+          <a:ext cx="0" cy="0"/>
+          <a:chOff x="0" y="0"/>
+          <a:chExt cx="0" cy="0"/>
+        </a:xfrm>
+      </p:grpSpPr>
+      <p:sp>
+        <p:nvSpPr>
+          <p:cNvPr id="183" name="Google Shape;183;g8a312b9e02_0_38"/>
+          <p:cNvSpPr txBox="1"/>
+          <p:nvPr>
+            <p:ph type="title"/>
+          </p:nvPr>
+        </p:nvSpPr>
+        <p:spPr>
+          <a:xfrm>
+            <a:off x="729450" y="785250"/>
+            <a:ext cx="7688700" cy="535200"/>
+          </a:xfrm>
+          <a:prstGeom prst="rect">
+            <a:avLst/>
+          </a:prstGeom>
+          <a:noFill/>
+          <a:ln>
+            <a:noFill/>
+          </a:ln>
+        </p:spPr>
+        <p:txBody>
+          <a:bodyPr anchorCtr="0" anchor="t" bIns="91425" lIns="91425" spcFirstLastPara="1" rIns="91425" wrap="square" tIns="91425">
+            <a:noAutofit/>
+          </a:bodyPr>
+          <a:lstStyle/>
+          <a:p>
+            <a:pPr indent="0" lvl="0" marL="0" rtl="0" algn="l">
+              <a:lnSpc>
+                <a:spcPct val="100000"/>
+              </a:lnSpc>
+              <a:spcBef>
+                <a:spcPts val="0"/>
+              </a:spcBef>
+              <a:spcAft>
+                <a:spcPts val="0"/>
+              </a:spcAft>
+              <a:buClr>
+                <a:schemeClr val="dk2"/>
+              </a:buClr>
+              <a:buSzPts val="2600"/>
+              <a:buNone/>
+            </a:pPr>
+            <a:r>
+              <a:rPr lang="fr-CA"/>
+              <a:t>Distribution of CHURN by BILLING INFORMATION</a:t>
+            </a:r>
+            <a:endParaRPr/>
+          </a:p>
+        </p:txBody>
+      </p:sp>
+      <p:pic>
+        <p:nvPicPr>
+          <p:cNvPr id="184" name="Google Shape;184;g8a312b9e02_0_38"/>
+          <p:cNvPicPr preferRelativeResize="0"/>
+          <p:nvPr/>
+        </p:nvPicPr>
+        <p:blipFill rotWithShape="1">
+          <a:blip r:embed="rId3">
+            <a:alphaModFix/>
+          </a:blip>
+          <a:srcRect b="24213" l="32680" r="33741" t="0"/>
+          <a:stretch/>
+        </p:blipFill>
+        <p:spPr>
+          <a:xfrm>
+            <a:off x="1214600" y="1958275"/>
+            <a:ext cx="2639926" cy="2191025"/>
+          </a:xfrm>
+          <a:prstGeom prst="rect">
+            <a:avLst/>
+          </a:prstGeom>
+          <a:noFill/>
+          <a:ln>
+            <a:noFill/>
+          </a:ln>
+        </p:spPr>
+      </p:pic>
+    </p:spTree>
+  </p:cSld>
+  <p:clrMapOvr>
+    <a:masterClrMapping/>
+  </p:clrMapOvr>
+</p:sld>
+</file>
+
+<file path=ppt/slides/slide15.xml><?xml version="1.0" encoding="utf-8"?>
+<p:sld xmlns:a="http://schemas.openxmlformats.org/drawingml/2006/main" xmlns:r="http://schemas.openxmlformats.org/officeDocument/2006/relationships" xmlns:mc="http://schemas.openxmlformats.org/markup-compatibility/2006" xmlns:mv="urn:schemas-microsoft-com:mac:vml" xmlns:p="http://schemas.openxmlformats.org/presentationml/2006/main" xmlns:c="http://schemas.openxmlformats.org/drawingml/2006/chart" xmlns:dgm="http://schemas.openxmlformats.org/drawingml/2006/diagram" xmlns:o="urn:schemas-microsoft-com:office:office" xmlns:v="urn:schemas-microsoft-com:vml" xmlns:pvml="urn:schemas-microsoft-com:office:powerpoint" xmlns:com="http://schemas.openxmlformats.org/drawingml/2006/compatibility" xmlns:p14="http://schemas.microsoft.com/office/powerpoint/2010/main" xmlns:p15="http://schemas.microsoft.com/office/powerpoint/2012/main">
+  <p:cSld>
+    <p:spTree>
+      <p:nvGrpSpPr>
+        <p:cNvPr id="188" name="Shape 188"/>
+        <p:cNvGrpSpPr/>
+        <p:nvPr/>
+      </p:nvGrpSpPr>
+      <p:grpSpPr>
+        <a:xfrm>
+          <a:off x="0" y="0"/>
+          <a:ext cx="0" cy="0"/>
+          <a:chOff x="0" y="0"/>
+          <a:chExt cx="0" cy="0"/>
+        </a:xfrm>
+      </p:grpSpPr>
+      <p:sp>
+        <p:nvSpPr>
+          <p:cNvPr id="189" name="Google Shape;189;g8a312b9e02_0_43"/>
+          <p:cNvSpPr txBox="1"/>
+          <p:nvPr>
+            <p:ph type="title"/>
+          </p:nvPr>
+        </p:nvSpPr>
+        <p:spPr>
+          <a:xfrm>
+            <a:off x="729450" y="785250"/>
+            <a:ext cx="7688700" cy="535200"/>
+          </a:xfrm>
+          <a:prstGeom prst="rect">
+            <a:avLst/>
+          </a:prstGeom>
+          <a:noFill/>
+          <a:ln>
+            <a:noFill/>
+          </a:ln>
+        </p:spPr>
+        <p:txBody>
+          <a:bodyPr anchorCtr="0" anchor="t" bIns="91425" lIns="91425" spcFirstLastPara="1" rIns="91425" wrap="square" tIns="91425">
+            <a:noAutofit/>
+          </a:bodyPr>
+          <a:lstStyle/>
+          <a:p>
+            <a:pPr indent="0" lvl="0" marL="0" rtl="0" algn="l">
+              <a:lnSpc>
+                <a:spcPct val="100000"/>
+              </a:lnSpc>
+              <a:spcBef>
+                <a:spcPts val="0"/>
+              </a:spcBef>
+              <a:spcAft>
+                <a:spcPts val="0"/>
+              </a:spcAft>
+              <a:buClr>
+                <a:schemeClr val="dk2"/>
+              </a:buClr>
+              <a:buSzPts val="2600"/>
+              <a:buNone/>
+            </a:pPr>
+            <a:r>
+              <a:rPr lang="fr-CA"/>
+              <a:t>Distribution of CHURN by BILLING INFORMATION</a:t>
+            </a:r>
+            <a:endParaRPr/>
+          </a:p>
+        </p:txBody>
+      </p:sp>
+      <p:pic>
+        <p:nvPicPr>
+          <p:cNvPr id="190" name="Google Shape;190;g8a312b9e02_0_43"/>
+          <p:cNvPicPr preferRelativeResize="0"/>
+          <p:nvPr/>
+        </p:nvPicPr>
+        <p:blipFill rotWithShape="1">
+          <a:blip r:embed="rId3">
+            <a:alphaModFix/>
+          </a:blip>
+          <a:srcRect b="0" l="66644" r="-221" t="0"/>
+          <a:stretch/>
+        </p:blipFill>
+        <p:spPr>
+          <a:xfrm>
+            <a:off x="5196750" y="1527700"/>
+            <a:ext cx="2639926" cy="2891050"/>
+          </a:xfrm>
+          <a:prstGeom prst="rect">
+            <a:avLst/>
+          </a:prstGeom>
+          <a:noFill/>
+          <a:ln>
+            <a:noFill/>
+          </a:ln>
+        </p:spPr>
+      </p:pic>
+    </p:spTree>
+  </p:cSld>
+  <p:clrMapOvr>
+    <a:masterClrMapping/>
+  </p:clrMapOvr>
+</p:sld>
+</file>
+
+<file path=ppt/slides/slide16.xml><?xml version="1.0" encoding="utf-8"?>
+<p:sld xmlns:a="http://schemas.openxmlformats.org/drawingml/2006/main" xmlns:r="http://schemas.openxmlformats.org/officeDocument/2006/relationships" xmlns:mc="http://schemas.openxmlformats.org/markup-compatibility/2006" xmlns:mv="urn:schemas-microsoft-com:mac:vml" xmlns:p="http://schemas.openxmlformats.org/presentationml/2006/main" xmlns:c="http://schemas.openxmlformats.org/drawingml/2006/chart" xmlns:dgm="http://schemas.openxmlformats.org/drawingml/2006/diagram" xmlns:o="urn:schemas-microsoft-com:office:office" xmlns:v="urn:schemas-microsoft-com:vml" xmlns:pvml="urn:schemas-microsoft-com:office:powerpoint" xmlns:com="http://schemas.openxmlformats.org/drawingml/2006/compatibility" xmlns:p14="http://schemas.microsoft.com/office/powerpoint/2010/main" xmlns:p15="http://schemas.microsoft.com/office/powerpoint/2012/main">
+  <p:cSld>
+    <p:spTree>
+      <p:nvGrpSpPr>
+        <p:cNvPr id="194" name="Shape 194"/>
+        <p:cNvGrpSpPr/>
+        <p:nvPr/>
+      </p:nvGrpSpPr>
+      <p:grpSpPr>
+        <a:xfrm>
+          <a:off x="0" y="0"/>
+          <a:ext cx="0" cy="0"/>
+          <a:chOff x="0" y="0"/>
+          <a:chExt cx="0" cy="0"/>
+        </a:xfrm>
+      </p:grpSpPr>
+      <p:sp>
+        <p:nvSpPr>
+          <p:cNvPr id="195" name="Google Shape;195;g8a312b9e02_0_48"/>
+          <p:cNvSpPr txBox="1"/>
+          <p:nvPr>
+            <p:ph type="title"/>
+          </p:nvPr>
+        </p:nvSpPr>
+        <p:spPr>
+          <a:xfrm>
+            <a:off x="729450" y="785250"/>
+            <a:ext cx="7688700" cy="535200"/>
+          </a:xfrm>
+          <a:prstGeom prst="rect">
+            <a:avLst/>
+          </a:prstGeom>
+          <a:noFill/>
+          <a:ln>
+            <a:noFill/>
+          </a:ln>
+        </p:spPr>
+        <p:txBody>
+          <a:bodyPr anchorCtr="0" anchor="t" bIns="91425" lIns="91425" spcFirstLastPara="1" rIns="91425" wrap="square" tIns="91425">
+            <a:noAutofit/>
+          </a:bodyPr>
+          <a:lstStyle/>
+          <a:p>
+            <a:pPr indent="0" lvl="0" marL="0" rtl="0" algn="l">
+              <a:lnSpc>
+                <a:spcPct val="100000"/>
+              </a:lnSpc>
+              <a:spcBef>
+                <a:spcPts val="0"/>
+              </a:spcBef>
+              <a:spcAft>
+                <a:spcPts val="0"/>
+              </a:spcAft>
+              <a:buClr>
+                <a:schemeClr val="dk2"/>
+              </a:buClr>
+              <a:buSzPts val="2600"/>
+              <a:buNone/>
+            </a:pPr>
+            <a:r>
+              <a:rPr lang="fr-CA"/>
+              <a:t>Distribution of CHURN by BILLING INFORMATION</a:t>
+            </a:r>
+            <a:endParaRPr/>
+          </a:p>
+        </p:txBody>
+      </p:sp>
+      <p:pic>
+        <p:nvPicPr>
+          <p:cNvPr id="196" name="Google Shape;196;g8a312b9e02_0_48"/>
+          <p:cNvPicPr preferRelativeResize="0"/>
+          <p:nvPr/>
+        </p:nvPicPr>
+        <p:blipFill>
+          <a:blip r:embed="rId3">
+            <a:alphaModFix/>
+          </a:blip>
+          <a:stretch>
+            <a:fillRect/>
+          </a:stretch>
+        </p:blipFill>
+        <p:spPr>
+          <a:xfrm>
+            <a:off x="1400525" y="1784750"/>
+            <a:ext cx="4752975" cy="2809875"/>
+          </a:xfrm>
+          <a:prstGeom prst="rect">
+            <a:avLst/>
+          </a:prstGeom>
+          <a:noFill/>
+          <a:ln>
+            <a:noFill/>
+          </a:ln>
+        </p:spPr>
+      </p:pic>
+    </p:spTree>
+  </p:cSld>
+  <p:clrMapOvr>
+    <a:masterClrMapping/>
+  </p:clrMapOvr>
+</p:sld>
+</file>
+
+<file path=ppt/slides/slide2.xml><?xml version="1.0" encoding="utf-8"?>
+<p:sld xmlns:a="http://schemas.openxmlformats.org/drawingml/2006/main" xmlns:r="http://schemas.openxmlformats.org/officeDocument/2006/relationships" xmlns:mc="http://schemas.openxmlformats.org/markup-compatibility/2006" xmlns:mv="urn:schemas-microsoft-com:mac:vml" xmlns:p="http://schemas.openxmlformats.org/presentationml/2006/main" xmlns:c="http://schemas.openxmlformats.org/drawingml/2006/chart" xmlns:dgm="http://schemas.openxmlformats.org/drawingml/2006/diagram" xmlns:o="urn:schemas-microsoft-com:office:office" xmlns:v="urn:schemas-microsoft-com:vml" xmlns:pvml="urn:schemas-microsoft-com:office:powerpoint" xmlns:com="http://schemas.openxmlformats.org/drawingml/2006/compatibility" xmlns:p14="http://schemas.microsoft.com/office/powerpoint/2010/main" xmlns:p15="http://schemas.microsoft.com/office/powerpoint/2012/main">
+  <p:cSld>
+    <p:spTree>
+      <p:nvGrpSpPr>
+        <p:cNvPr id="112" name="Shape 112"/>
+        <p:cNvGrpSpPr/>
+        <p:nvPr/>
+      </p:nvGrpSpPr>
+      <p:grpSpPr>
+        <a:xfrm>
+          <a:off x="0" y="0"/>
+          <a:ext cx="0" cy="0"/>
+          <a:chOff x="0" y="0"/>
+          <a:chExt cx="0" cy="0"/>
+        </a:xfrm>
+      </p:grpSpPr>
+      <p:sp>
+        <p:nvSpPr>
+          <p:cNvPr id="113" name="Google Shape;113;p2"/>
+          <p:cNvSpPr txBox="1"/>
+          <p:nvPr>
+            <p:ph type="title"/>
+          </p:nvPr>
+        </p:nvSpPr>
+        <p:spPr>
+          <a:xfrm>
+            <a:off x="729450" y="785250"/>
+            <a:ext cx="7688700" cy="535200"/>
+          </a:xfrm>
+          <a:prstGeom prst="rect">
+            <a:avLst/>
+          </a:prstGeom>
+          <a:noFill/>
+          <a:ln>
+            <a:noFill/>
+          </a:ln>
+        </p:spPr>
+        <p:txBody>
+          <a:bodyPr anchorCtr="0" anchor="t" bIns="91425" lIns="91425" spcFirstLastPara="1" rIns="91425" wrap="square" tIns="91425">
+            <a:noAutofit/>
+          </a:bodyPr>
+          <a:lstStyle/>
+          <a:p>
+            <a:pPr indent="0" lvl="0" marL="0" rtl="0" algn="l">
               <a:lnSpc>
                 <a:spcPct val="100000"/>
               </a:lnSpc>
@@ -13452,12 +15088,12 @@
           </a:ln>
         </p:spPr>
         <p:txBody>
-          <a:bodyPr spcFirstLastPara="1" wrap="square" lIns="91425" tIns="91425" rIns="91425" bIns="91425" anchor="t" anchorCtr="0">
+          <a:bodyPr anchorCtr="0" anchor="t" bIns="91425" lIns="91425" spcFirstLastPara="1" rIns="91425" wrap="square" tIns="91425">
             <a:noAutofit/>
           </a:bodyPr>
           <a:lstStyle/>
           <a:p>
-            <a:pPr marL="0" marR="0" lvl="0" indent="0" algn="l" rtl="0">
+            <a:pPr indent="0" lvl="0" marL="0" marR="0" rtl="0" algn="l">
               <a:lnSpc>
                 <a:spcPct val="100000"/>
               </a:lnSpc>
@@ -13475,7 +15111,7 @@
               <a:buNone/>
             </a:pPr>
             <a:r>
-              <a:rPr lang="fr-CA" sz="1600" b="0" i="0" u="none" strike="noStrike" cap="none">
+              <a:rPr b="0" i="0" lang="fr-CA" sz="1600" u="none" cap="none" strike="noStrike">
                 <a:solidFill>
                   <a:schemeClr val="accent1"/>
                 </a:solidFill>
@@ -13486,7 +15122,7 @@
               </a:rPr>
               <a:t>Our client is a Telecommunications company which has a massive market share, but also competitors trying to attract the customers.</a:t>
             </a:r>
-            <a:endParaRPr sz="1600" b="0" i="0" u="none" strike="noStrike" cap="none">
+            <a:endParaRPr b="0" i="0" sz="1600" u="none" cap="none" strike="noStrike">
               <a:solidFill>
                 <a:schemeClr val="accent1"/>
               </a:solidFill>
@@ -13497,7 +15133,7 @@
             </a:endParaRPr>
           </a:p>
           <a:p>
-            <a:pPr marL="0" marR="0" lvl="0" indent="0" algn="l" rtl="0">
+            <a:pPr indent="0" lvl="0" marL="0" marR="0" rtl="0" algn="l">
               <a:lnSpc>
                 <a:spcPct val="100000"/>
               </a:lnSpc>
@@ -13514,7 +15150,10 @@
               <a:buFont typeface="Arial"/>
               <a:buNone/>
             </a:pPr>
-            <a:endParaRPr sz="1600" b="0" i="0" u="none" strike="noStrike" cap="none">
+            <a:r>
+              <a:t/>
+            </a:r>
+            <a:endParaRPr b="0" i="0" sz="1600" u="none" cap="none" strike="noStrike">
               <a:solidFill>
                 <a:schemeClr val="accent1"/>
               </a:solidFill>
@@ -13525,7 +15164,7 @@
             </a:endParaRPr>
           </a:p>
           <a:p>
-            <a:pPr marL="457200" marR="0" lvl="0" indent="-330200" algn="l" rtl="0">
+            <a:pPr indent="-330200" lvl="0" marL="457200" marR="0" rtl="0" algn="l">
               <a:lnSpc>
                 <a:spcPct val="100000"/>
               </a:lnSpc>
@@ -13543,7 +15182,7 @@
               <a:buChar char="❏"/>
             </a:pPr>
             <a:r>
-              <a:rPr lang="fr-CA" sz="1600" b="0" i="0" u="none" strike="noStrike" cap="none">
+              <a:rPr b="0" i="0" lang="fr-CA" sz="1600" u="none" cap="none" strike="noStrike">
                 <a:solidFill>
                   <a:schemeClr val="accent1"/>
                 </a:solidFill>
@@ -13554,7 +15193,7 @@
               </a:rPr>
               <a:t>The problem they’re facing is : Customers churning</a:t>
             </a:r>
-            <a:endParaRPr sz="1600" b="0" i="0" u="none" strike="noStrike" cap="none">
+            <a:endParaRPr b="0" i="0" sz="1600" u="none" cap="none" strike="noStrike">
               <a:solidFill>
                 <a:schemeClr val="accent1"/>
               </a:solidFill>
@@ -13565,7 +15204,7 @@
             </a:endParaRPr>
           </a:p>
           <a:p>
-            <a:pPr marL="457200" marR="0" lvl="0" indent="-330200" algn="l" rtl="0">
+            <a:pPr indent="-330200" lvl="0" marL="457200" marR="0" rtl="0" algn="l">
               <a:lnSpc>
                 <a:spcPct val="100000"/>
               </a:lnSpc>
@@ -13583,7 +15222,7 @@
               <a:buChar char="❏"/>
             </a:pPr>
             <a:r>
-              <a:rPr lang="fr-CA" sz="1600" b="0" i="0" u="none" strike="noStrike" cap="none">
+              <a:rPr b="0" i="0" lang="fr-CA" sz="1600" u="none" cap="none" strike="noStrike">
                 <a:solidFill>
                   <a:schemeClr val="accent1"/>
                 </a:solidFill>
@@ -13594,7 +15233,7 @@
               </a:rPr>
               <a:t>The stakeholders impacted are:</a:t>
             </a:r>
-            <a:endParaRPr sz="1400" b="0" i="0" u="none" strike="noStrike" cap="none">
+            <a:endParaRPr b="0" i="0" sz="1400" u="none" cap="none" strike="noStrike">
               <a:solidFill>
                 <a:srgbClr val="000000"/>
               </a:solidFill>
@@ -13605,7 +15244,7 @@
             </a:endParaRPr>
           </a:p>
           <a:p>
-            <a:pPr marL="412750" marR="0" lvl="8" indent="-285750" algn="l" rtl="0">
+            <a:pPr indent="-285750" lvl="8" marL="412750" marR="0" rtl="0" algn="l">
               <a:lnSpc>
                 <a:spcPct val="100000"/>
               </a:lnSpc>
@@ -13623,7 +15262,7 @@
               <a:buChar char="•"/>
             </a:pPr>
             <a:r>
-              <a:rPr lang="fr-CA" sz="1600" b="0" i="0" u="none" strike="noStrike" cap="none">
+              <a:rPr b="0" i="0" lang="fr-CA" sz="1600" u="none" cap="none" strike="noStrike">
                 <a:solidFill>
                   <a:schemeClr val="accent1"/>
                 </a:solidFill>
@@ -13634,7 +15273,7 @@
               </a:rPr>
               <a:t> The investors;</a:t>
             </a:r>
-            <a:endParaRPr sz="1400" b="0" i="0" u="none" strike="noStrike" cap="none">
+            <a:endParaRPr b="0" i="0" sz="1400" u="none" cap="none" strike="noStrike">
               <a:solidFill>
                 <a:srgbClr val="000000"/>
               </a:solidFill>
@@ -13645,7 +15284,7 @@
             </a:endParaRPr>
           </a:p>
           <a:p>
-            <a:pPr marL="412750" marR="0" lvl="8" indent="-285750" algn="l" rtl="0">
+            <a:pPr indent="-285750" lvl="8" marL="412750" marR="0" rtl="0" algn="l">
               <a:lnSpc>
                 <a:spcPct val="100000"/>
               </a:lnSpc>
@@ -13663,7 +15302,7 @@
               <a:buChar char="•"/>
             </a:pPr>
             <a:r>
-              <a:rPr lang="fr-CA" sz="1600" b="0" i="0" u="none" strike="noStrike" cap="none">
+              <a:rPr b="0" i="0" lang="fr-CA" sz="1600" u="none" cap="none" strike="noStrike">
                 <a:solidFill>
                   <a:schemeClr val="accent1"/>
                 </a:solidFill>
@@ -13674,7 +15313,7 @@
               </a:rPr>
               <a:t>The board.</a:t>
             </a:r>
-            <a:endParaRPr sz="1600" b="0" i="0" u="none" strike="noStrike" cap="none">
+            <a:endParaRPr b="0" i="0" sz="1600" u="none" cap="none" strike="noStrike">
               <a:solidFill>
                 <a:schemeClr val="accent1"/>
               </a:solidFill>
@@ -13685,7 +15324,7 @@
             </a:endParaRPr>
           </a:p>
           <a:p>
-            <a:pPr marL="457200" marR="0" lvl="0" indent="-330200" algn="l" rtl="0">
+            <a:pPr indent="-330200" lvl="0" marL="457200" marR="0" rtl="0" algn="l">
               <a:lnSpc>
                 <a:spcPct val="100000"/>
               </a:lnSpc>
@@ -13703,7 +15342,7 @@
               <a:buChar char="❏"/>
             </a:pPr>
             <a:r>
-              <a:rPr lang="fr-CA" sz="1600" b="0" i="0" u="none" strike="noStrike" cap="none">
+              <a:rPr b="0" i="0" lang="fr-CA" sz="1600" u="none" cap="none" strike="noStrike">
                 <a:solidFill>
                   <a:schemeClr val="accent1"/>
                 </a:solidFill>
@@ -13714,7 +15353,7 @@
               </a:rPr>
               <a:t>This problem is important to the organization, because customers that are churning are a potential source of decrease on the company’s revenues.</a:t>
             </a:r>
-            <a:endParaRPr sz="1600" b="1" i="0" u="none" strike="noStrike" cap="none">
+            <a:endParaRPr b="1" i="0" sz="1600" u="none" cap="none" strike="noStrike">
               <a:solidFill>
                 <a:schemeClr val="accent1"/>
               </a:solidFill>
@@ -13725,7 +15364,7 @@
             </a:endParaRPr>
           </a:p>
           <a:p>
-            <a:pPr marL="0" marR="0" lvl="0" indent="0" algn="l" rtl="0">
+            <a:pPr indent="0" lvl="0" marL="0" marR="0" rtl="0" algn="l">
               <a:lnSpc>
                 <a:spcPct val="100000"/>
               </a:lnSpc>
@@ -13742,7 +15381,10 @@
               <a:buFont typeface="Arial"/>
               <a:buNone/>
             </a:pPr>
-            <a:endParaRPr sz="1400" b="0" i="0" u="none" strike="noStrike" cap="none">
+            <a:r>
+              <a:t/>
+            </a:r>
+            <a:endParaRPr b="0" i="0" sz="1400" u="none" cap="none" strike="noStrike">
               <a:solidFill>
                 <a:srgbClr val="000000"/>
               </a:solidFill>
@@ -13763,11 +15405,11 @@
 </file>
 
 <file path=ppt/slides/slide3.xml><?xml version="1.0" encoding="utf-8"?>
-<p:sld xmlns:a="http://schemas.openxmlformats.org/drawingml/2006/main" xmlns:r="http://schemas.openxmlformats.org/officeDocument/2006/relationships" xmlns:p="http://schemas.openxmlformats.org/presentationml/2006/main">
+<p:sld xmlns:a="http://schemas.openxmlformats.org/drawingml/2006/main" xmlns:r="http://schemas.openxmlformats.org/officeDocument/2006/relationships" xmlns:mc="http://schemas.openxmlformats.org/markup-compatibility/2006" xmlns:mv="urn:schemas-microsoft-com:mac:vml" xmlns:p="http://schemas.openxmlformats.org/presentationml/2006/main" xmlns:c="http://schemas.openxmlformats.org/drawingml/2006/chart" xmlns:dgm="http://schemas.openxmlformats.org/drawingml/2006/diagram" xmlns:o="urn:schemas-microsoft-com:office:office" xmlns:v="urn:schemas-microsoft-com:vml" xmlns:pvml="urn:schemas-microsoft-com:office:powerpoint" xmlns:com="http://schemas.openxmlformats.org/drawingml/2006/compatibility" xmlns:p14="http://schemas.microsoft.com/office/powerpoint/2010/main" xmlns:p15="http://schemas.microsoft.com/office/powerpoint/2012/main">
   <p:cSld>
     <p:spTree>
       <p:nvGrpSpPr>
-        <p:cNvPr id="1" name="Shape 118"/>
+        <p:cNvPr id="118" name="Shape 118"/>
         <p:cNvGrpSpPr/>
         <p:nvPr/>
       </p:nvGrpSpPr>
@@ -13782,9 +15424,7 @@
       <p:sp>
         <p:nvSpPr>
           <p:cNvPr id="119" name="Google Shape;119;p3"/>
-          <p:cNvSpPr txBox="1">
-            <a:spLocks noGrp="1"/>
-          </p:cNvSpPr>
+          <p:cNvSpPr txBox="1"/>
           <p:nvPr>
             <p:ph type="title"/>
           </p:nvPr>
@@ -13803,12 +15443,12 @@
           </a:ln>
         </p:spPr>
         <p:txBody>
-          <a:bodyPr spcFirstLastPara="1" wrap="square" lIns="91425" tIns="91425" rIns="91425" bIns="91425" anchor="t" anchorCtr="0">
+          <a:bodyPr anchorCtr="0" anchor="t" bIns="91425" lIns="91425" spcFirstLastPara="1" rIns="91425" wrap="square" tIns="91425">
             <a:noAutofit/>
           </a:bodyPr>
           <a:lstStyle/>
           <a:p>
-            <a:pPr marL="0" lvl="0" indent="0" algn="l" rtl="0">
+            <a:pPr indent="0" lvl="0" marL="0" rtl="0" algn="l">
               <a:lnSpc>
                 <a:spcPct val="100000"/>
               </a:lnSpc>
@@ -13832,11 +15472,9 @@
       <p:sp>
         <p:nvSpPr>
           <p:cNvPr id="120" name="Google Shape;120;p3"/>
-          <p:cNvSpPr txBox="1">
-            <a:spLocks noGrp="1"/>
-          </p:cNvSpPr>
+          <p:cNvSpPr txBox="1"/>
           <p:nvPr>
-            <p:ph type="body" idx="1"/>
+            <p:ph idx="1" type="body"/>
           </p:nvPr>
         </p:nvSpPr>
         <p:spPr>
@@ -13853,12 +15491,12 @@
           </a:ln>
         </p:spPr>
         <p:txBody>
-          <a:bodyPr spcFirstLastPara="1" wrap="square" lIns="91425" tIns="91425" rIns="91425" bIns="91425" anchor="t" anchorCtr="0">
+          <a:bodyPr anchorCtr="0" anchor="t" bIns="91425" lIns="91425" spcFirstLastPara="1" rIns="91425" wrap="square" tIns="91425">
             <a:noAutofit/>
           </a:bodyPr>
           <a:lstStyle/>
           <a:p>
-            <a:pPr marL="285750" lvl="0" indent="-285750" algn="l" rtl="0">
+            <a:pPr indent="-285750" lvl="0" marL="285750" rtl="0" algn="l">
               <a:lnSpc>
                 <a:spcPct val="115000"/>
               </a:lnSpc>
@@ -13888,11 +15526,11 @@
 </file>
 
 <file path=ppt/slides/slide4.xml><?xml version="1.0" encoding="utf-8"?>
-<p:sld xmlns:a="http://schemas.openxmlformats.org/drawingml/2006/main" xmlns:r="http://schemas.openxmlformats.org/officeDocument/2006/relationships" xmlns:p="http://schemas.openxmlformats.org/presentationml/2006/main">
+<p:sld xmlns:a="http://schemas.openxmlformats.org/drawingml/2006/main" xmlns:r="http://schemas.openxmlformats.org/officeDocument/2006/relationships" xmlns:mc="http://schemas.openxmlformats.org/markup-compatibility/2006" xmlns:mv="urn:schemas-microsoft-com:mac:vml" xmlns:p="http://schemas.openxmlformats.org/presentationml/2006/main" xmlns:c="http://schemas.openxmlformats.org/drawingml/2006/chart" xmlns:dgm="http://schemas.openxmlformats.org/drawingml/2006/diagram" xmlns:o="urn:schemas-microsoft-com:office:office" xmlns:v="urn:schemas-microsoft-com:vml" xmlns:pvml="urn:schemas-microsoft-com:office:powerpoint" xmlns:com="http://schemas.openxmlformats.org/drawingml/2006/compatibility" xmlns:p14="http://schemas.microsoft.com/office/powerpoint/2010/main" xmlns:p15="http://schemas.microsoft.com/office/powerpoint/2012/main">
   <p:cSld>
     <p:spTree>
       <p:nvGrpSpPr>
-        <p:cNvPr id="1" name="Shape 124"/>
+        <p:cNvPr id="124" name="Shape 124"/>
         <p:cNvGrpSpPr/>
         <p:nvPr/>
       </p:nvGrpSpPr>
@@ -13907,9 +15545,7 @@
       <p:sp>
         <p:nvSpPr>
           <p:cNvPr id="125" name="Google Shape;125;p5"/>
-          <p:cNvSpPr txBox="1">
-            <a:spLocks noGrp="1"/>
-          </p:cNvSpPr>
+          <p:cNvSpPr txBox="1"/>
           <p:nvPr>
             <p:ph type="title"/>
           </p:nvPr>
@@ -13928,12 +15564,12 @@
           </a:ln>
         </p:spPr>
         <p:txBody>
-          <a:bodyPr spcFirstLastPara="1" wrap="square" lIns="91425" tIns="91425" rIns="91425" bIns="91425" anchor="t" anchorCtr="0">
+          <a:bodyPr anchorCtr="0" anchor="t" bIns="91425" lIns="91425" spcFirstLastPara="1" rIns="91425" wrap="square" tIns="91425">
             <a:noAutofit/>
           </a:bodyPr>
           <a:lstStyle/>
           <a:p>
-            <a:pPr marL="0" lvl="0" indent="0" algn="ctr" rtl="0">
+            <a:pPr indent="0" lvl="0" marL="0" rtl="0" algn="ctr">
               <a:lnSpc>
                 <a:spcPct val="100000"/>
               </a:lnSpc>
@@ -13963,11 +15599,11 @@
 </file>
 
 <file path=ppt/slides/slide5.xml><?xml version="1.0" encoding="utf-8"?>
-<p:sld xmlns:a="http://schemas.openxmlformats.org/drawingml/2006/main" xmlns:r="http://schemas.openxmlformats.org/officeDocument/2006/relationships" xmlns:p="http://schemas.openxmlformats.org/presentationml/2006/main">
+<p:sld xmlns:a="http://schemas.openxmlformats.org/drawingml/2006/main" xmlns:r="http://schemas.openxmlformats.org/officeDocument/2006/relationships" xmlns:mc="http://schemas.openxmlformats.org/markup-compatibility/2006" xmlns:mv="urn:schemas-microsoft-com:mac:vml" xmlns:p="http://schemas.openxmlformats.org/presentationml/2006/main" xmlns:c="http://schemas.openxmlformats.org/drawingml/2006/chart" xmlns:dgm="http://schemas.openxmlformats.org/drawingml/2006/diagram" xmlns:o="urn:schemas-microsoft-com:office:office" xmlns:v="urn:schemas-microsoft-com:vml" xmlns:pvml="urn:schemas-microsoft-com:office:powerpoint" xmlns:com="http://schemas.openxmlformats.org/drawingml/2006/compatibility" xmlns:p14="http://schemas.microsoft.com/office/powerpoint/2010/main" xmlns:p15="http://schemas.microsoft.com/office/powerpoint/2012/main">
   <p:cSld>
     <p:spTree>
       <p:nvGrpSpPr>
-        <p:cNvPr id="1" name="Shape 129"/>
+        <p:cNvPr id="129" name="Shape 129"/>
         <p:cNvGrpSpPr/>
         <p:nvPr/>
       </p:nvGrpSpPr>
@@ -13982,9 +15618,7 @@
       <p:sp>
         <p:nvSpPr>
           <p:cNvPr id="130" name="Google Shape;130;p6"/>
-          <p:cNvSpPr txBox="1">
-            <a:spLocks noGrp="1"/>
-          </p:cNvSpPr>
+          <p:cNvSpPr txBox="1"/>
           <p:nvPr>
             <p:ph type="title"/>
           </p:nvPr>
@@ -14003,12 +15637,12 @@
           </a:ln>
         </p:spPr>
         <p:txBody>
-          <a:bodyPr spcFirstLastPara="1" wrap="square" lIns="91425" tIns="91425" rIns="91425" bIns="91425" anchor="t" anchorCtr="0">
+          <a:bodyPr anchorCtr="0" anchor="t" bIns="91425" lIns="91425" spcFirstLastPara="1" rIns="91425" wrap="square" tIns="91425">
             <a:noAutofit/>
           </a:bodyPr>
           <a:lstStyle/>
           <a:p>
-            <a:pPr marL="0" lvl="0" indent="0" algn="ctr" rtl="0">
+            <a:pPr indent="0" lvl="0" marL="0" rtl="0" algn="ctr">
               <a:lnSpc>
                 <a:spcPct val="100000"/>
               </a:lnSpc>
@@ -14038,11 +15672,11 @@
 </file>
 
 <file path=ppt/slides/slide6.xml><?xml version="1.0" encoding="utf-8"?>
-<p:sld xmlns:a="http://schemas.openxmlformats.org/drawingml/2006/main" xmlns:r="http://schemas.openxmlformats.org/officeDocument/2006/relationships" xmlns:p="http://schemas.openxmlformats.org/presentationml/2006/main">
+<p:sld xmlns:a="http://schemas.openxmlformats.org/drawingml/2006/main" xmlns:r="http://schemas.openxmlformats.org/officeDocument/2006/relationships" xmlns:mc="http://schemas.openxmlformats.org/markup-compatibility/2006" xmlns:mv="urn:schemas-microsoft-com:mac:vml" xmlns:p="http://schemas.openxmlformats.org/presentationml/2006/main" xmlns:c="http://schemas.openxmlformats.org/drawingml/2006/chart" xmlns:dgm="http://schemas.openxmlformats.org/drawingml/2006/diagram" xmlns:o="urn:schemas-microsoft-com:office:office" xmlns:v="urn:schemas-microsoft-com:vml" xmlns:pvml="urn:schemas-microsoft-com:office:powerpoint" xmlns:com="http://schemas.openxmlformats.org/drawingml/2006/compatibility" xmlns:p14="http://schemas.microsoft.com/office/powerpoint/2010/main" xmlns:p15="http://schemas.microsoft.com/office/powerpoint/2012/main">
   <p:cSld>
     <p:spTree>
       <p:nvGrpSpPr>
-        <p:cNvPr id="1" name="Shape 134"/>
+        <p:cNvPr id="134" name="Shape 134"/>
         <p:cNvGrpSpPr/>
         <p:nvPr/>
       </p:nvGrpSpPr>
@@ -14057,9 +15691,7 @@
       <p:sp>
         <p:nvSpPr>
           <p:cNvPr id="135" name="Google Shape;135;p7"/>
-          <p:cNvSpPr txBox="1">
-            <a:spLocks noGrp="1"/>
-          </p:cNvSpPr>
+          <p:cNvSpPr txBox="1"/>
           <p:nvPr>
             <p:ph type="title"/>
           </p:nvPr>
@@ -14078,12 +15710,12 @@
           </a:ln>
         </p:spPr>
         <p:txBody>
-          <a:bodyPr spcFirstLastPara="1" wrap="square" lIns="91425" tIns="91425" rIns="91425" bIns="91425" anchor="t" anchorCtr="0">
+          <a:bodyPr anchorCtr="0" anchor="t" bIns="91425" lIns="91425" spcFirstLastPara="1" rIns="91425" wrap="square" tIns="91425">
             <a:noAutofit/>
           </a:bodyPr>
           <a:lstStyle/>
           <a:p>
-            <a:pPr marL="0" lvl="0" indent="0" algn="l" rtl="0">
+            <a:pPr indent="0" lvl="0" marL="0" rtl="0" algn="l">
               <a:lnSpc>
                 <a:spcPct val="100000"/>
               </a:lnSpc>
@@ -14113,13 +15745,12 @@
           <p:cNvPicPr preferRelativeResize="0"/>
           <p:nvPr/>
         </p:nvPicPr>
-        <p:blipFill>
+        <p:blipFill rotWithShape="1">
           <a:blip r:embed="rId3">
             <a:alphaModFix/>
           </a:blip>
-          <a:stretch>
-            <a:fillRect/>
-          </a:stretch>
+          <a:srcRect b="0" l="0" r="0" t="0"/>
+          <a:stretch/>
         </p:blipFill>
         <p:spPr>
           <a:xfrm>
@@ -14144,11 +15775,11 @@
 </file>
 
 <file path=ppt/slides/slide7.xml><?xml version="1.0" encoding="utf-8"?>
-<p:sld xmlns:a="http://schemas.openxmlformats.org/drawingml/2006/main" xmlns:r="http://schemas.openxmlformats.org/officeDocument/2006/relationships" xmlns:p="http://schemas.openxmlformats.org/presentationml/2006/main">
+<p:sld xmlns:a="http://schemas.openxmlformats.org/drawingml/2006/main" xmlns:r="http://schemas.openxmlformats.org/officeDocument/2006/relationships" xmlns:mc="http://schemas.openxmlformats.org/markup-compatibility/2006" xmlns:mv="urn:schemas-microsoft-com:mac:vml" xmlns:p="http://schemas.openxmlformats.org/presentationml/2006/main" xmlns:c="http://schemas.openxmlformats.org/drawingml/2006/chart" xmlns:dgm="http://schemas.openxmlformats.org/drawingml/2006/diagram" xmlns:o="urn:schemas-microsoft-com:office:office" xmlns:v="urn:schemas-microsoft-com:vml" xmlns:pvml="urn:schemas-microsoft-com:office:powerpoint" xmlns:com="http://schemas.openxmlformats.org/drawingml/2006/compatibility" xmlns:p14="http://schemas.microsoft.com/office/powerpoint/2010/main" xmlns:p15="http://schemas.microsoft.com/office/powerpoint/2012/main">
   <p:cSld>
     <p:spTree>
       <p:nvGrpSpPr>
-        <p:cNvPr id="1" name=""/>
+        <p:cNvPr id="140" name="Shape 140"/>
         <p:cNvGrpSpPr/>
         <p:nvPr/>
       </p:nvGrpSpPr>
@@ -14162,52 +15793,292 @@
       </p:grpSpPr>
       <p:sp>
         <p:nvSpPr>
-          <p:cNvPr id="2" name="Title 1"/>
-          <p:cNvSpPr>
-            <a:spLocks noGrp="1"/>
-          </p:cNvSpPr>
+          <p:cNvPr id="141" name="Google Shape;141;p4"/>
+          <p:cNvSpPr txBox="1"/>
           <p:nvPr>
             <p:ph type="title"/>
           </p:nvPr>
         </p:nvSpPr>
-        <p:spPr/>
+        <p:spPr>
+          <a:xfrm>
+            <a:off x="729450" y="785250"/>
+            <a:ext cx="7688700" cy="535200"/>
+          </a:xfrm>
+          <a:prstGeom prst="rect">
+            <a:avLst/>
+          </a:prstGeom>
+          <a:noFill/>
+          <a:ln>
+            <a:noFill/>
+          </a:ln>
+        </p:spPr>
         <p:txBody>
-          <a:bodyPr/>
+          <a:bodyPr anchorCtr="0" anchor="t" bIns="91425" lIns="91425" spcFirstLastPara="1" rIns="91425" wrap="square" tIns="91425">
+            <a:noAutofit/>
+          </a:bodyPr>
           <a:lstStyle/>
           <a:p>
+            <a:pPr indent="0" lvl="0" marL="0" rtl="0" algn="l">
+              <a:lnSpc>
+                <a:spcPct val="100000"/>
+              </a:lnSpc>
+              <a:spcBef>
+                <a:spcPts val="0"/>
+              </a:spcBef>
+              <a:spcAft>
+                <a:spcPts val="0"/>
+              </a:spcAft>
+              <a:buClr>
+                <a:schemeClr val="dk2"/>
+              </a:buClr>
+              <a:buSzPts val="2600"/>
+              <a:buNone/>
+            </a:pPr>
             <a:r>
-              <a:rPr lang="en-US" dirty="0" smtClean="0"/>
+              <a:rPr lang="fr-CA"/>
               <a:t>How much is churn affecting the business?</a:t>
             </a:r>
-            <a:endParaRPr lang="en-US" dirty="0"/>
+            <a:endParaRPr/>
           </a:p>
         </p:txBody>
       </p:sp>
+      <p:pic>
+        <p:nvPicPr>
+          <p:cNvPr id="142" name="Google Shape;142;p4"/>
+          <p:cNvPicPr preferRelativeResize="0"/>
+          <p:nvPr/>
+        </p:nvPicPr>
+        <p:blipFill>
+          <a:blip r:embed="rId3">
+            <a:alphaModFix/>
+          </a:blip>
+          <a:stretch>
+            <a:fillRect/>
+          </a:stretch>
+        </p:blipFill>
+        <p:spPr>
+          <a:xfrm>
+            <a:off x="945850" y="1675449"/>
+            <a:ext cx="4782600" cy="2400350"/>
+          </a:xfrm>
+          <a:prstGeom prst="rect">
+            <a:avLst/>
+          </a:prstGeom>
+          <a:noFill/>
+          <a:ln>
+            <a:noFill/>
+          </a:ln>
+        </p:spPr>
+      </p:pic>
+    </p:spTree>
+  </p:cSld>
+  <p:clrMapOvr>
+    <a:masterClrMapping/>
+  </p:clrMapOvr>
+</p:sld>
+</file>
+
+<file path=ppt/slides/slide8.xml><?xml version="1.0" encoding="utf-8"?>
+<p:sld xmlns:a="http://schemas.openxmlformats.org/drawingml/2006/main" xmlns:r="http://schemas.openxmlformats.org/officeDocument/2006/relationships" xmlns:mc="http://schemas.openxmlformats.org/markup-compatibility/2006" xmlns:mv="urn:schemas-microsoft-com:mac:vml" xmlns:p="http://schemas.openxmlformats.org/presentationml/2006/main" xmlns:c="http://schemas.openxmlformats.org/drawingml/2006/chart" xmlns:dgm="http://schemas.openxmlformats.org/drawingml/2006/diagram" xmlns:o="urn:schemas-microsoft-com:office:office" xmlns:v="urn:schemas-microsoft-com:vml" xmlns:pvml="urn:schemas-microsoft-com:office:powerpoint" xmlns:com="http://schemas.openxmlformats.org/drawingml/2006/compatibility" xmlns:p14="http://schemas.microsoft.com/office/powerpoint/2010/main" xmlns:p15="http://schemas.microsoft.com/office/powerpoint/2012/main">
+  <p:cSld>
+    <p:spTree>
+      <p:nvGrpSpPr>
+        <p:cNvPr id="146" name="Shape 146"/>
+        <p:cNvGrpSpPr/>
+        <p:nvPr/>
+      </p:nvGrpSpPr>
+      <p:grpSpPr>
+        <a:xfrm>
+          <a:off x="0" y="0"/>
+          <a:ext cx="0" cy="0"/>
+          <a:chOff x="0" y="0"/>
+          <a:chExt cx="0" cy="0"/>
+        </a:xfrm>
+      </p:grpSpPr>
       <p:sp>
         <p:nvSpPr>
-          <p:cNvPr id="3" name="Text Placeholder 2"/>
-          <p:cNvSpPr>
-            <a:spLocks noGrp="1"/>
-          </p:cNvSpPr>
+          <p:cNvPr id="147" name="Google Shape;147;g8a312b9e02_0_0"/>
+          <p:cNvSpPr txBox="1"/>
           <p:nvPr>
-            <p:ph type="body" idx="1"/>
+            <p:ph type="title"/>
           </p:nvPr>
         </p:nvSpPr>
-        <p:spPr/>
+        <p:spPr>
+          <a:xfrm>
+            <a:off x="729450" y="785250"/>
+            <a:ext cx="7688700" cy="535200"/>
+          </a:xfrm>
+          <a:prstGeom prst="rect">
+            <a:avLst/>
+          </a:prstGeom>
+          <a:noFill/>
+          <a:ln>
+            <a:noFill/>
+          </a:ln>
+        </p:spPr>
         <p:txBody>
-          <a:bodyPr/>
+          <a:bodyPr anchorCtr="0" anchor="t" bIns="91425" lIns="91425" spcFirstLastPara="1" rIns="91425" wrap="square" tIns="91425">
+            <a:noAutofit/>
+          </a:bodyPr>
           <a:lstStyle/>
           <a:p>
-            <a:endParaRPr lang="en-US"/>
+            <a:pPr indent="0" lvl="0" marL="0" rtl="0" algn="l">
+              <a:lnSpc>
+                <a:spcPct val="100000"/>
+              </a:lnSpc>
+              <a:spcBef>
+                <a:spcPts val="0"/>
+              </a:spcBef>
+              <a:spcAft>
+                <a:spcPts val="0"/>
+              </a:spcAft>
+              <a:buClr>
+                <a:schemeClr val="dk2"/>
+              </a:buClr>
+              <a:buSzPts val="2600"/>
+              <a:buNone/>
+            </a:pPr>
+            <a:r>
+              <a:rPr lang="fr-CA"/>
+              <a:t>Distribution of CHURN by AGE</a:t>
+            </a:r>
+            <a:endParaRPr/>
           </a:p>
         </p:txBody>
       </p:sp>
+      <p:pic>
+        <p:nvPicPr>
+          <p:cNvPr id="148" name="Google Shape;148;g8a312b9e02_0_0"/>
+          <p:cNvPicPr preferRelativeResize="0"/>
+          <p:nvPr/>
+        </p:nvPicPr>
+        <p:blipFill>
+          <a:blip r:embed="rId3">
+            <a:alphaModFix/>
+          </a:blip>
+          <a:stretch>
+            <a:fillRect/>
+          </a:stretch>
+        </p:blipFill>
+        <p:spPr>
+          <a:xfrm>
+            <a:off x="950300" y="1731175"/>
+            <a:ext cx="6667500" cy="1833550"/>
+          </a:xfrm>
+          <a:prstGeom prst="rect">
+            <a:avLst/>
+          </a:prstGeom>
+          <a:noFill/>
+          <a:ln>
+            <a:noFill/>
+          </a:ln>
+        </p:spPr>
+      </p:pic>
     </p:spTree>
-    <p:extLst>
-      <p:ext uri="{BB962C8B-B14F-4D97-AF65-F5344CB8AC3E}">
-        <p14:creationId xmlns:p14="http://schemas.microsoft.com/office/powerpoint/2010/main" val="1329447222"/>
-      </p:ext>
-    </p:extLst>
+  </p:cSld>
+  <p:clrMapOvr>
+    <a:masterClrMapping/>
+  </p:clrMapOvr>
+</p:sld>
+</file>
+
+<file path=ppt/slides/slide9.xml><?xml version="1.0" encoding="utf-8"?>
+<p:sld xmlns:a="http://schemas.openxmlformats.org/drawingml/2006/main" xmlns:r="http://schemas.openxmlformats.org/officeDocument/2006/relationships" xmlns:mc="http://schemas.openxmlformats.org/markup-compatibility/2006" xmlns:mv="urn:schemas-microsoft-com:mac:vml" xmlns:p="http://schemas.openxmlformats.org/presentationml/2006/main" xmlns:c="http://schemas.openxmlformats.org/drawingml/2006/chart" xmlns:dgm="http://schemas.openxmlformats.org/drawingml/2006/diagram" xmlns:o="urn:schemas-microsoft-com:office:office" xmlns:v="urn:schemas-microsoft-com:vml" xmlns:pvml="urn:schemas-microsoft-com:office:powerpoint" xmlns:com="http://schemas.openxmlformats.org/drawingml/2006/compatibility" xmlns:p14="http://schemas.microsoft.com/office/powerpoint/2010/main" xmlns:p15="http://schemas.microsoft.com/office/powerpoint/2012/main">
+  <p:cSld>
+    <p:spTree>
+      <p:nvGrpSpPr>
+        <p:cNvPr id="152" name="Shape 152"/>
+        <p:cNvGrpSpPr/>
+        <p:nvPr/>
+      </p:nvGrpSpPr>
+      <p:grpSpPr>
+        <a:xfrm>
+          <a:off x="0" y="0"/>
+          <a:ext cx="0" cy="0"/>
+          <a:chOff x="0" y="0"/>
+          <a:chExt cx="0" cy="0"/>
+        </a:xfrm>
+      </p:grpSpPr>
+      <p:sp>
+        <p:nvSpPr>
+          <p:cNvPr id="153" name="Google Shape;153;g8a312b9e02_0_7"/>
+          <p:cNvSpPr txBox="1"/>
+          <p:nvPr>
+            <p:ph type="title"/>
+          </p:nvPr>
+        </p:nvSpPr>
+        <p:spPr>
+          <a:xfrm>
+            <a:off x="729450" y="785250"/>
+            <a:ext cx="7688700" cy="535200"/>
+          </a:xfrm>
+          <a:prstGeom prst="rect">
+            <a:avLst/>
+          </a:prstGeom>
+          <a:noFill/>
+          <a:ln>
+            <a:noFill/>
+          </a:ln>
+        </p:spPr>
+        <p:txBody>
+          <a:bodyPr anchorCtr="0" anchor="t" bIns="91425" lIns="91425" spcFirstLastPara="1" rIns="91425" wrap="square" tIns="91425">
+            <a:noAutofit/>
+          </a:bodyPr>
+          <a:lstStyle/>
+          <a:p>
+            <a:pPr indent="0" lvl="0" marL="0" rtl="0" algn="l">
+              <a:lnSpc>
+                <a:spcPct val="100000"/>
+              </a:lnSpc>
+              <a:spcBef>
+                <a:spcPts val="0"/>
+              </a:spcBef>
+              <a:spcAft>
+                <a:spcPts val="0"/>
+              </a:spcAft>
+              <a:buClr>
+                <a:schemeClr val="dk2"/>
+              </a:buClr>
+              <a:buSzPts val="2600"/>
+              <a:buNone/>
+            </a:pPr>
+            <a:r>
+              <a:rPr lang="fr-CA"/>
+              <a:t>Distribution of CHURN by GENDER</a:t>
+            </a:r>
+            <a:endParaRPr/>
+          </a:p>
+        </p:txBody>
+      </p:sp>
+      <p:pic>
+        <p:nvPicPr>
+          <p:cNvPr id="154" name="Google Shape;154;g8a312b9e02_0_7"/>
+          <p:cNvPicPr preferRelativeResize="0"/>
+          <p:nvPr/>
+        </p:nvPicPr>
+        <p:blipFill>
+          <a:blip r:embed="rId3">
+            <a:alphaModFix/>
+          </a:blip>
+          <a:stretch>
+            <a:fillRect/>
+          </a:stretch>
+        </p:blipFill>
+        <p:spPr>
+          <a:xfrm>
+            <a:off x="1047750" y="1470125"/>
+            <a:ext cx="3827325" cy="2625625"/>
+          </a:xfrm>
+          <a:prstGeom prst="rect">
+            <a:avLst/>
+          </a:prstGeom>
+          <a:noFill/>
+          <a:ln>
+            <a:noFill/>
+          </a:ln>
+        </p:spPr>
+      </p:pic>
+    </p:spTree>
   </p:cSld>
   <p:clrMapOvr>
     <a:masterClrMapping/>
@@ -14216,7 +16087,7 @@
 </file>
 
 <file path=ppt/theme/theme1.xml><?xml version="1.0" encoding="utf-8"?>
-<a:theme xmlns:a="http://schemas.openxmlformats.org/drawingml/2006/main" name="Streamline">
+<a:theme xmlns:a="http://schemas.openxmlformats.org/drawingml/2006/main" xmlns:r="http://schemas.openxmlformats.org/officeDocument/2006/relationships" name="Streamline">
   <a:themeElements>
     <a:clrScheme name="Streamline">
       <a:dk1>
@@ -14491,13 +16362,11 @@
       </a:bgFillStyleLst>
     </a:fmtScheme>
   </a:themeElements>
-  <a:objectDefaults/>
-  <a:extraClrSchemeLst/>
 </a:theme>
 </file>
 
 <file path=ppt/theme/theme2.xml><?xml version="1.0" encoding="utf-8"?>
-<a:theme xmlns:a="http://schemas.openxmlformats.org/drawingml/2006/main">
+<a:theme xmlns:a="http://schemas.openxmlformats.org/drawingml/2006/main" xmlns:r="http://schemas.openxmlformats.org/officeDocument/2006/relationships">
   <a:themeElements>
     <a:clrScheme name="Default">
       <a:dk1>
@@ -14772,7 +16641,5 @@
       </a:bgFillStyleLst>
     </a:fmtScheme>
   </a:themeElements>
-  <a:objectDefaults/>
-  <a:extraClrSchemeLst/>
 </a:theme>
 </file>